--- a/Pitch-SavvyFix.pptx
+++ b/Pitch-SavvyFix.pptx
@@ -5,24 +5,30 @@
     <p:sldMasterId id="2147483683" r:id="rId1"/>
   </p:sldMasterIdLst>
   <p:notesMasterIdLst>
-    <p:notesMasterId r:id="rId4"/>
+    <p:notesMasterId r:id="rId5"/>
   </p:notesMasterIdLst>
   <p:sldIdLst>
     <p:sldId id="256" r:id="rId2"/>
-    <p:sldId id="281" r:id="rId3"/>
+    <p:sldId id="289" r:id="rId3"/>
+    <p:sldId id="281" r:id="rId4"/>
   </p:sldIdLst>
   <p:sldSz cx="9144000" cy="5143500" type="screen16x9"/>
   <p:notesSz cx="6858000" cy="9144000"/>
   <p:embeddedFontLst>
     <p:embeddedFont>
       <p:font typeface="Inter" panose="020B0604020202020204" charset="0"/>
-      <p:regular r:id="rId5"/>
-      <p:bold r:id="rId6"/>
+      <p:regular r:id="rId6"/>
+      <p:bold r:id="rId7"/>
     </p:embeddedFont>
     <p:embeddedFont>
       <p:font typeface="Manrope Medium" panose="020B0604020202020204" charset="0"/>
-      <p:regular r:id="rId7"/>
-      <p:bold r:id="rId8"/>
+      <p:regular r:id="rId8"/>
+      <p:bold r:id="rId9"/>
+    </p:embeddedFont>
+    <p:embeddedFont>
+      <p:font typeface="Manrope SemiBold" panose="020B0604020202020204" charset="0"/>
+      <p:regular r:id="rId10"/>
+      <p:bold r:id="rId11"/>
     </p:embeddedFont>
   </p:embeddedFontLst>
   <p:defaultTextStyle>
@@ -812,6 +818,110 @@
   <p:cSld>
     <p:spTree>
       <p:nvGrpSpPr>
+        <p:cNvPr id="1" name="Shape 2558"/>
+        <p:cNvGrpSpPr/>
+        <p:nvPr/>
+      </p:nvGrpSpPr>
+      <p:grpSpPr>
+        <a:xfrm>
+          <a:off x="0" y="0"/>
+          <a:ext cx="0" cy="0"/>
+          <a:chOff x="0" y="0"/>
+          <a:chExt cx="0" cy="0"/>
+        </a:xfrm>
+      </p:grpSpPr>
+      <p:sp>
+        <p:nvSpPr>
+          <p:cNvPr id="2559" name="Google Shape;2559;g238dfbb53c3_0_8509:notes"/>
+          <p:cNvSpPr>
+            <a:spLocks noGrp="1" noRot="1" noChangeAspect="1"/>
+          </p:cNvSpPr>
+          <p:nvPr>
+            <p:ph type="sldImg" idx="2"/>
+          </p:nvPr>
+        </p:nvSpPr>
+        <p:spPr>
+          <a:xfrm>
+            <a:off x="381000" y="685800"/>
+            <a:ext cx="6096000" cy="3429000"/>
+          </a:xfrm>
+          <a:custGeom>
+            <a:avLst/>
+            <a:gdLst/>
+            <a:ahLst/>
+            <a:cxnLst/>
+            <a:rect l="l" t="t" r="r" b="b"/>
+            <a:pathLst>
+              <a:path w="120000" h="120000" extrusionOk="0">
+                <a:moveTo>
+                  <a:pt x="0" y="0"/>
+                </a:moveTo>
+                <a:lnTo>
+                  <a:pt x="120000" y="0"/>
+                </a:lnTo>
+                <a:lnTo>
+                  <a:pt x="120000" y="120000"/>
+                </a:lnTo>
+                <a:lnTo>
+                  <a:pt x="0" y="120000"/>
+                </a:lnTo>
+                <a:close/>
+              </a:path>
+            </a:pathLst>
+          </a:custGeom>
+        </p:spPr>
+      </p:sp>
+      <p:sp>
+        <p:nvSpPr>
+          <p:cNvPr id="2560" name="Google Shape;2560;g238dfbb53c3_0_8509:notes"/>
+          <p:cNvSpPr txBox="1">
+            <a:spLocks noGrp="1"/>
+          </p:cNvSpPr>
+          <p:nvPr>
+            <p:ph type="body" idx="1"/>
+          </p:nvPr>
+        </p:nvSpPr>
+        <p:spPr>
+          <a:xfrm>
+            <a:off x="685800" y="4343400"/>
+            <a:ext cx="5486400" cy="4114800"/>
+          </a:xfrm>
+          <a:prstGeom prst="rect">
+            <a:avLst/>
+          </a:prstGeom>
+        </p:spPr>
+        <p:txBody>
+          <a:bodyPr spcFirstLastPara="1" wrap="square" lIns="91425" tIns="91425" rIns="91425" bIns="91425" anchor="t" anchorCtr="0">
+            <a:noAutofit/>
+          </a:bodyPr>
+          <a:lstStyle/>
+          <a:p>
+            <a:pPr marL="0" lvl="0" indent="0" algn="l" rtl="0">
+              <a:spcBef>
+                <a:spcPts val="0"/>
+              </a:spcBef>
+              <a:spcAft>
+                <a:spcPts val="0"/>
+              </a:spcAft>
+              <a:buNone/>
+            </a:pPr>
+            <a:endParaRPr/>
+          </a:p>
+        </p:txBody>
+      </p:sp>
+    </p:spTree>
+  </p:cSld>
+  <p:clrMapOvr>
+    <a:masterClrMapping/>
+  </p:clrMapOvr>
+</p:notes>
+</file>
+
+<file path=ppt/notesSlides/notesSlide3.xml><?xml version="1.0" encoding="utf-8"?>
+<p:notes xmlns:a="http://schemas.openxmlformats.org/drawingml/2006/main" xmlns:r="http://schemas.openxmlformats.org/officeDocument/2006/relationships" xmlns:p="http://schemas.openxmlformats.org/presentationml/2006/main" showMasterSp="0" showMasterPhAnim="0">
+  <p:cSld>
+    <p:spTree>
+      <p:nvGrpSpPr>
         <p:cNvPr id="1" name="Shape 2409"/>
         <p:cNvGrpSpPr/>
         <p:nvPr/>
@@ -6356,6 +6466,3172 @@
 </file>
 
 <file path=ppt/slideLayouts/slideLayout4.xml><?xml version="1.0" encoding="utf-8"?>
+<p:sldLayout xmlns:a="http://schemas.openxmlformats.org/drawingml/2006/main" xmlns:r="http://schemas.openxmlformats.org/officeDocument/2006/relationships" xmlns:p="http://schemas.openxmlformats.org/presentationml/2006/main" matchingName="Title and three columns 1">
+  <p:cSld name="CUSTOM_5">
+    <p:spTree>
+      <p:nvGrpSpPr>
+        <p:cNvPr id="1" name="Shape 1222"/>
+        <p:cNvGrpSpPr/>
+        <p:nvPr/>
+      </p:nvGrpSpPr>
+      <p:grpSpPr>
+        <a:xfrm>
+          <a:off x="0" y="0"/>
+          <a:ext cx="0" cy="0"/>
+          <a:chOff x="0" y="0"/>
+          <a:chExt cx="0" cy="0"/>
+        </a:xfrm>
+      </p:grpSpPr>
+      <p:sp>
+        <p:nvSpPr>
+          <p:cNvPr id="1223" name="Google Shape;1223;p28"/>
+          <p:cNvSpPr txBox="1">
+            <a:spLocks noGrp="1"/>
+          </p:cNvSpPr>
+          <p:nvPr>
+            <p:ph type="title"/>
+          </p:nvPr>
+        </p:nvSpPr>
+        <p:spPr>
+          <a:xfrm>
+            <a:off x="713225" y="520925"/>
+            <a:ext cx="7717500" cy="708000"/>
+          </a:xfrm>
+          <a:prstGeom prst="rect">
+            <a:avLst/>
+          </a:prstGeom>
+        </p:spPr>
+        <p:txBody>
+          <a:bodyPr spcFirstLastPara="1" wrap="square" lIns="91425" tIns="91425" rIns="91425" bIns="91425" anchor="t" anchorCtr="0">
+            <a:noAutofit/>
+          </a:bodyPr>
+          <a:lstStyle>
+            <a:lvl1pPr lvl="0">
+              <a:spcBef>
+                <a:spcPts val="0"/>
+              </a:spcBef>
+              <a:spcAft>
+                <a:spcPts val="0"/>
+              </a:spcAft>
+              <a:buSzPts val="3200"/>
+              <a:buNone/>
+              <a:defRPr/>
+            </a:lvl1pPr>
+            <a:lvl2pPr lvl="1">
+              <a:spcBef>
+                <a:spcPts val="0"/>
+              </a:spcBef>
+              <a:spcAft>
+                <a:spcPts val="0"/>
+              </a:spcAft>
+              <a:buSzPts val="3200"/>
+              <a:buNone/>
+              <a:defRPr/>
+            </a:lvl2pPr>
+            <a:lvl3pPr lvl="2">
+              <a:spcBef>
+                <a:spcPts val="0"/>
+              </a:spcBef>
+              <a:spcAft>
+                <a:spcPts val="0"/>
+              </a:spcAft>
+              <a:buSzPts val="3200"/>
+              <a:buNone/>
+              <a:defRPr/>
+            </a:lvl3pPr>
+            <a:lvl4pPr lvl="3">
+              <a:spcBef>
+                <a:spcPts val="0"/>
+              </a:spcBef>
+              <a:spcAft>
+                <a:spcPts val="0"/>
+              </a:spcAft>
+              <a:buSzPts val="3200"/>
+              <a:buNone/>
+              <a:defRPr/>
+            </a:lvl4pPr>
+            <a:lvl5pPr lvl="4">
+              <a:spcBef>
+                <a:spcPts val="0"/>
+              </a:spcBef>
+              <a:spcAft>
+                <a:spcPts val="0"/>
+              </a:spcAft>
+              <a:buSzPts val="3200"/>
+              <a:buNone/>
+              <a:defRPr/>
+            </a:lvl5pPr>
+            <a:lvl6pPr lvl="5">
+              <a:spcBef>
+                <a:spcPts val="0"/>
+              </a:spcBef>
+              <a:spcAft>
+                <a:spcPts val="0"/>
+              </a:spcAft>
+              <a:buSzPts val="3200"/>
+              <a:buNone/>
+              <a:defRPr/>
+            </a:lvl6pPr>
+            <a:lvl7pPr lvl="6">
+              <a:spcBef>
+                <a:spcPts val="0"/>
+              </a:spcBef>
+              <a:spcAft>
+                <a:spcPts val="0"/>
+              </a:spcAft>
+              <a:buSzPts val="3200"/>
+              <a:buNone/>
+              <a:defRPr/>
+            </a:lvl7pPr>
+            <a:lvl8pPr lvl="7">
+              <a:spcBef>
+                <a:spcPts val="0"/>
+              </a:spcBef>
+              <a:spcAft>
+                <a:spcPts val="0"/>
+              </a:spcAft>
+              <a:buSzPts val="3200"/>
+              <a:buNone/>
+              <a:defRPr/>
+            </a:lvl8pPr>
+            <a:lvl9pPr lvl="8">
+              <a:spcBef>
+                <a:spcPts val="0"/>
+              </a:spcBef>
+              <a:spcAft>
+                <a:spcPts val="0"/>
+              </a:spcAft>
+              <a:buSzPts val="3200"/>
+              <a:buNone/>
+              <a:defRPr/>
+            </a:lvl9pPr>
+          </a:lstStyle>
+          <a:p>
+            <a:endParaRPr/>
+          </a:p>
+        </p:txBody>
+      </p:sp>
+      <p:sp>
+        <p:nvSpPr>
+          <p:cNvPr id="1224" name="Google Shape;1224;p28"/>
+          <p:cNvSpPr txBox="1">
+            <a:spLocks noGrp="1"/>
+          </p:cNvSpPr>
+          <p:nvPr>
+            <p:ph type="subTitle" idx="1"/>
+          </p:nvPr>
+        </p:nvSpPr>
+        <p:spPr>
+          <a:xfrm>
+            <a:off x="713225" y="3465499"/>
+            <a:ext cx="2262600" cy="615600"/>
+          </a:xfrm>
+          <a:prstGeom prst="rect">
+            <a:avLst/>
+          </a:prstGeom>
+        </p:spPr>
+        <p:txBody>
+          <a:bodyPr spcFirstLastPara="1" wrap="square" lIns="91425" tIns="91425" rIns="91425" bIns="91425" anchor="t" anchorCtr="0">
+            <a:noAutofit/>
+          </a:bodyPr>
+          <a:lstStyle>
+            <a:lvl1pPr lvl="0" algn="ctr" rtl="0">
+              <a:lnSpc>
+                <a:spcPct val="100000"/>
+              </a:lnSpc>
+              <a:spcBef>
+                <a:spcPts val="0"/>
+              </a:spcBef>
+              <a:spcAft>
+                <a:spcPts val="0"/>
+              </a:spcAft>
+              <a:buSzPts val="1200"/>
+              <a:buNone/>
+              <a:defRPr/>
+            </a:lvl1pPr>
+            <a:lvl2pPr lvl="1" algn="ctr" rtl="0">
+              <a:lnSpc>
+                <a:spcPct val="100000"/>
+              </a:lnSpc>
+              <a:spcBef>
+                <a:spcPts val="0"/>
+              </a:spcBef>
+              <a:spcAft>
+                <a:spcPts val="0"/>
+              </a:spcAft>
+              <a:buSzPts val="1200"/>
+              <a:buNone/>
+              <a:defRPr/>
+            </a:lvl2pPr>
+            <a:lvl3pPr lvl="2" algn="ctr" rtl="0">
+              <a:lnSpc>
+                <a:spcPct val="100000"/>
+              </a:lnSpc>
+              <a:spcBef>
+                <a:spcPts val="0"/>
+              </a:spcBef>
+              <a:spcAft>
+                <a:spcPts val="0"/>
+              </a:spcAft>
+              <a:buSzPts val="1200"/>
+              <a:buNone/>
+              <a:defRPr/>
+            </a:lvl3pPr>
+            <a:lvl4pPr lvl="3" algn="ctr" rtl="0">
+              <a:lnSpc>
+                <a:spcPct val="100000"/>
+              </a:lnSpc>
+              <a:spcBef>
+                <a:spcPts val="0"/>
+              </a:spcBef>
+              <a:spcAft>
+                <a:spcPts val="0"/>
+              </a:spcAft>
+              <a:buSzPts val="1200"/>
+              <a:buNone/>
+              <a:defRPr/>
+            </a:lvl4pPr>
+            <a:lvl5pPr lvl="4" algn="ctr" rtl="0">
+              <a:lnSpc>
+                <a:spcPct val="100000"/>
+              </a:lnSpc>
+              <a:spcBef>
+                <a:spcPts val="0"/>
+              </a:spcBef>
+              <a:spcAft>
+                <a:spcPts val="0"/>
+              </a:spcAft>
+              <a:buSzPts val="1200"/>
+              <a:buNone/>
+              <a:defRPr/>
+            </a:lvl5pPr>
+            <a:lvl6pPr lvl="5" algn="ctr" rtl="0">
+              <a:lnSpc>
+                <a:spcPct val="100000"/>
+              </a:lnSpc>
+              <a:spcBef>
+                <a:spcPts val="0"/>
+              </a:spcBef>
+              <a:spcAft>
+                <a:spcPts val="0"/>
+              </a:spcAft>
+              <a:buSzPts val="1200"/>
+              <a:buNone/>
+              <a:defRPr/>
+            </a:lvl6pPr>
+            <a:lvl7pPr lvl="6" algn="ctr" rtl="0">
+              <a:lnSpc>
+                <a:spcPct val="100000"/>
+              </a:lnSpc>
+              <a:spcBef>
+                <a:spcPts val="0"/>
+              </a:spcBef>
+              <a:spcAft>
+                <a:spcPts val="0"/>
+              </a:spcAft>
+              <a:buSzPts val="1200"/>
+              <a:buNone/>
+              <a:defRPr/>
+            </a:lvl7pPr>
+            <a:lvl8pPr lvl="7" algn="ctr" rtl="0">
+              <a:lnSpc>
+                <a:spcPct val="100000"/>
+              </a:lnSpc>
+              <a:spcBef>
+                <a:spcPts val="0"/>
+              </a:spcBef>
+              <a:spcAft>
+                <a:spcPts val="0"/>
+              </a:spcAft>
+              <a:buSzPts val="1200"/>
+              <a:buNone/>
+              <a:defRPr/>
+            </a:lvl8pPr>
+            <a:lvl9pPr lvl="8" algn="ctr" rtl="0">
+              <a:lnSpc>
+                <a:spcPct val="100000"/>
+              </a:lnSpc>
+              <a:spcBef>
+                <a:spcPts val="0"/>
+              </a:spcBef>
+              <a:spcAft>
+                <a:spcPts val="0"/>
+              </a:spcAft>
+              <a:buSzPts val="1200"/>
+              <a:buNone/>
+              <a:defRPr/>
+            </a:lvl9pPr>
+          </a:lstStyle>
+          <a:p>
+            <a:endParaRPr/>
+          </a:p>
+        </p:txBody>
+      </p:sp>
+      <p:sp>
+        <p:nvSpPr>
+          <p:cNvPr id="1225" name="Google Shape;1225;p28"/>
+          <p:cNvSpPr txBox="1">
+            <a:spLocks noGrp="1"/>
+          </p:cNvSpPr>
+          <p:nvPr>
+            <p:ph type="subTitle" idx="2"/>
+          </p:nvPr>
+        </p:nvSpPr>
+        <p:spPr>
+          <a:xfrm>
+            <a:off x="713225" y="2996438"/>
+            <a:ext cx="2262600" cy="554100"/>
+          </a:xfrm>
+          <a:prstGeom prst="rect">
+            <a:avLst/>
+          </a:prstGeom>
+        </p:spPr>
+        <p:txBody>
+          <a:bodyPr spcFirstLastPara="1" wrap="square" lIns="91425" tIns="91425" rIns="91425" bIns="91425" anchor="b" anchorCtr="0">
+            <a:noAutofit/>
+          </a:bodyPr>
+          <a:lstStyle>
+            <a:lvl1pPr lvl="0" algn="ctr" rtl="0">
+              <a:lnSpc>
+                <a:spcPct val="100000"/>
+              </a:lnSpc>
+              <a:spcBef>
+                <a:spcPts val="0"/>
+              </a:spcBef>
+              <a:spcAft>
+                <a:spcPts val="0"/>
+              </a:spcAft>
+              <a:buSzPts val="2400"/>
+              <a:buFont typeface="Manrope SemiBold"/>
+              <a:buNone/>
+              <a:defRPr sz="2400">
+                <a:latin typeface="Manrope SemiBold"/>
+                <a:ea typeface="Manrope SemiBold"/>
+                <a:cs typeface="Manrope SemiBold"/>
+                <a:sym typeface="Manrope SemiBold"/>
+              </a:defRPr>
+            </a:lvl1pPr>
+            <a:lvl2pPr lvl="1" algn="ctr" rtl="0">
+              <a:lnSpc>
+                <a:spcPct val="100000"/>
+              </a:lnSpc>
+              <a:spcBef>
+                <a:spcPts val="0"/>
+              </a:spcBef>
+              <a:spcAft>
+                <a:spcPts val="0"/>
+              </a:spcAft>
+              <a:buSzPts val="2400"/>
+              <a:buFont typeface="Manrope SemiBold"/>
+              <a:buNone/>
+              <a:defRPr sz="2400">
+                <a:latin typeface="Manrope SemiBold"/>
+                <a:ea typeface="Manrope SemiBold"/>
+                <a:cs typeface="Manrope SemiBold"/>
+                <a:sym typeface="Manrope SemiBold"/>
+              </a:defRPr>
+            </a:lvl2pPr>
+            <a:lvl3pPr lvl="2" algn="ctr" rtl="0">
+              <a:lnSpc>
+                <a:spcPct val="100000"/>
+              </a:lnSpc>
+              <a:spcBef>
+                <a:spcPts val="0"/>
+              </a:spcBef>
+              <a:spcAft>
+                <a:spcPts val="0"/>
+              </a:spcAft>
+              <a:buSzPts val="2400"/>
+              <a:buFont typeface="Manrope SemiBold"/>
+              <a:buNone/>
+              <a:defRPr sz="2400">
+                <a:latin typeface="Manrope SemiBold"/>
+                <a:ea typeface="Manrope SemiBold"/>
+                <a:cs typeface="Manrope SemiBold"/>
+                <a:sym typeface="Manrope SemiBold"/>
+              </a:defRPr>
+            </a:lvl3pPr>
+            <a:lvl4pPr lvl="3" algn="ctr" rtl="0">
+              <a:lnSpc>
+                <a:spcPct val="100000"/>
+              </a:lnSpc>
+              <a:spcBef>
+                <a:spcPts val="0"/>
+              </a:spcBef>
+              <a:spcAft>
+                <a:spcPts val="0"/>
+              </a:spcAft>
+              <a:buSzPts val="2400"/>
+              <a:buFont typeface="Manrope SemiBold"/>
+              <a:buNone/>
+              <a:defRPr sz="2400">
+                <a:latin typeface="Manrope SemiBold"/>
+                <a:ea typeface="Manrope SemiBold"/>
+                <a:cs typeface="Manrope SemiBold"/>
+                <a:sym typeface="Manrope SemiBold"/>
+              </a:defRPr>
+            </a:lvl4pPr>
+            <a:lvl5pPr lvl="4" algn="ctr" rtl="0">
+              <a:lnSpc>
+                <a:spcPct val="100000"/>
+              </a:lnSpc>
+              <a:spcBef>
+                <a:spcPts val="0"/>
+              </a:spcBef>
+              <a:spcAft>
+                <a:spcPts val="0"/>
+              </a:spcAft>
+              <a:buSzPts val="2400"/>
+              <a:buFont typeface="Manrope SemiBold"/>
+              <a:buNone/>
+              <a:defRPr sz="2400">
+                <a:latin typeface="Manrope SemiBold"/>
+                <a:ea typeface="Manrope SemiBold"/>
+                <a:cs typeface="Manrope SemiBold"/>
+                <a:sym typeface="Manrope SemiBold"/>
+              </a:defRPr>
+            </a:lvl5pPr>
+            <a:lvl6pPr lvl="5" algn="ctr" rtl="0">
+              <a:lnSpc>
+                <a:spcPct val="100000"/>
+              </a:lnSpc>
+              <a:spcBef>
+                <a:spcPts val="0"/>
+              </a:spcBef>
+              <a:spcAft>
+                <a:spcPts val="0"/>
+              </a:spcAft>
+              <a:buSzPts val="2400"/>
+              <a:buFont typeface="Manrope SemiBold"/>
+              <a:buNone/>
+              <a:defRPr sz="2400">
+                <a:latin typeface="Manrope SemiBold"/>
+                <a:ea typeface="Manrope SemiBold"/>
+                <a:cs typeface="Manrope SemiBold"/>
+                <a:sym typeface="Manrope SemiBold"/>
+              </a:defRPr>
+            </a:lvl6pPr>
+            <a:lvl7pPr lvl="6" algn="ctr" rtl="0">
+              <a:lnSpc>
+                <a:spcPct val="100000"/>
+              </a:lnSpc>
+              <a:spcBef>
+                <a:spcPts val="0"/>
+              </a:spcBef>
+              <a:spcAft>
+                <a:spcPts val="0"/>
+              </a:spcAft>
+              <a:buSzPts val="2400"/>
+              <a:buFont typeface="Manrope SemiBold"/>
+              <a:buNone/>
+              <a:defRPr sz="2400">
+                <a:latin typeface="Manrope SemiBold"/>
+                <a:ea typeface="Manrope SemiBold"/>
+                <a:cs typeface="Manrope SemiBold"/>
+                <a:sym typeface="Manrope SemiBold"/>
+              </a:defRPr>
+            </a:lvl7pPr>
+            <a:lvl8pPr lvl="7" algn="ctr" rtl="0">
+              <a:lnSpc>
+                <a:spcPct val="100000"/>
+              </a:lnSpc>
+              <a:spcBef>
+                <a:spcPts val="0"/>
+              </a:spcBef>
+              <a:spcAft>
+                <a:spcPts val="0"/>
+              </a:spcAft>
+              <a:buSzPts val="2400"/>
+              <a:buFont typeface="Manrope SemiBold"/>
+              <a:buNone/>
+              <a:defRPr sz="2400">
+                <a:latin typeface="Manrope SemiBold"/>
+                <a:ea typeface="Manrope SemiBold"/>
+                <a:cs typeface="Manrope SemiBold"/>
+                <a:sym typeface="Manrope SemiBold"/>
+              </a:defRPr>
+            </a:lvl8pPr>
+            <a:lvl9pPr lvl="8" algn="ctr" rtl="0">
+              <a:lnSpc>
+                <a:spcPct val="100000"/>
+              </a:lnSpc>
+              <a:spcBef>
+                <a:spcPts val="0"/>
+              </a:spcBef>
+              <a:spcAft>
+                <a:spcPts val="0"/>
+              </a:spcAft>
+              <a:buSzPts val="2400"/>
+              <a:buFont typeface="Manrope SemiBold"/>
+              <a:buNone/>
+              <a:defRPr sz="2400">
+                <a:latin typeface="Manrope SemiBold"/>
+                <a:ea typeface="Manrope SemiBold"/>
+                <a:cs typeface="Manrope SemiBold"/>
+                <a:sym typeface="Manrope SemiBold"/>
+              </a:defRPr>
+            </a:lvl9pPr>
+          </a:lstStyle>
+          <a:p>
+            <a:endParaRPr/>
+          </a:p>
+        </p:txBody>
+      </p:sp>
+      <p:sp>
+        <p:nvSpPr>
+          <p:cNvPr id="1226" name="Google Shape;1226;p28"/>
+          <p:cNvSpPr txBox="1">
+            <a:spLocks noGrp="1"/>
+          </p:cNvSpPr>
+          <p:nvPr>
+            <p:ph type="subTitle" idx="3"/>
+          </p:nvPr>
+        </p:nvSpPr>
+        <p:spPr>
+          <a:xfrm>
+            <a:off x="6168175" y="3465499"/>
+            <a:ext cx="2262600" cy="615600"/>
+          </a:xfrm>
+          <a:prstGeom prst="rect">
+            <a:avLst/>
+          </a:prstGeom>
+        </p:spPr>
+        <p:txBody>
+          <a:bodyPr spcFirstLastPara="1" wrap="square" lIns="91425" tIns="91425" rIns="91425" bIns="91425" anchor="t" anchorCtr="0">
+            <a:noAutofit/>
+          </a:bodyPr>
+          <a:lstStyle>
+            <a:lvl1pPr lvl="0" algn="ctr" rtl="0">
+              <a:lnSpc>
+                <a:spcPct val="100000"/>
+              </a:lnSpc>
+              <a:spcBef>
+                <a:spcPts val="0"/>
+              </a:spcBef>
+              <a:spcAft>
+                <a:spcPts val="0"/>
+              </a:spcAft>
+              <a:buSzPts val="1200"/>
+              <a:buNone/>
+              <a:defRPr/>
+            </a:lvl1pPr>
+            <a:lvl2pPr lvl="1" algn="ctr" rtl="0">
+              <a:lnSpc>
+                <a:spcPct val="100000"/>
+              </a:lnSpc>
+              <a:spcBef>
+                <a:spcPts val="0"/>
+              </a:spcBef>
+              <a:spcAft>
+                <a:spcPts val="0"/>
+              </a:spcAft>
+              <a:buSzPts val="1200"/>
+              <a:buNone/>
+              <a:defRPr/>
+            </a:lvl2pPr>
+            <a:lvl3pPr lvl="2" algn="ctr" rtl="0">
+              <a:lnSpc>
+                <a:spcPct val="100000"/>
+              </a:lnSpc>
+              <a:spcBef>
+                <a:spcPts val="0"/>
+              </a:spcBef>
+              <a:spcAft>
+                <a:spcPts val="0"/>
+              </a:spcAft>
+              <a:buSzPts val="1200"/>
+              <a:buNone/>
+              <a:defRPr/>
+            </a:lvl3pPr>
+            <a:lvl4pPr lvl="3" algn="ctr" rtl="0">
+              <a:lnSpc>
+                <a:spcPct val="100000"/>
+              </a:lnSpc>
+              <a:spcBef>
+                <a:spcPts val="0"/>
+              </a:spcBef>
+              <a:spcAft>
+                <a:spcPts val="0"/>
+              </a:spcAft>
+              <a:buSzPts val="1200"/>
+              <a:buNone/>
+              <a:defRPr/>
+            </a:lvl4pPr>
+            <a:lvl5pPr lvl="4" algn="ctr" rtl="0">
+              <a:lnSpc>
+                <a:spcPct val="100000"/>
+              </a:lnSpc>
+              <a:spcBef>
+                <a:spcPts val="0"/>
+              </a:spcBef>
+              <a:spcAft>
+                <a:spcPts val="0"/>
+              </a:spcAft>
+              <a:buSzPts val="1200"/>
+              <a:buNone/>
+              <a:defRPr/>
+            </a:lvl5pPr>
+            <a:lvl6pPr lvl="5" algn="ctr" rtl="0">
+              <a:lnSpc>
+                <a:spcPct val="100000"/>
+              </a:lnSpc>
+              <a:spcBef>
+                <a:spcPts val="0"/>
+              </a:spcBef>
+              <a:spcAft>
+                <a:spcPts val="0"/>
+              </a:spcAft>
+              <a:buSzPts val="1200"/>
+              <a:buNone/>
+              <a:defRPr/>
+            </a:lvl6pPr>
+            <a:lvl7pPr lvl="6" algn="ctr" rtl="0">
+              <a:lnSpc>
+                <a:spcPct val="100000"/>
+              </a:lnSpc>
+              <a:spcBef>
+                <a:spcPts val="0"/>
+              </a:spcBef>
+              <a:spcAft>
+                <a:spcPts val="0"/>
+              </a:spcAft>
+              <a:buSzPts val="1200"/>
+              <a:buNone/>
+              <a:defRPr/>
+            </a:lvl7pPr>
+            <a:lvl8pPr lvl="7" algn="ctr" rtl="0">
+              <a:lnSpc>
+                <a:spcPct val="100000"/>
+              </a:lnSpc>
+              <a:spcBef>
+                <a:spcPts val="0"/>
+              </a:spcBef>
+              <a:spcAft>
+                <a:spcPts val="0"/>
+              </a:spcAft>
+              <a:buSzPts val="1200"/>
+              <a:buNone/>
+              <a:defRPr/>
+            </a:lvl8pPr>
+            <a:lvl9pPr lvl="8" algn="ctr" rtl="0">
+              <a:lnSpc>
+                <a:spcPct val="100000"/>
+              </a:lnSpc>
+              <a:spcBef>
+                <a:spcPts val="0"/>
+              </a:spcBef>
+              <a:spcAft>
+                <a:spcPts val="0"/>
+              </a:spcAft>
+              <a:buSzPts val="1200"/>
+              <a:buNone/>
+              <a:defRPr/>
+            </a:lvl9pPr>
+          </a:lstStyle>
+          <a:p>
+            <a:endParaRPr/>
+          </a:p>
+        </p:txBody>
+      </p:sp>
+      <p:sp>
+        <p:nvSpPr>
+          <p:cNvPr id="1227" name="Google Shape;1227;p28"/>
+          <p:cNvSpPr txBox="1">
+            <a:spLocks noGrp="1"/>
+          </p:cNvSpPr>
+          <p:nvPr>
+            <p:ph type="subTitle" idx="4"/>
+          </p:nvPr>
+        </p:nvSpPr>
+        <p:spPr>
+          <a:xfrm>
+            <a:off x="6168175" y="2996438"/>
+            <a:ext cx="2262600" cy="554100"/>
+          </a:xfrm>
+          <a:prstGeom prst="rect">
+            <a:avLst/>
+          </a:prstGeom>
+        </p:spPr>
+        <p:txBody>
+          <a:bodyPr spcFirstLastPara="1" wrap="square" lIns="91425" tIns="91425" rIns="91425" bIns="91425" anchor="b" anchorCtr="0">
+            <a:noAutofit/>
+          </a:bodyPr>
+          <a:lstStyle>
+            <a:lvl1pPr lvl="0" algn="ctr" rtl="0">
+              <a:lnSpc>
+                <a:spcPct val="100000"/>
+              </a:lnSpc>
+              <a:spcBef>
+                <a:spcPts val="0"/>
+              </a:spcBef>
+              <a:spcAft>
+                <a:spcPts val="0"/>
+              </a:spcAft>
+              <a:buSzPts val="2400"/>
+              <a:buFont typeface="Manrope SemiBold"/>
+              <a:buNone/>
+              <a:defRPr sz="2400">
+                <a:latin typeface="Manrope SemiBold"/>
+                <a:ea typeface="Manrope SemiBold"/>
+                <a:cs typeface="Manrope SemiBold"/>
+                <a:sym typeface="Manrope SemiBold"/>
+              </a:defRPr>
+            </a:lvl1pPr>
+            <a:lvl2pPr lvl="1" algn="ctr" rtl="0">
+              <a:lnSpc>
+                <a:spcPct val="100000"/>
+              </a:lnSpc>
+              <a:spcBef>
+                <a:spcPts val="0"/>
+              </a:spcBef>
+              <a:spcAft>
+                <a:spcPts val="0"/>
+              </a:spcAft>
+              <a:buSzPts val="2400"/>
+              <a:buFont typeface="Manrope SemiBold"/>
+              <a:buNone/>
+              <a:defRPr sz="2400">
+                <a:latin typeface="Manrope SemiBold"/>
+                <a:ea typeface="Manrope SemiBold"/>
+                <a:cs typeface="Manrope SemiBold"/>
+                <a:sym typeface="Manrope SemiBold"/>
+              </a:defRPr>
+            </a:lvl2pPr>
+            <a:lvl3pPr lvl="2" algn="ctr" rtl="0">
+              <a:lnSpc>
+                <a:spcPct val="100000"/>
+              </a:lnSpc>
+              <a:spcBef>
+                <a:spcPts val="0"/>
+              </a:spcBef>
+              <a:spcAft>
+                <a:spcPts val="0"/>
+              </a:spcAft>
+              <a:buSzPts val="2400"/>
+              <a:buFont typeface="Manrope SemiBold"/>
+              <a:buNone/>
+              <a:defRPr sz="2400">
+                <a:latin typeface="Manrope SemiBold"/>
+                <a:ea typeface="Manrope SemiBold"/>
+                <a:cs typeface="Manrope SemiBold"/>
+                <a:sym typeface="Manrope SemiBold"/>
+              </a:defRPr>
+            </a:lvl3pPr>
+            <a:lvl4pPr lvl="3" algn="ctr" rtl="0">
+              <a:lnSpc>
+                <a:spcPct val="100000"/>
+              </a:lnSpc>
+              <a:spcBef>
+                <a:spcPts val="0"/>
+              </a:spcBef>
+              <a:spcAft>
+                <a:spcPts val="0"/>
+              </a:spcAft>
+              <a:buSzPts val="2400"/>
+              <a:buFont typeface="Manrope SemiBold"/>
+              <a:buNone/>
+              <a:defRPr sz="2400">
+                <a:latin typeface="Manrope SemiBold"/>
+                <a:ea typeface="Manrope SemiBold"/>
+                <a:cs typeface="Manrope SemiBold"/>
+                <a:sym typeface="Manrope SemiBold"/>
+              </a:defRPr>
+            </a:lvl4pPr>
+            <a:lvl5pPr lvl="4" algn="ctr" rtl="0">
+              <a:lnSpc>
+                <a:spcPct val="100000"/>
+              </a:lnSpc>
+              <a:spcBef>
+                <a:spcPts val="0"/>
+              </a:spcBef>
+              <a:spcAft>
+                <a:spcPts val="0"/>
+              </a:spcAft>
+              <a:buSzPts val="2400"/>
+              <a:buFont typeface="Manrope SemiBold"/>
+              <a:buNone/>
+              <a:defRPr sz="2400">
+                <a:latin typeface="Manrope SemiBold"/>
+                <a:ea typeface="Manrope SemiBold"/>
+                <a:cs typeface="Manrope SemiBold"/>
+                <a:sym typeface="Manrope SemiBold"/>
+              </a:defRPr>
+            </a:lvl5pPr>
+            <a:lvl6pPr lvl="5" algn="ctr" rtl="0">
+              <a:lnSpc>
+                <a:spcPct val="100000"/>
+              </a:lnSpc>
+              <a:spcBef>
+                <a:spcPts val="0"/>
+              </a:spcBef>
+              <a:spcAft>
+                <a:spcPts val="0"/>
+              </a:spcAft>
+              <a:buSzPts val="2400"/>
+              <a:buFont typeface="Manrope SemiBold"/>
+              <a:buNone/>
+              <a:defRPr sz="2400">
+                <a:latin typeface="Manrope SemiBold"/>
+                <a:ea typeface="Manrope SemiBold"/>
+                <a:cs typeface="Manrope SemiBold"/>
+                <a:sym typeface="Manrope SemiBold"/>
+              </a:defRPr>
+            </a:lvl6pPr>
+            <a:lvl7pPr lvl="6" algn="ctr" rtl="0">
+              <a:lnSpc>
+                <a:spcPct val="100000"/>
+              </a:lnSpc>
+              <a:spcBef>
+                <a:spcPts val="0"/>
+              </a:spcBef>
+              <a:spcAft>
+                <a:spcPts val="0"/>
+              </a:spcAft>
+              <a:buSzPts val="2400"/>
+              <a:buFont typeface="Manrope SemiBold"/>
+              <a:buNone/>
+              <a:defRPr sz="2400">
+                <a:latin typeface="Manrope SemiBold"/>
+                <a:ea typeface="Manrope SemiBold"/>
+                <a:cs typeface="Manrope SemiBold"/>
+                <a:sym typeface="Manrope SemiBold"/>
+              </a:defRPr>
+            </a:lvl7pPr>
+            <a:lvl8pPr lvl="7" algn="ctr" rtl="0">
+              <a:lnSpc>
+                <a:spcPct val="100000"/>
+              </a:lnSpc>
+              <a:spcBef>
+                <a:spcPts val="0"/>
+              </a:spcBef>
+              <a:spcAft>
+                <a:spcPts val="0"/>
+              </a:spcAft>
+              <a:buSzPts val="2400"/>
+              <a:buFont typeface="Manrope SemiBold"/>
+              <a:buNone/>
+              <a:defRPr sz="2400">
+                <a:latin typeface="Manrope SemiBold"/>
+                <a:ea typeface="Manrope SemiBold"/>
+                <a:cs typeface="Manrope SemiBold"/>
+                <a:sym typeface="Manrope SemiBold"/>
+              </a:defRPr>
+            </a:lvl8pPr>
+            <a:lvl9pPr lvl="8" algn="ctr" rtl="0">
+              <a:lnSpc>
+                <a:spcPct val="100000"/>
+              </a:lnSpc>
+              <a:spcBef>
+                <a:spcPts val="0"/>
+              </a:spcBef>
+              <a:spcAft>
+                <a:spcPts val="0"/>
+              </a:spcAft>
+              <a:buSzPts val="2400"/>
+              <a:buFont typeface="Manrope SemiBold"/>
+              <a:buNone/>
+              <a:defRPr sz="2400">
+                <a:latin typeface="Manrope SemiBold"/>
+                <a:ea typeface="Manrope SemiBold"/>
+                <a:cs typeface="Manrope SemiBold"/>
+                <a:sym typeface="Manrope SemiBold"/>
+              </a:defRPr>
+            </a:lvl9pPr>
+          </a:lstStyle>
+          <a:p>
+            <a:endParaRPr/>
+          </a:p>
+        </p:txBody>
+      </p:sp>
+      <p:sp>
+        <p:nvSpPr>
+          <p:cNvPr id="1228" name="Google Shape;1228;p28"/>
+          <p:cNvSpPr txBox="1">
+            <a:spLocks noGrp="1"/>
+          </p:cNvSpPr>
+          <p:nvPr>
+            <p:ph type="subTitle" idx="5"/>
+          </p:nvPr>
+        </p:nvSpPr>
+        <p:spPr>
+          <a:xfrm>
+            <a:off x="3440700" y="3465499"/>
+            <a:ext cx="2262600" cy="615600"/>
+          </a:xfrm>
+          <a:prstGeom prst="rect">
+            <a:avLst/>
+          </a:prstGeom>
+        </p:spPr>
+        <p:txBody>
+          <a:bodyPr spcFirstLastPara="1" wrap="square" lIns="91425" tIns="91425" rIns="91425" bIns="91425" anchor="t" anchorCtr="0">
+            <a:noAutofit/>
+          </a:bodyPr>
+          <a:lstStyle>
+            <a:lvl1pPr lvl="0" algn="ctr" rtl="0">
+              <a:lnSpc>
+                <a:spcPct val="100000"/>
+              </a:lnSpc>
+              <a:spcBef>
+                <a:spcPts val="0"/>
+              </a:spcBef>
+              <a:spcAft>
+                <a:spcPts val="0"/>
+              </a:spcAft>
+              <a:buSzPts val="1200"/>
+              <a:buNone/>
+              <a:defRPr/>
+            </a:lvl1pPr>
+            <a:lvl2pPr lvl="1" algn="ctr" rtl="0">
+              <a:lnSpc>
+                <a:spcPct val="100000"/>
+              </a:lnSpc>
+              <a:spcBef>
+                <a:spcPts val="0"/>
+              </a:spcBef>
+              <a:spcAft>
+                <a:spcPts val="0"/>
+              </a:spcAft>
+              <a:buSzPts val="1200"/>
+              <a:buNone/>
+              <a:defRPr/>
+            </a:lvl2pPr>
+            <a:lvl3pPr lvl="2" algn="ctr" rtl="0">
+              <a:lnSpc>
+                <a:spcPct val="100000"/>
+              </a:lnSpc>
+              <a:spcBef>
+                <a:spcPts val="0"/>
+              </a:spcBef>
+              <a:spcAft>
+                <a:spcPts val="0"/>
+              </a:spcAft>
+              <a:buSzPts val="1200"/>
+              <a:buNone/>
+              <a:defRPr/>
+            </a:lvl3pPr>
+            <a:lvl4pPr lvl="3" algn="ctr" rtl="0">
+              <a:lnSpc>
+                <a:spcPct val="100000"/>
+              </a:lnSpc>
+              <a:spcBef>
+                <a:spcPts val="0"/>
+              </a:spcBef>
+              <a:spcAft>
+                <a:spcPts val="0"/>
+              </a:spcAft>
+              <a:buSzPts val="1200"/>
+              <a:buNone/>
+              <a:defRPr/>
+            </a:lvl4pPr>
+            <a:lvl5pPr lvl="4" algn="ctr" rtl="0">
+              <a:lnSpc>
+                <a:spcPct val="100000"/>
+              </a:lnSpc>
+              <a:spcBef>
+                <a:spcPts val="0"/>
+              </a:spcBef>
+              <a:spcAft>
+                <a:spcPts val="0"/>
+              </a:spcAft>
+              <a:buSzPts val="1200"/>
+              <a:buNone/>
+              <a:defRPr/>
+            </a:lvl5pPr>
+            <a:lvl6pPr lvl="5" algn="ctr" rtl="0">
+              <a:lnSpc>
+                <a:spcPct val="100000"/>
+              </a:lnSpc>
+              <a:spcBef>
+                <a:spcPts val="0"/>
+              </a:spcBef>
+              <a:spcAft>
+                <a:spcPts val="0"/>
+              </a:spcAft>
+              <a:buSzPts val="1200"/>
+              <a:buNone/>
+              <a:defRPr/>
+            </a:lvl6pPr>
+            <a:lvl7pPr lvl="6" algn="ctr" rtl="0">
+              <a:lnSpc>
+                <a:spcPct val="100000"/>
+              </a:lnSpc>
+              <a:spcBef>
+                <a:spcPts val="0"/>
+              </a:spcBef>
+              <a:spcAft>
+                <a:spcPts val="0"/>
+              </a:spcAft>
+              <a:buSzPts val="1200"/>
+              <a:buNone/>
+              <a:defRPr/>
+            </a:lvl7pPr>
+            <a:lvl8pPr lvl="7" algn="ctr" rtl="0">
+              <a:lnSpc>
+                <a:spcPct val="100000"/>
+              </a:lnSpc>
+              <a:spcBef>
+                <a:spcPts val="0"/>
+              </a:spcBef>
+              <a:spcAft>
+                <a:spcPts val="0"/>
+              </a:spcAft>
+              <a:buSzPts val="1200"/>
+              <a:buNone/>
+              <a:defRPr/>
+            </a:lvl8pPr>
+            <a:lvl9pPr lvl="8" algn="ctr" rtl="0">
+              <a:lnSpc>
+                <a:spcPct val="100000"/>
+              </a:lnSpc>
+              <a:spcBef>
+                <a:spcPts val="0"/>
+              </a:spcBef>
+              <a:spcAft>
+                <a:spcPts val="0"/>
+              </a:spcAft>
+              <a:buSzPts val="1200"/>
+              <a:buNone/>
+              <a:defRPr/>
+            </a:lvl9pPr>
+          </a:lstStyle>
+          <a:p>
+            <a:endParaRPr/>
+          </a:p>
+        </p:txBody>
+      </p:sp>
+      <p:sp>
+        <p:nvSpPr>
+          <p:cNvPr id="1229" name="Google Shape;1229;p28"/>
+          <p:cNvSpPr txBox="1">
+            <a:spLocks noGrp="1"/>
+          </p:cNvSpPr>
+          <p:nvPr>
+            <p:ph type="subTitle" idx="6"/>
+          </p:nvPr>
+        </p:nvSpPr>
+        <p:spPr>
+          <a:xfrm>
+            <a:off x="3440700" y="2996438"/>
+            <a:ext cx="2262600" cy="554100"/>
+          </a:xfrm>
+          <a:prstGeom prst="rect">
+            <a:avLst/>
+          </a:prstGeom>
+        </p:spPr>
+        <p:txBody>
+          <a:bodyPr spcFirstLastPara="1" wrap="square" lIns="91425" tIns="91425" rIns="91425" bIns="91425" anchor="b" anchorCtr="0">
+            <a:noAutofit/>
+          </a:bodyPr>
+          <a:lstStyle>
+            <a:lvl1pPr lvl="0" algn="ctr" rtl="0">
+              <a:lnSpc>
+                <a:spcPct val="100000"/>
+              </a:lnSpc>
+              <a:spcBef>
+                <a:spcPts val="0"/>
+              </a:spcBef>
+              <a:spcAft>
+                <a:spcPts val="0"/>
+              </a:spcAft>
+              <a:buSzPts val="2400"/>
+              <a:buFont typeface="Manrope SemiBold"/>
+              <a:buNone/>
+              <a:defRPr sz="2400">
+                <a:latin typeface="Manrope SemiBold"/>
+                <a:ea typeface="Manrope SemiBold"/>
+                <a:cs typeface="Manrope SemiBold"/>
+                <a:sym typeface="Manrope SemiBold"/>
+              </a:defRPr>
+            </a:lvl1pPr>
+            <a:lvl2pPr lvl="1" algn="ctr" rtl="0">
+              <a:lnSpc>
+                <a:spcPct val="100000"/>
+              </a:lnSpc>
+              <a:spcBef>
+                <a:spcPts val="0"/>
+              </a:spcBef>
+              <a:spcAft>
+                <a:spcPts val="0"/>
+              </a:spcAft>
+              <a:buSzPts val="2400"/>
+              <a:buFont typeface="Manrope SemiBold"/>
+              <a:buNone/>
+              <a:defRPr sz="2400">
+                <a:latin typeface="Manrope SemiBold"/>
+                <a:ea typeface="Manrope SemiBold"/>
+                <a:cs typeface="Manrope SemiBold"/>
+                <a:sym typeface="Manrope SemiBold"/>
+              </a:defRPr>
+            </a:lvl2pPr>
+            <a:lvl3pPr lvl="2" algn="ctr" rtl="0">
+              <a:lnSpc>
+                <a:spcPct val="100000"/>
+              </a:lnSpc>
+              <a:spcBef>
+                <a:spcPts val="0"/>
+              </a:spcBef>
+              <a:spcAft>
+                <a:spcPts val="0"/>
+              </a:spcAft>
+              <a:buSzPts val="2400"/>
+              <a:buFont typeface="Manrope SemiBold"/>
+              <a:buNone/>
+              <a:defRPr sz="2400">
+                <a:latin typeface="Manrope SemiBold"/>
+                <a:ea typeface="Manrope SemiBold"/>
+                <a:cs typeface="Manrope SemiBold"/>
+                <a:sym typeface="Manrope SemiBold"/>
+              </a:defRPr>
+            </a:lvl3pPr>
+            <a:lvl4pPr lvl="3" algn="ctr" rtl="0">
+              <a:lnSpc>
+                <a:spcPct val="100000"/>
+              </a:lnSpc>
+              <a:spcBef>
+                <a:spcPts val="0"/>
+              </a:spcBef>
+              <a:spcAft>
+                <a:spcPts val="0"/>
+              </a:spcAft>
+              <a:buSzPts val="2400"/>
+              <a:buFont typeface="Manrope SemiBold"/>
+              <a:buNone/>
+              <a:defRPr sz="2400">
+                <a:latin typeface="Manrope SemiBold"/>
+                <a:ea typeface="Manrope SemiBold"/>
+                <a:cs typeface="Manrope SemiBold"/>
+                <a:sym typeface="Manrope SemiBold"/>
+              </a:defRPr>
+            </a:lvl4pPr>
+            <a:lvl5pPr lvl="4" algn="ctr" rtl="0">
+              <a:lnSpc>
+                <a:spcPct val="100000"/>
+              </a:lnSpc>
+              <a:spcBef>
+                <a:spcPts val="0"/>
+              </a:spcBef>
+              <a:spcAft>
+                <a:spcPts val="0"/>
+              </a:spcAft>
+              <a:buSzPts val="2400"/>
+              <a:buFont typeface="Manrope SemiBold"/>
+              <a:buNone/>
+              <a:defRPr sz="2400">
+                <a:latin typeface="Manrope SemiBold"/>
+                <a:ea typeface="Manrope SemiBold"/>
+                <a:cs typeface="Manrope SemiBold"/>
+                <a:sym typeface="Manrope SemiBold"/>
+              </a:defRPr>
+            </a:lvl5pPr>
+            <a:lvl6pPr lvl="5" algn="ctr" rtl="0">
+              <a:lnSpc>
+                <a:spcPct val="100000"/>
+              </a:lnSpc>
+              <a:spcBef>
+                <a:spcPts val="0"/>
+              </a:spcBef>
+              <a:spcAft>
+                <a:spcPts val="0"/>
+              </a:spcAft>
+              <a:buSzPts val="2400"/>
+              <a:buFont typeface="Manrope SemiBold"/>
+              <a:buNone/>
+              <a:defRPr sz="2400">
+                <a:latin typeface="Manrope SemiBold"/>
+                <a:ea typeface="Manrope SemiBold"/>
+                <a:cs typeface="Manrope SemiBold"/>
+                <a:sym typeface="Manrope SemiBold"/>
+              </a:defRPr>
+            </a:lvl6pPr>
+            <a:lvl7pPr lvl="6" algn="ctr" rtl="0">
+              <a:lnSpc>
+                <a:spcPct val="100000"/>
+              </a:lnSpc>
+              <a:spcBef>
+                <a:spcPts val="0"/>
+              </a:spcBef>
+              <a:spcAft>
+                <a:spcPts val="0"/>
+              </a:spcAft>
+              <a:buSzPts val="2400"/>
+              <a:buFont typeface="Manrope SemiBold"/>
+              <a:buNone/>
+              <a:defRPr sz="2400">
+                <a:latin typeface="Manrope SemiBold"/>
+                <a:ea typeface="Manrope SemiBold"/>
+                <a:cs typeface="Manrope SemiBold"/>
+                <a:sym typeface="Manrope SemiBold"/>
+              </a:defRPr>
+            </a:lvl7pPr>
+            <a:lvl8pPr lvl="7" algn="ctr" rtl="0">
+              <a:lnSpc>
+                <a:spcPct val="100000"/>
+              </a:lnSpc>
+              <a:spcBef>
+                <a:spcPts val="0"/>
+              </a:spcBef>
+              <a:spcAft>
+                <a:spcPts val="0"/>
+              </a:spcAft>
+              <a:buSzPts val="2400"/>
+              <a:buFont typeface="Manrope SemiBold"/>
+              <a:buNone/>
+              <a:defRPr sz="2400">
+                <a:latin typeface="Manrope SemiBold"/>
+                <a:ea typeface="Manrope SemiBold"/>
+                <a:cs typeface="Manrope SemiBold"/>
+                <a:sym typeface="Manrope SemiBold"/>
+              </a:defRPr>
+            </a:lvl8pPr>
+            <a:lvl9pPr lvl="8" algn="ctr" rtl="0">
+              <a:lnSpc>
+                <a:spcPct val="100000"/>
+              </a:lnSpc>
+              <a:spcBef>
+                <a:spcPts val="0"/>
+              </a:spcBef>
+              <a:spcAft>
+                <a:spcPts val="0"/>
+              </a:spcAft>
+              <a:buSzPts val="2400"/>
+              <a:buFont typeface="Manrope SemiBold"/>
+              <a:buNone/>
+              <a:defRPr sz="2400">
+                <a:latin typeface="Manrope SemiBold"/>
+                <a:ea typeface="Manrope SemiBold"/>
+                <a:cs typeface="Manrope SemiBold"/>
+                <a:sym typeface="Manrope SemiBold"/>
+              </a:defRPr>
+            </a:lvl9pPr>
+          </a:lstStyle>
+          <a:p>
+            <a:endParaRPr/>
+          </a:p>
+        </p:txBody>
+      </p:sp>
+      <p:grpSp>
+        <p:nvGrpSpPr>
+          <p:cNvPr id="1230" name="Google Shape;1230;p28"/>
+          <p:cNvGrpSpPr/>
+          <p:nvPr/>
+        </p:nvGrpSpPr>
+        <p:grpSpPr>
+          <a:xfrm>
+            <a:off x="-933564" y="4566019"/>
+            <a:ext cx="2577160" cy="2638569"/>
+            <a:chOff x="-1115775" y="4467744"/>
+            <a:chExt cx="2577160" cy="2638569"/>
+          </a:xfrm>
+        </p:grpSpPr>
+        <p:sp>
+          <p:nvSpPr>
+            <p:cNvPr id="1231" name="Google Shape;1231;p28"/>
+            <p:cNvSpPr/>
+            <p:nvPr/>
+          </p:nvSpPr>
+          <p:spPr>
+            <a:xfrm>
+              <a:off x="-961762" y="4467744"/>
+              <a:ext cx="1751700" cy="1751700"/>
+            </a:xfrm>
+            <a:prstGeom prst="ellipse">
+              <a:avLst/>
+            </a:prstGeom>
+            <a:solidFill>
+              <a:schemeClr val="accent1"/>
+            </a:solidFill>
+            <a:ln>
+              <a:noFill/>
+            </a:ln>
+          </p:spPr>
+          <p:txBody>
+            <a:bodyPr spcFirstLastPara="1" wrap="square" lIns="91425" tIns="91425" rIns="91425" bIns="91425" anchor="ctr" anchorCtr="0">
+              <a:noAutofit/>
+            </a:bodyPr>
+            <a:lstStyle/>
+            <a:p>
+              <a:pPr marL="0" lvl="0" indent="0" algn="l" rtl="0">
+                <a:spcBef>
+                  <a:spcPts val="0"/>
+                </a:spcBef>
+                <a:spcAft>
+                  <a:spcPts val="0"/>
+                </a:spcAft>
+                <a:buNone/>
+              </a:pPr>
+              <a:endParaRPr>
+                <a:latin typeface="Inter"/>
+                <a:ea typeface="Inter"/>
+                <a:cs typeface="Inter"/>
+                <a:sym typeface="Inter"/>
+              </a:endParaRPr>
+            </a:p>
+          </p:txBody>
+        </p:sp>
+        <p:grpSp>
+          <p:nvGrpSpPr>
+            <p:cNvPr id="1232" name="Google Shape;1232;p28"/>
+            <p:cNvGrpSpPr/>
+            <p:nvPr/>
+          </p:nvGrpSpPr>
+          <p:grpSpPr>
+            <a:xfrm rot="5400000" flipH="1">
+              <a:off x="-1115103" y="4529824"/>
+              <a:ext cx="2575817" cy="2577160"/>
+              <a:chOff x="1550275" y="1493275"/>
+              <a:chExt cx="1582100" cy="1582925"/>
+            </a:xfrm>
+          </p:grpSpPr>
+          <p:sp>
+            <p:nvSpPr>
+              <p:cNvPr id="1233" name="Google Shape;1233;p28"/>
+              <p:cNvSpPr/>
+              <p:nvPr/>
+            </p:nvSpPr>
+            <p:spPr>
+              <a:xfrm>
+                <a:off x="1650275" y="1594100"/>
+                <a:ext cx="301650" cy="300825"/>
+              </a:xfrm>
+              <a:custGeom>
+                <a:avLst/>
+                <a:gdLst/>
+                <a:ahLst/>
+                <a:cxnLst/>
+                <a:rect l="l" t="t" r="r" b="b"/>
+                <a:pathLst>
+                  <a:path w="12066" h="12033" fill="none" extrusionOk="0">
+                    <a:moveTo>
+                      <a:pt x="1" y="12032"/>
+                    </a:moveTo>
+                    <a:lnTo>
+                      <a:pt x="12065" y="0"/>
+                    </a:lnTo>
+                  </a:path>
+                </a:pathLst>
+              </a:custGeom>
+              <a:noFill/>
+              <a:ln w="19050" cap="rnd" cmpd="sng">
+                <a:solidFill>
+                  <a:schemeClr val="lt2"/>
+                </a:solidFill>
+                <a:prstDash val="solid"/>
+                <a:miter lim="32519"/>
+                <a:headEnd type="none" w="sm" len="sm"/>
+                <a:tailEnd type="none" w="sm" len="sm"/>
+              </a:ln>
+            </p:spPr>
+            <p:txBody>
+              <a:bodyPr spcFirstLastPara="1" wrap="square" lIns="91425" tIns="91425" rIns="91425" bIns="91425" anchor="ctr" anchorCtr="0">
+                <a:noAutofit/>
+              </a:bodyPr>
+              <a:lstStyle/>
+              <a:p>
+                <a:pPr marL="0" lvl="0" indent="0" algn="l" rtl="0">
+                  <a:spcBef>
+                    <a:spcPts val="0"/>
+                  </a:spcBef>
+                  <a:spcAft>
+                    <a:spcPts val="0"/>
+                  </a:spcAft>
+                  <a:buNone/>
+                </a:pPr>
+                <a:endParaRPr>
+                  <a:latin typeface="Inter"/>
+                  <a:ea typeface="Inter"/>
+                  <a:cs typeface="Inter"/>
+                  <a:sym typeface="Inter"/>
+                </a:endParaRPr>
+              </a:p>
+            </p:txBody>
+          </p:sp>
+          <p:sp>
+            <p:nvSpPr>
+              <p:cNvPr id="1234" name="Google Shape;1234;p28"/>
+              <p:cNvSpPr/>
+              <p:nvPr/>
+            </p:nvSpPr>
+            <p:spPr>
+              <a:xfrm>
+                <a:off x="1560025" y="1503850"/>
+                <a:ext cx="648800" cy="647975"/>
+              </a:xfrm>
+              <a:custGeom>
+                <a:avLst/>
+                <a:gdLst/>
+                <a:ahLst/>
+                <a:cxnLst/>
+                <a:rect l="l" t="t" r="r" b="b"/>
+                <a:pathLst>
+                  <a:path w="25952" h="25919" fill="none" extrusionOk="0">
+                    <a:moveTo>
+                      <a:pt x="1" y="25919"/>
+                    </a:moveTo>
+                    <a:lnTo>
+                      <a:pt x="25952" y="0"/>
+                    </a:lnTo>
+                  </a:path>
+                </a:pathLst>
+              </a:custGeom>
+              <a:noFill/>
+              <a:ln w="19050" cap="rnd" cmpd="sng">
+                <a:solidFill>
+                  <a:schemeClr val="lt2"/>
+                </a:solidFill>
+                <a:prstDash val="solid"/>
+                <a:miter lim="32519"/>
+                <a:headEnd type="none" w="sm" len="sm"/>
+                <a:tailEnd type="none" w="sm" len="sm"/>
+              </a:ln>
+            </p:spPr>
+            <p:txBody>
+              <a:bodyPr spcFirstLastPara="1" wrap="square" lIns="91425" tIns="91425" rIns="91425" bIns="91425" anchor="ctr" anchorCtr="0">
+                <a:noAutofit/>
+              </a:bodyPr>
+              <a:lstStyle/>
+              <a:p>
+                <a:pPr marL="0" lvl="0" indent="0" algn="l" rtl="0">
+                  <a:spcBef>
+                    <a:spcPts val="0"/>
+                  </a:spcBef>
+                  <a:spcAft>
+                    <a:spcPts val="0"/>
+                  </a:spcAft>
+                  <a:buNone/>
+                </a:pPr>
+                <a:endParaRPr>
+                  <a:latin typeface="Inter"/>
+                  <a:ea typeface="Inter"/>
+                  <a:cs typeface="Inter"/>
+                  <a:sym typeface="Inter"/>
+                </a:endParaRPr>
+              </a:p>
+            </p:txBody>
+          </p:sp>
+          <p:sp>
+            <p:nvSpPr>
+              <p:cNvPr id="1235" name="Google Shape;1235;p28"/>
+              <p:cNvSpPr/>
+              <p:nvPr/>
+            </p:nvSpPr>
+            <p:spPr>
+              <a:xfrm>
+                <a:off x="1550275" y="1493275"/>
+                <a:ext cx="834150" cy="834975"/>
+              </a:xfrm>
+              <a:custGeom>
+                <a:avLst/>
+                <a:gdLst/>
+                <a:ahLst/>
+                <a:cxnLst/>
+                <a:rect l="l" t="t" r="r" b="b"/>
+                <a:pathLst>
+                  <a:path w="33366" h="33399" fill="none" extrusionOk="0">
+                    <a:moveTo>
+                      <a:pt x="1" y="33398"/>
+                    </a:moveTo>
+                    <a:lnTo>
+                      <a:pt x="33366" y="1"/>
+                    </a:lnTo>
+                  </a:path>
+                </a:pathLst>
+              </a:custGeom>
+              <a:noFill/>
+              <a:ln w="19050" cap="rnd" cmpd="sng">
+                <a:solidFill>
+                  <a:schemeClr val="lt2"/>
+                </a:solidFill>
+                <a:prstDash val="solid"/>
+                <a:miter lim="32519"/>
+                <a:headEnd type="none" w="sm" len="sm"/>
+                <a:tailEnd type="none" w="sm" len="sm"/>
+              </a:ln>
+            </p:spPr>
+            <p:txBody>
+              <a:bodyPr spcFirstLastPara="1" wrap="square" lIns="91425" tIns="91425" rIns="91425" bIns="91425" anchor="ctr" anchorCtr="0">
+                <a:noAutofit/>
+              </a:bodyPr>
+              <a:lstStyle/>
+              <a:p>
+                <a:pPr marL="0" lvl="0" indent="0" algn="l" rtl="0">
+                  <a:spcBef>
+                    <a:spcPts val="0"/>
+                  </a:spcBef>
+                  <a:spcAft>
+                    <a:spcPts val="0"/>
+                  </a:spcAft>
+                  <a:buNone/>
+                </a:pPr>
+                <a:endParaRPr>
+                  <a:latin typeface="Inter"/>
+                  <a:ea typeface="Inter"/>
+                  <a:cs typeface="Inter"/>
+                  <a:sym typeface="Inter"/>
+                </a:endParaRPr>
+              </a:p>
+            </p:txBody>
+          </p:sp>
+          <p:sp>
+            <p:nvSpPr>
+              <p:cNvPr id="1236" name="Google Shape;1236;p28"/>
+              <p:cNvSpPr/>
+              <p:nvPr/>
+            </p:nvSpPr>
+            <p:spPr>
+              <a:xfrm>
+                <a:off x="1571425" y="1514425"/>
+                <a:ext cx="957725" cy="958525"/>
+              </a:xfrm>
+              <a:custGeom>
+                <a:avLst/>
+                <a:gdLst/>
+                <a:ahLst/>
+                <a:cxnLst/>
+                <a:rect l="l" t="t" r="r" b="b"/>
+                <a:pathLst>
+                  <a:path w="38309" h="38341" fill="none" extrusionOk="0">
+                    <a:moveTo>
+                      <a:pt x="0" y="38341"/>
+                    </a:moveTo>
+                    <a:lnTo>
+                      <a:pt x="38308" y="0"/>
+                    </a:lnTo>
+                  </a:path>
+                </a:pathLst>
+              </a:custGeom>
+              <a:noFill/>
+              <a:ln w="19050" cap="rnd" cmpd="sng">
+                <a:solidFill>
+                  <a:schemeClr val="lt2"/>
+                </a:solidFill>
+                <a:prstDash val="solid"/>
+                <a:miter lim="32519"/>
+                <a:headEnd type="none" w="sm" len="sm"/>
+                <a:tailEnd type="none" w="sm" len="sm"/>
+              </a:ln>
+            </p:spPr>
+            <p:txBody>
+              <a:bodyPr spcFirstLastPara="1" wrap="square" lIns="91425" tIns="91425" rIns="91425" bIns="91425" anchor="ctr" anchorCtr="0">
+                <a:noAutofit/>
+              </a:bodyPr>
+              <a:lstStyle/>
+              <a:p>
+                <a:pPr marL="0" lvl="0" indent="0" algn="l" rtl="0">
+                  <a:spcBef>
+                    <a:spcPts val="0"/>
+                  </a:spcBef>
+                  <a:spcAft>
+                    <a:spcPts val="0"/>
+                  </a:spcAft>
+                  <a:buNone/>
+                </a:pPr>
+                <a:endParaRPr>
+                  <a:latin typeface="Inter"/>
+                  <a:ea typeface="Inter"/>
+                  <a:cs typeface="Inter"/>
+                  <a:sym typeface="Inter"/>
+                </a:endParaRPr>
+              </a:p>
+            </p:txBody>
+          </p:sp>
+          <p:sp>
+            <p:nvSpPr>
+              <p:cNvPr id="1237" name="Google Shape;1237;p28"/>
+              <p:cNvSpPr/>
+              <p:nvPr/>
+            </p:nvSpPr>
+            <p:spPr>
+              <a:xfrm>
+                <a:off x="1612875" y="1555875"/>
+                <a:ext cx="1041475" cy="1042275"/>
+              </a:xfrm>
+              <a:custGeom>
+                <a:avLst/>
+                <a:gdLst/>
+                <a:ahLst/>
+                <a:cxnLst/>
+                <a:rect l="l" t="t" r="r" b="b"/>
+                <a:pathLst>
+                  <a:path w="41659" h="41691" fill="none" extrusionOk="0">
+                    <a:moveTo>
+                      <a:pt x="1" y="41691"/>
+                    </a:moveTo>
+                    <a:lnTo>
+                      <a:pt x="41658" y="1"/>
+                    </a:lnTo>
+                  </a:path>
+                </a:pathLst>
+              </a:custGeom>
+              <a:noFill/>
+              <a:ln w="19050" cap="rnd" cmpd="sng">
+                <a:solidFill>
+                  <a:schemeClr val="lt2"/>
+                </a:solidFill>
+                <a:prstDash val="solid"/>
+                <a:miter lim="32519"/>
+                <a:headEnd type="none" w="sm" len="sm"/>
+                <a:tailEnd type="none" w="sm" len="sm"/>
+              </a:ln>
+            </p:spPr>
+            <p:txBody>
+              <a:bodyPr spcFirstLastPara="1" wrap="square" lIns="91425" tIns="91425" rIns="91425" bIns="91425" anchor="ctr" anchorCtr="0">
+                <a:noAutofit/>
+              </a:bodyPr>
+              <a:lstStyle/>
+              <a:p>
+                <a:pPr marL="0" lvl="0" indent="0" algn="l" rtl="0">
+                  <a:spcBef>
+                    <a:spcPts val="0"/>
+                  </a:spcBef>
+                  <a:spcAft>
+                    <a:spcPts val="0"/>
+                  </a:spcAft>
+                  <a:buNone/>
+                </a:pPr>
+                <a:endParaRPr>
+                  <a:latin typeface="Inter"/>
+                  <a:ea typeface="Inter"/>
+                  <a:cs typeface="Inter"/>
+                  <a:sym typeface="Inter"/>
+                </a:endParaRPr>
+              </a:p>
+            </p:txBody>
+          </p:sp>
+          <p:sp>
+            <p:nvSpPr>
+              <p:cNvPr id="1238" name="Google Shape;1238;p28"/>
+              <p:cNvSpPr/>
+              <p:nvPr/>
+            </p:nvSpPr>
+            <p:spPr>
+              <a:xfrm>
+                <a:off x="1669800" y="1613600"/>
+                <a:ext cx="1093475" cy="1092675"/>
+              </a:xfrm>
+              <a:custGeom>
+                <a:avLst/>
+                <a:gdLst/>
+                <a:ahLst/>
+                <a:cxnLst/>
+                <a:rect l="l" t="t" r="r" b="b"/>
+                <a:pathLst>
+                  <a:path w="43739" h="43707" fill="none" extrusionOk="0">
+                    <a:moveTo>
+                      <a:pt x="0" y="43707"/>
+                    </a:moveTo>
+                    <a:lnTo>
+                      <a:pt x="43739" y="1"/>
+                    </a:lnTo>
+                  </a:path>
+                </a:pathLst>
+              </a:custGeom>
+              <a:noFill/>
+              <a:ln w="19050" cap="rnd" cmpd="sng">
+                <a:solidFill>
+                  <a:schemeClr val="lt2"/>
+                </a:solidFill>
+                <a:prstDash val="solid"/>
+                <a:miter lim="32519"/>
+                <a:headEnd type="none" w="sm" len="sm"/>
+                <a:tailEnd type="none" w="sm" len="sm"/>
+              </a:ln>
+            </p:spPr>
+            <p:txBody>
+              <a:bodyPr spcFirstLastPara="1" wrap="square" lIns="91425" tIns="91425" rIns="91425" bIns="91425" anchor="ctr" anchorCtr="0">
+                <a:noAutofit/>
+              </a:bodyPr>
+              <a:lstStyle/>
+              <a:p>
+                <a:pPr marL="0" lvl="0" indent="0" algn="l" rtl="0">
+                  <a:spcBef>
+                    <a:spcPts val="0"/>
+                  </a:spcBef>
+                  <a:spcAft>
+                    <a:spcPts val="0"/>
+                  </a:spcAft>
+                  <a:buNone/>
+                </a:pPr>
+                <a:endParaRPr>
+                  <a:latin typeface="Inter"/>
+                  <a:ea typeface="Inter"/>
+                  <a:cs typeface="Inter"/>
+                  <a:sym typeface="Inter"/>
+                </a:endParaRPr>
+              </a:p>
+            </p:txBody>
+          </p:sp>
+          <p:sp>
+            <p:nvSpPr>
+              <p:cNvPr id="1239" name="Google Shape;1239;p28"/>
+              <p:cNvSpPr/>
+              <p:nvPr/>
+            </p:nvSpPr>
+            <p:spPr>
+              <a:xfrm>
+                <a:off x="1710100" y="1684329"/>
+                <a:ext cx="1148362" cy="1145328"/>
+              </a:xfrm>
+              <a:custGeom>
+                <a:avLst/>
+                <a:gdLst/>
+                <a:ahLst/>
+                <a:cxnLst/>
+                <a:rect l="l" t="t" r="r" b="b"/>
+                <a:pathLst>
+                  <a:path w="75837" h="75837" fill="none" extrusionOk="0">
+                    <a:moveTo>
+                      <a:pt x="1" y="75836"/>
+                    </a:moveTo>
+                    <a:lnTo>
+                      <a:pt x="75837" y="1"/>
+                    </a:lnTo>
+                  </a:path>
+                </a:pathLst>
+              </a:custGeom>
+              <a:noFill/>
+              <a:ln w="19050" cap="rnd" cmpd="sng">
+                <a:solidFill>
+                  <a:schemeClr val="lt2"/>
+                </a:solidFill>
+                <a:prstDash val="solid"/>
+                <a:miter lim="32519"/>
+                <a:headEnd type="none" w="sm" len="sm"/>
+                <a:tailEnd type="none" w="sm" len="sm"/>
+              </a:ln>
+            </p:spPr>
+            <p:txBody>
+              <a:bodyPr spcFirstLastPara="1" wrap="square" lIns="91425" tIns="91425" rIns="91425" bIns="91425" anchor="ctr" anchorCtr="0">
+                <a:noAutofit/>
+              </a:bodyPr>
+              <a:lstStyle/>
+              <a:p>
+                <a:pPr marL="0" lvl="0" indent="0" algn="l" rtl="0">
+                  <a:spcBef>
+                    <a:spcPts val="0"/>
+                  </a:spcBef>
+                  <a:spcAft>
+                    <a:spcPts val="0"/>
+                  </a:spcAft>
+                  <a:buNone/>
+                </a:pPr>
+                <a:endParaRPr>
+                  <a:latin typeface="Inter"/>
+                  <a:ea typeface="Inter"/>
+                  <a:cs typeface="Inter"/>
+                  <a:sym typeface="Inter"/>
+                </a:endParaRPr>
+              </a:p>
+            </p:txBody>
+          </p:sp>
+          <p:sp>
+            <p:nvSpPr>
+              <p:cNvPr id="1240" name="Google Shape;1240;p28"/>
+              <p:cNvSpPr/>
+              <p:nvPr/>
+            </p:nvSpPr>
+            <p:spPr>
+              <a:xfrm>
+                <a:off x="1828936" y="1767251"/>
+                <a:ext cx="1113203" cy="1126369"/>
+              </a:xfrm>
+              <a:custGeom>
+                <a:avLst/>
+                <a:gdLst/>
+                <a:ahLst/>
+                <a:cxnLst/>
+                <a:rect l="l" t="t" r="r" b="b"/>
+                <a:pathLst>
+                  <a:path w="75870" h="75837" fill="none" extrusionOk="0">
+                    <a:moveTo>
+                      <a:pt x="1" y="75836"/>
+                    </a:moveTo>
+                    <a:lnTo>
+                      <a:pt x="75869" y="1"/>
+                    </a:lnTo>
+                  </a:path>
+                </a:pathLst>
+              </a:custGeom>
+              <a:noFill/>
+              <a:ln w="19050" cap="rnd" cmpd="sng">
+                <a:solidFill>
+                  <a:schemeClr val="lt2"/>
+                </a:solidFill>
+                <a:prstDash val="solid"/>
+                <a:miter lim="32519"/>
+                <a:headEnd type="none" w="sm" len="sm"/>
+                <a:tailEnd type="none" w="sm" len="sm"/>
+              </a:ln>
+            </p:spPr>
+            <p:txBody>
+              <a:bodyPr spcFirstLastPara="1" wrap="square" lIns="91425" tIns="91425" rIns="91425" bIns="91425" anchor="ctr" anchorCtr="0">
+                <a:noAutofit/>
+              </a:bodyPr>
+              <a:lstStyle/>
+              <a:p>
+                <a:pPr marL="0" lvl="0" indent="0" algn="l" rtl="0">
+                  <a:spcBef>
+                    <a:spcPts val="0"/>
+                  </a:spcBef>
+                  <a:spcAft>
+                    <a:spcPts val="0"/>
+                  </a:spcAft>
+                  <a:buNone/>
+                </a:pPr>
+                <a:endParaRPr>
+                  <a:latin typeface="Inter"/>
+                  <a:ea typeface="Inter"/>
+                  <a:cs typeface="Inter"/>
+                  <a:sym typeface="Inter"/>
+                </a:endParaRPr>
+              </a:p>
+            </p:txBody>
+          </p:sp>
+          <p:sp>
+            <p:nvSpPr>
+              <p:cNvPr id="1241" name="Google Shape;1241;p28"/>
+              <p:cNvSpPr/>
+              <p:nvPr/>
+            </p:nvSpPr>
+            <p:spPr>
+              <a:xfrm>
+                <a:off x="1929499" y="1863204"/>
+                <a:ext cx="1082574" cy="1112692"/>
+              </a:xfrm>
+              <a:custGeom>
+                <a:avLst/>
+                <a:gdLst/>
+                <a:ahLst/>
+                <a:cxnLst/>
+                <a:rect l="l" t="t" r="r" b="b"/>
+                <a:pathLst>
+                  <a:path w="74828" h="74828" fill="none" extrusionOk="0">
+                    <a:moveTo>
+                      <a:pt x="0" y="74828"/>
+                    </a:moveTo>
+                    <a:lnTo>
+                      <a:pt x="74828" y="0"/>
+                    </a:lnTo>
+                  </a:path>
+                </a:pathLst>
+              </a:custGeom>
+              <a:noFill/>
+              <a:ln w="19050" cap="rnd" cmpd="sng">
+                <a:solidFill>
+                  <a:schemeClr val="lt2"/>
+                </a:solidFill>
+                <a:prstDash val="solid"/>
+                <a:miter lim="32519"/>
+                <a:headEnd type="none" w="sm" len="sm"/>
+                <a:tailEnd type="none" w="sm" len="sm"/>
+              </a:ln>
+            </p:spPr>
+            <p:txBody>
+              <a:bodyPr spcFirstLastPara="1" wrap="square" lIns="91425" tIns="91425" rIns="91425" bIns="91425" anchor="ctr" anchorCtr="0">
+                <a:noAutofit/>
+              </a:bodyPr>
+              <a:lstStyle/>
+              <a:p>
+                <a:pPr marL="0" lvl="0" indent="0" algn="l" rtl="0">
+                  <a:spcBef>
+                    <a:spcPts val="0"/>
+                  </a:spcBef>
+                  <a:spcAft>
+                    <a:spcPts val="0"/>
+                  </a:spcAft>
+                  <a:buNone/>
+                </a:pPr>
+                <a:endParaRPr>
+                  <a:latin typeface="Inter"/>
+                  <a:ea typeface="Inter"/>
+                  <a:cs typeface="Inter"/>
+                  <a:sym typeface="Inter"/>
+                </a:endParaRPr>
+              </a:p>
+            </p:txBody>
+          </p:sp>
+          <p:sp>
+            <p:nvSpPr>
+              <p:cNvPr id="1242" name="Google Shape;1242;p28"/>
+              <p:cNvSpPr/>
+              <p:nvPr/>
+            </p:nvSpPr>
+            <p:spPr>
+              <a:xfrm>
+                <a:off x="2027500" y="1971325"/>
+                <a:ext cx="1042275" cy="1042275"/>
+              </a:xfrm>
+              <a:custGeom>
+                <a:avLst/>
+                <a:gdLst/>
+                <a:ahLst/>
+                <a:cxnLst/>
+                <a:rect l="l" t="t" r="r" b="b"/>
+                <a:pathLst>
+                  <a:path w="41691" h="41691" fill="none" extrusionOk="0">
+                    <a:moveTo>
+                      <a:pt x="41691" y="0"/>
+                    </a:moveTo>
+                    <a:lnTo>
+                      <a:pt x="1" y="41690"/>
+                    </a:lnTo>
+                  </a:path>
+                </a:pathLst>
+              </a:custGeom>
+              <a:noFill/>
+              <a:ln w="19050" cap="rnd" cmpd="sng">
+                <a:solidFill>
+                  <a:schemeClr val="lt2"/>
+                </a:solidFill>
+                <a:prstDash val="solid"/>
+                <a:miter lim="32519"/>
+                <a:headEnd type="none" w="sm" len="sm"/>
+                <a:tailEnd type="none" w="sm" len="sm"/>
+              </a:ln>
+            </p:spPr>
+            <p:txBody>
+              <a:bodyPr spcFirstLastPara="1" wrap="square" lIns="91425" tIns="91425" rIns="91425" bIns="91425" anchor="ctr" anchorCtr="0">
+                <a:noAutofit/>
+              </a:bodyPr>
+              <a:lstStyle/>
+              <a:p>
+                <a:pPr marL="0" lvl="0" indent="0" algn="l" rtl="0">
+                  <a:spcBef>
+                    <a:spcPts val="0"/>
+                  </a:spcBef>
+                  <a:spcAft>
+                    <a:spcPts val="0"/>
+                  </a:spcAft>
+                  <a:buNone/>
+                </a:pPr>
+                <a:endParaRPr>
+                  <a:latin typeface="Inter"/>
+                  <a:ea typeface="Inter"/>
+                  <a:cs typeface="Inter"/>
+                  <a:sym typeface="Inter"/>
+                </a:endParaRPr>
+              </a:p>
+            </p:txBody>
+          </p:sp>
+          <p:sp>
+            <p:nvSpPr>
+              <p:cNvPr id="1243" name="Google Shape;1243;p28"/>
+              <p:cNvSpPr/>
+              <p:nvPr/>
+            </p:nvSpPr>
+            <p:spPr>
+              <a:xfrm>
+                <a:off x="2152700" y="2096525"/>
+                <a:ext cx="958550" cy="958525"/>
+              </a:xfrm>
+              <a:custGeom>
+                <a:avLst/>
+                <a:gdLst/>
+                <a:ahLst/>
+                <a:cxnLst/>
+                <a:rect l="l" t="t" r="r" b="b"/>
+                <a:pathLst>
+                  <a:path w="38342" h="38341" fill="none" extrusionOk="0">
+                    <a:moveTo>
+                      <a:pt x="38341" y="0"/>
+                    </a:moveTo>
+                    <a:lnTo>
+                      <a:pt x="1" y="38341"/>
+                    </a:lnTo>
+                  </a:path>
+                </a:pathLst>
+              </a:custGeom>
+              <a:noFill/>
+              <a:ln w="19050" cap="rnd" cmpd="sng">
+                <a:solidFill>
+                  <a:schemeClr val="lt2"/>
+                </a:solidFill>
+                <a:prstDash val="solid"/>
+                <a:miter lim="32519"/>
+                <a:headEnd type="none" w="sm" len="sm"/>
+                <a:tailEnd type="none" w="sm" len="sm"/>
+              </a:ln>
+            </p:spPr>
+            <p:txBody>
+              <a:bodyPr spcFirstLastPara="1" wrap="square" lIns="91425" tIns="91425" rIns="91425" bIns="91425" anchor="ctr" anchorCtr="0">
+                <a:noAutofit/>
+              </a:bodyPr>
+              <a:lstStyle/>
+              <a:p>
+                <a:pPr marL="0" lvl="0" indent="0" algn="l" rtl="0">
+                  <a:spcBef>
+                    <a:spcPts val="0"/>
+                  </a:spcBef>
+                  <a:spcAft>
+                    <a:spcPts val="0"/>
+                  </a:spcAft>
+                  <a:buNone/>
+                </a:pPr>
+                <a:endParaRPr>
+                  <a:latin typeface="Inter"/>
+                  <a:ea typeface="Inter"/>
+                  <a:cs typeface="Inter"/>
+                  <a:sym typeface="Inter"/>
+                </a:endParaRPr>
+              </a:p>
+            </p:txBody>
+          </p:sp>
+          <p:sp>
+            <p:nvSpPr>
+              <p:cNvPr id="1244" name="Google Shape;1244;p28"/>
+              <p:cNvSpPr/>
+              <p:nvPr/>
+            </p:nvSpPr>
+            <p:spPr>
+              <a:xfrm>
+                <a:off x="2298225" y="2241225"/>
+                <a:ext cx="834150" cy="834975"/>
+              </a:xfrm>
+              <a:custGeom>
+                <a:avLst/>
+                <a:gdLst/>
+                <a:ahLst/>
+                <a:cxnLst/>
+                <a:rect l="l" t="t" r="r" b="b"/>
+                <a:pathLst>
+                  <a:path w="33366" h="33399" fill="none" extrusionOk="0">
+                    <a:moveTo>
+                      <a:pt x="33366" y="1"/>
+                    </a:moveTo>
+                    <a:lnTo>
+                      <a:pt x="1" y="33398"/>
+                    </a:lnTo>
+                  </a:path>
+                </a:pathLst>
+              </a:custGeom>
+              <a:noFill/>
+              <a:ln w="19050" cap="rnd" cmpd="sng">
+                <a:solidFill>
+                  <a:schemeClr val="lt2"/>
+                </a:solidFill>
+                <a:prstDash val="solid"/>
+                <a:miter lim="32519"/>
+                <a:headEnd type="none" w="sm" len="sm"/>
+                <a:tailEnd type="none" w="sm" len="sm"/>
+              </a:ln>
+            </p:spPr>
+            <p:txBody>
+              <a:bodyPr spcFirstLastPara="1" wrap="square" lIns="91425" tIns="91425" rIns="91425" bIns="91425" anchor="ctr" anchorCtr="0">
+                <a:noAutofit/>
+              </a:bodyPr>
+              <a:lstStyle/>
+              <a:p>
+                <a:pPr marL="0" lvl="0" indent="0" algn="l" rtl="0">
+                  <a:spcBef>
+                    <a:spcPts val="0"/>
+                  </a:spcBef>
+                  <a:spcAft>
+                    <a:spcPts val="0"/>
+                  </a:spcAft>
+                  <a:buNone/>
+                </a:pPr>
+                <a:endParaRPr>
+                  <a:latin typeface="Inter"/>
+                  <a:ea typeface="Inter"/>
+                  <a:cs typeface="Inter"/>
+                  <a:sym typeface="Inter"/>
+                </a:endParaRPr>
+              </a:p>
+            </p:txBody>
+          </p:sp>
+          <p:sp>
+            <p:nvSpPr>
+              <p:cNvPr id="1245" name="Google Shape;1245;p28"/>
+              <p:cNvSpPr/>
+              <p:nvPr/>
+            </p:nvSpPr>
+            <p:spPr>
+              <a:xfrm>
+                <a:off x="2473825" y="2417650"/>
+                <a:ext cx="648800" cy="648800"/>
+              </a:xfrm>
+              <a:custGeom>
+                <a:avLst/>
+                <a:gdLst/>
+                <a:ahLst/>
+                <a:cxnLst/>
+                <a:rect l="l" t="t" r="r" b="b"/>
+                <a:pathLst>
+                  <a:path w="25952" h="25952" fill="none" extrusionOk="0">
+                    <a:moveTo>
+                      <a:pt x="25952" y="0"/>
+                    </a:moveTo>
+                    <a:lnTo>
+                      <a:pt x="1" y="25951"/>
+                    </a:lnTo>
+                  </a:path>
+                </a:pathLst>
+              </a:custGeom>
+              <a:noFill/>
+              <a:ln w="19050" cap="rnd" cmpd="sng">
+                <a:solidFill>
+                  <a:schemeClr val="lt2"/>
+                </a:solidFill>
+                <a:prstDash val="solid"/>
+                <a:miter lim="32519"/>
+                <a:headEnd type="none" w="sm" len="sm"/>
+                <a:tailEnd type="none" w="sm" len="sm"/>
+              </a:ln>
+            </p:spPr>
+            <p:txBody>
+              <a:bodyPr spcFirstLastPara="1" wrap="square" lIns="91425" tIns="91425" rIns="91425" bIns="91425" anchor="ctr" anchorCtr="0">
+                <a:noAutofit/>
+              </a:bodyPr>
+              <a:lstStyle/>
+              <a:p>
+                <a:pPr marL="0" lvl="0" indent="0" algn="l" rtl="0">
+                  <a:spcBef>
+                    <a:spcPts val="0"/>
+                  </a:spcBef>
+                  <a:spcAft>
+                    <a:spcPts val="0"/>
+                  </a:spcAft>
+                  <a:buNone/>
+                </a:pPr>
+                <a:endParaRPr>
+                  <a:latin typeface="Inter"/>
+                  <a:ea typeface="Inter"/>
+                  <a:cs typeface="Inter"/>
+                  <a:sym typeface="Inter"/>
+                </a:endParaRPr>
+              </a:p>
+            </p:txBody>
+          </p:sp>
+          <p:sp>
+            <p:nvSpPr>
+              <p:cNvPr id="1246" name="Google Shape;1246;p28"/>
+              <p:cNvSpPr/>
+              <p:nvPr/>
+            </p:nvSpPr>
+            <p:spPr>
+              <a:xfrm>
+                <a:off x="2730750" y="2674550"/>
+                <a:ext cx="300825" cy="300825"/>
+              </a:xfrm>
+              <a:custGeom>
+                <a:avLst/>
+                <a:gdLst/>
+                <a:ahLst/>
+                <a:cxnLst/>
+                <a:rect l="l" t="t" r="r" b="b"/>
+                <a:pathLst>
+                  <a:path w="12033" h="12033" fill="none" extrusionOk="0">
+                    <a:moveTo>
+                      <a:pt x="12032" y="1"/>
+                    </a:moveTo>
+                    <a:lnTo>
+                      <a:pt x="0" y="12033"/>
+                    </a:lnTo>
+                  </a:path>
+                </a:pathLst>
+              </a:custGeom>
+              <a:noFill/>
+              <a:ln w="19050" cap="rnd" cmpd="sng">
+                <a:solidFill>
+                  <a:schemeClr val="lt2"/>
+                </a:solidFill>
+                <a:prstDash val="solid"/>
+                <a:miter lim="32519"/>
+                <a:headEnd type="none" w="sm" len="sm"/>
+                <a:tailEnd type="none" w="sm" len="sm"/>
+              </a:ln>
+            </p:spPr>
+            <p:txBody>
+              <a:bodyPr spcFirstLastPara="1" wrap="square" lIns="91425" tIns="91425" rIns="91425" bIns="91425" anchor="ctr" anchorCtr="0">
+                <a:noAutofit/>
+              </a:bodyPr>
+              <a:lstStyle/>
+              <a:p>
+                <a:pPr marL="0" lvl="0" indent="0" algn="l" rtl="0">
+                  <a:spcBef>
+                    <a:spcPts val="0"/>
+                  </a:spcBef>
+                  <a:spcAft>
+                    <a:spcPts val="0"/>
+                  </a:spcAft>
+                  <a:buNone/>
+                </a:pPr>
+                <a:endParaRPr>
+                  <a:latin typeface="Inter"/>
+                  <a:ea typeface="Inter"/>
+                  <a:cs typeface="Inter"/>
+                  <a:sym typeface="Inter"/>
+                </a:endParaRPr>
+              </a:p>
+            </p:txBody>
+          </p:sp>
+        </p:grpSp>
+      </p:grpSp>
+      <p:grpSp>
+        <p:nvGrpSpPr>
+          <p:cNvPr id="1247" name="Google Shape;1247;p28"/>
+          <p:cNvGrpSpPr/>
+          <p:nvPr/>
+        </p:nvGrpSpPr>
+        <p:grpSpPr>
+          <a:xfrm flipH="1">
+            <a:off x="7500411" y="4566019"/>
+            <a:ext cx="2577160" cy="2638569"/>
+            <a:chOff x="-1115775" y="4467744"/>
+            <a:chExt cx="2577160" cy="2638569"/>
+          </a:xfrm>
+        </p:grpSpPr>
+        <p:sp>
+          <p:nvSpPr>
+            <p:cNvPr id="1248" name="Google Shape;1248;p28"/>
+            <p:cNvSpPr/>
+            <p:nvPr/>
+          </p:nvSpPr>
+          <p:spPr>
+            <a:xfrm>
+              <a:off x="-961762" y="4467744"/>
+              <a:ext cx="1751700" cy="1751700"/>
+            </a:xfrm>
+            <a:prstGeom prst="ellipse">
+              <a:avLst/>
+            </a:prstGeom>
+            <a:solidFill>
+              <a:schemeClr val="accent1"/>
+            </a:solidFill>
+            <a:ln>
+              <a:noFill/>
+            </a:ln>
+          </p:spPr>
+          <p:txBody>
+            <a:bodyPr spcFirstLastPara="1" wrap="square" lIns="91425" tIns="91425" rIns="91425" bIns="91425" anchor="ctr" anchorCtr="0">
+              <a:noAutofit/>
+            </a:bodyPr>
+            <a:lstStyle/>
+            <a:p>
+              <a:pPr marL="0" lvl="0" indent="0" algn="l" rtl="0">
+                <a:spcBef>
+                  <a:spcPts val="0"/>
+                </a:spcBef>
+                <a:spcAft>
+                  <a:spcPts val="0"/>
+                </a:spcAft>
+                <a:buNone/>
+              </a:pPr>
+              <a:endParaRPr>
+                <a:latin typeface="Inter"/>
+                <a:ea typeface="Inter"/>
+                <a:cs typeface="Inter"/>
+                <a:sym typeface="Inter"/>
+              </a:endParaRPr>
+            </a:p>
+          </p:txBody>
+        </p:sp>
+        <p:grpSp>
+          <p:nvGrpSpPr>
+            <p:cNvPr id="1249" name="Google Shape;1249;p28"/>
+            <p:cNvGrpSpPr/>
+            <p:nvPr/>
+          </p:nvGrpSpPr>
+          <p:grpSpPr>
+            <a:xfrm rot="5400000" flipH="1">
+              <a:off x="-1115103" y="4529824"/>
+              <a:ext cx="2575817" cy="2577160"/>
+              <a:chOff x="1550275" y="1493275"/>
+              <a:chExt cx="1582100" cy="1582925"/>
+            </a:xfrm>
+          </p:grpSpPr>
+          <p:sp>
+            <p:nvSpPr>
+              <p:cNvPr id="1250" name="Google Shape;1250;p28"/>
+              <p:cNvSpPr/>
+              <p:nvPr/>
+            </p:nvSpPr>
+            <p:spPr>
+              <a:xfrm>
+                <a:off x="1650275" y="1594100"/>
+                <a:ext cx="301650" cy="300825"/>
+              </a:xfrm>
+              <a:custGeom>
+                <a:avLst/>
+                <a:gdLst/>
+                <a:ahLst/>
+                <a:cxnLst/>
+                <a:rect l="l" t="t" r="r" b="b"/>
+                <a:pathLst>
+                  <a:path w="12066" h="12033" fill="none" extrusionOk="0">
+                    <a:moveTo>
+                      <a:pt x="1" y="12032"/>
+                    </a:moveTo>
+                    <a:lnTo>
+                      <a:pt x="12065" y="0"/>
+                    </a:lnTo>
+                  </a:path>
+                </a:pathLst>
+              </a:custGeom>
+              <a:noFill/>
+              <a:ln w="19050" cap="rnd" cmpd="sng">
+                <a:solidFill>
+                  <a:schemeClr val="lt2"/>
+                </a:solidFill>
+                <a:prstDash val="solid"/>
+                <a:miter lim="32519"/>
+                <a:headEnd type="none" w="sm" len="sm"/>
+                <a:tailEnd type="none" w="sm" len="sm"/>
+              </a:ln>
+            </p:spPr>
+            <p:txBody>
+              <a:bodyPr spcFirstLastPara="1" wrap="square" lIns="91425" tIns="91425" rIns="91425" bIns="91425" anchor="ctr" anchorCtr="0">
+                <a:noAutofit/>
+              </a:bodyPr>
+              <a:lstStyle/>
+              <a:p>
+                <a:pPr marL="0" lvl="0" indent="0" algn="l" rtl="0">
+                  <a:spcBef>
+                    <a:spcPts val="0"/>
+                  </a:spcBef>
+                  <a:spcAft>
+                    <a:spcPts val="0"/>
+                  </a:spcAft>
+                  <a:buNone/>
+                </a:pPr>
+                <a:endParaRPr>
+                  <a:latin typeface="Inter"/>
+                  <a:ea typeface="Inter"/>
+                  <a:cs typeface="Inter"/>
+                  <a:sym typeface="Inter"/>
+                </a:endParaRPr>
+              </a:p>
+            </p:txBody>
+          </p:sp>
+          <p:sp>
+            <p:nvSpPr>
+              <p:cNvPr id="1251" name="Google Shape;1251;p28"/>
+              <p:cNvSpPr/>
+              <p:nvPr/>
+            </p:nvSpPr>
+            <p:spPr>
+              <a:xfrm>
+                <a:off x="1560025" y="1503850"/>
+                <a:ext cx="648800" cy="647975"/>
+              </a:xfrm>
+              <a:custGeom>
+                <a:avLst/>
+                <a:gdLst/>
+                <a:ahLst/>
+                <a:cxnLst/>
+                <a:rect l="l" t="t" r="r" b="b"/>
+                <a:pathLst>
+                  <a:path w="25952" h="25919" fill="none" extrusionOk="0">
+                    <a:moveTo>
+                      <a:pt x="1" y="25919"/>
+                    </a:moveTo>
+                    <a:lnTo>
+                      <a:pt x="25952" y="0"/>
+                    </a:lnTo>
+                  </a:path>
+                </a:pathLst>
+              </a:custGeom>
+              <a:noFill/>
+              <a:ln w="19050" cap="rnd" cmpd="sng">
+                <a:solidFill>
+                  <a:schemeClr val="lt2"/>
+                </a:solidFill>
+                <a:prstDash val="solid"/>
+                <a:miter lim="32519"/>
+                <a:headEnd type="none" w="sm" len="sm"/>
+                <a:tailEnd type="none" w="sm" len="sm"/>
+              </a:ln>
+            </p:spPr>
+            <p:txBody>
+              <a:bodyPr spcFirstLastPara="1" wrap="square" lIns="91425" tIns="91425" rIns="91425" bIns="91425" anchor="ctr" anchorCtr="0">
+                <a:noAutofit/>
+              </a:bodyPr>
+              <a:lstStyle/>
+              <a:p>
+                <a:pPr marL="0" lvl="0" indent="0" algn="l" rtl="0">
+                  <a:spcBef>
+                    <a:spcPts val="0"/>
+                  </a:spcBef>
+                  <a:spcAft>
+                    <a:spcPts val="0"/>
+                  </a:spcAft>
+                  <a:buNone/>
+                </a:pPr>
+                <a:endParaRPr>
+                  <a:latin typeface="Inter"/>
+                  <a:ea typeface="Inter"/>
+                  <a:cs typeface="Inter"/>
+                  <a:sym typeface="Inter"/>
+                </a:endParaRPr>
+              </a:p>
+            </p:txBody>
+          </p:sp>
+          <p:sp>
+            <p:nvSpPr>
+              <p:cNvPr id="1252" name="Google Shape;1252;p28"/>
+              <p:cNvSpPr/>
+              <p:nvPr/>
+            </p:nvSpPr>
+            <p:spPr>
+              <a:xfrm>
+                <a:off x="1550275" y="1493275"/>
+                <a:ext cx="834150" cy="834975"/>
+              </a:xfrm>
+              <a:custGeom>
+                <a:avLst/>
+                <a:gdLst/>
+                <a:ahLst/>
+                <a:cxnLst/>
+                <a:rect l="l" t="t" r="r" b="b"/>
+                <a:pathLst>
+                  <a:path w="33366" h="33399" fill="none" extrusionOk="0">
+                    <a:moveTo>
+                      <a:pt x="1" y="33398"/>
+                    </a:moveTo>
+                    <a:lnTo>
+                      <a:pt x="33366" y="1"/>
+                    </a:lnTo>
+                  </a:path>
+                </a:pathLst>
+              </a:custGeom>
+              <a:noFill/>
+              <a:ln w="19050" cap="rnd" cmpd="sng">
+                <a:solidFill>
+                  <a:schemeClr val="lt2"/>
+                </a:solidFill>
+                <a:prstDash val="solid"/>
+                <a:miter lim="32519"/>
+                <a:headEnd type="none" w="sm" len="sm"/>
+                <a:tailEnd type="none" w="sm" len="sm"/>
+              </a:ln>
+            </p:spPr>
+            <p:txBody>
+              <a:bodyPr spcFirstLastPara="1" wrap="square" lIns="91425" tIns="91425" rIns="91425" bIns="91425" anchor="ctr" anchorCtr="0">
+                <a:noAutofit/>
+              </a:bodyPr>
+              <a:lstStyle/>
+              <a:p>
+                <a:pPr marL="0" lvl="0" indent="0" algn="l" rtl="0">
+                  <a:spcBef>
+                    <a:spcPts val="0"/>
+                  </a:spcBef>
+                  <a:spcAft>
+                    <a:spcPts val="0"/>
+                  </a:spcAft>
+                  <a:buNone/>
+                </a:pPr>
+                <a:endParaRPr>
+                  <a:latin typeface="Inter"/>
+                  <a:ea typeface="Inter"/>
+                  <a:cs typeface="Inter"/>
+                  <a:sym typeface="Inter"/>
+                </a:endParaRPr>
+              </a:p>
+            </p:txBody>
+          </p:sp>
+          <p:sp>
+            <p:nvSpPr>
+              <p:cNvPr id="1253" name="Google Shape;1253;p28"/>
+              <p:cNvSpPr/>
+              <p:nvPr/>
+            </p:nvSpPr>
+            <p:spPr>
+              <a:xfrm>
+                <a:off x="1571425" y="1514425"/>
+                <a:ext cx="957725" cy="958525"/>
+              </a:xfrm>
+              <a:custGeom>
+                <a:avLst/>
+                <a:gdLst/>
+                <a:ahLst/>
+                <a:cxnLst/>
+                <a:rect l="l" t="t" r="r" b="b"/>
+                <a:pathLst>
+                  <a:path w="38309" h="38341" fill="none" extrusionOk="0">
+                    <a:moveTo>
+                      <a:pt x="0" y="38341"/>
+                    </a:moveTo>
+                    <a:lnTo>
+                      <a:pt x="38308" y="0"/>
+                    </a:lnTo>
+                  </a:path>
+                </a:pathLst>
+              </a:custGeom>
+              <a:noFill/>
+              <a:ln w="19050" cap="rnd" cmpd="sng">
+                <a:solidFill>
+                  <a:schemeClr val="lt2"/>
+                </a:solidFill>
+                <a:prstDash val="solid"/>
+                <a:miter lim="32519"/>
+                <a:headEnd type="none" w="sm" len="sm"/>
+                <a:tailEnd type="none" w="sm" len="sm"/>
+              </a:ln>
+            </p:spPr>
+            <p:txBody>
+              <a:bodyPr spcFirstLastPara="1" wrap="square" lIns="91425" tIns="91425" rIns="91425" bIns="91425" anchor="ctr" anchorCtr="0">
+                <a:noAutofit/>
+              </a:bodyPr>
+              <a:lstStyle/>
+              <a:p>
+                <a:pPr marL="0" lvl="0" indent="0" algn="l" rtl="0">
+                  <a:spcBef>
+                    <a:spcPts val="0"/>
+                  </a:spcBef>
+                  <a:spcAft>
+                    <a:spcPts val="0"/>
+                  </a:spcAft>
+                  <a:buNone/>
+                </a:pPr>
+                <a:endParaRPr>
+                  <a:latin typeface="Inter"/>
+                  <a:ea typeface="Inter"/>
+                  <a:cs typeface="Inter"/>
+                  <a:sym typeface="Inter"/>
+                </a:endParaRPr>
+              </a:p>
+            </p:txBody>
+          </p:sp>
+          <p:sp>
+            <p:nvSpPr>
+              <p:cNvPr id="1254" name="Google Shape;1254;p28"/>
+              <p:cNvSpPr/>
+              <p:nvPr/>
+            </p:nvSpPr>
+            <p:spPr>
+              <a:xfrm>
+                <a:off x="1612875" y="1555875"/>
+                <a:ext cx="1041475" cy="1042275"/>
+              </a:xfrm>
+              <a:custGeom>
+                <a:avLst/>
+                <a:gdLst/>
+                <a:ahLst/>
+                <a:cxnLst/>
+                <a:rect l="l" t="t" r="r" b="b"/>
+                <a:pathLst>
+                  <a:path w="41659" h="41691" fill="none" extrusionOk="0">
+                    <a:moveTo>
+                      <a:pt x="1" y="41691"/>
+                    </a:moveTo>
+                    <a:lnTo>
+                      <a:pt x="41658" y="1"/>
+                    </a:lnTo>
+                  </a:path>
+                </a:pathLst>
+              </a:custGeom>
+              <a:noFill/>
+              <a:ln w="19050" cap="rnd" cmpd="sng">
+                <a:solidFill>
+                  <a:schemeClr val="lt2"/>
+                </a:solidFill>
+                <a:prstDash val="solid"/>
+                <a:miter lim="32519"/>
+                <a:headEnd type="none" w="sm" len="sm"/>
+                <a:tailEnd type="none" w="sm" len="sm"/>
+              </a:ln>
+            </p:spPr>
+            <p:txBody>
+              <a:bodyPr spcFirstLastPara="1" wrap="square" lIns="91425" tIns="91425" rIns="91425" bIns="91425" anchor="ctr" anchorCtr="0">
+                <a:noAutofit/>
+              </a:bodyPr>
+              <a:lstStyle/>
+              <a:p>
+                <a:pPr marL="0" lvl="0" indent="0" algn="l" rtl="0">
+                  <a:spcBef>
+                    <a:spcPts val="0"/>
+                  </a:spcBef>
+                  <a:spcAft>
+                    <a:spcPts val="0"/>
+                  </a:spcAft>
+                  <a:buNone/>
+                </a:pPr>
+                <a:endParaRPr>
+                  <a:latin typeface="Inter"/>
+                  <a:ea typeface="Inter"/>
+                  <a:cs typeface="Inter"/>
+                  <a:sym typeface="Inter"/>
+                </a:endParaRPr>
+              </a:p>
+            </p:txBody>
+          </p:sp>
+          <p:sp>
+            <p:nvSpPr>
+              <p:cNvPr id="1255" name="Google Shape;1255;p28"/>
+              <p:cNvSpPr/>
+              <p:nvPr/>
+            </p:nvSpPr>
+            <p:spPr>
+              <a:xfrm>
+                <a:off x="1669800" y="1613600"/>
+                <a:ext cx="1093475" cy="1092675"/>
+              </a:xfrm>
+              <a:custGeom>
+                <a:avLst/>
+                <a:gdLst/>
+                <a:ahLst/>
+                <a:cxnLst/>
+                <a:rect l="l" t="t" r="r" b="b"/>
+                <a:pathLst>
+                  <a:path w="43739" h="43707" fill="none" extrusionOk="0">
+                    <a:moveTo>
+                      <a:pt x="0" y="43707"/>
+                    </a:moveTo>
+                    <a:lnTo>
+                      <a:pt x="43739" y="1"/>
+                    </a:lnTo>
+                  </a:path>
+                </a:pathLst>
+              </a:custGeom>
+              <a:noFill/>
+              <a:ln w="19050" cap="rnd" cmpd="sng">
+                <a:solidFill>
+                  <a:schemeClr val="lt2"/>
+                </a:solidFill>
+                <a:prstDash val="solid"/>
+                <a:miter lim="32519"/>
+                <a:headEnd type="none" w="sm" len="sm"/>
+                <a:tailEnd type="none" w="sm" len="sm"/>
+              </a:ln>
+            </p:spPr>
+            <p:txBody>
+              <a:bodyPr spcFirstLastPara="1" wrap="square" lIns="91425" tIns="91425" rIns="91425" bIns="91425" anchor="ctr" anchorCtr="0">
+                <a:noAutofit/>
+              </a:bodyPr>
+              <a:lstStyle/>
+              <a:p>
+                <a:pPr marL="0" lvl="0" indent="0" algn="l" rtl="0">
+                  <a:spcBef>
+                    <a:spcPts val="0"/>
+                  </a:spcBef>
+                  <a:spcAft>
+                    <a:spcPts val="0"/>
+                  </a:spcAft>
+                  <a:buNone/>
+                </a:pPr>
+                <a:endParaRPr>
+                  <a:latin typeface="Inter"/>
+                  <a:ea typeface="Inter"/>
+                  <a:cs typeface="Inter"/>
+                  <a:sym typeface="Inter"/>
+                </a:endParaRPr>
+              </a:p>
+            </p:txBody>
+          </p:sp>
+          <p:sp>
+            <p:nvSpPr>
+              <p:cNvPr id="1256" name="Google Shape;1256;p28"/>
+              <p:cNvSpPr/>
+              <p:nvPr/>
+            </p:nvSpPr>
+            <p:spPr>
+              <a:xfrm>
+                <a:off x="1710100" y="1684329"/>
+                <a:ext cx="1148362" cy="1145328"/>
+              </a:xfrm>
+              <a:custGeom>
+                <a:avLst/>
+                <a:gdLst/>
+                <a:ahLst/>
+                <a:cxnLst/>
+                <a:rect l="l" t="t" r="r" b="b"/>
+                <a:pathLst>
+                  <a:path w="75837" h="75837" fill="none" extrusionOk="0">
+                    <a:moveTo>
+                      <a:pt x="1" y="75836"/>
+                    </a:moveTo>
+                    <a:lnTo>
+                      <a:pt x="75837" y="1"/>
+                    </a:lnTo>
+                  </a:path>
+                </a:pathLst>
+              </a:custGeom>
+              <a:noFill/>
+              <a:ln w="19050" cap="rnd" cmpd="sng">
+                <a:solidFill>
+                  <a:schemeClr val="lt2"/>
+                </a:solidFill>
+                <a:prstDash val="solid"/>
+                <a:miter lim="32519"/>
+                <a:headEnd type="none" w="sm" len="sm"/>
+                <a:tailEnd type="none" w="sm" len="sm"/>
+              </a:ln>
+            </p:spPr>
+            <p:txBody>
+              <a:bodyPr spcFirstLastPara="1" wrap="square" lIns="91425" tIns="91425" rIns="91425" bIns="91425" anchor="ctr" anchorCtr="0">
+                <a:noAutofit/>
+              </a:bodyPr>
+              <a:lstStyle/>
+              <a:p>
+                <a:pPr marL="0" lvl="0" indent="0" algn="l" rtl="0">
+                  <a:spcBef>
+                    <a:spcPts val="0"/>
+                  </a:spcBef>
+                  <a:spcAft>
+                    <a:spcPts val="0"/>
+                  </a:spcAft>
+                  <a:buNone/>
+                </a:pPr>
+                <a:endParaRPr>
+                  <a:latin typeface="Inter"/>
+                  <a:ea typeface="Inter"/>
+                  <a:cs typeface="Inter"/>
+                  <a:sym typeface="Inter"/>
+                </a:endParaRPr>
+              </a:p>
+            </p:txBody>
+          </p:sp>
+          <p:sp>
+            <p:nvSpPr>
+              <p:cNvPr id="1257" name="Google Shape;1257;p28"/>
+              <p:cNvSpPr/>
+              <p:nvPr/>
+            </p:nvSpPr>
+            <p:spPr>
+              <a:xfrm>
+                <a:off x="1828936" y="1767251"/>
+                <a:ext cx="1113203" cy="1126369"/>
+              </a:xfrm>
+              <a:custGeom>
+                <a:avLst/>
+                <a:gdLst/>
+                <a:ahLst/>
+                <a:cxnLst/>
+                <a:rect l="l" t="t" r="r" b="b"/>
+                <a:pathLst>
+                  <a:path w="75870" h="75837" fill="none" extrusionOk="0">
+                    <a:moveTo>
+                      <a:pt x="1" y="75836"/>
+                    </a:moveTo>
+                    <a:lnTo>
+                      <a:pt x="75869" y="1"/>
+                    </a:lnTo>
+                  </a:path>
+                </a:pathLst>
+              </a:custGeom>
+              <a:noFill/>
+              <a:ln w="19050" cap="rnd" cmpd="sng">
+                <a:solidFill>
+                  <a:schemeClr val="lt2"/>
+                </a:solidFill>
+                <a:prstDash val="solid"/>
+                <a:miter lim="32519"/>
+                <a:headEnd type="none" w="sm" len="sm"/>
+                <a:tailEnd type="none" w="sm" len="sm"/>
+              </a:ln>
+            </p:spPr>
+            <p:txBody>
+              <a:bodyPr spcFirstLastPara="1" wrap="square" lIns="91425" tIns="91425" rIns="91425" bIns="91425" anchor="ctr" anchorCtr="0">
+                <a:noAutofit/>
+              </a:bodyPr>
+              <a:lstStyle/>
+              <a:p>
+                <a:pPr marL="0" lvl="0" indent="0" algn="l" rtl="0">
+                  <a:spcBef>
+                    <a:spcPts val="0"/>
+                  </a:spcBef>
+                  <a:spcAft>
+                    <a:spcPts val="0"/>
+                  </a:spcAft>
+                  <a:buNone/>
+                </a:pPr>
+                <a:endParaRPr>
+                  <a:latin typeface="Inter"/>
+                  <a:ea typeface="Inter"/>
+                  <a:cs typeface="Inter"/>
+                  <a:sym typeface="Inter"/>
+                </a:endParaRPr>
+              </a:p>
+            </p:txBody>
+          </p:sp>
+          <p:sp>
+            <p:nvSpPr>
+              <p:cNvPr id="1258" name="Google Shape;1258;p28"/>
+              <p:cNvSpPr/>
+              <p:nvPr/>
+            </p:nvSpPr>
+            <p:spPr>
+              <a:xfrm>
+                <a:off x="1929499" y="1863204"/>
+                <a:ext cx="1082574" cy="1112692"/>
+              </a:xfrm>
+              <a:custGeom>
+                <a:avLst/>
+                <a:gdLst/>
+                <a:ahLst/>
+                <a:cxnLst/>
+                <a:rect l="l" t="t" r="r" b="b"/>
+                <a:pathLst>
+                  <a:path w="74828" h="74828" fill="none" extrusionOk="0">
+                    <a:moveTo>
+                      <a:pt x="0" y="74828"/>
+                    </a:moveTo>
+                    <a:lnTo>
+                      <a:pt x="74828" y="0"/>
+                    </a:lnTo>
+                  </a:path>
+                </a:pathLst>
+              </a:custGeom>
+              <a:noFill/>
+              <a:ln w="19050" cap="rnd" cmpd="sng">
+                <a:solidFill>
+                  <a:schemeClr val="lt2"/>
+                </a:solidFill>
+                <a:prstDash val="solid"/>
+                <a:miter lim="32519"/>
+                <a:headEnd type="none" w="sm" len="sm"/>
+                <a:tailEnd type="none" w="sm" len="sm"/>
+              </a:ln>
+            </p:spPr>
+            <p:txBody>
+              <a:bodyPr spcFirstLastPara="1" wrap="square" lIns="91425" tIns="91425" rIns="91425" bIns="91425" anchor="ctr" anchorCtr="0">
+                <a:noAutofit/>
+              </a:bodyPr>
+              <a:lstStyle/>
+              <a:p>
+                <a:pPr marL="0" lvl="0" indent="0" algn="l" rtl="0">
+                  <a:spcBef>
+                    <a:spcPts val="0"/>
+                  </a:spcBef>
+                  <a:spcAft>
+                    <a:spcPts val="0"/>
+                  </a:spcAft>
+                  <a:buNone/>
+                </a:pPr>
+                <a:endParaRPr>
+                  <a:latin typeface="Inter"/>
+                  <a:ea typeface="Inter"/>
+                  <a:cs typeface="Inter"/>
+                  <a:sym typeface="Inter"/>
+                </a:endParaRPr>
+              </a:p>
+            </p:txBody>
+          </p:sp>
+          <p:sp>
+            <p:nvSpPr>
+              <p:cNvPr id="1259" name="Google Shape;1259;p28"/>
+              <p:cNvSpPr/>
+              <p:nvPr/>
+            </p:nvSpPr>
+            <p:spPr>
+              <a:xfrm>
+                <a:off x="2027500" y="1971325"/>
+                <a:ext cx="1042275" cy="1042275"/>
+              </a:xfrm>
+              <a:custGeom>
+                <a:avLst/>
+                <a:gdLst/>
+                <a:ahLst/>
+                <a:cxnLst/>
+                <a:rect l="l" t="t" r="r" b="b"/>
+                <a:pathLst>
+                  <a:path w="41691" h="41691" fill="none" extrusionOk="0">
+                    <a:moveTo>
+                      <a:pt x="41691" y="0"/>
+                    </a:moveTo>
+                    <a:lnTo>
+                      <a:pt x="1" y="41690"/>
+                    </a:lnTo>
+                  </a:path>
+                </a:pathLst>
+              </a:custGeom>
+              <a:noFill/>
+              <a:ln w="19050" cap="rnd" cmpd="sng">
+                <a:solidFill>
+                  <a:schemeClr val="lt2"/>
+                </a:solidFill>
+                <a:prstDash val="solid"/>
+                <a:miter lim="32519"/>
+                <a:headEnd type="none" w="sm" len="sm"/>
+                <a:tailEnd type="none" w="sm" len="sm"/>
+              </a:ln>
+            </p:spPr>
+            <p:txBody>
+              <a:bodyPr spcFirstLastPara="1" wrap="square" lIns="91425" tIns="91425" rIns="91425" bIns="91425" anchor="ctr" anchorCtr="0">
+                <a:noAutofit/>
+              </a:bodyPr>
+              <a:lstStyle/>
+              <a:p>
+                <a:pPr marL="0" lvl="0" indent="0" algn="l" rtl="0">
+                  <a:spcBef>
+                    <a:spcPts val="0"/>
+                  </a:spcBef>
+                  <a:spcAft>
+                    <a:spcPts val="0"/>
+                  </a:spcAft>
+                  <a:buNone/>
+                </a:pPr>
+                <a:endParaRPr>
+                  <a:latin typeface="Inter"/>
+                  <a:ea typeface="Inter"/>
+                  <a:cs typeface="Inter"/>
+                  <a:sym typeface="Inter"/>
+                </a:endParaRPr>
+              </a:p>
+            </p:txBody>
+          </p:sp>
+          <p:sp>
+            <p:nvSpPr>
+              <p:cNvPr id="1260" name="Google Shape;1260;p28"/>
+              <p:cNvSpPr/>
+              <p:nvPr/>
+            </p:nvSpPr>
+            <p:spPr>
+              <a:xfrm>
+                <a:off x="2152700" y="2096525"/>
+                <a:ext cx="958550" cy="958525"/>
+              </a:xfrm>
+              <a:custGeom>
+                <a:avLst/>
+                <a:gdLst/>
+                <a:ahLst/>
+                <a:cxnLst/>
+                <a:rect l="l" t="t" r="r" b="b"/>
+                <a:pathLst>
+                  <a:path w="38342" h="38341" fill="none" extrusionOk="0">
+                    <a:moveTo>
+                      <a:pt x="38341" y="0"/>
+                    </a:moveTo>
+                    <a:lnTo>
+                      <a:pt x="1" y="38341"/>
+                    </a:lnTo>
+                  </a:path>
+                </a:pathLst>
+              </a:custGeom>
+              <a:noFill/>
+              <a:ln w="19050" cap="rnd" cmpd="sng">
+                <a:solidFill>
+                  <a:schemeClr val="lt2"/>
+                </a:solidFill>
+                <a:prstDash val="solid"/>
+                <a:miter lim="32519"/>
+                <a:headEnd type="none" w="sm" len="sm"/>
+                <a:tailEnd type="none" w="sm" len="sm"/>
+              </a:ln>
+            </p:spPr>
+            <p:txBody>
+              <a:bodyPr spcFirstLastPara="1" wrap="square" lIns="91425" tIns="91425" rIns="91425" bIns="91425" anchor="ctr" anchorCtr="0">
+                <a:noAutofit/>
+              </a:bodyPr>
+              <a:lstStyle/>
+              <a:p>
+                <a:pPr marL="0" lvl="0" indent="0" algn="l" rtl="0">
+                  <a:spcBef>
+                    <a:spcPts val="0"/>
+                  </a:spcBef>
+                  <a:spcAft>
+                    <a:spcPts val="0"/>
+                  </a:spcAft>
+                  <a:buNone/>
+                </a:pPr>
+                <a:endParaRPr>
+                  <a:latin typeface="Inter"/>
+                  <a:ea typeface="Inter"/>
+                  <a:cs typeface="Inter"/>
+                  <a:sym typeface="Inter"/>
+                </a:endParaRPr>
+              </a:p>
+            </p:txBody>
+          </p:sp>
+          <p:sp>
+            <p:nvSpPr>
+              <p:cNvPr id="1261" name="Google Shape;1261;p28"/>
+              <p:cNvSpPr/>
+              <p:nvPr/>
+            </p:nvSpPr>
+            <p:spPr>
+              <a:xfrm>
+                <a:off x="2298225" y="2241225"/>
+                <a:ext cx="834150" cy="834975"/>
+              </a:xfrm>
+              <a:custGeom>
+                <a:avLst/>
+                <a:gdLst/>
+                <a:ahLst/>
+                <a:cxnLst/>
+                <a:rect l="l" t="t" r="r" b="b"/>
+                <a:pathLst>
+                  <a:path w="33366" h="33399" fill="none" extrusionOk="0">
+                    <a:moveTo>
+                      <a:pt x="33366" y="1"/>
+                    </a:moveTo>
+                    <a:lnTo>
+                      <a:pt x="1" y="33398"/>
+                    </a:lnTo>
+                  </a:path>
+                </a:pathLst>
+              </a:custGeom>
+              <a:noFill/>
+              <a:ln w="19050" cap="rnd" cmpd="sng">
+                <a:solidFill>
+                  <a:schemeClr val="lt2"/>
+                </a:solidFill>
+                <a:prstDash val="solid"/>
+                <a:miter lim="32519"/>
+                <a:headEnd type="none" w="sm" len="sm"/>
+                <a:tailEnd type="none" w="sm" len="sm"/>
+              </a:ln>
+            </p:spPr>
+            <p:txBody>
+              <a:bodyPr spcFirstLastPara="1" wrap="square" lIns="91425" tIns="91425" rIns="91425" bIns="91425" anchor="ctr" anchorCtr="0">
+                <a:noAutofit/>
+              </a:bodyPr>
+              <a:lstStyle/>
+              <a:p>
+                <a:pPr marL="0" lvl="0" indent="0" algn="l" rtl="0">
+                  <a:spcBef>
+                    <a:spcPts val="0"/>
+                  </a:spcBef>
+                  <a:spcAft>
+                    <a:spcPts val="0"/>
+                  </a:spcAft>
+                  <a:buNone/>
+                </a:pPr>
+                <a:endParaRPr>
+                  <a:latin typeface="Inter"/>
+                  <a:ea typeface="Inter"/>
+                  <a:cs typeface="Inter"/>
+                  <a:sym typeface="Inter"/>
+                </a:endParaRPr>
+              </a:p>
+            </p:txBody>
+          </p:sp>
+          <p:sp>
+            <p:nvSpPr>
+              <p:cNvPr id="1262" name="Google Shape;1262;p28"/>
+              <p:cNvSpPr/>
+              <p:nvPr/>
+            </p:nvSpPr>
+            <p:spPr>
+              <a:xfrm>
+                <a:off x="2473825" y="2417650"/>
+                <a:ext cx="648800" cy="648800"/>
+              </a:xfrm>
+              <a:custGeom>
+                <a:avLst/>
+                <a:gdLst/>
+                <a:ahLst/>
+                <a:cxnLst/>
+                <a:rect l="l" t="t" r="r" b="b"/>
+                <a:pathLst>
+                  <a:path w="25952" h="25952" fill="none" extrusionOk="0">
+                    <a:moveTo>
+                      <a:pt x="25952" y="0"/>
+                    </a:moveTo>
+                    <a:lnTo>
+                      <a:pt x="1" y="25951"/>
+                    </a:lnTo>
+                  </a:path>
+                </a:pathLst>
+              </a:custGeom>
+              <a:noFill/>
+              <a:ln w="19050" cap="rnd" cmpd="sng">
+                <a:solidFill>
+                  <a:schemeClr val="lt2"/>
+                </a:solidFill>
+                <a:prstDash val="solid"/>
+                <a:miter lim="32519"/>
+                <a:headEnd type="none" w="sm" len="sm"/>
+                <a:tailEnd type="none" w="sm" len="sm"/>
+              </a:ln>
+            </p:spPr>
+            <p:txBody>
+              <a:bodyPr spcFirstLastPara="1" wrap="square" lIns="91425" tIns="91425" rIns="91425" bIns="91425" anchor="ctr" anchorCtr="0">
+                <a:noAutofit/>
+              </a:bodyPr>
+              <a:lstStyle/>
+              <a:p>
+                <a:pPr marL="0" lvl="0" indent="0" algn="l" rtl="0">
+                  <a:spcBef>
+                    <a:spcPts val="0"/>
+                  </a:spcBef>
+                  <a:spcAft>
+                    <a:spcPts val="0"/>
+                  </a:spcAft>
+                  <a:buNone/>
+                </a:pPr>
+                <a:endParaRPr>
+                  <a:latin typeface="Inter"/>
+                  <a:ea typeface="Inter"/>
+                  <a:cs typeface="Inter"/>
+                  <a:sym typeface="Inter"/>
+                </a:endParaRPr>
+              </a:p>
+            </p:txBody>
+          </p:sp>
+          <p:sp>
+            <p:nvSpPr>
+              <p:cNvPr id="1263" name="Google Shape;1263;p28"/>
+              <p:cNvSpPr/>
+              <p:nvPr/>
+            </p:nvSpPr>
+            <p:spPr>
+              <a:xfrm>
+                <a:off x="2730750" y="2674550"/>
+                <a:ext cx="300825" cy="300825"/>
+              </a:xfrm>
+              <a:custGeom>
+                <a:avLst/>
+                <a:gdLst/>
+                <a:ahLst/>
+                <a:cxnLst/>
+                <a:rect l="l" t="t" r="r" b="b"/>
+                <a:pathLst>
+                  <a:path w="12033" h="12033" fill="none" extrusionOk="0">
+                    <a:moveTo>
+                      <a:pt x="12032" y="1"/>
+                    </a:moveTo>
+                    <a:lnTo>
+                      <a:pt x="0" y="12033"/>
+                    </a:lnTo>
+                  </a:path>
+                </a:pathLst>
+              </a:custGeom>
+              <a:noFill/>
+              <a:ln w="19050" cap="rnd" cmpd="sng">
+                <a:solidFill>
+                  <a:schemeClr val="lt2"/>
+                </a:solidFill>
+                <a:prstDash val="solid"/>
+                <a:miter lim="32519"/>
+                <a:headEnd type="none" w="sm" len="sm"/>
+                <a:tailEnd type="none" w="sm" len="sm"/>
+              </a:ln>
+            </p:spPr>
+            <p:txBody>
+              <a:bodyPr spcFirstLastPara="1" wrap="square" lIns="91425" tIns="91425" rIns="91425" bIns="91425" anchor="ctr" anchorCtr="0">
+                <a:noAutofit/>
+              </a:bodyPr>
+              <a:lstStyle/>
+              <a:p>
+                <a:pPr marL="0" lvl="0" indent="0" algn="l" rtl="0">
+                  <a:spcBef>
+                    <a:spcPts val="0"/>
+                  </a:spcBef>
+                  <a:spcAft>
+                    <a:spcPts val="0"/>
+                  </a:spcAft>
+                  <a:buNone/>
+                </a:pPr>
+                <a:endParaRPr>
+                  <a:latin typeface="Inter"/>
+                  <a:ea typeface="Inter"/>
+                  <a:cs typeface="Inter"/>
+                  <a:sym typeface="Inter"/>
+                </a:endParaRPr>
+              </a:p>
+            </p:txBody>
+          </p:sp>
+        </p:grpSp>
+      </p:grpSp>
+    </p:spTree>
+  </p:cSld>
+  <p:clrMapOvr>
+    <a:masterClrMapping/>
+  </p:clrMapOvr>
+</p:sldLayout>
+</file>
+
+<file path=ppt/slideLayouts/slideLayout5.xml><?xml version="1.0" encoding="utf-8"?>
 <p:sldLayout xmlns:a="http://schemas.openxmlformats.org/drawingml/2006/main" xmlns:r="http://schemas.openxmlformats.org/officeDocument/2006/relationships" xmlns:p="http://schemas.openxmlformats.org/presentationml/2006/main" matchingName="Background">
   <p:cSld name="CUSTOM_9">
     <p:spTree>
@@ -9255,7 +12531,7 @@
 </p:sldLayout>
 </file>
 
-<file path=ppt/slideLayouts/slideLayout5.xml><?xml version="1.0" encoding="utf-8"?>
+<file path=ppt/slideLayouts/slideLayout6.xml><?xml version="1.0" encoding="utf-8"?>
 <p:sldLayout xmlns:a="http://schemas.openxmlformats.org/drawingml/2006/main" xmlns:r="http://schemas.openxmlformats.org/officeDocument/2006/relationships" xmlns:p="http://schemas.openxmlformats.org/presentationml/2006/main" matchingName="Background 1">
   <p:cSld name="CUSTOM_10">
     <p:spTree>
@@ -13653,8 +16929,9 @@
     <p:sldLayoutId id="2147483648" r:id="rId1"/>
     <p:sldLayoutId id="2147483658" r:id="rId2"/>
     <p:sldLayoutId id="2147483670" r:id="rId3"/>
-    <p:sldLayoutId id="2147483679" r:id="rId4"/>
-    <p:sldLayoutId id="2147483680" r:id="rId5"/>
+    <p:sldLayoutId id="2147483674" r:id="rId4"/>
+    <p:sldLayoutId id="2147483679" r:id="rId5"/>
+    <p:sldLayoutId id="2147483680" r:id="rId6"/>
   </p:sldLayoutIdLst>
   <p:hf sldNum="0" hdr="0" ftr="0" dt="0"/>
   <p:txStyles>
@@ -22145,6 +25422,635 @@
   <p:cSld>
     <p:spTree>
       <p:nvGrpSpPr>
+        <p:cNvPr id="1" name="Shape 2561"/>
+        <p:cNvGrpSpPr/>
+        <p:nvPr/>
+      </p:nvGrpSpPr>
+      <p:grpSpPr>
+        <a:xfrm>
+          <a:off x="0" y="0"/>
+          <a:ext cx="0" cy="0"/>
+          <a:chOff x="0" y="0"/>
+          <a:chExt cx="0" cy="0"/>
+        </a:xfrm>
+      </p:grpSpPr>
+      <p:sp>
+        <p:nvSpPr>
+          <p:cNvPr id="2562" name="Google Shape;2562;p71"/>
+          <p:cNvSpPr txBox="1">
+            <a:spLocks noGrp="1"/>
+          </p:cNvSpPr>
+          <p:nvPr>
+            <p:ph type="title"/>
+          </p:nvPr>
+        </p:nvSpPr>
+        <p:spPr>
+          <a:xfrm>
+            <a:off x="1850647" y="357376"/>
+            <a:ext cx="3026151" cy="708000"/>
+          </a:xfrm>
+          <a:prstGeom prst="rect">
+            <a:avLst/>
+          </a:prstGeom>
+        </p:spPr>
+        <p:txBody>
+          <a:bodyPr spcFirstLastPara="1" wrap="square" lIns="91425" tIns="91425" rIns="91425" bIns="91425" anchor="t" anchorCtr="0">
+            <a:noAutofit/>
+          </a:bodyPr>
+          <a:lstStyle/>
+          <a:p>
+            <a:pPr marL="0" lvl="0" indent="0" algn="ctr" rtl="0">
+              <a:spcBef>
+                <a:spcPts val="0"/>
+              </a:spcBef>
+              <a:spcAft>
+                <a:spcPts val="0"/>
+              </a:spcAft>
+              <a:buNone/>
+            </a:pPr>
+            <a:r>
+              <a:rPr lang="en" dirty="0"/>
+              <a:t>NOSSO TIME</a:t>
+            </a:r>
+            <a:endParaRPr dirty="0"/>
+          </a:p>
+        </p:txBody>
+      </p:sp>
+      <p:sp>
+        <p:nvSpPr>
+          <p:cNvPr id="2564" name="Google Shape;2564;p71"/>
+          <p:cNvSpPr txBox="1">
+            <a:spLocks noGrp="1"/>
+          </p:cNvSpPr>
+          <p:nvPr>
+            <p:ph type="subTitle" idx="2"/>
+          </p:nvPr>
+        </p:nvSpPr>
+        <p:spPr>
+          <a:xfrm>
+            <a:off x="985295" y="2782895"/>
+            <a:ext cx="768318" cy="554100"/>
+          </a:xfrm>
+          <a:prstGeom prst="rect">
+            <a:avLst/>
+          </a:prstGeom>
+        </p:spPr>
+        <p:txBody>
+          <a:bodyPr spcFirstLastPara="1" wrap="square" lIns="91425" tIns="91425" rIns="91425" bIns="91425" anchor="b" anchorCtr="0">
+            <a:noAutofit/>
+          </a:bodyPr>
+          <a:lstStyle/>
+          <a:p>
+            <a:pPr marL="0" lvl="0" indent="0" algn="ctr" rtl="0">
+              <a:spcBef>
+                <a:spcPts val="0"/>
+              </a:spcBef>
+              <a:spcAft>
+                <a:spcPts val="0"/>
+              </a:spcAft>
+              <a:buNone/>
+            </a:pPr>
+            <a:r>
+              <a:rPr lang="en" sz="2200" dirty="0"/>
+              <a:t>Luiz</a:t>
+            </a:r>
+            <a:endParaRPr sz="2200" dirty="0"/>
+          </a:p>
+        </p:txBody>
+      </p:sp>
+      <p:sp>
+        <p:nvSpPr>
+          <p:cNvPr id="2566" name="Google Shape;2566;p71"/>
+          <p:cNvSpPr txBox="1">
+            <a:spLocks noGrp="1"/>
+          </p:cNvSpPr>
+          <p:nvPr>
+            <p:ph type="subTitle" idx="4"/>
+          </p:nvPr>
+        </p:nvSpPr>
+        <p:spPr>
+          <a:xfrm>
+            <a:off x="4785421" y="2741233"/>
+            <a:ext cx="1304400" cy="554100"/>
+          </a:xfrm>
+          <a:prstGeom prst="rect">
+            <a:avLst/>
+          </a:prstGeom>
+        </p:spPr>
+        <p:txBody>
+          <a:bodyPr spcFirstLastPara="1" wrap="square" lIns="91425" tIns="91425" rIns="91425" bIns="91425" anchor="b" anchorCtr="0">
+            <a:noAutofit/>
+          </a:bodyPr>
+          <a:lstStyle/>
+          <a:p>
+            <a:pPr marL="0" lvl="0" indent="0" algn="ctr" rtl="0">
+              <a:spcBef>
+                <a:spcPts val="0"/>
+              </a:spcBef>
+              <a:spcAft>
+                <a:spcPts val="0"/>
+              </a:spcAft>
+              <a:buNone/>
+            </a:pPr>
+            <a:r>
+              <a:rPr lang="en" sz="2200" dirty="0"/>
+              <a:t>Douglas</a:t>
+            </a:r>
+            <a:endParaRPr sz="2200" dirty="0"/>
+          </a:p>
+        </p:txBody>
+      </p:sp>
+      <p:pic>
+        <p:nvPicPr>
+          <p:cNvPr id="15" name="Imagem 14" descr="Uma imagem contendo pessoa, no interior, mulher, jovem&#10;&#10;Descrição gerada automaticamente">
+            <a:extLst>
+              <a:ext uri="{FF2B5EF4-FFF2-40B4-BE49-F238E27FC236}">
+                <a16:creationId xmlns:a16="http://schemas.microsoft.com/office/drawing/2014/main" id="{A4F105AE-ED64-497E-4704-ADC94CE2F312}"/>
+              </a:ext>
+            </a:extLst>
+          </p:cNvPr>
+          <p:cNvPicPr>
+            <a:picLocks noChangeAspect="1"/>
+          </p:cNvPicPr>
+          <p:nvPr/>
+        </p:nvPicPr>
+        <p:blipFill>
+          <a:blip r:embed="rId3"/>
+          <a:stretch>
+            <a:fillRect/>
+          </a:stretch>
+        </p:blipFill>
+        <p:spPr>
+          <a:xfrm>
+            <a:off x="716237" y="1409466"/>
+            <a:ext cx="1331767" cy="1331767"/>
+          </a:xfrm>
+          <a:prstGeom prst="ellipse">
+            <a:avLst/>
+          </a:prstGeom>
+        </p:spPr>
+      </p:pic>
+      <p:sp>
+        <p:nvSpPr>
+          <p:cNvPr id="2568" name="Google Shape;2568;p71"/>
+          <p:cNvSpPr txBox="1">
+            <a:spLocks noGrp="1"/>
+          </p:cNvSpPr>
+          <p:nvPr>
+            <p:ph type="subTitle" idx="6"/>
+          </p:nvPr>
+        </p:nvSpPr>
+        <p:spPr>
+          <a:xfrm>
+            <a:off x="2678619" y="3778767"/>
+            <a:ext cx="1304400" cy="554100"/>
+          </a:xfrm>
+          <a:prstGeom prst="rect">
+            <a:avLst/>
+          </a:prstGeom>
+        </p:spPr>
+        <p:txBody>
+          <a:bodyPr spcFirstLastPara="1" wrap="square" lIns="91425" tIns="91425" rIns="91425" bIns="91425" anchor="b" anchorCtr="0">
+            <a:noAutofit/>
+          </a:bodyPr>
+          <a:lstStyle/>
+          <a:p>
+            <a:pPr marL="0" lvl="0" indent="0" algn="ctr" rtl="0">
+              <a:spcBef>
+                <a:spcPts val="0"/>
+              </a:spcBef>
+              <a:spcAft>
+                <a:spcPts val="0"/>
+              </a:spcAft>
+              <a:buNone/>
+            </a:pPr>
+            <a:r>
+              <a:rPr lang="en" sz="2200" dirty="0"/>
+              <a:t>Rafaella</a:t>
+            </a:r>
+            <a:endParaRPr sz="2200" dirty="0"/>
+          </a:p>
+        </p:txBody>
+      </p:sp>
+      <p:pic>
+        <p:nvPicPr>
+          <p:cNvPr id="13" name="Imagem 12" descr="Homem de camisa preta sorrindo&#10;&#10;Descrição gerada automaticamente">
+            <a:extLst>
+              <a:ext uri="{FF2B5EF4-FFF2-40B4-BE49-F238E27FC236}">
+                <a16:creationId xmlns:a16="http://schemas.microsoft.com/office/drawing/2014/main" id="{D5217C5E-97D6-EEB9-C741-222069F95706}"/>
+              </a:ext>
+            </a:extLst>
+          </p:cNvPr>
+          <p:cNvPicPr>
+            <a:picLocks noChangeAspect="1"/>
+          </p:cNvPicPr>
+          <p:nvPr/>
+        </p:nvPicPr>
+        <p:blipFill>
+          <a:blip r:embed="rId4"/>
+          <a:stretch>
+            <a:fillRect/>
+          </a:stretch>
+        </p:blipFill>
+        <p:spPr>
+          <a:xfrm>
+            <a:off x="4759001" y="1409465"/>
+            <a:ext cx="1318084" cy="1318084"/>
+          </a:xfrm>
+          <a:prstGeom prst="ellipse">
+            <a:avLst/>
+          </a:prstGeom>
+        </p:spPr>
+      </p:pic>
+      <p:pic>
+        <p:nvPicPr>
+          <p:cNvPr id="11" name="Imagem 10" descr="Mulher com cabelos longos&#10;&#10;Descrição gerada automaticamente">
+            <a:extLst>
+              <a:ext uri="{FF2B5EF4-FFF2-40B4-BE49-F238E27FC236}">
+                <a16:creationId xmlns:a16="http://schemas.microsoft.com/office/drawing/2014/main" id="{E2B1A0EE-E228-D28A-2B05-A8AF7554CD97}"/>
+              </a:ext>
+            </a:extLst>
+          </p:cNvPr>
+          <p:cNvPicPr>
+            <a:picLocks noChangeAspect="1"/>
+          </p:cNvPicPr>
+          <p:nvPr/>
+        </p:nvPicPr>
+        <p:blipFill>
+          <a:blip r:embed="rId5"/>
+          <a:stretch>
+            <a:fillRect/>
+          </a:stretch>
+        </p:blipFill>
+        <p:spPr>
+          <a:xfrm>
+            <a:off x="2659614" y="2401923"/>
+            <a:ext cx="1304400" cy="1304400"/>
+          </a:xfrm>
+          <a:prstGeom prst="ellipse">
+            <a:avLst/>
+          </a:prstGeom>
+        </p:spPr>
+      </p:pic>
+      <p:pic>
+        <p:nvPicPr>
+          <p:cNvPr id="17" name="Imagem 16" descr="Rosto de homem sorrindo&#10;&#10;Descrição gerada automaticamente">
+            <a:extLst>
+              <a:ext uri="{FF2B5EF4-FFF2-40B4-BE49-F238E27FC236}">
+                <a16:creationId xmlns:a16="http://schemas.microsoft.com/office/drawing/2014/main" id="{45E55BBB-BF94-89A1-F7DB-4A59AE333838}"/>
+              </a:ext>
+            </a:extLst>
+          </p:cNvPr>
+          <p:cNvPicPr>
+            <a:picLocks noChangeAspect="1"/>
+          </p:cNvPicPr>
+          <p:nvPr/>
+        </p:nvPicPr>
+        <p:blipFill rotWithShape="1">
+          <a:blip r:embed="rId6"/>
+          <a:srcRect t="20690" b="29173"/>
+          <a:stretch/>
+        </p:blipFill>
+        <p:spPr>
+          <a:xfrm>
+            <a:off x="6844269" y="2404124"/>
+            <a:ext cx="1304400" cy="1302200"/>
+          </a:xfrm>
+          <a:prstGeom prst="ellipse">
+            <a:avLst/>
+          </a:prstGeom>
+        </p:spPr>
+      </p:pic>
+      <p:sp>
+        <p:nvSpPr>
+          <p:cNvPr id="9" name="Google Shape;2566;p71">
+            <a:extLst>
+              <a:ext uri="{FF2B5EF4-FFF2-40B4-BE49-F238E27FC236}">
+                <a16:creationId xmlns:a16="http://schemas.microsoft.com/office/drawing/2014/main" id="{ABB22279-7228-5C1B-16B8-B62A6E487B7A}"/>
+              </a:ext>
+            </a:extLst>
+          </p:cNvPr>
+          <p:cNvSpPr txBox="1">
+            <a:spLocks/>
+          </p:cNvSpPr>
+          <p:nvPr/>
+        </p:nvSpPr>
+        <p:spPr>
+          <a:xfrm>
+            <a:off x="6829854" y="3755996"/>
+            <a:ext cx="1399746" cy="554100"/>
+          </a:xfrm>
+          <a:prstGeom prst="rect">
+            <a:avLst/>
+          </a:prstGeom>
+          <a:noFill/>
+          <a:ln>
+            <a:noFill/>
+          </a:ln>
+        </p:spPr>
+        <p:txBody>
+          <a:bodyPr spcFirstLastPara="1" wrap="square" lIns="91425" tIns="91425" rIns="91425" bIns="91425" anchor="b" anchorCtr="0">
+            <a:noAutofit/>
+          </a:bodyPr>
+          <a:lstStyle>
+            <a:defPPr marR="0" lvl="0" algn="l" rtl="0">
+              <a:lnSpc>
+                <a:spcPct val="100000"/>
+              </a:lnSpc>
+              <a:spcBef>
+                <a:spcPts val="0"/>
+              </a:spcBef>
+              <a:spcAft>
+                <a:spcPts val="0"/>
+              </a:spcAft>
+            </a:defPPr>
+            <a:lvl1pPr marL="457200" marR="0" lvl="0" indent="-304800" algn="ctr" rtl="0">
+              <a:lnSpc>
+                <a:spcPct val="100000"/>
+              </a:lnSpc>
+              <a:spcBef>
+                <a:spcPts val="0"/>
+              </a:spcBef>
+              <a:spcAft>
+                <a:spcPts val="0"/>
+              </a:spcAft>
+              <a:buClr>
+                <a:schemeClr val="dk1"/>
+              </a:buClr>
+              <a:buSzPts val="2400"/>
+              <a:buFont typeface="Manrope SemiBold"/>
+              <a:buNone/>
+              <a:defRPr sz="2400" b="0" i="0" u="none" strike="noStrike" cap="none">
+                <a:solidFill>
+                  <a:schemeClr val="dk1"/>
+                </a:solidFill>
+                <a:latin typeface="Manrope SemiBold"/>
+                <a:ea typeface="Manrope SemiBold"/>
+                <a:cs typeface="Manrope SemiBold"/>
+                <a:sym typeface="Manrope SemiBold"/>
+              </a:defRPr>
+            </a:lvl1pPr>
+            <a:lvl2pPr marL="914400" marR="0" lvl="1" indent="-304800" algn="ctr" rtl="0">
+              <a:lnSpc>
+                <a:spcPct val="100000"/>
+              </a:lnSpc>
+              <a:spcBef>
+                <a:spcPts val="0"/>
+              </a:spcBef>
+              <a:spcAft>
+                <a:spcPts val="0"/>
+              </a:spcAft>
+              <a:buClr>
+                <a:schemeClr val="dk1"/>
+              </a:buClr>
+              <a:buSzPts val="2400"/>
+              <a:buFont typeface="Manrope SemiBold"/>
+              <a:buNone/>
+              <a:defRPr sz="2400" b="0" i="0" u="none" strike="noStrike" cap="none">
+                <a:solidFill>
+                  <a:schemeClr val="dk1"/>
+                </a:solidFill>
+                <a:latin typeface="Manrope SemiBold"/>
+                <a:ea typeface="Manrope SemiBold"/>
+                <a:cs typeface="Manrope SemiBold"/>
+                <a:sym typeface="Manrope SemiBold"/>
+              </a:defRPr>
+            </a:lvl2pPr>
+            <a:lvl3pPr marL="1371600" marR="0" lvl="2" indent="-304800" algn="ctr" rtl="0">
+              <a:lnSpc>
+                <a:spcPct val="100000"/>
+              </a:lnSpc>
+              <a:spcBef>
+                <a:spcPts val="0"/>
+              </a:spcBef>
+              <a:spcAft>
+                <a:spcPts val="0"/>
+              </a:spcAft>
+              <a:buClr>
+                <a:schemeClr val="dk1"/>
+              </a:buClr>
+              <a:buSzPts val="2400"/>
+              <a:buFont typeface="Manrope SemiBold"/>
+              <a:buNone/>
+              <a:defRPr sz="2400" b="0" i="0" u="none" strike="noStrike" cap="none">
+                <a:solidFill>
+                  <a:schemeClr val="dk1"/>
+                </a:solidFill>
+                <a:latin typeface="Manrope SemiBold"/>
+                <a:ea typeface="Manrope SemiBold"/>
+                <a:cs typeface="Manrope SemiBold"/>
+                <a:sym typeface="Manrope SemiBold"/>
+              </a:defRPr>
+            </a:lvl3pPr>
+            <a:lvl4pPr marL="1828800" marR="0" lvl="3" indent="-304800" algn="ctr" rtl="0">
+              <a:lnSpc>
+                <a:spcPct val="100000"/>
+              </a:lnSpc>
+              <a:spcBef>
+                <a:spcPts val="0"/>
+              </a:spcBef>
+              <a:spcAft>
+                <a:spcPts val="0"/>
+              </a:spcAft>
+              <a:buClr>
+                <a:schemeClr val="dk1"/>
+              </a:buClr>
+              <a:buSzPts val="2400"/>
+              <a:buFont typeface="Manrope SemiBold"/>
+              <a:buNone/>
+              <a:defRPr sz="2400" b="0" i="0" u="none" strike="noStrike" cap="none">
+                <a:solidFill>
+                  <a:schemeClr val="dk1"/>
+                </a:solidFill>
+                <a:latin typeface="Manrope SemiBold"/>
+                <a:ea typeface="Manrope SemiBold"/>
+                <a:cs typeface="Manrope SemiBold"/>
+                <a:sym typeface="Manrope SemiBold"/>
+              </a:defRPr>
+            </a:lvl4pPr>
+            <a:lvl5pPr marL="2286000" marR="0" lvl="4" indent="-304800" algn="ctr" rtl="0">
+              <a:lnSpc>
+                <a:spcPct val="100000"/>
+              </a:lnSpc>
+              <a:spcBef>
+                <a:spcPts val="0"/>
+              </a:spcBef>
+              <a:spcAft>
+                <a:spcPts val="0"/>
+              </a:spcAft>
+              <a:buClr>
+                <a:schemeClr val="dk1"/>
+              </a:buClr>
+              <a:buSzPts val="2400"/>
+              <a:buFont typeface="Manrope SemiBold"/>
+              <a:buNone/>
+              <a:defRPr sz="2400" b="0" i="0" u="none" strike="noStrike" cap="none">
+                <a:solidFill>
+                  <a:schemeClr val="dk1"/>
+                </a:solidFill>
+                <a:latin typeface="Manrope SemiBold"/>
+                <a:ea typeface="Manrope SemiBold"/>
+                <a:cs typeface="Manrope SemiBold"/>
+                <a:sym typeface="Manrope SemiBold"/>
+              </a:defRPr>
+            </a:lvl5pPr>
+            <a:lvl6pPr marL="2743200" marR="0" lvl="5" indent="-304800" algn="ctr" rtl="0">
+              <a:lnSpc>
+                <a:spcPct val="100000"/>
+              </a:lnSpc>
+              <a:spcBef>
+                <a:spcPts val="0"/>
+              </a:spcBef>
+              <a:spcAft>
+                <a:spcPts val="0"/>
+              </a:spcAft>
+              <a:buClr>
+                <a:schemeClr val="dk1"/>
+              </a:buClr>
+              <a:buSzPts val="2400"/>
+              <a:buFont typeface="Manrope SemiBold"/>
+              <a:buNone/>
+              <a:defRPr sz="2400" b="0" i="0" u="none" strike="noStrike" cap="none">
+                <a:solidFill>
+                  <a:schemeClr val="dk1"/>
+                </a:solidFill>
+                <a:latin typeface="Manrope SemiBold"/>
+                <a:ea typeface="Manrope SemiBold"/>
+                <a:cs typeface="Manrope SemiBold"/>
+                <a:sym typeface="Manrope SemiBold"/>
+              </a:defRPr>
+            </a:lvl6pPr>
+            <a:lvl7pPr marL="3200400" marR="0" lvl="6" indent="-304800" algn="ctr" rtl="0">
+              <a:lnSpc>
+                <a:spcPct val="100000"/>
+              </a:lnSpc>
+              <a:spcBef>
+                <a:spcPts val="0"/>
+              </a:spcBef>
+              <a:spcAft>
+                <a:spcPts val="0"/>
+              </a:spcAft>
+              <a:buClr>
+                <a:schemeClr val="dk1"/>
+              </a:buClr>
+              <a:buSzPts val="2400"/>
+              <a:buFont typeface="Manrope SemiBold"/>
+              <a:buNone/>
+              <a:defRPr sz="2400" b="0" i="0" u="none" strike="noStrike" cap="none">
+                <a:solidFill>
+                  <a:schemeClr val="dk1"/>
+                </a:solidFill>
+                <a:latin typeface="Manrope SemiBold"/>
+                <a:ea typeface="Manrope SemiBold"/>
+                <a:cs typeface="Manrope SemiBold"/>
+                <a:sym typeface="Manrope SemiBold"/>
+              </a:defRPr>
+            </a:lvl7pPr>
+            <a:lvl8pPr marL="3657600" marR="0" lvl="7" indent="-304800" algn="ctr" rtl="0">
+              <a:lnSpc>
+                <a:spcPct val="100000"/>
+              </a:lnSpc>
+              <a:spcBef>
+                <a:spcPts val="0"/>
+              </a:spcBef>
+              <a:spcAft>
+                <a:spcPts val="0"/>
+              </a:spcAft>
+              <a:buClr>
+                <a:schemeClr val="dk1"/>
+              </a:buClr>
+              <a:buSzPts val="2400"/>
+              <a:buFont typeface="Manrope SemiBold"/>
+              <a:buNone/>
+              <a:defRPr sz="2400" b="0" i="0" u="none" strike="noStrike" cap="none">
+                <a:solidFill>
+                  <a:schemeClr val="dk1"/>
+                </a:solidFill>
+                <a:latin typeface="Manrope SemiBold"/>
+                <a:ea typeface="Manrope SemiBold"/>
+                <a:cs typeface="Manrope SemiBold"/>
+                <a:sym typeface="Manrope SemiBold"/>
+              </a:defRPr>
+            </a:lvl8pPr>
+            <a:lvl9pPr marL="4114800" marR="0" lvl="8" indent="-304800" algn="ctr" rtl="0">
+              <a:lnSpc>
+                <a:spcPct val="100000"/>
+              </a:lnSpc>
+              <a:spcBef>
+                <a:spcPts val="0"/>
+              </a:spcBef>
+              <a:spcAft>
+                <a:spcPts val="0"/>
+              </a:spcAft>
+              <a:buClr>
+                <a:schemeClr val="dk1"/>
+              </a:buClr>
+              <a:buSzPts val="2400"/>
+              <a:buFont typeface="Manrope SemiBold"/>
+              <a:buNone/>
+              <a:defRPr sz="2400" b="0" i="0" u="none" strike="noStrike" cap="none">
+                <a:solidFill>
+                  <a:schemeClr val="dk1"/>
+                </a:solidFill>
+                <a:latin typeface="Manrope SemiBold"/>
+                <a:ea typeface="Manrope SemiBold"/>
+                <a:cs typeface="Manrope SemiBold"/>
+                <a:sym typeface="Manrope SemiBold"/>
+              </a:defRPr>
+            </a:lvl9pPr>
+          </a:lstStyle>
+          <a:p>
+            <a:pPr marL="0" indent="0"/>
+            <a:r>
+              <a:rPr lang="pt-BR" sz="2200" dirty="0"/>
+              <a:t>Gustavo</a:t>
+            </a:r>
+          </a:p>
+        </p:txBody>
+      </p:sp>
+      <p:pic>
+        <p:nvPicPr>
+          <p:cNvPr id="7" name="Imagem 6" descr="Mulher com cabelos longos&#10;&#10;Descrição gerada automaticamente com confiança média">
+            <a:extLst>
+              <a:ext uri="{FF2B5EF4-FFF2-40B4-BE49-F238E27FC236}">
+                <a16:creationId xmlns:a16="http://schemas.microsoft.com/office/drawing/2014/main" id="{90FCF98D-DFE5-4416-EF70-B96C9DE4425E}"/>
+              </a:ext>
+            </a:extLst>
+          </p:cNvPr>
+          <p:cNvPicPr>
+            <a:picLocks noChangeAspect="1"/>
+          </p:cNvPicPr>
+          <p:nvPr/>
+        </p:nvPicPr>
+        <p:blipFill>
+          <a:blip r:embed="rId7"/>
+          <a:stretch>
+            <a:fillRect/>
+          </a:stretch>
+        </p:blipFill>
+        <p:spPr>
+          <a:xfrm>
+            <a:off x="2678619" y="2401923"/>
+            <a:ext cx="1304400" cy="1304400"/>
+          </a:xfrm>
+          <a:prstGeom prst="ellipse">
+            <a:avLst/>
+          </a:prstGeom>
+        </p:spPr>
+      </p:pic>
+    </p:spTree>
+  </p:cSld>
+  <p:clrMapOvr>
+    <a:masterClrMapping/>
+  </p:clrMapOvr>
+</p:sld>
+</file>
+
+<file path=ppt/slides/slide3.xml><?xml version="1.0" encoding="utf-8"?>
+<p:sld xmlns:a="http://schemas.openxmlformats.org/drawingml/2006/main" xmlns:r="http://schemas.openxmlformats.org/officeDocument/2006/relationships" xmlns:p="http://schemas.openxmlformats.org/presentationml/2006/main">
+  <p:cSld>
+    <p:spTree>
+      <p:nvGrpSpPr>
         <p:cNvPr id="1" name="Shape 2412"/>
         <p:cNvGrpSpPr/>
         <p:nvPr/>

--- a/Pitch-SavvyFix.pptx
+++ b/Pitch-SavvyFix.pptx
@@ -5,30 +5,31 @@
     <p:sldMasterId id="2147483683" r:id="rId1"/>
   </p:sldMasterIdLst>
   <p:notesMasterIdLst>
-    <p:notesMasterId r:id="rId5"/>
+    <p:notesMasterId r:id="rId6"/>
   </p:notesMasterIdLst>
   <p:sldIdLst>
     <p:sldId id="256" r:id="rId2"/>
     <p:sldId id="289" r:id="rId3"/>
-    <p:sldId id="281" r:id="rId4"/>
+    <p:sldId id="261" r:id="rId4"/>
+    <p:sldId id="281" r:id="rId5"/>
   </p:sldIdLst>
   <p:sldSz cx="9144000" cy="5143500" type="screen16x9"/>
   <p:notesSz cx="6858000" cy="9144000"/>
   <p:embeddedFontLst>
     <p:embeddedFont>
       <p:font typeface="Inter" panose="020B0604020202020204" charset="0"/>
-      <p:regular r:id="rId6"/>
-      <p:bold r:id="rId7"/>
+      <p:regular r:id="rId7"/>
+      <p:bold r:id="rId8"/>
     </p:embeddedFont>
     <p:embeddedFont>
       <p:font typeface="Manrope Medium" panose="020B0604020202020204" charset="0"/>
-      <p:regular r:id="rId8"/>
-      <p:bold r:id="rId9"/>
+      <p:regular r:id="rId9"/>
+      <p:bold r:id="rId10"/>
     </p:embeddedFont>
     <p:embeddedFont>
       <p:font typeface="Manrope SemiBold" panose="020B0604020202020204" charset="0"/>
-      <p:regular r:id="rId10"/>
-      <p:bold r:id="rId11"/>
+      <p:regular r:id="rId11"/>
+      <p:bold r:id="rId12"/>
     </p:embeddedFont>
   </p:embeddedFontLst>
   <p:defaultTextStyle>
@@ -922,6 +923,110 @@
   <p:cSld>
     <p:spTree>
       <p:nvGrpSpPr>
+        <p:cNvPr id="1" name="Shape 1882"/>
+        <p:cNvGrpSpPr/>
+        <p:nvPr/>
+      </p:nvGrpSpPr>
+      <p:grpSpPr>
+        <a:xfrm>
+          <a:off x="0" y="0"/>
+          <a:ext cx="0" cy="0"/>
+          <a:chOff x="0" y="0"/>
+          <a:chExt cx="0" cy="0"/>
+        </a:xfrm>
+      </p:grpSpPr>
+      <p:sp>
+        <p:nvSpPr>
+          <p:cNvPr id="1883" name="Google Shape;1883;g13b627a1299_0_0:notes"/>
+          <p:cNvSpPr>
+            <a:spLocks noGrp="1" noRot="1" noChangeAspect="1"/>
+          </p:cNvSpPr>
+          <p:nvPr>
+            <p:ph type="sldImg" idx="2"/>
+          </p:nvPr>
+        </p:nvSpPr>
+        <p:spPr>
+          <a:xfrm>
+            <a:off x="381000" y="685800"/>
+            <a:ext cx="6096000" cy="3429000"/>
+          </a:xfrm>
+          <a:custGeom>
+            <a:avLst/>
+            <a:gdLst/>
+            <a:ahLst/>
+            <a:cxnLst/>
+            <a:rect l="l" t="t" r="r" b="b"/>
+            <a:pathLst>
+              <a:path w="120000" h="120000" extrusionOk="0">
+                <a:moveTo>
+                  <a:pt x="0" y="0"/>
+                </a:moveTo>
+                <a:lnTo>
+                  <a:pt x="120000" y="0"/>
+                </a:lnTo>
+                <a:lnTo>
+                  <a:pt x="120000" y="120000"/>
+                </a:lnTo>
+                <a:lnTo>
+                  <a:pt x="0" y="120000"/>
+                </a:lnTo>
+                <a:close/>
+              </a:path>
+            </a:pathLst>
+          </a:custGeom>
+        </p:spPr>
+      </p:sp>
+      <p:sp>
+        <p:nvSpPr>
+          <p:cNvPr id="1884" name="Google Shape;1884;g13b627a1299_0_0:notes"/>
+          <p:cNvSpPr txBox="1">
+            <a:spLocks noGrp="1"/>
+          </p:cNvSpPr>
+          <p:nvPr>
+            <p:ph type="body" idx="1"/>
+          </p:nvPr>
+        </p:nvSpPr>
+        <p:spPr>
+          <a:xfrm>
+            <a:off x="685800" y="4343400"/>
+            <a:ext cx="5486400" cy="4114800"/>
+          </a:xfrm>
+          <a:prstGeom prst="rect">
+            <a:avLst/>
+          </a:prstGeom>
+        </p:spPr>
+        <p:txBody>
+          <a:bodyPr spcFirstLastPara="1" wrap="square" lIns="91425" tIns="91425" rIns="91425" bIns="91425" anchor="t" anchorCtr="0">
+            <a:noAutofit/>
+          </a:bodyPr>
+          <a:lstStyle/>
+          <a:p>
+            <a:pPr marL="0" lvl="0" indent="0" algn="l" rtl="0">
+              <a:spcBef>
+                <a:spcPts val="0"/>
+              </a:spcBef>
+              <a:spcAft>
+                <a:spcPts val="0"/>
+              </a:spcAft>
+              <a:buNone/>
+            </a:pPr>
+            <a:endParaRPr/>
+          </a:p>
+        </p:txBody>
+      </p:sp>
+    </p:spTree>
+  </p:cSld>
+  <p:clrMapOvr>
+    <a:masterClrMapping/>
+  </p:clrMapOvr>
+</p:notes>
+</file>
+
+<file path=ppt/notesSlides/notesSlide4.xml><?xml version="1.0" encoding="utf-8"?>
+<p:notes xmlns:a="http://schemas.openxmlformats.org/drawingml/2006/main" xmlns:r="http://schemas.openxmlformats.org/officeDocument/2006/relationships" xmlns:p="http://schemas.openxmlformats.org/presentationml/2006/main" showMasterSp="0" showMasterPhAnim="0">
+  <p:cSld>
+    <p:spTree>
+      <p:nvGrpSpPr>
         <p:cNvPr id="1" name="Shape 2409"/>
         <p:cNvGrpSpPr/>
         <p:nvPr/>
@@ -16393,6 +16498,3196 @@
 </p:sldLayout>
 </file>
 
+<file path=ppt/slideLayouts/slideLayout7.xml><?xml version="1.0" encoding="utf-8"?>
+<p:sldLayout xmlns:a="http://schemas.openxmlformats.org/drawingml/2006/main" xmlns:r="http://schemas.openxmlformats.org/officeDocument/2006/relationships" xmlns:p="http://schemas.openxmlformats.org/presentationml/2006/main" matchingName="Section title and description">
+  <p:cSld name="Section title and description">
+    <p:spTree>
+      <p:nvGrpSpPr>
+        <p:cNvPr id="1" name="Shape 354"/>
+        <p:cNvGrpSpPr/>
+        <p:nvPr/>
+      </p:nvGrpSpPr>
+      <p:grpSpPr>
+        <a:xfrm>
+          <a:off x="0" y="0"/>
+          <a:ext cx="0" cy="0"/>
+          <a:chOff x="0" y="0"/>
+          <a:chExt cx="0" cy="0"/>
+        </a:xfrm>
+      </p:grpSpPr>
+      <p:sp>
+        <p:nvSpPr>
+          <p:cNvPr id="355" name="Google Shape;355;p9"/>
+          <p:cNvSpPr txBox="1">
+            <a:spLocks noGrp="1"/>
+          </p:cNvSpPr>
+          <p:nvPr>
+            <p:ph type="title"/>
+          </p:nvPr>
+        </p:nvSpPr>
+        <p:spPr>
+          <a:xfrm>
+            <a:off x="4276925" y="1364150"/>
+            <a:ext cx="4153800" cy="800400"/>
+          </a:xfrm>
+          <a:prstGeom prst="rect">
+            <a:avLst/>
+          </a:prstGeom>
+        </p:spPr>
+        <p:txBody>
+          <a:bodyPr spcFirstLastPara="1" wrap="square" lIns="91425" tIns="91425" rIns="91425" bIns="91425" anchor="t" anchorCtr="0">
+            <a:noAutofit/>
+          </a:bodyPr>
+          <a:lstStyle>
+            <a:lvl1pPr lvl="0" algn="r">
+              <a:spcBef>
+                <a:spcPts val="0"/>
+              </a:spcBef>
+              <a:spcAft>
+                <a:spcPts val="0"/>
+              </a:spcAft>
+              <a:buSzPts val="6000"/>
+              <a:buNone/>
+              <a:defRPr sz="4000"/>
+            </a:lvl1pPr>
+            <a:lvl2pPr lvl="1" algn="l">
+              <a:spcBef>
+                <a:spcPts val="0"/>
+              </a:spcBef>
+              <a:spcAft>
+                <a:spcPts val="0"/>
+              </a:spcAft>
+              <a:buSzPts val="6000"/>
+              <a:buNone/>
+              <a:defRPr sz="6000"/>
+            </a:lvl2pPr>
+            <a:lvl3pPr lvl="2" algn="l">
+              <a:spcBef>
+                <a:spcPts val="0"/>
+              </a:spcBef>
+              <a:spcAft>
+                <a:spcPts val="0"/>
+              </a:spcAft>
+              <a:buSzPts val="6000"/>
+              <a:buNone/>
+              <a:defRPr sz="6000"/>
+            </a:lvl3pPr>
+            <a:lvl4pPr lvl="3" algn="l">
+              <a:spcBef>
+                <a:spcPts val="0"/>
+              </a:spcBef>
+              <a:spcAft>
+                <a:spcPts val="0"/>
+              </a:spcAft>
+              <a:buSzPts val="6000"/>
+              <a:buNone/>
+              <a:defRPr sz="6000"/>
+            </a:lvl4pPr>
+            <a:lvl5pPr lvl="4" algn="l">
+              <a:spcBef>
+                <a:spcPts val="0"/>
+              </a:spcBef>
+              <a:spcAft>
+                <a:spcPts val="0"/>
+              </a:spcAft>
+              <a:buSzPts val="6000"/>
+              <a:buNone/>
+              <a:defRPr sz="6000"/>
+            </a:lvl5pPr>
+            <a:lvl6pPr lvl="5" algn="l">
+              <a:spcBef>
+                <a:spcPts val="0"/>
+              </a:spcBef>
+              <a:spcAft>
+                <a:spcPts val="0"/>
+              </a:spcAft>
+              <a:buSzPts val="6000"/>
+              <a:buNone/>
+              <a:defRPr sz="6000"/>
+            </a:lvl6pPr>
+            <a:lvl7pPr lvl="6" algn="l">
+              <a:spcBef>
+                <a:spcPts val="0"/>
+              </a:spcBef>
+              <a:spcAft>
+                <a:spcPts val="0"/>
+              </a:spcAft>
+              <a:buSzPts val="6000"/>
+              <a:buNone/>
+              <a:defRPr sz="6000"/>
+            </a:lvl7pPr>
+            <a:lvl8pPr lvl="7" algn="l">
+              <a:spcBef>
+                <a:spcPts val="0"/>
+              </a:spcBef>
+              <a:spcAft>
+                <a:spcPts val="0"/>
+              </a:spcAft>
+              <a:buSzPts val="6000"/>
+              <a:buNone/>
+              <a:defRPr sz="6000"/>
+            </a:lvl8pPr>
+            <a:lvl9pPr lvl="8" algn="l">
+              <a:spcBef>
+                <a:spcPts val="0"/>
+              </a:spcBef>
+              <a:spcAft>
+                <a:spcPts val="0"/>
+              </a:spcAft>
+              <a:buSzPts val="6000"/>
+              <a:buNone/>
+              <a:defRPr sz="6000"/>
+            </a:lvl9pPr>
+          </a:lstStyle>
+          <a:p>
+            <a:endParaRPr/>
+          </a:p>
+        </p:txBody>
+      </p:sp>
+      <p:sp>
+        <p:nvSpPr>
+          <p:cNvPr id="356" name="Google Shape;356;p9"/>
+          <p:cNvSpPr txBox="1">
+            <a:spLocks noGrp="1"/>
+          </p:cNvSpPr>
+          <p:nvPr>
+            <p:ph type="subTitle" idx="1"/>
+          </p:nvPr>
+        </p:nvSpPr>
+        <p:spPr>
+          <a:xfrm>
+            <a:off x="4276925" y="2305368"/>
+            <a:ext cx="4153800" cy="1416000"/>
+          </a:xfrm>
+          <a:prstGeom prst="rect">
+            <a:avLst/>
+          </a:prstGeom>
+        </p:spPr>
+        <p:txBody>
+          <a:bodyPr spcFirstLastPara="1" wrap="square" lIns="91425" tIns="91425" rIns="91425" bIns="91425" anchor="t" anchorCtr="0">
+            <a:noAutofit/>
+          </a:bodyPr>
+          <a:lstStyle>
+            <a:lvl1pPr lvl="0" algn="r">
+              <a:lnSpc>
+                <a:spcPct val="100000"/>
+              </a:lnSpc>
+              <a:spcBef>
+                <a:spcPts val="0"/>
+              </a:spcBef>
+              <a:spcAft>
+                <a:spcPts val="0"/>
+              </a:spcAft>
+              <a:buSzPts val="1400"/>
+              <a:buNone/>
+              <a:defRPr sz="1400"/>
+            </a:lvl1pPr>
+            <a:lvl2pPr lvl="1">
+              <a:lnSpc>
+                <a:spcPct val="100000"/>
+              </a:lnSpc>
+              <a:spcBef>
+                <a:spcPts val="0"/>
+              </a:spcBef>
+              <a:spcAft>
+                <a:spcPts val="0"/>
+              </a:spcAft>
+              <a:buSzPts val="1400"/>
+              <a:buNone/>
+              <a:defRPr sz="1400"/>
+            </a:lvl2pPr>
+            <a:lvl3pPr lvl="2">
+              <a:lnSpc>
+                <a:spcPct val="100000"/>
+              </a:lnSpc>
+              <a:spcBef>
+                <a:spcPts val="0"/>
+              </a:spcBef>
+              <a:spcAft>
+                <a:spcPts val="0"/>
+              </a:spcAft>
+              <a:buSzPts val="1400"/>
+              <a:buNone/>
+              <a:defRPr sz="1400"/>
+            </a:lvl3pPr>
+            <a:lvl4pPr lvl="3">
+              <a:lnSpc>
+                <a:spcPct val="100000"/>
+              </a:lnSpc>
+              <a:spcBef>
+                <a:spcPts val="0"/>
+              </a:spcBef>
+              <a:spcAft>
+                <a:spcPts val="0"/>
+              </a:spcAft>
+              <a:buSzPts val="1400"/>
+              <a:buNone/>
+              <a:defRPr sz="1400"/>
+            </a:lvl4pPr>
+            <a:lvl5pPr lvl="4">
+              <a:lnSpc>
+                <a:spcPct val="100000"/>
+              </a:lnSpc>
+              <a:spcBef>
+                <a:spcPts val="0"/>
+              </a:spcBef>
+              <a:spcAft>
+                <a:spcPts val="0"/>
+              </a:spcAft>
+              <a:buSzPts val="1400"/>
+              <a:buNone/>
+              <a:defRPr sz="1400"/>
+            </a:lvl5pPr>
+            <a:lvl6pPr lvl="5">
+              <a:lnSpc>
+                <a:spcPct val="100000"/>
+              </a:lnSpc>
+              <a:spcBef>
+                <a:spcPts val="0"/>
+              </a:spcBef>
+              <a:spcAft>
+                <a:spcPts val="0"/>
+              </a:spcAft>
+              <a:buSzPts val="1400"/>
+              <a:buNone/>
+              <a:defRPr sz="1400"/>
+            </a:lvl6pPr>
+            <a:lvl7pPr lvl="6">
+              <a:lnSpc>
+                <a:spcPct val="100000"/>
+              </a:lnSpc>
+              <a:spcBef>
+                <a:spcPts val="0"/>
+              </a:spcBef>
+              <a:spcAft>
+                <a:spcPts val="0"/>
+              </a:spcAft>
+              <a:buSzPts val="1400"/>
+              <a:buNone/>
+              <a:defRPr sz="1400"/>
+            </a:lvl7pPr>
+            <a:lvl8pPr lvl="7">
+              <a:lnSpc>
+                <a:spcPct val="100000"/>
+              </a:lnSpc>
+              <a:spcBef>
+                <a:spcPts val="0"/>
+              </a:spcBef>
+              <a:spcAft>
+                <a:spcPts val="0"/>
+              </a:spcAft>
+              <a:buSzPts val="1400"/>
+              <a:buNone/>
+              <a:defRPr sz="1400"/>
+            </a:lvl8pPr>
+            <a:lvl9pPr lvl="8">
+              <a:lnSpc>
+                <a:spcPct val="100000"/>
+              </a:lnSpc>
+              <a:spcBef>
+                <a:spcPts val="0"/>
+              </a:spcBef>
+              <a:spcAft>
+                <a:spcPts val="0"/>
+              </a:spcAft>
+              <a:buSzPts val="1400"/>
+              <a:buNone/>
+              <a:defRPr sz="1400"/>
+            </a:lvl9pPr>
+          </a:lstStyle>
+          <a:p>
+            <a:endParaRPr/>
+          </a:p>
+        </p:txBody>
+      </p:sp>
+      <p:grpSp>
+        <p:nvGrpSpPr>
+          <p:cNvPr id="357" name="Google Shape;357;p9"/>
+          <p:cNvGrpSpPr/>
+          <p:nvPr/>
+        </p:nvGrpSpPr>
+        <p:grpSpPr>
+          <a:xfrm rot="5400000" flipH="1">
+            <a:off x="7816695" y="-1934597"/>
+            <a:ext cx="2661273" cy="2575817"/>
+            <a:chOff x="-1199887" y="4530496"/>
+            <a:chExt cx="2661273" cy="2575817"/>
+          </a:xfrm>
+        </p:grpSpPr>
+        <p:sp>
+          <p:nvSpPr>
+            <p:cNvPr id="358" name="Google Shape;358;p9"/>
+            <p:cNvSpPr/>
+            <p:nvPr/>
+          </p:nvSpPr>
+          <p:spPr>
+            <a:xfrm>
+              <a:off x="-1199887" y="4720752"/>
+              <a:ext cx="1751700" cy="1751700"/>
+            </a:xfrm>
+            <a:prstGeom prst="ellipse">
+              <a:avLst/>
+            </a:prstGeom>
+            <a:solidFill>
+              <a:schemeClr val="accent1"/>
+            </a:solidFill>
+            <a:ln>
+              <a:noFill/>
+            </a:ln>
+          </p:spPr>
+          <p:txBody>
+            <a:bodyPr spcFirstLastPara="1" wrap="square" lIns="91425" tIns="91425" rIns="91425" bIns="91425" anchor="ctr" anchorCtr="0">
+              <a:noAutofit/>
+            </a:bodyPr>
+            <a:lstStyle/>
+            <a:p>
+              <a:pPr marL="0" lvl="0" indent="0" algn="l" rtl="0">
+                <a:spcBef>
+                  <a:spcPts val="0"/>
+                </a:spcBef>
+                <a:spcAft>
+                  <a:spcPts val="0"/>
+                </a:spcAft>
+                <a:buNone/>
+              </a:pPr>
+              <a:endParaRPr>
+                <a:latin typeface="Inter"/>
+                <a:ea typeface="Inter"/>
+                <a:cs typeface="Inter"/>
+                <a:sym typeface="Inter"/>
+              </a:endParaRPr>
+            </a:p>
+          </p:txBody>
+        </p:sp>
+        <p:grpSp>
+          <p:nvGrpSpPr>
+            <p:cNvPr id="359" name="Google Shape;359;p9"/>
+            <p:cNvGrpSpPr/>
+            <p:nvPr/>
+          </p:nvGrpSpPr>
+          <p:grpSpPr>
+            <a:xfrm rot="5400000" flipH="1">
+              <a:off x="-1115103" y="4529824"/>
+              <a:ext cx="2575817" cy="2577160"/>
+              <a:chOff x="1550275" y="1493275"/>
+              <a:chExt cx="1582100" cy="1582925"/>
+            </a:xfrm>
+          </p:grpSpPr>
+          <p:sp>
+            <p:nvSpPr>
+              <p:cNvPr id="360" name="Google Shape;360;p9"/>
+              <p:cNvSpPr/>
+              <p:nvPr/>
+            </p:nvSpPr>
+            <p:spPr>
+              <a:xfrm>
+                <a:off x="1650275" y="1594100"/>
+                <a:ext cx="301650" cy="300825"/>
+              </a:xfrm>
+              <a:custGeom>
+                <a:avLst/>
+                <a:gdLst/>
+                <a:ahLst/>
+                <a:cxnLst/>
+                <a:rect l="l" t="t" r="r" b="b"/>
+                <a:pathLst>
+                  <a:path w="12066" h="12033" fill="none" extrusionOk="0">
+                    <a:moveTo>
+                      <a:pt x="1" y="12032"/>
+                    </a:moveTo>
+                    <a:lnTo>
+                      <a:pt x="12065" y="0"/>
+                    </a:lnTo>
+                  </a:path>
+                </a:pathLst>
+              </a:custGeom>
+              <a:noFill/>
+              <a:ln w="19050" cap="rnd" cmpd="sng">
+                <a:solidFill>
+                  <a:schemeClr val="lt2"/>
+                </a:solidFill>
+                <a:prstDash val="solid"/>
+                <a:miter lim="32519"/>
+                <a:headEnd type="none" w="sm" len="sm"/>
+                <a:tailEnd type="none" w="sm" len="sm"/>
+              </a:ln>
+            </p:spPr>
+            <p:txBody>
+              <a:bodyPr spcFirstLastPara="1" wrap="square" lIns="91425" tIns="91425" rIns="91425" bIns="91425" anchor="ctr" anchorCtr="0">
+                <a:noAutofit/>
+              </a:bodyPr>
+              <a:lstStyle/>
+              <a:p>
+                <a:pPr marL="0" lvl="0" indent="0" algn="l" rtl="0">
+                  <a:spcBef>
+                    <a:spcPts val="0"/>
+                  </a:spcBef>
+                  <a:spcAft>
+                    <a:spcPts val="0"/>
+                  </a:spcAft>
+                  <a:buNone/>
+                </a:pPr>
+                <a:endParaRPr>
+                  <a:latin typeface="Inter"/>
+                  <a:ea typeface="Inter"/>
+                  <a:cs typeface="Inter"/>
+                  <a:sym typeface="Inter"/>
+                </a:endParaRPr>
+              </a:p>
+            </p:txBody>
+          </p:sp>
+          <p:sp>
+            <p:nvSpPr>
+              <p:cNvPr id="361" name="Google Shape;361;p9"/>
+              <p:cNvSpPr/>
+              <p:nvPr/>
+            </p:nvSpPr>
+            <p:spPr>
+              <a:xfrm>
+                <a:off x="1560025" y="1503850"/>
+                <a:ext cx="648800" cy="647975"/>
+              </a:xfrm>
+              <a:custGeom>
+                <a:avLst/>
+                <a:gdLst/>
+                <a:ahLst/>
+                <a:cxnLst/>
+                <a:rect l="l" t="t" r="r" b="b"/>
+                <a:pathLst>
+                  <a:path w="25952" h="25919" fill="none" extrusionOk="0">
+                    <a:moveTo>
+                      <a:pt x="1" y="25919"/>
+                    </a:moveTo>
+                    <a:lnTo>
+                      <a:pt x="25952" y="0"/>
+                    </a:lnTo>
+                  </a:path>
+                </a:pathLst>
+              </a:custGeom>
+              <a:noFill/>
+              <a:ln w="19050" cap="rnd" cmpd="sng">
+                <a:solidFill>
+                  <a:schemeClr val="lt2"/>
+                </a:solidFill>
+                <a:prstDash val="solid"/>
+                <a:miter lim="32519"/>
+                <a:headEnd type="none" w="sm" len="sm"/>
+                <a:tailEnd type="none" w="sm" len="sm"/>
+              </a:ln>
+            </p:spPr>
+            <p:txBody>
+              <a:bodyPr spcFirstLastPara="1" wrap="square" lIns="91425" tIns="91425" rIns="91425" bIns="91425" anchor="ctr" anchorCtr="0">
+                <a:noAutofit/>
+              </a:bodyPr>
+              <a:lstStyle/>
+              <a:p>
+                <a:pPr marL="0" lvl="0" indent="0" algn="l" rtl="0">
+                  <a:spcBef>
+                    <a:spcPts val="0"/>
+                  </a:spcBef>
+                  <a:spcAft>
+                    <a:spcPts val="0"/>
+                  </a:spcAft>
+                  <a:buNone/>
+                </a:pPr>
+                <a:endParaRPr>
+                  <a:latin typeface="Inter"/>
+                  <a:ea typeface="Inter"/>
+                  <a:cs typeface="Inter"/>
+                  <a:sym typeface="Inter"/>
+                </a:endParaRPr>
+              </a:p>
+            </p:txBody>
+          </p:sp>
+          <p:sp>
+            <p:nvSpPr>
+              <p:cNvPr id="362" name="Google Shape;362;p9"/>
+              <p:cNvSpPr/>
+              <p:nvPr/>
+            </p:nvSpPr>
+            <p:spPr>
+              <a:xfrm>
+                <a:off x="1550275" y="1493275"/>
+                <a:ext cx="834150" cy="834975"/>
+              </a:xfrm>
+              <a:custGeom>
+                <a:avLst/>
+                <a:gdLst/>
+                <a:ahLst/>
+                <a:cxnLst/>
+                <a:rect l="l" t="t" r="r" b="b"/>
+                <a:pathLst>
+                  <a:path w="33366" h="33399" fill="none" extrusionOk="0">
+                    <a:moveTo>
+                      <a:pt x="1" y="33398"/>
+                    </a:moveTo>
+                    <a:lnTo>
+                      <a:pt x="33366" y="1"/>
+                    </a:lnTo>
+                  </a:path>
+                </a:pathLst>
+              </a:custGeom>
+              <a:noFill/>
+              <a:ln w="19050" cap="rnd" cmpd="sng">
+                <a:solidFill>
+                  <a:schemeClr val="lt2"/>
+                </a:solidFill>
+                <a:prstDash val="solid"/>
+                <a:miter lim="32519"/>
+                <a:headEnd type="none" w="sm" len="sm"/>
+                <a:tailEnd type="none" w="sm" len="sm"/>
+              </a:ln>
+            </p:spPr>
+            <p:txBody>
+              <a:bodyPr spcFirstLastPara="1" wrap="square" lIns="91425" tIns="91425" rIns="91425" bIns="91425" anchor="ctr" anchorCtr="0">
+                <a:noAutofit/>
+              </a:bodyPr>
+              <a:lstStyle/>
+              <a:p>
+                <a:pPr marL="0" lvl="0" indent="0" algn="l" rtl="0">
+                  <a:spcBef>
+                    <a:spcPts val="0"/>
+                  </a:spcBef>
+                  <a:spcAft>
+                    <a:spcPts val="0"/>
+                  </a:spcAft>
+                  <a:buNone/>
+                </a:pPr>
+                <a:endParaRPr>
+                  <a:latin typeface="Inter"/>
+                  <a:ea typeface="Inter"/>
+                  <a:cs typeface="Inter"/>
+                  <a:sym typeface="Inter"/>
+                </a:endParaRPr>
+              </a:p>
+            </p:txBody>
+          </p:sp>
+          <p:sp>
+            <p:nvSpPr>
+              <p:cNvPr id="363" name="Google Shape;363;p9"/>
+              <p:cNvSpPr/>
+              <p:nvPr/>
+            </p:nvSpPr>
+            <p:spPr>
+              <a:xfrm>
+                <a:off x="1571425" y="1514425"/>
+                <a:ext cx="957725" cy="958525"/>
+              </a:xfrm>
+              <a:custGeom>
+                <a:avLst/>
+                <a:gdLst/>
+                <a:ahLst/>
+                <a:cxnLst/>
+                <a:rect l="l" t="t" r="r" b="b"/>
+                <a:pathLst>
+                  <a:path w="38309" h="38341" fill="none" extrusionOk="0">
+                    <a:moveTo>
+                      <a:pt x="0" y="38341"/>
+                    </a:moveTo>
+                    <a:lnTo>
+                      <a:pt x="38308" y="0"/>
+                    </a:lnTo>
+                  </a:path>
+                </a:pathLst>
+              </a:custGeom>
+              <a:noFill/>
+              <a:ln w="19050" cap="rnd" cmpd="sng">
+                <a:solidFill>
+                  <a:schemeClr val="lt2"/>
+                </a:solidFill>
+                <a:prstDash val="solid"/>
+                <a:miter lim="32519"/>
+                <a:headEnd type="none" w="sm" len="sm"/>
+                <a:tailEnd type="none" w="sm" len="sm"/>
+              </a:ln>
+            </p:spPr>
+            <p:txBody>
+              <a:bodyPr spcFirstLastPara="1" wrap="square" lIns="91425" tIns="91425" rIns="91425" bIns="91425" anchor="ctr" anchorCtr="0">
+                <a:noAutofit/>
+              </a:bodyPr>
+              <a:lstStyle/>
+              <a:p>
+                <a:pPr marL="0" lvl="0" indent="0" algn="l" rtl="0">
+                  <a:spcBef>
+                    <a:spcPts val="0"/>
+                  </a:spcBef>
+                  <a:spcAft>
+                    <a:spcPts val="0"/>
+                  </a:spcAft>
+                  <a:buNone/>
+                </a:pPr>
+                <a:endParaRPr>
+                  <a:latin typeface="Inter"/>
+                  <a:ea typeface="Inter"/>
+                  <a:cs typeface="Inter"/>
+                  <a:sym typeface="Inter"/>
+                </a:endParaRPr>
+              </a:p>
+            </p:txBody>
+          </p:sp>
+          <p:sp>
+            <p:nvSpPr>
+              <p:cNvPr id="364" name="Google Shape;364;p9"/>
+              <p:cNvSpPr/>
+              <p:nvPr/>
+            </p:nvSpPr>
+            <p:spPr>
+              <a:xfrm>
+                <a:off x="1612875" y="1555875"/>
+                <a:ext cx="1041475" cy="1042275"/>
+              </a:xfrm>
+              <a:custGeom>
+                <a:avLst/>
+                <a:gdLst/>
+                <a:ahLst/>
+                <a:cxnLst/>
+                <a:rect l="l" t="t" r="r" b="b"/>
+                <a:pathLst>
+                  <a:path w="41659" h="41691" fill="none" extrusionOk="0">
+                    <a:moveTo>
+                      <a:pt x="1" y="41691"/>
+                    </a:moveTo>
+                    <a:lnTo>
+                      <a:pt x="41658" y="1"/>
+                    </a:lnTo>
+                  </a:path>
+                </a:pathLst>
+              </a:custGeom>
+              <a:noFill/>
+              <a:ln w="19050" cap="rnd" cmpd="sng">
+                <a:solidFill>
+                  <a:schemeClr val="lt2"/>
+                </a:solidFill>
+                <a:prstDash val="solid"/>
+                <a:miter lim="32519"/>
+                <a:headEnd type="none" w="sm" len="sm"/>
+                <a:tailEnd type="none" w="sm" len="sm"/>
+              </a:ln>
+            </p:spPr>
+            <p:txBody>
+              <a:bodyPr spcFirstLastPara="1" wrap="square" lIns="91425" tIns="91425" rIns="91425" bIns="91425" anchor="ctr" anchorCtr="0">
+                <a:noAutofit/>
+              </a:bodyPr>
+              <a:lstStyle/>
+              <a:p>
+                <a:pPr marL="0" lvl="0" indent="0" algn="l" rtl="0">
+                  <a:spcBef>
+                    <a:spcPts val="0"/>
+                  </a:spcBef>
+                  <a:spcAft>
+                    <a:spcPts val="0"/>
+                  </a:spcAft>
+                  <a:buNone/>
+                </a:pPr>
+                <a:endParaRPr>
+                  <a:latin typeface="Inter"/>
+                  <a:ea typeface="Inter"/>
+                  <a:cs typeface="Inter"/>
+                  <a:sym typeface="Inter"/>
+                </a:endParaRPr>
+              </a:p>
+            </p:txBody>
+          </p:sp>
+          <p:sp>
+            <p:nvSpPr>
+              <p:cNvPr id="365" name="Google Shape;365;p9"/>
+              <p:cNvSpPr/>
+              <p:nvPr/>
+            </p:nvSpPr>
+            <p:spPr>
+              <a:xfrm>
+                <a:off x="1669800" y="1613600"/>
+                <a:ext cx="1093475" cy="1092675"/>
+              </a:xfrm>
+              <a:custGeom>
+                <a:avLst/>
+                <a:gdLst/>
+                <a:ahLst/>
+                <a:cxnLst/>
+                <a:rect l="l" t="t" r="r" b="b"/>
+                <a:pathLst>
+                  <a:path w="43739" h="43707" fill="none" extrusionOk="0">
+                    <a:moveTo>
+                      <a:pt x="0" y="43707"/>
+                    </a:moveTo>
+                    <a:lnTo>
+                      <a:pt x="43739" y="1"/>
+                    </a:lnTo>
+                  </a:path>
+                </a:pathLst>
+              </a:custGeom>
+              <a:noFill/>
+              <a:ln w="19050" cap="rnd" cmpd="sng">
+                <a:solidFill>
+                  <a:schemeClr val="lt2"/>
+                </a:solidFill>
+                <a:prstDash val="solid"/>
+                <a:miter lim="32519"/>
+                <a:headEnd type="none" w="sm" len="sm"/>
+                <a:tailEnd type="none" w="sm" len="sm"/>
+              </a:ln>
+            </p:spPr>
+            <p:txBody>
+              <a:bodyPr spcFirstLastPara="1" wrap="square" lIns="91425" tIns="91425" rIns="91425" bIns="91425" anchor="ctr" anchorCtr="0">
+                <a:noAutofit/>
+              </a:bodyPr>
+              <a:lstStyle/>
+              <a:p>
+                <a:pPr marL="0" lvl="0" indent="0" algn="l" rtl="0">
+                  <a:spcBef>
+                    <a:spcPts val="0"/>
+                  </a:spcBef>
+                  <a:spcAft>
+                    <a:spcPts val="0"/>
+                  </a:spcAft>
+                  <a:buNone/>
+                </a:pPr>
+                <a:endParaRPr>
+                  <a:latin typeface="Inter"/>
+                  <a:ea typeface="Inter"/>
+                  <a:cs typeface="Inter"/>
+                  <a:sym typeface="Inter"/>
+                </a:endParaRPr>
+              </a:p>
+            </p:txBody>
+          </p:sp>
+          <p:sp>
+            <p:nvSpPr>
+              <p:cNvPr id="366" name="Google Shape;366;p9"/>
+              <p:cNvSpPr/>
+              <p:nvPr/>
+            </p:nvSpPr>
+            <p:spPr>
+              <a:xfrm>
+                <a:off x="1710100" y="1684329"/>
+                <a:ext cx="1148362" cy="1145328"/>
+              </a:xfrm>
+              <a:custGeom>
+                <a:avLst/>
+                <a:gdLst/>
+                <a:ahLst/>
+                <a:cxnLst/>
+                <a:rect l="l" t="t" r="r" b="b"/>
+                <a:pathLst>
+                  <a:path w="75837" h="75837" fill="none" extrusionOk="0">
+                    <a:moveTo>
+                      <a:pt x="1" y="75836"/>
+                    </a:moveTo>
+                    <a:lnTo>
+                      <a:pt x="75837" y="1"/>
+                    </a:lnTo>
+                  </a:path>
+                </a:pathLst>
+              </a:custGeom>
+              <a:noFill/>
+              <a:ln w="19050" cap="rnd" cmpd="sng">
+                <a:solidFill>
+                  <a:schemeClr val="lt2"/>
+                </a:solidFill>
+                <a:prstDash val="solid"/>
+                <a:miter lim="32519"/>
+                <a:headEnd type="none" w="sm" len="sm"/>
+                <a:tailEnd type="none" w="sm" len="sm"/>
+              </a:ln>
+            </p:spPr>
+            <p:txBody>
+              <a:bodyPr spcFirstLastPara="1" wrap="square" lIns="91425" tIns="91425" rIns="91425" bIns="91425" anchor="ctr" anchorCtr="0">
+                <a:noAutofit/>
+              </a:bodyPr>
+              <a:lstStyle/>
+              <a:p>
+                <a:pPr marL="0" lvl="0" indent="0" algn="l" rtl="0">
+                  <a:spcBef>
+                    <a:spcPts val="0"/>
+                  </a:spcBef>
+                  <a:spcAft>
+                    <a:spcPts val="0"/>
+                  </a:spcAft>
+                  <a:buNone/>
+                </a:pPr>
+                <a:endParaRPr>
+                  <a:latin typeface="Inter"/>
+                  <a:ea typeface="Inter"/>
+                  <a:cs typeface="Inter"/>
+                  <a:sym typeface="Inter"/>
+                </a:endParaRPr>
+              </a:p>
+            </p:txBody>
+          </p:sp>
+          <p:sp>
+            <p:nvSpPr>
+              <p:cNvPr id="367" name="Google Shape;367;p9"/>
+              <p:cNvSpPr/>
+              <p:nvPr/>
+            </p:nvSpPr>
+            <p:spPr>
+              <a:xfrm>
+                <a:off x="1828936" y="1767251"/>
+                <a:ext cx="1113203" cy="1126369"/>
+              </a:xfrm>
+              <a:custGeom>
+                <a:avLst/>
+                <a:gdLst/>
+                <a:ahLst/>
+                <a:cxnLst/>
+                <a:rect l="l" t="t" r="r" b="b"/>
+                <a:pathLst>
+                  <a:path w="75870" h="75837" fill="none" extrusionOk="0">
+                    <a:moveTo>
+                      <a:pt x="1" y="75836"/>
+                    </a:moveTo>
+                    <a:lnTo>
+                      <a:pt x="75869" y="1"/>
+                    </a:lnTo>
+                  </a:path>
+                </a:pathLst>
+              </a:custGeom>
+              <a:noFill/>
+              <a:ln w="19050" cap="rnd" cmpd="sng">
+                <a:solidFill>
+                  <a:schemeClr val="lt2"/>
+                </a:solidFill>
+                <a:prstDash val="solid"/>
+                <a:miter lim="32519"/>
+                <a:headEnd type="none" w="sm" len="sm"/>
+                <a:tailEnd type="none" w="sm" len="sm"/>
+              </a:ln>
+            </p:spPr>
+            <p:txBody>
+              <a:bodyPr spcFirstLastPara="1" wrap="square" lIns="91425" tIns="91425" rIns="91425" bIns="91425" anchor="ctr" anchorCtr="0">
+                <a:noAutofit/>
+              </a:bodyPr>
+              <a:lstStyle/>
+              <a:p>
+                <a:pPr marL="0" lvl="0" indent="0" algn="l" rtl="0">
+                  <a:spcBef>
+                    <a:spcPts val="0"/>
+                  </a:spcBef>
+                  <a:spcAft>
+                    <a:spcPts val="0"/>
+                  </a:spcAft>
+                  <a:buNone/>
+                </a:pPr>
+                <a:endParaRPr>
+                  <a:latin typeface="Inter"/>
+                  <a:ea typeface="Inter"/>
+                  <a:cs typeface="Inter"/>
+                  <a:sym typeface="Inter"/>
+                </a:endParaRPr>
+              </a:p>
+            </p:txBody>
+          </p:sp>
+          <p:sp>
+            <p:nvSpPr>
+              <p:cNvPr id="368" name="Google Shape;368;p9"/>
+              <p:cNvSpPr/>
+              <p:nvPr/>
+            </p:nvSpPr>
+            <p:spPr>
+              <a:xfrm>
+                <a:off x="1929499" y="1863204"/>
+                <a:ext cx="1082574" cy="1112692"/>
+              </a:xfrm>
+              <a:custGeom>
+                <a:avLst/>
+                <a:gdLst/>
+                <a:ahLst/>
+                <a:cxnLst/>
+                <a:rect l="l" t="t" r="r" b="b"/>
+                <a:pathLst>
+                  <a:path w="74828" h="74828" fill="none" extrusionOk="0">
+                    <a:moveTo>
+                      <a:pt x="0" y="74828"/>
+                    </a:moveTo>
+                    <a:lnTo>
+                      <a:pt x="74828" y="0"/>
+                    </a:lnTo>
+                  </a:path>
+                </a:pathLst>
+              </a:custGeom>
+              <a:noFill/>
+              <a:ln w="19050" cap="rnd" cmpd="sng">
+                <a:solidFill>
+                  <a:schemeClr val="lt2"/>
+                </a:solidFill>
+                <a:prstDash val="solid"/>
+                <a:miter lim="32519"/>
+                <a:headEnd type="none" w="sm" len="sm"/>
+                <a:tailEnd type="none" w="sm" len="sm"/>
+              </a:ln>
+            </p:spPr>
+            <p:txBody>
+              <a:bodyPr spcFirstLastPara="1" wrap="square" lIns="91425" tIns="91425" rIns="91425" bIns="91425" anchor="ctr" anchorCtr="0">
+                <a:noAutofit/>
+              </a:bodyPr>
+              <a:lstStyle/>
+              <a:p>
+                <a:pPr marL="0" lvl="0" indent="0" algn="l" rtl="0">
+                  <a:spcBef>
+                    <a:spcPts val="0"/>
+                  </a:spcBef>
+                  <a:spcAft>
+                    <a:spcPts val="0"/>
+                  </a:spcAft>
+                  <a:buNone/>
+                </a:pPr>
+                <a:endParaRPr>
+                  <a:latin typeface="Inter"/>
+                  <a:ea typeface="Inter"/>
+                  <a:cs typeface="Inter"/>
+                  <a:sym typeface="Inter"/>
+                </a:endParaRPr>
+              </a:p>
+            </p:txBody>
+          </p:sp>
+          <p:sp>
+            <p:nvSpPr>
+              <p:cNvPr id="369" name="Google Shape;369;p9"/>
+              <p:cNvSpPr/>
+              <p:nvPr/>
+            </p:nvSpPr>
+            <p:spPr>
+              <a:xfrm>
+                <a:off x="2027500" y="1971325"/>
+                <a:ext cx="1042275" cy="1042275"/>
+              </a:xfrm>
+              <a:custGeom>
+                <a:avLst/>
+                <a:gdLst/>
+                <a:ahLst/>
+                <a:cxnLst/>
+                <a:rect l="l" t="t" r="r" b="b"/>
+                <a:pathLst>
+                  <a:path w="41691" h="41691" fill="none" extrusionOk="0">
+                    <a:moveTo>
+                      <a:pt x="41691" y="0"/>
+                    </a:moveTo>
+                    <a:lnTo>
+                      <a:pt x="1" y="41690"/>
+                    </a:lnTo>
+                  </a:path>
+                </a:pathLst>
+              </a:custGeom>
+              <a:noFill/>
+              <a:ln w="19050" cap="rnd" cmpd="sng">
+                <a:solidFill>
+                  <a:schemeClr val="lt2"/>
+                </a:solidFill>
+                <a:prstDash val="solid"/>
+                <a:miter lim="32519"/>
+                <a:headEnd type="none" w="sm" len="sm"/>
+                <a:tailEnd type="none" w="sm" len="sm"/>
+              </a:ln>
+            </p:spPr>
+            <p:txBody>
+              <a:bodyPr spcFirstLastPara="1" wrap="square" lIns="91425" tIns="91425" rIns="91425" bIns="91425" anchor="ctr" anchorCtr="0">
+                <a:noAutofit/>
+              </a:bodyPr>
+              <a:lstStyle/>
+              <a:p>
+                <a:pPr marL="0" lvl="0" indent="0" algn="l" rtl="0">
+                  <a:spcBef>
+                    <a:spcPts val="0"/>
+                  </a:spcBef>
+                  <a:spcAft>
+                    <a:spcPts val="0"/>
+                  </a:spcAft>
+                  <a:buNone/>
+                </a:pPr>
+                <a:endParaRPr>
+                  <a:latin typeface="Inter"/>
+                  <a:ea typeface="Inter"/>
+                  <a:cs typeface="Inter"/>
+                  <a:sym typeface="Inter"/>
+                </a:endParaRPr>
+              </a:p>
+            </p:txBody>
+          </p:sp>
+          <p:sp>
+            <p:nvSpPr>
+              <p:cNvPr id="370" name="Google Shape;370;p9"/>
+              <p:cNvSpPr/>
+              <p:nvPr/>
+            </p:nvSpPr>
+            <p:spPr>
+              <a:xfrm>
+                <a:off x="2152700" y="2096525"/>
+                <a:ext cx="958550" cy="958525"/>
+              </a:xfrm>
+              <a:custGeom>
+                <a:avLst/>
+                <a:gdLst/>
+                <a:ahLst/>
+                <a:cxnLst/>
+                <a:rect l="l" t="t" r="r" b="b"/>
+                <a:pathLst>
+                  <a:path w="38342" h="38341" fill="none" extrusionOk="0">
+                    <a:moveTo>
+                      <a:pt x="38341" y="0"/>
+                    </a:moveTo>
+                    <a:lnTo>
+                      <a:pt x="1" y="38341"/>
+                    </a:lnTo>
+                  </a:path>
+                </a:pathLst>
+              </a:custGeom>
+              <a:noFill/>
+              <a:ln w="19050" cap="rnd" cmpd="sng">
+                <a:solidFill>
+                  <a:schemeClr val="lt2"/>
+                </a:solidFill>
+                <a:prstDash val="solid"/>
+                <a:miter lim="32519"/>
+                <a:headEnd type="none" w="sm" len="sm"/>
+                <a:tailEnd type="none" w="sm" len="sm"/>
+              </a:ln>
+            </p:spPr>
+            <p:txBody>
+              <a:bodyPr spcFirstLastPara="1" wrap="square" lIns="91425" tIns="91425" rIns="91425" bIns="91425" anchor="ctr" anchorCtr="0">
+                <a:noAutofit/>
+              </a:bodyPr>
+              <a:lstStyle/>
+              <a:p>
+                <a:pPr marL="0" lvl="0" indent="0" algn="l" rtl="0">
+                  <a:spcBef>
+                    <a:spcPts val="0"/>
+                  </a:spcBef>
+                  <a:spcAft>
+                    <a:spcPts val="0"/>
+                  </a:spcAft>
+                  <a:buNone/>
+                </a:pPr>
+                <a:endParaRPr>
+                  <a:latin typeface="Inter"/>
+                  <a:ea typeface="Inter"/>
+                  <a:cs typeface="Inter"/>
+                  <a:sym typeface="Inter"/>
+                </a:endParaRPr>
+              </a:p>
+            </p:txBody>
+          </p:sp>
+          <p:sp>
+            <p:nvSpPr>
+              <p:cNvPr id="371" name="Google Shape;371;p9"/>
+              <p:cNvSpPr/>
+              <p:nvPr/>
+            </p:nvSpPr>
+            <p:spPr>
+              <a:xfrm>
+                <a:off x="2298225" y="2241225"/>
+                <a:ext cx="834150" cy="834975"/>
+              </a:xfrm>
+              <a:custGeom>
+                <a:avLst/>
+                <a:gdLst/>
+                <a:ahLst/>
+                <a:cxnLst/>
+                <a:rect l="l" t="t" r="r" b="b"/>
+                <a:pathLst>
+                  <a:path w="33366" h="33399" fill="none" extrusionOk="0">
+                    <a:moveTo>
+                      <a:pt x="33366" y="1"/>
+                    </a:moveTo>
+                    <a:lnTo>
+                      <a:pt x="1" y="33398"/>
+                    </a:lnTo>
+                  </a:path>
+                </a:pathLst>
+              </a:custGeom>
+              <a:noFill/>
+              <a:ln w="19050" cap="rnd" cmpd="sng">
+                <a:solidFill>
+                  <a:schemeClr val="lt2"/>
+                </a:solidFill>
+                <a:prstDash val="solid"/>
+                <a:miter lim="32519"/>
+                <a:headEnd type="none" w="sm" len="sm"/>
+                <a:tailEnd type="none" w="sm" len="sm"/>
+              </a:ln>
+            </p:spPr>
+            <p:txBody>
+              <a:bodyPr spcFirstLastPara="1" wrap="square" lIns="91425" tIns="91425" rIns="91425" bIns="91425" anchor="ctr" anchorCtr="0">
+                <a:noAutofit/>
+              </a:bodyPr>
+              <a:lstStyle/>
+              <a:p>
+                <a:pPr marL="0" lvl="0" indent="0" algn="l" rtl="0">
+                  <a:spcBef>
+                    <a:spcPts val="0"/>
+                  </a:spcBef>
+                  <a:spcAft>
+                    <a:spcPts val="0"/>
+                  </a:spcAft>
+                  <a:buNone/>
+                </a:pPr>
+                <a:endParaRPr>
+                  <a:latin typeface="Inter"/>
+                  <a:ea typeface="Inter"/>
+                  <a:cs typeface="Inter"/>
+                  <a:sym typeface="Inter"/>
+                </a:endParaRPr>
+              </a:p>
+            </p:txBody>
+          </p:sp>
+          <p:sp>
+            <p:nvSpPr>
+              <p:cNvPr id="372" name="Google Shape;372;p9"/>
+              <p:cNvSpPr/>
+              <p:nvPr/>
+            </p:nvSpPr>
+            <p:spPr>
+              <a:xfrm>
+                <a:off x="2473825" y="2417650"/>
+                <a:ext cx="648800" cy="648800"/>
+              </a:xfrm>
+              <a:custGeom>
+                <a:avLst/>
+                <a:gdLst/>
+                <a:ahLst/>
+                <a:cxnLst/>
+                <a:rect l="l" t="t" r="r" b="b"/>
+                <a:pathLst>
+                  <a:path w="25952" h="25952" fill="none" extrusionOk="0">
+                    <a:moveTo>
+                      <a:pt x="25952" y="0"/>
+                    </a:moveTo>
+                    <a:lnTo>
+                      <a:pt x="1" y="25951"/>
+                    </a:lnTo>
+                  </a:path>
+                </a:pathLst>
+              </a:custGeom>
+              <a:noFill/>
+              <a:ln w="19050" cap="rnd" cmpd="sng">
+                <a:solidFill>
+                  <a:schemeClr val="lt2"/>
+                </a:solidFill>
+                <a:prstDash val="solid"/>
+                <a:miter lim="32519"/>
+                <a:headEnd type="none" w="sm" len="sm"/>
+                <a:tailEnd type="none" w="sm" len="sm"/>
+              </a:ln>
+            </p:spPr>
+            <p:txBody>
+              <a:bodyPr spcFirstLastPara="1" wrap="square" lIns="91425" tIns="91425" rIns="91425" bIns="91425" anchor="ctr" anchorCtr="0">
+                <a:noAutofit/>
+              </a:bodyPr>
+              <a:lstStyle/>
+              <a:p>
+                <a:pPr marL="0" lvl="0" indent="0" algn="l" rtl="0">
+                  <a:spcBef>
+                    <a:spcPts val="0"/>
+                  </a:spcBef>
+                  <a:spcAft>
+                    <a:spcPts val="0"/>
+                  </a:spcAft>
+                  <a:buNone/>
+                </a:pPr>
+                <a:endParaRPr>
+                  <a:latin typeface="Inter"/>
+                  <a:ea typeface="Inter"/>
+                  <a:cs typeface="Inter"/>
+                  <a:sym typeface="Inter"/>
+                </a:endParaRPr>
+              </a:p>
+            </p:txBody>
+          </p:sp>
+          <p:sp>
+            <p:nvSpPr>
+              <p:cNvPr id="373" name="Google Shape;373;p9"/>
+              <p:cNvSpPr/>
+              <p:nvPr/>
+            </p:nvSpPr>
+            <p:spPr>
+              <a:xfrm>
+                <a:off x="2730750" y="2674550"/>
+                <a:ext cx="300825" cy="300825"/>
+              </a:xfrm>
+              <a:custGeom>
+                <a:avLst/>
+                <a:gdLst/>
+                <a:ahLst/>
+                <a:cxnLst/>
+                <a:rect l="l" t="t" r="r" b="b"/>
+                <a:pathLst>
+                  <a:path w="12033" h="12033" fill="none" extrusionOk="0">
+                    <a:moveTo>
+                      <a:pt x="12032" y="1"/>
+                    </a:moveTo>
+                    <a:lnTo>
+                      <a:pt x="0" y="12033"/>
+                    </a:lnTo>
+                  </a:path>
+                </a:pathLst>
+              </a:custGeom>
+              <a:noFill/>
+              <a:ln w="19050" cap="rnd" cmpd="sng">
+                <a:solidFill>
+                  <a:schemeClr val="lt2"/>
+                </a:solidFill>
+                <a:prstDash val="solid"/>
+                <a:miter lim="32519"/>
+                <a:headEnd type="none" w="sm" len="sm"/>
+                <a:tailEnd type="none" w="sm" len="sm"/>
+              </a:ln>
+            </p:spPr>
+            <p:txBody>
+              <a:bodyPr spcFirstLastPara="1" wrap="square" lIns="91425" tIns="91425" rIns="91425" bIns="91425" anchor="ctr" anchorCtr="0">
+                <a:noAutofit/>
+              </a:bodyPr>
+              <a:lstStyle/>
+              <a:p>
+                <a:pPr marL="0" lvl="0" indent="0" algn="l" rtl="0">
+                  <a:spcBef>
+                    <a:spcPts val="0"/>
+                  </a:spcBef>
+                  <a:spcAft>
+                    <a:spcPts val="0"/>
+                  </a:spcAft>
+                  <a:buNone/>
+                </a:pPr>
+                <a:endParaRPr>
+                  <a:latin typeface="Inter"/>
+                  <a:ea typeface="Inter"/>
+                  <a:cs typeface="Inter"/>
+                  <a:sym typeface="Inter"/>
+                </a:endParaRPr>
+              </a:p>
+            </p:txBody>
+          </p:sp>
+        </p:grpSp>
+      </p:grpSp>
+      <p:grpSp>
+        <p:nvGrpSpPr>
+          <p:cNvPr id="374" name="Google Shape;374;p9"/>
+          <p:cNvGrpSpPr/>
+          <p:nvPr/>
+        </p:nvGrpSpPr>
+        <p:grpSpPr>
+          <a:xfrm rot="5400000">
+            <a:off x="-1249530" y="-1985919"/>
+            <a:ext cx="2750618" cy="2741916"/>
+            <a:chOff x="2724182" y="-1866850"/>
+            <a:chExt cx="2750618" cy="2741916"/>
+          </a:xfrm>
+        </p:grpSpPr>
+        <p:sp>
+          <p:nvSpPr>
+            <p:cNvPr id="375" name="Google Shape;375;p9"/>
+            <p:cNvSpPr/>
+            <p:nvPr/>
+          </p:nvSpPr>
+          <p:spPr>
+            <a:xfrm>
+              <a:off x="2822200" y="-1866850"/>
+              <a:ext cx="2652600" cy="2637300"/>
+            </a:xfrm>
+            <a:prstGeom prst="ellipse">
+              <a:avLst/>
+            </a:prstGeom>
+            <a:solidFill>
+              <a:srgbClr val="FFFFFF">
+                <a:alpha val="35850"/>
+              </a:srgbClr>
+            </a:solidFill>
+            <a:ln>
+              <a:noFill/>
+            </a:ln>
+          </p:spPr>
+          <p:txBody>
+            <a:bodyPr spcFirstLastPara="1" wrap="square" lIns="91425" tIns="91425" rIns="91425" bIns="91425" anchor="ctr" anchorCtr="0">
+              <a:noAutofit/>
+            </a:bodyPr>
+            <a:lstStyle/>
+            <a:p>
+              <a:pPr marL="0" lvl="0" indent="0" algn="l" rtl="0">
+                <a:spcBef>
+                  <a:spcPts val="0"/>
+                </a:spcBef>
+                <a:spcAft>
+                  <a:spcPts val="0"/>
+                </a:spcAft>
+                <a:buNone/>
+              </a:pPr>
+              <a:endParaRPr>
+                <a:latin typeface="Inter"/>
+                <a:ea typeface="Inter"/>
+                <a:cs typeface="Inter"/>
+                <a:sym typeface="Inter"/>
+              </a:endParaRPr>
+            </a:p>
+          </p:txBody>
+        </p:sp>
+        <p:grpSp>
+          <p:nvGrpSpPr>
+            <p:cNvPr id="376" name="Google Shape;376;p9"/>
+            <p:cNvGrpSpPr/>
+            <p:nvPr/>
+          </p:nvGrpSpPr>
+          <p:grpSpPr>
+            <a:xfrm rot="-5400000" flipH="1">
+              <a:off x="2724854" y="-1701422"/>
+              <a:ext cx="2575817" cy="2577160"/>
+              <a:chOff x="1550275" y="1493275"/>
+              <a:chExt cx="1582100" cy="1582925"/>
+            </a:xfrm>
+          </p:grpSpPr>
+          <p:sp>
+            <p:nvSpPr>
+              <p:cNvPr id="377" name="Google Shape;377;p9"/>
+              <p:cNvSpPr/>
+              <p:nvPr/>
+            </p:nvSpPr>
+            <p:spPr>
+              <a:xfrm>
+                <a:off x="1650275" y="1594100"/>
+                <a:ext cx="301650" cy="300825"/>
+              </a:xfrm>
+              <a:custGeom>
+                <a:avLst/>
+                <a:gdLst/>
+                <a:ahLst/>
+                <a:cxnLst/>
+                <a:rect l="l" t="t" r="r" b="b"/>
+                <a:pathLst>
+                  <a:path w="12066" h="12033" fill="none" extrusionOk="0">
+                    <a:moveTo>
+                      <a:pt x="1" y="12032"/>
+                    </a:moveTo>
+                    <a:lnTo>
+                      <a:pt x="12065" y="0"/>
+                    </a:lnTo>
+                  </a:path>
+                </a:pathLst>
+              </a:custGeom>
+              <a:noFill/>
+              <a:ln w="19050" cap="rnd" cmpd="sng">
+                <a:solidFill>
+                  <a:schemeClr val="accent1"/>
+                </a:solidFill>
+                <a:prstDash val="solid"/>
+                <a:miter lim="32519"/>
+                <a:headEnd type="none" w="sm" len="sm"/>
+                <a:tailEnd type="none" w="sm" len="sm"/>
+              </a:ln>
+            </p:spPr>
+            <p:txBody>
+              <a:bodyPr spcFirstLastPara="1" wrap="square" lIns="91425" tIns="91425" rIns="91425" bIns="91425" anchor="ctr" anchorCtr="0">
+                <a:noAutofit/>
+              </a:bodyPr>
+              <a:lstStyle/>
+              <a:p>
+                <a:pPr marL="0" lvl="0" indent="0" algn="l" rtl="0">
+                  <a:spcBef>
+                    <a:spcPts val="0"/>
+                  </a:spcBef>
+                  <a:spcAft>
+                    <a:spcPts val="0"/>
+                  </a:spcAft>
+                  <a:buNone/>
+                </a:pPr>
+                <a:endParaRPr>
+                  <a:latin typeface="Inter"/>
+                  <a:ea typeface="Inter"/>
+                  <a:cs typeface="Inter"/>
+                  <a:sym typeface="Inter"/>
+                </a:endParaRPr>
+              </a:p>
+            </p:txBody>
+          </p:sp>
+          <p:sp>
+            <p:nvSpPr>
+              <p:cNvPr id="378" name="Google Shape;378;p9"/>
+              <p:cNvSpPr/>
+              <p:nvPr/>
+            </p:nvSpPr>
+            <p:spPr>
+              <a:xfrm>
+                <a:off x="1560025" y="1503850"/>
+                <a:ext cx="648800" cy="647975"/>
+              </a:xfrm>
+              <a:custGeom>
+                <a:avLst/>
+                <a:gdLst/>
+                <a:ahLst/>
+                <a:cxnLst/>
+                <a:rect l="l" t="t" r="r" b="b"/>
+                <a:pathLst>
+                  <a:path w="25952" h="25919" fill="none" extrusionOk="0">
+                    <a:moveTo>
+                      <a:pt x="1" y="25919"/>
+                    </a:moveTo>
+                    <a:lnTo>
+                      <a:pt x="25952" y="0"/>
+                    </a:lnTo>
+                  </a:path>
+                </a:pathLst>
+              </a:custGeom>
+              <a:noFill/>
+              <a:ln w="19050" cap="rnd" cmpd="sng">
+                <a:solidFill>
+                  <a:schemeClr val="accent1"/>
+                </a:solidFill>
+                <a:prstDash val="solid"/>
+                <a:miter lim="32519"/>
+                <a:headEnd type="none" w="sm" len="sm"/>
+                <a:tailEnd type="none" w="sm" len="sm"/>
+              </a:ln>
+            </p:spPr>
+            <p:txBody>
+              <a:bodyPr spcFirstLastPara="1" wrap="square" lIns="91425" tIns="91425" rIns="91425" bIns="91425" anchor="ctr" anchorCtr="0">
+                <a:noAutofit/>
+              </a:bodyPr>
+              <a:lstStyle/>
+              <a:p>
+                <a:pPr marL="0" lvl="0" indent="0" algn="l" rtl="0">
+                  <a:spcBef>
+                    <a:spcPts val="0"/>
+                  </a:spcBef>
+                  <a:spcAft>
+                    <a:spcPts val="0"/>
+                  </a:spcAft>
+                  <a:buNone/>
+                </a:pPr>
+                <a:endParaRPr>
+                  <a:latin typeface="Inter"/>
+                  <a:ea typeface="Inter"/>
+                  <a:cs typeface="Inter"/>
+                  <a:sym typeface="Inter"/>
+                </a:endParaRPr>
+              </a:p>
+            </p:txBody>
+          </p:sp>
+          <p:sp>
+            <p:nvSpPr>
+              <p:cNvPr id="379" name="Google Shape;379;p9"/>
+              <p:cNvSpPr/>
+              <p:nvPr/>
+            </p:nvSpPr>
+            <p:spPr>
+              <a:xfrm>
+                <a:off x="1550275" y="1493275"/>
+                <a:ext cx="834150" cy="834975"/>
+              </a:xfrm>
+              <a:custGeom>
+                <a:avLst/>
+                <a:gdLst/>
+                <a:ahLst/>
+                <a:cxnLst/>
+                <a:rect l="l" t="t" r="r" b="b"/>
+                <a:pathLst>
+                  <a:path w="33366" h="33399" fill="none" extrusionOk="0">
+                    <a:moveTo>
+                      <a:pt x="1" y="33398"/>
+                    </a:moveTo>
+                    <a:lnTo>
+                      <a:pt x="33366" y="1"/>
+                    </a:lnTo>
+                  </a:path>
+                </a:pathLst>
+              </a:custGeom>
+              <a:noFill/>
+              <a:ln w="19050" cap="rnd" cmpd="sng">
+                <a:solidFill>
+                  <a:schemeClr val="accent1"/>
+                </a:solidFill>
+                <a:prstDash val="solid"/>
+                <a:miter lim="32519"/>
+                <a:headEnd type="none" w="sm" len="sm"/>
+                <a:tailEnd type="none" w="sm" len="sm"/>
+              </a:ln>
+            </p:spPr>
+            <p:txBody>
+              <a:bodyPr spcFirstLastPara="1" wrap="square" lIns="91425" tIns="91425" rIns="91425" bIns="91425" anchor="ctr" anchorCtr="0">
+                <a:noAutofit/>
+              </a:bodyPr>
+              <a:lstStyle/>
+              <a:p>
+                <a:pPr marL="0" lvl="0" indent="0" algn="l" rtl="0">
+                  <a:spcBef>
+                    <a:spcPts val="0"/>
+                  </a:spcBef>
+                  <a:spcAft>
+                    <a:spcPts val="0"/>
+                  </a:spcAft>
+                  <a:buNone/>
+                </a:pPr>
+                <a:endParaRPr>
+                  <a:latin typeface="Inter"/>
+                  <a:ea typeface="Inter"/>
+                  <a:cs typeface="Inter"/>
+                  <a:sym typeface="Inter"/>
+                </a:endParaRPr>
+              </a:p>
+            </p:txBody>
+          </p:sp>
+          <p:sp>
+            <p:nvSpPr>
+              <p:cNvPr id="380" name="Google Shape;380;p9"/>
+              <p:cNvSpPr/>
+              <p:nvPr/>
+            </p:nvSpPr>
+            <p:spPr>
+              <a:xfrm>
+                <a:off x="1571425" y="1514425"/>
+                <a:ext cx="957725" cy="958525"/>
+              </a:xfrm>
+              <a:custGeom>
+                <a:avLst/>
+                <a:gdLst/>
+                <a:ahLst/>
+                <a:cxnLst/>
+                <a:rect l="l" t="t" r="r" b="b"/>
+                <a:pathLst>
+                  <a:path w="38309" h="38341" fill="none" extrusionOk="0">
+                    <a:moveTo>
+                      <a:pt x="0" y="38341"/>
+                    </a:moveTo>
+                    <a:lnTo>
+                      <a:pt x="38308" y="0"/>
+                    </a:lnTo>
+                  </a:path>
+                </a:pathLst>
+              </a:custGeom>
+              <a:noFill/>
+              <a:ln w="19050" cap="rnd" cmpd="sng">
+                <a:solidFill>
+                  <a:schemeClr val="accent1"/>
+                </a:solidFill>
+                <a:prstDash val="solid"/>
+                <a:miter lim="32519"/>
+                <a:headEnd type="none" w="sm" len="sm"/>
+                <a:tailEnd type="none" w="sm" len="sm"/>
+              </a:ln>
+            </p:spPr>
+            <p:txBody>
+              <a:bodyPr spcFirstLastPara="1" wrap="square" lIns="91425" tIns="91425" rIns="91425" bIns="91425" anchor="ctr" anchorCtr="0">
+                <a:noAutofit/>
+              </a:bodyPr>
+              <a:lstStyle/>
+              <a:p>
+                <a:pPr marL="0" lvl="0" indent="0" algn="l" rtl="0">
+                  <a:spcBef>
+                    <a:spcPts val="0"/>
+                  </a:spcBef>
+                  <a:spcAft>
+                    <a:spcPts val="0"/>
+                  </a:spcAft>
+                  <a:buNone/>
+                </a:pPr>
+                <a:endParaRPr>
+                  <a:latin typeface="Inter"/>
+                  <a:ea typeface="Inter"/>
+                  <a:cs typeface="Inter"/>
+                  <a:sym typeface="Inter"/>
+                </a:endParaRPr>
+              </a:p>
+            </p:txBody>
+          </p:sp>
+          <p:sp>
+            <p:nvSpPr>
+              <p:cNvPr id="381" name="Google Shape;381;p9"/>
+              <p:cNvSpPr/>
+              <p:nvPr/>
+            </p:nvSpPr>
+            <p:spPr>
+              <a:xfrm>
+                <a:off x="1612875" y="1555875"/>
+                <a:ext cx="1041475" cy="1042275"/>
+              </a:xfrm>
+              <a:custGeom>
+                <a:avLst/>
+                <a:gdLst/>
+                <a:ahLst/>
+                <a:cxnLst/>
+                <a:rect l="l" t="t" r="r" b="b"/>
+                <a:pathLst>
+                  <a:path w="41659" h="41691" fill="none" extrusionOk="0">
+                    <a:moveTo>
+                      <a:pt x="1" y="41691"/>
+                    </a:moveTo>
+                    <a:lnTo>
+                      <a:pt x="41658" y="1"/>
+                    </a:lnTo>
+                  </a:path>
+                </a:pathLst>
+              </a:custGeom>
+              <a:noFill/>
+              <a:ln w="19050" cap="rnd" cmpd="sng">
+                <a:solidFill>
+                  <a:schemeClr val="accent1"/>
+                </a:solidFill>
+                <a:prstDash val="solid"/>
+                <a:miter lim="32519"/>
+                <a:headEnd type="none" w="sm" len="sm"/>
+                <a:tailEnd type="none" w="sm" len="sm"/>
+              </a:ln>
+            </p:spPr>
+            <p:txBody>
+              <a:bodyPr spcFirstLastPara="1" wrap="square" lIns="91425" tIns="91425" rIns="91425" bIns="91425" anchor="ctr" anchorCtr="0">
+                <a:noAutofit/>
+              </a:bodyPr>
+              <a:lstStyle/>
+              <a:p>
+                <a:pPr marL="0" lvl="0" indent="0" algn="l" rtl="0">
+                  <a:spcBef>
+                    <a:spcPts val="0"/>
+                  </a:spcBef>
+                  <a:spcAft>
+                    <a:spcPts val="0"/>
+                  </a:spcAft>
+                  <a:buNone/>
+                </a:pPr>
+                <a:endParaRPr>
+                  <a:latin typeface="Inter"/>
+                  <a:ea typeface="Inter"/>
+                  <a:cs typeface="Inter"/>
+                  <a:sym typeface="Inter"/>
+                </a:endParaRPr>
+              </a:p>
+            </p:txBody>
+          </p:sp>
+          <p:sp>
+            <p:nvSpPr>
+              <p:cNvPr id="382" name="Google Shape;382;p9"/>
+              <p:cNvSpPr/>
+              <p:nvPr/>
+            </p:nvSpPr>
+            <p:spPr>
+              <a:xfrm>
+                <a:off x="1669800" y="1613600"/>
+                <a:ext cx="1093475" cy="1092675"/>
+              </a:xfrm>
+              <a:custGeom>
+                <a:avLst/>
+                <a:gdLst/>
+                <a:ahLst/>
+                <a:cxnLst/>
+                <a:rect l="l" t="t" r="r" b="b"/>
+                <a:pathLst>
+                  <a:path w="43739" h="43707" fill="none" extrusionOk="0">
+                    <a:moveTo>
+                      <a:pt x="0" y="43707"/>
+                    </a:moveTo>
+                    <a:lnTo>
+                      <a:pt x="43739" y="1"/>
+                    </a:lnTo>
+                  </a:path>
+                </a:pathLst>
+              </a:custGeom>
+              <a:noFill/>
+              <a:ln w="19050" cap="rnd" cmpd="sng">
+                <a:solidFill>
+                  <a:schemeClr val="accent1"/>
+                </a:solidFill>
+                <a:prstDash val="solid"/>
+                <a:miter lim="32519"/>
+                <a:headEnd type="none" w="sm" len="sm"/>
+                <a:tailEnd type="none" w="sm" len="sm"/>
+              </a:ln>
+            </p:spPr>
+            <p:txBody>
+              <a:bodyPr spcFirstLastPara="1" wrap="square" lIns="91425" tIns="91425" rIns="91425" bIns="91425" anchor="ctr" anchorCtr="0">
+                <a:noAutofit/>
+              </a:bodyPr>
+              <a:lstStyle/>
+              <a:p>
+                <a:pPr marL="0" lvl="0" indent="0" algn="l" rtl="0">
+                  <a:spcBef>
+                    <a:spcPts val="0"/>
+                  </a:spcBef>
+                  <a:spcAft>
+                    <a:spcPts val="0"/>
+                  </a:spcAft>
+                  <a:buNone/>
+                </a:pPr>
+                <a:endParaRPr>
+                  <a:latin typeface="Inter"/>
+                  <a:ea typeface="Inter"/>
+                  <a:cs typeface="Inter"/>
+                  <a:sym typeface="Inter"/>
+                </a:endParaRPr>
+              </a:p>
+            </p:txBody>
+          </p:sp>
+          <p:sp>
+            <p:nvSpPr>
+              <p:cNvPr id="383" name="Google Shape;383;p9"/>
+              <p:cNvSpPr/>
+              <p:nvPr/>
+            </p:nvSpPr>
+            <p:spPr>
+              <a:xfrm>
+                <a:off x="1735631" y="1684323"/>
+                <a:ext cx="1122767" cy="1115752"/>
+              </a:xfrm>
+              <a:custGeom>
+                <a:avLst/>
+                <a:gdLst/>
+                <a:ahLst/>
+                <a:cxnLst/>
+                <a:rect l="l" t="t" r="r" b="b"/>
+                <a:pathLst>
+                  <a:path w="75837" h="75837" fill="none" extrusionOk="0">
+                    <a:moveTo>
+                      <a:pt x="1" y="75836"/>
+                    </a:moveTo>
+                    <a:lnTo>
+                      <a:pt x="75837" y="1"/>
+                    </a:lnTo>
+                  </a:path>
+                </a:pathLst>
+              </a:custGeom>
+              <a:noFill/>
+              <a:ln w="19050" cap="rnd" cmpd="sng">
+                <a:solidFill>
+                  <a:schemeClr val="accent1"/>
+                </a:solidFill>
+                <a:prstDash val="solid"/>
+                <a:miter lim="32519"/>
+                <a:headEnd type="none" w="sm" len="sm"/>
+                <a:tailEnd type="none" w="sm" len="sm"/>
+              </a:ln>
+            </p:spPr>
+            <p:txBody>
+              <a:bodyPr spcFirstLastPara="1" wrap="square" lIns="91425" tIns="91425" rIns="91425" bIns="91425" anchor="ctr" anchorCtr="0">
+                <a:noAutofit/>
+              </a:bodyPr>
+              <a:lstStyle/>
+              <a:p>
+                <a:pPr marL="0" lvl="0" indent="0" algn="l" rtl="0">
+                  <a:spcBef>
+                    <a:spcPts val="0"/>
+                  </a:spcBef>
+                  <a:spcAft>
+                    <a:spcPts val="0"/>
+                  </a:spcAft>
+                  <a:buNone/>
+                </a:pPr>
+                <a:endParaRPr>
+                  <a:latin typeface="Inter"/>
+                  <a:ea typeface="Inter"/>
+                  <a:cs typeface="Inter"/>
+                  <a:sym typeface="Inter"/>
+                </a:endParaRPr>
+              </a:p>
+            </p:txBody>
+          </p:sp>
+          <p:sp>
+            <p:nvSpPr>
+              <p:cNvPr id="384" name="Google Shape;384;p9"/>
+              <p:cNvSpPr/>
+              <p:nvPr/>
+            </p:nvSpPr>
+            <p:spPr>
+              <a:xfrm>
+                <a:off x="1781330" y="1767253"/>
+                <a:ext cx="1160811" cy="1151585"/>
+              </a:xfrm>
+              <a:custGeom>
+                <a:avLst/>
+                <a:gdLst/>
+                <a:ahLst/>
+                <a:cxnLst/>
+                <a:rect l="l" t="t" r="r" b="b"/>
+                <a:pathLst>
+                  <a:path w="75870" h="75837" fill="none" extrusionOk="0">
+                    <a:moveTo>
+                      <a:pt x="1" y="75836"/>
+                    </a:moveTo>
+                    <a:lnTo>
+                      <a:pt x="75869" y="1"/>
+                    </a:lnTo>
+                  </a:path>
+                </a:pathLst>
+              </a:custGeom>
+              <a:noFill/>
+              <a:ln w="19050" cap="rnd" cmpd="sng">
+                <a:solidFill>
+                  <a:schemeClr val="accent1"/>
+                </a:solidFill>
+                <a:prstDash val="solid"/>
+                <a:miter lim="32519"/>
+                <a:headEnd type="none" w="sm" len="sm"/>
+                <a:tailEnd type="none" w="sm" len="sm"/>
+              </a:ln>
+            </p:spPr>
+            <p:txBody>
+              <a:bodyPr spcFirstLastPara="1" wrap="square" lIns="91425" tIns="91425" rIns="91425" bIns="91425" anchor="ctr" anchorCtr="0">
+                <a:noAutofit/>
+              </a:bodyPr>
+              <a:lstStyle/>
+              <a:p>
+                <a:pPr marL="0" lvl="0" indent="0" algn="l" rtl="0">
+                  <a:spcBef>
+                    <a:spcPts val="0"/>
+                  </a:spcBef>
+                  <a:spcAft>
+                    <a:spcPts val="0"/>
+                  </a:spcAft>
+                  <a:buNone/>
+                </a:pPr>
+                <a:endParaRPr>
+                  <a:latin typeface="Inter"/>
+                  <a:ea typeface="Inter"/>
+                  <a:cs typeface="Inter"/>
+                  <a:sym typeface="Inter"/>
+                </a:endParaRPr>
+              </a:p>
+            </p:txBody>
+          </p:sp>
+          <p:sp>
+            <p:nvSpPr>
+              <p:cNvPr id="385" name="Google Shape;385;p9"/>
+              <p:cNvSpPr/>
+              <p:nvPr/>
+            </p:nvSpPr>
+            <p:spPr>
+              <a:xfrm>
+                <a:off x="1891023" y="1863197"/>
+                <a:ext cx="1121111" cy="1119801"/>
+              </a:xfrm>
+              <a:custGeom>
+                <a:avLst/>
+                <a:gdLst/>
+                <a:ahLst/>
+                <a:cxnLst/>
+                <a:rect l="l" t="t" r="r" b="b"/>
+                <a:pathLst>
+                  <a:path w="74828" h="74828" fill="none" extrusionOk="0">
+                    <a:moveTo>
+                      <a:pt x="0" y="74828"/>
+                    </a:moveTo>
+                    <a:lnTo>
+                      <a:pt x="74828" y="0"/>
+                    </a:lnTo>
+                  </a:path>
+                </a:pathLst>
+              </a:custGeom>
+              <a:noFill/>
+              <a:ln w="19050" cap="rnd" cmpd="sng">
+                <a:solidFill>
+                  <a:schemeClr val="accent1"/>
+                </a:solidFill>
+                <a:prstDash val="solid"/>
+                <a:miter lim="32519"/>
+                <a:headEnd type="none" w="sm" len="sm"/>
+                <a:tailEnd type="none" w="sm" len="sm"/>
+              </a:ln>
+            </p:spPr>
+            <p:txBody>
+              <a:bodyPr spcFirstLastPara="1" wrap="square" lIns="91425" tIns="91425" rIns="91425" bIns="91425" anchor="ctr" anchorCtr="0">
+                <a:noAutofit/>
+              </a:bodyPr>
+              <a:lstStyle/>
+              <a:p>
+                <a:pPr marL="0" lvl="0" indent="0" algn="l" rtl="0">
+                  <a:spcBef>
+                    <a:spcPts val="0"/>
+                  </a:spcBef>
+                  <a:spcAft>
+                    <a:spcPts val="0"/>
+                  </a:spcAft>
+                  <a:buNone/>
+                </a:pPr>
+                <a:endParaRPr>
+                  <a:latin typeface="Inter"/>
+                  <a:ea typeface="Inter"/>
+                  <a:cs typeface="Inter"/>
+                  <a:sym typeface="Inter"/>
+                </a:endParaRPr>
+              </a:p>
+            </p:txBody>
+          </p:sp>
+          <p:sp>
+            <p:nvSpPr>
+              <p:cNvPr id="386" name="Google Shape;386;p9"/>
+              <p:cNvSpPr/>
+              <p:nvPr/>
+            </p:nvSpPr>
+            <p:spPr>
+              <a:xfrm>
+                <a:off x="2027500" y="1971325"/>
+                <a:ext cx="1042275" cy="1042275"/>
+              </a:xfrm>
+              <a:custGeom>
+                <a:avLst/>
+                <a:gdLst/>
+                <a:ahLst/>
+                <a:cxnLst/>
+                <a:rect l="l" t="t" r="r" b="b"/>
+                <a:pathLst>
+                  <a:path w="41691" h="41691" fill="none" extrusionOk="0">
+                    <a:moveTo>
+                      <a:pt x="41691" y="0"/>
+                    </a:moveTo>
+                    <a:lnTo>
+                      <a:pt x="1" y="41690"/>
+                    </a:lnTo>
+                  </a:path>
+                </a:pathLst>
+              </a:custGeom>
+              <a:noFill/>
+              <a:ln w="19050" cap="rnd" cmpd="sng">
+                <a:solidFill>
+                  <a:schemeClr val="accent1"/>
+                </a:solidFill>
+                <a:prstDash val="solid"/>
+                <a:miter lim="32519"/>
+                <a:headEnd type="none" w="sm" len="sm"/>
+                <a:tailEnd type="none" w="sm" len="sm"/>
+              </a:ln>
+            </p:spPr>
+            <p:txBody>
+              <a:bodyPr spcFirstLastPara="1" wrap="square" lIns="91425" tIns="91425" rIns="91425" bIns="91425" anchor="ctr" anchorCtr="0">
+                <a:noAutofit/>
+              </a:bodyPr>
+              <a:lstStyle/>
+              <a:p>
+                <a:pPr marL="0" lvl="0" indent="0" algn="l" rtl="0">
+                  <a:spcBef>
+                    <a:spcPts val="0"/>
+                  </a:spcBef>
+                  <a:spcAft>
+                    <a:spcPts val="0"/>
+                  </a:spcAft>
+                  <a:buNone/>
+                </a:pPr>
+                <a:endParaRPr>
+                  <a:latin typeface="Inter"/>
+                  <a:ea typeface="Inter"/>
+                  <a:cs typeface="Inter"/>
+                  <a:sym typeface="Inter"/>
+                </a:endParaRPr>
+              </a:p>
+            </p:txBody>
+          </p:sp>
+          <p:sp>
+            <p:nvSpPr>
+              <p:cNvPr id="387" name="Google Shape;387;p9"/>
+              <p:cNvSpPr/>
+              <p:nvPr/>
+            </p:nvSpPr>
+            <p:spPr>
+              <a:xfrm>
+                <a:off x="2152700" y="2096525"/>
+                <a:ext cx="958550" cy="958525"/>
+              </a:xfrm>
+              <a:custGeom>
+                <a:avLst/>
+                <a:gdLst/>
+                <a:ahLst/>
+                <a:cxnLst/>
+                <a:rect l="l" t="t" r="r" b="b"/>
+                <a:pathLst>
+                  <a:path w="38342" h="38341" fill="none" extrusionOk="0">
+                    <a:moveTo>
+                      <a:pt x="38341" y="0"/>
+                    </a:moveTo>
+                    <a:lnTo>
+                      <a:pt x="1" y="38341"/>
+                    </a:lnTo>
+                  </a:path>
+                </a:pathLst>
+              </a:custGeom>
+              <a:noFill/>
+              <a:ln w="19050" cap="rnd" cmpd="sng">
+                <a:solidFill>
+                  <a:schemeClr val="accent1"/>
+                </a:solidFill>
+                <a:prstDash val="solid"/>
+                <a:miter lim="32519"/>
+                <a:headEnd type="none" w="sm" len="sm"/>
+                <a:tailEnd type="none" w="sm" len="sm"/>
+              </a:ln>
+            </p:spPr>
+            <p:txBody>
+              <a:bodyPr spcFirstLastPara="1" wrap="square" lIns="91425" tIns="91425" rIns="91425" bIns="91425" anchor="ctr" anchorCtr="0">
+                <a:noAutofit/>
+              </a:bodyPr>
+              <a:lstStyle/>
+              <a:p>
+                <a:pPr marL="0" lvl="0" indent="0" algn="l" rtl="0">
+                  <a:spcBef>
+                    <a:spcPts val="0"/>
+                  </a:spcBef>
+                  <a:spcAft>
+                    <a:spcPts val="0"/>
+                  </a:spcAft>
+                  <a:buNone/>
+                </a:pPr>
+                <a:endParaRPr>
+                  <a:latin typeface="Inter"/>
+                  <a:ea typeface="Inter"/>
+                  <a:cs typeface="Inter"/>
+                  <a:sym typeface="Inter"/>
+                </a:endParaRPr>
+              </a:p>
+            </p:txBody>
+          </p:sp>
+          <p:sp>
+            <p:nvSpPr>
+              <p:cNvPr id="388" name="Google Shape;388;p9"/>
+              <p:cNvSpPr/>
+              <p:nvPr/>
+            </p:nvSpPr>
+            <p:spPr>
+              <a:xfrm>
+                <a:off x="2298225" y="2241225"/>
+                <a:ext cx="834150" cy="834975"/>
+              </a:xfrm>
+              <a:custGeom>
+                <a:avLst/>
+                <a:gdLst/>
+                <a:ahLst/>
+                <a:cxnLst/>
+                <a:rect l="l" t="t" r="r" b="b"/>
+                <a:pathLst>
+                  <a:path w="33366" h="33399" fill="none" extrusionOk="0">
+                    <a:moveTo>
+                      <a:pt x="33366" y="1"/>
+                    </a:moveTo>
+                    <a:lnTo>
+                      <a:pt x="1" y="33398"/>
+                    </a:lnTo>
+                  </a:path>
+                </a:pathLst>
+              </a:custGeom>
+              <a:noFill/>
+              <a:ln w="19050" cap="rnd" cmpd="sng">
+                <a:solidFill>
+                  <a:schemeClr val="accent1"/>
+                </a:solidFill>
+                <a:prstDash val="solid"/>
+                <a:miter lim="32519"/>
+                <a:headEnd type="none" w="sm" len="sm"/>
+                <a:tailEnd type="none" w="sm" len="sm"/>
+              </a:ln>
+            </p:spPr>
+            <p:txBody>
+              <a:bodyPr spcFirstLastPara="1" wrap="square" lIns="91425" tIns="91425" rIns="91425" bIns="91425" anchor="ctr" anchorCtr="0">
+                <a:noAutofit/>
+              </a:bodyPr>
+              <a:lstStyle/>
+              <a:p>
+                <a:pPr marL="0" lvl="0" indent="0" algn="l" rtl="0">
+                  <a:spcBef>
+                    <a:spcPts val="0"/>
+                  </a:spcBef>
+                  <a:spcAft>
+                    <a:spcPts val="0"/>
+                  </a:spcAft>
+                  <a:buNone/>
+                </a:pPr>
+                <a:endParaRPr>
+                  <a:latin typeface="Inter"/>
+                  <a:ea typeface="Inter"/>
+                  <a:cs typeface="Inter"/>
+                  <a:sym typeface="Inter"/>
+                </a:endParaRPr>
+              </a:p>
+            </p:txBody>
+          </p:sp>
+          <p:sp>
+            <p:nvSpPr>
+              <p:cNvPr id="389" name="Google Shape;389;p9"/>
+              <p:cNvSpPr/>
+              <p:nvPr/>
+            </p:nvSpPr>
+            <p:spPr>
+              <a:xfrm>
+                <a:off x="2473825" y="2417650"/>
+                <a:ext cx="648800" cy="648800"/>
+              </a:xfrm>
+              <a:custGeom>
+                <a:avLst/>
+                <a:gdLst/>
+                <a:ahLst/>
+                <a:cxnLst/>
+                <a:rect l="l" t="t" r="r" b="b"/>
+                <a:pathLst>
+                  <a:path w="25952" h="25952" fill="none" extrusionOk="0">
+                    <a:moveTo>
+                      <a:pt x="25952" y="0"/>
+                    </a:moveTo>
+                    <a:lnTo>
+                      <a:pt x="1" y="25951"/>
+                    </a:lnTo>
+                  </a:path>
+                </a:pathLst>
+              </a:custGeom>
+              <a:noFill/>
+              <a:ln w="19050" cap="rnd" cmpd="sng">
+                <a:solidFill>
+                  <a:schemeClr val="accent1"/>
+                </a:solidFill>
+                <a:prstDash val="solid"/>
+                <a:miter lim="32519"/>
+                <a:headEnd type="none" w="sm" len="sm"/>
+                <a:tailEnd type="none" w="sm" len="sm"/>
+              </a:ln>
+            </p:spPr>
+            <p:txBody>
+              <a:bodyPr spcFirstLastPara="1" wrap="square" lIns="91425" tIns="91425" rIns="91425" bIns="91425" anchor="ctr" anchorCtr="0">
+                <a:noAutofit/>
+              </a:bodyPr>
+              <a:lstStyle/>
+              <a:p>
+                <a:pPr marL="0" lvl="0" indent="0" algn="l" rtl="0">
+                  <a:spcBef>
+                    <a:spcPts val="0"/>
+                  </a:spcBef>
+                  <a:spcAft>
+                    <a:spcPts val="0"/>
+                  </a:spcAft>
+                  <a:buNone/>
+                </a:pPr>
+                <a:endParaRPr>
+                  <a:latin typeface="Inter"/>
+                  <a:ea typeface="Inter"/>
+                  <a:cs typeface="Inter"/>
+                  <a:sym typeface="Inter"/>
+                </a:endParaRPr>
+              </a:p>
+            </p:txBody>
+          </p:sp>
+          <p:sp>
+            <p:nvSpPr>
+              <p:cNvPr id="390" name="Google Shape;390;p9"/>
+              <p:cNvSpPr/>
+              <p:nvPr/>
+            </p:nvSpPr>
+            <p:spPr>
+              <a:xfrm>
+                <a:off x="2730750" y="2674550"/>
+                <a:ext cx="300825" cy="300825"/>
+              </a:xfrm>
+              <a:custGeom>
+                <a:avLst/>
+                <a:gdLst/>
+                <a:ahLst/>
+                <a:cxnLst/>
+                <a:rect l="l" t="t" r="r" b="b"/>
+                <a:pathLst>
+                  <a:path w="12033" h="12033" fill="none" extrusionOk="0">
+                    <a:moveTo>
+                      <a:pt x="12032" y="1"/>
+                    </a:moveTo>
+                    <a:lnTo>
+                      <a:pt x="0" y="12033"/>
+                    </a:lnTo>
+                  </a:path>
+                </a:pathLst>
+              </a:custGeom>
+              <a:noFill/>
+              <a:ln w="19050" cap="rnd" cmpd="sng">
+                <a:solidFill>
+                  <a:schemeClr val="accent1"/>
+                </a:solidFill>
+                <a:prstDash val="solid"/>
+                <a:miter lim="32519"/>
+                <a:headEnd type="none" w="sm" len="sm"/>
+                <a:tailEnd type="none" w="sm" len="sm"/>
+              </a:ln>
+            </p:spPr>
+            <p:txBody>
+              <a:bodyPr spcFirstLastPara="1" wrap="square" lIns="91425" tIns="91425" rIns="91425" bIns="91425" anchor="ctr" anchorCtr="0">
+                <a:noAutofit/>
+              </a:bodyPr>
+              <a:lstStyle/>
+              <a:p>
+                <a:pPr marL="0" lvl="0" indent="0" algn="l" rtl="0">
+                  <a:spcBef>
+                    <a:spcPts val="0"/>
+                  </a:spcBef>
+                  <a:spcAft>
+                    <a:spcPts val="0"/>
+                  </a:spcAft>
+                  <a:buNone/>
+                </a:pPr>
+                <a:endParaRPr>
+                  <a:latin typeface="Inter"/>
+                  <a:ea typeface="Inter"/>
+                  <a:cs typeface="Inter"/>
+                  <a:sym typeface="Inter"/>
+                </a:endParaRPr>
+              </a:p>
+            </p:txBody>
+          </p:sp>
+        </p:grpSp>
+      </p:grpSp>
+      <p:grpSp>
+        <p:nvGrpSpPr>
+          <p:cNvPr id="391" name="Google Shape;391;p9"/>
+          <p:cNvGrpSpPr/>
+          <p:nvPr/>
+        </p:nvGrpSpPr>
+        <p:grpSpPr>
+          <a:xfrm rot="10800000">
+            <a:off x="2973434" y="4525039"/>
+            <a:ext cx="2750618" cy="2741916"/>
+            <a:chOff x="2724182" y="-1866850"/>
+            <a:chExt cx="2750618" cy="2741916"/>
+          </a:xfrm>
+        </p:grpSpPr>
+        <p:sp>
+          <p:nvSpPr>
+            <p:cNvPr id="392" name="Google Shape;392;p9"/>
+            <p:cNvSpPr/>
+            <p:nvPr/>
+          </p:nvSpPr>
+          <p:spPr>
+            <a:xfrm>
+              <a:off x="2822200" y="-1866850"/>
+              <a:ext cx="2652600" cy="2637300"/>
+            </a:xfrm>
+            <a:prstGeom prst="ellipse">
+              <a:avLst/>
+            </a:prstGeom>
+            <a:solidFill>
+              <a:srgbClr val="FFFFFF">
+                <a:alpha val="35850"/>
+              </a:srgbClr>
+            </a:solidFill>
+            <a:ln>
+              <a:noFill/>
+            </a:ln>
+          </p:spPr>
+          <p:txBody>
+            <a:bodyPr spcFirstLastPara="1" wrap="square" lIns="91425" tIns="91425" rIns="91425" bIns="91425" anchor="ctr" anchorCtr="0">
+              <a:noAutofit/>
+            </a:bodyPr>
+            <a:lstStyle/>
+            <a:p>
+              <a:pPr marL="0" lvl="0" indent="0" algn="l" rtl="0">
+                <a:spcBef>
+                  <a:spcPts val="0"/>
+                </a:spcBef>
+                <a:spcAft>
+                  <a:spcPts val="0"/>
+                </a:spcAft>
+                <a:buNone/>
+              </a:pPr>
+              <a:endParaRPr>
+                <a:latin typeface="Inter"/>
+                <a:ea typeface="Inter"/>
+                <a:cs typeface="Inter"/>
+                <a:sym typeface="Inter"/>
+              </a:endParaRPr>
+            </a:p>
+          </p:txBody>
+        </p:sp>
+        <p:grpSp>
+          <p:nvGrpSpPr>
+            <p:cNvPr id="393" name="Google Shape;393;p9"/>
+            <p:cNvGrpSpPr/>
+            <p:nvPr/>
+          </p:nvGrpSpPr>
+          <p:grpSpPr>
+            <a:xfrm rot="-5400000" flipH="1">
+              <a:off x="2724854" y="-1701422"/>
+              <a:ext cx="2575817" cy="2577160"/>
+              <a:chOff x="1550275" y="1493275"/>
+              <a:chExt cx="1582100" cy="1582925"/>
+            </a:xfrm>
+          </p:grpSpPr>
+          <p:sp>
+            <p:nvSpPr>
+              <p:cNvPr id="394" name="Google Shape;394;p9"/>
+              <p:cNvSpPr/>
+              <p:nvPr/>
+            </p:nvSpPr>
+            <p:spPr>
+              <a:xfrm>
+                <a:off x="1650275" y="1594100"/>
+                <a:ext cx="301650" cy="300825"/>
+              </a:xfrm>
+              <a:custGeom>
+                <a:avLst/>
+                <a:gdLst/>
+                <a:ahLst/>
+                <a:cxnLst/>
+                <a:rect l="l" t="t" r="r" b="b"/>
+                <a:pathLst>
+                  <a:path w="12066" h="12033" fill="none" extrusionOk="0">
+                    <a:moveTo>
+                      <a:pt x="1" y="12032"/>
+                    </a:moveTo>
+                    <a:lnTo>
+                      <a:pt x="12065" y="0"/>
+                    </a:lnTo>
+                  </a:path>
+                </a:pathLst>
+              </a:custGeom>
+              <a:noFill/>
+              <a:ln w="19050" cap="rnd" cmpd="sng">
+                <a:solidFill>
+                  <a:schemeClr val="accent1"/>
+                </a:solidFill>
+                <a:prstDash val="solid"/>
+                <a:miter lim="32519"/>
+                <a:headEnd type="none" w="sm" len="sm"/>
+                <a:tailEnd type="none" w="sm" len="sm"/>
+              </a:ln>
+            </p:spPr>
+            <p:txBody>
+              <a:bodyPr spcFirstLastPara="1" wrap="square" lIns="91425" tIns="91425" rIns="91425" bIns="91425" anchor="ctr" anchorCtr="0">
+                <a:noAutofit/>
+              </a:bodyPr>
+              <a:lstStyle/>
+              <a:p>
+                <a:pPr marL="0" lvl="0" indent="0" algn="l" rtl="0">
+                  <a:spcBef>
+                    <a:spcPts val="0"/>
+                  </a:spcBef>
+                  <a:spcAft>
+                    <a:spcPts val="0"/>
+                  </a:spcAft>
+                  <a:buNone/>
+                </a:pPr>
+                <a:endParaRPr>
+                  <a:latin typeface="Inter"/>
+                  <a:ea typeface="Inter"/>
+                  <a:cs typeface="Inter"/>
+                  <a:sym typeface="Inter"/>
+                </a:endParaRPr>
+              </a:p>
+            </p:txBody>
+          </p:sp>
+          <p:sp>
+            <p:nvSpPr>
+              <p:cNvPr id="395" name="Google Shape;395;p9"/>
+              <p:cNvSpPr/>
+              <p:nvPr/>
+            </p:nvSpPr>
+            <p:spPr>
+              <a:xfrm>
+                <a:off x="1560025" y="1503850"/>
+                <a:ext cx="648800" cy="647975"/>
+              </a:xfrm>
+              <a:custGeom>
+                <a:avLst/>
+                <a:gdLst/>
+                <a:ahLst/>
+                <a:cxnLst/>
+                <a:rect l="l" t="t" r="r" b="b"/>
+                <a:pathLst>
+                  <a:path w="25952" h="25919" fill="none" extrusionOk="0">
+                    <a:moveTo>
+                      <a:pt x="1" y="25919"/>
+                    </a:moveTo>
+                    <a:lnTo>
+                      <a:pt x="25952" y="0"/>
+                    </a:lnTo>
+                  </a:path>
+                </a:pathLst>
+              </a:custGeom>
+              <a:noFill/>
+              <a:ln w="19050" cap="rnd" cmpd="sng">
+                <a:solidFill>
+                  <a:schemeClr val="accent1"/>
+                </a:solidFill>
+                <a:prstDash val="solid"/>
+                <a:miter lim="32519"/>
+                <a:headEnd type="none" w="sm" len="sm"/>
+                <a:tailEnd type="none" w="sm" len="sm"/>
+              </a:ln>
+            </p:spPr>
+            <p:txBody>
+              <a:bodyPr spcFirstLastPara="1" wrap="square" lIns="91425" tIns="91425" rIns="91425" bIns="91425" anchor="ctr" anchorCtr="0">
+                <a:noAutofit/>
+              </a:bodyPr>
+              <a:lstStyle/>
+              <a:p>
+                <a:pPr marL="0" lvl="0" indent="0" algn="l" rtl="0">
+                  <a:spcBef>
+                    <a:spcPts val="0"/>
+                  </a:spcBef>
+                  <a:spcAft>
+                    <a:spcPts val="0"/>
+                  </a:spcAft>
+                  <a:buNone/>
+                </a:pPr>
+                <a:endParaRPr>
+                  <a:latin typeface="Inter"/>
+                  <a:ea typeface="Inter"/>
+                  <a:cs typeface="Inter"/>
+                  <a:sym typeface="Inter"/>
+                </a:endParaRPr>
+              </a:p>
+            </p:txBody>
+          </p:sp>
+          <p:sp>
+            <p:nvSpPr>
+              <p:cNvPr id="396" name="Google Shape;396;p9"/>
+              <p:cNvSpPr/>
+              <p:nvPr/>
+            </p:nvSpPr>
+            <p:spPr>
+              <a:xfrm>
+                <a:off x="1550275" y="1493275"/>
+                <a:ext cx="834150" cy="834975"/>
+              </a:xfrm>
+              <a:custGeom>
+                <a:avLst/>
+                <a:gdLst/>
+                <a:ahLst/>
+                <a:cxnLst/>
+                <a:rect l="l" t="t" r="r" b="b"/>
+                <a:pathLst>
+                  <a:path w="33366" h="33399" fill="none" extrusionOk="0">
+                    <a:moveTo>
+                      <a:pt x="1" y="33398"/>
+                    </a:moveTo>
+                    <a:lnTo>
+                      <a:pt x="33366" y="1"/>
+                    </a:lnTo>
+                  </a:path>
+                </a:pathLst>
+              </a:custGeom>
+              <a:noFill/>
+              <a:ln w="19050" cap="rnd" cmpd="sng">
+                <a:solidFill>
+                  <a:schemeClr val="accent1"/>
+                </a:solidFill>
+                <a:prstDash val="solid"/>
+                <a:miter lim="32519"/>
+                <a:headEnd type="none" w="sm" len="sm"/>
+                <a:tailEnd type="none" w="sm" len="sm"/>
+              </a:ln>
+            </p:spPr>
+            <p:txBody>
+              <a:bodyPr spcFirstLastPara="1" wrap="square" lIns="91425" tIns="91425" rIns="91425" bIns="91425" anchor="ctr" anchorCtr="0">
+                <a:noAutofit/>
+              </a:bodyPr>
+              <a:lstStyle/>
+              <a:p>
+                <a:pPr marL="0" lvl="0" indent="0" algn="l" rtl="0">
+                  <a:spcBef>
+                    <a:spcPts val="0"/>
+                  </a:spcBef>
+                  <a:spcAft>
+                    <a:spcPts val="0"/>
+                  </a:spcAft>
+                  <a:buNone/>
+                </a:pPr>
+                <a:endParaRPr>
+                  <a:latin typeface="Inter"/>
+                  <a:ea typeface="Inter"/>
+                  <a:cs typeface="Inter"/>
+                  <a:sym typeface="Inter"/>
+                </a:endParaRPr>
+              </a:p>
+            </p:txBody>
+          </p:sp>
+          <p:sp>
+            <p:nvSpPr>
+              <p:cNvPr id="397" name="Google Shape;397;p9"/>
+              <p:cNvSpPr/>
+              <p:nvPr/>
+            </p:nvSpPr>
+            <p:spPr>
+              <a:xfrm>
+                <a:off x="1571425" y="1514425"/>
+                <a:ext cx="957725" cy="958525"/>
+              </a:xfrm>
+              <a:custGeom>
+                <a:avLst/>
+                <a:gdLst/>
+                <a:ahLst/>
+                <a:cxnLst/>
+                <a:rect l="l" t="t" r="r" b="b"/>
+                <a:pathLst>
+                  <a:path w="38309" h="38341" fill="none" extrusionOk="0">
+                    <a:moveTo>
+                      <a:pt x="0" y="38341"/>
+                    </a:moveTo>
+                    <a:lnTo>
+                      <a:pt x="38308" y="0"/>
+                    </a:lnTo>
+                  </a:path>
+                </a:pathLst>
+              </a:custGeom>
+              <a:noFill/>
+              <a:ln w="19050" cap="rnd" cmpd="sng">
+                <a:solidFill>
+                  <a:schemeClr val="accent1"/>
+                </a:solidFill>
+                <a:prstDash val="solid"/>
+                <a:miter lim="32519"/>
+                <a:headEnd type="none" w="sm" len="sm"/>
+                <a:tailEnd type="none" w="sm" len="sm"/>
+              </a:ln>
+            </p:spPr>
+            <p:txBody>
+              <a:bodyPr spcFirstLastPara="1" wrap="square" lIns="91425" tIns="91425" rIns="91425" bIns="91425" anchor="ctr" anchorCtr="0">
+                <a:noAutofit/>
+              </a:bodyPr>
+              <a:lstStyle/>
+              <a:p>
+                <a:pPr marL="0" lvl="0" indent="0" algn="l" rtl="0">
+                  <a:spcBef>
+                    <a:spcPts val="0"/>
+                  </a:spcBef>
+                  <a:spcAft>
+                    <a:spcPts val="0"/>
+                  </a:spcAft>
+                  <a:buNone/>
+                </a:pPr>
+                <a:endParaRPr>
+                  <a:latin typeface="Inter"/>
+                  <a:ea typeface="Inter"/>
+                  <a:cs typeface="Inter"/>
+                  <a:sym typeface="Inter"/>
+                </a:endParaRPr>
+              </a:p>
+            </p:txBody>
+          </p:sp>
+          <p:sp>
+            <p:nvSpPr>
+              <p:cNvPr id="398" name="Google Shape;398;p9"/>
+              <p:cNvSpPr/>
+              <p:nvPr/>
+            </p:nvSpPr>
+            <p:spPr>
+              <a:xfrm>
+                <a:off x="1612875" y="1555875"/>
+                <a:ext cx="1041475" cy="1042275"/>
+              </a:xfrm>
+              <a:custGeom>
+                <a:avLst/>
+                <a:gdLst/>
+                <a:ahLst/>
+                <a:cxnLst/>
+                <a:rect l="l" t="t" r="r" b="b"/>
+                <a:pathLst>
+                  <a:path w="41659" h="41691" fill="none" extrusionOk="0">
+                    <a:moveTo>
+                      <a:pt x="1" y="41691"/>
+                    </a:moveTo>
+                    <a:lnTo>
+                      <a:pt x="41658" y="1"/>
+                    </a:lnTo>
+                  </a:path>
+                </a:pathLst>
+              </a:custGeom>
+              <a:noFill/>
+              <a:ln w="19050" cap="rnd" cmpd="sng">
+                <a:solidFill>
+                  <a:schemeClr val="accent1"/>
+                </a:solidFill>
+                <a:prstDash val="solid"/>
+                <a:miter lim="32519"/>
+                <a:headEnd type="none" w="sm" len="sm"/>
+                <a:tailEnd type="none" w="sm" len="sm"/>
+              </a:ln>
+            </p:spPr>
+            <p:txBody>
+              <a:bodyPr spcFirstLastPara="1" wrap="square" lIns="91425" tIns="91425" rIns="91425" bIns="91425" anchor="ctr" anchorCtr="0">
+                <a:noAutofit/>
+              </a:bodyPr>
+              <a:lstStyle/>
+              <a:p>
+                <a:pPr marL="0" lvl="0" indent="0" algn="l" rtl="0">
+                  <a:spcBef>
+                    <a:spcPts val="0"/>
+                  </a:spcBef>
+                  <a:spcAft>
+                    <a:spcPts val="0"/>
+                  </a:spcAft>
+                  <a:buNone/>
+                </a:pPr>
+                <a:endParaRPr>
+                  <a:latin typeface="Inter"/>
+                  <a:ea typeface="Inter"/>
+                  <a:cs typeface="Inter"/>
+                  <a:sym typeface="Inter"/>
+                </a:endParaRPr>
+              </a:p>
+            </p:txBody>
+          </p:sp>
+          <p:sp>
+            <p:nvSpPr>
+              <p:cNvPr id="399" name="Google Shape;399;p9"/>
+              <p:cNvSpPr/>
+              <p:nvPr/>
+            </p:nvSpPr>
+            <p:spPr>
+              <a:xfrm>
+                <a:off x="1669800" y="1613600"/>
+                <a:ext cx="1093475" cy="1092675"/>
+              </a:xfrm>
+              <a:custGeom>
+                <a:avLst/>
+                <a:gdLst/>
+                <a:ahLst/>
+                <a:cxnLst/>
+                <a:rect l="l" t="t" r="r" b="b"/>
+                <a:pathLst>
+                  <a:path w="43739" h="43707" fill="none" extrusionOk="0">
+                    <a:moveTo>
+                      <a:pt x="0" y="43707"/>
+                    </a:moveTo>
+                    <a:lnTo>
+                      <a:pt x="43739" y="1"/>
+                    </a:lnTo>
+                  </a:path>
+                </a:pathLst>
+              </a:custGeom>
+              <a:noFill/>
+              <a:ln w="19050" cap="rnd" cmpd="sng">
+                <a:solidFill>
+                  <a:schemeClr val="accent1"/>
+                </a:solidFill>
+                <a:prstDash val="solid"/>
+                <a:miter lim="32519"/>
+                <a:headEnd type="none" w="sm" len="sm"/>
+                <a:tailEnd type="none" w="sm" len="sm"/>
+              </a:ln>
+            </p:spPr>
+            <p:txBody>
+              <a:bodyPr spcFirstLastPara="1" wrap="square" lIns="91425" tIns="91425" rIns="91425" bIns="91425" anchor="ctr" anchorCtr="0">
+                <a:noAutofit/>
+              </a:bodyPr>
+              <a:lstStyle/>
+              <a:p>
+                <a:pPr marL="0" lvl="0" indent="0" algn="l" rtl="0">
+                  <a:spcBef>
+                    <a:spcPts val="0"/>
+                  </a:spcBef>
+                  <a:spcAft>
+                    <a:spcPts val="0"/>
+                  </a:spcAft>
+                  <a:buNone/>
+                </a:pPr>
+                <a:endParaRPr>
+                  <a:latin typeface="Inter"/>
+                  <a:ea typeface="Inter"/>
+                  <a:cs typeface="Inter"/>
+                  <a:sym typeface="Inter"/>
+                </a:endParaRPr>
+              </a:p>
+            </p:txBody>
+          </p:sp>
+          <p:sp>
+            <p:nvSpPr>
+              <p:cNvPr id="400" name="Google Shape;400;p9"/>
+              <p:cNvSpPr/>
+              <p:nvPr/>
+            </p:nvSpPr>
+            <p:spPr>
+              <a:xfrm>
+                <a:off x="1735631" y="1684323"/>
+                <a:ext cx="1122767" cy="1115752"/>
+              </a:xfrm>
+              <a:custGeom>
+                <a:avLst/>
+                <a:gdLst/>
+                <a:ahLst/>
+                <a:cxnLst/>
+                <a:rect l="l" t="t" r="r" b="b"/>
+                <a:pathLst>
+                  <a:path w="75837" h="75837" fill="none" extrusionOk="0">
+                    <a:moveTo>
+                      <a:pt x="1" y="75836"/>
+                    </a:moveTo>
+                    <a:lnTo>
+                      <a:pt x="75837" y="1"/>
+                    </a:lnTo>
+                  </a:path>
+                </a:pathLst>
+              </a:custGeom>
+              <a:noFill/>
+              <a:ln w="19050" cap="rnd" cmpd="sng">
+                <a:solidFill>
+                  <a:schemeClr val="accent1"/>
+                </a:solidFill>
+                <a:prstDash val="solid"/>
+                <a:miter lim="32519"/>
+                <a:headEnd type="none" w="sm" len="sm"/>
+                <a:tailEnd type="none" w="sm" len="sm"/>
+              </a:ln>
+            </p:spPr>
+            <p:txBody>
+              <a:bodyPr spcFirstLastPara="1" wrap="square" lIns="91425" tIns="91425" rIns="91425" bIns="91425" anchor="ctr" anchorCtr="0">
+                <a:noAutofit/>
+              </a:bodyPr>
+              <a:lstStyle/>
+              <a:p>
+                <a:pPr marL="0" lvl="0" indent="0" algn="l" rtl="0">
+                  <a:spcBef>
+                    <a:spcPts val="0"/>
+                  </a:spcBef>
+                  <a:spcAft>
+                    <a:spcPts val="0"/>
+                  </a:spcAft>
+                  <a:buNone/>
+                </a:pPr>
+                <a:endParaRPr>
+                  <a:latin typeface="Inter"/>
+                  <a:ea typeface="Inter"/>
+                  <a:cs typeface="Inter"/>
+                  <a:sym typeface="Inter"/>
+                </a:endParaRPr>
+              </a:p>
+            </p:txBody>
+          </p:sp>
+          <p:sp>
+            <p:nvSpPr>
+              <p:cNvPr id="401" name="Google Shape;401;p9"/>
+              <p:cNvSpPr/>
+              <p:nvPr/>
+            </p:nvSpPr>
+            <p:spPr>
+              <a:xfrm>
+                <a:off x="1781330" y="1767253"/>
+                <a:ext cx="1160811" cy="1151585"/>
+              </a:xfrm>
+              <a:custGeom>
+                <a:avLst/>
+                <a:gdLst/>
+                <a:ahLst/>
+                <a:cxnLst/>
+                <a:rect l="l" t="t" r="r" b="b"/>
+                <a:pathLst>
+                  <a:path w="75870" h="75837" fill="none" extrusionOk="0">
+                    <a:moveTo>
+                      <a:pt x="1" y="75836"/>
+                    </a:moveTo>
+                    <a:lnTo>
+                      <a:pt x="75869" y="1"/>
+                    </a:lnTo>
+                  </a:path>
+                </a:pathLst>
+              </a:custGeom>
+              <a:noFill/>
+              <a:ln w="19050" cap="rnd" cmpd="sng">
+                <a:solidFill>
+                  <a:schemeClr val="accent1"/>
+                </a:solidFill>
+                <a:prstDash val="solid"/>
+                <a:miter lim="32519"/>
+                <a:headEnd type="none" w="sm" len="sm"/>
+                <a:tailEnd type="none" w="sm" len="sm"/>
+              </a:ln>
+            </p:spPr>
+            <p:txBody>
+              <a:bodyPr spcFirstLastPara="1" wrap="square" lIns="91425" tIns="91425" rIns="91425" bIns="91425" anchor="ctr" anchorCtr="0">
+                <a:noAutofit/>
+              </a:bodyPr>
+              <a:lstStyle/>
+              <a:p>
+                <a:pPr marL="0" lvl="0" indent="0" algn="l" rtl="0">
+                  <a:spcBef>
+                    <a:spcPts val="0"/>
+                  </a:spcBef>
+                  <a:spcAft>
+                    <a:spcPts val="0"/>
+                  </a:spcAft>
+                  <a:buNone/>
+                </a:pPr>
+                <a:endParaRPr>
+                  <a:latin typeface="Inter"/>
+                  <a:ea typeface="Inter"/>
+                  <a:cs typeface="Inter"/>
+                  <a:sym typeface="Inter"/>
+                </a:endParaRPr>
+              </a:p>
+            </p:txBody>
+          </p:sp>
+          <p:sp>
+            <p:nvSpPr>
+              <p:cNvPr id="402" name="Google Shape;402;p9"/>
+              <p:cNvSpPr/>
+              <p:nvPr/>
+            </p:nvSpPr>
+            <p:spPr>
+              <a:xfrm>
+                <a:off x="1891023" y="1863197"/>
+                <a:ext cx="1121111" cy="1119801"/>
+              </a:xfrm>
+              <a:custGeom>
+                <a:avLst/>
+                <a:gdLst/>
+                <a:ahLst/>
+                <a:cxnLst/>
+                <a:rect l="l" t="t" r="r" b="b"/>
+                <a:pathLst>
+                  <a:path w="74828" h="74828" fill="none" extrusionOk="0">
+                    <a:moveTo>
+                      <a:pt x="0" y="74828"/>
+                    </a:moveTo>
+                    <a:lnTo>
+                      <a:pt x="74828" y="0"/>
+                    </a:lnTo>
+                  </a:path>
+                </a:pathLst>
+              </a:custGeom>
+              <a:noFill/>
+              <a:ln w="19050" cap="rnd" cmpd="sng">
+                <a:solidFill>
+                  <a:schemeClr val="accent1"/>
+                </a:solidFill>
+                <a:prstDash val="solid"/>
+                <a:miter lim="32519"/>
+                <a:headEnd type="none" w="sm" len="sm"/>
+                <a:tailEnd type="none" w="sm" len="sm"/>
+              </a:ln>
+            </p:spPr>
+            <p:txBody>
+              <a:bodyPr spcFirstLastPara="1" wrap="square" lIns="91425" tIns="91425" rIns="91425" bIns="91425" anchor="ctr" anchorCtr="0">
+                <a:noAutofit/>
+              </a:bodyPr>
+              <a:lstStyle/>
+              <a:p>
+                <a:pPr marL="0" lvl="0" indent="0" algn="l" rtl="0">
+                  <a:spcBef>
+                    <a:spcPts val="0"/>
+                  </a:spcBef>
+                  <a:spcAft>
+                    <a:spcPts val="0"/>
+                  </a:spcAft>
+                  <a:buNone/>
+                </a:pPr>
+                <a:endParaRPr>
+                  <a:latin typeface="Inter"/>
+                  <a:ea typeface="Inter"/>
+                  <a:cs typeface="Inter"/>
+                  <a:sym typeface="Inter"/>
+                </a:endParaRPr>
+              </a:p>
+            </p:txBody>
+          </p:sp>
+          <p:sp>
+            <p:nvSpPr>
+              <p:cNvPr id="403" name="Google Shape;403;p9"/>
+              <p:cNvSpPr/>
+              <p:nvPr/>
+            </p:nvSpPr>
+            <p:spPr>
+              <a:xfrm>
+                <a:off x="2027500" y="1971325"/>
+                <a:ext cx="1042275" cy="1042275"/>
+              </a:xfrm>
+              <a:custGeom>
+                <a:avLst/>
+                <a:gdLst/>
+                <a:ahLst/>
+                <a:cxnLst/>
+                <a:rect l="l" t="t" r="r" b="b"/>
+                <a:pathLst>
+                  <a:path w="41691" h="41691" fill="none" extrusionOk="0">
+                    <a:moveTo>
+                      <a:pt x="41691" y="0"/>
+                    </a:moveTo>
+                    <a:lnTo>
+                      <a:pt x="1" y="41690"/>
+                    </a:lnTo>
+                  </a:path>
+                </a:pathLst>
+              </a:custGeom>
+              <a:noFill/>
+              <a:ln w="19050" cap="rnd" cmpd="sng">
+                <a:solidFill>
+                  <a:schemeClr val="accent1"/>
+                </a:solidFill>
+                <a:prstDash val="solid"/>
+                <a:miter lim="32519"/>
+                <a:headEnd type="none" w="sm" len="sm"/>
+                <a:tailEnd type="none" w="sm" len="sm"/>
+              </a:ln>
+            </p:spPr>
+            <p:txBody>
+              <a:bodyPr spcFirstLastPara="1" wrap="square" lIns="91425" tIns="91425" rIns="91425" bIns="91425" anchor="ctr" anchorCtr="0">
+                <a:noAutofit/>
+              </a:bodyPr>
+              <a:lstStyle/>
+              <a:p>
+                <a:pPr marL="0" lvl="0" indent="0" algn="l" rtl="0">
+                  <a:spcBef>
+                    <a:spcPts val="0"/>
+                  </a:spcBef>
+                  <a:spcAft>
+                    <a:spcPts val="0"/>
+                  </a:spcAft>
+                  <a:buNone/>
+                </a:pPr>
+                <a:endParaRPr>
+                  <a:latin typeface="Inter"/>
+                  <a:ea typeface="Inter"/>
+                  <a:cs typeface="Inter"/>
+                  <a:sym typeface="Inter"/>
+                </a:endParaRPr>
+              </a:p>
+            </p:txBody>
+          </p:sp>
+          <p:sp>
+            <p:nvSpPr>
+              <p:cNvPr id="404" name="Google Shape;404;p9"/>
+              <p:cNvSpPr/>
+              <p:nvPr/>
+            </p:nvSpPr>
+            <p:spPr>
+              <a:xfrm>
+                <a:off x="2152700" y="2096525"/>
+                <a:ext cx="958550" cy="958525"/>
+              </a:xfrm>
+              <a:custGeom>
+                <a:avLst/>
+                <a:gdLst/>
+                <a:ahLst/>
+                <a:cxnLst/>
+                <a:rect l="l" t="t" r="r" b="b"/>
+                <a:pathLst>
+                  <a:path w="38342" h="38341" fill="none" extrusionOk="0">
+                    <a:moveTo>
+                      <a:pt x="38341" y="0"/>
+                    </a:moveTo>
+                    <a:lnTo>
+                      <a:pt x="1" y="38341"/>
+                    </a:lnTo>
+                  </a:path>
+                </a:pathLst>
+              </a:custGeom>
+              <a:noFill/>
+              <a:ln w="19050" cap="rnd" cmpd="sng">
+                <a:solidFill>
+                  <a:schemeClr val="accent1"/>
+                </a:solidFill>
+                <a:prstDash val="solid"/>
+                <a:miter lim="32519"/>
+                <a:headEnd type="none" w="sm" len="sm"/>
+                <a:tailEnd type="none" w="sm" len="sm"/>
+              </a:ln>
+            </p:spPr>
+            <p:txBody>
+              <a:bodyPr spcFirstLastPara="1" wrap="square" lIns="91425" tIns="91425" rIns="91425" bIns="91425" anchor="ctr" anchorCtr="0">
+                <a:noAutofit/>
+              </a:bodyPr>
+              <a:lstStyle/>
+              <a:p>
+                <a:pPr marL="0" lvl="0" indent="0" algn="l" rtl="0">
+                  <a:spcBef>
+                    <a:spcPts val="0"/>
+                  </a:spcBef>
+                  <a:spcAft>
+                    <a:spcPts val="0"/>
+                  </a:spcAft>
+                  <a:buNone/>
+                </a:pPr>
+                <a:endParaRPr>
+                  <a:latin typeface="Inter"/>
+                  <a:ea typeface="Inter"/>
+                  <a:cs typeface="Inter"/>
+                  <a:sym typeface="Inter"/>
+                </a:endParaRPr>
+              </a:p>
+            </p:txBody>
+          </p:sp>
+          <p:sp>
+            <p:nvSpPr>
+              <p:cNvPr id="405" name="Google Shape;405;p9"/>
+              <p:cNvSpPr/>
+              <p:nvPr/>
+            </p:nvSpPr>
+            <p:spPr>
+              <a:xfrm>
+                <a:off x="2298225" y="2241225"/>
+                <a:ext cx="834150" cy="834975"/>
+              </a:xfrm>
+              <a:custGeom>
+                <a:avLst/>
+                <a:gdLst/>
+                <a:ahLst/>
+                <a:cxnLst/>
+                <a:rect l="l" t="t" r="r" b="b"/>
+                <a:pathLst>
+                  <a:path w="33366" h="33399" fill="none" extrusionOk="0">
+                    <a:moveTo>
+                      <a:pt x="33366" y="1"/>
+                    </a:moveTo>
+                    <a:lnTo>
+                      <a:pt x="1" y="33398"/>
+                    </a:lnTo>
+                  </a:path>
+                </a:pathLst>
+              </a:custGeom>
+              <a:noFill/>
+              <a:ln w="19050" cap="rnd" cmpd="sng">
+                <a:solidFill>
+                  <a:schemeClr val="accent1"/>
+                </a:solidFill>
+                <a:prstDash val="solid"/>
+                <a:miter lim="32519"/>
+                <a:headEnd type="none" w="sm" len="sm"/>
+                <a:tailEnd type="none" w="sm" len="sm"/>
+              </a:ln>
+            </p:spPr>
+            <p:txBody>
+              <a:bodyPr spcFirstLastPara="1" wrap="square" lIns="91425" tIns="91425" rIns="91425" bIns="91425" anchor="ctr" anchorCtr="0">
+                <a:noAutofit/>
+              </a:bodyPr>
+              <a:lstStyle/>
+              <a:p>
+                <a:pPr marL="0" lvl="0" indent="0" algn="l" rtl="0">
+                  <a:spcBef>
+                    <a:spcPts val="0"/>
+                  </a:spcBef>
+                  <a:spcAft>
+                    <a:spcPts val="0"/>
+                  </a:spcAft>
+                  <a:buNone/>
+                </a:pPr>
+                <a:endParaRPr>
+                  <a:latin typeface="Inter"/>
+                  <a:ea typeface="Inter"/>
+                  <a:cs typeface="Inter"/>
+                  <a:sym typeface="Inter"/>
+                </a:endParaRPr>
+              </a:p>
+            </p:txBody>
+          </p:sp>
+          <p:sp>
+            <p:nvSpPr>
+              <p:cNvPr id="406" name="Google Shape;406;p9"/>
+              <p:cNvSpPr/>
+              <p:nvPr/>
+            </p:nvSpPr>
+            <p:spPr>
+              <a:xfrm>
+                <a:off x="2473825" y="2417650"/>
+                <a:ext cx="648800" cy="648800"/>
+              </a:xfrm>
+              <a:custGeom>
+                <a:avLst/>
+                <a:gdLst/>
+                <a:ahLst/>
+                <a:cxnLst/>
+                <a:rect l="l" t="t" r="r" b="b"/>
+                <a:pathLst>
+                  <a:path w="25952" h="25952" fill="none" extrusionOk="0">
+                    <a:moveTo>
+                      <a:pt x="25952" y="0"/>
+                    </a:moveTo>
+                    <a:lnTo>
+                      <a:pt x="1" y="25951"/>
+                    </a:lnTo>
+                  </a:path>
+                </a:pathLst>
+              </a:custGeom>
+              <a:noFill/>
+              <a:ln w="19050" cap="rnd" cmpd="sng">
+                <a:solidFill>
+                  <a:schemeClr val="accent1"/>
+                </a:solidFill>
+                <a:prstDash val="solid"/>
+                <a:miter lim="32519"/>
+                <a:headEnd type="none" w="sm" len="sm"/>
+                <a:tailEnd type="none" w="sm" len="sm"/>
+              </a:ln>
+            </p:spPr>
+            <p:txBody>
+              <a:bodyPr spcFirstLastPara="1" wrap="square" lIns="91425" tIns="91425" rIns="91425" bIns="91425" anchor="ctr" anchorCtr="0">
+                <a:noAutofit/>
+              </a:bodyPr>
+              <a:lstStyle/>
+              <a:p>
+                <a:pPr marL="0" lvl="0" indent="0" algn="l" rtl="0">
+                  <a:spcBef>
+                    <a:spcPts val="0"/>
+                  </a:spcBef>
+                  <a:spcAft>
+                    <a:spcPts val="0"/>
+                  </a:spcAft>
+                  <a:buNone/>
+                </a:pPr>
+                <a:endParaRPr>
+                  <a:latin typeface="Inter"/>
+                  <a:ea typeface="Inter"/>
+                  <a:cs typeface="Inter"/>
+                  <a:sym typeface="Inter"/>
+                </a:endParaRPr>
+              </a:p>
+            </p:txBody>
+          </p:sp>
+          <p:sp>
+            <p:nvSpPr>
+              <p:cNvPr id="407" name="Google Shape;407;p9"/>
+              <p:cNvSpPr/>
+              <p:nvPr/>
+            </p:nvSpPr>
+            <p:spPr>
+              <a:xfrm>
+                <a:off x="2730750" y="2674550"/>
+                <a:ext cx="300825" cy="300825"/>
+              </a:xfrm>
+              <a:custGeom>
+                <a:avLst/>
+                <a:gdLst/>
+                <a:ahLst/>
+                <a:cxnLst/>
+                <a:rect l="l" t="t" r="r" b="b"/>
+                <a:pathLst>
+                  <a:path w="12033" h="12033" fill="none" extrusionOk="0">
+                    <a:moveTo>
+                      <a:pt x="12032" y="1"/>
+                    </a:moveTo>
+                    <a:lnTo>
+                      <a:pt x="0" y="12033"/>
+                    </a:lnTo>
+                  </a:path>
+                </a:pathLst>
+              </a:custGeom>
+              <a:noFill/>
+              <a:ln w="19050" cap="rnd" cmpd="sng">
+                <a:solidFill>
+                  <a:schemeClr val="accent1"/>
+                </a:solidFill>
+                <a:prstDash val="solid"/>
+                <a:miter lim="32519"/>
+                <a:headEnd type="none" w="sm" len="sm"/>
+                <a:tailEnd type="none" w="sm" len="sm"/>
+              </a:ln>
+            </p:spPr>
+            <p:txBody>
+              <a:bodyPr spcFirstLastPara="1" wrap="square" lIns="91425" tIns="91425" rIns="91425" bIns="91425" anchor="ctr" anchorCtr="0">
+                <a:noAutofit/>
+              </a:bodyPr>
+              <a:lstStyle/>
+              <a:p>
+                <a:pPr marL="0" lvl="0" indent="0" algn="l" rtl="0">
+                  <a:spcBef>
+                    <a:spcPts val="0"/>
+                  </a:spcBef>
+                  <a:spcAft>
+                    <a:spcPts val="0"/>
+                  </a:spcAft>
+                  <a:buNone/>
+                </a:pPr>
+                <a:endParaRPr>
+                  <a:latin typeface="Inter"/>
+                  <a:ea typeface="Inter"/>
+                  <a:cs typeface="Inter"/>
+                  <a:sym typeface="Inter"/>
+                </a:endParaRPr>
+              </a:p>
+            </p:txBody>
+          </p:sp>
+        </p:grpSp>
+      </p:grpSp>
+    </p:spTree>
+    <p:extLst>
+      <p:ext uri="{BB962C8B-B14F-4D97-AF65-F5344CB8AC3E}">
+        <p14:creationId xmlns:p14="http://schemas.microsoft.com/office/powerpoint/2010/main" val="4058043248"/>
+      </p:ext>
+    </p:extLst>
+  </p:cSld>
+  <p:clrMapOvr>
+    <a:masterClrMapping/>
+  </p:clrMapOvr>
+</p:sldLayout>
+</file>
+
 <file path=ppt/slideMasters/slideMaster1.xml><?xml version="1.0" encoding="utf-8"?>
 <p:sldMaster xmlns:a="http://schemas.openxmlformats.org/drawingml/2006/main" xmlns:r="http://schemas.openxmlformats.org/officeDocument/2006/relationships" xmlns:p="http://schemas.openxmlformats.org/presentationml/2006/main">
   <p:cSld name="simple-light-2">
@@ -16937,6 +20232,7 @@
     <p:sldLayoutId id="2147483679" r:id="rId4"/>
     <p:sldLayoutId id="2147483680" r:id="rId5"/>
     <p:sldLayoutId id="2147483684" r:id="rId6"/>
+    <p:sldLayoutId id="2147483685" r:id="rId7"/>
   </p:sldLayoutIdLst>
   <p:hf sldNum="0" hdr="0" ftr="0" dt="0"/>
   <p:txStyles>
@@ -27491,6 +30787,4237 @@
   <p:cSld>
     <p:spTree>
       <p:nvGrpSpPr>
+        <p:cNvPr id="1" name="Shape 1885"/>
+        <p:cNvGrpSpPr/>
+        <p:nvPr/>
+      </p:nvGrpSpPr>
+      <p:grpSpPr>
+        <a:xfrm>
+          <a:off x="0" y="0"/>
+          <a:ext cx="0" cy="0"/>
+          <a:chOff x="0" y="0"/>
+          <a:chExt cx="0" cy="0"/>
+        </a:xfrm>
+      </p:grpSpPr>
+      <p:sp>
+        <p:nvSpPr>
+          <p:cNvPr id="1886" name="Google Shape;1886;p43"/>
+          <p:cNvSpPr txBox="1">
+            <a:spLocks noGrp="1"/>
+          </p:cNvSpPr>
+          <p:nvPr>
+            <p:ph type="title"/>
+          </p:nvPr>
+        </p:nvSpPr>
+        <p:spPr>
+          <a:xfrm>
+            <a:off x="4276925" y="1364150"/>
+            <a:ext cx="4153800" cy="800400"/>
+          </a:xfrm>
+          <a:prstGeom prst="rect">
+            <a:avLst/>
+          </a:prstGeom>
+        </p:spPr>
+        <p:txBody>
+          <a:bodyPr spcFirstLastPara="1" wrap="square" lIns="91425" tIns="91425" rIns="91425" bIns="91425" anchor="t" anchorCtr="0">
+            <a:noAutofit/>
+          </a:bodyPr>
+          <a:lstStyle/>
+          <a:p>
+            <a:pPr marL="0" lvl="0" indent="0" algn="r" rtl="0">
+              <a:spcBef>
+                <a:spcPts val="0"/>
+              </a:spcBef>
+              <a:spcAft>
+                <a:spcPts val="0"/>
+              </a:spcAft>
+              <a:buNone/>
+            </a:pPr>
+            <a:r>
+              <a:rPr lang="en" dirty="0"/>
+              <a:t>PROBLEMÁTICA	</a:t>
+            </a:r>
+            <a:endParaRPr dirty="0"/>
+          </a:p>
+        </p:txBody>
+      </p:sp>
+      <p:sp>
+        <p:nvSpPr>
+          <p:cNvPr id="1887" name="Google Shape;1887;p43"/>
+          <p:cNvSpPr txBox="1">
+            <a:spLocks noGrp="1"/>
+          </p:cNvSpPr>
+          <p:nvPr>
+            <p:ph type="subTitle" idx="1"/>
+          </p:nvPr>
+        </p:nvSpPr>
+        <p:spPr>
+          <a:xfrm>
+            <a:off x="4415883" y="2305368"/>
+            <a:ext cx="4014842" cy="622331"/>
+          </a:xfrm>
+          <a:prstGeom prst="rect">
+            <a:avLst/>
+          </a:prstGeom>
+        </p:spPr>
+        <p:txBody>
+          <a:bodyPr spcFirstLastPara="1" wrap="square" lIns="91425" tIns="91425" rIns="91425" bIns="91425" anchor="t" anchorCtr="0">
+            <a:noAutofit/>
+          </a:bodyPr>
+          <a:lstStyle/>
+          <a:p>
+            <a:pPr marL="0" lvl="0" indent="0" algn="r" rtl="0">
+              <a:spcBef>
+                <a:spcPts val="0"/>
+              </a:spcBef>
+              <a:spcAft>
+                <a:spcPts val="0"/>
+              </a:spcAft>
+              <a:buNone/>
+            </a:pPr>
+            <a:r>
+              <a:rPr lang="en" dirty="0"/>
+              <a:t>Como empresas on-line podem se adaptar em um mundo tão flexível? </a:t>
+            </a:r>
+            <a:endParaRPr dirty="0"/>
+          </a:p>
+        </p:txBody>
+      </p:sp>
+      <p:cxnSp>
+        <p:nvCxnSpPr>
+          <p:cNvPr id="1888" name="Google Shape;1888;p43"/>
+          <p:cNvCxnSpPr/>
+          <p:nvPr/>
+        </p:nvCxnSpPr>
+        <p:spPr>
+          <a:xfrm>
+            <a:off x="4670150" y="2215800"/>
+            <a:ext cx="3641100" cy="0"/>
+          </a:xfrm>
+          <a:prstGeom prst="straightConnector1">
+            <a:avLst/>
+          </a:prstGeom>
+          <a:noFill/>
+          <a:ln w="28575" cap="flat" cmpd="sng">
+            <a:solidFill>
+              <a:schemeClr val="dk1"/>
+            </a:solidFill>
+            <a:prstDash val="solid"/>
+            <a:round/>
+            <a:headEnd type="none" w="med" len="med"/>
+            <a:tailEnd type="none" w="med" len="med"/>
+          </a:ln>
+        </p:spPr>
+      </p:cxnSp>
+      <p:grpSp>
+        <p:nvGrpSpPr>
+          <p:cNvPr id="1889" name="Google Shape;1889;p43"/>
+          <p:cNvGrpSpPr/>
+          <p:nvPr/>
+        </p:nvGrpSpPr>
+        <p:grpSpPr>
+          <a:xfrm>
+            <a:off x="726562" y="1255007"/>
+            <a:ext cx="2833748" cy="2745069"/>
+            <a:chOff x="726562" y="1255007"/>
+            <a:chExt cx="2833748" cy="2745069"/>
+          </a:xfrm>
+        </p:grpSpPr>
+        <p:sp>
+          <p:nvSpPr>
+            <p:cNvPr id="1890" name="Google Shape;1890;p43"/>
+            <p:cNvSpPr/>
+            <p:nvPr/>
+          </p:nvSpPr>
+          <p:spPr>
+            <a:xfrm>
+              <a:off x="1218500" y="3577625"/>
+              <a:ext cx="2341810" cy="186876"/>
+            </a:xfrm>
+            <a:custGeom>
+              <a:avLst/>
+              <a:gdLst/>
+              <a:ahLst/>
+              <a:cxnLst/>
+              <a:rect l="l" t="t" r="r" b="b"/>
+              <a:pathLst>
+                <a:path w="27153" h="1442" extrusionOk="0">
+                  <a:moveTo>
+                    <a:pt x="13571" y="1"/>
+                  </a:moveTo>
+                  <a:cubicBezTo>
+                    <a:pt x="6082" y="1"/>
+                    <a:pt x="1" y="320"/>
+                    <a:pt x="1" y="716"/>
+                  </a:cubicBezTo>
+                  <a:cubicBezTo>
+                    <a:pt x="1" y="1111"/>
+                    <a:pt x="6082" y="1441"/>
+                    <a:pt x="13571" y="1441"/>
+                  </a:cubicBezTo>
+                  <a:cubicBezTo>
+                    <a:pt x="21071" y="1441"/>
+                    <a:pt x="27153" y="1111"/>
+                    <a:pt x="27153" y="716"/>
+                  </a:cubicBezTo>
+                  <a:cubicBezTo>
+                    <a:pt x="27153" y="320"/>
+                    <a:pt x="21071" y="1"/>
+                    <a:pt x="13571" y="1"/>
+                  </a:cubicBezTo>
+                  <a:close/>
+                </a:path>
+              </a:pathLst>
+            </a:custGeom>
+            <a:solidFill>
+              <a:srgbClr val="000000">
+                <a:alpha val="11950"/>
+              </a:srgbClr>
+            </a:solidFill>
+            <a:ln>
+              <a:noFill/>
+            </a:ln>
+          </p:spPr>
+          <p:txBody>
+            <a:bodyPr spcFirstLastPara="1" wrap="square" lIns="91425" tIns="91425" rIns="91425" bIns="91425" anchor="ctr" anchorCtr="0">
+              <a:noAutofit/>
+            </a:bodyPr>
+            <a:lstStyle/>
+            <a:p>
+              <a:pPr marL="0" lvl="0" indent="0" algn="l" rtl="0">
+                <a:spcBef>
+                  <a:spcPts val="0"/>
+                </a:spcBef>
+                <a:spcAft>
+                  <a:spcPts val="0"/>
+                </a:spcAft>
+                <a:buNone/>
+              </a:pPr>
+              <a:endParaRPr/>
+            </a:p>
+          </p:txBody>
+        </p:sp>
+        <p:sp>
+          <p:nvSpPr>
+            <p:cNvPr id="1891" name="Google Shape;1891;p43"/>
+            <p:cNvSpPr/>
+            <p:nvPr/>
+          </p:nvSpPr>
+          <p:spPr>
+            <a:xfrm>
+              <a:off x="1548324" y="1255007"/>
+              <a:ext cx="1682159" cy="2413884"/>
+            </a:xfrm>
+            <a:custGeom>
+              <a:avLst/>
+              <a:gdLst/>
+              <a:ahLst/>
+              <a:cxnLst/>
+              <a:rect l="l" t="t" r="r" b="b"/>
+              <a:pathLst>
+                <a:path w="54789" h="78898" extrusionOk="0">
+                  <a:moveTo>
+                    <a:pt x="1" y="0"/>
+                  </a:moveTo>
+                  <a:lnTo>
+                    <a:pt x="1" y="78897"/>
+                  </a:lnTo>
+                  <a:lnTo>
+                    <a:pt x="54789" y="78897"/>
+                  </a:lnTo>
+                  <a:lnTo>
+                    <a:pt x="54789" y="0"/>
+                  </a:lnTo>
+                  <a:close/>
+                </a:path>
+              </a:pathLst>
+            </a:custGeom>
+            <a:solidFill>
+              <a:schemeClr val="lt2"/>
+            </a:solidFill>
+            <a:ln>
+              <a:noFill/>
+            </a:ln>
+          </p:spPr>
+          <p:txBody>
+            <a:bodyPr spcFirstLastPara="1" wrap="square" lIns="91425" tIns="91425" rIns="91425" bIns="91425" anchor="ctr" anchorCtr="0">
+              <a:noAutofit/>
+            </a:bodyPr>
+            <a:lstStyle/>
+            <a:p>
+              <a:pPr marL="0" lvl="0" indent="0" algn="l" rtl="0">
+                <a:spcBef>
+                  <a:spcPts val="0"/>
+                </a:spcBef>
+                <a:spcAft>
+                  <a:spcPts val="0"/>
+                </a:spcAft>
+                <a:buNone/>
+              </a:pPr>
+              <a:endParaRPr/>
+            </a:p>
+          </p:txBody>
+        </p:sp>
+        <p:sp>
+          <p:nvSpPr>
+            <p:cNvPr id="1892" name="Google Shape;1892;p43"/>
+            <p:cNvSpPr/>
+            <p:nvPr/>
+          </p:nvSpPr>
+          <p:spPr>
+            <a:xfrm rot="-5400000">
+              <a:off x="1103685" y="1810334"/>
+              <a:ext cx="1033979" cy="26000"/>
+            </a:xfrm>
+            <a:custGeom>
+              <a:avLst/>
+              <a:gdLst/>
+              <a:ahLst/>
+              <a:cxnLst/>
+              <a:rect l="l" t="t" r="r" b="b"/>
+              <a:pathLst>
+                <a:path w="11548" h="408" extrusionOk="0">
+                  <a:moveTo>
+                    <a:pt x="198" y="1"/>
+                  </a:moveTo>
+                  <a:cubicBezTo>
+                    <a:pt x="88" y="1"/>
+                    <a:pt x="0" y="88"/>
+                    <a:pt x="0" y="198"/>
+                  </a:cubicBezTo>
+                  <a:cubicBezTo>
+                    <a:pt x="0" y="308"/>
+                    <a:pt x="88" y="407"/>
+                    <a:pt x="198" y="407"/>
+                  </a:cubicBezTo>
+                  <a:lnTo>
+                    <a:pt x="11349" y="407"/>
+                  </a:lnTo>
+                  <a:cubicBezTo>
+                    <a:pt x="11459" y="407"/>
+                    <a:pt x="11547" y="308"/>
+                    <a:pt x="11547" y="198"/>
+                  </a:cubicBezTo>
+                  <a:cubicBezTo>
+                    <a:pt x="11547" y="88"/>
+                    <a:pt x="11459" y="1"/>
+                    <a:pt x="11349" y="1"/>
+                  </a:cubicBezTo>
+                  <a:close/>
+                </a:path>
+              </a:pathLst>
+            </a:custGeom>
+            <a:solidFill>
+              <a:srgbClr val="FFFFFF">
+                <a:alpha val="28930"/>
+              </a:srgbClr>
+            </a:solidFill>
+            <a:ln>
+              <a:noFill/>
+            </a:ln>
+          </p:spPr>
+          <p:txBody>
+            <a:bodyPr spcFirstLastPara="1" wrap="square" lIns="91425" tIns="91425" rIns="91425" bIns="91425" anchor="ctr" anchorCtr="0">
+              <a:noAutofit/>
+            </a:bodyPr>
+            <a:lstStyle/>
+            <a:p>
+              <a:pPr marL="0" lvl="0" indent="0" algn="l" rtl="0">
+                <a:spcBef>
+                  <a:spcPts val="0"/>
+                </a:spcBef>
+                <a:spcAft>
+                  <a:spcPts val="0"/>
+                </a:spcAft>
+                <a:buNone/>
+              </a:pPr>
+              <a:endParaRPr/>
+            </a:p>
+          </p:txBody>
+        </p:sp>
+        <p:sp>
+          <p:nvSpPr>
+            <p:cNvPr id="1893" name="Google Shape;1893;p43"/>
+            <p:cNvSpPr/>
+            <p:nvPr/>
+          </p:nvSpPr>
+          <p:spPr>
+            <a:xfrm>
+              <a:off x="726562" y="3813200"/>
+              <a:ext cx="1612413" cy="186876"/>
+            </a:xfrm>
+            <a:custGeom>
+              <a:avLst/>
+              <a:gdLst/>
+              <a:ahLst/>
+              <a:cxnLst/>
+              <a:rect l="l" t="t" r="r" b="b"/>
+              <a:pathLst>
+                <a:path w="27153" h="1442" extrusionOk="0">
+                  <a:moveTo>
+                    <a:pt x="13571" y="1"/>
+                  </a:moveTo>
+                  <a:cubicBezTo>
+                    <a:pt x="6082" y="1"/>
+                    <a:pt x="1" y="320"/>
+                    <a:pt x="1" y="716"/>
+                  </a:cubicBezTo>
+                  <a:cubicBezTo>
+                    <a:pt x="1" y="1111"/>
+                    <a:pt x="6082" y="1441"/>
+                    <a:pt x="13571" y="1441"/>
+                  </a:cubicBezTo>
+                  <a:cubicBezTo>
+                    <a:pt x="21071" y="1441"/>
+                    <a:pt x="27153" y="1111"/>
+                    <a:pt x="27153" y="716"/>
+                  </a:cubicBezTo>
+                  <a:cubicBezTo>
+                    <a:pt x="27153" y="320"/>
+                    <a:pt x="21071" y="1"/>
+                    <a:pt x="13571" y="1"/>
+                  </a:cubicBezTo>
+                  <a:close/>
+                </a:path>
+              </a:pathLst>
+            </a:custGeom>
+            <a:solidFill>
+              <a:srgbClr val="000000">
+                <a:alpha val="11950"/>
+              </a:srgbClr>
+            </a:solidFill>
+            <a:ln>
+              <a:noFill/>
+            </a:ln>
+          </p:spPr>
+          <p:txBody>
+            <a:bodyPr spcFirstLastPara="1" wrap="square" lIns="91425" tIns="91425" rIns="91425" bIns="91425" anchor="ctr" anchorCtr="0">
+              <a:noAutofit/>
+            </a:bodyPr>
+            <a:lstStyle/>
+            <a:p>
+              <a:pPr marL="0" lvl="0" indent="0" algn="l" rtl="0">
+                <a:spcBef>
+                  <a:spcPts val="0"/>
+                </a:spcBef>
+                <a:spcAft>
+                  <a:spcPts val="0"/>
+                </a:spcAft>
+                <a:buNone/>
+              </a:pPr>
+              <a:endParaRPr/>
+            </a:p>
+          </p:txBody>
+        </p:sp>
+        <p:sp>
+          <p:nvSpPr>
+            <p:cNvPr id="1894" name="Google Shape;1894;p43"/>
+            <p:cNvSpPr/>
+            <p:nvPr/>
+          </p:nvSpPr>
+          <p:spPr>
+            <a:xfrm>
+              <a:off x="1752716" y="2110374"/>
+              <a:ext cx="1306269" cy="31"/>
+            </a:xfrm>
+            <a:custGeom>
+              <a:avLst/>
+              <a:gdLst/>
+              <a:ahLst/>
+              <a:cxnLst/>
+              <a:rect l="l" t="t" r="r" b="b"/>
+              <a:pathLst>
+                <a:path w="42546" h="1" fill="none" extrusionOk="0">
+                  <a:moveTo>
+                    <a:pt x="0" y="1"/>
+                  </a:moveTo>
+                  <a:lnTo>
+                    <a:pt x="42546" y="1"/>
+                  </a:lnTo>
+                </a:path>
+              </a:pathLst>
+            </a:custGeom>
+            <a:noFill/>
+            <a:ln w="9400" cap="flat" cmpd="sng">
+              <a:solidFill>
+                <a:schemeClr val="lt1"/>
+              </a:solidFill>
+              <a:prstDash val="solid"/>
+              <a:miter lim="28942"/>
+              <a:headEnd type="none" w="sm" len="sm"/>
+              <a:tailEnd type="none" w="sm" len="sm"/>
+            </a:ln>
+          </p:spPr>
+          <p:txBody>
+            <a:bodyPr spcFirstLastPara="1" wrap="square" lIns="91425" tIns="91425" rIns="91425" bIns="91425" anchor="ctr" anchorCtr="0">
+              <a:noAutofit/>
+            </a:bodyPr>
+            <a:lstStyle/>
+            <a:p>
+              <a:pPr marL="0" lvl="0" indent="0" algn="l" rtl="0">
+                <a:spcBef>
+                  <a:spcPts val="0"/>
+                </a:spcBef>
+                <a:spcAft>
+                  <a:spcPts val="0"/>
+                </a:spcAft>
+                <a:buNone/>
+              </a:pPr>
+              <a:endParaRPr/>
+            </a:p>
+          </p:txBody>
+        </p:sp>
+        <p:sp>
+          <p:nvSpPr>
+            <p:cNvPr id="1895" name="Google Shape;1895;p43"/>
+            <p:cNvSpPr/>
+            <p:nvPr/>
+          </p:nvSpPr>
+          <p:spPr>
+            <a:xfrm>
+              <a:off x="1752716" y="1394886"/>
+              <a:ext cx="1133014" cy="558787"/>
+            </a:xfrm>
+            <a:custGeom>
+              <a:avLst/>
+              <a:gdLst/>
+              <a:ahLst/>
+              <a:cxnLst/>
+              <a:rect l="l" t="t" r="r" b="b"/>
+              <a:pathLst>
+                <a:path w="36903" h="18264" fill="none" extrusionOk="0">
+                  <a:moveTo>
+                    <a:pt x="0" y="18264"/>
+                  </a:moveTo>
+                  <a:lnTo>
+                    <a:pt x="5644" y="12649"/>
+                  </a:lnTo>
+                  <a:lnTo>
+                    <a:pt x="10883" y="17280"/>
+                  </a:lnTo>
+                  <a:lnTo>
+                    <a:pt x="22344" y="4719"/>
+                  </a:lnTo>
+                  <a:lnTo>
+                    <a:pt x="25209" y="7295"/>
+                  </a:lnTo>
+                  <a:lnTo>
+                    <a:pt x="30564" y="1940"/>
+                  </a:lnTo>
+                  <a:lnTo>
+                    <a:pt x="36902" y="1"/>
+                  </a:lnTo>
+                </a:path>
+              </a:pathLst>
+            </a:custGeom>
+            <a:noFill/>
+            <a:ln w="9400" cap="flat" cmpd="sng">
+              <a:solidFill>
+                <a:schemeClr val="lt1"/>
+              </a:solidFill>
+              <a:prstDash val="solid"/>
+              <a:miter lim="28942"/>
+              <a:headEnd type="none" w="sm" len="sm"/>
+              <a:tailEnd type="none" w="sm" len="sm"/>
+            </a:ln>
+          </p:spPr>
+          <p:txBody>
+            <a:bodyPr spcFirstLastPara="1" wrap="square" lIns="91425" tIns="91425" rIns="91425" bIns="91425" anchor="ctr" anchorCtr="0">
+              <a:noAutofit/>
+            </a:bodyPr>
+            <a:lstStyle/>
+            <a:p>
+              <a:pPr marL="0" lvl="0" indent="0" algn="l" rtl="0">
+                <a:spcBef>
+                  <a:spcPts val="0"/>
+                </a:spcBef>
+                <a:spcAft>
+                  <a:spcPts val="0"/>
+                </a:spcAft>
+                <a:buNone/>
+              </a:pPr>
+              <a:endParaRPr/>
+            </a:p>
+          </p:txBody>
+        </p:sp>
+        <p:sp>
+          <p:nvSpPr>
+            <p:cNvPr id="1896" name="Google Shape;1896;p43"/>
+            <p:cNvSpPr/>
+            <p:nvPr/>
+          </p:nvSpPr>
+          <p:spPr>
+            <a:xfrm>
+              <a:off x="2885730" y="1394886"/>
+              <a:ext cx="31" cy="715525"/>
+            </a:xfrm>
+            <a:custGeom>
+              <a:avLst/>
+              <a:gdLst/>
+              <a:ahLst/>
+              <a:cxnLst/>
+              <a:rect l="l" t="t" r="r" b="b"/>
+              <a:pathLst>
+                <a:path w="1" h="23387" fill="none" extrusionOk="0">
+                  <a:moveTo>
+                    <a:pt x="0" y="1"/>
+                  </a:moveTo>
+                  <a:lnTo>
+                    <a:pt x="0" y="23387"/>
+                  </a:lnTo>
+                </a:path>
+              </a:pathLst>
+            </a:custGeom>
+            <a:noFill/>
+            <a:ln w="9400" cap="flat" cmpd="sng">
+              <a:solidFill>
+                <a:schemeClr val="lt1"/>
+              </a:solidFill>
+              <a:prstDash val="solid"/>
+              <a:miter lim="28942"/>
+              <a:headEnd type="none" w="sm" len="sm"/>
+              <a:tailEnd type="none" w="sm" len="sm"/>
+            </a:ln>
+          </p:spPr>
+          <p:txBody>
+            <a:bodyPr spcFirstLastPara="1" wrap="square" lIns="91425" tIns="91425" rIns="91425" bIns="91425" anchor="ctr" anchorCtr="0">
+              <a:noAutofit/>
+            </a:bodyPr>
+            <a:lstStyle/>
+            <a:p>
+              <a:pPr marL="0" lvl="0" indent="0" algn="l" rtl="0">
+                <a:spcBef>
+                  <a:spcPts val="0"/>
+                </a:spcBef>
+                <a:spcAft>
+                  <a:spcPts val="0"/>
+                </a:spcAft>
+                <a:buNone/>
+              </a:pPr>
+              <a:endParaRPr/>
+            </a:p>
+          </p:txBody>
+        </p:sp>
+        <p:sp>
+          <p:nvSpPr>
+            <p:cNvPr id="1897" name="Google Shape;1897;p43"/>
+            <p:cNvSpPr/>
+            <p:nvPr/>
+          </p:nvSpPr>
+          <p:spPr>
+            <a:xfrm>
+              <a:off x="2786190" y="1424134"/>
+              <a:ext cx="31" cy="689825"/>
+            </a:xfrm>
+            <a:custGeom>
+              <a:avLst/>
+              <a:gdLst/>
+              <a:ahLst/>
+              <a:cxnLst/>
+              <a:rect l="l" t="t" r="r" b="b"/>
+              <a:pathLst>
+                <a:path w="1" h="22547" fill="none" extrusionOk="0">
+                  <a:moveTo>
+                    <a:pt x="1" y="0"/>
+                  </a:moveTo>
+                  <a:lnTo>
+                    <a:pt x="1" y="22546"/>
+                  </a:lnTo>
+                </a:path>
+              </a:pathLst>
+            </a:custGeom>
+            <a:noFill/>
+            <a:ln w="9400" cap="flat" cmpd="sng">
+              <a:solidFill>
+                <a:schemeClr val="lt1"/>
+              </a:solidFill>
+              <a:prstDash val="solid"/>
+              <a:miter lim="28942"/>
+              <a:headEnd type="none" w="sm" len="sm"/>
+              <a:tailEnd type="none" w="sm" len="sm"/>
+            </a:ln>
+          </p:spPr>
+          <p:txBody>
+            <a:bodyPr spcFirstLastPara="1" wrap="square" lIns="91425" tIns="91425" rIns="91425" bIns="91425" anchor="ctr" anchorCtr="0">
+              <a:noAutofit/>
+            </a:bodyPr>
+            <a:lstStyle/>
+            <a:p>
+              <a:pPr marL="0" lvl="0" indent="0" algn="l" rtl="0">
+                <a:spcBef>
+                  <a:spcPts val="0"/>
+                </a:spcBef>
+                <a:spcAft>
+                  <a:spcPts val="0"/>
+                </a:spcAft>
+                <a:buNone/>
+              </a:pPr>
+              <a:endParaRPr/>
+            </a:p>
+          </p:txBody>
+        </p:sp>
+        <p:sp>
+          <p:nvSpPr>
+            <p:cNvPr id="1898" name="Google Shape;1898;p43"/>
+            <p:cNvSpPr/>
+            <p:nvPr/>
+          </p:nvSpPr>
+          <p:spPr>
+            <a:xfrm>
+              <a:off x="2691101" y="1454239"/>
+              <a:ext cx="31" cy="656171"/>
+            </a:xfrm>
+            <a:custGeom>
+              <a:avLst/>
+              <a:gdLst/>
+              <a:ahLst/>
+              <a:cxnLst/>
+              <a:rect l="l" t="t" r="r" b="b"/>
+              <a:pathLst>
+                <a:path w="1" h="21447" fill="none" extrusionOk="0">
+                  <a:moveTo>
+                    <a:pt x="1" y="0"/>
+                  </a:moveTo>
+                  <a:lnTo>
+                    <a:pt x="1" y="21447"/>
+                  </a:lnTo>
+                </a:path>
+              </a:pathLst>
+            </a:custGeom>
+            <a:noFill/>
+            <a:ln w="9400" cap="flat" cmpd="sng">
+              <a:solidFill>
+                <a:schemeClr val="lt1"/>
+              </a:solidFill>
+              <a:prstDash val="solid"/>
+              <a:miter lim="28942"/>
+              <a:headEnd type="none" w="sm" len="sm"/>
+              <a:tailEnd type="none" w="sm" len="sm"/>
+            </a:ln>
+          </p:spPr>
+          <p:txBody>
+            <a:bodyPr spcFirstLastPara="1" wrap="square" lIns="91425" tIns="91425" rIns="91425" bIns="91425" anchor="ctr" anchorCtr="0">
+              <a:noAutofit/>
+            </a:bodyPr>
+            <a:lstStyle/>
+            <a:p>
+              <a:pPr marL="0" lvl="0" indent="0" algn="l" rtl="0">
+                <a:spcBef>
+                  <a:spcPts val="0"/>
+                </a:spcBef>
+                <a:spcAft>
+                  <a:spcPts val="0"/>
+                </a:spcAft>
+                <a:buNone/>
+              </a:pPr>
+              <a:endParaRPr/>
+            </a:p>
+          </p:txBody>
+        </p:sp>
+        <p:sp>
+          <p:nvSpPr>
+            <p:cNvPr id="1899" name="Google Shape;1899;p43"/>
+            <p:cNvSpPr/>
+            <p:nvPr/>
+          </p:nvSpPr>
+          <p:spPr>
+            <a:xfrm>
+              <a:off x="2604917" y="1540119"/>
+              <a:ext cx="31" cy="570291"/>
+            </a:xfrm>
+            <a:custGeom>
+              <a:avLst/>
+              <a:gdLst/>
+              <a:ahLst/>
+              <a:cxnLst/>
+              <a:rect l="l" t="t" r="r" b="b"/>
+              <a:pathLst>
+                <a:path w="1" h="18640" fill="none" extrusionOk="0">
+                  <a:moveTo>
+                    <a:pt x="0" y="1"/>
+                  </a:moveTo>
+                  <a:lnTo>
+                    <a:pt x="0" y="18640"/>
+                  </a:lnTo>
+                </a:path>
+              </a:pathLst>
+            </a:custGeom>
+            <a:noFill/>
+            <a:ln w="9400" cap="flat" cmpd="sng">
+              <a:solidFill>
+                <a:schemeClr val="lt1"/>
+              </a:solidFill>
+              <a:prstDash val="solid"/>
+              <a:miter lim="28942"/>
+              <a:headEnd type="none" w="sm" len="sm"/>
+              <a:tailEnd type="none" w="sm" len="sm"/>
+            </a:ln>
+          </p:spPr>
+          <p:txBody>
+            <a:bodyPr spcFirstLastPara="1" wrap="square" lIns="91425" tIns="91425" rIns="91425" bIns="91425" anchor="ctr" anchorCtr="0">
+              <a:noAutofit/>
+            </a:bodyPr>
+            <a:lstStyle/>
+            <a:p>
+              <a:pPr marL="0" lvl="0" indent="0" algn="l" rtl="0">
+                <a:spcBef>
+                  <a:spcPts val="0"/>
+                </a:spcBef>
+                <a:spcAft>
+                  <a:spcPts val="0"/>
+                </a:spcAft>
+                <a:buNone/>
+              </a:pPr>
+              <a:endParaRPr/>
+            </a:p>
+          </p:txBody>
+        </p:sp>
+        <p:sp>
+          <p:nvSpPr>
+            <p:cNvPr id="1900" name="Google Shape;1900;p43"/>
+            <p:cNvSpPr/>
+            <p:nvPr/>
+          </p:nvSpPr>
+          <p:spPr>
+            <a:xfrm>
+              <a:off x="2526716" y="1618044"/>
+              <a:ext cx="31" cy="492365"/>
+            </a:xfrm>
+            <a:custGeom>
+              <a:avLst/>
+              <a:gdLst/>
+              <a:ahLst/>
+              <a:cxnLst/>
+              <a:rect l="l" t="t" r="r" b="b"/>
+              <a:pathLst>
+                <a:path w="1" h="16093" fill="none" extrusionOk="0">
+                  <a:moveTo>
+                    <a:pt x="0" y="1"/>
+                  </a:moveTo>
+                  <a:lnTo>
+                    <a:pt x="0" y="16093"/>
+                  </a:lnTo>
+                </a:path>
+              </a:pathLst>
+            </a:custGeom>
+            <a:noFill/>
+            <a:ln w="9400" cap="flat" cmpd="sng">
+              <a:solidFill>
+                <a:schemeClr val="lt1"/>
+              </a:solidFill>
+              <a:prstDash val="solid"/>
+              <a:miter lim="28942"/>
+              <a:headEnd type="none" w="sm" len="sm"/>
+              <a:tailEnd type="none" w="sm" len="sm"/>
+            </a:ln>
+          </p:spPr>
+          <p:txBody>
+            <a:bodyPr spcFirstLastPara="1" wrap="square" lIns="91425" tIns="91425" rIns="91425" bIns="91425" anchor="ctr" anchorCtr="0">
+              <a:noAutofit/>
+            </a:bodyPr>
+            <a:lstStyle/>
+            <a:p>
+              <a:pPr marL="0" lvl="0" indent="0" algn="l" rtl="0">
+                <a:spcBef>
+                  <a:spcPts val="0"/>
+                </a:spcBef>
+                <a:spcAft>
+                  <a:spcPts val="0"/>
+                </a:spcAft>
+                <a:buNone/>
+              </a:pPr>
+              <a:endParaRPr/>
+            </a:p>
+          </p:txBody>
+        </p:sp>
+        <p:sp>
+          <p:nvSpPr>
+            <p:cNvPr id="1901" name="Google Shape;1901;p43"/>
+            <p:cNvSpPr/>
+            <p:nvPr/>
+          </p:nvSpPr>
+          <p:spPr>
+            <a:xfrm>
+              <a:off x="2438720" y="1539232"/>
+              <a:ext cx="31" cy="571178"/>
+            </a:xfrm>
+            <a:custGeom>
+              <a:avLst/>
+              <a:gdLst/>
+              <a:ahLst/>
+              <a:cxnLst/>
+              <a:rect l="l" t="t" r="r" b="b"/>
+              <a:pathLst>
+                <a:path w="1" h="18669" fill="none" extrusionOk="0">
+                  <a:moveTo>
+                    <a:pt x="1" y="1"/>
+                  </a:moveTo>
+                  <a:lnTo>
+                    <a:pt x="1" y="18669"/>
+                  </a:lnTo>
+                </a:path>
+              </a:pathLst>
+            </a:custGeom>
+            <a:noFill/>
+            <a:ln w="9400" cap="flat" cmpd="sng">
+              <a:solidFill>
+                <a:schemeClr val="lt1"/>
+              </a:solidFill>
+              <a:prstDash val="solid"/>
+              <a:miter lim="28942"/>
+              <a:headEnd type="none" w="sm" len="sm"/>
+              <a:tailEnd type="none" w="sm" len="sm"/>
+            </a:ln>
+          </p:spPr>
+          <p:txBody>
+            <a:bodyPr spcFirstLastPara="1" wrap="square" lIns="91425" tIns="91425" rIns="91425" bIns="91425" anchor="ctr" anchorCtr="0">
+              <a:noAutofit/>
+            </a:bodyPr>
+            <a:lstStyle/>
+            <a:p>
+              <a:pPr marL="0" lvl="0" indent="0" algn="l" rtl="0">
+                <a:spcBef>
+                  <a:spcPts val="0"/>
+                </a:spcBef>
+                <a:spcAft>
+                  <a:spcPts val="0"/>
+                </a:spcAft>
+                <a:buNone/>
+              </a:pPr>
+              <a:endParaRPr/>
+            </a:p>
+          </p:txBody>
+        </p:sp>
+        <p:sp>
+          <p:nvSpPr>
+            <p:cNvPr id="1902" name="Google Shape;1902;p43"/>
+            <p:cNvSpPr/>
+            <p:nvPr/>
+          </p:nvSpPr>
+          <p:spPr>
+            <a:xfrm>
+              <a:off x="2360550" y="1625142"/>
+              <a:ext cx="31" cy="485267"/>
+            </a:xfrm>
+            <a:custGeom>
+              <a:avLst/>
+              <a:gdLst/>
+              <a:ahLst/>
+              <a:cxnLst/>
+              <a:rect l="l" t="t" r="r" b="b"/>
+              <a:pathLst>
+                <a:path w="1" h="15861" fill="none" extrusionOk="0">
+                  <a:moveTo>
+                    <a:pt x="0" y="0"/>
+                  </a:moveTo>
+                  <a:lnTo>
+                    <a:pt x="0" y="15861"/>
+                  </a:lnTo>
+                </a:path>
+              </a:pathLst>
+            </a:custGeom>
+            <a:noFill/>
+            <a:ln w="9400" cap="flat" cmpd="sng">
+              <a:solidFill>
+                <a:schemeClr val="lt1"/>
+              </a:solidFill>
+              <a:prstDash val="solid"/>
+              <a:miter lim="28942"/>
+              <a:headEnd type="none" w="sm" len="sm"/>
+              <a:tailEnd type="none" w="sm" len="sm"/>
+            </a:ln>
+          </p:spPr>
+          <p:txBody>
+            <a:bodyPr spcFirstLastPara="1" wrap="square" lIns="91425" tIns="91425" rIns="91425" bIns="91425" anchor="ctr" anchorCtr="0">
+              <a:noAutofit/>
+            </a:bodyPr>
+            <a:lstStyle/>
+            <a:p>
+              <a:pPr marL="0" lvl="0" indent="0" algn="l" rtl="0">
+                <a:spcBef>
+                  <a:spcPts val="0"/>
+                </a:spcBef>
+                <a:spcAft>
+                  <a:spcPts val="0"/>
+                </a:spcAft>
+                <a:buNone/>
+              </a:pPr>
+              <a:endParaRPr/>
+            </a:p>
+          </p:txBody>
+        </p:sp>
+        <p:sp>
+          <p:nvSpPr>
+            <p:cNvPr id="1903" name="Google Shape;1903;p43"/>
+            <p:cNvSpPr/>
+            <p:nvPr/>
+          </p:nvSpPr>
+          <p:spPr>
+            <a:xfrm>
+              <a:off x="2273444" y="1720750"/>
+              <a:ext cx="31" cy="389658"/>
+            </a:xfrm>
+            <a:custGeom>
+              <a:avLst/>
+              <a:gdLst/>
+              <a:ahLst/>
+              <a:cxnLst/>
+              <a:rect l="l" t="t" r="r" b="b"/>
+              <a:pathLst>
+                <a:path w="1" h="12736" fill="none" extrusionOk="0">
+                  <a:moveTo>
+                    <a:pt x="1" y="1"/>
+                  </a:moveTo>
+                  <a:lnTo>
+                    <a:pt x="1" y="12736"/>
+                  </a:lnTo>
+                </a:path>
+              </a:pathLst>
+            </a:custGeom>
+            <a:noFill/>
+            <a:ln w="9400" cap="flat" cmpd="sng">
+              <a:solidFill>
+                <a:schemeClr val="lt1"/>
+              </a:solidFill>
+              <a:prstDash val="solid"/>
+              <a:miter lim="28942"/>
+              <a:headEnd type="none" w="sm" len="sm"/>
+              <a:tailEnd type="none" w="sm" len="sm"/>
+            </a:ln>
+          </p:spPr>
+          <p:txBody>
+            <a:bodyPr spcFirstLastPara="1" wrap="square" lIns="91425" tIns="91425" rIns="91425" bIns="91425" anchor="ctr" anchorCtr="0">
+              <a:noAutofit/>
+            </a:bodyPr>
+            <a:lstStyle/>
+            <a:p>
+              <a:pPr marL="0" lvl="0" indent="0" algn="l" rtl="0">
+                <a:spcBef>
+                  <a:spcPts val="0"/>
+                </a:spcBef>
+                <a:spcAft>
+                  <a:spcPts val="0"/>
+                </a:spcAft>
+                <a:buNone/>
+              </a:pPr>
+              <a:endParaRPr/>
+            </a:p>
+          </p:txBody>
+        </p:sp>
+        <p:sp>
+          <p:nvSpPr>
+            <p:cNvPr id="1904" name="Google Shape;1904;p43"/>
+            <p:cNvSpPr/>
+            <p:nvPr/>
+          </p:nvSpPr>
+          <p:spPr>
+            <a:xfrm>
+              <a:off x="2182808" y="1818164"/>
+              <a:ext cx="31" cy="292243"/>
+            </a:xfrm>
+            <a:custGeom>
+              <a:avLst/>
+              <a:gdLst/>
+              <a:ahLst/>
+              <a:cxnLst/>
+              <a:rect l="l" t="t" r="r" b="b"/>
+              <a:pathLst>
+                <a:path w="1" h="9552" fill="none" extrusionOk="0">
+                  <a:moveTo>
+                    <a:pt x="1" y="1"/>
+                  </a:moveTo>
+                  <a:lnTo>
+                    <a:pt x="1" y="9552"/>
+                  </a:lnTo>
+                </a:path>
+              </a:pathLst>
+            </a:custGeom>
+            <a:noFill/>
+            <a:ln w="9400" cap="flat" cmpd="sng">
+              <a:solidFill>
+                <a:schemeClr val="lt1"/>
+              </a:solidFill>
+              <a:prstDash val="solid"/>
+              <a:miter lim="28942"/>
+              <a:headEnd type="none" w="sm" len="sm"/>
+              <a:tailEnd type="none" w="sm" len="sm"/>
+            </a:ln>
+          </p:spPr>
+          <p:txBody>
+            <a:bodyPr spcFirstLastPara="1" wrap="square" lIns="91425" tIns="91425" rIns="91425" bIns="91425" anchor="ctr" anchorCtr="0">
+              <a:noAutofit/>
+            </a:bodyPr>
+            <a:lstStyle/>
+            <a:p>
+              <a:pPr marL="0" lvl="0" indent="0" algn="l" rtl="0">
+                <a:spcBef>
+                  <a:spcPts val="0"/>
+                </a:spcBef>
+                <a:spcAft>
+                  <a:spcPts val="0"/>
+                </a:spcAft>
+                <a:buNone/>
+              </a:pPr>
+              <a:endParaRPr/>
+            </a:p>
+          </p:txBody>
+        </p:sp>
+        <p:sp>
+          <p:nvSpPr>
+            <p:cNvPr id="1905" name="Google Shape;1905;p43"/>
+            <p:cNvSpPr/>
+            <p:nvPr/>
+          </p:nvSpPr>
+          <p:spPr>
+            <a:xfrm>
+              <a:off x="2086830" y="1923532"/>
+              <a:ext cx="31" cy="186874"/>
+            </a:xfrm>
+            <a:custGeom>
+              <a:avLst/>
+              <a:gdLst/>
+              <a:ahLst/>
+              <a:cxnLst/>
+              <a:rect l="l" t="t" r="r" b="b"/>
+              <a:pathLst>
+                <a:path w="1" h="6108" fill="none" extrusionOk="0">
+                  <a:moveTo>
+                    <a:pt x="1" y="1"/>
+                  </a:moveTo>
+                  <a:lnTo>
+                    <a:pt x="1" y="6108"/>
+                  </a:lnTo>
+                </a:path>
+              </a:pathLst>
+            </a:custGeom>
+            <a:noFill/>
+            <a:ln w="9400" cap="flat" cmpd="sng">
+              <a:solidFill>
+                <a:schemeClr val="lt1"/>
+              </a:solidFill>
+              <a:prstDash val="solid"/>
+              <a:miter lim="28942"/>
+              <a:headEnd type="none" w="sm" len="sm"/>
+              <a:tailEnd type="none" w="sm" len="sm"/>
+            </a:ln>
+          </p:spPr>
+          <p:txBody>
+            <a:bodyPr spcFirstLastPara="1" wrap="square" lIns="91425" tIns="91425" rIns="91425" bIns="91425" anchor="ctr" anchorCtr="0">
+              <a:noAutofit/>
+            </a:bodyPr>
+            <a:lstStyle/>
+            <a:p>
+              <a:pPr marL="0" lvl="0" indent="0" algn="l" rtl="0">
+                <a:spcBef>
+                  <a:spcPts val="0"/>
+                </a:spcBef>
+                <a:spcAft>
+                  <a:spcPts val="0"/>
+                </a:spcAft>
+                <a:buNone/>
+              </a:pPr>
+              <a:endParaRPr/>
+            </a:p>
+          </p:txBody>
+        </p:sp>
+        <p:sp>
+          <p:nvSpPr>
+            <p:cNvPr id="1906" name="Google Shape;1906;p43"/>
+            <p:cNvSpPr/>
+            <p:nvPr/>
+          </p:nvSpPr>
+          <p:spPr>
+            <a:xfrm>
+              <a:off x="2004207" y="1851818"/>
+              <a:ext cx="31" cy="256814"/>
+            </a:xfrm>
+            <a:custGeom>
+              <a:avLst/>
+              <a:gdLst/>
+              <a:ahLst/>
+              <a:cxnLst/>
+              <a:rect l="l" t="t" r="r" b="b"/>
+              <a:pathLst>
+                <a:path w="1" h="8394" fill="none" extrusionOk="0">
+                  <a:moveTo>
+                    <a:pt x="0" y="8394"/>
+                  </a:moveTo>
+                  <a:lnTo>
+                    <a:pt x="0" y="0"/>
+                  </a:lnTo>
+                </a:path>
+              </a:pathLst>
+            </a:custGeom>
+            <a:noFill/>
+            <a:ln w="9400" cap="flat" cmpd="sng">
+              <a:solidFill>
+                <a:schemeClr val="lt1"/>
+              </a:solidFill>
+              <a:prstDash val="solid"/>
+              <a:miter lim="28942"/>
+              <a:headEnd type="none" w="sm" len="sm"/>
+              <a:tailEnd type="none" w="sm" len="sm"/>
+            </a:ln>
+          </p:spPr>
+          <p:txBody>
+            <a:bodyPr spcFirstLastPara="1" wrap="square" lIns="91425" tIns="91425" rIns="91425" bIns="91425" anchor="ctr" anchorCtr="0">
+              <a:noAutofit/>
+            </a:bodyPr>
+            <a:lstStyle/>
+            <a:p>
+              <a:pPr marL="0" lvl="0" indent="0" algn="l" rtl="0">
+                <a:spcBef>
+                  <a:spcPts val="0"/>
+                </a:spcBef>
+                <a:spcAft>
+                  <a:spcPts val="0"/>
+                </a:spcAft>
+                <a:buNone/>
+              </a:pPr>
+              <a:endParaRPr/>
+            </a:p>
+          </p:txBody>
+        </p:sp>
+        <p:sp>
+          <p:nvSpPr>
+            <p:cNvPr id="1907" name="Google Shape;1907;p43"/>
+            <p:cNvSpPr/>
+            <p:nvPr/>
+          </p:nvSpPr>
+          <p:spPr>
+            <a:xfrm>
+              <a:off x="1926006" y="1781848"/>
+              <a:ext cx="31" cy="328560"/>
+            </a:xfrm>
+            <a:custGeom>
+              <a:avLst/>
+              <a:gdLst/>
+              <a:ahLst/>
+              <a:cxnLst/>
+              <a:rect l="l" t="t" r="r" b="b"/>
+              <a:pathLst>
+                <a:path w="1" h="10739" fill="none" extrusionOk="0">
+                  <a:moveTo>
+                    <a:pt x="0" y="1"/>
+                  </a:moveTo>
+                  <a:lnTo>
+                    <a:pt x="0" y="10739"/>
+                  </a:lnTo>
+                </a:path>
+              </a:pathLst>
+            </a:custGeom>
+            <a:noFill/>
+            <a:ln w="9400" cap="flat" cmpd="sng">
+              <a:solidFill>
+                <a:schemeClr val="lt1"/>
+              </a:solidFill>
+              <a:prstDash val="solid"/>
+              <a:miter lim="28942"/>
+              <a:headEnd type="none" w="sm" len="sm"/>
+              <a:tailEnd type="none" w="sm" len="sm"/>
+            </a:ln>
+          </p:spPr>
+          <p:txBody>
+            <a:bodyPr spcFirstLastPara="1" wrap="square" lIns="91425" tIns="91425" rIns="91425" bIns="91425" anchor="ctr" anchorCtr="0">
+              <a:noAutofit/>
+            </a:bodyPr>
+            <a:lstStyle/>
+            <a:p>
+              <a:pPr marL="0" lvl="0" indent="0" algn="l" rtl="0">
+                <a:spcBef>
+                  <a:spcPts val="0"/>
+                </a:spcBef>
+                <a:spcAft>
+                  <a:spcPts val="0"/>
+                </a:spcAft>
+                <a:buNone/>
+              </a:pPr>
+              <a:endParaRPr/>
+            </a:p>
+          </p:txBody>
+        </p:sp>
+        <p:sp>
+          <p:nvSpPr>
+            <p:cNvPr id="1908" name="Google Shape;1908;p43"/>
+            <p:cNvSpPr/>
+            <p:nvPr/>
+          </p:nvSpPr>
+          <p:spPr>
+            <a:xfrm>
+              <a:off x="1847804" y="1858885"/>
+              <a:ext cx="31" cy="249747"/>
+            </a:xfrm>
+            <a:custGeom>
+              <a:avLst/>
+              <a:gdLst/>
+              <a:ahLst/>
+              <a:cxnLst/>
+              <a:rect l="l" t="t" r="r" b="b"/>
+              <a:pathLst>
+                <a:path w="1" h="8163" fill="none" extrusionOk="0">
+                  <a:moveTo>
+                    <a:pt x="0" y="1"/>
+                  </a:moveTo>
+                  <a:lnTo>
+                    <a:pt x="0" y="8163"/>
+                  </a:lnTo>
+                </a:path>
+              </a:pathLst>
+            </a:custGeom>
+            <a:noFill/>
+            <a:ln w="9400" cap="flat" cmpd="sng">
+              <a:solidFill>
+                <a:schemeClr val="lt1"/>
+              </a:solidFill>
+              <a:prstDash val="solid"/>
+              <a:miter lim="28942"/>
+              <a:headEnd type="none" w="sm" len="sm"/>
+              <a:tailEnd type="none" w="sm" len="sm"/>
+            </a:ln>
+          </p:spPr>
+          <p:txBody>
+            <a:bodyPr spcFirstLastPara="1" wrap="square" lIns="91425" tIns="91425" rIns="91425" bIns="91425" anchor="ctr" anchorCtr="0">
+              <a:noAutofit/>
+            </a:bodyPr>
+            <a:lstStyle/>
+            <a:p>
+              <a:pPr marL="0" lvl="0" indent="0" algn="l" rtl="0">
+                <a:spcBef>
+                  <a:spcPts val="0"/>
+                </a:spcBef>
+                <a:spcAft>
+                  <a:spcPts val="0"/>
+                </a:spcAft>
+                <a:buNone/>
+              </a:pPr>
+              <a:endParaRPr/>
+            </a:p>
+          </p:txBody>
+        </p:sp>
+        <p:sp>
+          <p:nvSpPr>
+            <p:cNvPr id="1909" name="Google Shape;1909;p43"/>
+            <p:cNvSpPr/>
+            <p:nvPr/>
+          </p:nvSpPr>
+          <p:spPr>
+            <a:xfrm>
+              <a:off x="1752716" y="1953637"/>
+              <a:ext cx="31" cy="154994"/>
+            </a:xfrm>
+            <a:custGeom>
+              <a:avLst/>
+              <a:gdLst/>
+              <a:ahLst/>
+              <a:cxnLst/>
+              <a:rect l="l" t="t" r="r" b="b"/>
+              <a:pathLst>
+                <a:path w="1" h="5066" fill="none" extrusionOk="0">
+                  <a:moveTo>
+                    <a:pt x="0" y="1"/>
+                  </a:moveTo>
+                  <a:lnTo>
+                    <a:pt x="0" y="5066"/>
+                  </a:lnTo>
+                </a:path>
+              </a:pathLst>
+            </a:custGeom>
+            <a:noFill/>
+            <a:ln w="9400" cap="flat" cmpd="sng">
+              <a:solidFill>
+                <a:schemeClr val="lt1"/>
+              </a:solidFill>
+              <a:prstDash val="solid"/>
+              <a:miter lim="28942"/>
+              <a:headEnd type="none" w="sm" len="sm"/>
+              <a:tailEnd type="none" w="sm" len="sm"/>
+            </a:ln>
+          </p:spPr>
+          <p:txBody>
+            <a:bodyPr spcFirstLastPara="1" wrap="square" lIns="91425" tIns="91425" rIns="91425" bIns="91425" anchor="ctr" anchorCtr="0">
+              <a:noAutofit/>
+            </a:bodyPr>
+            <a:lstStyle/>
+            <a:p>
+              <a:pPr marL="0" lvl="0" indent="0" algn="l" rtl="0">
+                <a:spcBef>
+                  <a:spcPts val="0"/>
+                </a:spcBef>
+                <a:spcAft>
+                  <a:spcPts val="0"/>
+                </a:spcAft>
+                <a:buNone/>
+              </a:pPr>
+              <a:endParaRPr/>
+            </a:p>
+          </p:txBody>
+        </p:sp>
+        <p:sp>
+          <p:nvSpPr>
+            <p:cNvPr id="1910" name="Google Shape;1910;p43"/>
+            <p:cNvSpPr/>
+            <p:nvPr/>
+          </p:nvSpPr>
+          <p:spPr>
+            <a:xfrm>
+              <a:off x="2413851" y="1514450"/>
+              <a:ext cx="49799" cy="50482"/>
+            </a:xfrm>
+            <a:custGeom>
+              <a:avLst/>
+              <a:gdLst/>
+              <a:ahLst/>
+              <a:cxnLst/>
+              <a:rect l="l" t="t" r="r" b="b"/>
+              <a:pathLst>
+                <a:path w="1622" h="1650" extrusionOk="0">
+                  <a:moveTo>
+                    <a:pt x="811" y="0"/>
+                  </a:moveTo>
+                  <a:cubicBezTo>
+                    <a:pt x="348" y="0"/>
+                    <a:pt x="1" y="376"/>
+                    <a:pt x="1" y="811"/>
+                  </a:cubicBezTo>
+                  <a:cubicBezTo>
+                    <a:pt x="1" y="1274"/>
+                    <a:pt x="348" y="1650"/>
+                    <a:pt x="811" y="1650"/>
+                  </a:cubicBezTo>
+                  <a:cubicBezTo>
+                    <a:pt x="1245" y="1650"/>
+                    <a:pt x="1621" y="1274"/>
+                    <a:pt x="1621" y="811"/>
+                  </a:cubicBezTo>
+                  <a:cubicBezTo>
+                    <a:pt x="1621" y="376"/>
+                    <a:pt x="1245" y="0"/>
+                    <a:pt x="811" y="0"/>
+                  </a:cubicBezTo>
+                  <a:close/>
+                </a:path>
+              </a:pathLst>
+            </a:custGeom>
+            <a:solidFill>
+              <a:schemeClr val="lt1"/>
+            </a:solidFill>
+            <a:ln>
+              <a:noFill/>
+            </a:ln>
+          </p:spPr>
+          <p:txBody>
+            <a:bodyPr spcFirstLastPara="1" wrap="square" lIns="91425" tIns="91425" rIns="91425" bIns="91425" anchor="ctr" anchorCtr="0">
+              <a:noAutofit/>
+            </a:bodyPr>
+            <a:lstStyle/>
+            <a:p>
+              <a:pPr marL="0" lvl="0" indent="0" algn="l" rtl="0">
+                <a:spcBef>
+                  <a:spcPts val="0"/>
+                </a:spcBef>
+                <a:spcAft>
+                  <a:spcPts val="0"/>
+                </a:spcAft>
+                <a:buNone/>
+              </a:pPr>
+              <a:endParaRPr/>
+            </a:p>
+          </p:txBody>
+        </p:sp>
+        <p:sp>
+          <p:nvSpPr>
+            <p:cNvPr id="1911" name="Google Shape;1911;p43"/>
+            <p:cNvSpPr/>
+            <p:nvPr/>
+          </p:nvSpPr>
+          <p:spPr>
+            <a:xfrm>
+              <a:off x="2501816" y="1593262"/>
+              <a:ext cx="49799" cy="49594"/>
+            </a:xfrm>
+            <a:custGeom>
+              <a:avLst/>
+              <a:gdLst/>
+              <a:ahLst/>
+              <a:cxnLst/>
+              <a:rect l="l" t="t" r="r" b="b"/>
+              <a:pathLst>
+                <a:path w="1622" h="1621" extrusionOk="0">
+                  <a:moveTo>
+                    <a:pt x="811" y="0"/>
+                  </a:moveTo>
+                  <a:cubicBezTo>
+                    <a:pt x="377" y="0"/>
+                    <a:pt x="1" y="347"/>
+                    <a:pt x="1" y="811"/>
+                  </a:cubicBezTo>
+                  <a:cubicBezTo>
+                    <a:pt x="1" y="1245"/>
+                    <a:pt x="377" y="1621"/>
+                    <a:pt x="811" y="1621"/>
+                  </a:cubicBezTo>
+                  <a:cubicBezTo>
+                    <a:pt x="1274" y="1621"/>
+                    <a:pt x="1622" y="1245"/>
+                    <a:pt x="1622" y="811"/>
+                  </a:cubicBezTo>
+                  <a:cubicBezTo>
+                    <a:pt x="1622" y="347"/>
+                    <a:pt x="1274" y="0"/>
+                    <a:pt x="811" y="0"/>
+                  </a:cubicBezTo>
+                  <a:close/>
+                </a:path>
+              </a:pathLst>
+            </a:custGeom>
+            <a:solidFill>
+              <a:schemeClr val="lt1"/>
+            </a:solidFill>
+            <a:ln>
+              <a:noFill/>
+            </a:ln>
+          </p:spPr>
+          <p:txBody>
+            <a:bodyPr spcFirstLastPara="1" wrap="square" lIns="91425" tIns="91425" rIns="91425" bIns="91425" anchor="ctr" anchorCtr="0">
+              <a:noAutofit/>
+            </a:bodyPr>
+            <a:lstStyle/>
+            <a:p>
+              <a:pPr marL="0" lvl="0" indent="0" algn="l" rtl="0">
+                <a:spcBef>
+                  <a:spcPts val="0"/>
+                </a:spcBef>
+                <a:spcAft>
+                  <a:spcPts val="0"/>
+                </a:spcAft>
+                <a:buNone/>
+              </a:pPr>
+              <a:endParaRPr/>
+            </a:p>
+          </p:txBody>
+        </p:sp>
+        <p:sp>
+          <p:nvSpPr>
+            <p:cNvPr id="1912" name="Google Shape;1912;p43"/>
+            <p:cNvSpPr/>
+            <p:nvPr/>
+          </p:nvSpPr>
+          <p:spPr>
+            <a:xfrm>
+              <a:off x="2335507" y="1429427"/>
+              <a:ext cx="49799" cy="49625"/>
+            </a:xfrm>
+            <a:custGeom>
+              <a:avLst/>
+              <a:gdLst/>
+              <a:ahLst/>
+              <a:cxnLst/>
+              <a:rect l="l" t="t" r="r" b="b"/>
+              <a:pathLst>
+                <a:path w="1622" h="1622" extrusionOk="0">
+                  <a:moveTo>
+                    <a:pt x="811" y="1"/>
+                  </a:moveTo>
+                  <a:cubicBezTo>
+                    <a:pt x="348" y="1"/>
+                    <a:pt x="0" y="377"/>
+                    <a:pt x="0" y="811"/>
+                  </a:cubicBezTo>
+                  <a:cubicBezTo>
+                    <a:pt x="0" y="1274"/>
+                    <a:pt x="348" y="1622"/>
+                    <a:pt x="811" y="1622"/>
+                  </a:cubicBezTo>
+                  <a:cubicBezTo>
+                    <a:pt x="1245" y="1622"/>
+                    <a:pt x="1621" y="1274"/>
+                    <a:pt x="1621" y="811"/>
+                  </a:cubicBezTo>
+                  <a:cubicBezTo>
+                    <a:pt x="1621" y="377"/>
+                    <a:pt x="1245" y="1"/>
+                    <a:pt x="811" y="1"/>
+                  </a:cubicBezTo>
+                  <a:close/>
+                </a:path>
+              </a:pathLst>
+            </a:custGeom>
+            <a:solidFill>
+              <a:schemeClr val="lt1"/>
+            </a:solidFill>
+            <a:ln>
+              <a:noFill/>
+            </a:ln>
+          </p:spPr>
+          <p:txBody>
+            <a:bodyPr spcFirstLastPara="1" wrap="square" lIns="91425" tIns="91425" rIns="91425" bIns="91425" anchor="ctr" anchorCtr="0">
+              <a:noAutofit/>
+            </a:bodyPr>
+            <a:lstStyle/>
+            <a:p>
+              <a:pPr marL="0" lvl="0" indent="0" algn="l" rtl="0">
+                <a:spcBef>
+                  <a:spcPts val="0"/>
+                </a:spcBef>
+                <a:spcAft>
+                  <a:spcPts val="0"/>
+                </a:spcAft>
+                <a:buNone/>
+              </a:pPr>
+              <a:endParaRPr/>
+            </a:p>
+          </p:txBody>
+        </p:sp>
+        <p:sp>
+          <p:nvSpPr>
+            <p:cNvPr id="1913" name="Google Shape;1913;p43"/>
+            <p:cNvSpPr/>
+            <p:nvPr/>
+          </p:nvSpPr>
+          <p:spPr>
+            <a:xfrm>
+              <a:off x="2530104" y="1370104"/>
+              <a:ext cx="49799" cy="50512"/>
+            </a:xfrm>
+            <a:custGeom>
+              <a:avLst/>
+              <a:gdLst/>
+              <a:ahLst/>
+              <a:cxnLst/>
+              <a:rect l="l" t="t" r="r" b="b"/>
+              <a:pathLst>
+                <a:path w="1622" h="1651" extrusionOk="0">
+                  <a:moveTo>
+                    <a:pt x="811" y="1"/>
+                  </a:moveTo>
+                  <a:cubicBezTo>
+                    <a:pt x="348" y="1"/>
+                    <a:pt x="1" y="377"/>
+                    <a:pt x="1" y="811"/>
+                  </a:cubicBezTo>
+                  <a:cubicBezTo>
+                    <a:pt x="1" y="1274"/>
+                    <a:pt x="348" y="1650"/>
+                    <a:pt x="811" y="1650"/>
+                  </a:cubicBezTo>
+                  <a:cubicBezTo>
+                    <a:pt x="1245" y="1650"/>
+                    <a:pt x="1621" y="1274"/>
+                    <a:pt x="1621" y="811"/>
+                  </a:cubicBezTo>
+                  <a:cubicBezTo>
+                    <a:pt x="1621" y="377"/>
+                    <a:pt x="1245" y="1"/>
+                    <a:pt x="811" y="1"/>
+                  </a:cubicBezTo>
+                  <a:close/>
+                </a:path>
+              </a:pathLst>
+            </a:custGeom>
+            <a:solidFill>
+              <a:schemeClr val="lt1"/>
+            </a:solidFill>
+            <a:ln>
+              <a:noFill/>
+            </a:ln>
+          </p:spPr>
+          <p:txBody>
+            <a:bodyPr spcFirstLastPara="1" wrap="square" lIns="91425" tIns="91425" rIns="91425" bIns="91425" anchor="ctr" anchorCtr="0">
+              <a:noAutofit/>
+            </a:bodyPr>
+            <a:lstStyle/>
+            <a:p>
+              <a:pPr marL="0" lvl="0" indent="0" algn="l" rtl="0">
+                <a:spcBef>
+                  <a:spcPts val="0"/>
+                </a:spcBef>
+                <a:spcAft>
+                  <a:spcPts val="0"/>
+                </a:spcAft>
+                <a:buNone/>
+              </a:pPr>
+              <a:endParaRPr/>
+            </a:p>
+          </p:txBody>
+        </p:sp>
+        <p:sp>
+          <p:nvSpPr>
+            <p:cNvPr id="1914" name="Google Shape;1914;p43"/>
+            <p:cNvSpPr/>
+            <p:nvPr/>
+          </p:nvSpPr>
+          <p:spPr>
+            <a:xfrm>
+              <a:off x="2061960" y="1898750"/>
+              <a:ext cx="49799" cy="49625"/>
+            </a:xfrm>
+            <a:custGeom>
+              <a:avLst/>
+              <a:gdLst/>
+              <a:ahLst/>
+              <a:cxnLst/>
+              <a:rect l="l" t="t" r="r" b="b"/>
+              <a:pathLst>
+                <a:path w="1622" h="1622" extrusionOk="0">
+                  <a:moveTo>
+                    <a:pt x="811" y="0"/>
+                  </a:moveTo>
+                  <a:cubicBezTo>
+                    <a:pt x="377" y="0"/>
+                    <a:pt x="0" y="377"/>
+                    <a:pt x="0" y="811"/>
+                  </a:cubicBezTo>
+                  <a:cubicBezTo>
+                    <a:pt x="0" y="1274"/>
+                    <a:pt x="377" y="1621"/>
+                    <a:pt x="811" y="1621"/>
+                  </a:cubicBezTo>
+                  <a:cubicBezTo>
+                    <a:pt x="1274" y="1621"/>
+                    <a:pt x="1621" y="1274"/>
+                    <a:pt x="1621" y="811"/>
+                  </a:cubicBezTo>
+                  <a:cubicBezTo>
+                    <a:pt x="1621" y="377"/>
+                    <a:pt x="1274" y="0"/>
+                    <a:pt x="811" y="0"/>
+                  </a:cubicBezTo>
+                  <a:close/>
+                </a:path>
+              </a:pathLst>
+            </a:custGeom>
+            <a:solidFill>
+              <a:schemeClr val="lt1"/>
+            </a:solidFill>
+            <a:ln>
+              <a:noFill/>
+            </a:ln>
+          </p:spPr>
+          <p:txBody>
+            <a:bodyPr spcFirstLastPara="1" wrap="square" lIns="91425" tIns="91425" rIns="91425" bIns="91425" anchor="ctr" anchorCtr="0">
+              <a:noAutofit/>
+            </a:bodyPr>
+            <a:lstStyle/>
+            <a:p>
+              <a:pPr marL="0" lvl="0" indent="0" algn="l" rtl="0">
+                <a:spcBef>
+                  <a:spcPts val="0"/>
+                </a:spcBef>
+                <a:spcAft>
+                  <a:spcPts val="0"/>
+                </a:spcAft>
+                <a:buNone/>
+              </a:pPr>
+              <a:endParaRPr/>
+            </a:p>
+          </p:txBody>
+        </p:sp>
+        <p:sp>
+          <p:nvSpPr>
+            <p:cNvPr id="1915" name="Google Shape;1915;p43"/>
+            <p:cNvSpPr/>
+            <p:nvPr/>
+          </p:nvSpPr>
+          <p:spPr>
+            <a:xfrm>
+              <a:off x="1900215" y="1757066"/>
+              <a:ext cx="50690" cy="49625"/>
+            </a:xfrm>
+            <a:custGeom>
+              <a:avLst/>
+              <a:gdLst/>
+              <a:ahLst/>
+              <a:cxnLst/>
+              <a:rect l="l" t="t" r="r" b="b"/>
+              <a:pathLst>
+                <a:path w="1651" h="1622" extrusionOk="0">
+                  <a:moveTo>
+                    <a:pt x="840" y="0"/>
+                  </a:moveTo>
+                  <a:cubicBezTo>
+                    <a:pt x="377" y="0"/>
+                    <a:pt x="1" y="348"/>
+                    <a:pt x="1" y="811"/>
+                  </a:cubicBezTo>
+                  <a:cubicBezTo>
+                    <a:pt x="1" y="1245"/>
+                    <a:pt x="377" y="1621"/>
+                    <a:pt x="840" y="1621"/>
+                  </a:cubicBezTo>
+                  <a:cubicBezTo>
+                    <a:pt x="1274" y="1621"/>
+                    <a:pt x="1650" y="1245"/>
+                    <a:pt x="1650" y="811"/>
+                  </a:cubicBezTo>
+                  <a:cubicBezTo>
+                    <a:pt x="1650" y="348"/>
+                    <a:pt x="1274" y="0"/>
+                    <a:pt x="840" y="0"/>
+                  </a:cubicBezTo>
+                  <a:close/>
+                </a:path>
+              </a:pathLst>
+            </a:custGeom>
+            <a:solidFill>
+              <a:schemeClr val="lt1"/>
+            </a:solidFill>
+            <a:ln>
+              <a:noFill/>
+            </a:ln>
+          </p:spPr>
+          <p:txBody>
+            <a:bodyPr spcFirstLastPara="1" wrap="square" lIns="91425" tIns="91425" rIns="91425" bIns="91425" anchor="ctr" anchorCtr="0">
+              <a:noAutofit/>
+            </a:bodyPr>
+            <a:lstStyle/>
+            <a:p>
+              <a:pPr marL="0" lvl="0" indent="0" algn="l" rtl="0">
+                <a:spcBef>
+                  <a:spcPts val="0"/>
+                </a:spcBef>
+                <a:spcAft>
+                  <a:spcPts val="0"/>
+                </a:spcAft>
+                <a:buNone/>
+              </a:pPr>
+              <a:endParaRPr/>
+            </a:p>
+          </p:txBody>
+        </p:sp>
+        <p:sp>
+          <p:nvSpPr>
+            <p:cNvPr id="1916" name="Google Shape;1916;p43"/>
+            <p:cNvSpPr/>
+            <p:nvPr/>
+          </p:nvSpPr>
+          <p:spPr>
+            <a:xfrm>
+              <a:off x="1727816" y="1928855"/>
+              <a:ext cx="49799" cy="49625"/>
+            </a:xfrm>
+            <a:custGeom>
+              <a:avLst/>
+              <a:gdLst/>
+              <a:ahLst/>
+              <a:cxnLst/>
+              <a:rect l="l" t="t" r="r" b="b"/>
+              <a:pathLst>
+                <a:path w="1622" h="1622" extrusionOk="0">
+                  <a:moveTo>
+                    <a:pt x="811" y="0"/>
+                  </a:moveTo>
+                  <a:cubicBezTo>
+                    <a:pt x="348" y="0"/>
+                    <a:pt x="1" y="377"/>
+                    <a:pt x="1" y="811"/>
+                  </a:cubicBezTo>
+                  <a:cubicBezTo>
+                    <a:pt x="1" y="1274"/>
+                    <a:pt x="348" y="1621"/>
+                    <a:pt x="811" y="1621"/>
+                  </a:cubicBezTo>
+                  <a:cubicBezTo>
+                    <a:pt x="1245" y="1621"/>
+                    <a:pt x="1622" y="1274"/>
+                    <a:pt x="1622" y="811"/>
+                  </a:cubicBezTo>
+                  <a:cubicBezTo>
+                    <a:pt x="1622" y="377"/>
+                    <a:pt x="1245" y="0"/>
+                    <a:pt x="811" y="0"/>
+                  </a:cubicBezTo>
+                  <a:close/>
+                </a:path>
+              </a:pathLst>
+            </a:custGeom>
+            <a:solidFill>
+              <a:schemeClr val="lt1"/>
+            </a:solidFill>
+            <a:ln>
+              <a:noFill/>
+            </a:ln>
+          </p:spPr>
+          <p:txBody>
+            <a:bodyPr spcFirstLastPara="1" wrap="square" lIns="91425" tIns="91425" rIns="91425" bIns="91425" anchor="ctr" anchorCtr="0">
+              <a:noAutofit/>
+            </a:bodyPr>
+            <a:lstStyle/>
+            <a:p>
+              <a:pPr marL="0" lvl="0" indent="0" algn="l" rtl="0">
+                <a:spcBef>
+                  <a:spcPts val="0"/>
+                </a:spcBef>
+                <a:spcAft>
+                  <a:spcPts val="0"/>
+                </a:spcAft>
+                <a:buNone/>
+              </a:pPr>
+              <a:endParaRPr/>
+            </a:p>
+          </p:txBody>
+        </p:sp>
+        <p:sp>
+          <p:nvSpPr>
+            <p:cNvPr id="1917" name="Google Shape;1917;p43"/>
+            <p:cNvSpPr/>
+            <p:nvPr/>
+          </p:nvSpPr>
+          <p:spPr>
+            <a:xfrm>
+              <a:off x="2273444" y="2276840"/>
+              <a:ext cx="785554" cy="31"/>
+            </a:xfrm>
+            <a:custGeom>
+              <a:avLst/>
+              <a:gdLst/>
+              <a:ahLst/>
+              <a:cxnLst/>
+              <a:rect l="l" t="t" r="r" b="b"/>
+              <a:pathLst>
+                <a:path w="25586" h="1" fill="none" extrusionOk="0">
+                  <a:moveTo>
+                    <a:pt x="1" y="1"/>
+                  </a:moveTo>
+                  <a:lnTo>
+                    <a:pt x="25586" y="1"/>
+                  </a:lnTo>
+                </a:path>
+              </a:pathLst>
+            </a:custGeom>
+            <a:noFill/>
+            <a:ln w="9400" cap="flat" cmpd="sng">
+              <a:solidFill>
+                <a:schemeClr val="lt1"/>
+              </a:solidFill>
+              <a:prstDash val="solid"/>
+              <a:miter lim="28942"/>
+              <a:headEnd type="none" w="sm" len="sm"/>
+              <a:tailEnd type="none" w="sm" len="sm"/>
+            </a:ln>
+          </p:spPr>
+          <p:txBody>
+            <a:bodyPr spcFirstLastPara="1" wrap="square" lIns="91425" tIns="91425" rIns="91425" bIns="91425" anchor="ctr" anchorCtr="0">
+              <a:noAutofit/>
+            </a:bodyPr>
+            <a:lstStyle/>
+            <a:p>
+              <a:pPr marL="0" lvl="0" indent="0" algn="l" rtl="0">
+                <a:spcBef>
+                  <a:spcPts val="0"/>
+                </a:spcBef>
+                <a:spcAft>
+                  <a:spcPts val="0"/>
+                </a:spcAft>
+                <a:buNone/>
+              </a:pPr>
+              <a:endParaRPr/>
+            </a:p>
+          </p:txBody>
+        </p:sp>
+        <p:sp>
+          <p:nvSpPr>
+            <p:cNvPr id="1918" name="Google Shape;1918;p43"/>
+            <p:cNvSpPr/>
+            <p:nvPr/>
+          </p:nvSpPr>
+          <p:spPr>
+            <a:xfrm>
+              <a:off x="2273444" y="2335276"/>
+              <a:ext cx="792677" cy="31"/>
+            </a:xfrm>
+            <a:custGeom>
+              <a:avLst/>
+              <a:gdLst/>
+              <a:ahLst/>
+              <a:cxnLst/>
+              <a:rect l="l" t="t" r="r" b="b"/>
+              <a:pathLst>
+                <a:path w="25818" h="1" fill="none" extrusionOk="0">
+                  <a:moveTo>
+                    <a:pt x="1" y="1"/>
+                  </a:moveTo>
+                  <a:lnTo>
+                    <a:pt x="25817" y="1"/>
+                  </a:lnTo>
+                </a:path>
+              </a:pathLst>
+            </a:custGeom>
+            <a:noFill/>
+            <a:ln w="9400" cap="flat" cmpd="sng">
+              <a:solidFill>
+                <a:schemeClr val="lt1"/>
+              </a:solidFill>
+              <a:prstDash val="solid"/>
+              <a:miter lim="28942"/>
+              <a:headEnd type="none" w="sm" len="sm"/>
+              <a:tailEnd type="none" w="sm" len="sm"/>
+            </a:ln>
+          </p:spPr>
+          <p:txBody>
+            <a:bodyPr spcFirstLastPara="1" wrap="square" lIns="91425" tIns="91425" rIns="91425" bIns="91425" anchor="ctr" anchorCtr="0">
+              <a:noAutofit/>
+            </a:bodyPr>
+            <a:lstStyle/>
+            <a:p>
+              <a:pPr marL="0" lvl="0" indent="0" algn="l" rtl="0">
+                <a:spcBef>
+                  <a:spcPts val="0"/>
+                </a:spcBef>
+                <a:spcAft>
+                  <a:spcPts val="0"/>
+                </a:spcAft>
+                <a:buNone/>
+              </a:pPr>
+              <a:endParaRPr/>
+            </a:p>
+          </p:txBody>
+        </p:sp>
+        <p:sp>
+          <p:nvSpPr>
+            <p:cNvPr id="1919" name="Google Shape;1919;p43"/>
+            <p:cNvSpPr/>
+            <p:nvPr/>
+          </p:nvSpPr>
+          <p:spPr>
+            <a:xfrm>
+              <a:off x="2273444" y="2461907"/>
+              <a:ext cx="785554" cy="31"/>
+            </a:xfrm>
+            <a:custGeom>
+              <a:avLst/>
+              <a:gdLst/>
+              <a:ahLst/>
+              <a:cxnLst/>
+              <a:rect l="l" t="t" r="r" b="b"/>
+              <a:pathLst>
+                <a:path w="25586" h="1" fill="none" extrusionOk="0">
+                  <a:moveTo>
+                    <a:pt x="1" y="1"/>
+                  </a:moveTo>
+                  <a:lnTo>
+                    <a:pt x="25586" y="1"/>
+                  </a:lnTo>
+                </a:path>
+              </a:pathLst>
+            </a:custGeom>
+            <a:noFill/>
+            <a:ln w="9400" cap="flat" cmpd="sng">
+              <a:solidFill>
+                <a:schemeClr val="lt1"/>
+              </a:solidFill>
+              <a:prstDash val="solid"/>
+              <a:miter lim="28942"/>
+              <a:headEnd type="none" w="sm" len="sm"/>
+              <a:tailEnd type="none" w="sm" len="sm"/>
+            </a:ln>
+          </p:spPr>
+          <p:txBody>
+            <a:bodyPr spcFirstLastPara="1" wrap="square" lIns="91425" tIns="91425" rIns="91425" bIns="91425" anchor="ctr" anchorCtr="0">
+              <a:noAutofit/>
+            </a:bodyPr>
+            <a:lstStyle/>
+            <a:p>
+              <a:pPr marL="0" lvl="0" indent="0" algn="l" rtl="0">
+                <a:spcBef>
+                  <a:spcPts val="0"/>
+                </a:spcBef>
+                <a:spcAft>
+                  <a:spcPts val="0"/>
+                </a:spcAft>
+                <a:buNone/>
+              </a:pPr>
+              <a:endParaRPr/>
+            </a:p>
+          </p:txBody>
+        </p:sp>
+        <p:sp>
+          <p:nvSpPr>
+            <p:cNvPr id="1920" name="Google Shape;1920;p43"/>
+            <p:cNvSpPr/>
+            <p:nvPr/>
+          </p:nvSpPr>
+          <p:spPr>
+            <a:xfrm>
+              <a:off x="2273444" y="2517712"/>
+              <a:ext cx="785554" cy="31"/>
+            </a:xfrm>
+            <a:custGeom>
+              <a:avLst/>
+              <a:gdLst/>
+              <a:ahLst/>
+              <a:cxnLst/>
+              <a:rect l="l" t="t" r="r" b="b"/>
+              <a:pathLst>
+                <a:path w="25586" h="1" fill="none" extrusionOk="0">
+                  <a:moveTo>
+                    <a:pt x="1" y="0"/>
+                  </a:moveTo>
+                  <a:lnTo>
+                    <a:pt x="25586" y="0"/>
+                  </a:lnTo>
+                </a:path>
+              </a:pathLst>
+            </a:custGeom>
+            <a:noFill/>
+            <a:ln w="9400" cap="flat" cmpd="sng">
+              <a:solidFill>
+                <a:schemeClr val="lt1"/>
+              </a:solidFill>
+              <a:prstDash val="solid"/>
+              <a:miter lim="28942"/>
+              <a:headEnd type="none" w="sm" len="sm"/>
+              <a:tailEnd type="none" w="sm" len="sm"/>
+            </a:ln>
+          </p:spPr>
+          <p:txBody>
+            <a:bodyPr spcFirstLastPara="1" wrap="square" lIns="91425" tIns="91425" rIns="91425" bIns="91425" anchor="ctr" anchorCtr="0">
+              <a:noAutofit/>
+            </a:bodyPr>
+            <a:lstStyle/>
+            <a:p>
+              <a:pPr marL="0" lvl="0" indent="0" algn="l" rtl="0">
+                <a:spcBef>
+                  <a:spcPts val="0"/>
+                </a:spcBef>
+                <a:spcAft>
+                  <a:spcPts val="0"/>
+                </a:spcAft>
+                <a:buNone/>
+              </a:pPr>
+              <a:endParaRPr/>
+            </a:p>
+          </p:txBody>
+        </p:sp>
+        <p:sp>
+          <p:nvSpPr>
+            <p:cNvPr id="1921" name="Google Shape;1921;p43"/>
+            <p:cNvSpPr/>
+            <p:nvPr/>
+          </p:nvSpPr>
+          <p:spPr>
+            <a:xfrm>
+              <a:off x="2273444" y="2572599"/>
+              <a:ext cx="785554" cy="31"/>
+            </a:xfrm>
+            <a:custGeom>
+              <a:avLst/>
+              <a:gdLst/>
+              <a:ahLst/>
+              <a:cxnLst/>
+              <a:rect l="l" t="t" r="r" b="b"/>
+              <a:pathLst>
+                <a:path w="25586" h="1" fill="none" extrusionOk="0">
+                  <a:moveTo>
+                    <a:pt x="1" y="1"/>
+                  </a:moveTo>
+                  <a:lnTo>
+                    <a:pt x="25586" y="1"/>
+                  </a:lnTo>
+                </a:path>
+              </a:pathLst>
+            </a:custGeom>
+            <a:noFill/>
+            <a:ln w="9400" cap="flat" cmpd="sng">
+              <a:solidFill>
+                <a:schemeClr val="lt1"/>
+              </a:solidFill>
+              <a:prstDash val="solid"/>
+              <a:miter lim="28942"/>
+              <a:headEnd type="none" w="sm" len="sm"/>
+              <a:tailEnd type="none" w="sm" len="sm"/>
+            </a:ln>
+          </p:spPr>
+          <p:txBody>
+            <a:bodyPr spcFirstLastPara="1" wrap="square" lIns="91425" tIns="91425" rIns="91425" bIns="91425" anchor="ctr" anchorCtr="0">
+              <a:noAutofit/>
+            </a:bodyPr>
+            <a:lstStyle/>
+            <a:p>
+              <a:pPr marL="0" lvl="0" indent="0" algn="l" rtl="0">
+                <a:spcBef>
+                  <a:spcPts val="0"/>
+                </a:spcBef>
+                <a:spcAft>
+                  <a:spcPts val="0"/>
+                </a:spcAft>
+                <a:buNone/>
+              </a:pPr>
+              <a:endParaRPr/>
+            </a:p>
+          </p:txBody>
+        </p:sp>
+        <p:sp>
+          <p:nvSpPr>
+            <p:cNvPr id="1922" name="Google Shape;1922;p43"/>
+            <p:cNvSpPr/>
+            <p:nvPr/>
+          </p:nvSpPr>
+          <p:spPr>
+            <a:xfrm>
+              <a:off x="2273444" y="2628373"/>
+              <a:ext cx="785554" cy="31"/>
+            </a:xfrm>
+            <a:custGeom>
+              <a:avLst/>
+              <a:gdLst/>
+              <a:ahLst/>
+              <a:cxnLst/>
+              <a:rect l="l" t="t" r="r" b="b"/>
+              <a:pathLst>
+                <a:path w="25586" h="1" fill="none" extrusionOk="0">
+                  <a:moveTo>
+                    <a:pt x="1" y="1"/>
+                  </a:moveTo>
+                  <a:lnTo>
+                    <a:pt x="25586" y="1"/>
+                  </a:lnTo>
+                </a:path>
+              </a:pathLst>
+            </a:custGeom>
+            <a:noFill/>
+            <a:ln w="9400" cap="flat" cmpd="sng">
+              <a:solidFill>
+                <a:schemeClr val="lt1"/>
+              </a:solidFill>
+              <a:prstDash val="solid"/>
+              <a:miter lim="28942"/>
+              <a:headEnd type="none" w="sm" len="sm"/>
+              <a:tailEnd type="none" w="sm" len="sm"/>
+            </a:ln>
+          </p:spPr>
+          <p:txBody>
+            <a:bodyPr spcFirstLastPara="1" wrap="square" lIns="91425" tIns="91425" rIns="91425" bIns="91425" anchor="ctr" anchorCtr="0">
+              <a:noAutofit/>
+            </a:bodyPr>
+            <a:lstStyle/>
+            <a:p>
+              <a:pPr marL="0" lvl="0" indent="0" algn="l" rtl="0">
+                <a:spcBef>
+                  <a:spcPts val="0"/>
+                </a:spcBef>
+                <a:spcAft>
+                  <a:spcPts val="0"/>
+                </a:spcAft>
+                <a:buNone/>
+              </a:pPr>
+              <a:endParaRPr/>
+            </a:p>
+          </p:txBody>
+        </p:sp>
+        <p:sp>
+          <p:nvSpPr>
+            <p:cNvPr id="1923" name="Google Shape;1923;p43"/>
+            <p:cNvSpPr/>
+            <p:nvPr/>
+          </p:nvSpPr>
+          <p:spPr>
+            <a:xfrm>
+              <a:off x="2330090" y="2907306"/>
+              <a:ext cx="61344" cy="156769"/>
+            </a:xfrm>
+            <a:custGeom>
+              <a:avLst/>
+              <a:gdLst/>
+              <a:ahLst/>
+              <a:cxnLst/>
+              <a:rect l="l" t="t" r="r" b="b"/>
+              <a:pathLst>
+                <a:path w="1998" h="5124" extrusionOk="0">
+                  <a:moveTo>
+                    <a:pt x="0" y="1"/>
+                  </a:moveTo>
+                  <a:lnTo>
+                    <a:pt x="0" y="5124"/>
+                  </a:lnTo>
+                  <a:lnTo>
+                    <a:pt x="1997" y="5124"/>
+                  </a:lnTo>
+                  <a:lnTo>
+                    <a:pt x="1997" y="1"/>
+                  </a:lnTo>
+                  <a:close/>
+                </a:path>
+              </a:pathLst>
+            </a:custGeom>
+            <a:solidFill>
+              <a:schemeClr val="dk2"/>
+            </a:solidFill>
+            <a:ln>
+              <a:noFill/>
+            </a:ln>
+          </p:spPr>
+          <p:txBody>
+            <a:bodyPr spcFirstLastPara="1" wrap="square" lIns="91425" tIns="91425" rIns="91425" bIns="91425" anchor="ctr" anchorCtr="0">
+              <a:noAutofit/>
+            </a:bodyPr>
+            <a:lstStyle/>
+            <a:p>
+              <a:pPr marL="0" lvl="0" indent="0" algn="l" rtl="0">
+                <a:spcBef>
+                  <a:spcPts val="0"/>
+                </a:spcBef>
+                <a:spcAft>
+                  <a:spcPts val="0"/>
+                </a:spcAft>
+                <a:buNone/>
+              </a:pPr>
+              <a:endParaRPr/>
+            </a:p>
+          </p:txBody>
+        </p:sp>
+        <p:sp>
+          <p:nvSpPr>
+            <p:cNvPr id="1924" name="Google Shape;1924;p43"/>
+            <p:cNvSpPr/>
+            <p:nvPr/>
+          </p:nvSpPr>
+          <p:spPr>
+            <a:xfrm>
+              <a:off x="2443874" y="2818764"/>
+              <a:ext cx="60453" cy="245311"/>
+            </a:xfrm>
+            <a:custGeom>
+              <a:avLst/>
+              <a:gdLst/>
+              <a:ahLst/>
+              <a:cxnLst/>
+              <a:rect l="l" t="t" r="r" b="b"/>
+              <a:pathLst>
+                <a:path w="1969" h="8018" extrusionOk="0">
+                  <a:moveTo>
+                    <a:pt x="1" y="1"/>
+                  </a:moveTo>
+                  <a:lnTo>
+                    <a:pt x="1" y="8018"/>
+                  </a:lnTo>
+                  <a:lnTo>
+                    <a:pt x="1969" y="8018"/>
+                  </a:lnTo>
+                  <a:lnTo>
+                    <a:pt x="1969" y="1"/>
+                  </a:lnTo>
+                  <a:close/>
+                </a:path>
+              </a:pathLst>
+            </a:custGeom>
+            <a:solidFill>
+              <a:schemeClr val="lt1"/>
+            </a:solidFill>
+            <a:ln>
+              <a:noFill/>
+            </a:ln>
+          </p:spPr>
+          <p:txBody>
+            <a:bodyPr spcFirstLastPara="1" wrap="square" lIns="91425" tIns="91425" rIns="91425" bIns="91425" anchor="ctr" anchorCtr="0">
+              <a:noAutofit/>
+            </a:bodyPr>
+            <a:lstStyle/>
+            <a:p>
+              <a:pPr marL="0" lvl="0" indent="0" algn="l" rtl="0">
+                <a:spcBef>
+                  <a:spcPts val="0"/>
+                </a:spcBef>
+                <a:spcAft>
+                  <a:spcPts val="0"/>
+                </a:spcAft>
+                <a:buNone/>
+              </a:pPr>
+              <a:endParaRPr/>
+            </a:p>
+          </p:txBody>
+        </p:sp>
+        <p:sp>
+          <p:nvSpPr>
+            <p:cNvPr id="1925" name="Google Shape;1925;p43"/>
+            <p:cNvSpPr/>
+            <p:nvPr/>
+          </p:nvSpPr>
+          <p:spPr>
+            <a:xfrm>
+              <a:off x="2556767" y="2768283"/>
+              <a:ext cx="61344" cy="295792"/>
+            </a:xfrm>
+            <a:custGeom>
+              <a:avLst/>
+              <a:gdLst/>
+              <a:ahLst/>
+              <a:cxnLst/>
+              <a:rect l="l" t="t" r="r" b="b"/>
+              <a:pathLst>
+                <a:path w="1998" h="9668" extrusionOk="0">
+                  <a:moveTo>
+                    <a:pt x="0" y="1"/>
+                  </a:moveTo>
+                  <a:lnTo>
+                    <a:pt x="0" y="9668"/>
+                  </a:lnTo>
+                  <a:lnTo>
+                    <a:pt x="1997" y="9668"/>
+                  </a:lnTo>
+                  <a:lnTo>
+                    <a:pt x="1997" y="1"/>
+                  </a:lnTo>
+                  <a:close/>
+                </a:path>
+              </a:pathLst>
+            </a:custGeom>
+            <a:solidFill>
+              <a:schemeClr val="dk2"/>
+            </a:solidFill>
+            <a:ln>
+              <a:noFill/>
+            </a:ln>
+          </p:spPr>
+          <p:txBody>
+            <a:bodyPr spcFirstLastPara="1" wrap="square" lIns="91425" tIns="91425" rIns="91425" bIns="91425" anchor="ctr" anchorCtr="0">
+              <a:noAutofit/>
+            </a:bodyPr>
+            <a:lstStyle/>
+            <a:p>
+              <a:pPr marL="0" lvl="0" indent="0" algn="l" rtl="0">
+                <a:spcBef>
+                  <a:spcPts val="0"/>
+                </a:spcBef>
+                <a:spcAft>
+                  <a:spcPts val="0"/>
+                </a:spcAft>
+                <a:buNone/>
+              </a:pPr>
+              <a:endParaRPr/>
+            </a:p>
+          </p:txBody>
+        </p:sp>
+        <p:sp>
+          <p:nvSpPr>
+            <p:cNvPr id="1926" name="Google Shape;1926;p43"/>
+            <p:cNvSpPr/>
+            <p:nvPr/>
+          </p:nvSpPr>
+          <p:spPr>
+            <a:xfrm>
+              <a:off x="2784335" y="2768283"/>
+              <a:ext cx="61344" cy="295792"/>
+            </a:xfrm>
+            <a:custGeom>
+              <a:avLst/>
+              <a:gdLst/>
+              <a:ahLst/>
+              <a:cxnLst/>
+              <a:rect l="l" t="t" r="r" b="b"/>
+              <a:pathLst>
+                <a:path w="1998" h="9668" extrusionOk="0">
+                  <a:moveTo>
+                    <a:pt x="0" y="1"/>
+                  </a:moveTo>
+                  <a:lnTo>
+                    <a:pt x="0" y="9668"/>
+                  </a:lnTo>
+                  <a:lnTo>
+                    <a:pt x="1997" y="9668"/>
+                  </a:lnTo>
+                  <a:lnTo>
+                    <a:pt x="1997" y="1"/>
+                  </a:lnTo>
+                  <a:close/>
+                </a:path>
+              </a:pathLst>
+            </a:custGeom>
+            <a:solidFill>
+              <a:schemeClr val="dk2"/>
+            </a:solidFill>
+            <a:ln>
+              <a:noFill/>
+            </a:ln>
+          </p:spPr>
+          <p:txBody>
+            <a:bodyPr spcFirstLastPara="1" wrap="square" lIns="91425" tIns="91425" rIns="91425" bIns="91425" anchor="ctr" anchorCtr="0">
+              <a:noAutofit/>
+            </a:bodyPr>
+            <a:lstStyle/>
+            <a:p>
+              <a:pPr marL="0" lvl="0" indent="0" algn="l" rtl="0">
+                <a:spcBef>
+                  <a:spcPts val="0"/>
+                </a:spcBef>
+                <a:spcAft>
+                  <a:spcPts val="0"/>
+                </a:spcAft>
+                <a:buNone/>
+              </a:pPr>
+              <a:endParaRPr/>
+            </a:p>
+          </p:txBody>
+        </p:sp>
+        <p:sp>
+          <p:nvSpPr>
+            <p:cNvPr id="1927" name="Google Shape;1927;p43"/>
+            <p:cNvSpPr/>
+            <p:nvPr/>
+          </p:nvSpPr>
+          <p:spPr>
+            <a:xfrm>
+              <a:off x="2898118" y="2706298"/>
+              <a:ext cx="60453" cy="357778"/>
+            </a:xfrm>
+            <a:custGeom>
+              <a:avLst/>
+              <a:gdLst/>
+              <a:ahLst/>
+              <a:cxnLst/>
+              <a:rect l="l" t="t" r="r" b="b"/>
+              <a:pathLst>
+                <a:path w="1969" h="11694" extrusionOk="0">
+                  <a:moveTo>
+                    <a:pt x="1" y="1"/>
+                  </a:moveTo>
+                  <a:lnTo>
+                    <a:pt x="1" y="11694"/>
+                  </a:lnTo>
+                  <a:lnTo>
+                    <a:pt x="1969" y="11694"/>
+                  </a:lnTo>
+                  <a:lnTo>
+                    <a:pt x="1969" y="1"/>
+                  </a:lnTo>
+                  <a:close/>
+                </a:path>
+              </a:pathLst>
+            </a:custGeom>
+            <a:solidFill>
+              <a:schemeClr val="lt1"/>
+            </a:solidFill>
+            <a:ln>
+              <a:noFill/>
+            </a:ln>
+          </p:spPr>
+          <p:txBody>
+            <a:bodyPr spcFirstLastPara="1" wrap="square" lIns="91425" tIns="91425" rIns="91425" bIns="91425" anchor="ctr" anchorCtr="0">
+              <a:noAutofit/>
+            </a:bodyPr>
+            <a:lstStyle/>
+            <a:p>
+              <a:pPr marL="0" lvl="0" indent="0" algn="l" rtl="0">
+                <a:spcBef>
+                  <a:spcPts val="0"/>
+                </a:spcBef>
+                <a:spcAft>
+                  <a:spcPts val="0"/>
+                </a:spcAft>
+                <a:buNone/>
+              </a:pPr>
+              <a:endParaRPr/>
+            </a:p>
+          </p:txBody>
+        </p:sp>
+        <p:sp>
+          <p:nvSpPr>
+            <p:cNvPr id="1928" name="Google Shape;1928;p43"/>
+            <p:cNvSpPr/>
+            <p:nvPr/>
+          </p:nvSpPr>
+          <p:spPr>
+            <a:xfrm>
+              <a:off x="2670551" y="2677080"/>
+              <a:ext cx="61344" cy="386996"/>
+            </a:xfrm>
+            <a:custGeom>
+              <a:avLst/>
+              <a:gdLst/>
+              <a:ahLst/>
+              <a:cxnLst/>
+              <a:rect l="l" t="t" r="r" b="b"/>
+              <a:pathLst>
+                <a:path w="1998" h="12649" extrusionOk="0">
+                  <a:moveTo>
+                    <a:pt x="0" y="1"/>
+                  </a:moveTo>
+                  <a:lnTo>
+                    <a:pt x="0" y="12649"/>
+                  </a:lnTo>
+                  <a:lnTo>
+                    <a:pt x="1997" y="12649"/>
+                  </a:lnTo>
+                  <a:lnTo>
+                    <a:pt x="1997" y="1"/>
+                  </a:lnTo>
+                  <a:close/>
+                </a:path>
+              </a:pathLst>
+            </a:custGeom>
+            <a:solidFill>
+              <a:schemeClr val="lt1"/>
+            </a:solidFill>
+            <a:ln>
+              <a:noFill/>
+            </a:ln>
+          </p:spPr>
+          <p:txBody>
+            <a:bodyPr spcFirstLastPara="1" wrap="square" lIns="91425" tIns="91425" rIns="91425" bIns="91425" anchor="ctr" anchorCtr="0">
+              <a:noAutofit/>
+            </a:bodyPr>
+            <a:lstStyle/>
+            <a:p>
+              <a:pPr marL="0" lvl="0" indent="0" algn="l" rtl="0">
+                <a:spcBef>
+                  <a:spcPts val="0"/>
+                </a:spcBef>
+                <a:spcAft>
+                  <a:spcPts val="0"/>
+                </a:spcAft>
+                <a:buNone/>
+              </a:pPr>
+              <a:endParaRPr/>
+            </a:p>
+          </p:txBody>
+        </p:sp>
+        <p:sp>
+          <p:nvSpPr>
+            <p:cNvPr id="1929" name="Google Shape;1929;p43"/>
+            <p:cNvSpPr/>
+            <p:nvPr/>
+          </p:nvSpPr>
+          <p:spPr>
+            <a:xfrm>
+              <a:off x="2287660" y="3198629"/>
+              <a:ext cx="598085" cy="162092"/>
+            </a:xfrm>
+            <a:custGeom>
+              <a:avLst/>
+              <a:gdLst/>
+              <a:ahLst/>
+              <a:cxnLst/>
+              <a:rect l="l" t="t" r="r" b="b"/>
+              <a:pathLst>
+                <a:path w="19480" h="5298" extrusionOk="0">
+                  <a:moveTo>
+                    <a:pt x="1" y="1"/>
+                  </a:moveTo>
+                  <a:lnTo>
+                    <a:pt x="1" y="5297"/>
+                  </a:lnTo>
+                  <a:lnTo>
+                    <a:pt x="19479" y="5297"/>
+                  </a:lnTo>
+                  <a:lnTo>
+                    <a:pt x="19479" y="1"/>
+                  </a:lnTo>
+                  <a:close/>
+                </a:path>
+              </a:pathLst>
+            </a:custGeom>
+            <a:solidFill>
+              <a:schemeClr val="dk2"/>
+            </a:solidFill>
+            <a:ln>
+              <a:noFill/>
+            </a:ln>
+          </p:spPr>
+          <p:txBody>
+            <a:bodyPr spcFirstLastPara="1" wrap="square" lIns="91425" tIns="91425" rIns="91425" bIns="91425" anchor="ctr" anchorCtr="0">
+              <a:noAutofit/>
+            </a:bodyPr>
+            <a:lstStyle/>
+            <a:p>
+              <a:pPr marL="0" lvl="0" indent="0" algn="l" rtl="0">
+                <a:spcBef>
+                  <a:spcPts val="0"/>
+                </a:spcBef>
+                <a:spcAft>
+                  <a:spcPts val="0"/>
+                </a:spcAft>
+                <a:buNone/>
+              </a:pPr>
+              <a:endParaRPr/>
+            </a:p>
+          </p:txBody>
+        </p:sp>
+        <p:sp>
+          <p:nvSpPr>
+            <p:cNvPr id="1930" name="Google Shape;1930;p43"/>
+            <p:cNvSpPr/>
+            <p:nvPr/>
+          </p:nvSpPr>
+          <p:spPr>
+            <a:xfrm>
+              <a:off x="2287660" y="3131351"/>
+              <a:ext cx="821108" cy="31"/>
+            </a:xfrm>
+            <a:custGeom>
+              <a:avLst/>
+              <a:gdLst/>
+              <a:ahLst/>
+              <a:cxnLst/>
+              <a:rect l="l" t="t" r="r" b="b"/>
+              <a:pathLst>
+                <a:path w="26744" h="1" fill="none" extrusionOk="0">
+                  <a:moveTo>
+                    <a:pt x="1" y="0"/>
+                  </a:moveTo>
+                  <a:lnTo>
+                    <a:pt x="26744" y="0"/>
+                  </a:lnTo>
+                </a:path>
+              </a:pathLst>
+            </a:custGeom>
+            <a:noFill/>
+            <a:ln w="9400" cap="flat" cmpd="sng">
+              <a:solidFill>
+                <a:schemeClr val="lt1"/>
+              </a:solidFill>
+              <a:prstDash val="solid"/>
+              <a:miter lim="28942"/>
+              <a:headEnd type="none" w="sm" len="sm"/>
+              <a:tailEnd type="none" w="sm" len="sm"/>
+            </a:ln>
+          </p:spPr>
+          <p:txBody>
+            <a:bodyPr spcFirstLastPara="1" wrap="square" lIns="91425" tIns="91425" rIns="91425" bIns="91425" anchor="ctr" anchorCtr="0">
+              <a:noAutofit/>
+            </a:bodyPr>
+            <a:lstStyle/>
+            <a:p>
+              <a:pPr marL="0" lvl="0" indent="0" algn="l" rtl="0">
+                <a:spcBef>
+                  <a:spcPts val="0"/>
+                </a:spcBef>
+                <a:spcAft>
+                  <a:spcPts val="0"/>
+                </a:spcAft>
+                <a:buNone/>
+              </a:pPr>
+              <a:endParaRPr/>
+            </a:p>
+          </p:txBody>
+        </p:sp>
+        <p:sp>
+          <p:nvSpPr>
+            <p:cNvPr id="1931" name="Google Shape;1931;p43"/>
+            <p:cNvSpPr/>
+            <p:nvPr/>
+          </p:nvSpPr>
+          <p:spPr>
+            <a:xfrm>
+              <a:off x="2273444" y="3438614"/>
+              <a:ext cx="835323" cy="31"/>
+            </a:xfrm>
+            <a:custGeom>
+              <a:avLst/>
+              <a:gdLst/>
+              <a:ahLst/>
+              <a:cxnLst/>
+              <a:rect l="l" t="t" r="r" b="b"/>
+              <a:pathLst>
+                <a:path w="27207" h="1" fill="none" extrusionOk="0">
+                  <a:moveTo>
+                    <a:pt x="1" y="0"/>
+                  </a:moveTo>
+                  <a:lnTo>
+                    <a:pt x="27207" y="0"/>
+                  </a:lnTo>
+                </a:path>
+              </a:pathLst>
+            </a:custGeom>
+            <a:noFill/>
+            <a:ln w="9400" cap="flat" cmpd="sng">
+              <a:solidFill>
+                <a:schemeClr val="lt1"/>
+              </a:solidFill>
+              <a:prstDash val="solid"/>
+              <a:miter lim="28942"/>
+              <a:headEnd type="none" w="sm" len="sm"/>
+              <a:tailEnd type="none" w="sm" len="sm"/>
+            </a:ln>
+          </p:spPr>
+          <p:txBody>
+            <a:bodyPr spcFirstLastPara="1" wrap="square" lIns="91425" tIns="91425" rIns="91425" bIns="91425" anchor="ctr" anchorCtr="0">
+              <a:noAutofit/>
+            </a:bodyPr>
+            <a:lstStyle/>
+            <a:p>
+              <a:pPr marL="0" lvl="0" indent="0" algn="l" rtl="0">
+                <a:spcBef>
+                  <a:spcPts val="0"/>
+                </a:spcBef>
+                <a:spcAft>
+                  <a:spcPts val="0"/>
+                </a:spcAft>
+                <a:buNone/>
+              </a:pPr>
+              <a:endParaRPr/>
+            </a:p>
+          </p:txBody>
+        </p:sp>
+        <p:sp>
+          <p:nvSpPr>
+            <p:cNvPr id="1932" name="Google Shape;1932;p43"/>
+            <p:cNvSpPr/>
+            <p:nvPr/>
+          </p:nvSpPr>
+          <p:spPr>
+            <a:xfrm>
+              <a:off x="2273444" y="3515651"/>
+              <a:ext cx="835323" cy="918"/>
+            </a:xfrm>
+            <a:custGeom>
+              <a:avLst/>
+              <a:gdLst/>
+              <a:ahLst/>
+              <a:cxnLst/>
+              <a:rect l="l" t="t" r="r" b="b"/>
+              <a:pathLst>
+                <a:path w="27207" h="30" fill="none" extrusionOk="0">
+                  <a:moveTo>
+                    <a:pt x="1" y="0"/>
+                  </a:moveTo>
+                  <a:cubicBezTo>
+                    <a:pt x="406" y="29"/>
+                    <a:pt x="27207" y="0"/>
+                    <a:pt x="27207" y="0"/>
+                  </a:cubicBezTo>
+                </a:path>
+              </a:pathLst>
+            </a:custGeom>
+            <a:noFill/>
+            <a:ln w="9400" cap="flat" cmpd="sng">
+              <a:solidFill>
+                <a:schemeClr val="lt1"/>
+              </a:solidFill>
+              <a:prstDash val="solid"/>
+              <a:miter lim="28942"/>
+              <a:headEnd type="none" w="sm" len="sm"/>
+              <a:tailEnd type="none" w="sm" len="sm"/>
+            </a:ln>
+          </p:spPr>
+          <p:txBody>
+            <a:bodyPr spcFirstLastPara="1" wrap="square" lIns="91425" tIns="91425" rIns="91425" bIns="91425" anchor="ctr" anchorCtr="0">
+              <a:noAutofit/>
+            </a:bodyPr>
+            <a:lstStyle/>
+            <a:p>
+              <a:pPr marL="0" lvl="0" indent="0" algn="l" rtl="0">
+                <a:spcBef>
+                  <a:spcPts val="0"/>
+                </a:spcBef>
+                <a:spcAft>
+                  <a:spcPts val="0"/>
+                </a:spcAft>
+                <a:buNone/>
+              </a:pPr>
+              <a:endParaRPr/>
+            </a:p>
+          </p:txBody>
+        </p:sp>
+        <p:sp>
+          <p:nvSpPr>
+            <p:cNvPr id="1933" name="Google Shape;1933;p43"/>
+            <p:cNvSpPr/>
+            <p:nvPr/>
+          </p:nvSpPr>
+          <p:spPr>
+            <a:xfrm>
+              <a:off x="899625" y="2194510"/>
+              <a:ext cx="1279619" cy="1693984"/>
+            </a:xfrm>
+            <a:custGeom>
+              <a:avLst/>
+              <a:gdLst/>
+              <a:ahLst/>
+              <a:cxnLst/>
+              <a:rect l="l" t="t" r="r" b="b"/>
+              <a:pathLst>
+                <a:path w="41678" h="55368" extrusionOk="0">
+                  <a:moveTo>
+                    <a:pt x="0" y="0"/>
+                  </a:moveTo>
+                  <a:lnTo>
+                    <a:pt x="0" y="55367"/>
+                  </a:lnTo>
+                  <a:lnTo>
+                    <a:pt x="41678" y="55367"/>
+                  </a:lnTo>
+                  <a:lnTo>
+                    <a:pt x="41678" y="0"/>
+                  </a:lnTo>
+                  <a:close/>
+                </a:path>
+              </a:pathLst>
+            </a:custGeom>
+            <a:solidFill>
+              <a:schemeClr val="accent1"/>
+            </a:solidFill>
+            <a:ln>
+              <a:noFill/>
+            </a:ln>
+          </p:spPr>
+          <p:txBody>
+            <a:bodyPr spcFirstLastPara="1" wrap="square" lIns="91425" tIns="91425" rIns="91425" bIns="91425" anchor="ctr" anchorCtr="0">
+              <a:noAutofit/>
+            </a:bodyPr>
+            <a:lstStyle/>
+            <a:p>
+              <a:pPr marL="0" lvl="0" indent="0" algn="l" rtl="0">
+                <a:spcBef>
+                  <a:spcPts val="0"/>
+                </a:spcBef>
+                <a:spcAft>
+                  <a:spcPts val="0"/>
+                </a:spcAft>
+                <a:buNone/>
+              </a:pPr>
+              <a:endParaRPr/>
+            </a:p>
+          </p:txBody>
+        </p:sp>
+        <p:sp>
+          <p:nvSpPr>
+            <p:cNvPr id="1934" name="Google Shape;1934;p43"/>
+            <p:cNvSpPr/>
+            <p:nvPr/>
+          </p:nvSpPr>
+          <p:spPr>
+            <a:xfrm>
+              <a:off x="977826" y="2276840"/>
+              <a:ext cx="1140997" cy="370169"/>
+            </a:xfrm>
+            <a:custGeom>
+              <a:avLst/>
+              <a:gdLst/>
+              <a:ahLst/>
+              <a:cxnLst/>
+              <a:rect l="l" t="t" r="r" b="b"/>
+              <a:pathLst>
+                <a:path w="37163" h="12099" extrusionOk="0">
+                  <a:moveTo>
+                    <a:pt x="0" y="1"/>
+                  </a:moveTo>
+                  <a:lnTo>
+                    <a:pt x="0" y="12099"/>
+                  </a:lnTo>
+                  <a:lnTo>
+                    <a:pt x="37163" y="12099"/>
+                  </a:lnTo>
+                  <a:lnTo>
+                    <a:pt x="37163" y="1"/>
+                  </a:lnTo>
+                  <a:close/>
+                </a:path>
+              </a:pathLst>
+            </a:custGeom>
+            <a:solidFill>
+              <a:schemeClr val="dk2"/>
+            </a:solidFill>
+            <a:ln>
+              <a:noFill/>
+            </a:ln>
+          </p:spPr>
+          <p:txBody>
+            <a:bodyPr spcFirstLastPara="1" wrap="square" lIns="91425" tIns="91425" rIns="91425" bIns="91425" anchor="ctr" anchorCtr="0">
+              <a:noAutofit/>
+            </a:bodyPr>
+            <a:lstStyle/>
+            <a:p>
+              <a:pPr marL="0" lvl="0" indent="0" algn="l" rtl="0">
+                <a:spcBef>
+                  <a:spcPts val="0"/>
+                </a:spcBef>
+                <a:spcAft>
+                  <a:spcPts val="0"/>
+                </a:spcAft>
+                <a:buNone/>
+              </a:pPr>
+              <a:endParaRPr/>
+            </a:p>
+          </p:txBody>
+        </p:sp>
+        <p:sp>
+          <p:nvSpPr>
+            <p:cNvPr id="1935" name="Google Shape;1935;p43"/>
+            <p:cNvSpPr/>
+            <p:nvPr/>
+          </p:nvSpPr>
+          <p:spPr>
+            <a:xfrm>
+              <a:off x="978717" y="2747050"/>
+              <a:ext cx="1108115" cy="215205"/>
+            </a:xfrm>
+            <a:custGeom>
+              <a:avLst/>
+              <a:gdLst/>
+              <a:ahLst/>
+              <a:cxnLst/>
+              <a:rect l="l" t="t" r="r" b="b"/>
+              <a:pathLst>
+                <a:path w="36092" h="7034" extrusionOk="0">
+                  <a:moveTo>
+                    <a:pt x="0" y="0"/>
+                  </a:moveTo>
+                  <a:lnTo>
+                    <a:pt x="0" y="7033"/>
+                  </a:lnTo>
+                  <a:lnTo>
+                    <a:pt x="36092" y="7033"/>
+                  </a:lnTo>
+                  <a:lnTo>
+                    <a:pt x="36092" y="0"/>
+                  </a:lnTo>
+                  <a:close/>
+                </a:path>
+              </a:pathLst>
+            </a:custGeom>
+            <a:solidFill>
+              <a:schemeClr val="lt1"/>
+            </a:solidFill>
+            <a:ln>
+              <a:noFill/>
+            </a:ln>
+          </p:spPr>
+          <p:txBody>
+            <a:bodyPr spcFirstLastPara="1" wrap="square" lIns="91425" tIns="91425" rIns="91425" bIns="91425" anchor="ctr" anchorCtr="0">
+              <a:noAutofit/>
+            </a:bodyPr>
+            <a:lstStyle/>
+            <a:p>
+              <a:pPr marL="0" lvl="0" indent="0" algn="l" rtl="0">
+                <a:spcBef>
+                  <a:spcPts val="0"/>
+                </a:spcBef>
+                <a:spcAft>
+                  <a:spcPts val="0"/>
+                </a:spcAft>
+                <a:buNone/>
+              </a:pPr>
+              <a:endParaRPr/>
+            </a:p>
+          </p:txBody>
+        </p:sp>
+        <p:sp>
+          <p:nvSpPr>
+            <p:cNvPr id="1936" name="Google Shape;1936;p43"/>
+            <p:cNvSpPr/>
+            <p:nvPr/>
+          </p:nvSpPr>
+          <p:spPr>
+            <a:xfrm>
+              <a:off x="978717" y="3024208"/>
+              <a:ext cx="1108115" cy="214318"/>
+            </a:xfrm>
+            <a:custGeom>
+              <a:avLst/>
+              <a:gdLst/>
+              <a:ahLst/>
+              <a:cxnLst/>
+              <a:rect l="l" t="t" r="r" b="b"/>
+              <a:pathLst>
+                <a:path w="36092" h="7005" extrusionOk="0">
+                  <a:moveTo>
+                    <a:pt x="0" y="0"/>
+                  </a:moveTo>
+                  <a:lnTo>
+                    <a:pt x="0" y="7004"/>
+                  </a:lnTo>
+                  <a:lnTo>
+                    <a:pt x="36092" y="7004"/>
+                  </a:lnTo>
+                  <a:lnTo>
+                    <a:pt x="36092" y="0"/>
+                  </a:lnTo>
+                  <a:close/>
+                </a:path>
+              </a:pathLst>
+            </a:custGeom>
+            <a:solidFill>
+              <a:schemeClr val="lt1"/>
+            </a:solidFill>
+            <a:ln>
+              <a:noFill/>
+            </a:ln>
+          </p:spPr>
+          <p:txBody>
+            <a:bodyPr spcFirstLastPara="1" wrap="square" lIns="91425" tIns="91425" rIns="91425" bIns="91425" anchor="ctr" anchorCtr="0">
+              <a:noAutofit/>
+            </a:bodyPr>
+            <a:lstStyle/>
+            <a:p>
+              <a:pPr marL="0" lvl="0" indent="0" algn="l" rtl="0">
+                <a:spcBef>
+                  <a:spcPts val="0"/>
+                </a:spcBef>
+                <a:spcAft>
+                  <a:spcPts val="0"/>
+                </a:spcAft>
+                <a:buNone/>
+              </a:pPr>
+              <a:endParaRPr/>
+            </a:p>
+          </p:txBody>
+        </p:sp>
+        <p:sp>
+          <p:nvSpPr>
+            <p:cNvPr id="1937" name="Google Shape;1937;p43"/>
+            <p:cNvSpPr/>
+            <p:nvPr/>
+          </p:nvSpPr>
+          <p:spPr>
+            <a:xfrm>
+              <a:off x="978717" y="3300478"/>
+              <a:ext cx="1108115" cy="215205"/>
+            </a:xfrm>
+            <a:custGeom>
+              <a:avLst/>
+              <a:gdLst/>
+              <a:ahLst/>
+              <a:cxnLst/>
+              <a:rect l="l" t="t" r="r" b="b"/>
+              <a:pathLst>
+                <a:path w="36092" h="7034" extrusionOk="0">
+                  <a:moveTo>
+                    <a:pt x="0" y="0"/>
+                  </a:moveTo>
+                  <a:lnTo>
+                    <a:pt x="0" y="7033"/>
+                  </a:lnTo>
+                  <a:lnTo>
+                    <a:pt x="36092" y="7033"/>
+                  </a:lnTo>
+                  <a:lnTo>
+                    <a:pt x="36092" y="0"/>
+                  </a:lnTo>
+                  <a:close/>
+                </a:path>
+              </a:pathLst>
+            </a:custGeom>
+            <a:solidFill>
+              <a:schemeClr val="lt1"/>
+            </a:solidFill>
+            <a:ln>
+              <a:noFill/>
+            </a:ln>
+          </p:spPr>
+          <p:txBody>
+            <a:bodyPr spcFirstLastPara="1" wrap="square" lIns="91425" tIns="91425" rIns="91425" bIns="91425" anchor="ctr" anchorCtr="0">
+              <a:noAutofit/>
+            </a:bodyPr>
+            <a:lstStyle/>
+            <a:p>
+              <a:pPr marL="0" lvl="0" indent="0" algn="l" rtl="0">
+                <a:spcBef>
+                  <a:spcPts val="0"/>
+                </a:spcBef>
+                <a:spcAft>
+                  <a:spcPts val="0"/>
+                </a:spcAft>
+                <a:buNone/>
+              </a:pPr>
+              <a:endParaRPr/>
+            </a:p>
+          </p:txBody>
+        </p:sp>
+        <p:sp>
+          <p:nvSpPr>
+            <p:cNvPr id="1938" name="Google Shape;1938;p43"/>
+            <p:cNvSpPr/>
+            <p:nvPr/>
+          </p:nvSpPr>
+          <p:spPr>
+            <a:xfrm>
+              <a:off x="978717" y="3577636"/>
+              <a:ext cx="1108115" cy="214318"/>
+            </a:xfrm>
+            <a:custGeom>
+              <a:avLst/>
+              <a:gdLst/>
+              <a:ahLst/>
+              <a:cxnLst/>
+              <a:rect l="l" t="t" r="r" b="b"/>
+              <a:pathLst>
+                <a:path w="36092" h="7005" extrusionOk="0">
+                  <a:moveTo>
+                    <a:pt x="0" y="0"/>
+                  </a:moveTo>
+                  <a:lnTo>
+                    <a:pt x="0" y="7004"/>
+                  </a:lnTo>
+                  <a:lnTo>
+                    <a:pt x="36092" y="7004"/>
+                  </a:lnTo>
+                  <a:lnTo>
+                    <a:pt x="36092" y="0"/>
+                  </a:lnTo>
+                  <a:close/>
+                </a:path>
+              </a:pathLst>
+            </a:custGeom>
+            <a:solidFill>
+              <a:schemeClr val="lt1"/>
+            </a:solidFill>
+            <a:ln>
+              <a:noFill/>
+            </a:ln>
+          </p:spPr>
+          <p:txBody>
+            <a:bodyPr spcFirstLastPara="1" wrap="square" lIns="91425" tIns="91425" rIns="91425" bIns="91425" anchor="ctr" anchorCtr="0">
+              <a:noAutofit/>
+            </a:bodyPr>
+            <a:lstStyle/>
+            <a:p>
+              <a:pPr marL="0" lvl="0" indent="0" algn="l" rtl="0">
+                <a:spcBef>
+                  <a:spcPts val="0"/>
+                </a:spcBef>
+                <a:spcAft>
+                  <a:spcPts val="0"/>
+                </a:spcAft>
+                <a:buNone/>
+              </a:pPr>
+              <a:endParaRPr/>
+            </a:p>
+          </p:txBody>
+        </p:sp>
+        <p:sp>
+          <p:nvSpPr>
+            <p:cNvPr id="1939" name="Google Shape;1939;p43"/>
+            <p:cNvSpPr/>
+            <p:nvPr/>
+          </p:nvSpPr>
+          <p:spPr>
+            <a:xfrm>
+              <a:off x="1208869" y="2706298"/>
+              <a:ext cx="68467" cy="1130822"/>
+            </a:xfrm>
+            <a:custGeom>
+              <a:avLst/>
+              <a:gdLst/>
+              <a:ahLst/>
+              <a:cxnLst/>
+              <a:rect l="l" t="t" r="r" b="b"/>
+              <a:pathLst>
+                <a:path w="2230" h="36961" extrusionOk="0">
+                  <a:moveTo>
+                    <a:pt x="0" y="1"/>
+                  </a:moveTo>
+                  <a:lnTo>
+                    <a:pt x="0" y="36961"/>
+                  </a:lnTo>
+                  <a:lnTo>
+                    <a:pt x="2229" y="36961"/>
+                  </a:lnTo>
+                  <a:lnTo>
+                    <a:pt x="2229" y="1"/>
+                  </a:lnTo>
+                  <a:close/>
+                </a:path>
+              </a:pathLst>
+            </a:custGeom>
+            <a:solidFill>
+              <a:schemeClr val="accent1"/>
+            </a:solidFill>
+            <a:ln>
+              <a:noFill/>
+            </a:ln>
+          </p:spPr>
+          <p:txBody>
+            <a:bodyPr spcFirstLastPara="1" wrap="square" lIns="91425" tIns="91425" rIns="91425" bIns="91425" anchor="ctr" anchorCtr="0">
+              <a:noAutofit/>
+            </a:bodyPr>
+            <a:lstStyle/>
+            <a:p>
+              <a:pPr marL="0" lvl="0" indent="0" algn="l" rtl="0">
+                <a:spcBef>
+                  <a:spcPts val="0"/>
+                </a:spcBef>
+                <a:spcAft>
+                  <a:spcPts val="0"/>
+                </a:spcAft>
+                <a:buNone/>
+              </a:pPr>
+              <a:endParaRPr/>
+            </a:p>
+          </p:txBody>
+        </p:sp>
+        <p:sp>
+          <p:nvSpPr>
+            <p:cNvPr id="1940" name="Google Shape;1940;p43"/>
+            <p:cNvSpPr/>
+            <p:nvPr/>
+          </p:nvSpPr>
+          <p:spPr>
+            <a:xfrm>
+              <a:off x="1509239" y="2706298"/>
+              <a:ext cx="67545" cy="1130822"/>
+            </a:xfrm>
+            <a:custGeom>
+              <a:avLst/>
+              <a:gdLst/>
+              <a:ahLst/>
+              <a:cxnLst/>
+              <a:rect l="l" t="t" r="r" b="b"/>
+              <a:pathLst>
+                <a:path w="2200" h="36961" extrusionOk="0">
+                  <a:moveTo>
+                    <a:pt x="0" y="1"/>
+                  </a:moveTo>
+                  <a:lnTo>
+                    <a:pt x="0" y="36961"/>
+                  </a:lnTo>
+                  <a:lnTo>
+                    <a:pt x="2200" y="36961"/>
+                  </a:lnTo>
+                  <a:lnTo>
+                    <a:pt x="2200" y="1"/>
+                  </a:lnTo>
+                  <a:close/>
+                </a:path>
+              </a:pathLst>
+            </a:custGeom>
+            <a:solidFill>
+              <a:schemeClr val="accent1"/>
+            </a:solidFill>
+            <a:ln>
+              <a:noFill/>
+            </a:ln>
+          </p:spPr>
+          <p:txBody>
+            <a:bodyPr spcFirstLastPara="1" wrap="square" lIns="91425" tIns="91425" rIns="91425" bIns="91425" anchor="ctr" anchorCtr="0">
+              <a:noAutofit/>
+            </a:bodyPr>
+            <a:lstStyle/>
+            <a:p>
+              <a:pPr marL="0" lvl="0" indent="0" algn="l" rtl="0">
+                <a:spcBef>
+                  <a:spcPts val="0"/>
+                </a:spcBef>
+                <a:spcAft>
+                  <a:spcPts val="0"/>
+                </a:spcAft>
+                <a:buNone/>
+              </a:pPr>
+              <a:endParaRPr/>
+            </a:p>
+          </p:txBody>
+        </p:sp>
+        <p:sp>
+          <p:nvSpPr>
+            <p:cNvPr id="1941" name="Google Shape;1941;p43"/>
+            <p:cNvSpPr/>
+            <p:nvPr/>
+          </p:nvSpPr>
+          <p:spPr>
+            <a:xfrm>
+              <a:off x="1798034" y="2706298"/>
+              <a:ext cx="67546" cy="1130822"/>
+            </a:xfrm>
+            <a:custGeom>
+              <a:avLst/>
+              <a:gdLst/>
+              <a:ahLst/>
+              <a:cxnLst/>
+              <a:rect l="l" t="t" r="r" b="b"/>
+              <a:pathLst>
+                <a:path w="2200" h="36961" extrusionOk="0">
+                  <a:moveTo>
+                    <a:pt x="0" y="1"/>
+                  </a:moveTo>
+                  <a:lnTo>
+                    <a:pt x="0" y="36961"/>
+                  </a:lnTo>
+                  <a:lnTo>
+                    <a:pt x="2200" y="36961"/>
+                  </a:lnTo>
+                  <a:lnTo>
+                    <a:pt x="2200" y="1"/>
+                  </a:lnTo>
+                  <a:close/>
+                </a:path>
+              </a:pathLst>
+            </a:custGeom>
+            <a:solidFill>
+              <a:schemeClr val="accent1"/>
+            </a:solidFill>
+            <a:ln>
+              <a:noFill/>
+            </a:ln>
+          </p:spPr>
+          <p:txBody>
+            <a:bodyPr spcFirstLastPara="1" wrap="square" lIns="91425" tIns="91425" rIns="91425" bIns="91425" anchor="ctr" anchorCtr="0">
+              <a:noAutofit/>
+            </a:bodyPr>
+            <a:lstStyle/>
+            <a:p>
+              <a:pPr marL="0" lvl="0" indent="0" algn="l" rtl="0">
+                <a:spcBef>
+                  <a:spcPts val="0"/>
+                </a:spcBef>
+                <a:spcAft>
+                  <a:spcPts val="0"/>
+                </a:spcAft>
+                <a:buNone/>
+              </a:pPr>
+              <a:endParaRPr/>
+            </a:p>
+          </p:txBody>
+        </p:sp>
+        <p:sp>
+          <p:nvSpPr>
+            <p:cNvPr id="1942" name="Google Shape;1942;p43"/>
+            <p:cNvSpPr/>
+            <p:nvPr/>
+          </p:nvSpPr>
+          <p:spPr>
+            <a:xfrm>
+              <a:off x="1327936" y="2854193"/>
+              <a:ext cx="141324" cy="31"/>
+            </a:xfrm>
+            <a:custGeom>
+              <a:avLst/>
+              <a:gdLst/>
+              <a:ahLst/>
+              <a:cxnLst/>
+              <a:rect l="l" t="t" r="r" b="b"/>
+              <a:pathLst>
+                <a:path w="4603" h="1" fill="none" extrusionOk="0">
+                  <a:moveTo>
+                    <a:pt x="1" y="0"/>
+                  </a:moveTo>
+                  <a:lnTo>
+                    <a:pt x="4603" y="0"/>
+                  </a:lnTo>
+                </a:path>
+              </a:pathLst>
+            </a:custGeom>
+            <a:noFill/>
+            <a:ln w="36175" cap="flat" cmpd="sng">
+              <a:solidFill>
+                <a:schemeClr val="lt2"/>
+              </a:solidFill>
+              <a:prstDash val="solid"/>
+              <a:miter lim="28942"/>
+              <a:headEnd type="none" w="sm" len="sm"/>
+              <a:tailEnd type="none" w="sm" len="sm"/>
+            </a:ln>
+          </p:spPr>
+          <p:txBody>
+            <a:bodyPr spcFirstLastPara="1" wrap="square" lIns="91425" tIns="91425" rIns="91425" bIns="91425" anchor="ctr" anchorCtr="0">
+              <a:noAutofit/>
+            </a:bodyPr>
+            <a:lstStyle/>
+            <a:p>
+              <a:pPr marL="0" lvl="0" indent="0" algn="l" rtl="0">
+                <a:spcBef>
+                  <a:spcPts val="0"/>
+                </a:spcBef>
+                <a:spcAft>
+                  <a:spcPts val="0"/>
+                </a:spcAft>
+                <a:buNone/>
+              </a:pPr>
+              <a:endParaRPr/>
+            </a:p>
+          </p:txBody>
+        </p:sp>
+        <p:sp>
+          <p:nvSpPr>
+            <p:cNvPr id="1943" name="Google Shape;1943;p43"/>
+            <p:cNvSpPr/>
+            <p:nvPr/>
+          </p:nvSpPr>
+          <p:spPr>
+            <a:xfrm>
+              <a:off x="1327936" y="3131351"/>
+              <a:ext cx="141324" cy="31"/>
+            </a:xfrm>
+            <a:custGeom>
+              <a:avLst/>
+              <a:gdLst/>
+              <a:ahLst/>
+              <a:cxnLst/>
+              <a:rect l="l" t="t" r="r" b="b"/>
+              <a:pathLst>
+                <a:path w="4603" h="1" fill="none" extrusionOk="0">
+                  <a:moveTo>
+                    <a:pt x="1" y="0"/>
+                  </a:moveTo>
+                  <a:lnTo>
+                    <a:pt x="4603" y="0"/>
+                  </a:lnTo>
+                </a:path>
+              </a:pathLst>
+            </a:custGeom>
+            <a:noFill/>
+            <a:ln w="36175" cap="flat" cmpd="sng">
+              <a:solidFill>
+                <a:schemeClr val="lt2"/>
+              </a:solidFill>
+              <a:prstDash val="solid"/>
+              <a:miter lim="28942"/>
+              <a:headEnd type="none" w="sm" len="sm"/>
+              <a:tailEnd type="none" w="sm" len="sm"/>
+            </a:ln>
+          </p:spPr>
+          <p:txBody>
+            <a:bodyPr spcFirstLastPara="1" wrap="square" lIns="91425" tIns="91425" rIns="91425" bIns="91425" anchor="ctr" anchorCtr="0">
+              <a:noAutofit/>
+            </a:bodyPr>
+            <a:lstStyle/>
+            <a:p>
+              <a:pPr marL="0" lvl="0" indent="0" algn="l" rtl="0">
+                <a:spcBef>
+                  <a:spcPts val="0"/>
+                </a:spcBef>
+                <a:spcAft>
+                  <a:spcPts val="0"/>
+                </a:spcAft>
+                <a:buNone/>
+              </a:pPr>
+              <a:endParaRPr/>
+            </a:p>
+          </p:txBody>
+        </p:sp>
+        <p:sp>
+          <p:nvSpPr>
+            <p:cNvPr id="1944" name="Google Shape;1944;p43"/>
+            <p:cNvSpPr/>
+            <p:nvPr/>
+          </p:nvSpPr>
+          <p:spPr>
+            <a:xfrm>
+              <a:off x="1361710" y="3043697"/>
+              <a:ext cx="71997" cy="54918"/>
+            </a:xfrm>
+            <a:custGeom>
+              <a:avLst/>
+              <a:gdLst/>
+              <a:ahLst/>
+              <a:cxnLst/>
+              <a:rect l="l" t="t" r="r" b="b"/>
+              <a:pathLst>
+                <a:path w="2345" h="1795" extrusionOk="0">
+                  <a:moveTo>
+                    <a:pt x="1187" y="0"/>
+                  </a:moveTo>
+                  <a:cubicBezTo>
+                    <a:pt x="1" y="0"/>
+                    <a:pt x="1" y="1794"/>
+                    <a:pt x="1187" y="1794"/>
+                  </a:cubicBezTo>
+                  <a:cubicBezTo>
+                    <a:pt x="2345" y="1794"/>
+                    <a:pt x="2345" y="0"/>
+                    <a:pt x="1187" y="0"/>
+                  </a:cubicBezTo>
+                  <a:close/>
+                </a:path>
+              </a:pathLst>
+            </a:custGeom>
+            <a:solidFill>
+              <a:schemeClr val="lt2"/>
+            </a:solidFill>
+            <a:ln>
+              <a:noFill/>
+            </a:ln>
+          </p:spPr>
+          <p:txBody>
+            <a:bodyPr spcFirstLastPara="1" wrap="square" lIns="91425" tIns="91425" rIns="91425" bIns="91425" anchor="ctr" anchorCtr="0">
+              <a:noAutofit/>
+            </a:bodyPr>
+            <a:lstStyle/>
+            <a:p>
+              <a:pPr marL="0" lvl="0" indent="0" algn="l" rtl="0">
+                <a:spcBef>
+                  <a:spcPts val="0"/>
+                </a:spcBef>
+                <a:spcAft>
+                  <a:spcPts val="0"/>
+                </a:spcAft>
+                <a:buNone/>
+              </a:pPr>
+              <a:endParaRPr/>
+            </a:p>
+          </p:txBody>
+        </p:sp>
+        <p:sp>
+          <p:nvSpPr>
+            <p:cNvPr id="1945" name="Google Shape;1945;p43"/>
+            <p:cNvSpPr/>
+            <p:nvPr/>
+          </p:nvSpPr>
+          <p:spPr>
+            <a:xfrm>
+              <a:off x="1361710" y="3165005"/>
+              <a:ext cx="71997" cy="55805"/>
+            </a:xfrm>
+            <a:custGeom>
+              <a:avLst/>
+              <a:gdLst/>
+              <a:ahLst/>
+              <a:cxnLst/>
+              <a:rect l="l" t="t" r="r" b="b"/>
+              <a:pathLst>
+                <a:path w="2345" h="1824" extrusionOk="0">
+                  <a:moveTo>
+                    <a:pt x="1187" y="0"/>
+                  </a:moveTo>
+                  <a:cubicBezTo>
+                    <a:pt x="1" y="0"/>
+                    <a:pt x="1" y="1824"/>
+                    <a:pt x="1187" y="1824"/>
+                  </a:cubicBezTo>
+                  <a:cubicBezTo>
+                    <a:pt x="2345" y="1824"/>
+                    <a:pt x="2345" y="0"/>
+                    <a:pt x="1187" y="0"/>
+                  </a:cubicBezTo>
+                  <a:close/>
+                </a:path>
+              </a:pathLst>
+            </a:custGeom>
+            <a:solidFill>
+              <a:schemeClr val="lt2"/>
+            </a:solidFill>
+            <a:ln>
+              <a:noFill/>
+            </a:ln>
+          </p:spPr>
+          <p:txBody>
+            <a:bodyPr spcFirstLastPara="1" wrap="square" lIns="91425" tIns="91425" rIns="91425" bIns="91425" anchor="ctr" anchorCtr="0">
+              <a:noAutofit/>
+            </a:bodyPr>
+            <a:lstStyle/>
+            <a:p>
+              <a:pPr marL="0" lvl="0" indent="0" algn="l" rtl="0">
+                <a:spcBef>
+                  <a:spcPts val="0"/>
+                </a:spcBef>
+                <a:spcAft>
+                  <a:spcPts val="0"/>
+                </a:spcAft>
+                <a:buNone/>
+              </a:pPr>
+              <a:endParaRPr/>
+            </a:p>
+          </p:txBody>
+        </p:sp>
+        <p:sp>
+          <p:nvSpPr>
+            <p:cNvPr id="1946" name="Google Shape;1946;p43"/>
+            <p:cNvSpPr/>
+            <p:nvPr/>
+          </p:nvSpPr>
+          <p:spPr>
+            <a:xfrm>
+              <a:off x="1865582" y="2747050"/>
+              <a:ext cx="221273" cy="215205"/>
+            </a:xfrm>
+            <a:custGeom>
+              <a:avLst/>
+              <a:gdLst/>
+              <a:ahLst/>
+              <a:cxnLst/>
+              <a:rect l="l" t="t" r="r" b="b"/>
+              <a:pathLst>
+                <a:path w="7207" h="7034" extrusionOk="0">
+                  <a:moveTo>
+                    <a:pt x="0" y="0"/>
+                  </a:moveTo>
+                  <a:lnTo>
+                    <a:pt x="0" y="7033"/>
+                  </a:lnTo>
+                  <a:lnTo>
+                    <a:pt x="7207" y="7033"/>
+                  </a:lnTo>
+                  <a:lnTo>
+                    <a:pt x="7207" y="0"/>
+                  </a:lnTo>
+                  <a:close/>
+                </a:path>
+              </a:pathLst>
+            </a:custGeom>
+            <a:solidFill>
+              <a:schemeClr val="lt2"/>
+            </a:solidFill>
+            <a:ln>
+              <a:noFill/>
+            </a:ln>
+          </p:spPr>
+          <p:txBody>
+            <a:bodyPr spcFirstLastPara="1" wrap="square" lIns="91425" tIns="91425" rIns="91425" bIns="91425" anchor="ctr" anchorCtr="0">
+              <a:noAutofit/>
+            </a:bodyPr>
+            <a:lstStyle/>
+            <a:p>
+              <a:pPr marL="0" lvl="0" indent="0" algn="l" rtl="0">
+                <a:spcBef>
+                  <a:spcPts val="0"/>
+                </a:spcBef>
+                <a:spcAft>
+                  <a:spcPts val="0"/>
+                </a:spcAft>
+                <a:buNone/>
+              </a:pPr>
+              <a:endParaRPr/>
+            </a:p>
+          </p:txBody>
+        </p:sp>
+        <p:sp>
+          <p:nvSpPr>
+            <p:cNvPr id="1947" name="Google Shape;1947;p43"/>
+            <p:cNvSpPr/>
+            <p:nvPr/>
+          </p:nvSpPr>
+          <p:spPr>
+            <a:xfrm>
+              <a:off x="1865582" y="3024208"/>
+              <a:ext cx="221273" cy="214318"/>
+            </a:xfrm>
+            <a:custGeom>
+              <a:avLst/>
+              <a:gdLst/>
+              <a:ahLst/>
+              <a:cxnLst/>
+              <a:rect l="l" t="t" r="r" b="b"/>
+              <a:pathLst>
+                <a:path w="7207" h="7005" extrusionOk="0">
+                  <a:moveTo>
+                    <a:pt x="0" y="0"/>
+                  </a:moveTo>
+                  <a:lnTo>
+                    <a:pt x="0" y="7004"/>
+                  </a:lnTo>
+                  <a:lnTo>
+                    <a:pt x="7207" y="7004"/>
+                  </a:lnTo>
+                  <a:lnTo>
+                    <a:pt x="7207" y="0"/>
+                  </a:lnTo>
+                  <a:close/>
+                </a:path>
+              </a:pathLst>
+            </a:custGeom>
+            <a:solidFill>
+              <a:schemeClr val="lt1"/>
+            </a:solidFill>
+            <a:ln>
+              <a:noFill/>
+            </a:ln>
+          </p:spPr>
+          <p:txBody>
+            <a:bodyPr spcFirstLastPara="1" wrap="square" lIns="91425" tIns="91425" rIns="91425" bIns="91425" anchor="ctr" anchorCtr="0">
+              <a:noAutofit/>
+            </a:bodyPr>
+            <a:lstStyle/>
+            <a:p>
+              <a:pPr marL="0" lvl="0" indent="0" algn="l" rtl="0">
+                <a:spcBef>
+                  <a:spcPts val="0"/>
+                </a:spcBef>
+                <a:spcAft>
+                  <a:spcPts val="0"/>
+                </a:spcAft>
+                <a:buNone/>
+              </a:pPr>
+              <a:endParaRPr/>
+            </a:p>
+          </p:txBody>
+        </p:sp>
+        <p:sp>
+          <p:nvSpPr>
+            <p:cNvPr id="1948" name="Google Shape;1948;p43"/>
+            <p:cNvSpPr/>
+            <p:nvPr/>
+          </p:nvSpPr>
+          <p:spPr>
+            <a:xfrm>
+              <a:off x="1865582" y="3300478"/>
+              <a:ext cx="221273" cy="215205"/>
+            </a:xfrm>
+            <a:custGeom>
+              <a:avLst/>
+              <a:gdLst/>
+              <a:ahLst/>
+              <a:cxnLst/>
+              <a:rect l="l" t="t" r="r" b="b"/>
+              <a:pathLst>
+                <a:path w="7207" h="7034" extrusionOk="0">
+                  <a:moveTo>
+                    <a:pt x="0" y="0"/>
+                  </a:moveTo>
+                  <a:lnTo>
+                    <a:pt x="0" y="7033"/>
+                  </a:lnTo>
+                  <a:lnTo>
+                    <a:pt x="7207" y="7033"/>
+                  </a:lnTo>
+                  <a:lnTo>
+                    <a:pt x="7207" y="0"/>
+                  </a:lnTo>
+                  <a:close/>
+                </a:path>
+              </a:pathLst>
+            </a:custGeom>
+            <a:solidFill>
+              <a:schemeClr val="lt1"/>
+            </a:solidFill>
+            <a:ln>
+              <a:noFill/>
+            </a:ln>
+          </p:spPr>
+          <p:txBody>
+            <a:bodyPr spcFirstLastPara="1" wrap="square" lIns="91425" tIns="91425" rIns="91425" bIns="91425" anchor="ctr" anchorCtr="0">
+              <a:noAutofit/>
+            </a:bodyPr>
+            <a:lstStyle/>
+            <a:p>
+              <a:pPr marL="0" lvl="0" indent="0" algn="l" rtl="0">
+                <a:spcBef>
+                  <a:spcPts val="0"/>
+                </a:spcBef>
+                <a:spcAft>
+                  <a:spcPts val="0"/>
+                </a:spcAft>
+                <a:buNone/>
+              </a:pPr>
+              <a:endParaRPr/>
+            </a:p>
+          </p:txBody>
+        </p:sp>
+        <p:sp>
+          <p:nvSpPr>
+            <p:cNvPr id="1949" name="Google Shape;1949;p43"/>
+            <p:cNvSpPr/>
+            <p:nvPr/>
+          </p:nvSpPr>
+          <p:spPr>
+            <a:xfrm>
+              <a:off x="2273444" y="2706298"/>
+              <a:ext cx="737566" cy="357778"/>
+            </a:xfrm>
+            <a:custGeom>
+              <a:avLst/>
+              <a:gdLst/>
+              <a:ahLst/>
+              <a:cxnLst/>
+              <a:rect l="l" t="t" r="r" b="b"/>
+              <a:pathLst>
+                <a:path w="24023" h="11694" fill="none" extrusionOk="0">
+                  <a:moveTo>
+                    <a:pt x="1" y="1"/>
+                  </a:moveTo>
+                  <a:lnTo>
+                    <a:pt x="1" y="11694"/>
+                  </a:lnTo>
+                  <a:lnTo>
+                    <a:pt x="24023" y="11694"/>
+                  </a:lnTo>
+                </a:path>
+              </a:pathLst>
+            </a:custGeom>
+            <a:noFill/>
+            <a:ln w="9400" cap="flat" cmpd="sng">
+              <a:solidFill>
+                <a:schemeClr val="lt1"/>
+              </a:solidFill>
+              <a:prstDash val="solid"/>
+              <a:miter lim="28942"/>
+              <a:headEnd type="none" w="sm" len="sm"/>
+              <a:tailEnd type="none" w="sm" len="sm"/>
+            </a:ln>
+          </p:spPr>
+          <p:txBody>
+            <a:bodyPr spcFirstLastPara="1" wrap="square" lIns="91425" tIns="91425" rIns="91425" bIns="91425" anchor="ctr" anchorCtr="0">
+              <a:noAutofit/>
+            </a:bodyPr>
+            <a:lstStyle/>
+            <a:p>
+              <a:pPr marL="0" lvl="0" indent="0" algn="l" rtl="0">
+                <a:spcBef>
+                  <a:spcPts val="0"/>
+                </a:spcBef>
+                <a:spcAft>
+                  <a:spcPts val="0"/>
+                </a:spcAft>
+                <a:buNone/>
+              </a:pPr>
+              <a:endParaRPr/>
+            </a:p>
+          </p:txBody>
+        </p:sp>
+        <p:sp>
+          <p:nvSpPr>
+            <p:cNvPr id="1950" name="Google Shape;1950;p43"/>
+            <p:cNvSpPr/>
+            <p:nvPr/>
+          </p:nvSpPr>
+          <p:spPr>
+            <a:xfrm>
+              <a:off x="1031335" y="2329396"/>
+              <a:ext cx="1033979" cy="26000"/>
+            </a:xfrm>
+            <a:custGeom>
+              <a:avLst/>
+              <a:gdLst/>
+              <a:ahLst/>
+              <a:cxnLst/>
+              <a:rect l="l" t="t" r="r" b="b"/>
+              <a:pathLst>
+                <a:path w="11548" h="408" extrusionOk="0">
+                  <a:moveTo>
+                    <a:pt x="198" y="1"/>
+                  </a:moveTo>
+                  <a:cubicBezTo>
+                    <a:pt x="88" y="1"/>
+                    <a:pt x="0" y="88"/>
+                    <a:pt x="0" y="198"/>
+                  </a:cubicBezTo>
+                  <a:cubicBezTo>
+                    <a:pt x="0" y="308"/>
+                    <a:pt x="88" y="407"/>
+                    <a:pt x="198" y="407"/>
+                  </a:cubicBezTo>
+                  <a:lnTo>
+                    <a:pt x="11349" y="407"/>
+                  </a:lnTo>
+                  <a:cubicBezTo>
+                    <a:pt x="11459" y="407"/>
+                    <a:pt x="11547" y="308"/>
+                    <a:pt x="11547" y="198"/>
+                  </a:cubicBezTo>
+                  <a:cubicBezTo>
+                    <a:pt x="11547" y="88"/>
+                    <a:pt x="11459" y="1"/>
+                    <a:pt x="11349" y="1"/>
+                  </a:cubicBezTo>
+                  <a:close/>
+                </a:path>
+              </a:pathLst>
+            </a:custGeom>
+            <a:solidFill>
+              <a:srgbClr val="FFFFFF">
+                <a:alpha val="28930"/>
+              </a:srgbClr>
+            </a:solidFill>
+            <a:ln>
+              <a:noFill/>
+            </a:ln>
+          </p:spPr>
+          <p:txBody>
+            <a:bodyPr spcFirstLastPara="1" wrap="square" lIns="91425" tIns="91425" rIns="91425" bIns="91425" anchor="ctr" anchorCtr="0">
+              <a:noAutofit/>
+            </a:bodyPr>
+            <a:lstStyle/>
+            <a:p>
+              <a:pPr marL="0" lvl="0" indent="0" algn="l" rtl="0">
+                <a:spcBef>
+                  <a:spcPts val="0"/>
+                </a:spcBef>
+                <a:spcAft>
+                  <a:spcPts val="0"/>
+                </a:spcAft>
+                <a:buNone/>
+              </a:pPr>
+              <a:endParaRPr/>
+            </a:p>
+          </p:txBody>
+        </p:sp>
+      </p:grpSp>
+      <p:sp>
+        <p:nvSpPr>
+          <p:cNvPr id="2" name="Google Shape;1887;p43">
+            <a:extLst>
+              <a:ext uri="{FF2B5EF4-FFF2-40B4-BE49-F238E27FC236}">
+                <a16:creationId xmlns:a16="http://schemas.microsoft.com/office/drawing/2014/main" id="{789C9B05-F2D0-97FA-8579-F0184194133B}"/>
+              </a:ext>
+            </a:extLst>
+          </p:cNvPr>
+          <p:cNvSpPr txBox="1">
+            <a:spLocks/>
+          </p:cNvSpPr>
+          <p:nvPr/>
+        </p:nvSpPr>
+        <p:spPr>
+          <a:xfrm>
+            <a:off x="4846319" y="3073355"/>
+            <a:ext cx="3584405" cy="803958"/>
+          </a:xfrm>
+          <a:prstGeom prst="rect">
+            <a:avLst/>
+          </a:prstGeom>
+          <a:noFill/>
+          <a:ln>
+            <a:noFill/>
+          </a:ln>
+        </p:spPr>
+        <p:txBody>
+          <a:bodyPr spcFirstLastPara="1" wrap="square" lIns="91425" tIns="91425" rIns="91425" bIns="91425" anchor="t" anchorCtr="0">
+            <a:noAutofit/>
+          </a:bodyPr>
+          <a:lstStyle>
+            <a:defPPr marR="0" lvl="0" algn="l" rtl="0">
+              <a:lnSpc>
+                <a:spcPct val="100000"/>
+              </a:lnSpc>
+              <a:spcBef>
+                <a:spcPts val="0"/>
+              </a:spcBef>
+              <a:spcAft>
+                <a:spcPts val="0"/>
+              </a:spcAft>
+            </a:defPPr>
+            <a:lvl1pPr marL="457200" marR="0" lvl="0" indent="-304800" algn="r" rtl="0">
+              <a:lnSpc>
+                <a:spcPct val="100000"/>
+              </a:lnSpc>
+              <a:spcBef>
+                <a:spcPts val="0"/>
+              </a:spcBef>
+              <a:spcAft>
+                <a:spcPts val="0"/>
+              </a:spcAft>
+              <a:buClr>
+                <a:schemeClr val="dk1"/>
+              </a:buClr>
+              <a:buSzPts val="1400"/>
+              <a:buFont typeface="Inter"/>
+              <a:buNone/>
+              <a:defRPr sz="1400" b="0" i="0" u="none" strike="noStrike" cap="none">
+                <a:solidFill>
+                  <a:schemeClr val="dk1"/>
+                </a:solidFill>
+                <a:latin typeface="Inter"/>
+                <a:ea typeface="Inter"/>
+                <a:cs typeface="Inter"/>
+                <a:sym typeface="Inter"/>
+              </a:defRPr>
+            </a:lvl1pPr>
+            <a:lvl2pPr marL="914400" marR="0" lvl="1" indent="-304800" algn="l" rtl="0">
+              <a:lnSpc>
+                <a:spcPct val="100000"/>
+              </a:lnSpc>
+              <a:spcBef>
+                <a:spcPts val="0"/>
+              </a:spcBef>
+              <a:spcAft>
+                <a:spcPts val="0"/>
+              </a:spcAft>
+              <a:buClr>
+                <a:schemeClr val="dk1"/>
+              </a:buClr>
+              <a:buSzPts val="1400"/>
+              <a:buFont typeface="Inter"/>
+              <a:buNone/>
+              <a:defRPr sz="1400" b="0" i="0" u="none" strike="noStrike" cap="none">
+                <a:solidFill>
+                  <a:schemeClr val="dk1"/>
+                </a:solidFill>
+                <a:latin typeface="Inter"/>
+                <a:ea typeface="Inter"/>
+                <a:cs typeface="Inter"/>
+                <a:sym typeface="Inter"/>
+              </a:defRPr>
+            </a:lvl2pPr>
+            <a:lvl3pPr marL="1371600" marR="0" lvl="2" indent="-304800" algn="l" rtl="0">
+              <a:lnSpc>
+                <a:spcPct val="100000"/>
+              </a:lnSpc>
+              <a:spcBef>
+                <a:spcPts val="0"/>
+              </a:spcBef>
+              <a:spcAft>
+                <a:spcPts val="0"/>
+              </a:spcAft>
+              <a:buClr>
+                <a:schemeClr val="dk1"/>
+              </a:buClr>
+              <a:buSzPts val="1400"/>
+              <a:buFont typeface="Inter"/>
+              <a:buNone/>
+              <a:defRPr sz="1400" b="0" i="0" u="none" strike="noStrike" cap="none">
+                <a:solidFill>
+                  <a:schemeClr val="dk1"/>
+                </a:solidFill>
+                <a:latin typeface="Inter"/>
+                <a:ea typeface="Inter"/>
+                <a:cs typeface="Inter"/>
+                <a:sym typeface="Inter"/>
+              </a:defRPr>
+            </a:lvl3pPr>
+            <a:lvl4pPr marL="1828800" marR="0" lvl="3" indent="-304800" algn="l" rtl="0">
+              <a:lnSpc>
+                <a:spcPct val="100000"/>
+              </a:lnSpc>
+              <a:spcBef>
+                <a:spcPts val="0"/>
+              </a:spcBef>
+              <a:spcAft>
+                <a:spcPts val="0"/>
+              </a:spcAft>
+              <a:buClr>
+                <a:schemeClr val="dk1"/>
+              </a:buClr>
+              <a:buSzPts val="1400"/>
+              <a:buFont typeface="Inter"/>
+              <a:buNone/>
+              <a:defRPr sz="1400" b="0" i="0" u="none" strike="noStrike" cap="none">
+                <a:solidFill>
+                  <a:schemeClr val="dk1"/>
+                </a:solidFill>
+                <a:latin typeface="Inter"/>
+                <a:ea typeface="Inter"/>
+                <a:cs typeface="Inter"/>
+                <a:sym typeface="Inter"/>
+              </a:defRPr>
+            </a:lvl4pPr>
+            <a:lvl5pPr marL="2286000" marR="0" lvl="4" indent="-304800" algn="l" rtl="0">
+              <a:lnSpc>
+                <a:spcPct val="100000"/>
+              </a:lnSpc>
+              <a:spcBef>
+                <a:spcPts val="0"/>
+              </a:spcBef>
+              <a:spcAft>
+                <a:spcPts val="0"/>
+              </a:spcAft>
+              <a:buClr>
+                <a:schemeClr val="dk1"/>
+              </a:buClr>
+              <a:buSzPts val="1400"/>
+              <a:buFont typeface="Inter"/>
+              <a:buNone/>
+              <a:defRPr sz="1400" b="0" i="0" u="none" strike="noStrike" cap="none">
+                <a:solidFill>
+                  <a:schemeClr val="dk1"/>
+                </a:solidFill>
+                <a:latin typeface="Inter"/>
+                <a:ea typeface="Inter"/>
+                <a:cs typeface="Inter"/>
+                <a:sym typeface="Inter"/>
+              </a:defRPr>
+            </a:lvl5pPr>
+            <a:lvl6pPr marL="2743200" marR="0" lvl="5" indent="-304800" algn="l" rtl="0">
+              <a:lnSpc>
+                <a:spcPct val="100000"/>
+              </a:lnSpc>
+              <a:spcBef>
+                <a:spcPts val="0"/>
+              </a:spcBef>
+              <a:spcAft>
+                <a:spcPts val="0"/>
+              </a:spcAft>
+              <a:buClr>
+                <a:schemeClr val="dk1"/>
+              </a:buClr>
+              <a:buSzPts val="1400"/>
+              <a:buFont typeface="Inter"/>
+              <a:buNone/>
+              <a:defRPr sz="1400" b="0" i="0" u="none" strike="noStrike" cap="none">
+                <a:solidFill>
+                  <a:schemeClr val="dk1"/>
+                </a:solidFill>
+                <a:latin typeface="Inter"/>
+                <a:ea typeface="Inter"/>
+                <a:cs typeface="Inter"/>
+                <a:sym typeface="Inter"/>
+              </a:defRPr>
+            </a:lvl6pPr>
+            <a:lvl7pPr marL="3200400" marR="0" lvl="6" indent="-304800" algn="l" rtl="0">
+              <a:lnSpc>
+                <a:spcPct val="100000"/>
+              </a:lnSpc>
+              <a:spcBef>
+                <a:spcPts val="0"/>
+              </a:spcBef>
+              <a:spcAft>
+                <a:spcPts val="0"/>
+              </a:spcAft>
+              <a:buClr>
+                <a:schemeClr val="dk1"/>
+              </a:buClr>
+              <a:buSzPts val="1400"/>
+              <a:buFont typeface="Inter"/>
+              <a:buNone/>
+              <a:defRPr sz="1400" b="0" i="0" u="none" strike="noStrike" cap="none">
+                <a:solidFill>
+                  <a:schemeClr val="dk1"/>
+                </a:solidFill>
+                <a:latin typeface="Inter"/>
+                <a:ea typeface="Inter"/>
+                <a:cs typeface="Inter"/>
+                <a:sym typeface="Inter"/>
+              </a:defRPr>
+            </a:lvl7pPr>
+            <a:lvl8pPr marL="3657600" marR="0" lvl="7" indent="-304800" algn="l" rtl="0">
+              <a:lnSpc>
+                <a:spcPct val="100000"/>
+              </a:lnSpc>
+              <a:spcBef>
+                <a:spcPts val="0"/>
+              </a:spcBef>
+              <a:spcAft>
+                <a:spcPts val="0"/>
+              </a:spcAft>
+              <a:buClr>
+                <a:schemeClr val="dk1"/>
+              </a:buClr>
+              <a:buSzPts val="1400"/>
+              <a:buFont typeface="Inter"/>
+              <a:buNone/>
+              <a:defRPr sz="1400" b="0" i="0" u="none" strike="noStrike" cap="none">
+                <a:solidFill>
+                  <a:schemeClr val="dk1"/>
+                </a:solidFill>
+                <a:latin typeface="Inter"/>
+                <a:ea typeface="Inter"/>
+                <a:cs typeface="Inter"/>
+                <a:sym typeface="Inter"/>
+              </a:defRPr>
+            </a:lvl8pPr>
+            <a:lvl9pPr marL="4114800" marR="0" lvl="8" indent="-304800" algn="l" rtl="0">
+              <a:lnSpc>
+                <a:spcPct val="100000"/>
+              </a:lnSpc>
+              <a:spcBef>
+                <a:spcPts val="0"/>
+              </a:spcBef>
+              <a:spcAft>
+                <a:spcPts val="0"/>
+              </a:spcAft>
+              <a:buClr>
+                <a:schemeClr val="dk1"/>
+              </a:buClr>
+              <a:buSzPts val="1400"/>
+              <a:buFont typeface="Inter"/>
+              <a:buNone/>
+              <a:defRPr sz="1400" b="0" i="0" u="none" strike="noStrike" cap="none">
+                <a:solidFill>
+                  <a:schemeClr val="dk1"/>
+                </a:solidFill>
+                <a:latin typeface="Inter"/>
+                <a:ea typeface="Inter"/>
+                <a:cs typeface="Inter"/>
+                <a:sym typeface="Inter"/>
+              </a:defRPr>
+            </a:lvl9pPr>
+          </a:lstStyle>
+          <a:p>
+            <a:pPr marL="0" indent="0"/>
+            <a:r>
+              <a:rPr lang="pt-BR" dirty="0"/>
+              <a:t>A Inteligência Artificial generativa com Deep Analytics vem para revolucionar esse cenário. </a:t>
+            </a:r>
+          </a:p>
+        </p:txBody>
+      </p:sp>
+    </p:spTree>
+  </p:cSld>
+  <p:clrMapOvr>
+    <a:masterClrMapping/>
+  </p:clrMapOvr>
+</p:sld>
+</file>
+
+<file path=ppt/slides/slide4.xml><?xml version="1.0" encoding="utf-8"?>
+<p:sld xmlns:a="http://schemas.openxmlformats.org/drawingml/2006/main" xmlns:r="http://schemas.openxmlformats.org/officeDocument/2006/relationships" xmlns:p="http://schemas.openxmlformats.org/presentationml/2006/main">
+  <p:cSld>
+    <p:spTree>
+      <p:nvGrpSpPr>
         <p:cNvPr id="1" name="Shape 2412"/>
         <p:cNvGrpSpPr/>
         <p:nvPr/>

--- a/Pitch-SavvyFix.pptx
+++ b/Pitch-SavvyFix.pptx
@@ -5,31 +5,32 @@
     <p:sldMasterId id="2147483683" r:id="rId1"/>
   </p:sldMasterIdLst>
   <p:notesMasterIdLst>
-    <p:notesMasterId r:id="rId6"/>
+    <p:notesMasterId r:id="rId7"/>
   </p:notesMasterIdLst>
   <p:sldIdLst>
     <p:sldId id="256" r:id="rId2"/>
     <p:sldId id="289" r:id="rId3"/>
     <p:sldId id="261" r:id="rId4"/>
-    <p:sldId id="281" r:id="rId5"/>
+    <p:sldId id="282" r:id="rId5"/>
+    <p:sldId id="281" r:id="rId6"/>
   </p:sldIdLst>
   <p:sldSz cx="9144000" cy="5143500" type="screen16x9"/>
   <p:notesSz cx="6858000" cy="9144000"/>
   <p:embeddedFontLst>
     <p:embeddedFont>
       <p:font typeface="Inter" panose="020B0604020202020204" charset="0"/>
-      <p:regular r:id="rId7"/>
-      <p:bold r:id="rId8"/>
+      <p:regular r:id="rId8"/>
+      <p:bold r:id="rId9"/>
     </p:embeddedFont>
     <p:embeddedFont>
       <p:font typeface="Manrope Medium" panose="020B0604020202020204" charset="0"/>
-      <p:regular r:id="rId9"/>
-      <p:bold r:id="rId10"/>
+      <p:regular r:id="rId10"/>
+      <p:bold r:id="rId11"/>
     </p:embeddedFont>
     <p:embeddedFont>
       <p:font typeface="Manrope SemiBold" panose="020B0604020202020204" charset="0"/>
-      <p:regular r:id="rId11"/>
-      <p:bold r:id="rId12"/>
+      <p:regular r:id="rId12"/>
+      <p:bold r:id="rId13"/>
     </p:embeddedFont>
   </p:embeddedFontLst>
   <p:defaultTextStyle>
@@ -1027,6 +1028,110 @@
   <p:cSld>
     <p:spTree>
       <p:nvGrpSpPr>
+        <p:cNvPr id="1" name="Shape 2421"/>
+        <p:cNvGrpSpPr/>
+        <p:nvPr/>
+      </p:nvGrpSpPr>
+      <p:grpSpPr>
+        <a:xfrm>
+          <a:off x="0" y="0"/>
+          <a:ext cx="0" cy="0"/>
+          <a:chOff x="0" y="0"/>
+          <a:chExt cx="0" cy="0"/>
+        </a:xfrm>
+      </p:grpSpPr>
+      <p:sp>
+        <p:nvSpPr>
+          <p:cNvPr id="2422" name="Google Shape;2422;g2373d9b03a5_0_17767:notes"/>
+          <p:cNvSpPr>
+            <a:spLocks noGrp="1" noRot="1" noChangeAspect="1"/>
+          </p:cNvSpPr>
+          <p:nvPr>
+            <p:ph type="sldImg" idx="2"/>
+          </p:nvPr>
+        </p:nvSpPr>
+        <p:spPr>
+          <a:xfrm>
+            <a:off x="381000" y="685800"/>
+            <a:ext cx="6096000" cy="3429000"/>
+          </a:xfrm>
+          <a:custGeom>
+            <a:avLst/>
+            <a:gdLst/>
+            <a:ahLst/>
+            <a:cxnLst/>
+            <a:rect l="l" t="t" r="r" b="b"/>
+            <a:pathLst>
+              <a:path w="120000" h="120000" extrusionOk="0">
+                <a:moveTo>
+                  <a:pt x="0" y="0"/>
+                </a:moveTo>
+                <a:lnTo>
+                  <a:pt x="120000" y="0"/>
+                </a:lnTo>
+                <a:lnTo>
+                  <a:pt x="120000" y="120000"/>
+                </a:lnTo>
+                <a:lnTo>
+                  <a:pt x="0" y="120000"/>
+                </a:lnTo>
+                <a:close/>
+              </a:path>
+            </a:pathLst>
+          </a:custGeom>
+        </p:spPr>
+      </p:sp>
+      <p:sp>
+        <p:nvSpPr>
+          <p:cNvPr id="2423" name="Google Shape;2423;g2373d9b03a5_0_17767:notes"/>
+          <p:cNvSpPr txBox="1">
+            <a:spLocks noGrp="1"/>
+          </p:cNvSpPr>
+          <p:nvPr>
+            <p:ph type="body" idx="1"/>
+          </p:nvPr>
+        </p:nvSpPr>
+        <p:spPr>
+          <a:xfrm>
+            <a:off x="685800" y="4343400"/>
+            <a:ext cx="5486400" cy="4114800"/>
+          </a:xfrm>
+          <a:prstGeom prst="rect">
+            <a:avLst/>
+          </a:prstGeom>
+        </p:spPr>
+        <p:txBody>
+          <a:bodyPr spcFirstLastPara="1" wrap="square" lIns="91425" tIns="91425" rIns="91425" bIns="91425" anchor="t" anchorCtr="0">
+            <a:noAutofit/>
+          </a:bodyPr>
+          <a:lstStyle/>
+          <a:p>
+            <a:pPr marL="0" lvl="0" indent="0" algn="l" rtl="0">
+              <a:spcBef>
+                <a:spcPts val="0"/>
+              </a:spcBef>
+              <a:spcAft>
+                <a:spcPts val="0"/>
+              </a:spcAft>
+              <a:buNone/>
+            </a:pPr>
+            <a:endParaRPr/>
+          </a:p>
+        </p:txBody>
+      </p:sp>
+    </p:spTree>
+  </p:cSld>
+  <p:clrMapOvr>
+    <a:masterClrMapping/>
+  </p:clrMapOvr>
+</p:notes>
+</file>
+
+<file path=ppt/notesSlides/notesSlide5.xml><?xml version="1.0" encoding="utf-8"?>
+<p:notes xmlns:a="http://schemas.openxmlformats.org/drawingml/2006/main" xmlns:r="http://schemas.openxmlformats.org/officeDocument/2006/relationships" xmlns:p="http://schemas.openxmlformats.org/presentationml/2006/main" showMasterSp="0" showMasterPhAnim="0">
+  <p:cSld>
+    <p:spTree>
+      <p:nvGrpSpPr>
         <p:cNvPr id="1" name="Shape 2409"/>
         <p:cNvGrpSpPr/>
         <p:nvPr/>
@@ -19688,6 +19793,3196 @@
 </p:sldLayout>
 </file>
 
+<file path=ppt/slideLayouts/slideLayout8.xml><?xml version="1.0" encoding="utf-8"?>
+<p:sldLayout xmlns:a="http://schemas.openxmlformats.org/drawingml/2006/main" xmlns:r="http://schemas.openxmlformats.org/officeDocument/2006/relationships" xmlns:p="http://schemas.openxmlformats.org/presentationml/2006/main" matchingName="Title and text 3">
+  <p:cSld name="Title and text 3">
+    <p:spTree>
+      <p:nvGrpSpPr>
+        <p:cNvPr id="1" name="Shape 978"/>
+        <p:cNvGrpSpPr/>
+        <p:nvPr/>
+      </p:nvGrpSpPr>
+      <p:grpSpPr>
+        <a:xfrm>
+          <a:off x="0" y="0"/>
+          <a:ext cx="0" cy="0"/>
+          <a:chOff x="0" y="0"/>
+          <a:chExt cx="0" cy="0"/>
+        </a:xfrm>
+      </p:grpSpPr>
+      <p:sp>
+        <p:nvSpPr>
+          <p:cNvPr id="979" name="Google Shape;979;p23"/>
+          <p:cNvSpPr txBox="1">
+            <a:spLocks noGrp="1"/>
+          </p:cNvSpPr>
+          <p:nvPr>
+            <p:ph type="title"/>
+          </p:nvPr>
+        </p:nvSpPr>
+        <p:spPr>
+          <a:xfrm>
+            <a:off x="907175" y="1319225"/>
+            <a:ext cx="2720400" cy="1231500"/>
+          </a:xfrm>
+          <a:prstGeom prst="rect">
+            <a:avLst/>
+          </a:prstGeom>
+        </p:spPr>
+        <p:txBody>
+          <a:bodyPr spcFirstLastPara="1" wrap="square" lIns="91425" tIns="91425" rIns="91425" bIns="91425" anchor="t" anchorCtr="0">
+            <a:noAutofit/>
+          </a:bodyPr>
+          <a:lstStyle>
+            <a:lvl1pPr lvl="0" algn="l" rtl="0">
+              <a:spcBef>
+                <a:spcPts val="0"/>
+              </a:spcBef>
+              <a:spcAft>
+                <a:spcPts val="0"/>
+              </a:spcAft>
+              <a:buSzPts val="3200"/>
+              <a:buNone/>
+              <a:defRPr/>
+            </a:lvl1pPr>
+            <a:lvl2pPr lvl="1" rtl="0">
+              <a:spcBef>
+                <a:spcPts val="0"/>
+              </a:spcBef>
+              <a:spcAft>
+                <a:spcPts val="0"/>
+              </a:spcAft>
+              <a:buSzPts val="3200"/>
+              <a:buNone/>
+              <a:defRPr/>
+            </a:lvl2pPr>
+            <a:lvl3pPr lvl="2" rtl="0">
+              <a:spcBef>
+                <a:spcPts val="0"/>
+              </a:spcBef>
+              <a:spcAft>
+                <a:spcPts val="0"/>
+              </a:spcAft>
+              <a:buSzPts val="3200"/>
+              <a:buNone/>
+              <a:defRPr/>
+            </a:lvl3pPr>
+            <a:lvl4pPr lvl="3" rtl="0">
+              <a:spcBef>
+                <a:spcPts val="0"/>
+              </a:spcBef>
+              <a:spcAft>
+                <a:spcPts val="0"/>
+              </a:spcAft>
+              <a:buSzPts val="3200"/>
+              <a:buNone/>
+              <a:defRPr/>
+            </a:lvl4pPr>
+            <a:lvl5pPr lvl="4" rtl="0">
+              <a:spcBef>
+                <a:spcPts val="0"/>
+              </a:spcBef>
+              <a:spcAft>
+                <a:spcPts val="0"/>
+              </a:spcAft>
+              <a:buSzPts val="3200"/>
+              <a:buNone/>
+              <a:defRPr/>
+            </a:lvl5pPr>
+            <a:lvl6pPr lvl="5" rtl="0">
+              <a:spcBef>
+                <a:spcPts val="0"/>
+              </a:spcBef>
+              <a:spcAft>
+                <a:spcPts val="0"/>
+              </a:spcAft>
+              <a:buSzPts val="3200"/>
+              <a:buNone/>
+              <a:defRPr/>
+            </a:lvl6pPr>
+            <a:lvl7pPr lvl="6" rtl="0">
+              <a:spcBef>
+                <a:spcPts val="0"/>
+              </a:spcBef>
+              <a:spcAft>
+                <a:spcPts val="0"/>
+              </a:spcAft>
+              <a:buSzPts val="3200"/>
+              <a:buNone/>
+              <a:defRPr/>
+            </a:lvl7pPr>
+            <a:lvl8pPr lvl="7" rtl="0">
+              <a:spcBef>
+                <a:spcPts val="0"/>
+              </a:spcBef>
+              <a:spcAft>
+                <a:spcPts val="0"/>
+              </a:spcAft>
+              <a:buSzPts val="3200"/>
+              <a:buNone/>
+              <a:defRPr/>
+            </a:lvl8pPr>
+            <a:lvl9pPr lvl="8" rtl="0">
+              <a:spcBef>
+                <a:spcPts val="0"/>
+              </a:spcBef>
+              <a:spcAft>
+                <a:spcPts val="0"/>
+              </a:spcAft>
+              <a:buSzPts val="3200"/>
+              <a:buNone/>
+              <a:defRPr/>
+            </a:lvl9pPr>
+          </a:lstStyle>
+          <a:p>
+            <a:endParaRPr/>
+          </a:p>
+        </p:txBody>
+      </p:sp>
+      <p:sp>
+        <p:nvSpPr>
+          <p:cNvPr id="980" name="Google Shape;980;p23"/>
+          <p:cNvSpPr txBox="1">
+            <a:spLocks noGrp="1"/>
+          </p:cNvSpPr>
+          <p:nvPr>
+            <p:ph type="subTitle" idx="1"/>
+          </p:nvPr>
+        </p:nvSpPr>
+        <p:spPr>
+          <a:xfrm>
+            <a:off x="907175" y="2724672"/>
+            <a:ext cx="2720400" cy="1046700"/>
+          </a:xfrm>
+          <a:prstGeom prst="rect">
+            <a:avLst/>
+          </a:prstGeom>
+        </p:spPr>
+        <p:txBody>
+          <a:bodyPr spcFirstLastPara="1" wrap="square" lIns="91425" tIns="91425" rIns="91425" bIns="91425" anchor="t" anchorCtr="0">
+            <a:noAutofit/>
+          </a:bodyPr>
+          <a:lstStyle>
+            <a:lvl1pPr lvl="0" rtl="0">
+              <a:lnSpc>
+                <a:spcPct val="100000"/>
+              </a:lnSpc>
+              <a:spcBef>
+                <a:spcPts val="0"/>
+              </a:spcBef>
+              <a:spcAft>
+                <a:spcPts val="0"/>
+              </a:spcAft>
+              <a:buSzPts val="1200"/>
+              <a:buNone/>
+              <a:defRPr/>
+            </a:lvl1pPr>
+            <a:lvl2pPr lvl="1" algn="ctr" rtl="0">
+              <a:lnSpc>
+                <a:spcPct val="100000"/>
+              </a:lnSpc>
+              <a:spcBef>
+                <a:spcPts val="0"/>
+              </a:spcBef>
+              <a:spcAft>
+                <a:spcPts val="0"/>
+              </a:spcAft>
+              <a:buSzPts val="1200"/>
+              <a:buNone/>
+              <a:defRPr/>
+            </a:lvl2pPr>
+            <a:lvl3pPr lvl="2" algn="ctr" rtl="0">
+              <a:lnSpc>
+                <a:spcPct val="100000"/>
+              </a:lnSpc>
+              <a:spcBef>
+                <a:spcPts val="0"/>
+              </a:spcBef>
+              <a:spcAft>
+                <a:spcPts val="0"/>
+              </a:spcAft>
+              <a:buSzPts val="1200"/>
+              <a:buNone/>
+              <a:defRPr/>
+            </a:lvl3pPr>
+            <a:lvl4pPr lvl="3" algn="ctr" rtl="0">
+              <a:lnSpc>
+                <a:spcPct val="100000"/>
+              </a:lnSpc>
+              <a:spcBef>
+                <a:spcPts val="0"/>
+              </a:spcBef>
+              <a:spcAft>
+                <a:spcPts val="0"/>
+              </a:spcAft>
+              <a:buSzPts val="1200"/>
+              <a:buNone/>
+              <a:defRPr/>
+            </a:lvl4pPr>
+            <a:lvl5pPr lvl="4" algn="ctr" rtl="0">
+              <a:lnSpc>
+                <a:spcPct val="100000"/>
+              </a:lnSpc>
+              <a:spcBef>
+                <a:spcPts val="0"/>
+              </a:spcBef>
+              <a:spcAft>
+                <a:spcPts val="0"/>
+              </a:spcAft>
+              <a:buSzPts val="1200"/>
+              <a:buNone/>
+              <a:defRPr/>
+            </a:lvl5pPr>
+            <a:lvl6pPr lvl="5" algn="ctr" rtl="0">
+              <a:lnSpc>
+                <a:spcPct val="100000"/>
+              </a:lnSpc>
+              <a:spcBef>
+                <a:spcPts val="0"/>
+              </a:spcBef>
+              <a:spcAft>
+                <a:spcPts val="0"/>
+              </a:spcAft>
+              <a:buSzPts val="1200"/>
+              <a:buNone/>
+              <a:defRPr/>
+            </a:lvl6pPr>
+            <a:lvl7pPr lvl="6" algn="ctr" rtl="0">
+              <a:lnSpc>
+                <a:spcPct val="100000"/>
+              </a:lnSpc>
+              <a:spcBef>
+                <a:spcPts val="0"/>
+              </a:spcBef>
+              <a:spcAft>
+                <a:spcPts val="0"/>
+              </a:spcAft>
+              <a:buSzPts val="1200"/>
+              <a:buNone/>
+              <a:defRPr/>
+            </a:lvl7pPr>
+            <a:lvl8pPr lvl="7" algn="ctr" rtl="0">
+              <a:lnSpc>
+                <a:spcPct val="100000"/>
+              </a:lnSpc>
+              <a:spcBef>
+                <a:spcPts val="0"/>
+              </a:spcBef>
+              <a:spcAft>
+                <a:spcPts val="0"/>
+              </a:spcAft>
+              <a:buSzPts val="1200"/>
+              <a:buNone/>
+              <a:defRPr/>
+            </a:lvl8pPr>
+            <a:lvl9pPr lvl="8" algn="ctr" rtl="0">
+              <a:lnSpc>
+                <a:spcPct val="100000"/>
+              </a:lnSpc>
+              <a:spcBef>
+                <a:spcPts val="0"/>
+              </a:spcBef>
+              <a:spcAft>
+                <a:spcPts val="0"/>
+              </a:spcAft>
+              <a:buSzPts val="1200"/>
+              <a:buNone/>
+              <a:defRPr/>
+            </a:lvl9pPr>
+          </a:lstStyle>
+          <a:p>
+            <a:endParaRPr/>
+          </a:p>
+        </p:txBody>
+      </p:sp>
+      <p:grpSp>
+        <p:nvGrpSpPr>
+          <p:cNvPr id="981" name="Google Shape;981;p23"/>
+          <p:cNvGrpSpPr/>
+          <p:nvPr/>
+        </p:nvGrpSpPr>
+        <p:grpSpPr>
+          <a:xfrm rot="-5400000" flipH="1">
+            <a:off x="7673050" y="-2221824"/>
+            <a:ext cx="2744275" cy="2727763"/>
+            <a:chOff x="5985575" y="4420825"/>
+            <a:chExt cx="2744275" cy="2727763"/>
+          </a:xfrm>
+        </p:grpSpPr>
+        <p:sp>
+          <p:nvSpPr>
+            <p:cNvPr id="982" name="Google Shape;982;p23"/>
+            <p:cNvSpPr/>
+            <p:nvPr/>
+          </p:nvSpPr>
+          <p:spPr>
+            <a:xfrm>
+              <a:off x="6115050" y="4420825"/>
+              <a:ext cx="2614800" cy="2599800"/>
+            </a:xfrm>
+            <a:prstGeom prst="ellipse">
+              <a:avLst/>
+            </a:prstGeom>
+            <a:solidFill>
+              <a:srgbClr val="FFFFFF">
+                <a:alpha val="35850"/>
+              </a:srgbClr>
+            </a:solidFill>
+            <a:ln>
+              <a:noFill/>
+            </a:ln>
+          </p:spPr>
+          <p:txBody>
+            <a:bodyPr spcFirstLastPara="1" wrap="square" lIns="91425" tIns="91425" rIns="91425" bIns="91425" anchor="ctr" anchorCtr="0">
+              <a:noAutofit/>
+            </a:bodyPr>
+            <a:lstStyle/>
+            <a:p>
+              <a:pPr marL="0" lvl="0" indent="0" algn="l" rtl="0">
+                <a:spcBef>
+                  <a:spcPts val="0"/>
+                </a:spcBef>
+                <a:spcAft>
+                  <a:spcPts val="0"/>
+                </a:spcAft>
+                <a:buNone/>
+              </a:pPr>
+              <a:endParaRPr>
+                <a:latin typeface="Inter"/>
+                <a:ea typeface="Inter"/>
+                <a:cs typeface="Inter"/>
+                <a:sym typeface="Inter"/>
+              </a:endParaRPr>
+            </a:p>
+          </p:txBody>
+        </p:sp>
+        <p:grpSp>
+          <p:nvGrpSpPr>
+            <p:cNvPr id="983" name="Google Shape;983;p23"/>
+            <p:cNvGrpSpPr/>
+            <p:nvPr/>
+          </p:nvGrpSpPr>
+          <p:grpSpPr>
+            <a:xfrm rot="5400000" flipH="1">
+              <a:off x="5986247" y="4572099"/>
+              <a:ext cx="2575817" cy="2577160"/>
+              <a:chOff x="1550275" y="1493275"/>
+              <a:chExt cx="1582100" cy="1582925"/>
+            </a:xfrm>
+          </p:grpSpPr>
+          <p:sp>
+            <p:nvSpPr>
+              <p:cNvPr id="984" name="Google Shape;984;p23"/>
+              <p:cNvSpPr/>
+              <p:nvPr/>
+            </p:nvSpPr>
+            <p:spPr>
+              <a:xfrm>
+                <a:off x="1650275" y="1594100"/>
+                <a:ext cx="301650" cy="300825"/>
+              </a:xfrm>
+              <a:custGeom>
+                <a:avLst/>
+                <a:gdLst/>
+                <a:ahLst/>
+                <a:cxnLst/>
+                <a:rect l="l" t="t" r="r" b="b"/>
+                <a:pathLst>
+                  <a:path w="12066" h="12033" fill="none" extrusionOk="0">
+                    <a:moveTo>
+                      <a:pt x="1" y="12032"/>
+                    </a:moveTo>
+                    <a:lnTo>
+                      <a:pt x="12065" y="0"/>
+                    </a:lnTo>
+                  </a:path>
+                </a:pathLst>
+              </a:custGeom>
+              <a:noFill/>
+              <a:ln w="19050" cap="rnd" cmpd="sng">
+                <a:solidFill>
+                  <a:schemeClr val="accent1"/>
+                </a:solidFill>
+                <a:prstDash val="solid"/>
+                <a:miter lim="32519"/>
+                <a:headEnd type="none" w="sm" len="sm"/>
+                <a:tailEnd type="none" w="sm" len="sm"/>
+              </a:ln>
+            </p:spPr>
+            <p:txBody>
+              <a:bodyPr spcFirstLastPara="1" wrap="square" lIns="91425" tIns="91425" rIns="91425" bIns="91425" anchor="ctr" anchorCtr="0">
+                <a:noAutofit/>
+              </a:bodyPr>
+              <a:lstStyle/>
+              <a:p>
+                <a:pPr marL="0" lvl="0" indent="0" algn="l" rtl="0">
+                  <a:spcBef>
+                    <a:spcPts val="0"/>
+                  </a:spcBef>
+                  <a:spcAft>
+                    <a:spcPts val="0"/>
+                  </a:spcAft>
+                  <a:buNone/>
+                </a:pPr>
+                <a:endParaRPr>
+                  <a:latin typeface="Inter"/>
+                  <a:ea typeface="Inter"/>
+                  <a:cs typeface="Inter"/>
+                  <a:sym typeface="Inter"/>
+                </a:endParaRPr>
+              </a:p>
+            </p:txBody>
+          </p:sp>
+          <p:sp>
+            <p:nvSpPr>
+              <p:cNvPr id="985" name="Google Shape;985;p23"/>
+              <p:cNvSpPr/>
+              <p:nvPr/>
+            </p:nvSpPr>
+            <p:spPr>
+              <a:xfrm>
+                <a:off x="1560025" y="1503850"/>
+                <a:ext cx="648800" cy="647975"/>
+              </a:xfrm>
+              <a:custGeom>
+                <a:avLst/>
+                <a:gdLst/>
+                <a:ahLst/>
+                <a:cxnLst/>
+                <a:rect l="l" t="t" r="r" b="b"/>
+                <a:pathLst>
+                  <a:path w="25952" h="25919" fill="none" extrusionOk="0">
+                    <a:moveTo>
+                      <a:pt x="1" y="25919"/>
+                    </a:moveTo>
+                    <a:lnTo>
+                      <a:pt x="25952" y="0"/>
+                    </a:lnTo>
+                  </a:path>
+                </a:pathLst>
+              </a:custGeom>
+              <a:noFill/>
+              <a:ln w="19050" cap="rnd" cmpd="sng">
+                <a:solidFill>
+                  <a:schemeClr val="accent1"/>
+                </a:solidFill>
+                <a:prstDash val="solid"/>
+                <a:miter lim="32519"/>
+                <a:headEnd type="none" w="sm" len="sm"/>
+                <a:tailEnd type="none" w="sm" len="sm"/>
+              </a:ln>
+            </p:spPr>
+            <p:txBody>
+              <a:bodyPr spcFirstLastPara="1" wrap="square" lIns="91425" tIns="91425" rIns="91425" bIns="91425" anchor="ctr" anchorCtr="0">
+                <a:noAutofit/>
+              </a:bodyPr>
+              <a:lstStyle/>
+              <a:p>
+                <a:pPr marL="0" lvl="0" indent="0" algn="l" rtl="0">
+                  <a:spcBef>
+                    <a:spcPts val="0"/>
+                  </a:spcBef>
+                  <a:spcAft>
+                    <a:spcPts val="0"/>
+                  </a:spcAft>
+                  <a:buNone/>
+                </a:pPr>
+                <a:endParaRPr>
+                  <a:latin typeface="Inter"/>
+                  <a:ea typeface="Inter"/>
+                  <a:cs typeface="Inter"/>
+                  <a:sym typeface="Inter"/>
+                </a:endParaRPr>
+              </a:p>
+            </p:txBody>
+          </p:sp>
+          <p:sp>
+            <p:nvSpPr>
+              <p:cNvPr id="986" name="Google Shape;986;p23"/>
+              <p:cNvSpPr/>
+              <p:nvPr/>
+            </p:nvSpPr>
+            <p:spPr>
+              <a:xfrm>
+                <a:off x="1550275" y="1493275"/>
+                <a:ext cx="834150" cy="834975"/>
+              </a:xfrm>
+              <a:custGeom>
+                <a:avLst/>
+                <a:gdLst/>
+                <a:ahLst/>
+                <a:cxnLst/>
+                <a:rect l="l" t="t" r="r" b="b"/>
+                <a:pathLst>
+                  <a:path w="33366" h="33399" fill="none" extrusionOk="0">
+                    <a:moveTo>
+                      <a:pt x="1" y="33398"/>
+                    </a:moveTo>
+                    <a:lnTo>
+                      <a:pt x="33366" y="1"/>
+                    </a:lnTo>
+                  </a:path>
+                </a:pathLst>
+              </a:custGeom>
+              <a:noFill/>
+              <a:ln w="19050" cap="rnd" cmpd="sng">
+                <a:solidFill>
+                  <a:schemeClr val="accent1"/>
+                </a:solidFill>
+                <a:prstDash val="solid"/>
+                <a:miter lim="32519"/>
+                <a:headEnd type="none" w="sm" len="sm"/>
+                <a:tailEnd type="none" w="sm" len="sm"/>
+              </a:ln>
+            </p:spPr>
+            <p:txBody>
+              <a:bodyPr spcFirstLastPara="1" wrap="square" lIns="91425" tIns="91425" rIns="91425" bIns="91425" anchor="ctr" anchorCtr="0">
+                <a:noAutofit/>
+              </a:bodyPr>
+              <a:lstStyle/>
+              <a:p>
+                <a:pPr marL="0" lvl="0" indent="0" algn="l" rtl="0">
+                  <a:spcBef>
+                    <a:spcPts val="0"/>
+                  </a:spcBef>
+                  <a:spcAft>
+                    <a:spcPts val="0"/>
+                  </a:spcAft>
+                  <a:buNone/>
+                </a:pPr>
+                <a:endParaRPr>
+                  <a:latin typeface="Inter"/>
+                  <a:ea typeface="Inter"/>
+                  <a:cs typeface="Inter"/>
+                  <a:sym typeface="Inter"/>
+                </a:endParaRPr>
+              </a:p>
+            </p:txBody>
+          </p:sp>
+          <p:sp>
+            <p:nvSpPr>
+              <p:cNvPr id="987" name="Google Shape;987;p23"/>
+              <p:cNvSpPr/>
+              <p:nvPr/>
+            </p:nvSpPr>
+            <p:spPr>
+              <a:xfrm>
+                <a:off x="1571425" y="1514425"/>
+                <a:ext cx="957725" cy="958525"/>
+              </a:xfrm>
+              <a:custGeom>
+                <a:avLst/>
+                <a:gdLst/>
+                <a:ahLst/>
+                <a:cxnLst/>
+                <a:rect l="l" t="t" r="r" b="b"/>
+                <a:pathLst>
+                  <a:path w="38309" h="38341" fill="none" extrusionOk="0">
+                    <a:moveTo>
+                      <a:pt x="0" y="38341"/>
+                    </a:moveTo>
+                    <a:lnTo>
+                      <a:pt x="38308" y="0"/>
+                    </a:lnTo>
+                  </a:path>
+                </a:pathLst>
+              </a:custGeom>
+              <a:noFill/>
+              <a:ln w="19050" cap="rnd" cmpd="sng">
+                <a:solidFill>
+                  <a:schemeClr val="accent1"/>
+                </a:solidFill>
+                <a:prstDash val="solid"/>
+                <a:miter lim="32519"/>
+                <a:headEnd type="none" w="sm" len="sm"/>
+                <a:tailEnd type="none" w="sm" len="sm"/>
+              </a:ln>
+            </p:spPr>
+            <p:txBody>
+              <a:bodyPr spcFirstLastPara="1" wrap="square" lIns="91425" tIns="91425" rIns="91425" bIns="91425" anchor="ctr" anchorCtr="0">
+                <a:noAutofit/>
+              </a:bodyPr>
+              <a:lstStyle/>
+              <a:p>
+                <a:pPr marL="0" lvl="0" indent="0" algn="l" rtl="0">
+                  <a:spcBef>
+                    <a:spcPts val="0"/>
+                  </a:spcBef>
+                  <a:spcAft>
+                    <a:spcPts val="0"/>
+                  </a:spcAft>
+                  <a:buNone/>
+                </a:pPr>
+                <a:endParaRPr>
+                  <a:latin typeface="Inter"/>
+                  <a:ea typeface="Inter"/>
+                  <a:cs typeface="Inter"/>
+                  <a:sym typeface="Inter"/>
+                </a:endParaRPr>
+              </a:p>
+            </p:txBody>
+          </p:sp>
+          <p:sp>
+            <p:nvSpPr>
+              <p:cNvPr id="988" name="Google Shape;988;p23"/>
+              <p:cNvSpPr/>
+              <p:nvPr/>
+            </p:nvSpPr>
+            <p:spPr>
+              <a:xfrm>
+                <a:off x="1612875" y="1555875"/>
+                <a:ext cx="1041475" cy="1042275"/>
+              </a:xfrm>
+              <a:custGeom>
+                <a:avLst/>
+                <a:gdLst/>
+                <a:ahLst/>
+                <a:cxnLst/>
+                <a:rect l="l" t="t" r="r" b="b"/>
+                <a:pathLst>
+                  <a:path w="41659" h="41691" fill="none" extrusionOk="0">
+                    <a:moveTo>
+                      <a:pt x="1" y="41691"/>
+                    </a:moveTo>
+                    <a:lnTo>
+                      <a:pt x="41658" y="1"/>
+                    </a:lnTo>
+                  </a:path>
+                </a:pathLst>
+              </a:custGeom>
+              <a:noFill/>
+              <a:ln w="19050" cap="rnd" cmpd="sng">
+                <a:solidFill>
+                  <a:schemeClr val="accent1"/>
+                </a:solidFill>
+                <a:prstDash val="solid"/>
+                <a:miter lim="32519"/>
+                <a:headEnd type="none" w="sm" len="sm"/>
+                <a:tailEnd type="none" w="sm" len="sm"/>
+              </a:ln>
+            </p:spPr>
+            <p:txBody>
+              <a:bodyPr spcFirstLastPara="1" wrap="square" lIns="91425" tIns="91425" rIns="91425" bIns="91425" anchor="ctr" anchorCtr="0">
+                <a:noAutofit/>
+              </a:bodyPr>
+              <a:lstStyle/>
+              <a:p>
+                <a:pPr marL="0" lvl="0" indent="0" algn="l" rtl="0">
+                  <a:spcBef>
+                    <a:spcPts val="0"/>
+                  </a:spcBef>
+                  <a:spcAft>
+                    <a:spcPts val="0"/>
+                  </a:spcAft>
+                  <a:buNone/>
+                </a:pPr>
+                <a:endParaRPr>
+                  <a:latin typeface="Inter"/>
+                  <a:ea typeface="Inter"/>
+                  <a:cs typeface="Inter"/>
+                  <a:sym typeface="Inter"/>
+                </a:endParaRPr>
+              </a:p>
+            </p:txBody>
+          </p:sp>
+          <p:sp>
+            <p:nvSpPr>
+              <p:cNvPr id="989" name="Google Shape;989;p23"/>
+              <p:cNvSpPr/>
+              <p:nvPr/>
+            </p:nvSpPr>
+            <p:spPr>
+              <a:xfrm>
+                <a:off x="1669800" y="1613600"/>
+                <a:ext cx="1093475" cy="1092675"/>
+              </a:xfrm>
+              <a:custGeom>
+                <a:avLst/>
+                <a:gdLst/>
+                <a:ahLst/>
+                <a:cxnLst/>
+                <a:rect l="l" t="t" r="r" b="b"/>
+                <a:pathLst>
+                  <a:path w="43739" h="43707" fill="none" extrusionOk="0">
+                    <a:moveTo>
+                      <a:pt x="0" y="43707"/>
+                    </a:moveTo>
+                    <a:lnTo>
+                      <a:pt x="43739" y="1"/>
+                    </a:lnTo>
+                  </a:path>
+                </a:pathLst>
+              </a:custGeom>
+              <a:noFill/>
+              <a:ln w="19050" cap="rnd" cmpd="sng">
+                <a:solidFill>
+                  <a:schemeClr val="accent1"/>
+                </a:solidFill>
+                <a:prstDash val="solid"/>
+                <a:miter lim="32519"/>
+                <a:headEnd type="none" w="sm" len="sm"/>
+                <a:tailEnd type="none" w="sm" len="sm"/>
+              </a:ln>
+            </p:spPr>
+            <p:txBody>
+              <a:bodyPr spcFirstLastPara="1" wrap="square" lIns="91425" tIns="91425" rIns="91425" bIns="91425" anchor="ctr" anchorCtr="0">
+                <a:noAutofit/>
+              </a:bodyPr>
+              <a:lstStyle/>
+              <a:p>
+                <a:pPr marL="0" lvl="0" indent="0" algn="l" rtl="0">
+                  <a:spcBef>
+                    <a:spcPts val="0"/>
+                  </a:spcBef>
+                  <a:spcAft>
+                    <a:spcPts val="0"/>
+                  </a:spcAft>
+                  <a:buNone/>
+                </a:pPr>
+                <a:endParaRPr>
+                  <a:latin typeface="Inter"/>
+                  <a:ea typeface="Inter"/>
+                  <a:cs typeface="Inter"/>
+                  <a:sym typeface="Inter"/>
+                </a:endParaRPr>
+              </a:p>
+            </p:txBody>
+          </p:sp>
+          <p:sp>
+            <p:nvSpPr>
+              <p:cNvPr id="990" name="Google Shape;990;p23"/>
+              <p:cNvSpPr/>
+              <p:nvPr/>
+            </p:nvSpPr>
+            <p:spPr>
+              <a:xfrm>
+                <a:off x="1724445" y="1684323"/>
+                <a:ext cx="1133953" cy="1137555"/>
+              </a:xfrm>
+              <a:custGeom>
+                <a:avLst/>
+                <a:gdLst/>
+                <a:ahLst/>
+                <a:cxnLst/>
+                <a:rect l="l" t="t" r="r" b="b"/>
+                <a:pathLst>
+                  <a:path w="75837" h="75837" fill="none" extrusionOk="0">
+                    <a:moveTo>
+                      <a:pt x="1" y="75836"/>
+                    </a:moveTo>
+                    <a:lnTo>
+                      <a:pt x="75837" y="1"/>
+                    </a:lnTo>
+                  </a:path>
+                </a:pathLst>
+              </a:custGeom>
+              <a:noFill/>
+              <a:ln w="19050" cap="rnd" cmpd="sng">
+                <a:solidFill>
+                  <a:schemeClr val="accent1"/>
+                </a:solidFill>
+                <a:prstDash val="solid"/>
+                <a:miter lim="32519"/>
+                <a:headEnd type="none" w="sm" len="sm"/>
+                <a:tailEnd type="none" w="sm" len="sm"/>
+              </a:ln>
+            </p:spPr>
+            <p:txBody>
+              <a:bodyPr spcFirstLastPara="1" wrap="square" lIns="91425" tIns="91425" rIns="91425" bIns="91425" anchor="ctr" anchorCtr="0">
+                <a:noAutofit/>
+              </a:bodyPr>
+              <a:lstStyle/>
+              <a:p>
+                <a:pPr marL="0" lvl="0" indent="0" algn="l" rtl="0">
+                  <a:spcBef>
+                    <a:spcPts val="0"/>
+                  </a:spcBef>
+                  <a:spcAft>
+                    <a:spcPts val="0"/>
+                  </a:spcAft>
+                  <a:buNone/>
+                </a:pPr>
+                <a:endParaRPr>
+                  <a:latin typeface="Inter"/>
+                  <a:ea typeface="Inter"/>
+                  <a:cs typeface="Inter"/>
+                  <a:sym typeface="Inter"/>
+                </a:endParaRPr>
+              </a:p>
+            </p:txBody>
+          </p:sp>
+          <p:sp>
+            <p:nvSpPr>
+              <p:cNvPr id="991" name="Google Shape;991;p23"/>
+              <p:cNvSpPr/>
+              <p:nvPr/>
+            </p:nvSpPr>
+            <p:spPr>
+              <a:xfrm>
+                <a:off x="1802230" y="1767248"/>
+                <a:ext cx="1139947" cy="1128455"/>
+              </a:xfrm>
+              <a:custGeom>
+                <a:avLst/>
+                <a:gdLst/>
+                <a:ahLst/>
+                <a:cxnLst/>
+                <a:rect l="l" t="t" r="r" b="b"/>
+                <a:pathLst>
+                  <a:path w="75870" h="75837" fill="none" extrusionOk="0">
+                    <a:moveTo>
+                      <a:pt x="1" y="75836"/>
+                    </a:moveTo>
+                    <a:lnTo>
+                      <a:pt x="75869" y="1"/>
+                    </a:lnTo>
+                  </a:path>
+                </a:pathLst>
+              </a:custGeom>
+              <a:noFill/>
+              <a:ln w="19050" cap="rnd" cmpd="sng">
+                <a:solidFill>
+                  <a:schemeClr val="accent1"/>
+                </a:solidFill>
+                <a:prstDash val="solid"/>
+                <a:miter lim="32519"/>
+                <a:headEnd type="none" w="sm" len="sm"/>
+                <a:tailEnd type="none" w="sm" len="sm"/>
+              </a:ln>
+            </p:spPr>
+            <p:txBody>
+              <a:bodyPr spcFirstLastPara="1" wrap="square" lIns="91425" tIns="91425" rIns="91425" bIns="91425" anchor="ctr" anchorCtr="0">
+                <a:noAutofit/>
+              </a:bodyPr>
+              <a:lstStyle/>
+              <a:p>
+                <a:pPr marL="0" lvl="0" indent="0" algn="l" rtl="0">
+                  <a:spcBef>
+                    <a:spcPts val="0"/>
+                  </a:spcBef>
+                  <a:spcAft>
+                    <a:spcPts val="0"/>
+                  </a:spcAft>
+                  <a:buNone/>
+                </a:pPr>
+                <a:endParaRPr>
+                  <a:latin typeface="Inter"/>
+                  <a:ea typeface="Inter"/>
+                  <a:cs typeface="Inter"/>
+                  <a:sym typeface="Inter"/>
+                </a:endParaRPr>
+              </a:p>
+            </p:txBody>
+          </p:sp>
+          <p:sp>
+            <p:nvSpPr>
+              <p:cNvPr id="992" name="Google Shape;992;p23"/>
+              <p:cNvSpPr/>
+              <p:nvPr/>
+            </p:nvSpPr>
+            <p:spPr>
+              <a:xfrm>
+                <a:off x="1902777" y="1863204"/>
+                <a:ext cx="1109325" cy="1105584"/>
+              </a:xfrm>
+              <a:custGeom>
+                <a:avLst/>
+                <a:gdLst/>
+                <a:ahLst/>
+                <a:cxnLst/>
+                <a:rect l="l" t="t" r="r" b="b"/>
+                <a:pathLst>
+                  <a:path w="74828" h="74828" fill="none" extrusionOk="0">
+                    <a:moveTo>
+                      <a:pt x="0" y="74828"/>
+                    </a:moveTo>
+                    <a:lnTo>
+                      <a:pt x="74828" y="0"/>
+                    </a:lnTo>
+                  </a:path>
+                </a:pathLst>
+              </a:custGeom>
+              <a:noFill/>
+              <a:ln w="19050" cap="rnd" cmpd="sng">
+                <a:solidFill>
+                  <a:schemeClr val="accent1"/>
+                </a:solidFill>
+                <a:prstDash val="solid"/>
+                <a:miter lim="32519"/>
+                <a:headEnd type="none" w="sm" len="sm"/>
+                <a:tailEnd type="none" w="sm" len="sm"/>
+              </a:ln>
+            </p:spPr>
+            <p:txBody>
+              <a:bodyPr spcFirstLastPara="1" wrap="square" lIns="91425" tIns="91425" rIns="91425" bIns="91425" anchor="ctr" anchorCtr="0">
+                <a:noAutofit/>
+              </a:bodyPr>
+              <a:lstStyle/>
+              <a:p>
+                <a:pPr marL="0" lvl="0" indent="0" algn="l" rtl="0">
+                  <a:spcBef>
+                    <a:spcPts val="0"/>
+                  </a:spcBef>
+                  <a:spcAft>
+                    <a:spcPts val="0"/>
+                  </a:spcAft>
+                  <a:buNone/>
+                </a:pPr>
+                <a:endParaRPr>
+                  <a:latin typeface="Inter"/>
+                  <a:ea typeface="Inter"/>
+                  <a:cs typeface="Inter"/>
+                  <a:sym typeface="Inter"/>
+                </a:endParaRPr>
+              </a:p>
+            </p:txBody>
+          </p:sp>
+          <p:sp>
+            <p:nvSpPr>
+              <p:cNvPr id="993" name="Google Shape;993;p23"/>
+              <p:cNvSpPr/>
+              <p:nvPr/>
+            </p:nvSpPr>
+            <p:spPr>
+              <a:xfrm>
+                <a:off x="2027500" y="1971325"/>
+                <a:ext cx="1042275" cy="1042275"/>
+              </a:xfrm>
+              <a:custGeom>
+                <a:avLst/>
+                <a:gdLst/>
+                <a:ahLst/>
+                <a:cxnLst/>
+                <a:rect l="l" t="t" r="r" b="b"/>
+                <a:pathLst>
+                  <a:path w="41691" h="41691" fill="none" extrusionOk="0">
+                    <a:moveTo>
+                      <a:pt x="41691" y="0"/>
+                    </a:moveTo>
+                    <a:lnTo>
+                      <a:pt x="1" y="41690"/>
+                    </a:lnTo>
+                  </a:path>
+                </a:pathLst>
+              </a:custGeom>
+              <a:noFill/>
+              <a:ln w="19050" cap="rnd" cmpd="sng">
+                <a:solidFill>
+                  <a:schemeClr val="accent1"/>
+                </a:solidFill>
+                <a:prstDash val="solid"/>
+                <a:miter lim="32519"/>
+                <a:headEnd type="none" w="sm" len="sm"/>
+                <a:tailEnd type="none" w="sm" len="sm"/>
+              </a:ln>
+            </p:spPr>
+            <p:txBody>
+              <a:bodyPr spcFirstLastPara="1" wrap="square" lIns="91425" tIns="91425" rIns="91425" bIns="91425" anchor="ctr" anchorCtr="0">
+                <a:noAutofit/>
+              </a:bodyPr>
+              <a:lstStyle/>
+              <a:p>
+                <a:pPr marL="0" lvl="0" indent="0" algn="l" rtl="0">
+                  <a:spcBef>
+                    <a:spcPts val="0"/>
+                  </a:spcBef>
+                  <a:spcAft>
+                    <a:spcPts val="0"/>
+                  </a:spcAft>
+                  <a:buNone/>
+                </a:pPr>
+                <a:endParaRPr>
+                  <a:latin typeface="Inter"/>
+                  <a:ea typeface="Inter"/>
+                  <a:cs typeface="Inter"/>
+                  <a:sym typeface="Inter"/>
+                </a:endParaRPr>
+              </a:p>
+            </p:txBody>
+          </p:sp>
+          <p:sp>
+            <p:nvSpPr>
+              <p:cNvPr id="994" name="Google Shape;994;p23"/>
+              <p:cNvSpPr/>
+              <p:nvPr/>
+            </p:nvSpPr>
+            <p:spPr>
+              <a:xfrm>
+                <a:off x="2152700" y="2096525"/>
+                <a:ext cx="958550" cy="958525"/>
+              </a:xfrm>
+              <a:custGeom>
+                <a:avLst/>
+                <a:gdLst/>
+                <a:ahLst/>
+                <a:cxnLst/>
+                <a:rect l="l" t="t" r="r" b="b"/>
+                <a:pathLst>
+                  <a:path w="38342" h="38341" fill="none" extrusionOk="0">
+                    <a:moveTo>
+                      <a:pt x="38341" y="0"/>
+                    </a:moveTo>
+                    <a:lnTo>
+                      <a:pt x="1" y="38341"/>
+                    </a:lnTo>
+                  </a:path>
+                </a:pathLst>
+              </a:custGeom>
+              <a:noFill/>
+              <a:ln w="19050" cap="rnd" cmpd="sng">
+                <a:solidFill>
+                  <a:schemeClr val="accent1"/>
+                </a:solidFill>
+                <a:prstDash val="solid"/>
+                <a:miter lim="32519"/>
+                <a:headEnd type="none" w="sm" len="sm"/>
+                <a:tailEnd type="none" w="sm" len="sm"/>
+              </a:ln>
+            </p:spPr>
+            <p:txBody>
+              <a:bodyPr spcFirstLastPara="1" wrap="square" lIns="91425" tIns="91425" rIns="91425" bIns="91425" anchor="ctr" anchorCtr="0">
+                <a:noAutofit/>
+              </a:bodyPr>
+              <a:lstStyle/>
+              <a:p>
+                <a:pPr marL="0" lvl="0" indent="0" algn="l" rtl="0">
+                  <a:spcBef>
+                    <a:spcPts val="0"/>
+                  </a:spcBef>
+                  <a:spcAft>
+                    <a:spcPts val="0"/>
+                  </a:spcAft>
+                  <a:buNone/>
+                </a:pPr>
+                <a:endParaRPr>
+                  <a:latin typeface="Inter"/>
+                  <a:ea typeface="Inter"/>
+                  <a:cs typeface="Inter"/>
+                  <a:sym typeface="Inter"/>
+                </a:endParaRPr>
+              </a:p>
+            </p:txBody>
+          </p:sp>
+          <p:sp>
+            <p:nvSpPr>
+              <p:cNvPr id="995" name="Google Shape;995;p23"/>
+              <p:cNvSpPr/>
+              <p:nvPr/>
+            </p:nvSpPr>
+            <p:spPr>
+              <a:xfrm>
+                <a:off x="2298225" y="2241225"/>
+                <a:ext cx="834150" cy="834975"/>
+              </a:xfrm>
+              <a:custGeom>
+                <a:avLst/>
+                <a:gdLst/>
+                <a:ahLst/>
+                <a:cxnLst/>
+                <a:rect l="l" t="t" r="r" b="b"/>
+                <a:pathLst>
+                  <a:path w="33366" h="33399" fill="none" extrusionOk="0">
+                    <a:moveTo>
+                      <a:pt x="33366" y="1"/>
+                    </a:moveTo>
+                    <a:lnTo>
+                      <a:pt x="1" y="33398"/>
+                    </a:lnTo>
+                  </a:path>
+                </a:pathLst>
+              </a:custGeom>
+              <a:noFill/>
+              <a:ln w="19050" cap="rnd" cmpd="sng">
+                <a:solidFill>
+                  <a:schemeClr val="accent1"/>
+                </a:solidFill>
+                <a:prstDash val="solid"/>
+                <a:miter lim="32519"/>
+                <a:headEnd type="none" w="sm" len="sm"/>
+                <a:tailEnd type="none" w="sm" len="sm"/>
+              </a:ln>
+            </p:spPr>
+            <p:txBody>
+              <a:bodyPr spcFirstLastPara="1" wrap="square" lIns="91425" tIns="91425" rIns="91425" bIns="91425" anchor="ctr" anchorCtr="0">
+                <a:noAutofit/>
+              </a:bodyPr>
+              <a:lstStyle/>
+              <a:p>
+                <a:pPr marL="0" lvl="0" indent="0" algn="l" rtl="0">
+                  <a:spcBef>
+                    <a:spcPts val="0"/>
+                  </a:spcBef>
+                  <a:spcAft>
+                    <a:spcPts val="0"/>
+                  </a:spcAft>
+                  <a:buNone/>
+                </a:pPr>
+                <a:endParaRPr>
+                  <a:latin typeface="Inter"/>
+                  <a:ea typeface="Inter"/>
+                  <a:cs typeface="Inter"/>
+                  <a:sym typeface="Inter"/>
+                </a:endParaRPr>
+              </a:p>
+            </p:txBody>
+          </p:sp>
+          <p:sp>
+            <p:nvSpPr>
+              <p:cNvPr id="996" name="Google Shape;996;p23"/>
+              <p:cNvSpPr/>
+              <p:nvPr/>
+            </p:nvSpPr>
+            <p:spPr>
+              <a:xfrm>
+                <a:off x="2473825" y="2417650"/>
+                <a:ext cx="648800" cy="648800"/>
+              </a:xfrm>
+              <a:custGeom>
+                <a:avLst/>
+                <a:gdLst/>
+                <a:ahLst/>
+                <a:cxnLst/>
+                <a:rect l="l" t="t" r="r" b="b"/>
+                <a:pathLst>
+                  <a:path w="25952" h="25952" fill="none" extrusionOk="0">
+                    <a:moveTo>
+                      <a:pt x="25952" y="0"/>
+                    </a:moveTo>
+                    <a:lnTo>
+                      <a:pt x="1" y="25951"/>
+                    </a:lnTo>
+                  </a:path>
+                </a:pathLst>
+              </a:custGeom>
+              <a:noFill/>
+              <a:ln w="19050" cap="rnd" cmpd="sng">
+                <a:solidFill>
+                  <a:schemeClr val="accent1"/>
+                </a:solidFill>
+                <a:prstDash val="solid"/>
+                <a:miter lim="32519"/>
+                <a:headEnd type="none" w="sm" len="sm"/>
+                <a:tailEnd type="none" w="sm" len="sm"/>
+              </a:ln>
+            </p:spPr>
+            <p:txBody>
+              <a:bodyPr spcFirstLastPara="1" wrap="square" lIns="91425" tIns="91425" rIns="91425" bIns="91425" anchor="ctr" anchorCtr="0">
+                <a:noAutofit/>
+              </a:bodyPr>
+              <a:lstStyle/>
+              <a:p>
+                <a:pPr marL="0" lvl="0" indent="0" algn="l" rtl="0">
+                  <a:spcBef>
+                    <a:spcPts val="0"/>
+                  </a:spcBef>
+                  <a:spcAft>
+                    <a:spcPts val="0"/>
+                  </a:spcAft>
+                  <a:buNone/>
+                </a:pPr>
+                <a:endParaRPr>
+                  <a:latin typeface="Inter"/>
+                  <a:ea typeface="Inter"/>
+                  <a:cs typeface="Inter"/>
+                  <a:sym typeface="Inter"/>
+                </a:endParaRPr>
+              </a:p>
+            </p:txBody>
+          </p:sp>
+          <p:sp>
+            <p:nvSpPr>
+              <p:cNvPr id="997" name="Google Shape;997;p23"/>
+              <p:cNvSpPr/>
+              <p:nvPr/>
+            </p:nvSpPr>
+            <p:spPr>
+              <a:xfrm>
+                <a:off x="2730750" y="2674550"/>
+                <a:ext cx="300825" cy="300825"/>
+              </a:xfrm>
+              <a:custGeom>
+                <a:avLst/>
+                <a:gdLst/>
+                <a:ahLst/>
+                <a:cxnLst/>
+                <a:rect l="l" t="t" r="r" b="b"/>
+                <a:pathLst>
+                  <a:path w="12033" h="12033" fill="none" extrusionOk="0">
+                    <a:moveTo>
+                      <a:pt x="12032" y="1"/>
+                    </a:moveTo>
+                    <a:lnTo>
+                      <a:pt x="0" y="12033"/>
+                    </a:lnTo>
+                  </a:path>
+                </a:pathLst>
+              </a:custGeom>
+              <a:noFill/>
+              <a:ln w="19050" cap="rnd" cmpd="sng">
+                <a:solidFill>
+                  <a:schemeClr val="accent1"/>
+                </a:solidFill>
+                <a:prstDash val="solid"/>
+                <a:miter lim="32519"/>
+                <a:headEnd type="none" w="sm" len="sm"/>
+                <a:tailEnd type="none" w="sm" len="sm"/>
+              </a:ln>
+            </p:spPr>
+            <p:txBody>
+              <a:bodyPr spcFirstLastPara="1" wrap="square" lIns="91425" tIns="91425" rIns="91425" bIns="91425" anchor="ctr" anchorCtr="0">
+                <a:noAutofit/>
+              </a:bodyPr>
+              <a:lstStyle/>
+              <a:p>
+                <a:pPr marL="0" lvl="0" indent="0" algn="l" rtl="0">
+                  <a:spcBef>
+                    <a:spcPts val="0"/>
+                  </a:spcBef>
+                  <a:spcAft>
+                    <a:spcPts val="0"/>
+                  </a:spcAft>
+                  <a:buNone/>
+                </a:pPr>
+                <a:endParaRPr>
+                  <a:latin typeface="Inter"/>
+                  <a:ea typeface="Inter"/>
+                  <a:cs typeface="Inter"/>
+                  <a:sym typeface="Inter"/>
+                </a:endParaRPr>
+              </a:p>
+            </p:txBody>
+          </p:sp>
+        </p:grpSp>
+      </p:grpSp>
+      <p:grpSp>
+        <p:nvGrpSpPr>
+          <p:cNvPr id="998" name="Google Shape;998;p23"/>
+          <p:cNvGrpSpPr/>
+          <p:nvPr/>
+        </p:nvGrpSpPr>
+        <p:grpSpPr>
+          <a:xfrm rot="10800000" flipH="1">
+            <a:off x="2970850" y="4539526"/>
+            <a:ext cx="2744275" cy="2727763"/>
+            <a:chOff x="5985575" y="4420825"/>
+            <a:chExt cx="2744275" cy="2727763"/>
+          </a:xfrm>
+        </p:grpSpPr>
+        <p:sp>
+          <p:nvSpPr>
+            <p:cNvPr id="999" name="Google Shape;999;p23"/>
+            <p:cNvSpPr/>
+            <p:nvPr/>
+          </p:nvSpPr>
+          <p:spPr>
+            <a:xfrm>
+              <a:off x="6115050" y="4420825"/>
+              <a:ext cx="2614800" cy="2599800"/>
+            </a:xfrm>
+            <a:prstGeom prst="ellipse">
+              <a:avLst/>
+            </a:prstGeom>
+            <a:solidFill>
+              <a:srgbClr val="FFFFFF">
+                <a:alpha val="35850"/>
+              </a:srgbClr>
+            </a:solidFill>
+            <a:ln>
+              <a:noFill/>
+            </a:ln>
+          </p:spPr>
+          <p:txBody>
+            <a:bodyPr spcFirstLastPara="1" wrap="square" lIns="91425" tIns="91425" rIns="91425" bIns="91425" anchor="ctr" anchorCtr="0">
+              <a:noAutofit/>
+            </a:bodyPr>
+            <a:lstStyle/>
+            <a:p>
+              <a:pPr marL="0" lvl="0" indent="0" algn="l" rtl="0">
+                <a:spcBef>
+                  <a:spcPts val="0"/>
+                </a:spcBef>
+                <a:spcAft>
+                  <a:spcPts val="0"/>
+                </a:spcAft>
+                <a:buNone/>
+              </a:pPr>
+              <a:endParaRPr>
+                <a:latin typeface="Inter"/>
+                <a:ea typeface="Inter"/>
+                <a:cs typeface="Inter"/>
+                <a:sym typeface="Inter"/>
+              </a:endParaRPr>
+            </a:p>
+          </p:txBody>
+        </p:sp>
+        <p:grpSp>
+          <p:nvGrpSpPr>
+            <p:cNvPr id="1000" name="Google Shape;1000;p23"/>
+            <p:cNvGrpSpPr/>
+            <p:nvPr/>
+          </p:nvGrpSpPr>
+          <p:grpSpPr>
+            <a:xfrm rot="5400000" flipH="1">
+              <a:off x="5986247" y="4572099"/>
+              <a:ext cx="2575817" cy="2577160"/>
+              <a:chOff x="1550275" y="1493275"/>
+              <a:chExt cx="1582100" cy="1582925"/>
+            </a:xfrm>
+          </p:grpSpPr>
+          <p:sp>
+            <p:nvSpPr>
+              <p:cNvPr id="1001" name="Google Shape;1001;p23"/>
+              <p:cNvSpPr/>
+              <p:nvPr/>
+            </p:nvSpPr>
+            <p:spPr>
+              <a:xfrm>
+                <a:off x="1650275" y="1594100"/>
+                <a:ext cx="301650" cy="300825"/>
+              </a:xfrm>
+              <a:custGeom>
+                <a:avLst/>
+                <a:gdLst/>
+                <a:ahLst/>
+                <a:cxnLst/>
+                <a:rect l="l" t="t" r="r" b="b"/>
+                <a:pathLst>
+                  <a:path w="12066" h="12033" fill="none" extrusionOk="0">
+                    <a:moveTo>
+                      <a:pt x="1" y="12032"/>
+                    </a:moveTo>
+                    <a:lnTo>
+                      <a:pt x="12065" y="0"/>
+                    </a:lnTo>
+                  </a:path>
+                </a:pathLst>
+              </a:custGeom>
+              <a:noFill/>
+              <a:ln w="19050" cap="rnd" cmpd="sng">
+                <a:solidFill>
+                  <a:schemeClr val="accent1"/>
+                </a:solidFill>
+                <a:prstDash val="solid"/>
+                <a:miter lim="32519"/>
+                <a:headEnd type="none" w="sm" len="sm"/>
+                <a:tailEnd type="none" w="sm" len="sm"/>
+              </a:ln>
+            </p:spPr>
+            <p:txBody>
+              <a:bodyPr spcFirstLastPara="1" wrap="square" lIns="91425" tIns="91425" rIns="91425" bIns="91425" anchor="ctr" anchorCtr="0">
+                <a:noAutofit/>
+              </a:bodyPr>
+              <a:lstStyle/>
+              <a:p>
+                <a:pPr marL="0" lvl="0" indent="0" algn="l" rtl="0">
+                  <a:spcBef>
+                    <a:spcPts val="0"/>
+                  </a:spcBef>
+                  <a:spcAft>
+                    <a:spcPts val="0"/>
+                  </a:spcAft>
+                  <a:buNone/>
+                </a:pPr>
+                <a:endParaRPr>
+                  <a:latin typeface="Inter"/>
+                  <a:ea typeface="Inter"/>
+                  <a:cs typeface="Inter"/>
+                  <a:sym typeface="Inter"/>
+                </a:endParaRPr>
+              </a:p>
+            </p:txBody>
+          </p:sp>
+          <p:sp>
+            <p:nvSpPr>
+              <p:cNvPr id="1002" name="Google Shape;1002;p23"/>
+              <p:cNvSpPr/>
+              <p:nvPr/>
+            </p:nvSpPr>
+            <p:spPr>
+              <a:xfrm>
+                <a:off x="1560025" y="1503850"/>
+                <a:ext cx="648800" cy="647975"/>
+              </a:xfrm>
+              <a:custGeom>
+                <a:avLst/>
+                <a:gdLst/>
+                <a:ahLst/>
+                <a:cxnLst/>
+                <a:rect l="l" t="t" r="r" b="b"/>
+                <a:pathLst>
+                  <a:path w="25952" h="25919" fill="none" extrusionOk="0">
+                    <a:moveTo>
+                      <a:pt x="1" y="25919"/>
+                    </a:moveTo>
+                    <a:lnTo>
+                      <a:pt x="25952" y="0"/>
+                    </a:lnTo>
+                  </a:path>
+                </a:pathLst>
+              </a:custGeom>
+              <a:noFill/>
+              <a:ln w="19050" cap="rnd" cmpd="sng">
+                <a:solidFill>
+                  <a:schemeClr val="accent1"/>
+                </a:solidFill>
+                <a:prstDash val="solid"/>
+                <a:miter lim="32519"/>
+                <a:headEnd type="none" w="sm" len="sm"/>
+                <a:tailEnd type="none" w="sm" len="sm"/>
+              </a:ln>
+            </p:spPr>
+            <p:txBody>
+              <a:bodyPr spcFirstLastPara="1" wrap="square" lIns="91425" tIns="91425" rIns="91425" bIns="91425" anchor="ctr" anchorCtr="0">
+                <a:noAutofit/>
+              </a:bodyPr>
+              <a:lstStyle/>
+              <a:p>
+                <a:pPr marL="0" lvl="0" indent="0" algn="l" rtl="0">
+                  <a:spcBef>
+                    <a:spcPts val="0"/>
+                  </a:spcBef>
+                  <a:spcAft>
+                    <a:spcPts val="0"/>
+                  </a:spcAft>
+                  <a:buNone/>
+                </a:pPr>
+                <a:endParaRPr>
+                  <a:latin typeface="Inter"/>
+                  <a:ea typeface="Inter"/>
+                  <a:cs typeface="Inter"/>
+                  <a:sym typeface="Inter"/>
+                </a:endParaRPr>
+              </a:p>
+            </p:txBody>
+          </p:sp>
+          <p:sp>
+            <p:nvSpPr>
+              <p:cNvPr id="1003" name="Google Shape;1003;p23"/>
+              <p:cNvSpPr/>
+              <p:nvPr/>
+            </p:nvSpPr>
+            <p:spPr>
+              <a:xfrm>
+                <a:off x="1550275" y="1493275"/>
+                <a:ext cx="834150" cy="834975"/>
+              </a:xfrm>
+              <a:custGeom>
+                <a:avLst/>
+                <a:gdLst/>
+                <a:ahLst/>
+                <a:cxnLst/>
+                <a:rect l="l" t="t" r="r" b="b"/>
+                <a:pathLst>
+                  <a:path w="33366" h="33399" fill="none" extrusionOk="0">
+                    <a:moveTo>
+                      <a:pt x="1" y="33398"/>
+                    </a:moveTo>
+                    <a:lnTo>
+                      <a:pt x="33366" y="1"/>
+                    </a:lnTo>
+                  </a:path>
+                </a:pathLst>
+              </a:custGeom>
+              <a:noFill/>
+              <a:ln w="19050" cap="rnd" cmpd="sng">
+                <a:solidFill>
+                  <a:schemeClr val="accent1"/>
+                </a:solidFill>
+                <a:prstDash val="solid"/>
+                <a:miter lim="32519"/>
+                <a:headEnd type="none" w="sm" len="sm"/>
+                <a:tailEnd type="none" w="sm" len="sm"/>
+              </a:ln>
+            </p:spPr>
+            <p:txBody>
+              <a:bodyPr spcFirstLastPara="1" wrap="square" lIns="91425" tIns="91425" rIns="91425" bIns="91425" anchor="ctr" anchorCtr="0">
+                <a:noAutofit/>
+              </a:bodyPr>
+              <a:lstStyle/>
+              <a:p>
+                <a:pPr marL="0" lvl="0" indent="0" algn="l" rtl="0">
+                  <a:spcBef>
+                    <a:spcPts val="0"/>
+                  </a:spcBef>
+                  <a:spcAft>
+                    <a:spcPts val="0"/>
+                  </a:spcAft>
+                  <a:buNone/>
+                </a:pPr>
+                <a:endParaRPr>
+                  <a:latin typeface="Inter"/>
+                  <a:ea typeface="Inter"/>
+                  <a:cs typeface="Inter"/>
+                  <a:sym typeface="Inter"/>
+                </a:endParaRPr>
+              </a:p>
+            </p:txBody>
+          </p:sp>
+          <p:sp>
+            <p:nvSpPr>
+              <p:cNvPr id="1004" name="Google Shape;1004;p23"/>
+              <p:cNvSpPr/>
+              <p:nvPr/>
+            </p:nvSpPr>
+            <p:spPr>
+              <a:xfrm>
+                <a:off x="1571425" y="1514425"/>
+                <a:ext cx="957725" cy="958525"/>
+              </a:xfrm>
+              <a:custGeom>
+                <a:avLst/>
+                <a:gdLst/>
+                <a:ahLst/>
+                <a:cxnLst/>
+                <a:rect l="l" t="t" r="r" b="b"/>
+                <a:pathLst>
+                  <a:path w="38309" h="38341" fill="none" extrusionOk="0">
+                    <a:moveTo>
+                      <a:pt x="0" y="38341"/>
+                    </a:moveTo>
+                    <a:lnTo>
+                      <a:pt x="38308" y="0"/>
+                    </a:lnTo>
+                  </a:path>
+                </a:pathLst>
+              </a:custGeom>
+              <a:noFill/>
+              <a:ln w="19050" cap="rnd" cmpd="sng">
+                <a:solidFill>
+                  <a:schemeClr val="accent1"/>
+                </a:solidFill>
+                <a:prstDash val="solid"/>
+                <a:miter lim="32519"/>
+                <a:headEnd type="none" w="sm" len="sm"/>
+                <a:tailEnd type="none" w="sm" len="sm"/>
+              </a:ln>
+            </p:spPr>
+            <p:txBody>
+              <a:bodyPr spcFirstLastPara="1" wrap="square" lIns="91425" tIns="91425" rIns="91425" bIns="91425" anchor="ctr" anchorCtr="0">
+                <a:noAutofit/>
+              </a:bodyPr>
+              <a:lstStyle/>
+              <a:p>
+                <a:pPr marL="0" lvl="0" indent="0" algn="l" rtl="0">
+                  <a:spcBef>
+                    <a:spcPts val="0"/>
+                  </a:spcBef>
+                  <a:spcAft>
+                    <a:spcPts val="0"/>
+                  </a:spcAft>
+                  <a:buNone/>
+                </a:pPr>
+                <a:endParaRPr>
+                  <a:latin typeface="Inter"/>
+                  <a:ea typeface="Inter"/>
+                  <a:cs typeface="Inter"/>
+                  <a:sym typeface="Inter"/>
+                </a:endParaRPr>
+              </a:p>
+            </p:txBody>
+          </p:sp>
+          <p:sp>
+            <p:nvSpPr>
+              <p:cNvPr id="1005" name="Google Shape;1005;p23"/>
+              <p:cNvSpPr/>
+              <p:nvPr/>
+            </p:nvSpPr>
+            <p:spPr>
+              <a:xfrm>
+                <a:off x="1612875" y="1555875"/>
+                <a:ext cx="1041475" cy="1042275"/>
+              </a:xfrm>
+              <a:custGeom>
+                <a:avLst/>
+                <a:gdLst/>
+                <a:ahLst/>
+                <a:cxnLst/>
+                <a:rect l="l" t="t" r="r" b="b"/>
+                <a:pathLst>
+                  <a:path w="41659" h="41691" fill="none" extrusionOk="0">
+                    <a:moveTo>
+                      <a:pt x="1" y="41691"/>
+                    </a:moveTo>
+                    <a:lnTo>
+                      <a:pt x="41658" y="1"/>
+                    </a:lnTo>
+                  </a:path>
+                </a:pathLst>
+              </a:custGeom>
+              <a:noFill/>
+              <a:ln w="19050" cap="rnd" cmpd="sng">
+                <a:solidFill>
+                  <a:schemeClr val="accent1"/>
+                </a:solidFill>
+                <a:prstDash val="solid"/>
+                <a:miter lim="32519"/>
+                <a:headEnd type="none" w="sm" len="sm"/>
+                <a:tailEnd type="none" w="sm" len="sm"/>
+              </a:ln>
+            </p:spPr>
+            <p:txBody>
+              <a:bodyPr spcFirstLastPara="1" wrap="square" lIns="91425" tIns="91425" rIns="91425" bIns="91425" anchor="ctr" anchorCtr="0">
+                <a:noAutofit/>
+              </a:bodyPr>
+              <a:lstStyle/>
+              <a:p>
+                <a:pPr marL="0" lvl="0" indent="0" algn="l" rtl="0">
+                  <a:spcBef>
+                    <a:spcPts val="0"/>
+                  </a:spcBef>
+                  <a:spcAft>
+                    <a:spcPts val="0"/>
+                  </a:spcAft>
+                  <a:buNone/>
+                </a:pPr>
+                <a:endParaRPr>
+                  <a:latin typeface="Inter"/>
+                  <a:ea typeface="Inter"/>
+                  <a:cs typeface="Inter"/>
+                  <a:sym typeface="Inter"/>
+                </a:endParaRPr>
+              </a:p>
+            </p:txBody>
+          </p:sp>
+          <p:sp>
+            <p:nvSpPr>
+              <p:cNvPr id="1006" name="Google Shape;1006;p23"/>
+              <p:cNvSpPr/>
+              <p:nvPr/>
+            </p:nvSpPr>
+            <p:spPr>
+              <a:xfrm>
+                <a:off x="1669800" y="1613600"/>
+                <a:ext cx="1093475" cy="1092675"/>
+              </a:xfrm>
+              <a:custGeom>
+                <a:avLst/>
+                <a:gdLst/>
+                <a:ahLst/>
+                <a:cxnLst/>
+                <a:rect l="l" t="t" r="r" b="b"/>
+                <a:pathLst>
+                  <a:path w="43739" h="43707" fill="none" extrusionOk="0">
+                    <a:moveTo>
+                      <a:pt x="0" y="43707"/>
+                    </a:moveTo>
+                    <a:lnTo>
+                      <a:pt x="43739" y="1"/>
+                    </a:lnTo>
+                  </a:path>
+                </a:pathLst>
+              </a:custGeom>
+              <a:noFill/>
+              <a:ln w="19050" cap="rnd" cmpd="sng">
+                <a:solidFill>
+                  <a:schemeClr val="accent1"/>
+                </a:solidFill>
+                <a:prstDash val="solid"/>
+                <a:miter lim="32519"/>
+                <a:headEnd type="none" w="sm" len="sm"/>
+                <a:tailEnd type="none" w="sm" len="sm"/>
+              </a:ln>
+            </p:spPr>
+            <p:txBody>
+              <a:bodyPr spcFirstLastPara="1" wrap="square" lIns="91425" tIns="91425" rIns="91425" bIns="91425" anchor="ctr" anchorCtr="0">
+                <a:noAutofit/>
+              </a:bodyPr>
+              <a:lstStyle/>
+              <a:p>
+                <a:pPr marL="0" lvl="0" indent="0" algn="l" rtl="0">
+                  <a:spcBef>
+                    <a:spcPts val="0"/>
+                  </a:spcBef>
+                  <a:spcAft>
+                    <a:spcPts val="0"/>
+                  </a:spcAft>
+                  <a:buNone/>
+                </a:pPr>
+                <a:endParaRPr>
+                  <a:latin typeface="Inter"/>
+                  <a:ea typeface="Inter"/>
+                  <a:cs typeface="Inter"/>
+                  <a:sym typeface="Inter"/>
+                </a:endParaRPr>
+              </a:p>
+            </p:txBody>
+          </p:sp>
+          <p:sp>
+            <p:nvSpPr>
+              <p:cNvPr id="1007" name="Google Shape;1007;p23"/>
+              <p:cNvSpPr/>
+              <p:nvPr/>
+            </p:nvSpPr>
+            <p:spPr>
+              <a:xfrm>
+                <a:off x="1724445" y="1684323"/>
+                <a:ext cx="1133953" cy="1137555"/>
+              </a:xfrm>
+              <a:custGeom>
+                <a:avLst/>
+                <a:gdLst/>
+                <a:ahLst/>
+                <a:cxnLst/>
+                <a:rect l="l" t="t" r="r" b="b"/>
+                <a:pathLst>
+                  <a:path w="75837" h="75837" fill="none" extrusionOk="0">
+                    <a:moveTo>
+                      <a:pt x="1" y="75836"/>
+                    </a:moveTo>
+                    <a:lnTo>
+                      <a:pt x="75837" y="1"/>
+                    </a:lnTo>
+                  </a:path>
+                </a:pathLst>
+              </a:custGeom>
+              <a:noFill/>
+              <a:ln w="19050" cap="rnd" cmpd="sng">
+                <a:solidFill>
+                  <a:schemeClr val="accent1"/>
+                </a:solidFill>
+                <a:prstDash val="solid"/>
+                <a:miter lim="32519"/>
+                <a:headEnd type="none" w="sm" len="sm"/>
+                <a:tailEnd type="none" w="sm" len="sm"/>
+              </a:ln>
+            </p:spPr>
+            <p:txBody>
+              <a:bodyPr spcFirstLastPara="1" wrap="square" lIns="91425" tIns="91425" rIns="91425" bIns="91425" anchor="ctr" anchorCtr="0">
+                <a:noAutofit/>
+              </a:bodyPr>
+              <a:lstStyle/>
+              <a:p>
+                <a:pPr marL="0" lvl="0" indent="0" algn="l" rtl="0">
+                  <a:spcBef>
+                    <a:spcPts val="0"/>
+                  </a:spcBef>
+                  <a:spcAft>
+                    <a:spcPts val="0"/>
+                  </a:spcAft>
+                  <a:buNone/>
+                </a:pPr>
+                <a:endParaRPr>
+                  <a:latin typeface="Inter"/>
+                  <a:ea typeface="Inter"/>
+                  <a:cs typeface="Inter"/>
+                  <a:sym typeface="Inter"/>
+                </a:endParaRPr>
+              </a:p>
+            </p:txBody>
+          </p:sp>
+          <p:sp>
+            <p:nvSpPr>
+              <p:cNvPr id="1008" name="Google Shape;1008;p23"/>
+              <p:cNvSpPr/>
+              <p:nvPr/>
+            </p:nvSpPr>
+            <p:spPr>
+              <a:xfrm>
+                <a:off x="1802230" y="1767248"/>
+                <a:ext cx="1139947" cy="1128455"/>
+              </a:xfrm>
+              <a:custGeom>
+                <a:avLst/>
+                <a:gdLst/>
+                <a:ahLst/>
+                <a:cxnLst/>
+                <a:rect l="l" t="t" r="r" b="b"/>
+                <a:pathLst>
+                  <a:path w="75870" h="75837" fill="none" extrusionOk="0">
+                    <a:moveTo>
+                      <a:pt x="1" y="75836"/>
+                    </a:moveTo>
+                    <a:lnTo>
+                      <a:pt x="75869" y="1"/>
+                    </a:lnTo>
+                  </a:path>
+                </a:pathLst>
+              </a:custGeom>
+              <a:noFill/>
+              <a:ln w="19050" cap="rnd" cmpd="sng">
+                <a:solidFill>
+                  <a:schemeClr val="accent1"/>
+                </a:solidFill>
+                <a:prstDash val="solid"/>
+                <a:miter lim="32519"/>
+                <a:headEnd type="none" w="sm" len="sm"/>
+                <a:tailEnd type="none" w="sm" len="sm"/>
+              </a:ln>
+            </p:spPr>
+            <p:txBody>
+              <a:bodyPr spcFirstLastPara="1" wrap="square" lIns="91425" tIns="91425" rIns="91425" bIns="91425" anchor="ctr" anchorCtr="0">
+                <a:noAutofit/>
+              </a:bodyPr>
+              <a:lstStyle/>
+              <a:p>
+                <a:pPr marL="0" lvl="0" indent="0" algn="l" rtl="0">
+                  <a:spcBef>
+                    <a:spcPts val="0"/>
+                  </a:spcBef>
+                  <a:spcAft>
+                    <a:spcPts val="0"/>
+                  </a:spcAft>
+                  <a:buNone/>
+                </a:pPr>
+                <a:endParaRPr>
+                  <a:latin typeface="Inter"/>
+                  <a:ea typeface="Inter"/>
+                  <a:cs typeface="Inter"/>
+                  <a:sym typeface="Inter"/>
+                </a:endParaRPr>
+              </a:p>
+            </p:txBody>
+          </p:sp>
+          <p:sp>
+            <p:nvSpPr>
+              <p:cNvPr id="1009" name="Google Shape;1009;p23"/>
+              <p:cNvSpPr/>
+              <p:nvPr/>
+            </p:nvSpPr>
+            <p:spPr>
+              <a:xfrm>
+                <a:off x="1902777" y="1863204"/>
+                <a:ext cx="1109325" cy="1105584"/>
+              </a:xfrm>
+              <a:custGeom>
+                <a:avLst/>
+                <a:gdLst/>
+                <a:ahLst/>
+                <a:cxnLst/>
+                <a:rect l="l" t="t" r="r" b="b"/>
+                <a:pathLst>
+                  <a:path w="74828" h="74828" fill="none" extrusionOk="0">
+                    <a:moveTo>
+                      <a:pt x="0" y="74828"/>
+                    </a:moveTo>
+                    <a:lnTo>
+                      <a:pt x="74828" y="0"/>
+                    </a:lnTo>
+                  </a:path>
+                </a:pathLst>
+              </a:custGeom>
+              <a:noFill/>
+              <a:ln w="19050" cap="rnd" cmpd="sng">
+                <a:solidFill>
+                  <a:schemeClr val="accent1"/>
+                </a:solidFill>
+                <a:prstDash val="solid"/>
+                <a:miter lim="32519"/>
+                <a:headEnd type="none" w="sm" len="sm"/>
+                <a:tailEnd type="none" w="sm" len="sm"/>
+              </a:ln>
+            </p:spPr>
+            <p:txBody>
+              <a:bodyPr spcFirstLastPara="1" wrap="square" lIns="91425" tIns="91425" rIns="91425" bIns="91425" anchor="ctr" anchorCtr="0">
+                <a:noAutofit/>
+              </a:bodyPr>
+              <a:lstStyle/>
+              <a:p>
+                <a:pPr marL="0" lvl="0" indent="0" algn="l" rtl="0">
+                  <a:spcBef>
+                    <a:spcPts val="0"/>
+                  </a:spcBef>
+                  <a:spcAft>
+                    <a:spcPts val="0"/>
+                  </a:spcAft>
+                  <a:buNone/>
+                </a:pPr>
+                <a:endParaRPr>
+                  <a:latin typeface="Inter"/>
+                  <a:ea typeface="Inter"/>
+                  <a:cs typeface="Inter"/>
+                  <a:sym typeface="Inter"/>
+                </a:endParaRPr>
+              </a:p>
+            </p:txBody>
+          </p:sp>
+          <p:sp>
+            <p:nvSpPr>
+              <p:cNvPr id="1010" name="Google Shape;1010;p23"/>
+              <p:cNvSpPr/>
+              <p:nvPr/>
+            </p:nvSpPr>
+            <p:spPr>
+              <a:xfrm>
+                <a:off x="2027500" y="1971325"/>
+                <a:ext cx="1042275" cy="1042275"/>
+              </a:xfrm>
+              <a:custGeom>
+                <a:avLst/>
+                <a:gdLst/>
+                <a:ahLst/>
+                <a:cxnLst/>
+                <a:rect l="l" t="t" r="r" b="b"/>
+                <a:pathLst>
+                  <a:path w="41691" h="41691" fill="none" extrusionOk="0">
+                    <a:moveTo>
+                      <a:pt x="41691" y="0"/>
+                    </a:moveTo>
+                    <a:lnTo>
+                      <a:pt x="1" y="41690"/>
+                    </a:lnTo>
+                  </a:path>
+                </a:pathLst>
+              </a:custGeom>
+              <a:noFill/>
+              <a:ln w="19050" cap="rnd" cmpd="sng">
+                <a:solidFill>
+                  <a:schemeClr val="accent1"/>
+                </a:solidFill>
+                <a:prstDash val="solid"/>
+                <a:miter lim="32519"/>
+                <a:headEnd type="none" w="sm" len="sm"/>
+                <a:tailEnd type="none" w="sm" len="sm"/>
+              </a:ln>
+            </p:spPr>
+            <p:txBody>
+              <a:bodyPr spcFirstLastPara="1" wrap="square" lIns="91425" tIns="91425" rIns="91425" bIns="91425" anchor="ctr" anchorCtr="0">
+                <a:noAutofit/>
+              </a:bodyPr>
+              <a:lstStyle/>
+              <a:p>
+                <a:pPr marL="0" lvl="0" indent="0" algn="l" rtl="0">
+                  <a:spcBef>
+                    <a:spcPts val="0"/>
+                  </a:spcBef>
+                  <a:spcAft>
+                    <a:spcPts val="0"/>
+                  </a:spcAft>
+                  <a:buNone/>
+                </a:pPr>
+                <a:endParaRPr>
+                  <a:latin typeface="Inter"/>
+                  <a:ea typeface="Inter"/>
+                  <a:cs typeface="Inter"/>
+                  <a:sym typeface="Inter"/>
+                </a:endParaRPr>
+              </a:p>
+            </p:txBody>
+          </p:sp>
+          <p:sp>
+            <p:nvSpPr>
+              <p:cNvPr id="1011" name="Google Shape;1011;p23"/>
+              <p:cNvSpPr/>
+              <p:nvPr/>
+            </p:nvSpPr>
+            <p:spPr>
+              <a:xfrm>
+                <a:off x="2152700" y="2096525"/>
+                <a:ext cx="958550" cy="958525"/>
+              </a:xfrm>
+              <a:custGeom>
+                <a:avLst/>
+                <a:gdLst/>
+                <a:ahLst/>
+                <a:cxnLst/>
+                <a:rect l="l" t="t" r="r" b="b"/>
+                <a:pathLst>
+                  <a:path w="38342" h="38341" fill="none" extrusionOk="0">
+                    <a:moveTo>
+                      <a:pt x="38341" y="0"/>
+                    </a:moveTo>
+                    <a:lnTo>
+                      <a:pt x="1" y="38341"/>
+                    </a:lnTo>
+                  </a:path>
+                </a:pathLst>
+              </a:custGeom>
+              <a:noFill/>
+              <a:ln w="19050" cap="rnd" cmpd="sng">
+                <a:solidFill>
+                  <a:schemeClr val="accent1"/>
+                </a:solidFill>
+                <a:prstDash val="solid"/>
+                <a:miter lim="32519"/>
+                <a:headEnd type="none" w="sm" len="sm"/>
+                <a:tailEnd type="none" w="sm" len="sm"/>
+              </a:ln>
+            </p:spPr>
+            <p:txBody>
+              <a:bodyPr spcFirstLastPara="1" wrap="square" lIns="91425" tIns="91425" rIns="91425" bIns="91425" anchor="ctr" anchorCtr="0">
+                <a:noAutofit/>
+              </a:bodyPr>
+              <a:lstStyle/>
+              <a:p>
+                <a:pPr marL="0" lvl="0" indent="0" algn="l" rtl="0">
+                  <a:spcBef>
+                    <a:spcPts val="0"/>
+                  </a:spcBef>
+                  <a:spcAft>
+                    <a:spcPts val="0"/>
+                  </a:spcAft>
+                  <a:buNone/>
+                </a:pPr>
+                <a:endParaRPr>
+                  <a:latin typeface="Inter"/>
+                  <a:ea typeface="Inter"/>
+                  <a:cs typeface="Inter"/>
+                  <a:sym typeface="Inter"/>
+                </a:endParaRPr>
+              </a:p>
+            </p:txBody>
+          </p:sp>
+          <p:sp>
+            <p:nvSpPr>
+              <p:cNvPr id="1012" name="Google Shape;1012;p23"/>
+              <p:cNvSpPr/>
+              <p:nvPr/>
+            </p:nvSpPr>
+            <p:spPr>
+              <a:xfrm>
+                <a:off x="2298225" y="2241225"/>
+                <a:ext cx="834150" cy="834975"/>
+              </a:xfrm>
+              <a:custGeom>
+                <a:avLst/>
+                <a:gdLst/>
+                <a:ahLst/>
+                <a:cxnLst/>
+                <a:rect l="l" t="t" r="r" b="b"/>
+                <a:pathLst>
+                  <a:path w="33366" h="33399" fill="none" extrusionOk="0">
+                    <a:moveTo>
+                      <a:pt x="33366" y="1"/>
+                    </a:moveTo>
+                    <a:lnTo>
+                      <a:pt x="1" y="33398"/>
+                    </a:lnTo>
+                  </a:path>
+                </a:pathLst>
+              </a:custGeom>
+              <a:noFill/>
+              <a:ln w="19050" cap="rnd" cmpd="sng">
+                <a:solidFill>
+                  <a:schemeClr val="accent1"/>
+                </a:solidFill>
+                <a:prstDash val="solid"/>
+                <a:miter lim="32519"/>
+                <a:headEnd type="none" w="sm" len="sm"/>
+                <a:tailEnd type="none" w="sm" len="sm"/>
+              </a:ln>
+            </p:spPr>
+            <p:txBody>
+              <a:bodyPr spcFirstLastPara="1" wrap="square" lIns="91425" tIns="91425" rIns="91425" bIns="91425" anchor="ctr" anchorCtr="0">
+                <a:noAutofit/>
+              </a:bodyPr>
+              <a:lstStyle/>
+              <a:p>
+                <a:pPr marL="0" lvl="0" indent="0" algn="l" rtl="0">
+                  <a:spcBef>
+                    <a:spcPts val="0"/>
+                  </a:spcBef>
+                  <a:spcAft>
+                    <a:spcPts val="0"/>
+                  </a:spcAft>
+                  <a:buNone/>
+                </a:pPr>
+                <a:endParaRPr>
+                  <a:latin typeface="Inter"/>
+                  <a:ea typeface="Inter"/>
+                  <a:cs typeface="Inter"/>
+                  <a:sym typeface="Inter"/>
+                </a:endParaRPr>
+              </a:p>
+            </p:txBody>
+          </p:sp>
+          <p:sp>
+            <p:nvSpPr>
+              <p:cNvPr id="1013" name="Google Shape;1013;p23"/>
+              <p:cNvSpPr/>
+              <p:nvPr/>
+            </p:nvSpPr>
+            <p:spPr>
+              <a:xfrm>
+                <a:off x="2473825" y="2417650"/>
+                <a:ext cx="648800" cy="648800"/>
+              </a:xfrm>
+              <a:custGeom>
+                <a:avLst/>
+                <a:gdLst/>
+                <a:ahLst/>
+                <a:cxnLst/>
+                <a:rect l="l" t="t" r="r" b="b"/>
+                <a:pathLst>
+                  <a:path w="25952" h="25952" fill="none" extrusionOk="0">
+                    <a:moveTo>
+                      <a:pt x="25952" y="0"/>
+                    </a:moveTo>
+                    <a:lnTo>
+                      <a:pt x="1" y="25951"/>
+                    </a:lnTo>
+                  </a:path>
+                </a:pathLst>
+              </a:custGeom>
+              <a:noFill/>
+              <a:ln w="19050" cap="rnd" cmpd="sng">
+                <a:solidFill>
+                  <a:schemeClr val="accent1"/>
+                </a:solidFill>
+                <a:prstDash val="solid"/>
+                <a:miter lim="32519"/>
+                <a:headEnd type="none" w="sm" len="sm"/>
+                <a:tailEnd type="none" w="sm" len="sm"/>
+              </a:ln>
+            </p:spPr>
+            <p:txBody>
+              <a:bodyPr spcFirstLastPara="1" wrap="square" lIns="91425" tIns="91425" rIns="91425" bIns="91425" anchor="ctr" anchorCtr="0">
+                <a:noAutofit/>
+              </a:bodyPr>
+              <a:lstStyle/>
+              <a:p>
+                <a:pPr marL="0" lvl="0" indent="0" algn="l" rtl="0">
+                  <a:spcBef>
+                    <a:spcPts val="0"/>
+                  </a:spcBef>
+                  <a:spcAft>
+                    <a:spcPts val="0"/>
+                  </a:spcAft>
+                  <a:buNone/>
+                </a:pPr>
+                <a:endParaRPr>
+                  <a:latin typeface="Inter"/>
+                  <a:ea typeface="Inter"/>
+                  <a:cs typeface="Inter"/>
+                  <a:sym typeface="Inter"/>
+                </a:endParaRPr>
+              </a:p>
+            </p:txBody>
+          </p:sp>
+          <p:sp>
+            <p:nvSpPr>
+              <p:cNvPr id="1014" name="Google Shape;1014;p23"/>
+              <p:cNvSpPr/>
+              <p:nvPr/>
+            </p:nvSpPr>
+            <p:spPr>
+              <a:xfrm>
+                <a:off x="2730750" y="2674550"/>
+                <a:ext cx="300825" cy="300825"/>
+              </a:xfrm>
+              <a:custGeom>
+                <a:avLst/>
+                <a:gdLst/>
+                <a:ahLst/>
+                <a:cxnLst/>
+                <a:rect l="l" t="t" r="r" b="b"/>
+                <a:pathLst>
+                  <a:path w="12033" h="12033" fill="none" extrusionOk="0">
+                    <a:moveTo>
+                      <a:pt x="12032" y="1"/>
+                    </a:moveTo>
+                    <a:lnTo>
+                      <a:pt x="0" y="12033"/>
+                    </a:lnTo>
+                  </a:path>
+                </a:pathLst>
+              </a:custGeom>
+              <a:noFill/>
+              <a:ln w="19050" cap="rnd" cmpd="sng">
+                <a:solidFill>
+                  <a:schemeClr val="accent1"/>
+                </a:solidFill>
+                <a:prstDash val="solid"/>
+                <a:miter lim="32519"/>
+                <a:headEnd type="none" w="sm" len="sm"/>
+                <a:tailEnd type="none" w="sm" len="sm"/>
+              </a:ln>
+            </p:spPr>
+            <p:txBody>
+              <a:bodyPr spcFirstLastPara="1" wrap="square" lIns="91425" tIns="91425" rIns="91425" bIns="91425" anchor="ctr" anchorCtr="0">
+                <a:noAutofit/>
+              </a:bodyPr>
+              <a:lstStyle/>
+              <a:p>
+                <a:pPr marL="0" lvl="0" indent="0" algn="l" rtl="0">
+                  <a:spcBef>
+                    <a:spcPts val="0"/>
+                  </a:spcBef>
+                  <a:spcAft>
+                    <a:spcPts val="0"/>
+                  </a:spcAft>
+                  <a:buNone/>
+                </a:pPr>
+                <a:endParaRPr>
+                  <a:latin typeface="Inter"/>
+                  <a:ea typeface="Inter"/>
+                  <a:cs typeface="Inter"/>
+                  <a:sym typeface="Inter"/>
+                </a:endParaRPr>
+              </a:p>
+            </p:txBody>
+          </p:sp>
+        </p:grpSp>
+      </p:grpSp>
+      <p:grpSp>
+        <p:nvGrpSpPr>
+          <p:cNvPr id="1015" name="Google Shape;1015;p23"/>
+          <p:cNvGrpSpPr/>
+          <p:nvPr/>
+        </p:nvGrpSpPr>
+        <p:grpSpPr>
+          <a:xfrm rot="10800000" flipH="1">
+            <a:off x="-1281564" y="-1968506"/>
+            <a:ext cx="2577160" cy="2638569"/>
+            <a:chOff x="-1115775" y="4467744"/>
+            <a:chExt cx="2577160" cy="2638569"/>
+          </a:xfrm>
+        </p:grpSpPr>
+        <p:sp>
+          <p:nvSpPr>
+            <p:cNvPr id="1016" name="Google Shape;1016;p23"/>
+            <p:cNvSpPr/>
+            <p:nvPr/>
+          </p:nvSpPr>
+          <p:spPr>
+            <a:xfrm>
+              <a:off x="-961762" y="4467744"/>
+              <a:ext cx="1751700" cy="1751700"/>
+            </a:xfrm>
+            <a:prstGeom prst="ellipse">
+              <a:avLst/>
+            </a:prstGeom>
+            <a:solidFill>
+              <a:schemeClr val="accent1"/>
+            </a:solidFill>
+            <a:ln>
+              <a:noFill/>
+            </a:ln>
+          </p:spPr>
+          <p:txBody>
+            <a:bodyPr spcFirstLastPara="1" wrap="square" lIns="91425" tIns="91425" rIns="91425" bIns="91425" anchor="ctr" anchorCtr="0">
+              <a:noAutofit/>
+            </a:bodyPr>
+            <a:lstStyle/>
+            <a:p>
+              <a:pPr marL="0" lvl="0" indent="0" algn="l" rtl="0">
+                <a:spcBef>
+                  <a:spcPts val="0"/>
+                </a:spcBef>
+                <a:spcAft>
+                  <a:spcPts val="0"/>
+                </a:spcAft>
+                <a:buNone/>
+              </a:pPr>
+              <a:endParaRPr>
+                <a:latin typeface="Inter"/>
+                <a:ea typeface="Inter"/>
+                <a:cs typeface="Inter"/>
+                <a:sym typeface="Inter"/>
+              </a:endParaRPr>
+            </a:p>
+          </p:txBody>
+        </p:sp>
+        <p:grpSp>
+          <p:nvGrpSpPr>
+            <p:cNvPr id="1017" name="Google Shape;1017;p23"/>
+            <p:cNvGrpSpPr/>
+            <p:nvPr/>
+          </p:nvGrpSpPr>
+          <p:grpSpPr>
+            <a:xfrm rot="5400000" flipH="1">
+              <a:off x="-1115103" y="4529824"/>
+              <a:ext cx="2575817" cy="2577160"/>
+              <a:chOff x="1550275" y="1493275"/>
+              <a:chExt cx="1582100" cy="1582925"/>
+            </a:xfrm>
+          </p:grpSpPr>
+          <p:sp>
+            <p:nvSpPr>
+              <p:cNvPr id="1018" name="Google Shape;1018;p23"/>
+              <p:cNvSpPr/>
+              <p:nvPr/>
+            </p:nvSpPr>
+            <p:spPr>
+              <a:xfrm>
+                <a:off x="1650275" y="1594100"/>
+                <a:ext cx="301650" cy="300825"/>
+              </a:xfrm>
+              <a:custGeom>
+                <a:avLst/>
+                <a:gdLst/>
+                <a:ahLst/>
+                <a:cxnLst/>
+                <a:rect l="l" t="t" r="r" b="b"/>
+                <a:pathLst>
+                  <a:path w="12066" h="12033" fill="none" extrusionOk="0">
+                    <a:moveTo>
+                      <a:pt x="1" y="12032"/>
+                    </a:moveTo>
+                    <a:lnTo>
+                      <a:pt x="12065" y="0"/>
+                    </a:lnTo>
+                  </a:path>
+                </a:pathLst>
+              </a:custGeom>
+              <a:noFill/>
+              <a:ln w="19050" cap="rnd" cmpd="sng">
+                <a:solidFill>
+                  <a:schemeClr val="lt2"/>
+                </a:solidFill>
+                <a:prstDash val="solid"/>
+                <a:miter lim="32519"/>
+                <a:headEnd type="none" w="sm" len="sm"/>
+                <a:tailEnd type="none" w="sm" len="sm"/>
+              </a:ln>
+            </p:spPr>
+            <p:txBody>
+              <a:bodyPr spcFirstLastPara="1" wrap="square" lIns="91425" tIns="91425" rIns="91425" bIns="91425" anchor="ctr" anchorCtr="0">
+                <a:noAutofit/>
+              </a:bodyPr>
+              <a:lstStyle/>
+              <a:p>
+                <a:pPr marL="0" lvl="0" indent="0" algn="l" rtl="0">
+                  <a:spcBef>
+                    <a:spcPts val="0"/>
+                  </a:spcBef>
+                  <a:spcAft>
+                    <a:spcPts val="0"/>
+                  </a:spcAft>
+                  <a:buNone/>
+                </a:pPr>
+                <a:endParaRPr>
+                  <a:latin typeface="Inter"/>
+                  <a:ea typeface="Inter"/>
+                  <a:cs typeface="Inter"/>
+                  <a:sym typeface="Inter"/>
+                </a:endParaRPr>
+              </a:p>
+            </p:txBody>
+          </p:sp>
+          <p:sp>
+            <p:nvSpPr>
+              <p:cNvPr id="1019" name="Google Shape;1019;p23"/>
+              <p:cNvSpPr/>
+              <p:nvPr/>
+            </p:nvSpPr>
+            <p:spPr>
+              <a:xfrm>
+                <a:off x="1560025" y="1503850"/>
+                <a:ext cx="648800" cy="647975"/>
+              </a:xfrm>
+              <a:custGeom>
+                <a:avLst/>
+                <a:gdLst/>
+                <a:ahLst/>
+                <a:cxnLst/>
+                <a:rect l="l" t="t" r="r" b="b"/>
+                <a:pathLst>
+                  <a:path w="25952" h="25919" fill="none" extrusionOk="0">
+                    <a:moveTo>
+                      <a:pt x="1" y="25919"/>
+                    </a:moveTo>
+                    <a:lnTo>
+                      <a:pt x="25952" y="0"/>
+                    </a:lnTo>
+                  </a:path>
+                </a:pathLst>
+              </a:custGeom>
+              <a:noFill/>
+              <a:ln w="19050" cap="rnd" cmpd="sng">
+                <a:solidFill>
+                  <a:schemeClr val="lt2"/>
+                </a:solidFill>
+                <a:prstDash val="solid"/>
+                <a:miter lim="32519"/>
+                <a:headEnd type="none" w="sm" len="sm"/>
+                <a:tailEnd type="none" w="sm" len="sm"/>
+              </a:ln>
+            </p:spPr>
+            <p:txBody>
+              <a:bodyPr spcFirstLastPara="1" wrap="square" lIns="91425" tIns="91425" rIns="91425" bIns="91425" anchor="ctr" anchorCtr="0">
+                <a:noAutofit/>
+              </a:bodyPr>
+              <a:lstStyle/>
+              <a:p>
+                <a:pPr marL="0" lvl="0" indent="0" algn="l" rtl="0">
+                  <a:spcBef>
+                    <a:spcPts val="0"/>
+                  </a:spcBef>
+                  <a:spcAft>
+                    <a:spcPts val="0"/>
+                  </a:spcAft>
+                  <a:buNone/>
+                </a:pPr>
+                <a:endParaRPr>
+                  <a:latin typeface="Inter"/>
+                  <a:ea typeface="Inter"/>
+                  <a:cs typeface="Inter"/>
+                  <a:sym typeface="Inter"/>
+                </a:endParaRPr>
+              </a:p>
+            </p:txBody>
+          </p:sp>
+          <p:sp>
+            <p:nvSpPr>
+              <p:cNvPr id="1020" name="Google Shape;1020;p23"/>
+              <p:cNvSpPr/>
+              <p:nvPr/>
+            </p:nvSpPr>
+            <p:spPr>
+              <a:xfrm>
+                <a:off x="1550275" y="1493275"/>
+                <a:ext cx="834150" cy="834975"/>
+              </a:xfrm>
+              <a:custGeom>
+                <a:avLst/>
+                <a:gdLst/>
+                <a:ahLst/>
+                <a:cxnLst/>
+                <a:rect l="l" t="t" r="r" b="b"/>
+                <a:pathLst>
+                  <a:path w="33366" h="33399" fill="none" extrusionOk="0">
+                    <a:moveTo>
+                      <a:pt x="1" y="33398"/>
+                    </a:moveTo>
+                    <a:lnTo>
+                      <a:pt x="33366" y="1"/>
+                    </a:lnTo>
+                  </a:path>
+                </a:pathLst>
+              </a:custGeom>
+              <a:noFill/>
+              <a:ln w="19050" cap="rnd" cmpd="sng">
+                <a:solidFill>
+                  <a:schemeClr val="lt2"/>
+                </a:solidFill>
+                <a:prstDash val="solid"/>
+                <a:miter lim="32519"/>
+                <a:headEnd type="none" w="sm" len="sm"/>
+                <a:tailEnd type="none" w="sm" len="sm"/>
+              </a:ln>
+            </p:spPr>
+            <p:txBody>
+              <a:bodyPr spcFirstLastPara="1" wrap="square" lIns="91425" tIns="91425" rIns="91425" bIns="91425" anchor="ctr" anchorCtr="0">
+                <a:noAutofit/>
+              </a:bodyPr>
+              <a:lstStyle/>
+              <a:p>
+                <a:pPr marL="0" lvl="0" indent="0" algn="l" rtl="0">
+                  <a:spcBef>
+                    <a:spcPts val="0"/>
+                  </a:spcBef>
+                  <a:spcAft>
+                    <a:spcPts val="0"/>
+                  </a:spcAft>
+                  <a:buNone/>
+                </a:pPr>
+                <a:endParaRPr>
+                  <a:latin typeface="Inter"/>
+                  <a:ea typeface="Inter"/>
+                  <a:cs typeface="Inter"/>
+                  <a:sym typeface="Inter"/>
+                </a:endParaRPr>
+              </a:p>
+            </p:txBody>
+          </p:sp>
+          <p:sp>
+            <p:nvSpPr>
+              <p:cNvPr id="1021" name="Google Shape;1021;p23"/>
+              <p:cNvSpPr/>
+              <p:nvPr/>
+            </p:nvSpPr>
+            <p:spPr>
+              <a:xfrm>
+                <a:off x="1571425" y="1514425"/>
+                <a:ext cx="957725" cy="958525"/>
+              </a:xfrm>
+              <a:custGeom>
+                <a:avLst/>
+                <a:gdLst/>
+                <a:ahLst/>
+                <a:cxnLst/>
+                <a:rect l="l" t="t" r="r" b="b"/>
+                <a:pathLst>
+                  <a:path w="38309" h="38341" fill="none" extrusionOk="0">
+                    <a:moveTo>
+                      <a:pt x="0" y="38341"/>
+                    </a:moveTo>
+                    <a:lnTo>
+                      <a:pt x="38308" y="0"/>
+                    </a:lnTo>
+                  </a:path>
+                </a:pathLst>
+              </a:custGeom>
+              <a:noFill/>
+              <a:ln w="19050" cap="rnd" cmpd="sng">
+                <a:solidFill>
+                  <a:schemeClr val="lt2"/>
+                </a:solidFill>
+                <a:prstDash val="solid"/>
+                <a:miter lim="32519"/>
+                <a:headEnd type="none" w="sm" len="sm"/>
+                <a:tailEnd type="none" w="sm" len="sm"/>
+              </a:ln>
+            </p:spPr>
+            <p:txBody>
+              <a:bodyPr spcFirstLastPara="1" wrap="square" lIns="91425" tIns="91425" rIns="91425" bIns="91425" anchor="ctr" anchorCtr="0">
+                <a:noAutofit/>
+              </a:bodyPr>
+              <a:lstStyle/>
+              <a:p>
+                <a:pPr marL="0" lvl="0" indent="0" algn="l" rtl="0">
+                  <a:spcBef>
+                    <a:spcPts val="0"/>
+                  </a:spcBef>
+                  <a:spcAft>
+                    <a:spcPts val="0"/>
+                  </a:spcAft>
+                  <a:buNone/>
+                </a:pPr>
+                <a:endParaRPr>
+                  <a:latin typeface="Inter"/>
+                  <a:ea typeface="Inter"/>
+                  <a:cs typeface="Inter"/>
+                  <a:sym typeface="Inter"/>
+                </a:endParaRPr>
+              </a:p>
+            </p:txBody>
+          </p:sp>
+          <p:sp>
+            <p:nvSpPr>
+              <p:cNvPr id="1022" name="Google Shape;1022;p23"/>
+              <p:cNvSpPr/>
+              <p:nvPr/>
+            </p:nvSpPr>
+            <p:spPr>
+              <a:xfrm>
+                <a:off x="1612875" y="1555875"/>
+                <a:ext cx="1041475" cy="1042275"/>
+              </a:xfrm>
+              <a:custGeom>
+                <a:avLst/>
+                <a:gdLst/>
+                <a:ahLst/>
+                <a:cxnLst/>
+                <a:rect l="l" t="t" r="r" b="b"/>
+                <a:pathLst>
+                  <a:path w="41659" h="41691" fill="none" extrusionOk="0">
+                    <a:moveTo>
+                      <a:pt x="1" y="41691"/>
+                    </a:moveTo>
+                    <a:lnTo>
+                      <a:pt x="41658" y="1"/>
+                    </a:lnTo>
+                  </a:path>
+                </a:pathLst>
+              </a:custGeom>
+              <a:noFill/>
+              <a:ln w="19050" cap="rnd" cmpd="sng">
+                <a:solidFill>
+                  <a:schemeClr val="lt2"/>
+                </a:solidFill>
+                <a:prstDash val="solid"/>
+                <a:miter lim="32519"/>
+                <a:headEnd type="none" w="sm" len="sm"/>
+                <a:tailEnd type="none" w="sm" len="sm"/>
+              </a:ln>
+            </p:spPr>
+            <p:txBody>
+              <a:bodyPr spcFirstLastPara="1" wrap="square" lIns="91425" tIns="91425" rIns="91425" bIns="91425" anchor="ctr" anchorCtr="0">
+                <a:noAutofit/>
+              </a:bodyPr>
+              <a:lstStyle/>
+              <a:p>
+                <a:pPr marL="0" lvl="0" indent="0" algn="l" rtl="0">
+                  <a:spcBef>
+                    <a:spcPts val="0"/>
+                  </a:spcBef>
+                  <a:spcAft>
+                    <a:spcPts val="0"/>
+                  </a:spcAft>
+                  <a:buNone/>
+                </a:pPr>
+                <a:endParaRPr>
+                  <a:latin typeface="Inter"/>
+                  <a:ea typeface="Inter"/>
+                  <a:cs typeface="Inter"/>
+                  <a:sym typeface="Inter"/>
+                </a:endParaRPr>
+              </a:p>
+            </p:txBody>
+          </p:sp>
+          <p:sp>
+            <p:nvSpPr>
+              <p:cNvPr id="1023" name="Google Shape;1023;p23"/>
+              <p:cNvSpPr/>
+              <p:nvPr/>
+            </p:nvSpPr>
+            <p:spPr>
+              <a:xfrm>
+                <a:off x="1669800" y="1613600"/>
+                <a:ext cx="1093475" cy="1092675"/>
+              </a:xfrm>
+              <a:custGeom>
+                <a:avLst/>
+                <a:gdLst/>
+                <a:ahLst/>
+                <a:cxnLst/>
+                <a:rect l="l" t="t" r="r" b="b"/>
+                <a:pathLst>
+                  <a:path w="43739" h="43707" fill="none" extrusionOk="0">
+                    <a:moveTo>
+                      <a:pt x="0" y="43707"/>
+                    </a:moveTo>
+                    <a:lnTo>
+                      <a:pt x="43739" y="1"/>
+                    </a:lnTo>
+                  </a:path>
+                </a:pathLst>
+              </a:custGeom>
+              <a:noFill/>
+              <a:ln w="19050" cap="rnd" cmpd="sng">
+                <a:solidFill>
+                  <a:schemeClr val="lt2"/>
+                </a:solidFill>
+                <a:prstDash val="solid"/>
+                <a:miter lim="32519"/>
+                <a:headEnd type="none" w="sm" len="sm"/>
+                <a:tailEnd type="none" w="sm" len="sm"/>
+              </a:ln>
+            </p:spPr>
+            <p:txBody>
+              <a:bodyPr spcFirstLastPara="1" wrap="square" lIns="91425" tIns="91425" rIns="91425" bIns="91425" anchor="ctr" anchorCtr="0">
+                <a:noAutofit/>
+              </a:bodyPr>
+              <a:lstStyle/>
+              <a:p>
+                <a:pPr marL="0" lvl="0" indent="0" algn="l" rtl="0">
+                  <a:spcBef>
+                    <a:spcPts val="0"/>
+                  </a:spcBef>
+                  <a:spcAft>
+                    <a:spcPts val="0"/>
+                  </a:spcAft>
+                  <a:buNone/>
+                </a:pPr>
+                <a:endParaRPr>
+                  <a:latin typeface="Inter"/>
+                  <a:ea typeface="Inter"/>
+                  <a:cs typeface="Inter"/>
+                  <a:sym typeface="Inter"/>
+                </a:endParaRPr>
+              </a:p>
+            </p:txBody>
+          </p:sp>
+          <p:sp>
+            <p:nvSpPr>
+              <p:cNvPr id="1024" name="Google Shape;1024;p23"/>
+              <p:cNvSpPr/>
+              <p:nvPr/>
+            </p:nvSpPr>
+            <p:spPr>
+              <a:xfrm>
+                <a:off x="1710100" y="1684329"/>
+                <a:ext cx="1148362" cy="1145328"/>
+              </a:xfrm>
+              <a:custGeom>
+                <a:avLst/>
+                <a:gdLst/>
+                <a:ahLst/>
+                <a:cxnLst/>
+                <a:rect l="l" t="t" r="r" b="b"/>
+                <a:pathLst>
+                  <a:path w="75837" h="75837" fill="none" extrusionOk="0">
+                    <a:moveTo>
+                      <a:pt x="1" y="75836"/>
+                    </a:moveTo>
+                    <a:lnTo>
+                      <a:pt x="75837" y="1"/>
+                    </a:lnTo>
+                  </a:path>
+                </a:pathLst>
+              </a:custGeom>
+              <a:noFill/>
+              <a:ln w="19050" cap="rnd" cmpd="sng">
+                <a:solidFill>
+                  <a:schemeClr val="lt2"/>
+                </a:solidFill>
+                <a:prstDash val="solid"/>
+                <a:miter lim="32519"/>
+                <a:headEnd type="none" w="sm" len="sm"/>
+                <a:tailEnd type="none" w="sm" len="sm"/>
+              </a:ln>
+            </p:spPr>
+            <p:txBody>
+              <a:bodyPr spcFirstLastPara="1" wrap="square" lIns="91425" tIns="91425" rIns="91425" bIns="91425" anchor="ctr" anchorCtr="0">
+                <a:noAutofit/>
+              </a:bodyPr>
+              <a:lstStyle/>
+              <a:p>
+                <a:pPr marL="0" lvl="0" indent="0" algn="l" rtl="0">
+                  <a:spcBef>
+                    <a:spcPts val="0"/>
+                  </a:spcBef>
+                  <a:spcAft>
+                    <a:spcPts val="0"/>
+                  </a:spcAft>
+                  <a:buNone/>
+                </a:pPr>
+                <a:endParaRPr>
+                  <a:latin typeface="Inter"/>
+                  <a:ea typeface="Inter"/>
+                  <a:cs typeface="Inter"/>
+                  <a:sym typeface="Inter"/>
+                </a:endParaRPr>
+              </a:p>
+            </p:txBody>
+          </p:sp>
+          <p:sp>
+            <p:nvSpPr>
+              <p:cNvPr id="1025" name="Google Shape;1025;p23"/>
+              <p:cNvSpPr/>
+              <p:nvPr/>
+            </p:nvSpPr>
+            <p:spPr>
+              <a:xfrm>
+                <a:off x="1828936" y="1767251"/>
+                <a:ext cx="1113203" cy="1126369"/>
+              </a:xfrm>
+              <a:custGeom>
+                <a:avLst/>
+                <a:gdLst/>
+                <a:ahLst/>
+                <a:cxnLst/>
+                <a:rect l="l" t="t" r="r" b="b"/>
+                <a:pathLst>
+                  <a:path w="75870" h="75837" fill="none" extrusionOk="0">
+                    <a:moveTo>
+                      <a:pt x="1" y="75836"/>
+                    </a:moveTo>
+                    <a:lnTo>
+                      <a:pt x="75869" y="1"/>
+                    </a:lnTo>
+                  </a:path>
+                </a:pathLst>
+              </a:custGeom>
+              <a:noFill/>
+              <a:ln w="19050" cap="rnd" cmpd="sng">
+                <a:solidFill>
+                  <a:schemeClr val="lt2"/>
+                </a:solidFill>
+                <a:prstDash val="solid"/>
+                <a:miter lim="32519"/>
+                <a:headEnd type="none" w="sm" len="sm"/>
+                <a:tailEnd type="none" w="sm" len="sm"/>
+              </a:ln>
+            </p:spPr>
+            <p:txBody>
+              <a:bodyPr spcFirstLastPara="1" wrap="square" lIns="91425" tIns="91425" rIns="91425" bIns="91425" anchor="ctr" anchorCtr="0">
+                <a:noAutofit/>
+              </a:bodyPr>
+              <a:lstStyle/>
+              <a:p>
+                <a:pPr marL="0" lvl="0" indent="0" algn="l" rtl="0">
+                  <a:spcBef>
+                    <a:spcPts val="0"/>
+                  </a:spcBef>
+                  <a:spcAft>
+                    <a:spcPts val="0"/>
+                  </a:spcAft>
+                  <a:buNone/>
+                </a:pPr>
+                <a:endParaRPr>
+                  <a:latin typeface="Inter"/>
+                  <a:ea typeface="Inter"/>
+                  <a:cs typeface="Inter"/>
+                  <a:sym typeface="Inter"/>
+                </a:endParaRPr>
+              </a:p>
+            </p:txBody>
+          </p:sp>
+          <p:sp>
+            <p:nvSpPr>
+              <p:cNvPr id="1026" name="Google Shape;1026;p23"/>
+              <p:cNvSpPr/>
+              <p:nvPr/>
+            </p:nvSpPr>
+            <p:spPr>
+              <a:xfrm>
+                <a:off x="1929499" y="1863204"/>
+                <a:ext cx="1082574" cy="1112692"/>
+              </a:xfrm>
+              <a:custGeom>
+                <a:avLst/>
+                <a:gdLst/>
+                <a:ahLst/>
+                <a:cxnLst/>
+                <a:rect l="l" t="t" r="r" b="b"/>
+                <a:pathLst>
+                  <a:path w="74828" h="74828" fill="none" extrusionOk="0">
+                    <a:moveTo>
+                      <a:pt x="0" y="74828"/>
+                    </a:moveTo>
+                    <a:lnTo>
+                      <a:pt x="74828" y="0"/>
+                    </a:lnTo>
+                  </a:path>
+                </a:pathLst>
+              </a:custGeom>
+              <a:noFill/>
+              <a:ln w="19050" cap="rnd" cmpd="sng">
+                <a:solidFill>
+                  <a:schemeClr val="lt2"/>
+                </a:solidFill>
+                <a:prstDash val="solid"/>
+                <a:miter lim="32519"/>
+                <a:headEnd type="none" w="sm" len="sm"/>
+                <a:tailEnd type="none" w="sm" len="sm"/>
+              </a:ln>
+            </p:spPr>
+            <p:txBody>
+              <a:bodyPr spcFirstLastPara="1" wrap="square" lIns="91425" tIns="91425" rIns="91425" bIns="91425" anchor="ctr" anchorCtr="0">
+                <a:noAutofit/>
+              </a:bodyPr>
+              <a:lstStyle/>
+              <a:p>
+                <a:pPr marL="0" lvl="0" indent="0" algn="l" rtl="0">
+                  <a:spcBef>
+                    <a:spcPts val="0"/>
+                  </a:spcBef>
+                  <a:spcAft>
+                    <a:spcPts val="0"/>
+                  </a:spcAft>
+                  <a:buNone/>
+                </a:pPr>
+                <a:endParaRPr>
+                  <a:latin typeface="Inter"/>
+                  <a:ea typeface="Inter"/>
+                  <a:cs typeface="Inter"/>
+                  <a:sym typeface="Inter"/>
+                </a:endParaRPr>
+              </a:p>
+            </p:txBody>
+          </p:sp>
+          <p:sp>
+            <p:nvSpPr>
+              <p:cNvPr id="1027" name="Google Shape;1027;p23"/>
+              <p:cNvSpPr/>
+              <p:nvPr/>
+            </p:nvSpPr>
+            <p:spPr>
+              <a:xfrm>
+                <a:off x="2027500" y="1971325"/>
+                <a:ext cx="1042275" cy="1042275"/>
+              </a:xfrm>
+              <a:custGeom>
+                <a:avLst/>
+                <a:gdLst/>
+                <a:ahLst/>
+                <a:cxnLst/>
+                <a:rect l="l" t="t" r="r" b="b"/>
+                <a:pathLst>
+                  <a:path w="41691" h="41691" fill="none" extrusionOk="0">
+                    <a:moveTo>
+                      <a:pt x="41691" y="0"/>
+                    </a:moveTo>
+                    <a:lnTo>
+                      <a:pt x="1" y="41690"/>
+                    </a:lnTo>
+                  </a:path>
+                </a:pathLst>
+              </a:custGeom>
+              <a:noFill/>
+              <a:ln w="19050" cap="rnd" cmpd="sng">
+                <a:solidFill>
+                  <a:schemeClr val="lt2"/>
+                </a:solidFill>
+                <a:prstDash val="solid"/>
+                <a:miter lim="32519"/>
+                <a:headEnd type="none" w="sm" len="sm"/>
+                <a:tailEnd type="none" w="sm" len="sm"/>
+              </a:ln>
+            </p:spPr>
+            <p:txBody>
+              <a:bodyPr spcFirstLastPara="1" wrap="square" lIns="91425" tIns="91425" rIns="91425" bIns="91425" anchor="ctr" anchorCtr="0">
+                <a:noAutofit/>
+              </a:bodyPr>
+              <a:lstStyle/>
+              <a:p>
+                <a:pPr marL="0" lvl="0" indent="0" algn="l" rtl="0">
+                  <a:spcBef>
+                    <a:spcPts val="0"/>
+                  </a:spcBef>
+                  <a:spcAft>
+                    <a:spcPts val="0"/>
+                  </a:spcAft>
+                  <a:buNone/>
+                </a:pPr>
+                <a:endParaRPr>
+                  <a:latin typeface="Inter"/>
+                  <a:ea typeface="Inter"/>
+                  <a:cs typeface="Inter"/>
+                  <a:sym typeface="Inter"/>
+                </a:endParaRPr>
+              </a:p>
+            </p:txBody>
+          </p:sp>
+          <p:sp>
+            <p:nvSpPr>
+              <p:cNvPr id="1028" name="Google Shape;1028;p23"/>
+              <p:cNvSpPr/>
+              <p:nvPr/>
+            </p:nvSpPr>
+            <p:spPr>
+              <a:xfrm>
+                <a:off x="2152700" y="2096525"/>
+                <a:ext cx="958550" cy="958525"/>
+              </a:xfrm>
+              <a:custGeom>
+                <a:avLst/>
+                <a:gdLst/>
+                <a:ahLst/>
+                <a:cxnLst/>
+                <a:rect l="l" t="t" r="r" b="b"/>
+                <a:pathLst>
+                  <a:path w="38342" h="38341" fill="none" extrusionOk="0">
+                    <a:moveTo>
+                      <a:pt x="38341" y="0"/>
+                    </a:moveTo>
+                    <a:lnTo>
+                      <a:pt x="1" y="38341"/>
+                    </a:lnTo>
+                  </a:path>
+                </a:pathLst>
+              </a:custGeom>
+              <a:noFill/>
+              <a:ln w="19050" cap="rnd" cmpd="sng">
+                <a:solidFill>
+                  <a:schemeClr val="lt2"/>
+                </a:solidFill>
+                <a:prstDash val="solid"/>
+                <a:miter lim="32519"/>
+                <a:headEnd type="none" w="sm" len="sm"/>
+                <a:tailEnd type="none" w="sm" len="sm"/>
+              </a:ln>
+            </p:spPr>
+            <p:txBody>
+              <a:bodyPr spcFirstLastPara="1" wrap="square" lIns="91425" tIns="91425" rIns="91425" bIns="91425" anchor="ctr" anchorCtr="0">
+                <a:noAutofit/>
+              </a:bodyPr>
+              <a:lstStyle/>
+              <a:p>
+                <a:pPr marL="0" lvl="0" indent="0" algn="l" rtl="0">
+                  <a:spcBef>
+                    <a:spcPts val="0"/>
+                  </a:spcBef>
+                  <a:spcAft>
+                    <a:spcPts val="0"/>
+                  </a:spcAft>
+                  <a:buNone/>
+                </a:pPr>
+                <a:endParaRPr>
+                  <a:latin typeface="Inter"/>
+                  <a:ea typeface="Inter"/>
+                  <a:cs typeface="Inter"/>
+                  <a:sym typeface="Inter"/>
+                </a:endParaRPr>
+              </a:p>
+            </p:txBody>
+          </p:sp>
+          <p:sp>
+            <p:nvSpPr>
+              <p:cNvPr id="1029" name="Google Shape;1029;p23"/>
+              <p:cNvSpPr/>
+              <p:nvPr/>
+            </p:nvSpPr>
+            <p:spPr>
+              <a:xfrm>
+                <a:off x="2298225" y="2241225"/>
+                <a:ext cx="834150" cy="834975"/>
+              </a:xfrm>
+              <a:custGeom>
+                <a:avLst/>
+                <a:gdLst/>
+                <a:ahLst/>
+                <a:cxnLst/>
+                <a:rect l="l" t="t" r="r" b="b"/>
+                <a:pathLst>
+                  <a:path w="33366" h="33399" fill="none" extrusionOk="0">
+                    <a:moveTo>
+                      <a:pt x="33366" y="1"/>
+                    </a:moveTo>
+                    <a:lnTo>
+                      <a:pt x="1" y="33398"/>
+                    </a:lnTo>
+                  </a:path>
+                </a:pathLst>
+              </a:custGeom>
+              <a:noFill/>
+              <a:ln w="19050" cap="rnd" cmpd="sng">
+                <a:solidFill>
+                  <a:schemeClr val="lt2"/>
+                </a:solidFill>
+                <a:prstDash val="solid"/>
+                <a:miter lim="32519"/>
+                <a:headEnd type="none" w="sm" len="sm"/>
+                <a:tailEnd type="none" w="sm" len="sm"/>
+              </a:ln>
+            </p:spPr>
+            <p:txBody>
+              <a:bodyPr spcFirstLastPara="1" wrap="square" lIns="91425" tIns="91425" rIns="91425" bIns="91425" anchor="ctr" anchorCtr="0">
+                <a:noAutofit/>
+              </a:bodyPr>
+              <a:lstStyle/>
+              <a:p>
+                <a:pPr marL="0" lvl="0" indent="0" algn="l" rtl="0">
+                  <a:spcBef>
+                    <a:spcPts val="0"/>
+                  </a:spcBef>
+                  <a:spcAft>
+                    <a:spcPts val="0"/>
+                  </a:spcAft>
+                  <a:buNone/>
+                </a:pPr>
+                <a:endParaRPr>
+                  <a:latin typeface="Inter"/>
+                  <a:ea typeface="Inter"/>
+                  <a:cs typeface="Inter"/>
+                  <a:sym typeface="Inter"/>
+                </a:endParaRPr>
+              </a:p>
+            </p:txBody>
+          </p:sp>
+          <p:sp>
+            <p:nvSpPr>
+              <p:cNvPr id="1030" name="Google Shape;1030;p23"/>
+              <p:cNvSpPr/>
+              <p:nvPr/>
+            </p:nvSpPr>
+            <p:spPr>
+              <a:xfrm>
+                <a:off x="2473825" y="2417650"/>
+                <a:ext cx="648800" cy="648800"/>
+              </a:xfrm>
+              <a:custGeom>
+                <a:avLst/>
+                <a:gdLst/>
+                <a:ahLst/>
+                <a:cxnLst/>
+                <a:rect l="l" t="t" r="r" b="b"/>
+                <a:pathLst>
+                  <a:path w="25952" h="25952" fill="none" extrusionOk="0">
+                    <a:moveTo>
+                      <a:pt x="25952" y="0"/>
+                    </a:moveTo>
+                    <a:lnTo>
+                      <a:pt x="1" y="25951"/>
+                    </a:lnTo>
+                  </a:path>
+                </a:pathLst>
+              </a:custGeom>
+              <a:noFill/>
+              <a:ln w="19050" cap="rnd" cmpd="sng">
+                <a:solidFill>
+                  <a:schemeClr val="lt2"/>
+                </a:solidFill>
+                <a:prstDash val="solid"/>
+                <a:miter lim="32519"/>
+                <a:headEnd type="none" w="sm" len="sm"/>
+                <a:tailEnd type="none" w="sm" len="sm"/>
+              </a:ln>
+            </p:spPr>
+            <p:txBody>
+              <a:bodyPr spcFirstLastPara="1" wrap="square" lIns="91425" tIns="91425" rIns="91425" bIns="91425" anchor="ctr" anchorCtr="0">
+                <a:noAutofit/>
+              </a:bodyPr>
+              <a:lstStyle/>
+              <a:p>
+                <a:pPr marL="0" lvl="0" indent="0" algn="l" rtl="0">
+                  <a:spcBef>
+                    <a:spcPts val="0"/>
+                  </a:spcBef>
+                  <a:spcAft>
+                    <a:spcPts val="0"/>
+                  </a:spcAft>
+                  <a:buNone/>
+                </a:pPr>
+                <a:endParaRPr>
+                  <a:latin typeface="Inter"/>
+                  <a:ea typeface="Inter"/>
+                  <a:cs typeface="Inter"/>
+                  <a:sym typeface="Inter"/>
+                </a:endParaRPr>
+              </a:p>
+            </p:txBody>
+          </p:sp>
+          <p:sp>
+            <p:nvSpPr>
+              <p:cNvPr id="1031" name="Google Shape;1031;p23"/>
+              <p:cNvSpPr/>
+              <p:nvPr/>
+            </p:nvSpPr>
+            <p:spPr>
+              <a:xfrm>
+                <a:off x="2730750" y="2674550"/>
+                <a:ext cx="300825" cy="300825"/>
+              </a:xfrm>
+              <a:custGeom>
+                <a:avLst/>
+                <a:gdLst/>
+                <a:ahLst/>
+                <a:cxnLst/>
+                <a:rect l="l" t="t" r="r" b="b"/>
+                <a:pathLst>
+                  <a:path w="12033" h="12033" fill="none" extrusionOk="0">
+                    <a:moveTo>
+                      <a:pt x="12032" y="1"/>
+                    </a:moveTo>
+                    <a:lnTo>
+                      <a:pt x="0" y="12033"/>
+                    </a:lnTo>
+                  </a:path>
+                </a:pathLst>
+              </a:custGeom>
+              <a:noFill/>
+              <a:ln w="19050" cap="rnd" cmpd="sng">
+                <a:solidFill>
+                  <a:schemeClr val="lt2"/>
+                </a:solidFill>
+                <a:prstDash val="solid"/>
+                <a:miter lim="32519"/>
+                <a:headEnd type="none" w="sm" len="sm"/>
+                <a:tailEnd type="none" w="sm" len="sm"/>
+              </a:ln>
+            </p:spPr>
+            <p:txBody>
+              <a:bodyPr spcFirstLastPara="1" wrap="square" lIns="91425" tIns="91425" rIns="91425" bIns="91425" anchor="ctr" anchorCtr="0">
+                <a:noAutofit/>
+              </a:bodyPr>
+              <a:lstStyle/>
+              <a:p>
+                <a:pPr marL="0" lvl="0" indent="0" algn="l" rtl="0">
+                  <a:spcBef>
+                    <a:spcPts val="0"/>
+                  </a:spcBef>
+                  <a:spcAft>
+                    <a:spcPts val="0"/>
+                  </a:spcAft>
+                  <a:buNone/>
+                </a:pPr>
+                <a:endParaRPr>
+                  <a:latin typeface="Inter"/>
+                  <a:ea typeface="Inter"/>
+                  <a:cs typeface="Inter"/>
+                  <a:sym typeface="Inter"/>
+                </a:endParaRPr>
+              </a:p>
+            </p:txBody>
+          </p:sp>
+        </p:grpSp>
+      </p:grpSp>
+    </p:spTree>
+    <p:extLst>
+      <p:ext uri="{BB962C8B-B14F-4D97-AF65-F5344CB8AC3E}">
+        <p14:creationId xmlns:p14="http://schemas.microsoft.com/office/powerpoint/2010/main" val="2400562814"/>
+      </p:ext>
+    </p:extLst>
+  </p:cSld>
+  <p:clrMapOvr>
+    <a:masterClrMapping/>
+  </p:clrMapOvr>
+</p:sldLayout>
+</file>
+
 <file path=ppt/slideMasters/slideMaster1.xml><?xml version="1.0" encoding="utf-8"?>
 <p:sldMaster xmlns:a="http://schemas.openxmlformats.org/drawingml/2006/main" xmlns:r="http://schemas.openxmlformats.org/officeDocument/2006/relationships" xmlns:p="http://schemas.openxmlformats.org/presentationml/2006/main">
   <p:cSld name="simple-light-2">
@@ -20233,6 +23528,7 @@
     <p:sldLayoutId id="2147483680" r:id="rId5"/>
     <p:sldLayoutId id="2147483684" r:id="rId6"/>
     <p:sldLayoutId id="2147483685" r:id="rId7"/>
+    <p:sldLayoutId id="2147483686" r:id="rId8"/>
   </p:sldLayoutIdLst>
   <p:hf sldNum="0" hdr="0" ftr="0" dt="0"/>
   <p:txStyles>
@@ -35018,6 +38314,335 @@
   <p:cSld>
     <p:spTree>
       <p:nvGrpSpPr>
+        <p:cNvPr id="1" name="Shape 2424"/>
+        <p:cNvGrpSpPr/>
+        <p:nvPr/>
+      </p:nvGrpSpPr>
+      <p:grpSpPr>
+        <a:xfrm>
+          <a:off x="0" y="0"/>
+          <a:ext cx="0" cy="0"/>
+          <a:chOff x="0" y="0"/>
+          <a:chExt cx="0" cy="0"/>
+        </a:xfrm>
+      </p:grpSpPr>
+      <p:grpSp>
+        <p:nvGrpSpPr>
+          <p:cNvPr id="2425" name="Google Shape;2425;p64"/>
+          <p:cNvGrpSpPr/>
+          <p:nvPr/>
+        </p:nvGrpSpPr>
+        <p:grpSpPr>
+          <a:xfrm>
+            <a:off x="4992199" y="1023600"/>
+            <a:ext cx="2782105" cy="3204299"/>
+            <a:chOff x="4992199" y="1023600"/>
+            <a:chExt cx="2782105" cy="3204299"/>
+          </a:xfrm>
+        </p:grpSpPr>
+        <p:sp>
+          <p:nvSpPr>
+            <p:cNvPr id="2426" name="Google Shape;2426;p64"/>
+            <p:cNvSpPr/>
+            <p:nvPr/>
+          </p:nvSpPr>
+          <p:spPr>
+            <a:xfrm>
+              <a:off x="4992199" y="4055100"/>
+              <a:ext cx="2782105" cy="172799"/>
+            </a:xfrm>
+            <a:custGeom>
+              <a:avLst/>
+              <a:gdLst/>
+              <a:ahLst/>
+              <a:cxnLst/>
+              <a:rect l="l" t="t" r="r" b="b"/>
+              <a:pathLst>
+                <a:path w="14022" h="1134" extrusionOk="0">
+                  <a:moveTo>
+                    <a:pt x="7006" y="0"/>
+                  </a:moveTo>
+                  <a:cubicBezTo>
+                    <a:pt x="3135" y="0"/>
+                    <a:pt x="0" y="253"/>
+                    <a:pt x="0" y="572"/>
+                  </a:cubicBezTo>
+                  <a:cubicBezTo>
+                    <a:pt x="0" y="880"/>
+                    <a:pt x="3135" y="1133"/>
+                    <a:pt x="7006" y="1133"/>
+                  </a:cubicBezTo>
+                  <a:cubicBezTo>
+                    <a:pt x="10877" y="1133"/>
+                    <a:pt x="14022" y="880"/>
+                    <a:pt x="14022" y="572"/>
+                  </a:cubicBezTo>
+                  <a:cubicBezTo>
+                    <a:pt x="14022" y="253"/>
+                    <a:pt x="10877" y="0"/>
+                    <a:pt x="7006" y="0"/>
+                  </a:cubicBezTo>
+                  <a:close/>
+                </a:path>
+              </a:pathLst>
+            </a:custGeom>
+            <a:solidFill>
+              <a:srgbClr val="000000">
+                <a:alpha val="11950"/>
+              </a:srgbClr>
+            </a:solidFill>
+            <a:ln>
+              <a:noFill/>
+            </a:ln>
+          </p:spPr>
+          <p:txBody>
+            <a:bodyPr spcFirstLastPara="1" wrap="square" lIns="91425" tIns="91425" rIns="91425" bIns="91425" anchor="ctr" anchorCtr="0">
+              <a:noAutofit/>
+            </a:bodyPr>
+            <a:lstStyle/>
+            <a:p>
+              <a:pPr marL="0" lvl="0" indent="0" algn="l" rtl="0">
+                <a:spcBef>
+                  <a:spcPts val="0"/>
+                </a:spcBef>
+                <a:spcAft>
+                  <a:spcPts val="0"/>
+                </a:spcAft>
+                <a:buNone/>
+              </a:pPr>
+              <a:endParaRPr/>
+            </a:p>
+          </p:txBody>
+        </p:sp>
+        <p:sp>
+          <p:nvSpPr>
+            <p:cNvPr id="2427" name="Google Shape;2427;p64"/>
+            <p:cNvSpPr/>
+            <p:nvPr/>
+          </p:nvSpPr>
+          <p:spPr>
+            <a:xfrm>
+              <a:off x="5216700" y="1023600"/>
+              <a:ext cx="2333100" cy="3096300"/>
+            </a:xfrm>
+            <a:prstGeom prst="roundRect">
+              <a:avLst>
+                <a:gd name="adj" fmla="val 9247"/>
+              </a:avLst>
+            </a:prstGeom>
+            <a:solidFill>
+              <a:schemeClr val="lt2"/>
+            </a:solidFill>
+            <a:ln>
+              <a:noFill/>
+            </a:ln>
+          </p:spPr>
+          <p:txBody>
+            <a:bodyPr spcFirstLastPara="1" wrap="square" lIns="91425" tIns="91425" rIns="91425" bIns="91425" anchor="ctr" anchorCtr="0">
+              <a:noAutofit/>
+            </a:bodyPr>
+            <a:lstStyle/>
+            <a:p>
+              <a:pPr marL="0" lvl="0" indent="0" algn="l" rtl="0">
+                <a:spcBef>
+                  <a:spcPts val="0"/>
+                </a:spcBef>
+                <a:spcAft>
+                  <a:spcPts val="0"/>
+                </a:spcAft>
+                <a:buNone/>
+              </a:pPr>
+              <a:endParaRPr/>
+            </a:p>
+          </p:txBody>
+        </p:sp>
+        <p:cxnSp>
+          <p:nvCxnSpPr>
+            <p:cNvPr id="2428" name="Google Shape;2428;p64"/>
+            <p:cNvCxnSpPr/>
+            <p:nvPr/>
+          </p:nvCxnSpPr>
+          <p:spPr>
+            <a:xfrm>
+              <a:off x="6113700" y="3950550"/>
+              <a:ext cx="539100" cy="0"/>
+            </a:xfrm>
+            <a:prstGeom prst="straightConnector1">
+              <a:avLst/>
+            </a:prstGeom>
+            <a:noFill/>
+            <a:ln w="28575" cap="flat" cmpd="sng">
+              <a:solidFill>
+                <a:schemeClr val="dk1"/>
+              </a:solidFill>
+              <a:prstDash val="solid"/>
+              <a:round/>
+              <a:headEnd type="none" w="med" len="med"/>
+              <a:tailEnd type="none" w="med" len="med"/>
+            </a:ln>
+          </p:spPr>
+        </p:cxnSp>
+      </p:grpSp>
+      <p:sp>
+        <p:nvSpPr>
+          <p:cNvPr id="2429" name="Google Shape;2429;p64"/>
+          <p:cNvSpPr txBox="1">
+            <a:spLocks noGrp="1"/>
+          </p:cNvSpPr>
+          <p:nvPr>
+            <p:ph type="title"/>
+          </p:nvPr>
+        </p:nvSpPr>
+        <p:spPr>
+          <a:xfrm>
+            <a:off x="907175" y="1393565"/>
+            <a:ext cx="2720400" cy="740032"/>
+          </a:xfrm>
+          <a:prstGeom prst="rect">
+            <a:avLst/>
+          </a:prstGeom>
+        </p:spPr>
+        <p:txBody>
+          <a:bodyPr spcFirstLastPara="1" wrap="square" lIns="91425" tIns="91425" rIns="91425" bIns="91425" anchor="t" anchorCtr="0">
+            <a:noAutofit/>
+          </a:bodyPr>
+          <a:lstStyle/>
+          <a:p>
+            <a:pPr marL="0" lvl="0" indent="0" algn="l" rtl="0">
+              <a:spcBef>
+                <a:spcPts val="0"/>
+              </a:spcBef>
+              <a:spcAft>
+                <a:spcPts val="0"/>
+              </a:spcAft>
+              <a:buNone/>
+            </a:pPr>
+            <a:r>
+              <a:rPr lang="en" dirty="0"/>
+              <a:t>SOLUÇÃO</a:t>
+            </a:r>
+            <a:endParaRPr dirty="0">
+              <a:solidFill>
+                <a:schemeClr val="lt2"/>
+              </a:solidFill>
+            </a:endParaRPr>
+          </a:p>
+        </p:txBody>
+      </p:sp>
+      <p:sp>
+        <p:nvSpPr>
+          <p:cNvPr id="2430" name="Google Shape;2430;p64"/>
+          <p:cNvSpPr txBox="1">
+            <a:spLocks noGrp="1"/>
+          </p:cNvSpPr>
+          <p:nvPr>
+            <p:ph type="subTitle" idx="1"/>
+          </p:nvPr>
+        </p:nvSpPr>
+        <p:spPr>
+          <a:xfrm>
+            <a:off x="907174" y="2330665"/>
+            <a:ext cx="3020127" cy="1046700"/>
+          </a:xfrm>
+          <a:prstGeom prst="rect">
+            <a:avLst/>
+          </a:prstGeom>
+        </p:spPr>
+        <p:txBody>
+          <a:bodyPr spcFirstLastPara="1" wrap="square" lIns="91425" tIns="91425" rIns="91425" bIns="91425" anchor="t" anchorCtr="0">
+            <a:noAutofit/>
+          </a:bodyPr>
+          <a:lstStyle/>
+          <a:p>
+            <a:pPr marL="0" lvl="0" indent="0" algn="l" rtl="0">
+              <a:spcBef>
+                <a:spcPts val="0"/>
+              </a:spcBef>
+              <a:spcAft>
+                <a:spcPts val="0"/>
+              </a:spcAft>
+              <a:buNone/>
+            </a:pPr>
+            <a:r>
+              <a:rPr lang="en" dirty="0"/>
+              <a:t>Trazer preços dinâmicos aos produtos de acordo com demandas e condições a partir do comportamento de um ou mais clientes.</a:t>
+            </a:r>
+            <a:endParaRPr dirty="0"/>
+          </a:p>
+        </p:txBody>
+      </p:sp>
+      <p:cxnSp>
+        <p:nvCxnSpPr>
+          <p:cNvPr id="2431" name="Google Shape;2431;p64"/>
+          <p:cNvCxnSpPr/>
+          <p:nvPr/>
+        </p:nvCxnSpPr>
+        <p:spPr>
+          <a:xfrm>
+            <a:off x="999050" y="2153183"/>
+            <a:ext cx="2628600" cy="0"/>
+          </a:xfrm>
+          <a:prstGeom prst="straightConnector1">
+            <a:avLst/>
+          </a:prstGeom>
+          <a:noFill/>
+          <a:ln w="28575" cap="flat" cmpd="sng">
+            <a:solidFill>
+              <a:schemeClr val="dk1"/>
+            </a:solidFill>
+            <a:prstDash val="solid"/>
+            <a:round/>
+            <a:headEnd type="none" w="med" len="med"/>
+            <a:tailEnd type="none" w="med" len="med"/>
+          </a:ln>
+        </p:spPr>
+      </p:cxnSp>
+      <p:pic>
+        <p:nvPicPr>
+          <p:cNvPr id="2432" name="Google Shape;2432;p64"/>
+          <p:cNvPicPr preferRelativeResize="0"/>
+          <p:nvPr/>
+        </p:nvPicPr>
+        <p:blipFill rotWithShape="1">
+          <a:blip r:embed="rId3">
+            <a:alphaModFix/>
+          </a:blip>
+          <a:srcRect l="4765" r="51639"/>
+          <a:stretch/>
+        </p:blipFill>
+        <p:spPr>
+          <a:xfrm>
+            <a:off x="5390712" y="1198500"/>
+            <a:ext cx="1985076" cy="2561250"/>
+          </a:xfrm>
+          <a:prstGeom prst="rect">
+            <a:avLst/>
+          </a:prstGeom>
+          <a:noFill/>
+          <a:ln w="28575" cap="flat" cmpd="sng">
+            <a:solidFill>
+              <a:schemeClr val="dk1"/>
+            </a:solidFill>
+            <a:prstDash val="solid"/>
+            <a:round/>
+            <a:headEnd type="none" w="sm" len="sm"/>
+            <a:tailEnd type="none" w="sm" len="sm"/>
+          </a:ln>
+        </p:spPr>
+      </p:pic>
+    </p:spTree>
+  </p:cSld>
+  <p:clrMapOvr>
+    <a:masterClrMapping/>
+  </p:clrMapOvr>
+</p:sld>
+</file>
+
+<file path=ppt/slides/slide5.xml><?xml version="1.0" encoding="utf-8"?>
+<p:sld xmlns:a="http://schemas.openxmlformats.org/drawingml/2006/main" xmlns:r="http://schemas.openxmlformats.org/officeDocument/2006/relationships" xmlns:p="http://schemas.openxmlformats.org/presentationml/2006/main">
+  <p:cSld>
+    <p:spTree>
+      <p:nvGrpSpPr>
         <p:cNvPr id="1" name="Shape 2412"/>
         <p:cNvGrpSpPr/>
         <p:nvPr/>

--- a/Pitch-SavvyFix.pptx
+++ b/Pitch-SavvyFix.pptx
@@ -5,32 +5,33 @@
     <p:sldMasterId id="2147483683" r:id="rId1"/>
   </p:sldMasterIdLst>
   <p:notesMasterIdLst>
-    <p:notesMasterId r:id="rId7"/>
+    <p:notesMasterId r:id="rId8"/>
   </p:notesMasterIdLst>
   <p:sldIdLst>
     <p:sldId id="256" r:id="rId2"/>
     <p:sldId id="289" r:id="rId3"/>
     <p:sldId id="261" r:id="rId4"/>
     <p:sldId id="282" r:id="rId5"/>
-    <p:sldId id="281" r:id="rId6"/>
+    <p:sldId id="269" r:id="rId6"/>
+    <p:sldId id="281" r:id="rId7"/>
   </p:sldIdLst>
   <p:sldSz cx="9144000" cy="5143500" type="screen16x9"/>
   <p:notesSz cx="6858000" cy="9144000"/>
   <p:embeddedFontLst>
     <p:embeddedFont>
       <p:font typeface="Inter" panose="020B0604020202020204" charset="0"/>
-      <p:regular r:id="rId8"/>
-      <p:bold r:id="rId9"/>
+      <p:regular r:id="rId9"/>
+      <p:bold r:id="rId10"/>
     </p:embeddedFont>
     <p:embeddedFont>
       <p:font typeface="Manrope Medium" panose="020B0604020202020204" charset="0"/>
-      <p:regular r:id="rId10"/>
-      <p:bold r:id="rId11"/>
+      <p:regular r:id="rId11"/>
+      <p:bold r:id="rId12"/>
     </p:embeddedFont>
     <p:embeddedFont>
       <p:font typeface="Manrope SemiBold" panose="020B0604020202020204" charset="0"/>
-      <p:regular r:id="rId12"/>
-      <p:bold r:id="rId13"/>
+      <p:regular r:id="rId13"/>
+      <p:bold r:id="rId14"/>
     </p:embeddedFont>
   </p:embeddedFontLst>
   <p:defaultTextStyle>
@@ -1132,6 +1133,110 @@
   <p:cSld>
     <p:spTree>
       <p:nvGrpSpPr>
+        <p:cNvPr id="1" name="Shape 2150"/>
+        <p:cNvGrpSpPr/>
+        <p:nvPr/>
+      </p:nvGrpSpPr>
+      <p:grpSpPr>
+        <a:xfrm>
+          <a:off x="0" y="0"/>
+          <a:ext cx="0" cy="0"/>
+          <a:chOff x="0" y="0"/>
+          <a:chExt cx="0" cy="0"/>
+        </a:xfrm>
+      </p:grpSpPr>
+      <p:sp>
+        <p:nvSpPr>
+          <p:cNvPr id="2151" name="Google Shape;2151;g11d2026ec69_0_274:notes"/>
+          <p:cNvSpPr>
+            <a:spLocks noGrp="1" noRot="1" noChangeAspect="1"/>
+          </p:cNvSpPr>
+          <p:nvPr>
+            <p:ph type="sldImg" idx="2"/>
+          </p:nvPr>
+        </p:nvSpPr>
+        <p:spPr>
+          <a:xfrm>
+            <a:off x="381000" y="685800"/>
+            <a:ext cx="6096000" cy="3429000"/>
+          </a:xfrm>
+          <a:custGeom>
+            <a:avLst/>
+            <a:gdLst/>
+            <a:ahLst/>
+            <a:cxnLst/>
+            <a:rect l="l" t="t" r="r" b="b"/>
+            <a:pathLst>
+              <a:path w="120000" h="120000" extrusionOk="0">
+                <a:moveTo>
+                  <a:pt x="0" y="0"/>
+                </a:moveTo>
+                <a:lnTo>
+                  <a:pt x="120000" y="0"/>
+                </a:lnTo>
+                <a:lnTo>
+                  <a:pt x="120000" y="120000"/>
+                </a:lnTo>
+                <a:lnTo>
+                  <a:pt x="0" y="120000"/>
+                </a:lnTo>
+                <a:close/>
+              </a:path>
+            </a:pathLst>
+          </a:custGeom>
+        </p:spPr>
+      </p:sp>
+      <p:sp>
+        <p:nvSpPr>
+          <p:cNvPr id="2152" name="Google Shape;2152;g11d2026ec69_0_274:notes"/>
+          <p:cNvSpPr txBox="1">
+            <a:spLocks noGrp="1"/>
+          </p:cNvSpPr>
+          <p:nvPr>
+            <p:ph type="body" idx="1"/>
+          </p:nvPr>
+        </p:nvSpPr>
+        <p:spPr>
+          <a:xfrm>
+            <a:off x="685800" y="4343400"/>
+            <a:ext cx="5486400" cy="4114800"/>
+          </a:xfrm>
+          <a:prstGeom prst="rect">
+            <a:avLst/>
+          </a:prstGeom>
+        </p:spPr>
+        <p:txBody>
+          <a:bodyPr spcFirstLastPara="1" wrap="square" lIns="91425" tIns="91425" rIns="91425" bIns="91425" anchor="t" anchorCtr="0">
+            <a:noAutofit/>
+          </a:bodyPr>
+          <a:lstStyle/>
+          <a:p>
+            <a:pPr marL="0" lvl="0" indent="0" algn="l" rtl="0">
+              <a:spcBef>
+                <a:spcPts val="0"/>
+              </a:spcBef>
+              <a:spcAft>
+                <a:spcPts val="0"/>
+              </a:spcAft>
+              <a:buNone/>
+            </a:pPr>
+            <a:endParaRPr/>
+          </a:p>
+        </p:txBody>
+      </p:sp>
+    </p:spTree>
+  </p:cSld>
+  <p:clrMapOvr>
+    <a:masterClrMapping/>
+  </p:clrMapOvr>
+</p:notes>
+</file>
+
+<file path=ppt/notesSlides/notesSlide6.xml><?xml version="1.0" encoding="utf-8"?>
+<p:notes xmlns:a="http://schemas.openxmlformats.org/drawingml/2006/main" xmlns:r="http://schemas.openxmlformats.org/officeDocument/2006/relationships" xmlns:p="http://schemas.openxmlformats.org/presentationml/2006/main" showMasterSp="0" showMasterPhAnim="0">
+  <p:cSld>
+    <p:spTree>
+      <p:nvGrpSpPr>
         <p:cNvPr id="1" name="Shape 2409"/>
         <p:cNvGrpSpPr/>
         <p:nvPr/>
@@ -22983,6 +23088,4277 @@
 </p:sldLayout>
 </file>
 
+<file path=ppt/slideLayouts/slideLayout9.xml><?xml version="1.0" encoding="utf-8"?>
+<p:sldLayout xmlns:a="http://schemas.openxmlformats.org/drawingml/2006/main" xmlns:r="http://schemas.openxmlformats.org/officeDocument/2006/relationships" xmlns:p="http://schemas.openxmlformats.org/presentationml/2006/main" matchingName="Title and six columns">
+  <p:cSld name="Title and six columns">
+    <p:spTree>
+      <p:nvGrpSpPr>
+        <p:cNvPr id="1" name="Shape 1388"/>
+        <p:cNvGrpSpPr/>
+        <p:nvPr/>
+      </p:nvGrpSpPr>
+      <p:grpSpPr>
+        <a:xfrm>
+          <a:off x="0" y="0"/>
+          <a:ext cx="0" cy="0"/>
+          <a:chOff x="0" y="0"/>
+          <a:chExt cx="0" cy="0"/>
+        </a:xfrm>
+      </p:grpSpPr>
+      <p:sp>
+        <p:nvSpPr>
+          <p:cNvPr id="1389" name="Google Shape;1389;p31"/>
+          <p:cNvSpPr txBox="1">
+            <a:spLocks noGrp="1"/>
+          </p:cNvSpPr>
+          <p:nvPr>
+            <p:ph type="title"/>
+          </p:nvPr>
+        </p:nvSpPr>
+        <p:spPr>
+          <a:xfrm>
+            <a:off x="713225" y="520925"/>
+            <a:ext cx="7717500" cy="708000"/>
+          </a:xfrm>
+          <a:prstGeom prst="rect">
+            <a:avLst/>
+          </a:prstGeom>
+        </p:spPr>
+        <p:txBody>
+          <a:bodyPr spcFirstLastPara="1" wrap="square" lIns="91425" tIns="91425" rIns="91425" bIns="91425" anchor="t" anchorCtr="0">
+            <a:noAutofit/>
+          </a:bodyPr>
+          <a:lstStyle>
+            <a:lvl1pPr lvl="0">
+              <a:spcBef>
+                <a:spcPts val="0"/>
+              </a:spcBef>
+              <a:spcAft>
+                <a:spcPts val="0"/>
+              </a:spcAft>
+              <a:buSzPts val="3200"/>
+              <a:buNone/>
+              <a:defRPr/>
+            </a:lvl1pPr>
+            <a:lvl2pPr lvl="1">
+              <a:spcBef>
+                <a:spcPts val="0"/>
+              </a:spcBef>
+              <a:spcAft>
+                <a:spcPts val="0"/>
+              </a:spcAft>
+              <a:buSzPts val="3200"/>
+              <a:buNone/>
+              <a:defRPr/>
+            </a:lvl2pPr>
+            <a:lvl3pPr lvl="2">
+              <a:spcBef>
+                <a:spcPts val="0"/>
+              </a:spcBef>
+              <a:spcAft>
+                <a:spcPts val="0"/>
+              </a:spcAft>
+              <a:buSzPts val="3200"/>
+              <a:buNone/>
+              <a:defRPr/>
+            </a:lvl3pPr>
+            <a:lvl4pPr lvl="3">
+              <a:spcBef>
+                <a:spcPts val="0"/>
+              </a:spcBef>
+              <a:spcAft>
+                <a:spcPts val="0"/>
+              </a:spcAft>
+              <a:buSzPts val="3200"/>
+              <a:buNone/>
+              <a:defRPr/>
+            </a:lvl4pPr>
+            <a:lvl5pPr lvl="4">
+              <a:spcBef>
+                <a:spcPts val="0"/>
+              </a:spcBef>
+              <a:spcAft>
+                <a:spcPts val="0"/>
+              </a:spcAft>
+              <a:buSzPts val="3200"/>
+              <a:buNone/>
+              <a:defRPr/>
+            </a:lvl5pPr>
+            <a:lvl6pPr lvl="5">
+              <a:spcBef>
+                <a:spcPts val="0"/>
+              </a:spcBef>
+              <a:spcAft>
+                <a:spcPts val="0"/>
+              </a:spcAft>
+              <a:buSzPts val="3200"/>
+              <a:buNone/>
+              <a:defRPr/>
+            </a:lvl6pPr>
+            <a:lvl7pPr lvl="6">
+              <a:spcBef>
+                <a:spcPts val="0"/>
+              </a:spcBef>
+              <a:spcAft>
+                <a:spcPts val="0"/>
+              </a:spcAft>
+              <a:buSzPts val="3200"/>
+              <a:buNone/>
+              <a:defRPr/>
+            </a:lvl7pPr>
+            <a:lvl8pPr lvl="7">
+              <a:spcBef>
+                <a:spcPts val="0"/>
+              </a:spcBef>
+              <a:spcAft>
+                <a:spcPts val="0"/>
+              </a:spcAft>
+              <a:buSzPts val="3200"/>
+              <a:buNone/>
+              <a:defRPr/>
+            </a:lvl8pPr>
+            <a:lvl9pPr lvl="8">
+              <a:spcBef>
+                <a:spcPts val="0"/>
+              </a:spcBef>
+              <a:spcAft>
+                <a:spcPts val="0"/>
+              </a:spcAft>
+              <a:buSzPts val="3200"/>
+              <a:buNone/>
+              <a:defRPr/>
+            </a:lvl9pPr>
+          </a:lstStyle>
+          <a:p>
+            <a:endParaRPr/>
+          </a:p>
+        </p:txBody>
+      </p:sp>
+      <p:sp>
+        <p:nvSpPr>
+          <p:cNvPr id="1390" name="Google Shape;1390;p31"/>
+          <p:cNvSpPr txBox="1">
+            <a:spLocks noGrp="1"/>
+          </p:cNvSpPr>
+          <p:nvPr>
+            <p:ph type="subTitle" idx="1"/>
+          </p:nvPr>
+        </p:nvSpPr>
+        <p:spPr>
+          <a:xfrm>
+            <a:off x="1663725" y="1703475"/>
+            <a:ext cx="2536200" cy="615600"/>
+          </a:xfrm>
+          <a:prstGeom prst="rect">
+            <a:avLst/>
+          </a:prstGeom>
+        </p:spPr>
+        <p:txBody>
+          <a:bodyPr spcFirstLastPara="1" wrap="square" lIns="91425" tIns="91425" rIns="91425" bIns="91425" anchor="t" anchorCtr="0">
+            <a:noAutofit/>
+          </a:bodyPr>
+          <a:lstStyle>
+            <a:lvl1pPr lvl="0" rtl="0">
+              <a:lnSpc>
+                <a:spcPct val="100000"/>
+              </a:lnSpc>
+              <a:spcBef>
+                <a:spcPts val="0"/>
+              </a:spcBef>
+              <a:spcAft>
+                <a:spcPts val="0"/>
+              </a:spcAft>
+              <a:buSzPts val="1200"/>
+              <a:buNone/>
+              <a:defRPr/>
+            </a:lvl1pPr>
+            <a:lvl2pPr lvl="1" rtl="0">
+              <a:lnSpc>
+                <a:spcPct val="100000"/>
+              </a:lnSpc>
+              <a:spcBef>
+                <a:spcPts val="0"/>
+              </a:spcBef>
+              <a:spcAft>
+                <a:spcPts val="0"/>
+              </a:spcAft>
+              <a:buSzPts val="1200"/>
+              <a:buNone/>
+              <a:defRPr/>
+            </a:lvl2pPr>
+            <a:lvl3pPr lvl="2" rtl="0">
+              <a:lnSpc>
+                <a:spcPct val="100000"/>
+              </a:lnSpc>
+              <a:spcBef>
+                <a:spcPts val="0"/>
+              </a:spcBef>
+              <a:spcAft>
+                <a:spcPts val="0"/>
+              </a:spcAft>
+              <a:buSzPts val="1200"/>
+              <a:buNone/>
+              <a:defRPr/>
+            </a:lvl3pPr>
+            <a:lvl4pPr lvl="3" rtl="0">
+              <a:lnSpc>
+                <a:spcPct val="100000"/>
+              </a:lnSpc>
+              <a:spcBef>
+                <a:spcPts val="0"/>
+              </a:spcBef>
+              <a:spcAft>
+                <a:spcPts val="0"/>
+              </a:spcAft>
+              <a:buSzPts val="1200"/>
+              <a:buNone/>
+              <a:defRPr/>
+            </a:lvl4pPr>
+            <a:lvl5pPr lvl="4" rtl="0">
+              <a:lnSpc>
+                <a:spcPct val="100000"/>
+              </a:lnSpc>
+              <a:spcBef>
+                <a:spcPts val="0"/>
+              </a:spcBef>
+              <a:spcAft>
+                <a:spcPts val="0"/>
+              </a:spcAft>
+              <a:buSzPts val="1200"/>
+              <a:buNone/>
+              <a:defRPr/>
+            </a:lvl5pPr>
+            <a:lvl6pPr lvl="5" rtl="0">
+              <a:lnSpc>
+                <a:spcPct val="100000"/>
+              </a:lnSpc>
+              <a:spcBef>
+                <a:spcPts val="0"/>
+              </a:spcBef>
+              <a:spcAft>
+                <a:spcPts val="0"/>
+              </a:spcAft>
+              <a:buSzPts val="1200"/>
+              <a:buNone/>
+              <a:defRPr/>
+            </a:lvl6pPr>
+            <a:lvl7pPr lvl="6" rtl="0">
+              <a:lnSpc>
+                <a:spcPct val="100000"/>
+              </a:lnSpc>
+              <a:spcBef>
+                <a:spcPts val="0"/>
+              </a:spcBef>
+              <a:spcAft>
+                <a:spcPts val="0"/>
+              </a:spcAft>
+              <a:buSzPts val="1200"/>
+              <a:buNone/>
+              <a:defRPr/>
+            </a:lvl7pPr>
+            <a:lvl8pPr lvl="7" rtl="0">
+              <a:lnSpc>
+                <a:spcPct val="100000"/>
+              </a:lnSpc>
+              <a:spcBef>
+                <a:spcPts val="0"/>
+              </a:spcBef>
+              <a:spcAft>
+                <a:spcPts val="0"/>
+              </a:spcAft>
+              <a:buSzPts val="1200"/>
+              <a:buNone/>
+              <a:defRPr/>
+            </a:lvl8pPr>
+            <a:lvl9pPr lvl="8" rtl="0">
+              <a:lnSpc>
+                <a:spcPct val="100000"/>
+              </a:lnSpc>
+              <a:spcBef>
+                <a:spcPts val="0"/>
+              </a:spcBef>
+              <a:spcAft>
+                <a:spcPts val="0"/>
+              </a:spcAft>
+              <a:buSzPts val="1200"/>
+              <a:buNone/>
+              <a:defRPr/>
+            </a:lvl9pPr>
+          </a:lstStyle>
+          <a:p>
+            <a:endParaRPr/>
+          </a:p>
+        </p:txBody>
+      </p:sp>
+      <p:sp>
+        <p:nvSpPr>
+          <p:cNvPr id="1391" name="Google Shape;1391;p31"/>
+          <p:cNvSpPr txBox="1">
+            <a:spLocks noGrp="1"/>
+          </p:cNvSpPr>
+          <p:nvPr>
+            <p:ph type="subTitle" idx="2"/>
+          </p:nvPr>
+        </p:nvSpPr>
+        <p:spPr>
+          <a:xfrm>
+            <a:off x="1663725" y="1254975"/>
+            <a:ext cx="2536200" cy="554100"/>
+          </a:xfrm>
+          <a:prstGeom prst="rect">
+            <a:avLst/>
+          </a:prstGeom>
+        </p:spPr>
+        <p:txBody>
+          <a:bodyPr spcFirstLastPara="1" wrap="square" lIns="91425" tIns="91425" rIns="91425" bIns="91425" anchor="b" anchorCtr="0">
+            <a:noAutofit/>
+          </a:bodyPr>
+          <a:lstStyle>
+            <a:lvl1pPr lvl="0" rtl="0">
+              <a:lnSpc>
+                <a:spcPct val="100000"/>
+              </a:lnSpc>
+              <a:spcBef>
+                <a:spcPts val="0"/>
+              </a:spcBef>
+              <a:spcAft>
+                <a:spcPts val="0"/>
+              </a:spcAft>
+              <a:buSzPts val="2400"/>
+              <a:buFont typeface="Manrope SemiBold"/>
+              <a:buNone/>
+              <a:defRPr sz="2200">
+                <a:latin typeface="Manrope SemiBold"/>
+                <a:ea typeface="Manrope SemiBold"/>
+                <a:cs typeface="Manrope SemiBold"/>
+                <a:sym typeface="Manrope SemiBold"/>
+              </a:defRPr>
+            </a:lvl1pPr>
+            <a:lvl2pPr lvl="1" rtl="0">
+              <a:lnSpc>
+                <a:spcPct val="100000"/>
+              </a:lnSpc>
+              <a:spcBef>
+                <a:spcPts val="0"/>
+              </a:spcBef>
+              <a:spcAft>
+                <a:spcPts val="0"/>
+              </a:spcAft>
+              <a:buSzPts val="2400"/>
+              <a:buFont typeface="Manrope SemiBold"/>
+              <a:buNone/>
+              <a:defRPr sz="2400">
+                <a:latin typeface="Manrope SemiBold"/>
+                <a:ea typeface="Manrope SemiBold"/>
+                <a:cs typeface="Manrope SemiBold"/>
+                <a:sym typeface="Manrope SemiBold"/>
+              </a:defRPr>
+            </a:lvl2pPr>
+            <a:lvl3pPr lvl="2" rtl="0">
+              <a:lnSpc>
+                <a:spcPct val="100000"/>
+              </a:lnSpc>
+              <a:spcBef>
+                <a:spcPts val="0"/>
+              </a:spcBef>
+              <a:spcAft>
+                <a:spcPts val="0"/>
+              </a:spcAft>
+              <a:buSzPts val="2400"/>
+              <a:buFont typeface="Manrope SemiBold"/>
+              <a:buNone/>
+              <a:defRPr sz="2400">
+                <a:latin typeface="Manrope SemiBold"/>
+                <a:ea typeface="Manrope SemiBold"/>
+                <a:cs typeface="Manrope SemiBold"/>
+                <a:sym typeface="Manrope SemiBold"/>
+              </a:defRPr>
+            </a:lvl3pPr>
+            <a:lvl4pPr lvl="3" rtl="0">
+              <a:lnSpc>
+                <a:spcPct val="100000"/>
+              </a:lnSpc>
+              <a:spcBef>
+                <a:spcPts val="0"/>
+              </a:spcBef>
+              <a:spcAft>
+                <a:spcPts val="0"/>
+              </a:spcAft>
+              <a:buSzPts val="2400"/>
+              <a:buFont typeface="Manrope SemiBold"/>
+              <a:buNone/>
+              <a:defRPr sz="2400">
+                <a:latin typeface="Manrope SemiBold"/>
+                <a:ea typeface="Manrope SemiBold"/>
+                <a:cs typeface="Manrope SemiBold"/>
+                <a:sym typeface="Manrope SemiBold"/>
+              </a:defRPr>
+            </a:lvl4pPr>
+            <a:lvl5pPr lvl="4" rtl="0">
+              <a:lnSpc>
+                <a:spcPct val="100000"/>
+              </a:lnSpc>
+              <a:spcBef>
+                <a:spcPts val="0"/>
+              </a:spcBef>
+              <a:spcAft>
+                <a:spcPts val="0"/>
+              </a:spcAft>
+              <a:buSzPts val="2400"/>
+              <a:buFont typeface="Manrope SemiBold"/>
+              <a:buNone/>
+              <a:defRPr sz="2400">
+                <a:latin typeface="Manrope SemiBold"/>
+                <a:ea typeface="Manrope SemiBold"/>
+                <a:cs typeface="Manrope SemiBold"/>
+                <a:sym typeface="Manrope SemiBold"/>
+              </a:defRPr>
+            </a:lvl5pPr>
+            <a:lvl6pPr lvl="5" rtl="0">
+              <a:lnSpc>
+                <a:spcPct val="100000"/>
+              </a:lnSpc>
+              <a:spcBef>
+                <a:spcPts val="0"/>
+              </a:spcBef>
+              <a:spcAft>
+                <a:spcPts val="0"/>
+              </a:spcAft>
+              <a:buSzPts val="2400"/>
+              <a:buFont typeface="Manrope SemiBold"/>
+              <a:buNone/>
+              <a:defRPr sz="2400">
+                <a:latin typeface="Manrope SemiBold"/>
+                <a:ea typeface="Manrope SemiBold"/>
+                <a:cs typeface="Manrope SemiBold"/>
+                <a:sym typeface="Manrope SemiBold"/>
+              </a:defRPr>
+            </a:lvl6pPr>
+            <a:lvl7pPr lvl="6" rtl="0">
+              <a:lnSpc>
+                <a:spcPct val="100000"/>
+              </a:lnSpc>
+              <a:spcBef>
+                <a:spcPts val="0"/>
+              </a:spcBef>
+              <a:spcAft>
+                <a:spcPts val="0"/>
+              </a:spcAft>
+              <a:buSzPts val="2400"/>
+              <a:buFont typeface="Manrope SemiBold"/>
+              <a:buNone/>
+              <a:defRPr sz="2400">
+                <a:latin typeface="Manrope SemiBold"/>
+                <a:ea typeface="Manrope SemiBold"/>
+                <a:cs typeface="Manrope SemiBold"/>
+                <a:sym typeface="Manrope SemiBold"/>
+              </a:defRPr>
+            </a:lvl7pPr>
+            <a:lvl8pPr lvl="7" rtl="0">
+              <a:lnSpc>
+                <a:spcPct val="100000"/>
+              </a:lnSpc>
+              <a:spcBef>
+                <a:spcPts val="0"/>
+              </a:spcBef>
+              <a:spcAft>
+                <a:spcPts val="0"/>
+              </a:spcAft>
+              <a:buSzPts val="2400"/>
+              <a:buFont typeface="Manrope SemiBold"/>
+              <a:buNone/>
+              <a:defRPr sz="2400">
+                <a:latin typeface="Manrope SemiBold"/>
+                <a:ea typeface="Manrope SemiBold"/>
+                <a:cs typeface="Manrope SemiBold"/>
+                <a:sym typeface="Manrope SemiBold"/>
+              </a:defRPr>
+            </a:lvl8pPr>
+            <a:lvl9pPr lvl="8" rtl="0">
+              <a:lnSpc>
+                <a:spcPct val="100000"/>
+              </a:lnSpc>
+              <a:spcBef>
+                <a:spcPts val="0"/>
+              </a:spcBef>
+              <a:spcAft>
+                <a:spcPts val="0"/>
+              </a:spcAft>
+              <a:buSzPts val="2400"/>
+              <a:buFont typeface="Manrope SemiBold"/>
+              <a:buNone/>
+              <a:defRPr sz="2400">
+                <a:latin typeface="Manrope SemiBold"/>
+                <a:ea typeface="Manrope SemiBold"/>
+                <a:cs typeface="Manrope SemiBold"/>
+                <a:sym typeface="Manrope SemiBold"/>
+              </a:defRPr>
+            </a:lvl9pPr>
+          </a:lstStyle>
+          <a:p>
+            <a:endParaRPr/>
+          </a:p>
+        </p:txBody>
+      </p:sp>
+      <p:sp>
+        <p:nvSpPr>
+          <p:cNvPr id="1392" name="Google Shape;1392;p31"/>
+          <p:cNvSpPr txBox="1">
+            <a:spLocks noGrp="1"/>
+          </p:cNvSpPr>
+          <p:nvPr>
+            <p:ph type="subTitle" idx="3"/>
+          </p:nvPr>
+        </p:nvSpPr>
+        <p:spPr>
+          <a:xfrm>
+            <a:off x="1663725" y="3992975"/>
+            <a:ext cx="2536200" cy="615600"/>
+          </a:xfrm>
+          <a:prstGeom prst="rect">
+            <a:avLst/>
+          </a:prstGeom>
+        </p:spPr>
+        <p:txBody>
+          <a:bodyPr spcFirstLastPara="1" wrap="square" lIns="91425" tIns="91425" rIns="91425" bIns="91425" anchor="t" anchorCtr="0">
+            <a:noAutofit/>
+          </a:bodyPr>
+          <a:lstStyle>
+            <a:lvl1pPr lvl="0" rtl="0">
+              <a:lnSpc>
+                <a:spcPct val="100000"/>
+              </a:lnSpc>
+              <a:spcBef>
+                <a:spcPts val="0"/>
+              </a:spcBef>
+              <a:spcAft>
+                <a:spcPts val="0"/>
+              </a:spcAft>
+              <a:buSzPts val="1200"/>
+              <a:buNone/>
+              <a:defRPr/>
+            </a:lvl1pPr>
+            <a:lvl2pPr lvl="1" rtl="0">
+              <a:lnSpc>
+                <a:spcPct val="100000"/>
+              </a:lnSpc>
+              <a:spcBef>
+                <a:spcPts val="0"/>
+              </a:spcBef>
+              <a:spcAft>
+                <a:spcPts val="0"/>
+              </a:spcAft>
+              <a:buSzPts val="1200"/>
+              <a:buNone/>
+              <a:defRPr/>
+            </a:lvl2pPr>
+            <a:lvl3pPr lvl="2" rtl="0">
+              <a:lnSpc>
+                <a:spcPct val="100000"/>
+              </a:lnSpc>
+              <a:spcBef>
+                <a:spcPts val="0"/>
+              </a:spcBef>
+              <a:spcAft>
+                <a:spcPts val="0"/>
+              </a:spcAft>
+              <a:buSzPts val="1200"/>
+              <a:buNone/>
+              <a:defRPr/>
+            </a:lvl3pPr>
+            <a:lvl4pPr lvl="3" rtl="0">
+              <a:lnSpc>
+                <a:spcPct val="100000"/>
+              </a:lnSpc>
+              <a:spcBef>
+                <a:spcPts val="0"/>
+              </a:spcBef>
+              <a:spcAft>
+                <a:spcPts val="0"/>
+              </a:spcAft>
+              <a:buSzPts val="1200"/>
+              <a:buNone/>
+              <a:defRPr/>
+            </a:lvl4pPr>
+            <a:lvl5pPr lvl="4" rtl="0">
+              <a:lnSpc>
+                <a:spcPct val="100000"/>
+              </a:lnSpc>
+              <a:spcBef>
+                <a:spcPts val="0"/>
+              </a:spcBef>
+              <a:spcAft>
+                <a:spcPts val="0"/>
+              </a:spcAft>
+              <a:buSzPts val="1200"/>
+              <a:buNone/>
+              <a:defRPr/>
+            </a:lvl5pPr>
+            <a:lvl6pPr lvl="5" rtl="0">
+              <a:lnSpc>
+                <a:spcPct val="100000"/>
+              </a:lnSpc>
+              <a:spcBef>
+                <a:spcPts val="0"/>
+              </a:spcBef>
+              <a:spcAft>
+                <a:spcPts val="0"/>
+              </a:spcAft>
+              <a:buSzPts val="1200"/>
+              <a:buNone/>
+              <a:defRPr/>
+            </a:lvl6pPr>
+            <a:lvl7pPr lvl="6" rtl="0">
+              <a:lnSpc>
+                <a:spcPct val="100000"/>
+              </a:lnSpc>
+              <a:spcBef>
+                <a:spcPts val="0"/>
+              </a:spcBef>
+              <a:spcAft>
+                <a:spcPts val="0"/>
+              </a:spcAft>
+              <a:buSzPts val="1200"/>
+              <a:buNone/>
+              <a:defRPr/>
+            </a:lvl7pPr>
+            <a:lvl8pPr lvl="7" rtl="0">
+              <a:lnSpc>
+                <a:spcPct val="100000"/>
+              </a:lnSpc>
+              <a:spcBef>
+                <a:spcPts val="0"/>
+              </a:spcBef>
+              <a:spcAft>
+                <a:spcPts val="0"/>
+              </a:spcAft>
+              <a:buSzPts val="1200"/>
+              <a:buNone/>
+              <a:defRPr/>
+            </a:lvl8pPr>
+            <a:lvl9pPr lvl="8" rtl="0">
+              <a:lnSpc>
+                <a:spcPct val="100000"/>
+              </a:lnSpc>
+              <a:spcBef>
+                <a:spcPts val="0"/>
+              </a:spcBef>
+              <a:spcAft>
+                <a:spcPts val="0"/>
+              </a:spcAft>
+              <a:buSzPts val="1200"/>
+              <a:buNone/>
+              <a:defRPr/>
+            </a:lvl9pPr>
+          </a:lstStyle>
+          <a:p>
+            <a:endParaRPr/>
+          </a:p>
+        </p:txBody>
+      </p:sp>
+      <p:sp>
+        <p:nvSpPr>
+          <p:cNvPr id="1393" name="Google Shape;1393;p31"/>
+          <p:cNvSpPr txBox="1">
+            <a:spLocks noGrp="1"/>
+          </p:cNvSpPr>
+          <p:nvPr>
+            <p:ph type="subTitle" idx="4"/>
+          </p:nvPr>
+        </p:nvSpPr>
+        <p:spPr>
+          <a:xfrm>
+            <a:off x="1663725" y="3544475"/>
+            <a:ext cx="2536200" cy="554100"/>
+          </a:xfrm>
+          <a:prstGeom prst="rect">
+            <a:avLst/>
+          </a:prstGeom>
+        </p:spPr>
+        <p:txBody>
+          <a:bodyPr spcFirstLastPara="1" wrap="square" lIns="91425" tIns="91425" rIns="91425" bIns="91425" anchor="b" anchorCtr="0">
+            <a:noAutofit/>
+          </a:bodyPr>
+          <a:lstStyle>
+            <a:lvl1pPr lvl="0" rtl="0">
+              <a:lnSpc>
+                <a:spcPct val="100000"/>
+              </a:lnSpc>
+              <a:spcBef>
+                <a:spcPts val="0"/>
+              </a:spcBef>
+              <a:spcAft>
+                <a:spcPts val="0"/>
+              </a:spcAft>
+              <a:buSzPts val="2400"/>
+              <a:buFont typeface="Manrope SemiBold"/>
+              <a:buNone/>
+              <a:defRPr sz="2200">
+                <a:latin typeface="Manrope SemiBold"/>
+                <a:ea typeface="Manrope SemiBold"/>
+                <a:cs typeface="Manrope SemiBold"/>
+                <a:sym typeface="Manrope SemiBold"/>
+              </a:defRPr>
+            </a:lvl1pPr>
+            <a:lvl2pPr lvl="1" rtl="0">
+              <a:lnSpc>
+                <a:spcPct val="100000"/>
+              </a:lnSpc>
+              <a:spcBef>
+                <a:spcPts val="0"/>
+              </a:spcBef>
+              <a:spcAft>
+                <a:spcPts val="0"/>
+              </a:spcAft>
+              <a:buSzPts val="2400"/>
+              <a:buFont typeface="Manrope SemiBold"/>
+              <a:buNone/>
+              <a:defRPr sz="2400">
+                <a:latin typeface="Manrope SemiBold"/>
+                <a:ea typeface="Manrope SemiBold"/>
+                <a:cs typeface="Manrope SemiBold"/>
+                <a:sym typeface="Manrope SemiBold"/>
+              </a:defRPr>
+            </a:lvl2pPr>
+            <a:lvl3pPr lvl="2" rtl="0">
+              <a:lnSpc>
+                <a:spcPct val="100000"/>
+              </a:lnSpc>
+              <a:spcBef>
+                <a:spcPts val="0"/>
+              </a:spcBef>
+              <a:spcAft>
+                <a:spcPts val="0"/>
+              </a:spcAft>
+              <a:buSzPts val="2400"/>
+              <a:buFont typeface="Manrope SemiBold"/>
+              <a:buNone/>
+              <a:defRPr sz="2400">
+                <a:latin typeface="Manrope SemiBold"/>
+                <a:ea typeface="Manrope SemiBold"/>
+                <a:cs typeface="Manrope SemiBold"/>
+                <a:sym typeface="Manrope SemiBold"/>
+              </a:defRPr>
+            </a:lvl3pPr>
+            <a:lvl4pPr lvl="3" rtl="0">
+              <a:lnSpc>
+                <a:spcPct val="100000"/>
+              </a:lnSpc>
+              <a:spcBef>
+                <a:spcPts val="0"/>
+              </a:spcBef>
+              <a:spcAft>
+                <a:spcPts val="0"/>
+              </a:spcAft>
+              <a:buSzPts val="2400"/>
+              <a:buFont typeface="Manrope SemiBold"/>
+              <a:buNone/>
+              <a:defRPr sz="2400">
+                <a:latin typeface="Manrope SemiBold"/>
+                <a:ea typeface="Manrope SemiBold"/>
+                <a:cs typeface="Manrope SemiBold"/>
+                <a:sym typeface="Manrope SemiBold"/>
+              </a:defRPr>
+            </a:lvl4pPr>
+            <a:lvl5pPr lvl="4" rtl="0">
+              <a:lnSpc>
+                <a:spcPct val="100000"/>
+              </a:lnSpc>
+              <a:spcBef>
+                <a:spcPts val="0"/>
+              </a:spcBef>
+              <a:spcAft>
+                <a:spcPts val="0"/>
+              </a:spcAft>
+              <a:buSzPts val="2400"/>
+              <a:buFont typeface="Manrope SemiBold"/>
+              <a:buNone/>
+              <a:defRPr sz="2400">
+                <a:latin typeface="Manrope SemiBold"/>
+                <a:ea typeface="Manrope SemiBold"/>
+                <a:cs typeface="Manrope SemiBold"/>
+                <a:sym typeface="Manrope SemiBold"/>
+              </a:defRPr>
+            </a:lvl5pPr>
+            <a:lvl6pPr lvl="5" rtl="0">
+              <a:lnSpc>
+                <a:spcPct val="100000"/>
+              </a:lnSpc>
+              <a:spcBef>
+                <a:spcPts val="0"/>
+              </a:spcBef>
+              <a:spcAft>
+                <a:spcPts val="0"/>
+              </a:spcAft>
+              <a:buSzPts val="2400"/>
+              <a:buFont typeface="Manrope SemiBold"/>
+              <a:buNone/>
+              <a:defRPr sz="2400">
+                <a:latin typeface="Manrope SemiBold"/>
+                <a:ea typeface="Manrope SemiBold"/>
+                <a:cs typeface="Manrope SemiBold"/>
+                <a:sym typeface="Manrope SemiBold"/>
+              </a:defRPr>
+            </a:lvl6pPr>
+            <a:lvl7pPr lvl="6" rtl="0">
+              <a:lnSpc>
+                <a:spcPct val="100000"/>
+              </a:lnSpc>
+              <a:spcBef>
+                <a:spcPts val="0"/>
+              </a:spcBef>
+              <a:spcAft>
+                <a:spcPts val="0"/>
+              </a:spcAft>
+              <a:buSzPts val="2400"/>
+              <a:buFont typeface="Manrope SemiBold"/>
+              <a:buNone/>
+              <a:defRPr sz="2400">
+                <a:latin typeface="Manrope SemiBold"/>
+                <a:ea typeface="Manrope SemiBold"/>
+                <a:cs typeface="Manrope SemiBold"/>
+                <a:sym typeface="Manrope SemiBold"/>
+              </a:defRPr>
+            </a:lvl7pPr>
+            <a:lvl8pPr lvl="7" rtl="0">
+              <a:lnSpc>
+                <a:spcPct val="100000"/>
+              </a:lnSpc>
+              <a:spcBef>
+                <a:spcPts val="0"/>
+              </a:spcBef>
+              <a:spcAft>
+                <a:spcPts val="0"/>
+              </a:spcAft>
+              <a:buSzPts val="2400"/>
+              <a:buFont typeface="Manrope SemiBold"/>
+              <a:buNone/>
+              <a:defRPr sz="2400">
+                <a:latin typeface="Manrope SemiBold"/>
+                <a:ea typeface="Manrope SemiBold"/>
+                <a:cs typeface="Manrope SemiBold"/>
+                <a:sym typeface="Manrope SemiBold"/>
+              </a:defRPr>
+            </a:lvl8pPr>
+            <a:lvl9pPr lvl="8" rtl="0">
+              <a:lnSpc>
+                <a:spcPct val="100000"/>
+              </a:lnSpc>
+              <a:spcBef>
+                <a:spcPts val="0"/>
+              </a:spcBef>
+              <a:spcAft>
+                <a:spcPts val="0"/>
+              </a:spcAft>
+              <a:buSzPts val="2400"/>
+              <a:buFont typeface="Manrope SemiBold"/>
+              <a:buNone/>
+              <a:defRPr sz="2400">
+                <a:latin typeface="Manrope SemiBold"/>
+                <a:ea typeface="Manrope SemiBold"/>
+                <a:cs typeface="Manrope SemiBold"/>
+                <a:sym typeface="Manrope SemiBold"/>
+              </a:defRPr>
+            </a:lvl9pPr>
+          </a:lstStyle>
+          <a:p>
+            <a:endParaRPr/>
+          </a:p>
+        </p:txBody>
+      </p:sp>
+      <p:sp>
+        <p:nvSpPr>
+          <p:cNvPr id="1394" name="Google Shape;1394;p31"/>
+          <p:cNvSpPr txBox="1">
+            <a:spLocks noGrp="1"/>
+          </p:cNvSpPr>
+          <p:nvPr>
+            <p:ph type="subTitle" idx="5"/>
+          </p:nvPr>
+        </p:nvSpPr>
+        <p:spPr>
+          <a:xfrm>
+            <a:off x="1663725" y="2848225"/>
+            <a:ext cx="2536200" cy="615600"/>
+          </a:xfrm>
+          <a:prstGeom prst="rect">
+            <a:avLst/>
+          </a:prstGeom>
+        </p:spPr>
+        <p:txBody>
+          <a:bodyPr spcFirstLastPara="1" wrap="square" lIns="91425" tIns="91425" rIns="91425" bIns="91425" anchor="t" anchorCtr="0">
+            <a:noAutofit/>
+          </a:bodyPr>
+          <a:lstStyle>
+            <a:lvl1pPr lvl="0" rtl="0">
+              <a:lnSpc>
+                <a:spcPct val="100000"/>
+              </a:lnSpc>
+              <a:spcBef>
+                <a:spcPts val="0"/>
+              </a:spcBef>
+              <a:spcAft>
+                <a:spcPts val="0"/>
+              </a:spcAft>
+              <a:buSzPts val="1200"/>
+              <a:buNone/>
+              <a:defRPr/>
+            </a:lvl1pPr>
+            <a:lvl2pPr lvl="1" rtl="0">
+              <a:lnSpc>
+                <a:spcPct val="100000"/>
+              </a:lnSpc>
+              <a:spcBef>
+                <a:spcPts val="0"/>
+              </a:spcBef>
+              <a:spcAft>
+                <a:spcPts val="0"/>
+              </a:spcAft>
+              <a:buSzPts val="1200"/>
+              <a:buNone/>
+              <a:defRPr/>
+            </a:lvl2pPr>
+            <a:lvl3pPr lvl="2" rtl="0">
+              <a:lnSpc>
+                <a:spcPct val="100000"/>
+              </a:lnSpc>
+              <a:spcBef>
+                <a:spcPts val="0"/>
+              </a:spcBef>
+              <a:spcAft>
+                <a:spcPts val="0"/>
+              </a:spcAft>
+              <a:buSzPts val="1200"/>
+              <a:buNone/>
+              <a:defRPr/>
+            </a:lvl3pPr>
+            <a:lvl4pPr lvl="3" rtl="0">
+              <a:lnSpc>
+                <a:spcPct val="100000"/>
+              </a:lnSpc>
+              <a:spcBef>
+                <a:spcPts val="0"/>
+              </a:spcBef>
+              <a:spcAft>
+                <a:spcPts val="0"/>
+              </a:spcAft>
+              <a:buSzPts val="1200"/>
+              <a:buNone/>
+              <a:defRPr/>
+            </a:lvl4pPr>
+            <a:lvl5pPr lvl="4" rtl="0">
+              <a:lnSpc>
+                <a:spcPct val="100000"/>
+              </a:lnSpc>
+              <a:spcBef>
+                <a:spcPts val="0"/>
+              </a:spcBef>
+              <a:spcAft>
+                <a:spcPts val="0"/>
+              </a:spcAft>
+              <a:buSzPts val="1200"/>
+              <a:buNone/>
+              <a:defRPr/>
+            </a:lvl5pPr>
+            <a:lvl6pPr lvl="5" rtl="0">
+              <a:lnSpc>
+                <a:spcPct val="100000"/>
+              </a:lnSpc>
+              <a:spcBef>
+                <a:spcPts val="0"/>
+              </a:spcBef>
+              <a:spcAft>
+                <a:spcPts val="0"/>
+              </a:spcAft>
+              <a:buSzPts val="1200"/>
+              <a:buNone/>
+              <a:defRPr/>
+            </a:lvl6pPr>
+            <a:lvl7pPr lvl="6" rtl="0">
+              <a:lnSpc>
+                <a:spcPct val="100000"/>
+              </a:lnSpc>
+              <a:spcBef>
+                <a:spcPts val="0"/>
+              </a:spcBef>
+              <a:spcAft>
+                <a:spcPts val="0"/>
+              </a:spcAft>
+              <a:buSzPts val="1200"/>
+              <a:buNone/>
+              <a:defRPr/>
+            </a:lvl7pPr>
+            <a:lvl8pPr lvl="7" rtl="0">
+              <a:lnSpc>
+                <a:spcPct val="100000"/>
+              </a:lnSpc>
+              <a:spcBef>
+                <a:spcPts val="0"/>
+              </a:spcBef>
+              <a:spcAft>
+                <a:spcPts val="0"/>
+              </a:spcAft>
+              <a:buSzPts val="1200"/>
+              <a:buNone/>
+              <a:defRPr/>
+            </a:lvl8pPr>
+            <a:lvl9pPr lvl="8" rtl="0">
+              <a:lnSpc>
+                <a:spcPct val="100000"/>
+              </a:lnSpc>
+              <a:spcBef>
+                <a:spcPts val="0"/>
+              </a:spcBef>
+              <a:spcAft>
+                <a:spcPts val="0"/>
+              </a:spcAft>
+              <a:buSzPts val="1200"/>
+              <a:buNone/>
+              <a:defRPr/>
+            </a:lvl9pPr>
+          </a:lstStyle>
+          <a:p>
+            <a:endParaRPr/>
+          </a:p>
+        </p:txBody>
+      </p:sp>
+      <p:sp>
+        <p:nvSpPr>
+          <p:cNvPr id="1395" name="Google Shape;1395;p31"/>
+          <p:cNvSpPr txBox="1">
+            <a:spLocks noGrp="1"/>
+          </p:cNvSpPr>
+          <p:nvPr>
+            <p:ph type="subTitle" idx="6"/>
+          </p:nvPr>
+        </p:nvSpPr>
+        <p:spPr>
+          <a:xfrm>
+            <a:off x="1663725" y="2399725"/>
+            <a:ext cx="2536200" cy="554100"/>
+          </a:xfrm>
+          <a:prstGeom prst="rect">
+            <a:avLst/>
+          </a:prstGeom>
+        </p:spPr>
+        <p:txBody>
+          <a:bodyPr spcFirstLastPara="1" wrap="square" lIns="91425" tIns="91425" rIns="91425" bIns="91425" anchor="b" anchorCtr="0">
+            <a:noAutofit/>
+          </a:bodyPr>
+          <a:lstStyle>
+            <a:lvl1pPr lvl="0" rtl="0">
+              <a:lnSpc>
+                <a:spcPct val="100000"/>
+              </a:lnSpc>
+              <a:spcBef>
+                <a:spcPts val="0"/>
+              </a:spcBef>
+              <a:spcAft>
+                <a:spcPts val="0"/>
+              </a:spcAft>
+              <a:buSzPts val="2400"/>
+              <a:buFont typeface="Manrope SemiBold"/>
+              <a:buNone/>
+              <a:defRPr sz="2200">
+                <a:latin typeface="Manrope SemiBold"/>
+                <a:ea typeface="Manrope SemiBold"/>
+                <a:cs typeface="Manrope SemiBold"/>
+                <a:sym typeface="Manrope SemiBold"/>
+              </a:defRPr>
+            </a:lvl1pPr>
+            <a:lvl2pPr lvl="1" rtl="0">
+              <a:lnSpc>
+                <a:spcPct val="100000"/>
+              </a:lnSpc>
+              <a:spcBef>
+                <a:spcPts val="0"/>
+              </a:spcBef>
+              <a:spcAft>
+                <a:spcPts val="0"/>
+              </a:spcAft>
+              <a:buSzPts val="2400"/>
+              <a:buFont typeface="Manrope SemiBold"/>
+              <a:buNone/>
+              <a:defRPr sz="2400">
+                <a:latin typeface="Manrope SemiBold"/>
+                <a:ea typeface="Manrope SemiBold"/>
+                <a:cs typeface="Manrope SemiBold"/>
+                <a:sym typeface="Manrope SemiBold"/>
+              </a:defRPr>
+            </a:lvl2pPr>
+            <a:lvl3pPr lvl="2" rtl="0">
+              <a:lnSpc>
+                <a:spcPct val="100000"/>
+              </a:lnSpc>
+              <a:spcBef>
+                <a:spcPts val="0"/>
+              </a:spcBef>
+              <a:spcAft>
+                <a:spcPts val="0"/>
+              </a:spcAft>
+              <a:buSzPts val="2400"/>
+              <a:buFont typeface="Manrope SemiBold"/>
+              <a:buNone/>
+              <a:defRPr sz="2400">
+                <a:latin typeface="Manrope SemiBold"/>
+                <a:ea typeface="Manrope SemiBold"/>
+                <a:cs typeface="Manrope SemiBold"/>
+                <a:sym typeface="Manrope SemiBold"/>
+              </a:defRPr>
+            </a:lvl3pPr>
+            <a:lvl4pPr lvl="3" rtl="0">
+              <a:lnSpc>
+                <a:spcPct val="100000"/>
+              </a:lnSpc>
+              <a:spcBef>
+                <a:spcPts val="0"/>
+              </a:spcBef>
+              <a:spcAft>
+                <a:spcPts val="0"/>
+              </a:spcAft>
+              <a:buSzPts val="2400"/>
+              <a:buFont typeface="Manrope SemiBold"/>
+              <a:buNone/>
+              <a:defRPr sz="2400">
+                <a:latin typeface="Manrope SemiBold"/>
+                <a:ea typeface="Manrope SemiBold"/>
+                <a:cs typeface="Manrope SemiBold"/>
+                <a:sym typeface="Manrope SemiBold"/>
+              </a:defRPr>
+            </a:lvl4pPr>
+            <a:lvl5pPr lvl="4" rtl="0">
+              <a:lnSpc>
+                <a:spcPct val="100000"/>
+              </a:lnSpc>
+              <a:spcBef>
+                <a:spcPts val="0"/>
+              </a:spcBef>
+              <a:spcAft>
+                <a:spcPts val="0"/>
+              </a:spcAft>
+              <a:buSzPts val="2400"/>
+              <a:buFont typeface="Manrope SemiBold"/>
+              <a:buNone/>
+              <a:defRPr sz="2400">
+                <a:latin typeface="Manrope SemiBold"/>
+                <a:ea typeface="Manrope SemiBold"/>
+                <a:cs typeface="Manrope SemiBold"/>
+                <a:sym typeface="Manrope SemiBold"/>
+              </a:defRPr>
+            </a:lvl5pPr>
+            <a:lvl6pPr lvl="5" rtl="0">
+              <a:lnSpc>
+                <a:spcPct val="100000"/>
+              </a:lnSpc>
+              <a:spcBef>
+                <a:spcPts val="0"/>
+              </a:spcBef>
+              <a:spcAft>
+                <a:spcPts val="0"/>
+              </a:spcAft>
+              <a:buSzPts val="2400"/>
+              <a:buFont typeface="Manrope SemiBold"/>
+              <a:buNone/>
+              <a:defRPr sz="2400">
+                <a:latin typeface="Manrope SemiBold"/>
+                <a:ea typeface="Manrope SemiBold"/>
+                <a:cs typeface="Manrope SemiBold"/>
+                <a:sym typeface="Manrope SemiBold"/>
+              </a:defRPr>
+            </a:lvl6pPr>
+            <a:lvl7pPr lvl="6" rtl="0">
+              <a:lnSpc>
+                <a:spcPct val="100000"/>
+              </a:lnSpc>
+              <a:spcBef>
+                <a:spcPts val="0"/>
+              </a:spcBef>
+              <a:spcAft>
+                <a:spcPts val="0"/>
+              </a:spcAft>
+              <a:buSzPts val="2400"/>
+              <a:buFont typeface="Manrope SemiBold"/>
+              <a:buNone/>
+              <a:defRPr sz="2400">
+                <a:latin typeface="Manrope SemiBold"/>
+                <a:ea typeface="Manrope SemiBold"/>
+                <a:cs typeface="Manrope SemiBold"/>
+                <a:sym typeface="Manrope SemiBold"/>
+              </a:defRPr>
+            </a:lvl7pPr>
+            <a:lvl8pPr lvl="7" rtl="0">
+              <a:lnSpc>
+                <a:spcPct val="100000"/>
+              </a:lnSpc>
+              <a:spcBef>
+                <a:spcPts val="0"/>
+              </a:spcBef>
+              <a:spcAft>
+                <a:spcPts val="0"/>
+              </a:spcAft>
+              <a:buSzPts val="2400"/>
+              <a:buFont typeface="Manrope SemiBold"/>
+              <a:buNone/>
+              <a:defRPr sz="2400">
+                <a:latin typeface="Manrope SemiBold"/>
+                <a:ea typeface="Manrope SemiBold"/>
+                <a:cs typeface="Manrope SemiBold"/>
+                <a:sym typeface="Manrope SemiBold"/>
+              </a:defRPr>
+            </a:lvl8pPr>
+            <a:lvl9pPr lvl="8" rtl="0">
+              <a:lnSpc>
+                <a:spcPct val="100000"/>
+              </a:lnSpc>
+              <a:spcBef>
+                <a:spcPts val="0"/>
+              </a:spcBef>
+              <a:spcAft>
+                <a:spcPts val="0"/>
+              </a:spcAft>
+              <a:buSzPts val="2400"/>
+              <a:buFont typeface="Manrope SemiBold"/>
+              <a:buNone/>
+              <a:defRPr sz="2400">
+                <a:latin typeface="Manrope SemiBold"/>
+                <a:ea typeface="Manrope SemiBold"/>
+                <a:cs typeface="Manrope SemiBold"/>
+                <a:sym typeface="Manrope SemiBold"/>
+              </a:defRPr>
+            </a:lvl9pPr>
+          </a:lstStyle>
+          <a:p>
+            <a:endParaRPr/>
+          </a:p>
+        </p:txBody>
+      </p:sp>
+      <p:sp>
+        <p:nvSpPr>
+          <p:cNvPr id="1396" name="Google Shape;1396;p31"/>
+          <p:cNvSpPr txBox="1">
+            <a:spLocks noGrp="1"/>
+          </p:cNvSpPr>
+          <p:nvPr>
+            <p:ph type="subTitle" idx="7"/>
+          </p:nvPr>
+        </p:nvSpPr>
+        <p:spPr>
+          <a:xfrm>
+            <a:off x="5836925" y="1703475"/>
+            <a:ext cx="2536200" cy="615600"/>
+          </a:xfrm>
+          <a:prstGeom prst="rect">
+            <a:avLst/>
+          </a:prstGeom>
+        </p:spPr>
+        <p:txBody>
+          <a:bodyPr spcFirstLastPara="1" wrap="square" lIns="91425" tIns="91425" rIns="91425" bIns="91425" anchor="t" anchorCtr="0">
+            <a:noAutofit/>
+          </a:bodyPr>
+          <a:lstStyle>
+            <a:lvl1pPr lvl="0" rtl="0">
+              <a:lnSpc>
+                <a:spcPct val="100000"/>
+              </a:lnSpc>
+              <a:spcBef>
+                <a:spcPts val="0"/>
+              </a:spcBef>
+              <a:spcAft>
+                <a:spcPts val="0"/>
+              </a:spcAft>
+              <a:buSzPts val="1200"/>
+              <a:buNone/>
+              <a:defRPr/>
+            </a:lvl1pPr>
+            <a:lvl2pPr lvl="1" rtl="0">
+              <a:lnSpc>
+                <a:spcPct val="100000"/>
+              </a:lnSpc>
+              <a:spcBef>
+                <a:spcPts val="0"/>
+              </a:spcBef>
+              <a:spcAft>
+                <a:spcPts val="0"/>
+              </a:spcAft>
+              <a:buSzPts val="1200"/>
+              <a:buNone/>
+              <a:defRPr/>
+            </a:lvl2pPr>
+            <a:lvl3pPr lvl="2" rtl="0">
+              <a:lnSpc>
+                <a:spcPct val="100000"/>
+              </a:lnSpc>
+              <a:spcBef>
+                <a:spcPts val="0"/>
+              </a:spcBef>
+              <a:spcAft>
+                <a:spcPts val="0"/>
+              </a:spcAft>
+              <a:buSzPts val="1200"/>
+              <a:buNone/>
+              <a:defRPr/>
+            </a:lvl3pPr>
+            <a:lvl4pPr lvl="3" rtl="0">
+              <a:lnSpc>
+                <a:spcPct val="100000"/>
+              </a:lnSpc>
+              <a:spcBef>
+                <a:spcPts val="0"/>
+              </a:spcBef>
+              <a:spcAft>
+                <a:spcPts val="0"/>
+              </a:spcAft>
+              <a:buSzPts val="1200"/>
+              <a:buNone/>
+              <a:defRPr/>
+            </a:lvl4pPr>
+            <a:lvl5pPr lvl="4" rtl="0">
+              <a:lnSpc>
+                <a:spcPct val="100000"/>
+              </a:lnSpc>
+              <a:spcBef>
+                <a:spcPts val="0"/>
+              </a:spcBef>
+              <a:spcAft>
+                <a:spcPts val="0"/>
+              </a:spcAft>
+              <a:buSzPts val="1200"/>
+              <a:buNone/>
+              <a:defRPr/>
+            </a:lvl5pPr>
+            <a:lvl6pPr lvl="5" rtl="0">
+              <a:lnSpc>
+                <a:spcPct val="100000"/>
+              </a:lnSpc>
+              <a:spcBef>
+                <a:spcPts val="0"/>
+              </a:spcBef>
+              <a:spcAft>
+                <a:spcPts val="0"/>
+              </a:spcAft>
+              <a:buSzPts val="1200"/>
+              <a:buNone/>
+              <a:defRPr/>
+            </a:lvl6pPr>
+            <a:lvl7pPr lvl="6" rtl="0">
+              <a:lnSpc>
+                <a:spcPct val="100000"/>
+              </a:lnSpc>
+              <a:spcBef>
+                <a:spcPts val="0"/>
+              </a:spcBef>
+              <a:spcAft>
+                <a:spcPts val="0"/>
+              </a:spcAft>
+              <a:buSzPts val="1200"/>
+              <a:buNone/>
+              <a:defRPr/>
+            </a:lvl7pPr>
+            <a:lvl8pPr lvl="7" rtl="0">
+              <a:lnSpc>
+                <a:spcPct val="100000"/>
+              </a:lnSpc>
+              <a:spcBef>
+                <a:spcPts val="0"/>
+              </a:spcBef>
+              <a:spcAft>
+                <a:spcPts val="0"/>
+              </a:spcAft>
+              <a:buSzPts val="1200"/>
+              <a:buNone/>
+              <a:defRPr/>
+            </a:lvl8pPr>
+            <a:lvl9pPr lvl="8" rtl="0">
+              <a:lnSpc>
+                <a:spcPct val="100000"/>
+              </a:lnSpc>
+              <a:spcBef>
+                <a:spcPts val="0"/>
+              </a:spcBef>
+              <a:spcAft>
+                <a:spcPts val="0"/>
+              </a:spcAft>
+              <a:buSzPts val="1200"/>
+              <a:buNone/>
+              <a:defRPr/>
+            </a:lvl9pPr>
+          </a:lstStyle>
+          <a:p>
+            <a:endParaRPr/>
+          </a:p>
+        </p:txBody>
+      </p:sp>
+      <p:sp>
+        <p:nvSpPr>
+          <p:cNvPr id="1397" name="Google Shape;1397;p31"/>
+          <p:cNvSpPr txBox="1">
+            <a:spLocks noGrp="1"/>
+          </p:cNvSpPr>
+          <p:nvPr>
+            <p:ph type="subTitle" idx="8"/>
+          </p:nvPr>
+        </p:nvSpPr>
+        <p:spPr>
+          <a:xfrm>
+            <a:off x="5836925" y="1254975"/>
+            <a:ext cx="2536200" cy="554100"/>
+          </a:xfrm>
+          <a:prstGeom prst="rect">
+            <a:avLst/>
+          </a:prstGeom>
+        </p:spPr>
+        <p:txBody>
+          <a:bodyPr spcFirstLastPara="1" wrap="square" lIns="91425" tIns="91425" rIns="91425" bIns="91425" anchor="b" anchorCtr="0">
+            <a:noAutofit/>
+          </a:bodyPr>
+          <a:lstStyle>
+            <a:lvl1pPr lvl="0" rtl="0">
+              <a:lnSpc>
+                <a:spcPct val="100000"/>
+              </a:lnSpc>
+              <a:spcBef>
+                <a:spcPts val="0"/>
+              </a:spcBef>
+              <a:spcAft>
+                <a:spcPts val="0"/>
+              </a:spcAft>
+              <a:buSzPts val="2400"/>
+              <a:buFont typeface="Manrope SemiBold"/>
+              <a:buNone/>
+              <a:defRPr sz="2200">
+                <a:latin typeface="Manrope SemiBold"/>
+                <a:ea typeface="Manrope SemiBold"/>
+                <a:cs typeface="Manrope SemiBold"/>
+                <a:sym typeface="Manrope SemiBold"/>
+              </a:defRPr>
+            </a:lvl1pPr>
+            <a:lvl2pPr lvl="1" rtl="0">
+              <a:lnSpc>
+                <a:spcPct val="100000"/>
+              </a:lnSpc>
+              <a:spcBef>
+                <a:spcPts val="0"/>
+              </a:spcBef>
+              <a:spcAft>
+                <a:spcPts val="0"/>
+              </a:spcAft>
+              <a:buSzPts val="2400"/>
+              <a:buFont typeface="Manrope SemiBold"/>
+              <a:buNone/>
+              <a:defRPr sz="2400">
+                <a:latin typeface="Manrope SemiBold"/>
+                <a:ea typeface="Manrope SemiBold"/>
+                <a:cs typeface="Manrope SemiBold"/>
+                <a:sym typeface="Manrope SemiBold"/>
+              </a:defRPr>
+            </a:lvl2pPr>
+            <a:lvl3pPr lvl="2" rtl="0">
+              <a:lnSpc>
+                <a:spcPct val="100000"/>
+              </a:lnSpc>
+              <a:spcBef>
+                <a:spcPts val="0"/>
+              </a:spcBef>
+              <a:spcAft>
+                <a:spcPts val="0"/>
+              </a:spcAft>
+              <a:buSzPts val="2400"/>
+              <a:buFont typeface="Manrope SemiBold"/>
+              <a:buNone/>
+              <a:defRPr sz="2400">
+                <a:latin typeface="Manrope SemiBold"/>
+                <a:ea typeface="Manrope SemiBold"/>
+                <a:cs typeface="Manrope SemiBold"/>
+                <a:sym typeface="Manrope SemiBold"/>
+              </a:defRPr>
+            </a:lvl3pPr>
+            <a:lvl4pPr lvl="3" rtl="0">
+              <a:lnSpc>
+                <a:spcPct val="100000"/>
+              </a:lnSpc>
+              <a:spcBef>
+                <a:spcPts val="0"/>
+              </a:spcBef>
+              <a:spcAft>
+                <a:spcPts val="0"/>
+              </a:spcAft>
+              <a:buSzPts val="2400"/>
+              <a:buFont typeface="Manrope SemiBold"/>
+              <a:buNone/>
+              <a:defRPr sz="2400">
+                <a:latin typeface="Manrope SemiBold"/>
+                <a:ea typeface="Manrope SemiBold"/>
+                <a:cs typeface="Manrope SemiBold"/>
+                <a:sym typeface="Manrope SemiBold"/>
+              </a:defRPr>
+            </a:lvl4pPr>
+            <a:lvl5pPr lvl="4" rtl="0">
+              <a:lnSpc>
+                <a:spcPct val="100000"/>
+              </a:lnSpc>
+              <a:spcBef>
+                <a:spcPts val="0"/>
+              </a:spcBef>
+              <a:spcAft>
+                <a:spcPts val="0"/>
+              </a:spcAft>
+              <a:buSzPts val="2400"/>
+              <a:buFont typeface="Manrope SemiBold"/>
+              <a:buNone/>
+              <a:defRPr sz="2400">
+                <a:latin typeface="Manrope SemiBold"/>
+                <a:ea typeface="Manrope SemiBold"/>
+                <a:cs typeface="Manrope SemiBold"/>
+                <a:sym typeface="Manrope SemiBold"/>
+              </a:defRPr>
+            </a:lvl5pPr>
+            <a:lvl6pPr lvl="5" rtl="0">
+              <a:lnSpc>
+                <a:spcPct val="100000"/>
+              </a:lnSpc>
+              <a:spcBef>
+                <a:spcPts val="0"/>
+              </a:spcBef>
+              <a:spcAft>
+                <a:spcPts val="0"/>
+              </a:spcAft>
+              <a:buSzPts val="2400"/>
+              <a:buFont typeface="Manrope SemiBold"/>
+              <a:buNone/>
+              <a:defRPr sz="2400">
+                <a:latin typeface="Manrope SemiBold"/>
+                <a:ea typeface="Manrope SemiBold"/>
+                <a:cs typeface="Manrope SemiBold"/>
+                <a:sym typeface="Manrope SemiBold"/>
+              </a:defRPr>
+            </a:lvl6pPr>
+            <a:lvl7pPr lvl="6" rtl="0">
+              <a:lnSpc>
+                <a:spcPct val="100000"/>
+              </a:lnSpc>
+              <a:spcBef>
+                <a:spcPts val="0"/>
+              </a:spcBef>
+              <a:spcAft>
+                <a:spcPts val="0"/>
+              </a:spcAft>
+              <a:buSzPts val="2400"/>
+              <a:buFont typeface="Manrope SemiBold"/>
+              <a:buNone/>
+              <a:defRPr sz="2400">
+                <a:latin typeface="Manrope SemiBold"/>
+                <a:ea typeface="Manrope SemiBold"/>
+                <a:cs typeface="Manrope SemiBold"/>
+                <a:sym typeface="Manrope SemiBold"/>
+              </a:defRPr>
+            </a:lvl7pPr>
+            <a:lvl8pPr lvl="7" rtl="0">
+              <a:lnSpc>
+                <a:spcPct val="100000"/>
+              </a:lnSpc>
+              <a:spcBef>
+                <a:spcPts val="0"/>
+              </a:spcBef>
+              <a:spcAft>
+                <a:spcPts val="0"/>
+              </a:spcAft>
+              <a:buSzPts val="2400"/>
+              <a:buFont typeface="Manrope SemiBold"/>
+              <a:buNone/>
+              <a:defRPr sz="2400">
+                <a:latin typeface="Manrope SemiBold"/>
+                <a:ea typeface="Manrope SemiBold"/>
+                <a:cs typeface="Manrope SemiBold"/>
+                <a:sym typeface="Manrope SemiBold"/>
+              </a:defRPr>
+            </a:lvl8pPr>
+            <a:lvl9pPr lvl="8" rtl="0">
+              <a:lnSpc>
+                <a:spcPct val="100000"/>
+              </a:lnSpc>
+              <a:spcBef>
+                <a:spcPts val="0"/>
+              </a:spcBef>
+              <a:spcAft>
+                <a:spcPts val="0"/>
+              </a:spcAft>
+              <a:buSzPts val="2400"/>
+              <a:buFont typeface="Manrope SemiBold"/>
+              <a:buNone/>
+              <a:defRPr sz="2400">
+                <a:latin typeface="Manrope SemiBold"/>
+                <a:ea typeface="Manrope SemiBold"/>
+                <a:cs typeface="Manrope SemiBold"/>
+                <a:sym typeface="Manrope SemiBold"/>
+              </a:defRPr>
+            </a:lvl9pPr>
+          </a:lstStyle>
+          <a:p>
+            <a:endParaRPr/>
+          </a:p>
+        </p:txBody>
+      </p:sp>
+      <p:sp>
+        <p:nvSpPr>
+          <p:cNvPr id="1398" name="Google Shape;1398;p31"/>
+          <p:cNvSpPr txBox="1">
+            <a:spLocks noGrp="1"/>
+          </p:cNvSpPr>
+          <p:nvPr>
+            <p:ph type="subTitle" idx="9"/>
+          </p:nvPr>
+        </p:nvSpPr>
+        <p:spPr>
+          <a:xfrm>
+            <a:off x="5836925" y="3992975"/>
+            <a:ext cx="2536200" cy="615600"/>
+          </a:xfrm>
+          <a:prstGeom prst="rect">
+            <a:avLst/>
+          </a:prstGeom>
+        </p:spPr>
+        <p:txBody>
+          <a:bodyPr spcFirstLastPara="1" wrap="square" lIns="91425" tIns="91425" rIns="91425" bIns="91425" anchor="t" anchorCtr="0">
+            <a:noAutofit/>
+          </a:bodyPr>
+          <a:lstStyle>
+            <a:lvl1pPr lvl="0" rtl="0">
+              <a:lnSpc>
+                <a:spcPct val="100000"/>
+              </a:lnSpc>
+              <a:spcBef>
+                <a:spcPts val="0"/>
+              </a:spcBef>
+              <a:spcAft>
+                <a:spcPts val="0"/>
+              </a:spcAft>
+              <a:buSzPts val="1200"/>
+              <a:buNone/>
+              <a:defRPr/>
+            </a:lvl1pPr>
+            <a:lvl2pPr lvl="1" rtl="0">
+              <a:lnSpc>
+                <a:spcPct val="100000"/>
+              </a:lnSpc>
+              <a:spcBef>
+                <a:spcPts val="0"/>
+              </a:spcBef>
+              <a:spcAft>
+                <a:spcPts val="0"/>
+              </a:spcAft>
+              <a:buSzPts val="1200"/>
+              <a:buNone/>
+              <a:defRPr/>
+            </a:lvl2pPr>
+            <a:lvl3pPr lvl="2" rtl="0">
+              <a:lnSpc>
+                <a:spcPct val="100000"/>
+              </a:lnSpc>
+              <a:spcBef>
+                <a:spcPts val="0"/>
+              </a:spcBef>
+              <a:spcAft>
+                <a:spcPts val="0"/>
+              </a:spcAft>
+              <a:buSzPts val="1200"/>
+              <a:buNone/>
+              <a:defRPr/>
+            </a:lvl3pPr>
+            <a:lvl4pPr lvl="3" rtl="0">
+              <a:lnSpc>
+                <a:spcPct val="100000"/>
+              </a:lnSpc>
+              <a:spcBef>
+                <a:spcPts val="0"/>
+              </a:spcBef>
+              <a:spcAft>
+                <a:spcPts val="0"/>
+              </a:spcAft>
+              <a:buSzPts val="1200"/>
+              <a:buNone/>
+              <a:defRPr/>
+            </a:lvl4pPr>
+            <a:lvl5pPr lvl="4" rtl="0">
+              <a:lnSpc>
+                <a:spcPct val="100000"/>
+              </a:lnSpc>
+              <a:spcBef>
+                <a:spcPts val="0"/>
+              </a:spcBef>
+              <a:spcAft>
+                <a:spcPts val="0"/>
+              </a:spcAft>
+              <a:buSzPts val="1200"/>
+              <a:buNone/>
+              <a:defRPr/>
+            </a:lvl5pPr>
+            <a:lvl6pPr lvl="5" rtl="0">
+              <a:lnSpc>
+                <a:spcPct val="100000"/>
+              </a:lnSpc>
+              <a:spcBef>
+                <a:spcPts val="0"/>
+              </a:spcBef>
+              <a:spcAft>
+                <a:spcPts val="0"/>
+              </a:spcAft>
+              <a:buSzPts val="1200"/>
+              <a:buNone/>
+              <a:defRPr/>
+            </a:lvl6pPr>
+            <a:lvl7pPr lvl="6" rtl="0">
+              <a:lnSpc>
+                <a:spcPct val="100000"/>
+              </a:lnSpc>
+              <a:spcBef>
+                <a:spcPts val="0"/>
+              </a:spcBef>
+              <a:spcAft>
+                <a:spcPts val="0"/>
+              </a:spcAft>
+              <a:buSzPts val="1200"/>
+              <a:buNone/>
+              <a:defRPr/>
+            </a:lvl7pPr>
+            <a:lvl8pPr lvl="7" rtl="0">
+              <a:lnSpc>
+                <a:spcPct val="100000"/>
+              </a:lnSpc>
+              <a:spcBef>
+                <a:spcPts val="0"/>
+              </a:spcBef>
+              <a:spcAft>
+                <a:spcPts val="0"/>
+              </a:spcAft>
+              <a:buSzPts val="1200"/>
+              <a:buNone/>
+              <a:defRPr/>
+            </a:lvl8pPr>
+            <a:lvl9pPr lvl="8" rtl="0">
+              <a:lnSpc>
+                <a:spcPct val="100000"/>
+              </a:lnSpc>
+              <a:spcBef>
+                <a:spcPts val="0"/>
+              </a:spcBef>
+              <a:spcAft>
+                <a:spcPts val="0"/>
+              </a:spcAft>
+              <a:buSzPts val="1200"/>
+              <a:buNone/>
+              <a:defRPr/>
+            </a:lvl9pPr>
+          </a:lstStyle>
+          <a:p>
+            <a:endParaRPr/>
+          </a:p>
+        </p:txBody>
+      </p:sp>
+      <p:sp>
+        <p:nvSpPr>
+          <p:cNvPr id="1399" name="Google Shape;1399;p31"/>
+          <p:cNvSpPr txBox="1">
+            <a:spLocks noGrp="1"/>
+          </p:cNvSpPr>
+          <p:nvPr>
+            <p:ph type="subTitle" idx="13"/>
+          </p:nvPr>
+        </p:nvSpPr>
+        <p:spPr>
+          <a:xfrm>
+            <a:off x="5836925" y="3544475"/>
+            <a:ext cx="2536200" cy="554100"/>
+          </a:xfrm>
+          <a:prstGeom prst="rect">
+            <a:avLst/>
+          </a:prstGeom>
+        </p:spPr>
+        <p:txBody>
+          <a:bodyPr spcFirstLastPara="1" wrap="square" lIns="91425" tIns="91425" rIns="91425" bIns="91425" anchor="b" anchorCtr="0">
+            <a:noAutofit/>
+          </a:bodyPr>
+          <a:lstStyle>
+            <a:lvl1pPr lvl="0" rtl="0">
+              <a:lnSpc>
+                <a:spcPct val="100000"/>
+              </a:lnSpc>
+              <a:spcBef>
+                <a:spcPts val="0"/>
+              </a:spcBef>
+              <a:spcAft>
+                <a:spcPts val="0"/>
+              </a:spcAft>
+              <a:buSzPts val="2400"/>
+              <a:buFont typeface="Manrope SemiBold"/>
+              <a:buNone/>
+              <a:defRPr sz="2200">
+                <a:latin typeface="Manrope SemiBold"/>
+                <a:ea typeface="Manrope SemiBold"/>
+                <a:cs typeface="Manrope SemiBold"/>
+                <a:sym typeface="Manrope SemiBold"/>
+              </a:defRPr>
+            </a:lvl1pPr>
+            <a:lvl2pPr lvl="1" rtl="0">
+              <a:lnSpc>
+                <a:spcPct val="100000"/>
+              </a:lnSpc>
+              <a:spcBef>
+                <a:spcPts val="0"/>
+              </a:spcBef>
+              <a:spcAft>
+                <a:spcPts val="0"/>
+              </a:spcAft>
+              <a:buSzPts val="2400"/>
+              <a:buFont typeface="Manrope SemiBold"/>
+              <a:buNone/>
+              <a:defRPr sz="2400">
+                <a:latin typeface="Manrope SemiBold"/>
+                <a:ea typeface="Manrope SemiBold"/>
+                <a:cs typeface="Manrope SemiBold"/>
+                <a:sym typeface="Manrope SemiBold"/>
+              </a:defRPr>
+            </a:lvl2pPr>
+            <a:lvl3pPr lvl="2" rtl="0">
+              <a:lnSpc>
+                <a:spcPct val="100000"/>
+              </a:lnSpc>
+              <a:spcBef>
+                <a:spcPts val="0"/>
+              </a:spcBef>
+              <a:spcAft>
+                <a:spcPts val="0"/>
+              </a:spcAft>
+              <a:buSzPts val="2400"/>
+              <a:buFont typeface="Manrope SemiBold"/>
+              <a:buNone/>
+              <a:defRPr sz="2400">
+                <a:latin typeface="Manrope SemiBold"/>
+                <a:ea typeface="Manrope SemiBold"/>
+                <a:cs typeface="Manrope SemiBold"/>
+                <a:sym typeface="Manrope SemiBold"/>
+              </a:defRPr>
+            </a:lvl3pPr>
+            <a:lvl4pPr lvl="3" rtl="0">
+              <a:lnSpc>
+                <a:spcPct val="100000"/>
+              </a:lnSpc>
+              <a:spcBef>
+                <a:spcPts val="0"/>
+              </a:spcBef>
+              <a:spcAft>
+                <a:spcPts val="0"/>
+              </a:spcAft>
+              <a:buSzPts val="2400"/>
+              <a:buFont typeface="Manrope SemiBold"/>
+              <a:buNone/>
+              <a:defRPr sz="2400">
+                <a:latin typeface="Manrope SemiBold"/>
+                <a:ea typeface="Manrope SemiBold"/>
+                <a:cs typeface="Manrope SemiBold"/>
+                <a:sym typeface="Manrope SemiBold"/>
+              </a:defRPr>
+            </a:lvl4pPr>
+            <a:lvl5pPr lvl="4" rtl="0">
+              <a:lnSpc>
+                <a:spcPct val="100000"/>
+              </a:lnSpc>
+              <a:spcBef>
+                <a:spcPts val="0"/>
+              </a:spcBef>
+              <a:spcAft>
+                <a:spcPts val="0"/>
+              </a:spcAft>
+              <a:buSzPts val="2400"/>
+              <a:buFont typeface="Manrope SemiBold"/>
+              <a:buNone/>
+              <a:defRPr sz="2400">
+                <a:latin typeface="Manrope SemiBold"/>
+                <a:ea typeface="Manrope SemiBold"/>
+                <a:cs typeface="Manrope SemiBold"/>
+                <a:sym typeface="Manrope SemiBold"/>
+              </a:defRPr>
+            </a:lvl5pPr>
+            <a:lvl6pPr lvl="5" rtl="0">
+              <a:lnSpc>
+                <a:spcPct val="100000"/>
+              </a:lnSpc>
+              <a:spcBef>
+                <a:spcPts val="0"/>
+              </a:spcBef>
+              <a:spcAft>
+                <a:spcPts val="0"/>
+              </a:spcAft>
+              <a:buSzPts val="2400"/>
+              <a:buFont typeface="Manrope SemiBold"/>
+              <a:buNone/>
+              <a:defRPr sz="2400">
+                <a:latin typeface="Manrope SemiBold"/>
+                <a:ea typeface="Manrope SemiBold"/>
+                <a:cs typeface="Manrope SemiBold"/>
+                <a:sym typeface="Manrope SemiBold"/>
+              </a:defRPr>
+            </a:lvl6pPr>
+            <a:lvl7pPr lvl="6" rtl="0">
+              <a:lnSpc>
+                <a:spcPct val="100000"/>
+              </a:lnSpc>
+              <a:spcBef>
+                <a:spcPts val="0"/>
+              </a:spcBef>
+              <a:spcAft>
+                <a:spcPts val="0"/>
+              </a:spcAft>
+              <a:buSzPts val="2400"/>
+              <a:buFont typeface="Manrope SemiBold"/>
+              <a:buNone/>
+              <a:defRPr sz="2400">
+                <a:latin typeface="Manrope SemiBold"/>
+                <a:ea typeface="Manrope SemiBold"/>
+                <a:cs typeface="Manrope SemiBold"/>
+                <a:sym typeface="Manrope SemiBold"/>
+              </a:defRPr>
+            </a:lvl7pPr>
+            <a:lvl8pPr lvl="7" rtl="0">
+              <a:lnSpc>
+                <a:spcPct val="100000"/>
+              </a:lnSpc>
+              <a:spcBef>
+                <a:spcPts val="0"/>
+              </a:spcBef>
+              <a:spcAft>
+                <a:spcPts val="0"/>
+              </a:spcAft>
+              <a:buSzPts val="2400"/>
+              <a:buFont typeface="Manrope SemiBold"/>
+              <a:buNone/>
+              <a:defRPr sz="2400">
+                <a:latin typeface="Manrope SemiBold"/>
+                <a:ea typeface="Manrope SemiBold"/>
+                <a:cs typeface="Manrope SemiBold"/>
+                <a:sym typeface="Manrope SemiBold"/>
+              </a:defRPr>
+            </a:lvl8pPr>
+            <a:lvl9pPr lvl="8" rtl="0">
+              <a:lnSpc>
+                <a:spcPct val="100000"/>
+              </a:lnSpc>
+              <a:spcBef>
+                <a:spcPts val="0"/>
+              </a:spcBef>
+              <a:spcAft>
+                <a:spcPts val="0"/>
+              </a:spcAft>
+              <a:buSzPts val="2400"/>
+              <a:buFont typeface="Manrope SemiBold"/>
+              <a:buNone/>
+              <a:defRPr sz="2400">
+                <a:latin typeface="Manrope SemiBold"/>
+                <a:ea typeface="Manrope SemiBold"/>
+                <a:cs typeface="Manrope SemiBold"/>
+                <a:sym typeface="Manrope SemiBold"/>
+              </a:defRPr>
+            </a:lvl9pPr>
+          </a:lstStyle>
+          <a:p>
+            <a:endParaRPr/>
+          </a:p>
+        </p:txBody>
+      </p:sp>
+      <p:sp>
+        <p:nvSpPr>
+          <p:cNvPr id="1400" name="Google Shape;1400;p31"/>
+          <p:cNvSpPr txBox="1">
+            <a:spLocks noGrp="1"/>
+          </p:cNvSpPr>
+          <p:nvPr>
+            <p:ph type="subTitle" idx="14"/>
+          </p:nvPr>
+        </p:nvSpPr>
+        <p:spPr>
+          <a:xfrm>
+            <a:off x="5836925" y="2848225"/>
+            <a:ext cx="2536200" cy="615600"/>
+          </a:xfrm>
+          <a:prstGeom prst="rect">
+            <a:avLst/>
+          </a:prstGeom>
+        </p:spPr>
+        <p:txBody>
+          <a:bodyPr spcFirstLastPara="1" wrap="square" lIns="91425" tIns="91425" rIns="91425" bIns="91425" anchor="t" anchorCtr="0">
+            <a:noAutofit/>
+          </a:bodyPr>
+          <a:lstStyle>
+            <a:lvl1pPr lvl="0" rtl="0">
+              <a:lnSpc>
+                <a:spcPct val="100000"/>
+              </a:lnSpc>
+              <a:spcBef>
+                <a:spcPts val="0"/>
+              </a:spcBef>
+              <a:spcAft>
+                <a:spcPts val="0"/>
+              </a:spcAft>
+              <a:buSzPts val="1200"/>
+              <a:buNone/>
+              <a:defRPr/>
+            </a:lvl1pPr>
+            <a:lvl2pPr lvl="1" rtl="0">
+              <a:lnSpc>
+                <a:spcPct val="100000"/>
+              </a:lnSpc>
+              <a:spcBef>
+                <a:spcPts val="0"/>
+              </a:spcBef>
+              <a:spcAft>
+                <a:spcPts val="0"/>
+              </a:spcAft>
+              <a:buSzPts val="1200"/>
+              <a:buNone/>
+              <a:defRPr/>
+            </a:lvl2pPr>
+            <a:lvl3pPr lvl="2" rtl="0">
+              <a:lnSpc>
+                <a:spcPct val="100000"/>
+              </a:lnSpc>
+              <a:spcBef>
+                <a:spcPts val="0"/>
+              </a:spcBef>
+              <a:spcAft>
+                <a:spcPts val="0"/>
+              </a:spcAft>
+              <a:buSzPts val="1200"/>
+              <a:buNone/>
+              <a:defRPr/>
+            </a:lvl3pPr>
+            <a:lvl4pPr lvl="3" rtl="0">
+              <a:lnSpc>
+                <a:spcPct val="100000"/>
+              </a:lnSpc>
+              <a:spcBef>
+                <a:spcPts val="0"/>
+              </a:spcBef>
+              <a:spcAft>
+                <a:spcPts val="0"/>
+              </a:spcAft>
+              <a:buSzPts val="1200"/>
+              <a:buNone/>
+              <a:defRPr/>
+            </a:lvl4pPr>
+            <a:lvl5pPr lvl="4" rtl="0">
+              <a:lnSpc>
+                <a:spcPct val="100000"/>
+              </a:lnSpc>
+              <a:spcBef>
+                <a:spcPts val="0"/>
+              </a:spcBef>
+              <a:spcAft>
+                <a:spcPts val="0"/>
+              </a:spcAft>
+              <a:buSzPts val="1200"/>
+              <a:buNone/>
+              <a:defRPr/>
+            </a:lvl5pPr>
+            <a:lvl6pPr lvl="5" rtl="0">
+              <a:lnSpc>
+                <a:spcPct val="100000"/>
+              </a:lnSpc>
+              <a:spcBef>
+                <a:spcPts val="0"/>
+              </a:spcBef>
+              <a:spcAft>
+                <a:spcPts val="0"/>
+              </a:spcAft>
+              <a:buSzPts val="1200"/>
+              <a:buNone/>
+              <a:defRPr/>
+            </a:lvl6pPr>
+            <a:lvl7pPr lvl="6" rtl="0">
+              <a:lnSpc>
+                <a:spcPct val="100000"/>
+              </a:lnSpc>
+              <a:spcBef>
+                <a:spcPts val="0"/>
+              </a:spcBef>
+              <a:spcAft>
+                <a:spcPts val="0"/>
+              </a:spcAft>
+              <a:buSzPts val="1200"/>
+              <a:buNone/>
+              <a:defRPr/>
+            </a:lvl7pPr>
+            <a:lvl8pPr lvl="7" rtl="0">
+              <a:lnSpc>
+                <a:spcPct val="100000"/>
+              </a:lnSpc>
+              <a:spcBef>
+                <a:spcPts val="0"/>
+              </a:spcBef>
+              <a:spcAft>
+                <a:spcPts val="0"/>
+              </a:spcAft>
+              <a:buSzPts val="1200"/>
+              <a:buNone/>
+              <a:defRPr/>
+            </a:lvl8pPr>
+            <a:lvl9pPr lvl="8" rtl="0">
+              <a:lnSpc>
+                <a:spcPct val="100000"/>
+              </a:lnSpc>
+              <a:spcBef>
+                <a:spcPts val="0"/>
+              </a:spcBef>
+              <a:spcAft>
+                <a:spcPts val="0"/>
+              </a:spcAft>
+              <a:buSzPts val="1200"/>
+              <a:buNone/>
+              <a:defRPr/>
+            </a:lvl9pPr>
+          </a:lstStyle>
+          <a:p>
+            <a:endParaRPr/>
+          </a:p>
+        </p:txBody>
+      </p:sp>
+      <p:sp>
+        <p:nvSpPr>
+          <p:cNvPr id="1401" name="Google Shape;1401;p31"/>
+          <p:cNvSpPr txBox="1">
+            <a:spLocks noGrp="1"/>
+          </p:cNvSpPr>
+          <p:nvPr>
+            <p:ph type="subTitle" idx="15"/>
+          </p:nvPr>
+        </p:nvSpPr>
+        <p:spPr>
+          <a:xfrm>
+            <a:off x="5836925" y="2399725"/>
+            <a:ext cx="2536200" cy="554100"/>
+          </a:xfrm>
+          <a:prstGeom prst="rect">
+            <a:avLst/>
+          </a:prstGeom>
+        </p:spPr>
+        <p:txBody>
+          <a:bodyPr spcFirstLastPara="1" wrap="square" lIns="91425" tIns="91425" rIns="91425" bIns="91425" anchor="b" anchorCtr="0">
+            <a:noAutofit/>
+          </a:bodyPr>
+          <a:lstStyle>
+            <a:lvl1pPr lvl="0" rtl="0">
+              <a:lnSpc>
+                <a:spcPct val="100000"/>
+              </a:lnSpc>
+              <a:spcBef>
+                <a:spcPts val="0"/>
+              </a:spcBef>
+              <a:spcAft>
+                <a:spcPts val="0"/>
+              </a:spcAft>
+              <a:buSzPts val="2400"/>
+              <a:buFont typeface="Manrope SemiBold"/>
+              <a:buNone/>
+              <a:defRPr sz="2200">
+                <a:latin typeface="Manrope SemiBold"/>
+                <a:ea typeface="Manrope SemiBold"/>
+                <a:cs typeface="Manrope SemiBold"/>
+                <a:sym typeface="Manrope SemiBold"/>
+              </a:defRPr>
+            </a:lvl1pPr>
+            <a:lvl2pPr lvl="1" rtl="0">
+              <a:lnSpc>
+                <a:spcPct val="100000"/>
+              </a:lnSpc>
+              <a:spcBef>
+                <a:spcPts val="0"/>
+              </a:spcBef>
+              <a:spcAft>
+                <a:spcPts val="0"/>
+              </a:spcAft>
+              <a:buSzPts val="2400"/>
+              <a:buFont typeface="Manrope SemiBold"/>
+              <a:buNone/>
+              <a:defRPr sz="2400">
+                <a:latin typeface="Manrope SemiBold"/>
+                <a:ea typeface="Manrope SemiBold"/>
+                <a:cs typeface="Manrope SemiBold"/>
+                <a:sym typeface="Manrope SemiBold"/>
+              </a:defRPr>
+            </a:lvl2pPr>
+            <a:lvl3pPr lvl="2" rtl="0">
+              <a:lnSpc>
+                <a:spcPct val="100000"/>
+              </a:lnSpc>
+              <a:spcBef>
+                <a:spcPts val="0"/>
+              </a:spcBef>
+              <a:spcAft>
+                <a:spcPts val="0"/>
+              </a:spcAft>
+              <a:buSzPts val="2400"/>
+              <a:buFont typeface="Manrope SemiBold"/>
+              <a:buNone/>
+              <a:defRPr sz="2400">
+                <a:latin typeface="Manrope SemiBold"/>
+                <a:ea typeface="Manrope SemiBold"/>
+                <a:cs typeface="Manrope SemiBold"/>
+                <a:sym typeface="Manrope SemiBold"/>
+              </a:defRPr>
+            </a:lvl3pPr>
+            <a:lvl4pPr lvl="3" rtl="0">
+              <a:lnSpc>
+                <a:spcPct val="100000"/>
+              </a:lnSpc>
+              <a:spcBef>
+                <a:spcPts val="0"/>
+              </a:spcBef>
+              <a:spcAft>
+                <a:spcPts val="0"/>
+              </a:spcAft>
+              <a:buSzPts val="2400"/>
+              <a:buFont typeface="Manrope SemiBold"/>
+              <a:buNone/>
+              <a:defRPr sz="2400">
+                <a:latin typeface="Manrope SemiBold"/>
+                <a:ea typeface="Manrope SemiBold"/>
+                <a:cs typeface="Manrope SemiBold"/>
+                <a:sym typeface="Manrope SemiBold"/>
+              </a:defRPr>
+            </a:lvl4pPr>
+            <a:lvl5pPr lvl="4" rtl="0">
+              <a:lnSpc>
+                <a:spcPct val="100000"/>
+              </a:lnSpc>
+              <a:spcBef>
+                <a:spcPts val="0"/>
+              </a:spcBef>
+              <a:spcAft>
+                <a:spcPts val="0"/>
+              </a:spcAft>
+              <a:buSzPts val="2400"/>
+              <a:buFont typeface="Manrope SemiBold"/>
+              <a:buNone/>
+              <a:defRPr sz="2400">
+                <a:latin typeface="Manrope SemiBold"/>
+                <a:ea typeface="Manrope SemiBold"/>
+                <a:cs typeface="Manrope SemiBold"/>
+                <a:sym typeface="Manrope SemiBold"/>
+              </a:defRPr>
+            </a:lvl5pPr>
+            <a:lvl6pPr lvl="5" rtl="0">
+              <a:lnSpc>
+                <a:spcPct val="100000"/>
+              </a:lnSpc>
+              <a:spcBef>
+                <a:spcPts val="0"/>
+              </a:spcBef>
+              <a:spcAft>
+                <a:spcPts val="0"/>
+              </a:spcAft>
+              <a:buSzPts val="2400"/>
+              <a:buFont typeface="Manrope SemiBold"/>
+              <a:buNone/>
+              <a:defRPr sz="2400">
+                <a:latin typeface="Manrope SemiBold"/>
+                <a:ea typeface="Manrope SemiBold"/>
+                <a:cs typeface="Manrope SemiBold"/>
+                <a:sym typeface="Manrope SemiBold"/>
+              </a:defRPr>
+            </a:lvl6pPr>
+            <a:lvl7pPr lvl="6" rtl="0">
+              <a:lnSpc>
+                <a:spcPct val="100000"/>
+              </a:lnSpc>
+              <a:spcBef>
+                <a:spcPts val="0"/>
+              </a:spcBef>
+              <a:spcAft>
+                <a:spcPts val="0"/>
+              </a:spcAft>
+              <a:buSzPts val="2400"/>
+              <a:buFont typeface="Manrope SemiBold"/>
+              <a:buNone/>
+              <a:defRPr sz="2400">
+                <a:latin typeface="Manrope SemiBold"/>
+                <a:ea typeface="Manrope SemiBold"/>
+                <a:cs typeface="Manrope SemiBold"/>
+                <a:sym typeface="Manrope SemiBold"/>
+              </a:defRPr>
+            </a:lvl7pPr>
+            <a:lvl8pPr lvl="7" rtl="0">
+              <a:lnSpc>
+                <a:spcPct val="100000"/>
+              </a:lnSpc>
+              <a:spcBef>
+                <a:spcPts val="0"/>
+              </a:spcBef>
+              <a:spcAft>
+                <a:spcPts val="0"/>
+              </a:spcAft>
+              <a:buSzPts val="2400"/>
+              <a:buFont typeface="Manrope SemiBold"/>
+              <a:buNone/>
+              <a:defRPr sz="2400">
+                <a:latin typeface="Manrope SemiBold"/>
+                <a:ea typeface="Manrope SemiBold"/>
+                <a:cs typeface="Manrope SemiBold"/>
+                <a:sym typeface="Manrope SemiBold"/>
+              </a:defRPr>
+            </a:lvl8pPr>
+            <a:lvl9pPr lvl="8" rtl="0">
+              <a:lnSpc>
+                <a:spcPct val="100000"/>
+              </a:lnSpc>
+              <a:spcBef>
+                <a:spcPts val="0"/>
+              </a:spcBef>
+              <a:spcAft>
+                <a:spcPts val="0"/>
+              </a:spcAft>
+              <a:buSzPts val="2400"/>
+              <a:buFont typeface="Manrope SemiBold"/>
+              <a:buNone/>
+              <a:defRPr sz="2400">
+                <a:latin typeface="Manrope SemiBold"/>
+                <a:ea typeface="Manrope SemiBold"/>
+                <a:cs typeface="Manrope SemiBold"/>
+                <a:sym typeface="Manrope SemiBold"/>
+              </a:defRPr>
+            </a:lvl9pPr>
+          </a:lstStyle>
+          <a:p>
+            <a:endParaRPr/>
+          </a:p>
+        </p:txBody>
+      </p:sp>
+      <p:grpSp>
+        <p:nvGrpSpPr>
+          <p:cNvPr id="1402" name="Google Shape;1402;p31"/>
+          <p:cNvGrpSpPr/>
+          <p:nvPr/>
+        </p:nvGrpSpPr>
+        <p:grpSpPr>
+          <a:xfrm rot="-5400000" flipH="1">
+            <a:off x="7686014" y="-2071705"/>
+            <a:ext cx="2744275" cy="2727763"/>
+            <a:chOff x="5985575" y="4420825"/>
+            <a:chExt cx="2744275" cy="2727763"/>
+          </a:xfrm>
+        </p:grpSpPr>
+        <p:sp>
+          <p:nvSpPr>
+            <p:cNvPr id="1403" name="Google Shape;1403;p31"/>
+            <p:cNvSpPr/>
+            <p:nvPr/>
+          </p:nvSpPr>
+          <p:spPr>
+            <a:xfrm>
+              <a:off x="6115050" y="4420825"/>
+              <a:ext cx="2614800" cy="2599800"/>
+            </a:xfrm>
+            <a:prstGeom prst="ellipse">
+              <a:avLst/>
+            </a:prstGeom>
+            <a:solidFill>
+              <a:srgbClr val="FFFFFF">
+                <a:alpha val="35850"/>
+              </a:srgbClr>
+            </a:solidFill>
+            <a:ln>
+              <a:noFill/>
+            </a:ln>
+          </p:spPr>
+          <p:txBody>
+            <a:bodyPr spcFirstLastPara="1" wrap="square" lIns="91425" tIns="91425" rIns="91425" bIns="91425" anchor="ctr" anchorCtr="0">
+              <a:noAutofit/>
+            </a:bodyPr>
+            <a:lstStyle/>
+            <a:p>
+              <a:pPr marL="0" lvl="0" indent="0" algn="l" rtl="0">
+                <a:spcBef>
+                  <a:spcPts val="0"/>
+                </a:spcBef>
+                <a:spcAft>
+                  <a:spcPts val="0"/>
+                </a:spcAft>
+                <a:buNone/>
+              </a:pPr>
+              <a:endParaRPr>
+                <a:latin typeface="Inter"/>
+                <a:ea typeface="Inter"/>
+                <a:cs typeface="Inter"/>
+                <a:sym typeface="Inter"/>
+              </a:endParaRPr>
+            </a:p>
+          </p:txBody>
+        </p:sp>
+        <p:grpSp>
+          <p:nvGrpSpPr>
+            <p:cNvPr id="1404" name="Google Shape;1404;p31"/>
+            <p:cNvGrpSpPr/>
+            <p:nvPr/>
+          </p:nvGrpSpPr>
+          <p:grpSpPr>
+            <a:xfrm rot="5400000" flipH="1">
+              <a:off x="5986247" y="4572099"/>
+              <a:ext cx="2575817" cy="2577160"/>
+              <a:chOff x="1550275" y="1493275"/>
+              <a:chExt cx="1582100" cy="1582925"/>
+            </a:xfrm>
+          </p:grpSpPr>
+          <p:sp>
+            <p:nvSpPr>
+              <p:cNvPr id="1405" name="Google Shape;1405;p31"/>
+              <p:cNvSpPr/>
+              <p:nvPr/>
+            </p:nvSpPr>
+            <p:spPr>
+              <a:xfrm>
+                <a:off x="1650275" y="1594100"/>
+                <a:ext cx="301650" cy="300825"/>
+              </a:xfrm>
+              <a:custGeom>
+                <a:avLst/>
+                <a:gdLst/>
+                <a:ahLst/>
+                <a:cxnLst/>
+                <a:rect l="l" t="t" r="r" b="b"/>
+                <a:pathLst>
+                  <a:path w="12066" h="12033" fill="none" extrusionOk="0">
+                    <a:moveTo>
+                      <a:pt x="1" y="12032"/>
+                    </a:moveTo>
+                    <a:lnTo>
+                      <a:pt x="12065" y="0"/>
+                    </a:lnTo>
+                  </a:path>
+                </a:pathLst>
+              </a:custGeom>
+              <a:noFill/>
+              <a:ln w="19050" cap="rnd" cmpd="sng">
+                <a:solidFill>
+                  <a:schemeClr val="accent1"/>
+                </a:solidFill>
+                <a:prstDash val="solid"/>
+                <a:miter lim="32519"/>
+                <a:headEnd type="none" w="sm" len="sm"/>
+                <a:tailEnd type="none" w="sm" len="sm"/>
+              </a:ln>
+            </p:spPr>
+            <p:txBody>
+              <a:bodyPr spcFirstLastPara="1" wrap="square" lIns="91425" tIns="91425" rIns="91425" bIns="91425" anchor="ctr" anchorCtr="0">
+                <a:noAutofit/>
+              </a:bodyPr>
+              <a:lstStyle/>
+              <a:p>
+                <a:pPr marL="0" lvl="0" indent="0" algn="l" rtl="0">
+                  <a:spcBef>
+                    <a:spcPts val="0"/>
+                  </a:spcBef>
+                  <a:spcAft>
+                    <a:spcPts val="0"/>
+                  </a:spcAft>
+                  <a:buNone/>
+                </a:pPr>
+                <a:endParaRPr>
+                  <a:latin typeface="Inter"/>
+                  <a:ea typeface="Inter"/>
+                  <a:cs typeface="Inter"/>
+                  <a:sym typeface="Inter"/>
+                </a:endParaRPr>
+              </a:p>
+            </p:txBody>
+          </p:sp>
+          <p:sp>
+            <p:nvSpPr>
+              <p:cNvPr id="1406" name="Google Shape;1406;p31"/>
+              <p:cNvSpPr/>
+              <p:nvPr/>
+            </p:nvSpPr>
+            <p:spPr>
+              <a:xfrm>
+                <a:off x="1560025" y="1503850"/>
+                <a:ext cx="648800" cy="647975"/>
+              </a:xfrm>
+              <a:custGeom>
+                <a:avLst/>
+                <a:gdLst/>
+                <a:ahLst/>
+                <a:cxnLst/>
+                <a:rect l="l" t="t" r="r" b="b"/>
+                <a:pathLst>
+                  <a:path w="25952" h="25919" fill="none" extrusionOk="0">
+                    <a:moveTo>
+                      <a:pt x="1" y="25919"/>
+                    </a:moveTo>
+                    <a:lnTo>
+                      <a:pt x="25952" y="0"/>
+                    </a:lnTo>
+                  </a:path>
+                </a:pathLst>
+              </a:custGeom>
+              <a:noFill/>
+              <a:ln w="19050" cap="rnd" cmpd="sng">
+                <a:solidFill>
+                  <a:schemeClr val="accent1"/>
+                </a:solidFill>
+                <a:prstDash val="solid"/>
+                <a:miter lim="32519"/>
+                <a:headEnd type="none" w="sm" len="sm"/>
+                <a:tailEnd type="none" w="sm" len="sm"/>
+              </a:ln>
+            </p:spPr>
+            <p:txBody>
+              <a:bodyPr spcFirstLastPara="1" wrap="square" lIns="91425" tIns="91425" rIns="91425" bIns="91425" anchor="ctr" anchorCtr="0">
+                <a:noAutofit/>
+              </a:bodyPr>
+              <a:lstStyle/>
+              <a:p>
+                <a:pPr marL="0" lvl="0" indent="0" algn="l" rtl="0">
+                  <a:spcBef>
+                    <a:spcPts val="0"/>
+                  </a:spcBef>
+                  <a:spcAft>
+                    <a:spcPts val="0"/>
+                  </a:spcAft>
+                  <a:buNone/>
+                </a:pPr>
+                <a:endParaRPr>
+                  <a:latin typeface="Inter"/>
+                  <a:ea typeface="Inter"/>
+                  <a:cs typeface="Inter"/>
+                  <a:sym typeface="Inter"/>
+                </a:endParaRPr>
+              </a:p>
+            </p:txBody>
+          </p:sp>
+          <p:sp>
+            <p:nvSpPr>
+              <p:cNvPr id="1407" name="Google Shape;1407;p31"/>
+              <p:cNvSpPr/>
+              <p:nvPr/>
+            </p:nvSpPr>
+            <p:spPr>
+              <a:xfrm>
+                <a:off x="1550275" y="1493275"/>
+                <a:ext cx="834150" cy="834975"/>
+              </a:xfrm>
+              <a:custGeom>
+                <a:avLst/>
+                <a:gdLst/>
+                <a:ahLst/>
+                <a:cxnLst/>
+                <a:rect l="l" t="t" r="r" b="b"/>
+                <a:pathLst>
+                  <a:path w="33366" h="33399" fill="none" extrusionOk="0">
+                    <a:moveTo>
+                      <a:pt x="1" y="33398"/>
+                    </a:moveTo>
+                    <a:lnTo>
+                      <a:pt x="33366" y="1"/>
+                    </a:lnTo>
+                  </a:path>
+                </a:pathLst>
+              </a:custGeom>
+              <a:noFill/>
+              <a:ln w="19050" cap="rnd" cmpd="sng">
+                <a:solidFill>
+                  <a:schemeClr val="accent1"/>
+                </a:solidFill>
+                <a:prstDash val="solid"/>
+                <a:miter lim="32519"/>
+                <a:headEnd type="none" w="sm" len="sm"/>
+                <a:tailEnd type="none" w="sm" len="sm"/>
+              </a:ln>
+            </p:spPr>
+            <p:txBody>
+              <a:bodyPr spcFirstLastPara="1" wrap="square" lIns="91425" tIns="91425" rIns="91425" bIns="91425" anchor="ctr" anchorCtr="0">
+                <a:noAutofit/>
+              </a:bodyPr>
+              <a:lstStyle/>
+              <a:p>
+                <a:pPr marL="0" lvl="0" indent="0" algn="l" rtl="0">
+                  <a:spcBef>
+                    <a:spcPts val="0"/>
+                  </a:spcBef>
+                  <a:spcAft>
+                    <a:spcPts val="0"/>
+                  </a:spcAft>
+                  <a:buNone/>
+                </a:pPr>
+                <a:endParaRPr>
+                  <a:latin typeface="Inter"/>
+                  <a:ea typeface="Inter"/>
+                  <a:cs typeface="Inter"/>
+                  <a:sym typeface="Inter"/>
+                </a:endParaRPr>
+              </a:p>
+            </p:txBody>
+          </p:sp>
+          <p:sp>
+            <p:nvSpPr>
+              <p:cNvPr id="1408" name="Google Shape;1408;p31"/>
+              <p:cNvSpPr/>
+              <p:nvPr/>
+            </p:nvSpPr>
+            <p:spPr>
+              <a:xfrm>
+                <a:off x="1571425" y="1514425"/>
+                <a:ext cx="957725" cy="958525"/>
+              </a:xfrm>
+              <a:custGeom>
+                <a:avLst/>
+                <a:gdLst/>
+                <a:ahLst/>
+                <a:cxnLst/>
+                <a:rect l="l" t="t" r="r" b="b"/>
+                <a:pathLst>
+                  <a:path w="38309" h="38341" fill="none" extrusionOk="0">
+                    <a:moveTo>
+                      <a:pt x="0" y="38341"/>
+                    </a:moveTo>
+                    <a:lnTo>
+                      <a:pt x="38308" y="0"/>
+                    </a:lnTo>
+                  </a:path>
+                </a:pathLst>
+              </a:custGeom>
+              <a:noFill/>
+              <a:ln w="19050" cap="rnd" cmpd="sng">
+                <a:solidFill>
+                  <a:schemeClr val="accent1"/>
+                </a:solidFill>
+                <a:prstDash val="solid"/>
+                <a:miter lim="32519"/>
+                <a:headEnd type="none" w="sm" len="sm"/>
+                <a:tailEnd type="none" w="sm" len="sm"/>
+              </a:ln>
+            </p:spPr>
+            <p:txBody>
+              <a:bodyPr spcFirstLastPara="1" wrap="square" lIns="91425" tIns="91425" rIns="91425" bIns="91425" anchor="ctr" anchorCtr="0">
+                <a:noAutofit/>
+              </a:bodyPr>
+              <a:lstStyle/>
+              <a:p>
+                <a:pPr marL="0" lvl="0" indent="0" algn="l" rtl="0">
+                  <a:spcBef>
+                    <a:spcPts val="0"/>
+                  </a:spcBef>
+                  <a:spcAft>
+                    <a:spcPts val="0"/>
+                  </a:spcAft>
+                  <a:buNone/>
+                </a:pPr>
+                <a:endParaRPr>
+                  <a:latin typeface="Inter"/>
+                  <a:ea typeface="Inter"/>
+                  <a:cs typeface="Inter"/>
+                  <a:sym typeface="Inter"/>
+                </a:endParaRPr>
+              </a:p>
+            </p:txBody>
+          </p:sp>
+          <p:sp>
+            <p:nvSpPr>
+              <p:cNvPr id="1409" name="Google Shape;1409;p31"/>
+              <p:cNvSpPr/>
+              <p:nvPr/>
+            </p:nvSpPr>
+            <p:spPr>
+              <a:xfrm>
+                <a:off x="1612875" y="1555875"/>
+                <a:ext cx="1041475" cy="1042275"/>
+              </a:xfrm>
+              <a:custGeom>
+                <a:avLst/>
+                <a:gdLst/>
+                <a:ahLst/>
+                <a:cxnLst/>
+                <a:rect l="l" t="t" r="r" b="b"/>
+                <a:pathLst>
+                  <a:path w="41659" h="41691" fill="none" extrusionOk="0">
+                    <a:moveTo>
+                      <a:pt x="1" y="41691"/>
+                    </a:moveTo>
+                    <a:lnTo>
+                      <a:pt x="41658" y="1"/>
+                    </a:lnTo>
+                  </a:path>
+                </a:pathLst>
+              </a:custGeom>
+              <a:noFill/>
+              <a:ln w="19050" cap="rnd" cmpd="sng">
+                <a:solidFill>
+                  <a:schemeClr val="accent1"/>
+                </a:solidFill>
+                <a:prstDash val="solid"/>
+                <a:miter lim="32519"/>
+                <a:headEnd type="none" w="sm" len="sm"/>
+                <a:tailEnd type="none" w="sm" len="sm"/>
+              </a:ln>
+            </p:spPr>
+            <p:txBody>
+              <a:bodyPr spcFirstLastPara="1" wrap="square" lIns="91425" tIns="91425" rIns="91425" bIns="91425" anchor="ctr" anchorCtr="0">
+                <a:noAutofit/>
+              </a:bodyPr>
+              <a:lstStyle/>
+              <a:p>
+                <a:pPr marL="0" lvl="0" indent="0" algn="l" rtl="0">
+                  <a:spcBef>
+                    <a:spcPts val="0"/>
+                  </a:spcBef>
+                  <a:spcAft>
+                    <a:spcPts val="0"/>
+                  </a:spcAft>
+                  <a:buNone/>
+                </a:pPr>
+                <a:endParaRPr>
+                  <a:latin typeface="Inter"/>
+                  <a:ea typeface="Inter"/>
+                  <a:cs typeface="Inter"/>
+                  <a:sym typeface="Inter"/>
+                </a:endParaRPr>
+              </a:p>
+            </p:txBody>
+          </p:sp>
+          <p:sp>
+            <p:nvSpPr>
+              <p:cNvPr id="1410" name="Google Shape;1410;p31"/>
+              <p:cNvSpPr/>
+              <p:nvPr/>
+            </p:nvSpPr>
+            <p:spPr>
+              <a:xfrm>
+                <a:off x="1669800" y="1613600"/>
+                <a:ext cx="1093475" cy="1092675"/>
+              </a:xfrm>
+              <a:custGeom>
+                <a:avLst/>
+                <a:gdLst/>
+                <a:ahLst/>
+                <a:cxnLst/>
+                <a:rect l="l" t="t" r="r" b="b"/>
+                <a:pathLst>
+                  <a:path w="43739" h="43707" fill="none" extrusionOk="0">
+                    <a:moveTo>
+                      <a:pt x="0" y="43707"/>
+                    </a:moveTo>
+                    <a:lnTo>
+                      <a:pt x="43739" y="1"/>
+                    </a:lnTo>
+                  </a:path>
+                </a:pathLst>
+              </a:custGeom>
+              <a:noFill/>
+              <a:ln w="19050" cap="rnd" cmpd="sng">
+                <a:solidFill>
+                  <a:schemeClr val="accent1"/>
+                </a:solidFill>
+                <a:prstDash val="solid"/>
+                <a:miter lim="32519"/>
+                <a:headEnd type="none" w="sm" len="sm"/>
+                <a:tailEnd type="none" w="sm" len="sm"/>
+              </a:ln>
+            </p:spPr>
+            <p:txBody>
+              <a:bodyPr spcFirstLastPara="1" wrap="square" lIns="91425" tIns="91425" rIns="91425" bIns="91425" anchor="ctr" anchorCtr="0">
+                <a:noAutofit/>
+              </a:bodyPr>
+              <a:lstStyle/>
+              <a:p>
+                <a:pPr marL="0" lvl="0" indent="0" algn="l" rtl="0">
+                  <a:spcBef>
+                    <a:spcPts val="0"/>
+                  </a:spcBef>
+                  <a:spcAft>
+                    <a:spcPts val="0"/>
+                  </a:spcAft>
+                  <a:buNone/>
+                </a:pPr>
+                <a:endParaRPr>
+                  <a:latin typeface="Inter"/>
+                  <a:ea typeface="Inter"/>
+                  <a:cs typeface="Inter"/>
+                  <a:sym typeface="Inter"/>
+                </a:endParaRPr>
+              </a:p>
+            </p:txBody>
+          </p:sp>
+          <p:sp>
+            <p:nvSpPr>
+              <p:cNvPr id="1411" name="Google Shape;1411;p31"/>
+              <p:cNvSpPr/>
+              <p:nvPr/>
+            </p:nvSpPr>
+            <p:spPr>
+              <a:xfrm>
+                <a:off x="1724445" y="1684323"/>
+                <a:ext cx="1133953" cy="1137555"/>
+              </a:xfrm>
+              <a:custGeom>
+                <a:avLst/>
+                <a:gdLst/>
+                <a:ahLst/>
+                <a:cxnLst/>
+                <a:rect l="l" t="t" r="r" b="b"/>
+                <a:pathLst>
+                  <a:path w="75837" h="75837" fill="none" extrusionOk="0">
+                    <a:moveTo>
+                      <a:pt x="1" y="75836"/>
+                    </a:moveTo>
+                    <a:lnTo>
+                      <a:pt x="75837" y="1"/>
+                    </a:lnTo>
+                  </a:path>
+                </a:pathLst>
+              </a:custGeom>
+              <a:noFill/>
+              <a:ln w="19050" cap="rnd" cmpd="sng">
+                <a:solidFill>
+                  <a:schemeClr val="accent1"/>
+                </a:solidFill>
+                <a:prstDash val="solid"/>
+                <a:miter lim="32519"/>
+                <a:headEnd type="none" w="sm" len="sm"/>
+                <a:tailEnd type="none" w="sm" len="sm"/>
+              </a:ln>
+            </p:spPr>
+            <p:txBody>
+              <a:bodyPr spcFirstLastPara="1" wrap="square" lIns="91425" tIns="91425" rIns="91425" bIns="91425" anchor="ctr" anchorCtr="0">
+                <a:noAutofit/>
+              </a:bodyPr>
+              <a:lstStyle/>
+              <a:p>
+                <a:pPr marL="0" lvl="0" indent="0" algn="l" rtl="0">
+                  <a:spcBef>
+                    <a:spcPts val="0"/>
+                  </a:spcBef>
+                  <a:spcAft>
+                    <a:spcPts val="0"/>
+                  </a:spcAft>
+                  <a:buNone/>
+                </a:pPr>
+                <a:endParaRPr>
+                  <a:latin typeface="Inter"/>
+                  <a:ea typeface="Inter"/>
+                  <a:cs typeface="Inter"/>
+                  <a:sym typeface="Inter"/>
+                </a:endParaRPr>
+              </a:p>
+            </p:txBody>
+          </p:sp>
+          <p:sp>
+            <p:nvSpPr>
+              <p:cNvPr id="1412" name="Google Shape;1412;p31"/>
+              <p:cNvSpPr/>
+              <p:nvPr/>
+            </p:nvSpPr>
+            <p:spPr>
+              <a:xfrm>
+                <a:off x="1861553" y="1767253"/>
+                <a:ext cx="1080578" cy="1082004"/>
+              </a:xfrm>
+              <a:custGeom>
+                <a:avLst/>
+                <a:gdLst/>
+                <a:ahLst/>
+                <a:cxnLst/>
+                <a:rect l="l" t="t" r="r" b="b"/>
+                <a:pathLst>
+                  <a:path w="75870" h="75837" fill="none" extrusionOk="0">
+                    <a:moveTo>
+                      <a:pt x="1" y="75836"/>
+                    </a:moveTo>
+                    <a:lnTo>
+                      <a:pt x="75869" y="1"/>
+                    </a:lnTo>
+                  </a:path>
+                </a:pathLst>
+              </a:custGeom>
+              <a:noFill/>
+              <a:ln w="19050" cap="rnd" cmpd="sng">
+                <a:solidFill>
+                  <a:schemeClr val="accent1"/>
+                </a:solidFill>
+                <a:prstDash val="solid"/>
+                <a:miter lim="32519"/>
+                <a:headEnd type="none" w="sm" len="sm"/>
+                <a:tailEnd type="none" w="sm" len="sm"/>
+              </a:ln>
+            </p:spPr>
+            <p:txBody>
+              <a:bodyPr spcFirstLastPara="1" wrap="square" lIns="91425" tIns="91425" rIns="91425" bIns="91425" anchor="ctr" anchorCtr="0">
+                <a:noAutofit/>
+              </a:bodyPr>
+              <a:lstStyle/>
+              <a:p>
+                <a:pPr marL="0" lvl="0" indent="0" algn="l" rtl="0">
+                  <a:spcBef>
+                    <a:spcPts val="0"/>
+                  </a:spcBef>
+                  <a:spcAft>
+                    <a:spcPts val="0"/>
+                  </a:spcAft>
+                  <a:buNone/>
+                </a:pPr>
+                <a:endParaRPr>
+                  <a:latin typeface="Inter"/>
+                  <a:ea typeface="Inter"/>
+                  <a:cs typeface="Inter"/>
+                  <a:sym typeface="Inter"/>
+                </a:endParaRPr>
+              </a:p>
+            </p:txBody>
+          </p:sp>
+          <p:sp>
+            <p:nvSpPr>
+              <p:cNvPr id="1413" name="Google Shape;1413;p31"/>
+              <p:cNvSpPr/>
+              <p:nvPr/>
+            </p:nvSpPr>
+            <p:spPr>
+              <a:xfrm>
+                <a:off x="1898130" y="1863198"/>
+                <a:ext cx="1114002" cy="1086690"/>
+              </a:xfrm>
+              <a:custGeom>
+                <a:avLst/>
+                <a:gdLst/>
+                <a:ahLst/>
+                <a:cxnLst/>
+                <a:rect l="l" t="t" r="r" b="b"/>
+                <a:pathLst>
+                  <a:path w="74828" h="74828" fill="none" extrusionOk="0">
+                    <a:moveTo>
+                      <a:pt x="0" y="74828"/>
+                    </a:moveTo>
+                    <a:lnTo>
+                      <a:pt x="74828" y="0"/>
+                    </a:lnTo>
+                  </a:path>
+                </a:pathLst>
+              </a:custGeom>
+              <a:noFill/>
+              <a:ln w="19050" cap="rnd" cmpd="sng">
+                <a:solidFill>
+                  <a:schemeClr val="accent1"/>
+                </a:solidFill>
+                <a:prstDash val="solid"/>
+                <a:miter lim="32519"/>
+                <a:headEnd type="none" w="sm" len="sm"/>
+                <a:tailEnd type="none" w="sm" len="sm"/>
+              </a:ln>
+            </p:spPr>
+            <p:txBody>
+              <a:bodyPr spcFirstLastPara="1" wrap="square" lIns="91425" tIns="91425" rIns="91425" bIns="91425" anchor="ctr" anchorCtr="0">
+                <a:noAutofit/>
+              </a:bodyPr>
+              <a:lstStyle/>
+              <a:p>
+                <a:pPr marL="0" lvl="0" indent="0" algn="l" rtl="0">
+                  <a:spcBef>
+                    <a:spcPts val="0"/>
+                  </a:spcBef>
+                  <a:spcAft>
+                    <a:spcPts val="0"/>
+                  </a:spcAft>
+                  <a:buNone/>
+                </a:pPr>
+                <a:endParaRPr>
+                  <a:latin typeface="Inter"/>
+                  <a:ea typeface="Inter"/>
+                  <a:cs typeface="Inter"/>
+                  <a:sym typeface="Inter"/>
+                </a:endParaRPr>
+              </a:p>
+            </p:txBody>
+          </p:sp>
+          <p:sp>
+            <p:nvSpPr>
+              <p:cNvPr id="1414" name="Google Shape;1414;p31"/>
+              <p:cNvSpPr/>
+              <p:nvPr/>
+            </p:nvSpPr>
+            <p:spPr>
+              <a:xfrm>
+                <a:off x="2027500" y="1971325"/>
+                <a:ext cx="1042275" cy="1042275"/>
+              </a:xfrm>
+              <a:custGeom>
+                <a:avLst/>
+                <a:gdLst/>
+                <a:ahLst/>
+                <a:cxnLst/>
+                <a:rect l="l" t="t" r="r" b="b"/>
+                <a:pathLst>
+                  <a:path w="41691" h="41691" fill="none" extrusionOk="0">
+                    <a:moveTo>
+                      <a:pt x="41691" y="0"/>
+                    </a:moveTo>
+                    <a:lnTo>
+                      <a:pt x="1" y="41690"/>
+                    </a:lnTo>
+                  </a:path>
+                </a:pathLst>
+              </a:custGeom>
+              <a:noFill/>
+              <a:ln w="19050" cap="rnd" cmpd="sng">
+                <a:solidFill>
+                  <a:schemeClr val="accent1"/>
+                </a:solidFill>
+                <a:prstDash val="solid"/>
+                <a:miter lim="32519"/>
+                <a:headEnd type="none" w="sm" len="sm"/>
+                <a:tailEnd type="none" w="sm" len="sm"/>
+              </a:ln>
+            </p:spPr>
+            <p:txBody>
+              <a:bodyPr spcFirstLastPara="1" wrap="square" lIns="91425" tIns="91425" rIns="91425" bIns="91425" anchor="ctr" anchorCtr="0">
+                <a:noAutofit/>
+              </a:bodyPr>
+              <a:lstStyle/>
+              <a:p>
+                <a:pPr marL="0" lvl="0" indent="0" algn="l" rtl="0">
+                  <a:spcBef>
+                    <a:spcPts val="0"/>
+                  </a:spcBef>
+                  <a:spcAft>
+                    <a:spcPts val="0"/>
+                  </a:spcAft>
+                  <a:buNone/>
+                </a:pPr>
+                <a:endParaRPr>
+                  <a:latin typeface="Inter"/>
+                  <a:ea typeface="Inter"/>
+                  <a:cs typeface="Inter"/>
+                  <a:sym typeface="Inter"/>
+                </a:endParaRPr>
+              </a:p>
+            </p:txBody>
+          </p:sp>
+          <p:sp>
+            <p:nvSpPr>
+              <p:cNvPr id="1415" name="Google Shape;1415;p31"/>
+              <p:cNvSpPr/>
+              <p:nvPr/>
+            </p:nvSpPr>
+            <p:spPr>
+              <a:xfrm>
+                <a:off x="2152700" y="2096525"/>
+                <a:ext cx="958550" cy="958525"/>
+              </a:xfrm>
+              <a:custGeom>
+                <a:avLst/>
+                <a:gdLst/>
+                <a:ahLst/>
+                <a:cxnLst/>
+                <a:rect l="l" t="t" r="r" b="b"/>
+                <a:pathLst>
+                  <a:path w="38342" h="38341" fill="none" extrusionOk="0">
+                    <a:moveTo>
+                      <a:pt x="38341" y="0"/>
+                    </a:moveTo>
+                    <a:lnTo>
+                      <a:pt x="1" y="38341"/>
+                    </a:lnTo>
+                  </a:path>
+                </a:pathLst>
+              </a:custGeom>
+              <a:noFill/>
+              <a:ln w="19050" cap="rnd" cmpd="sng">
+                <a:solidFill>
+                  <a:schemeClr val="accent1"/>
+                </a:solidFill>
+                <a:prstDash val="solid"/>
+                <a:miter lim="32519"/>
+                <a:headEnd type="none" w="sm" len="sm"/>
+                <a:tailEnd type="none" w="sm" len="sm"/>
+              </a:ln>
+            </p:spPr>
+            <p:txBody>
+              <a:bodyPr spcFirstLastPara="1" wrap="square" lIns="91425" tIns="91425" rIns="91425" bIns="91425" anchor="ctr" anchorCtr="0">
+                <a:noAutofit/>
+              </a:bodyPr>
+              <a:lstStyle/>
+              <a:p>
+                <a:pPr marL="0" lvl="0" indent="0" algn="l" rtl="0">
+                  <a:spcBef>
+                    <a:spcPts val="0"/>
+                  </a:spcBef>
+                  <a:spcAft>
+                    <a:spcPts val="0"/>
+                  </a:spcAft>
+                  <a:buNone/>
+                </a:pPr>
+                <a:endParaRPr>
+                  <a:latin typeface="Inter"/>
+                  <a:ea typeface="Inter"/>
+                  <a:cs typeface="Inter"/>
+                  <a:sym typeface="Inter"/>
+                </a:endParaRPr>
+              </a:p>
+            </p:txBody>
+          </p:sp>
+          <p:sp>
+            <p:nvSpPr>
+              <p:cNvPr id="1416" name="Google Shape;1416;p31"/>
+              <p:cNvSpPr/>
+              <p:nvPr/>
+            </p:nvSpPr>
+            <p:spPr>
+              <a:xfrm>
+                <a:off x="2298225" y="2241225"/>
+                <a:ext cx="834150" cy="834975"/>
+              </a:xfrm>
+              <a:custGeom>
+                <a:avLst/>
+                <a:gdLst/>
+                <a:ahLst/>
+                <a:cxnLst/>
+                <a:rect l="l" t="t" r="r" b="b"/>
+                <a:pathLst>
+                  <a:path w="33366" h="33399" fill="none" extrusionOk="0">
+                    <a:moveTo>
+                      <a:pt x="33366" y="1"/>
+                    </a:moveTo>
+                    <a:lnTo>
+                      <a:pt x="1" y="33398"/>
+                    </a:lnTo>
+                  </a:path>
+                </a:pathLst>
+              </a:custGeom>
+              <a:noFill/>
+              <a:ln w="19050" cap="rnd" cmpd="sng">
+                <a:solidFill>
+                  <a:schemeClr val="accent1"/>
+                </a:solidFill>
+                <a:prstDash val="solid"/>
+                <a:miter lim="32519"/>
+                <a:headEnd type="none" w="sm" len="sm"/>
+                <a:tailEnd type="none" w="sm" len="sm"/>
+              </a:ln>
+            </p:spPr>
+            <p:txBody>
+              <a:bodyPr spcFirstLastPara="1" wrap="square" lIns="91425" tIns="91425" rIns="91425" bIns="91425" anchor="ctr" anchorCtr="0">
+                <a:noAutofit/>
+              </a:bodyPr>
+              <a:lstStyle/>
+              <a:p>
+                <a:pPr marL="0" lvl="0" indent="0" algn="l" rtl="0">
+                  <a:spcBef>
+                    <a:spcPts val="0"/>
+                  </a:spcBef>
+                  <a:spcAft>
+                    <a:spcPts val="0"/>
+                  </a:spcAft>
+                  <a:buNone/>
+                </a:pPr>
+                <a:endParaRPr>
+                  <a:latin typeface="Inter"/>
+                  <a:ea typeface="Inter"/>
+                  <a:cs typeface="Inter"/>
+                  <a:sym typeface="Inter"/>
+                </a:endParaRPr>
+              </a:p>
+            </p:txBody>
+          </p:sp>
+          <p:sp>
+            <p:nvSpPr>
+              <p:cNvPr id="1417" name="Google Shape;1417;p31"/>
+              <p:cNvSpPr/>
+              <p:nvPr/>
+            </p:nvSpPr>
+            <p:spPr>
+              <a:xfrm>
+                <a:off x="2473825" y="2417650"/>
+                <a:ext cx="648800" cy="648800"/>
+              </a:xfrm>
+              <a:custGeom>
+                <a:avLst/>
+                <a:gdLst/>
+                <a:ahLst/>
+                <a:cxnLst/>
+                <a:rect l="l" t="t" r="r" b="b"/>
+                <a:pathLst>
+                  <a:path w="25952" h="25952" fill="none" extrusionOk="0">
+                    <a:moveTo>
+                      <a:pt x="25952" y="0"/>
+                    </a:moveTo>
+                    <a:lnTo>
+                      <a:pt x="1" y="25951"/>
+                    </a:lnTo>
+                  </a:path>
+                </a:pathLst>
+              </a:custGeom>
+              <a:noFill/>
+              <a:ln w="19050" cap="rnd" cmpd="sng">
+                <a:solidFill>
+                  <a:schemeClr val="accent1"/>
+                </a:solidFill>
+                <a:prstDash val="solid"/>
+                <a:miter lim="32519"/>
+                <a:headEnd type="none" w="sm" len="sm"/>
+                <a:tailEnd type="none" w="sm" len="sm"/>
+              </a:ln>
+            </p:spPr>
+            <p:txBody>
+              <a:bodyPr spcFirstLastPara="1" wrap="square" lIns="91425" tIns="91425" rIns="91425" bIns="91425" anchor="ctr" anchorCtr="0">
+                <a:noAutofit/>
+              </a:bodyPr>
+              <a:lstStyle/>
+              <a:p>
+                <a:pPr marL="0" lvl="0" indent="0" algn="l" rtl="0">
+                  <a:spcBef>
+                    <a:spcPts val="0"/>
+                  </a:spcBef>
+                  <a:spcAft>
+                    <a:spcPts val="0"/>
+                  </a:spcAft>
+                  <a:buNone/>
+                </a:pPr>
+                <a:endParaRPr>
+                  <a:latin typeface="Inter"/>
+                  <a:ea typeface="Inter"/>
+                  <a:cs typeface="Inter"/>
+                  <a:sym typeface="Inter"/>
+                </a:endParaRPr>
+              </a:p>
+            </p:txBody>
+          </p:sp>
+          <p:sp>
+            <p:nvSpPr>
+              <p:cNvPr id="1418" name="Google Shape;1418;p31"/>
+              <p:cNvSpPr/>
+              <p:nvPr/>
+            </p:nvSpPr>
+            <p:spPr>
+              <a:xfrm>
+                <a:off x="2730750" y="2674550"/>
+                <a:ext cx="300825" cy="300825"/>
+              </a:xfrm>
+              <a:custGeom>
+                <a:avLst/>
+                <a:gdLst/>
+                <a:ahLst/>
+                <a:cxnLst/>
+                <a:rect l="l" t="t" r="r" b="b"/>
+                <a:pathLst>
+                  <a:path w="12033" h="12033" fill="none" extrusionOk="0">
+                    <a:moveTo>
+                      <a:pt x="12032" y="1"/>
+                    </a:moveTo>
+                    <a:lnTo>
+                      <a:pt x="0" y="12033"/>
+                    </a:lnTo>
+                  </a:path>
+                </a:pathLst>
+              </a:custGeom>
+              <a:noFill/>
+              <a:ln w="19050" cap="rnd" cmpd="sng">
+                <a:solidFill>
+                  <a:schemeClr val="accent1"/>
+                </a:solidFill>
+                <a:prstDash val="solid"/>
+                <a:miter lim="32519"/>
+                <a:headEnd type="none" w="sm" len="sm"/>
+                <a:tailEnd type="none" w="sm" len="sm"/>
+              </a:ln>
+            </p:spPr>
+            <p:txBody>
+              <a:bodyPr spcFirstLastPara="1" wrap="square" lIns="91425" tIns="91425" rIns="91425" bIns="91425" anchor="ctr" anchorCtr="0">
+                <a:noAutofit/>
+              </a:bodyPr>
+              <a:lstStyle/>
+              <a:p>
+                <a:pPr marL="0" lvl="0" indent="0" algn="l" rtl="0">
+                  <a:spcBef>
+                    <a:spcPts val="0"/>
+                  </a:spcBef>
+                  <a:spcAft>
+                    <a:spcPts val="0"/>
+                  </a:spcAft>
+                  <a:buNone/>
+                </a:pPr>
+                <a:endParaRPr>
+                  <a:latin typeface="Inter"/>
+                  <a:ea typeface="Inter"/>
+                  <a:cs typeface="Inter"/>
+                  <a:sym typeface="Inter"/>
+                </a:endParaRPr>
+              </a:p>
+            </p:txBody>
+          </p:sp>
+        </p:grpSp>
+      </p:grpSp>
+      <p:grpSp>
+        <p:nvGrpSpPr>
+          <p:cNvPr id="1419" name="Google Shape;1419;p31"/>
+          <p:cNvGrpSpPr/>
+          <p:nvPr/>
+        </p:nvGrpSpPr>
+        <p:grpSpPr>
+          <a:xfrm rot="10800000" flipH="1">
+            <a:off x="-1281564" y="-2027094"/>
+            <a:ext cx="2577160" cy="2638569"/>
+            <a:chOff x="-1115775" y="4467744"/>
+            <a:chExt cx="2577160" cy="2638569"/>
+          </a:xfrm>
+        </p:grpSpPr>
+        <p:sp>
+          <p:nvSpPr>
+            <p:cNvPr id="1420" name="Google Shape;1420;p31"/>
+            <p:cNvSpPr/>
+            <p:nvPr/>
+          </p:nvSpPr>
+          <p:spPr>
+            <a:xfrm>
+              <a:off x="-961762" y="4467744"/>
+              <a:ext cx="1751700" cy="1751700"/>
+            </a:xfrm>
+            <a:prstGeom prst="ellipse">
+              <a:avLst/>
+            </a:prstGeom>
+            <a:solidFill>
+              <a:schemeClr val="accent1"/>
+            </a:solidFill>
+            <a:ln>
+              <a:noFill/>
+            </a:ln>
+          </p:spPr>
+          <p:txBody>
+            <a:bodyPr spcFirstLastPara="1" wrap="square" lIns="91425" tIns="91425" rIns="91425" bIns="91425" anchor="ctr" anchorCtr="0">
+              <a:noAutofit/>
+            </a:bodyPr>
+            <a:lstStyle/>
+            <a:p>
+              <a:pPr marL="0" lvl="0" indent="0" algn="l" rtl="0">
+                <a:spcBef>
+                  <a:spcPts val="0"/>
+                </a:spcBef>
+                <a:spcAft>
+                  <a:spcPts val="0"/>
+                </a:spcAft>
+                <a:buNone/>
+              </a:pPr>
+              <a:endParaRPr>
+                <a:latin typeface="Inter"/>
+                <a:ea typeface="Inter"/>
+                <a:cs typeface="Inter"/>
+                <a:sym typeface="Inter"/>
+              </a:endParaRPr>
+            </a:p>
+          </p:txBody>
+        </p:sp>
+        <p:grpSp>
+          <p:nvGrpSpPr>
+            <p:cNvPr id="1421" name="Google Shape;1421;p31"/>
+            <p:cNvGrpSpPr/>
+            <p:nvPr/>
+          </p:nvGrpSpPr>
+          <p:grpSpPr>
+            <a:xfrm rot="5400000" flipH="1">
+              <a:off x="-1115103" y="4529824"/>
+              <a:ext cx="2575817" cy="2577160"/>
+              <a:chOff x="1550275" y="1493275"/>
+              <a:chExt cx="1582100" cy="1582925"/>
+            </a:xfrm>
+          </p:grpSpPr>
+          <p:sp>
+            <p:nvSpPr>
+              <p:cNvPr id="1422" name="Google Shape;1422;p31"/>
+              <p:cNvSpPr/>
+              <p:nvPr/>
+            </p:nvSpPr>
+            <p:spPr>
+              <a:xfrm>
+                <a:off x="1650275" y="1594100"/>
+                <a:ext cx="301650" cy="300825"/>
+              </a:xfrm>
+              <a:custGeom>
+                <a:avLst/>
+                <a:gdLst/>
+                <a:ahLst/>
+                <a:cxnLst/>
+                <a:rect l="l" t="t" r="r" b="b"/>
+                <a:pathLst>
+                  <a:path w="12066" h="12033" fill="none" extrusionOk="0">
+                    <a:moveTo>
+                      <a:pt x="1" y="12032"/>
+                    </a:moveTo>
+                    <a:lnTo>
+                      <a:pt x="12065" y="0"/>
+                    </a:lnTo>
+                  </a:path>
+                </a:pathLst>
+              </a:custGeom>
+              <a:noFill/>
+              <a:ln w="19050" cap="rnd" cmpd="sng">
+                <a:solidFill>
+                  <a:schemeClr val="lt2"/>
+                </a:solidFill>
+                <a:prstDash val="solid"/>
+                <a:miter lim="32519"/>
+                <a:headEnd type="none" w="sm" len="sm"/>
+                <a:tailEnd type="none" w="sm" len="sm"/>
+              </a:ln>
+            </p:spPr>
+            <p:txBody>
+              <a:bodyPr spcFirstLastPara="1" wrap="square" lIns="91425" tIns="91425" rIns="91425" bIns="91425" anchor="ctr" anchorCtr="0">
+                <a:noAutofit/>
+              </a:bodyPr>
+              <a:lstStyle/>
+              <a:p>
+                <a:pPr marL="0" lvl="0" indent="0" algn="l" rtl="0">
+                  <a:spcBef>
+                    <a:spcPts val="0"/>
+                  </a:spcBef>
+                  <a:spcAft>
+                    <a:spcPts val="0"/>
+                  </a:spcAft>
+                  <a:buNone/>
+                </a:pPr>
+                <a:endParaRPr>
+                  <a:latin typeface="Inter"/>
+                  <a:ea typeface="Inter"/>
+                  <a:cs typeface="Inter"/>
+                  <a:sym typeface="Inter"/>
+                </a:endParaRPr>
+              </a:p>
+            </p:txBody>
+          </p:sp>
+          <p:sp>
+            <p:nvSpPr>
+              <p:cNvPr id="1423" name="Google Shape;1423;p31"/>
+              <p:cNvSpPr/>
+              <p:nvPr/>
+            </p:nvSpPr>
+            <p:spPr>
+              <a:xfrm>
+                <a:off x="1560025" y="1503850"/>
+                <a:ext cx="648800" cy="647975"/>
+              </a:xfrm>
+              <a:custGeom>
+                <a:avLst/>
+                <a:gdLst/>
+                <a:ahLst/>
+                <a:cxnLst/>
+                <a:rect l="l" t="t" r="r" b="b"/>
+                <a:pathLst>
+                  <a:path w="25952" h="25919" fill="none" extrusionOk="0">
+                    <a:moveTo>
+                      <a:pt x="1" y="25919"/>
+                    </a:moveTo>
+                    <a:lnTo>
+                      <a:pt x="25952" y="0"/>
+                    </a:lnTo>
+                  </a:path>
+                </a:pathLst>
+              </a:custGeom>
+              <a:noFill/>
+              <a:ln w="19050" cap="rnd" cmpd="sng">
+                <a:solidFill>
+                  <a:schemeClr val="lt2"/>
+                </a:solidFill>
+                <a:prstDash val="solid"/>
+                <a:miter lim="32519"/>
+                <a:headEnd type="none" w="sm" len="sm"/>
+                <a:tailEnd type="none" w="sm" len="sm"/>
+              </a:ln>
+            </p:spPr>
+            <p:txBody>
+              <a:bodyPr spcFirstLastPara="1" wrap="square" lIns="91425" tIns="91425" rIns="91425" bIns="91425" anchor="ctr" anchorCtr="0">
+                <a:noAutofit/>
+              </a:bodyPr>
+              <a:lstStyle/>
+              <a:p>
+                <a:pPr marL="0" lvl="0" indent="0" algn="l" rtl="0">
+                  <a:spcBef>
+                    <a:spcPts val="0"/>
+                  </a:spcBef>
+                  <a:spcAft>
+                    <a:spcPts val="0"/>
+                  </a:spcAft>
+                  <a:buNone/>
+                </a:pPr>
+                <a:endParaRPr>
+                  <a:latin typeface="Inter"/>
+                  <a:ea typeface="Inter"/>
+                  <a:cs typeface="Inter"/>
+                  <a:sym typeface="Inter"/>
+                </a:endParaRPr>
+              </a:p>
+            </p:txBody>
+          </p:sp>
+          <p:sp>
+            <p:nvSpPr>
+              <p:cNvPr id="1424" name="Google Shape;1424;p31"/>
+              <p:cNvSpPr/>
+              <p:nvPr/>
+            </p:nvSpPr>
+            <p:spPr>
+              <a:xfrm>
+                <a:off x="1550275" y="1493275"/>
+                <a:ext cx="834150" cy="834975"/>
+              </a:xfrm>
+              <a:custGeom>
+                <a:avLst/>
+                <a:gdLst/>
+                <a:ahLst/>
+                <a:cxnLst/>
+                <a:rect l="l" t="t" r="r" b="b"/>
+                <a:pathLst>
+                  <a:path w="33366" h="33399" fill="none" extrusionOk="0">
+                    <a:moveTo>
+                      <a:pt x="1" y="33398"/>
+                    </a:moveTo>
+                    <a:lnTo>
+                      <a:pt x="33366" y="1"/>
+                    </a:lnTo>
+                  </a:path>
+                </a:pathLst>
+              </a:custGeom>
+              <a:noFill/>
+              <a:ln w="19050" cap="rnd" cmpd="sng">
+                <a:solidFill>
+                  <a:schemeClr val="lt2"/>
+                </a:solidFill>
+                <a:prstDash val="solid"/>
+                <a:miter lim="32519"/>
+                <a:headEnd type="none" w="sm" len="sm"/>
+                <a:tailEnd type="none" w="sm" len="sm"/>
+              </a:ln>
+            </p:spPr>
+            <p:txBody>
+              <a:bodyPr spcFirstLastPara="1" wrap="square" lIns="91425" tIns="91425" rIns="91425" bIns="91425" anchor="ctr" anchorCtr="0">
+                <a:noAutofit/>
+              </a:bodyPr>
+              <a:lstStyle/>
+              <a:p>
+                <a:pPr marL="0" lvl="0" indent="0" algn="l" rtl="0">
+                  <a:spcBef>
+                    <a:spcPts val="0"/>
+                  </a:spcBef>
+                  <a:spcAft>
+                    <a:spcPts val="0"/>
+                  </a:spcAft>
+                  <a:buNone/>
+                </a:pPr>
+                <a:endParaRPr>
+                  <a:latin typeface="Inter"/>
+                  <a:ea typeface="Inter"/>
+                  <a:cs typeface="Inter"/>
+                  <a:sym typeface="Inter"/>
+                </a:endParaRPr>
+              </a:p>
+            </p:txBody>
+          </p:sp>
+          <p:sp>
+            <p:nvSpPr>
+              <p:cNvPr id="1425" name="Google Shape;1425;p31"/>
+              <p:cNvSpPr/>
+              <p:nvPr/>
+            </p:nvSpPr>
+            <p:spPr>
+              <a:xfrm>
+                <a:off x="1571425" y="1514425"/>
+                <a:ext cx="957725" cy="958525"/>
+              </a:xfrm>
+              <a:custGeom>
+                <a:avLst/>
+                <a:gdLst/>
+                <a:ahLst/>
+                <a:cxnLst/>
+                <a:rect l="l" t="t" r="r" b="b"/>
+                <a:pathLst>
+                  <a:path w="38309" h="38341" fill="none" extrusionOk="0">
+                    <a:moveTo>
+                      <a:pt x="0" y="38341"/>
+                    </a:moveTo>
+                    <a:lnTo>
+                      <a:pt x="38308" y="0"/>
+                    </a:lnTo>
+                  </a:path>
+                </a:pathLst>
+              </a:custGeom>
+              <a:noFill/>
+              <a:ln w="19050" cap="rnd" cmpd="sng">
+                <a:solidFill>
+                  <a:schemeClr val="lt2"/>
+                </a:solidFill>
+                <a:prstDash val="solid"/>
+                <a:miter lim="32519"/>
+                <a:headEnd type="none" w="sm" len="sm"/>
+                <a:tailEnd type="none" w="sm" len="sm"/>
+              </a:ln>
+            </p:spPr>
+            <p:txBody>
+              <a:bodyPr spcFirstLastPara="1" wrap="square" lIns="91425" tIns="91425" rIns="91425" bIns="91425" anchor="ctr" anchorCtr="0">
+                <a:noAutofit/>
+              </a:bodyPr>
+              <a:lstStyle/>
+              <a:p>
+                <a:pPr marL="0" lvl="0" indent="0" algn="l" rtl="0">
+                  <a:spcBef>
+                    <a:spcPts val="0"/>
+                  </a:spcBef>
+                  <a:spcAft>
+                    <a:spcPts val="0"/>
+                  </a:spcAft>
+                  <a:buNone/>
+                </a:pPr>
+                <a:endParaRPr>
+                  <a:latin typeface="Inter"/>
+                  <a:ea typeface="Inter"/>
+                  <a:cs typeface="Inter"/>
+                  <a:sym typeface="Inter"/>
+                </a:endParaRPr>
+              </a:p>
+            </p:txBody>
+          </p:sp>
+          <p:sp>
+            <p:nvSpPr>
+              <p:cNvPr id="1426" name="Google Shape;1426;p31"/>
+              <p:cNvSpPr/>
+              <p:nvPr/>
+            </p:nvSpPr>
+            <p:spPr>
+              <a:xfrm>
+                <a:off x="1612875" y="1555875"/>
+                <a:ext cx="1041475" cy="1042275"/>
+              </a:xfrm>
+              <a:custGeom>
+                <a:avLst/>
+                <a:gdLst/>
+                <a:ahLst/>
+                <a:cxnLst/>
+                <a:rect l="l" t="t" r="r" b="b"/>
+                <a:pathLst>
+                  <a:path w="41659" h="41691" fill="none" extrusionOk="0">
+                    <a:moveTo>
+                      <a:pt x="1" y="41691"/>
+                    </a:moveTo>
+                    <a:lnTo>
+                      <a:pt x="41658" y="1"/>
+                    </a:lnTo>
+                  </a:path>
+                </a:pathLst>
+              </a:custGeom>
+              <a:noFill/>
+              <a:ln w="19050" cap="rnd" cmpd="sng">
+                <a:solidFill>
+                  <a:schemeClr val="lt2"/>
+                </a:solidFill>
+                <a:prstDash val="solid"/>
+                <a:miter lim="32519"/>
+                <a:headEnd type="none" w="sm" len="sm"/>
+                <a:tailEnd type="none" w="sm" len="sm"/>
+              </a:ln>
+            </p:spPr>
+            <p:txBody>
+              <a:bodyPr spcFirstLastPara="1" wrap="square" lIns="91425" tIns="91425" rIns="91425" bIns="91425" anchor="ctr" anchorCtr="0">
+                <a:noAutofit/>
+              </a:bodyPr>
+              <a:lstStyle/>
+              <a:p>
+                <a:pPr marL="0" lvl="0" indent="0" algn="l" rtl="0">
+                  <a:spcBef>
+                    <a:spcPts val="0"/>
+                  </a:spcBef>
+                  <a:spcAft>
+                    <a:spcPts val="0"/>
+                  </a:spcAft>
+                  <a:buNone/>
+                </a:pPr>
+                <a:endParaRPr>
+                  <a:latin typeface="Inter"/>
+                  <a:ea typeface="Inter"/>
+                  <a:cs typeface="Inter"/>
+                  <a:sym typeface="Inter"/>
+                </a:endParaRPr>
+              </a:p>
+            </p:txBody>
+          </p:sp>
+          <p:sp>
+            <p:nvSpPr>
+              <p:cNvPr id="1427" name="Google Shape;1427;p31"/>
+              <p:cNvSpPr/>
+              <p:nvPr/>
+            </p:nvSpPr>
+            <p:spPr>
+              <a:xfrm>
+                <a:off x="1669800" y="1613600"/>
+                <a:ext cx="1093475" cy="1092675"/>
+              </a:xfrm>
+              <a:custGeom>
+                <a:avLst/>
+                <a:gdLst/>
+                <a:ahLst/>
+                <a:cxnLst/>
+                <a:rect l="l" t="t" r="r" b="b"/>
+                <a:pathLst>
+                  <a:path w="43739" h="43707" fill="none" extrusionOk="0">
+                    <a:moveTo>
+                      <a:pt x="0" y="43707"/>
+                    </a:moveTo>
+                    <a:lnTo>
+                      <a:pt x="43739" y="1"/>
+                    </a:lnTo>
+                  </a:path>
+                </a:pathLst>
+              </a:custGeom>
+              <a:noFill/>
+              <a:ln w="19050" cap="rnd" cmpd="sng">
+                <a:solidFill>
+                  <a:schemeClr val="lt2"/>
+                </a:solidFill>
+                <a:prstDash val="solid"/>
+                <a:miter lim="32519"/>
+                <a:headEnd type="none" w="sm" len="sm"/>
+                <a:tailEnd type="none" w="sm" len="sm"/>
+              </a:ln>
+            </p:spPr>
+            <p:txBody>
+              <a:bodyPr spcFirstLastPara="1" wrap="square" lIns="91425" tIns="91425" rIns="91425" bIns="91425" anchor="ctr" anchorCtr="0">
+                <a:noAutofit/>
+              </a:bodyPr>
+              <a:lstStyle/>
+              <a:p>
+                <a:pPr marL="0" lvl="0" indent="0" algn="l" rtl="0">
+                  <a:spcBef>
+                    <a:spcPts val="0"/>
+                  </a:spcBef>
+                  <a:spcAft>
+                    <a:spcPts val="0"/>
+                  </a:spcAft>
+                  <a:buNone/>
+                </a:pPr>
+                <a:endParaRPr>
+                  <a:latin typeface="Inter"/>
+                  <a:ea typeface="Inter"/>
+                  <a:cs typeface="Inter"/>
+                  <a:sym typeface="Inter"/>
+                </a:endParaRPr>
+              </a:p>
+            </p:txBody>
+          </p:sp>
+          <p:sp>
+            <p:nvSpPr>
+              <p:cNvPr id="1428" name="Google Shape;1428;p31"/>
+              <p:cNvSpPr/>
+              <p:nvPr/>
+            </p:nvSpPr>
+            <p:spPr>
+              <a:xfrm>
+                <a:off x="1710100" y="1684329"/>
+                <a:ext cx="1148362" cy="1145328"/>
+              </a:xfrm>
+              <a:custGeom>
+                <a:avLst/>
+                <a:gdLst/>
+                <a:ahLst/>
+                <a:cxnLst/>
+                <a:rect l="l" t="t" r="r" b="b"/>
+                <a:pathLst>
+                  <a:path w="75837" h="75837" fill="none" extrusionOk="0">
+                    <a:moveTo>
+                      <a:pt x="1" y="75836"/>
+                    </a:moveTo>
+                    <a:lnTo>
+                      <a:pt x="75837" y="1"/>
+                    </a:lnTo>
+                  </a:path>
+                </a:pathLst>
+              </a:custGeom>
+              <a:noFill/>
+              <a:ln w="19050" cap="rnd" cmpd="sng">
+                <a:solidFill>
+                  <a:schemeClr val="lt2"/>
+                </a:solidFill>
+                <a:prstDash val="solid"/>
+                <a:miter lim="32519"/>
+                <a:headEnd type="none" w="sm" len="sm"/>
+                <a:tailEnd type="none" w="sm" len="sm"/>
+              </a:ln>
+            </p:spPr>
+            <p:txBody>
+              <a:bodyPr spcFirstLastPara="1" wrap="square" lIns="91425" tIns="91425" rIns="91425" bIns="91425" anchor="ctr" anchorCtr="0">
+                <a:noAutofit/>
+              </a:bodyPr>
+              <a:lstStyle/>
+              <a:p>
+                <a:pPr marL="0" lvl="0" indent="0" algn="l" rtl="0">
+                  <a:spcBef>
+                    <a:spcPts val="0"/>
+                  </a:spcBef>
+                  <a:spcAft>
+                    <a:spcPts val="0"/>
+                  </a:spcAft>
+                  <a:buNone/>
+                </a:pPr>
+                <a:endParaRPr>
+                  <a:latin typeface="Inter"/>
+                  <a:ea typeface="Inter"/>
+                  <a:cs typeface="Inter"/>
+                  <a:sym typeface="Inter"/>
+                </a:endParaRPr>
+              </a:p>
+            </p:txBody>
+          </p:sp>
+          <p:sp>
+            <p:nvSpPr>
+              <p:cNvPr id="1429" name="Google Shape;1429;p31"/>
+              <p:cNvSpPr/>
+              <p:nvPr/>
+            </p:nvSpPr>
+            <p:spPr>
+              <a:xfrm>
+                <a:off x="1828936" y="1767251"/>
+                <a:ext cx="1113203" cy="1126369"/>
+              </a:xfrm>
+              <a:custGeom>
+                <a:avLst/>
+                <a:gdLst/>
+                <a:ahLst/>
+                <a:cxnLst/>
+                <a:rect l="l" t="t" r="r" b="b"/>
+                <a:pathLst>
+                  <a:path w="75870" h="75837" fill="none" extrusionOk="0">
+                    <a:moveTo>
+                      <a:pt x="1" y="75836"/>
+                    </a:moveTo>
+                    <a:lnTo>
+                      <a:pt x="75869" y="1"/>
+                    </a:lnTo>
+                  </a:path>
+                </a:pathLst>
+              </a:custGeom>
+              <a:noFill/>
+              <a:ln w="19050" cap="rnd" cmpd="sng">
+                <a:solidFill>
+                  <a:schemeClr val="lt2"/>
+                </a:solidFill>
+                <a:prstDash val="solid"/>
+                <a:miter lim="32519"/>
+                <a:headEnd type="none" w="sm" len="sm"/>
+                <a:tailEnd type="none" w="sm" len="sm"/>
+              </a:ln>
+            </p:spPr>
+            <p:txBody>
+              <a:bodyPr spcFirstLastPara="1" wrap="square" lIns="91425" tIns="91425" rIns="91425" bIns="91425" anchor="ctr" anchorCtr="0">
+                <a:noAutofit/>
+              </a:bodyPr>
+              <a:lstStyle/>
+              <a:p>
+                <a:pPr marL="0" lvl="0" indent="0" algn="l" rtl="0">
+                  <a:spcBef>
+                    <a:spcPts val="0"/>
+                  </a:spcBef>
+                  <a:spcAft>
+                    <a:spcPts val="0"/>
+                  </a:spcAft>
+                  <a:buNone/>
+                </a:pPr>
+                <a:endParaRPr>
+                  <a:latin typeface="Inter"/>
+                  <a:ea typeface="Inter"/>
+                  <a:cs typeface="Inter"/>
+                  <a:sym typeface="Inter"/>
+                </a:endParaRPr>
+              </a:p>
+            </p:txBody>
+          </p:sp>
+          <p:sp>
+            <p:nvSpPr>
+              <p:cNvPr id="1430" name="Google Shape;1430;p31"/>
+              <p:cNvSpPr/>
+              <p:nvPr/>
+            </p:nvSpPr>
+            <p:spPr>
+              <a:xfrm>
+                <a:off x="1929499" y="1863204"/>
+                <a:ext cx="1082574" cy="1112692"/>
+              </a:xfrm>
+              <a:custGeom>
+                <a:avLst/>
+                <a:gdLst/>
+                <a:ahLst/>
+                <a:cxnLst/>
+                <a:rect l="l" t="t" r="r" b="b"/>
+                <a:pathLst>
+                  <a:path w="74828" h="74828" fill="none" extrusionOk="0">
+                    <a:moveTo>
+                      <a:pt x="0" y="74828"/>
+                    </a:moveTo>
+                    <a:lnTo>
+                      <a:pt x="74828" y="0"/>
+                    </a:lnTo>
+                  </a:path>
+                </a:pathLst>
+              </a:custGeom>
+              <a:noFill/>
+              <a:ln w="19050" cap="rnd" cmpd="sng">
+                <a:solidFill>
+                  <a:schemeClr val="lt2"/>
+                </a:solidFill>
+                <a:prstDash val="solid"/>
+                <a:miter lim="32519"/>
+                <a:headEnd type="none" w="sm" len="sm"/>
+                <a:tailEnd type="none" w="sm" len="sm"/>
+              </a:ln>
+            </p:spPr>
+            <p:txBody>
+              <a:bodyPr spcFirstLastPara="1" wrap="square" lIns="91425" tIns="91425" rIns="91425" bIns="91425" anchor="ctr" anchorCtr="0">
+                <a:noAutofit/>
+              </a:bodyPr>
+              <a:lstStyle/>
+              <a:p>
+                <a:pPr marL="0" lvl="0" indent="0" algn="l" rtl="0">
+                  <a:spcBef>
+                    <a:spcPts val="0"/>
+                  </a:spcBef>
+                  <a:spcAft>
+                    <a:spcPts val="0"/>
+                  </a:spcAft>
+                  <a:buNone/>
+                </a:pPr>
+                <a:endParaRPr>
+                  <a:latin typeface="Inter"/>
+                  <a:ea typeface="Inter"/>
+                  <a:cs typeface="Inter"/>
+                  <a:sym typeface="Inter"/>
+                </a:endParaRPr>
+              </a:p>
+            </p:txBody>
+          </p:sp>
+          <p:sp>
+            <p:nvSpPr>
+              <p:cNvPr id="1431" name="Google Shape;1431;p31"/>
+              <p:cNvSpPr/>
+              <p:nvPr/>
+            </p:nvSpPr>
+            <p:spPr>
+              <a:xfrm>
+                <a:off x="2027500" y="1971325"/>
+                <a:ext cx="1042275" cy="1042275"/>
+              </a:xfrm>
+              <a:custGeom>
+                <a:avLst/>
+                <a:gdLst/>
+                <a:ahLst/>
+                <a:cxnLst/>
+                <a:rect l="l" t="t" r="r" b="b"/>
+                <a:pathLst>
+                  <a:path w="41691" h="41691" fill="none" extrusionOk="0">
+                    <a:moveTo>
+                      <a:pt x="41691" y="0"/>
+                    </a:moveTo>
+                    <a:lnTo>
+                      <a:pt x="1" y="41690"/>
+                    </a:lnTo>
+                  </a:path>
+                </a:pathLst>
+              </a:custGeom>
+              <a:noFill/>
+              <a:ln w="19050" cap="rnd" cmpd="sng">
+                <a:solidFill>
+                  <a:schemeClr val="lt2"/>
+                </a:solidFill>
+                <a:prstDash val="solid"/>
+                <a:miter lim="32519"/>
+                <a:headEnd type="none" w="sm" len="sm"/>
+                <a:tailEnd type="none" w="sm" len="sm"/>
+              </a:ln>
+            </p:spPr>
+            <p:txBody>
+              <a:bodyPr spcFirstLastPara="1" wrap="square" lIns="91425" tIns="91425" rIns="91425" bIns="91425" anchor="ctr" anchorCtr="0">
+                <a:noAutofit/>
+              </a:bodyPr>
+              <a:lstStyle/>
+              <a:p>
+                <a:pPr marL="0" lvl="0" indent="0" algn="l" rtl="0">
+                  <a:spcBef>
+                    <a:spcPts val="0"/>
+                  </a:spcBef>
+                  <a:spcAft>
+                    <a:spcPts val="0"/>
+                  </a:spcAft>
+                  <a:buNone/>
+                </a:pPr>
+                <a:endParaRPr>
+                  <a:latin typeface="Inter"/>
+                  <a:ea typeface="Inter"/>
+                  <a:cs typeface="Inter"/>
+                  <a:sym typeface="Inter"/>
+                </a:endParaRPr>
+              </a:p>
+            </p:txBody>
+          </p:sp>
+          <p:sp>
+            <p:nvSpPr>
+              <p:cNvPr id="1432" name="Google Shape;1432;p31"/>
+              <p:cNvSpPr/>
+              <p:nvPr/>
+            </p:nvSpPr>
+            <p:spPr>
+              <a:xfrm>
+                <a:off x="2152700" y="2096525"/>
+                <a:ext cx="958550" cy="958525"/>
+              </a:xfrm>
+              <a:custGeom>
+                <a:avLst/>
+                <a:gdLst/>
+                <a:ahLst/>
+                <a:cxnLst/>
+                <a:rect l="l" t="t" r="r" b="b"/>
+                <a:pathLst>
+                  <a:path w="38342" h="38341" fill="none" extrusionOk="0">
+                    <a:moveTo>
+                      <a:pt x="38341" y="0"/>
+                    </a:moveTo>
+                    <a:lnTo>
+                      <a:pt x="1" y="38341"/>
+                    </a:lnTo>
+                  </a:path>
+                </a:pathLst>
+              </a:custGeom>
+              <a:noFill/>
+              <a:ln w="19050" cap="rnd" cmpd="sng">
+                <a:solidFill>
+                  <a:schemeClr val="lt2"/>
+                </a:solidFill>
+                <a:prstDash val="solid"/>
+                <a:miter lim="32519"/>
+                <a:headEnd type="none" w="sm" len="sm"/>
+                <a:tailEnd type="none" w="sm" len="sm"/>
+              </a:ln>
+            </p:spPr>
+            <p:txBody>
+              <a:bodyPr spcFirstLastPara="1" wrap="square" lIns="91425" tIns="91425" rIns="91425" bIns="91425" anchor="ctr" anchorCtr="0">
+                <a:noAutofit/>
+              </a:bodyPr>
+              <a:lstStyle/>
+              <a:p>
+                <a:pPr marL="0" lvl="0" indent="0" algn="l" rtl="0">
+                  <a:spcBef>
+                    <a:spcPts val="0"/>
+                  </a:spcBef>
+                  <a:spcAft>
+                    <a:spcPts val="0"/>
+                  </a:spcAft>
+                  <a:buNone/>
+                </a:pPr>
+                <a:endParaRPr>
+                  <a:latin typeface="Inter"/>
+                  <a:ea typeface="Inter"/>
+                  <a:cs typeface="Inter"/>
+                  <a:sym typeface="Inter"/>
+                </a:endParaRPr>
+              </a:p>
+            </p:txBody>
+          </p:sp>
+          <p:sp>
+            <p:nvSpPr>
+              <p:cNvPr id="1433" name="Google Shape;1433;p31"/>
+              <p:cNvSpPr/>
+              <p:nvPr/>
+            </p:nvSpPr>
+            <p:spPr>
+              <a:xfrm>
+                <a:off x="2298225" y="2241225"/>
+                <a:ext cx="834150" cy="834975"/>
+              </a:xfrm>
+              <a:custGeom>
+                <a:avLst/>
+                <a:gdLst/>
+                <a:ahLst/>
+                <a:cxnLst/>
+                <a:rect l="l" t="t" r="r" b="b"/>
+                <a:pathLst>
+                  <a:path w="33366" h="33399" fill="none" extrusionOk="0">
+                    <a:moveTo>
+                      <a:pt x="33366" y="1"/>
+                    </a:moveTo>
+                    <a:lnTo>
+                      <a:pt x="1" y="33398"/>
+                    </a:lnTo>
+                  </a:path>
+                </a:pathLst>
+              </a:custGeom>
+              <a:noFill/>
+              <a:ln w="19050" cap="rnd" cmpd="sng">
+                <a:solidFill>
+                  <a:schemeClr val="lt2"/>
+                </a:solidFill>
+                <a:prstDash val="solid"/>
+                <a:miter lim="32519"/>
+                <a:headEnd type="none" w="sm" len="sm"/>
+                <a:tailEnd type="none" w="sm" len="sm"/>
+              </a:ln>
+            </p:spPr>
+            <p:txBody>
+              <a:bodyPr spcFirstLastPara="1" wrap="square" lIns="91425" tIns="91425" rIns="91425" bIns="91425" anchor="ctr" anchorCtr="0">
+                <a:noAutofit/>
+              </a:bodyPr>
+              <a:lstStyle/>
+              <a:p>
+                <a:pPr marL="0" lvl="0" indent="0" algn="l" rtl="0">
+                  <a:spcBef>
+                    <a:spcPts val="0"/>
+                  </a:spcBef>
+                  <a:spcAft>
+                    <a:spcPts val="0"/>
+                  </a:spcAft>
+                  <a:buNone/>
+                </a:pPr>
+                <a:endParaRPr>
+                  <a:latin typeface="Inter"/>
+                  <a:ea typeface="Inter"/>
+                  <a:cs typeface="Inter"/>
+                  <a:sym typeface="Inter"/>
+                </a:endParaRPr>
+              </a:p>
+            </p:txBody>
+          </p:sp>
+          <p:sp>
+            <p:nvSpPr>
+              <p:cNvPr id="1434" name="Google Shape;1434;p31"/>
+              <p:cNvSpPr/>
+              <p:nvPr/>
+            </p:nvSpPr>
+            <p:spPr>
+              <a:xfrm>
+                <a:off x="2473825" y="2417650"/>
+                <a:ext cx="648800" cy="648800"/>
+              </a:xfrm>
+              <a:custGeom>
+                <a:avLst/>
+                <a:gdLst/>
+                <a:ahLst/>
+                <a:cxnLst/>
+                <a:rect l="l" t="t" r="r" b="b"/>
+                <a:pathLst>
+                  <a:path w="25952" h="25952" fill="none" extrusionOk="0">
+                    <a:moveTo>
+                      <a:pt x="25952" y="0"/>
+                    </a:moveTo>
+                    <a:lnTo>
+                      <a:pt x="1" y="25951"/>
+                    </a:lnTo>
+                  </a:path>
+                </a:pathLst>
+              </a:custGeom>
+              <a:noFill/>
+              <a:ln w="19050" cap="rnd" cmpd="sng">
+                <a:solidFill>
+                  <a:schemeClr val="lt2"/>
+                </a:solidFill>
+                <a:prstDash val="solid"/>
+                <a:miter lim="32519"/>
+                <a:headEnd type="none" w="sm" len="sm"/>
+                <a:tailEnd type="none" w="sm" len="sm"/>
+              </a:ln>
+            </p:spPr>
+            <p:txBody>
+              <a:bodyPr spcFirstLastPara="1" wrap="square" lIns="91425" tIns="91425" rIns="91425" bIns="91425" anchor="ctr" anchorCtr="0">
+                <a:noAutofit/>
+              </a:bodyPr>
+              <a:lstStyle/>
+              <a:p>
+                <a:pPr marL="0" lvl="0" indent="0" algn="l" rtl="0">
+                  <a:spcBef>
+                    <a:spcPts val="0"/>
+                  </a:spcBef>
+                  <a:spcAft>
+                    <a:spcPts val="0"/>
+                  </a:spcAft>
+                  <a:buNone/>
+                </a:pPr>
+                <a:endParaRPr>
+                  <a:latin typeface="Inter"/>
+                  <a:ea typeface="Inter"/>
+                  <a:cs typeface="Inter"/>
+                  <a:sym typeface="Inter"/>
+                </a:endParaRPr>
+              </a:p>
+            </p:txBody>
+          </p:sp>
+          <p:sp>
+            <p:nvSpPr>
+              <p:cNvPr id="1435" name="Google Shape;1435;p31"/>
+              <p:cNvSpPr/>
+              <p:nvPr/>
+            </p:nvSpPr>
+            <p:spPr>
+              <a:xfrm>
+                <a:off x="2730750" y="2674550"/>
+                <a:ext cx="300825" cy="300825"/>
+              </a:xfrm>
+              <a:custGeom>
+                <a:avLst/>
+                <a:gdLst/>
+                <a:ahLst/>
+                <a:cxnLst/>
+                <a:rect l="l" t="t" r="r" b="b"/>
+                <a:pathLst>
+                  <a:path w="12033" h="12033" fill="none" extrusionOk="0">
+                    <a:moveTo>
+                      <a:pt x="12032" y="1"/>
+                    </a:moveTo>
+                    <a:lnTo>
+                      <a:pt x="0" y="12033"/>
+                    </a:lnTo>
+                  </a:path>
+                </a:pathLst>
+              </a:custGeom>
+              <a:noFill/>
+              <a:ln w="19050" cap="rnd" cmpd="sng">
+                <a:solidFill>
+                  <a:schemeClr val="lt2"/>
+                </a:solidFill>
+                <a:prstDash val="solid"/>
+                <a:miter lim="32519"/>
+                <a:headEnd type="none" w="sm" len="sm"/>
+                <a:tailEnd type="none" w="sm" len="sm"/>
+              </a:ln>
+            </p:spPr>
+            <p:txBody>
+              <a:bodyPr spcFirstLastPara="1" wrap="square" lIns="91425" tIns="91425" rIns="91425" bIns="91425" anchor="ctr" anchorCtr="0">
+                <a:noAutofit/>
+              </a:bodyPr>
+              <a:lstStyle/>
+              <a:p>
+                <a:pPr marL="0" lvl="0" indent="0" algn="l" rtl="0">
+                  <a:spcBef>
+                    <a:spcPts val="0"/>
+                  </a:spcBef>
+                  <a:spcAft>
+                    <a:spcPts val="0"/>
+                  </a:spcAft>
+                  <a:buNone/>
+                </a:pPr>
+                <a:endParaRPr>
+                  <a:latin typeface="Inter"/>
+                  <a:ea typeface="Inter"/>
+                  <a:cs typeface="Inter"/>
+                  <a:sym typeface="Inter"/>
+                </a:endParaRPr>
+              </a:p>
+            </p:txBody>
+          </p:sp>
+        </p:grpSp>
+      </p:grpSp>
+    </p:spTree>
+    <p:extLst>
+      <p:ext uri="{BB962C8B-B14F-4D97-AF65-F5344CB8AC3E}">
+        <p14:creationId xmlns:p14="http://schemas.microsoft.com/office/powerpoint/2010/main" val="887688936"/>
+      </p:ext>
+    </p:extLst>
+  </p:cSld>
+  <p:clrMapOvr>
+    <a:masterClrMapping/>
+  </p:clrMapOvr>
+</p:sldLayout>
+</file>
+
 <file path=ppt/slideMasters/slideMaster1.xml><?xml version="1.0" encoding="utf-8"?>
 <p:sldMaster xmlns:a="http://schemas.openxmlformats.org/drawingml/2006/main" xmlns:r="http://schemas.openxmlformats.org/officeDocument/2006/relationships" xmlns:p="http://schemas.openxmlformats.org/presentationml/2006/main">
   <p:cSld name="simple-light-2">
@@ -23529,6 +27905,7 @@
     <p:sldLayoutId id="2147483684" r:id="rId6"/>
     <p:sldLayoutId id="2147483685" r:id="rId7"/>
     <p:sldLayoutId id="2147483686" r:id="rId8"/>
+    <p:sldLayoutId id="2147483687" r:id="rId9"/>
   </p:sldLayoutIdLst>
   <p:hf sldNum="0" hdr="0" ftr="0" dt="0"/>
   <p:txStyles>
@@ -38643,6 +43020,3548 @@
   <p:cSld>
     <p:spTree>
       <p:nvGrpSpPr>
+        <p:cNvPr id="1" name="Shape 2153"/>
+        <p:cNvGrpSpPr/>
+        <p:nvPr/>
+      </p:nvGrpSpPr>
+      <p:grpSpPr>
+        <a:xfrm>
+          <a:off x="0" y="0"/>
+          <a:ext cx="0" cy="0"/>
+          <a:chOff x="0" y="0"/>
+          <a:chExt cx="0" cy="0"/>
+        </a:xfrm>
+      </p:grpSpPr>
+      <p:sp>
+        <p:nvSpPr>
+          <p:cNvPr id="2154" name="Google Shape;2154;p51"/>
+          <p:cNvSpPr txBox="1">
+            <a:spLocks noGrp="1"/>
+          </p:cNvSpPr>
+          <p:nvPr>
+            <p:ph type="title"/>
+          </p:nvPr>
+        </p:nvSpPr>
+        <p:spPr>
+          <a:xfrm>
+            <a:off x="713225" y="520925"/>
+            <a:ext cx="7717500" cy="708000"/>
+          </a:xfrm>
+          <a:prstGeom prst="rect">
+            <a:avLst/>
+          </a:prstGeom>
+        </p:spPr>
+        <p:txBody>
+          <a:bodyPr spcFirstLastPara="1" wrap="square" lIns="91425" tIns="91425" rIns="91425" bIns="91425" anchor="t" anchorCtr="0">
+            <a:noAutofit/>
+          </a:bodyPr>
+          <a:lstStyle/>
+          <a:p>
+            <a:pPr marL="0" lvl="0" indent="0" algn="ctr" rtl="0">
+              <a:spcBef>
+                <a:spcPts val="0"/>
+              </a:spcBef>
+              <a:spcAft>
+                <a:spcPts val="0"/>
+              </a:spcAft>
+              <a:buNone/>
+            </a:pPr>
+            <a:r>
+              <a:rPr lang="en" dirty="0"/>
+              <a:t>ATIVIDADES DA SOLUÇÃO</a:t>
+            </a:r>
+            <a:endParaRPr dirty="0"/>
+          </a:p>
+        </p:txBody>
+      </p:sp>
+      <p:sp>
+        <p:nvSpPr>
+          <p:cNvPr id="2155" name="Google Shape;2155;p51"/>
+          <p:cNvSpPr txBox="1">
+            <a:spLocks noGrp="1"/>
+          </p:cNvSpPr>
+          <p:nvPr>
+            <p:ph type="subTitle" idx="1"/>
+          </p:nvPr>
+        </p:nvSpPr>
+        <p:spPr>
+          <a:xfrm>
+            <a:off x="1663725" y="1688607"/>
+            <a:ext cx="2536200" cy="615600"/>
+          </a:xfrm>
+          <a:prstGeom prst="rect">
+            <a:avLst/>
+          </a:prstGeom>
+        </p:spPr>
+        <p:txBody>
+          <a:bodyPr spcFirstLastPara="1" wrap="square" lIns="91425" tIns="91425" rIns="91425" bIns="91425" anchor="t" anchorCtr="0">
+            <a:noAutofit/>
+          </a:bodyPr>
+          <a:lstStyle/>
+          <a:p>
+            <a:pPr marL="0" lvl="0" indent="0" algn="l" rtl="0">
+              <a:spcBef>
+                <a:spcPts val="0"/>
+              </a:spcBef>
+              <a:spcAft>
+                <a:spcPts val="0"/>
+              </a:spcAft>
+              <a:buNone/>
+            </a:pPr>
+            <a:r>
+              <a:rPr lang="pt-BR" sz="1150" dirty="0"/>
+              <a:t>O</a:t>
+            </a:r>
+            <a:r>
+              <a:rPr lang="en" sz="1150" dirty="0"/>
+              <a:t> preço varia de acordo com o horário de compra pelo cliente.</a:t>
+            </a:r>
+            <a:endParaRPr sz="1150" dirty="0"/>
+          </a:p>
+        </p:txBody>
+      </p:sp>
+      <p:sp>
+        <p:nvSpPr>
+          <p:cNvPr id="2156" name="Google Shape;2156;p51"/>
+          <p:cNvSpPr txBox="1">
+            <a:spLocks noGrp="1"/>
+          </p:cNvSpPr>
+          <p:nvPr>
+            <p:ph type="subTitle" idx="2"/>
+          </p:nvPr>
+        </p:nvSpPr>
+        <p:spPr>
+          <a:xfrm>
+            <a:off x="1663725" y="1254975"/>
+            <a:ext cx="2536200" cy="554100"/>
+          </a:xfrm>
+          <a:prstGeom prst="rect">
+            <a:avLst/>
+          </a:prstGeom>
+        </p:spPr>
+        <p:txBody>
+          <a:bodyPr spcFirstLastPara="1" wrap="square" lIns="91425" tIns="91425" rIns="91425" bIns="91425" anchor="b" anchorCtr="0">
+            <a:noAutofit/>
+          </a:bodyPr>
+          <a:lstStyle/>
+          <a:p>
+            <a:pPr marL="0" lvl="0" indent="0" algn="l" rtl="0">
+              <a:spcBef>
+                <a:spcPts val="0"/>
+              </a:spcBef>
+              <a:spcAft>
+                <a:spcPts val="0"/>
+              </a:spcAft>
+              <a:buNone/>
+            </a:pPr>
+            <a:r>
+              <a:rPr lang="en" sz="2000" dirty="0"/>
+              <a:t>HORÁRIO</a:t>
+            </a:r>
+            <a:endParaRPr sz="2000" dirty="0"/>
+          </a:p>
+        </p:txBody>
+      </p:sp>
+      <p:sp>
+        <p:nvSpPr>
+          <p:cNvPr id="2157" name="Google Shape;2157;p51"/>
+          <p:cNvSpPr txBox="1">
+            <a:spLocks noGrp="1"/>
+          </p:cNvSpPr>
+          <p:nvPr>
+            <p:ph type="subTitle" idx="3"/>
+          </p:nvPr>
+        </p:nvSpPr>
+        <p:spPr>
+          <a:xfrm>
+            <a:off x="1663725" y="3992975"/>
+            <a:ext cx="2536200" cy="615600"/>
+          </a:xfrm>
+          <a:prstGeom prst="rect">
+            <a:avLst/>
+          </a:prstGeom>
+        </p:spPr>
+        <p:txBody>
+          <a:bodyPr spcFirstLastPara="1" wrap="square" lIns="91425" tIns="91425" rIns="91425" bIns="91425" anchor="t" anchorCtr="0">
+            <a:noAutofit/>
+          </a:bodyPr>
+          <a:lstStyle/>
+          <a:p>
+            <a:pPr marL="0" lvl="0" indent="0" algn="l" rtl="0">
+              <a:spcBef>
+                <a:spcPts val="0"/>
+              </a:spcBef>
+              <a:spcAft>
+                <a:spcPts val="0"/>
+              </a:spcAft>
+              <a:buNone/>
+            </a:pPr>
+            <a:r>
+              <a:rPr lang="en" sz="1150" dirty="0"/>
+              <a:t>O preço varia de acordo com o clima de onde a pessoa está.</a:t>
+            </a:r>
+            <a:endParaRPr sz="1150" dirty="0"/>
+          </a:p>
+        </p:txBody>
+      </p:sp>
+      <p:sp>
+        <p:nvSpPr>
+          <p:cNvPr id="2158" name="Google Shape;2158;p51"/>
+          <p:cNvSpPr txBox="1">
+            <a:spLocks noGrp="1"/>
+          </p:cNvSpPr>
+          <p:nvPr>
+            <p:ph type="subTitle" idx="4"/>
+          </p:nvPr>
+        </p:nvSpPr>
+        <p:spPr>
+          <a:xfrm>
+            <a:off x="1663725" y="3544475"/>
+            <a:ext cx="2536200" cy="554100"/>
+          </a:xfrm>
+          <a:prstGeom prst="rect">
+            <a:avLst/>
+          </a:prstGeom>
+        </p:spPr>
+        <p:txBody>
+          <a:bodyPr spcFirstLastPara="1" wrap="square" lIns="91425" tIns="91425" rIns="91425" bIns="91425" anchor="b" anchorCtr="0">
+            <a:noAutofit/>
+          </a:bodyPr>
+          <a:lstStyle/>
+          <a:p>
+            <a:pPr marL="0" lvl="0" indent="0" algn="l" rtl="0">
+              <a:spcBef>
+                <a:spcPts val="0"/>
+              </a:spcBef>
+              <a:spcAft>
+                <a:spcPts val="0"/>
+              </a:spcAft>
+              <a:buNone/>
+            </a:pPr>
+            <a:r>
+              <a:rPr lang="en" sz="2000" dirty="0"/>
+              <a:t>CLIMA</a:t>
+            </a:r>
+            <a:endParaRPr sz="2000" dirty="0"/>
+          </a:p>
+        </p:txBody>
+      </p:sp>
+      <p:sp>
+        <p:nvSpPr>
+          <p:cNvPr id="2159" name="Google Shape;2159;p51"/>
+          <p:cNvSpPr txBox="1">
+            <a:spLocks noGrp="1"/>
+          </p:cNvSpPr>
+          <p:nvPr>
+            <p:ph type="subTitle" idx="5"/>
+          </p:nvPr>
+        </p:nvSpPr>
+        <p:spPr>
+          <a:xfrm>
+            <a:off x="1663724" y="2848225"/>
+            <a:ext cx="2690573" cy="615600"/>
+          </a:xfrm>
+          <a:prstGeom prst="rect">
+            <a:avLst/>
+          </a:prstGeom>
+        </p:spPr>
+        <p:txBody>
+          <a:bodyPr spcFirstLastPara="1" wrap="square" lIns="91425" tIns="91425" rIns="91425" bIns="91425" anchor="t" anchorCtr="0">
+            <a:noAutofit/>
+          </a:bodyPr>
+          <a:lstStyle/>
+          <a:p>
+            <a:pPr marL="0" lvl="0" indent="0" algn="l" rtl="0">
+              <a:spcBef>
+                <a:spcPts val="0"/>
+              </a:spcBef>
+              <a:spcAft>
+                <a:spcPts val="0"/>
+              </a:spcAft>
+              <a:buNone/>
+            </a:pPr>
+            <a:r>
+              <a:rPr lang="en" dirty="0"/>
+              <a:t>O preço varia de acordo com a localização do cliente.</a:t>
+            </a:r>
+            <a:endParaRPr dirty="0"/>
+          </a:p>
+        </p:txBody>
+      </p:sp>
+      <p:sp>
+        <p:nvSpPr>
+          <p:cNvPr id="2160" name="Google Shape;2160;p51"/>
+          <p:cNvSpPr txBox="1">
+            <a:spLocks noGrp="1"/>
+          </p:cNvSpPr>
+          <p:nvPr>
+            <p:ph type="subTitle" idx="6"/>
+          </p:nvPr>
+        </p:nvSpPr>
+        <p:spPr>
+          <a:xfrm>
+            <a:off x="1663725" y="2399725"/>
+            <a:ext cx="2536200" cy="554100"/>
+          </a:xfrm>
+          <a:prstGeom prst="rect">
+            <a:avLst/>
+          </a:prstGeom>
+        </p:spPr>
+        <p:txBody>
+          <a:bodyPr spcFirstLastPara="1" wrap="square" lIns="91425" tIns="91425" rIns="91425" bIns="91425" anchor="b" anchorCtr="0">
+            <a:noAutofit/>
+          </a:bodyPr>
+          <a:lstStyle/>
+          <a:p>
+            <a:pPr marL="0" lvl="0" indent="0" algn="l" rtl="0">
+              <a:spcBef>
+                <a:spcPts val="0"/>
+              </a:spcBef>
+              <a:spcAft>
+                <a:spcPts val="0"/>
+              </a:spcAft>
+              <a:buNone/>
+            </a:pPr>
+            <a:r>
+              <a:rPr lang="en" sz="2000" dirty="0"/>
+              <a:t>LOCALIZAÇÃO</a:t>
+            </a:r>
+            <a:endParaRPr sz="2000" dirty="0"/>
+          </a:p>
+        </p:txBody>
+      </p:sp>
+      <p:sp>
+        <p:nvSpPr>
+          <p:cNvPr id="2161" name="Google Shape;2161;p51"/>
+          <p:cNvSpPr txBox="1">
+            <a:spLocks noGrp="1"/>
+          </p:cNvSpPr>
+          <p:nvPr>
+            <p:ph type="subTitle" idx="7"/>
+          </p:nvPr>
+        </p:nvSpPr>
+        <p:spPr>
+          <a:xfrm>
+            <a:off x="5836925" y="2216432"/>
+            <a:ext cx="2536200" cy="615600"/>
+          </a:xfrm>
+          <a:prstGeom prst="rect">
+            <a:avLst/>
+          </a:prstGeom>
+        </p:spPr>
+        <p:txBody>
+          <a:bodyPr spcFirstLastPara="1" wrap="square" lIns="91425" tIns="91425" rIns="91425" bIns="91425" anchor="t" anchorCtr="0">
+            <a:noAutofit/>
+          </a:bodyPr>
+          <a:lstStyle/>
+          <a:p>
+            <a:pPr marL="0" lvl="0" indent="0" algn="l" rtl="0">
+              <a:spcBef>
+                <a:spcPts val="0"/>
+              </a:spcBef>
+              <a:spcAft>
+                <a:spcPts val="0"/>
+              </a:spcAft>
+              <a:buNone/>
+            </a:pPr>
+            <a:r>
+              <a:rPr lang="en" sz="1150" dirty="0"/>
+              <a:t>O preço varia de acordo com a quantidade de vezes que alguém procurou por um produto.</a:t>
+            </a:r>
+            <a:endParaRPr sz="1150" dirty="0"/>
+          </a:p>
+        </p:txBody>
+      </p:sp>
+      <p:sp>
+        <p:nvSpPr>
+          <p:cNvPr id="2162" name="Google Shape;2162;p51"/>
+          <p:cNvSpPr txBox="1">
+            <a:spLocks noGrp="1"/>
+          </p:cNvSpPr>
+          <p:nvPr>
+            <p:ph type="subTitle" idx="8"/>
+          </p:nvPr>
+        </p:nvSpPr>
+        <p:spPr>
+          <a:xfrm>
+            <a:off x="5836925" y="1782802"/>
+            <a:ext cx="2536200" cy="554100"/>
+          </a:xfrm>
+          <a:prstGeom prst="rect">
+            <a:avLst/>
+          </a:prstGeom>
+        </p:spPr>
+        <p:txBody>
+          <a:bodyPr spcFirstLastPara="1" wrap="square" lIns="91425" tIns="91425" rIns="91425" bIns="91425" anchor="b" anchorCtr="0">
+            <a:noAutofit/>
+          </a:bodyPr>
+          <a:lstStyle/>
+          <a:p>
+            <a:pPr marL="0" lvl="0" indent="0" algn="l" rtl="0">
+              <a:spcBef>
+                <a:spcPts val="0"/>
+              </a:spcBef>
+              <a:spcAft>
+                <a:spcPts val="0"/>
+              </a:spcAft>
+              <a:buNone/>
+            </a:pPr>
+            <a:r>
+              <a:rPr lang="en" sz="2000" dirty="0"/>
+              <a:t>PROCURA</a:t>
+            </a:r>
+            <a:endParaRPr sz="2000" dirty="0"/>
+          </a:p>
+        </p:txBody>
+      </p:sp>
+      <p:sp>
+        <p:nvSpPr>
+          <p:cNvPr id="2165" name="Google Shape;2165;p51"/>
+          <p:cNvSpPr txBox="1">
+            <a:spLocks noGrp="1"/>
+          </p:cNvSpPr>
+          <p:nvPr>
+            <p:ph type="subTitle" idx="14"/>
+          </p:nvPr>
+        </p:nvSpPr>
+        <p:spPr>
+          <a:xfrm>
+            <a:off x="5836925" y="3442956"/>
+            <a:ext cx="2593800" cy="615600"/>
+          </a:xfrm>
+          <a:prstGeom prst="rect">
+            <a:avLst/>
+          </a:prstGeom>
+        </p:spPr>
+        <p:txBody>
+          <a:bodyPr spcFirstLastPara="1" wrap="square" lIns="91425" tIns="91425" rIns="91425" bIns="91425" anchor="t" anchorCtr="0">
+            <a:noAutofit/>
+          </a:bodyPr>
+          <a:lstStyle/>
+          <a:p>
+            <a:pPr marL="0" lvl="0" indent="0" algn="l" rtl="0">
+              <a:spcBef>
+                <a:spcPts val="0"/>
+              </a:spcBef>
+              <a:spcAft>
+                <a:spcPts val="0"/>
+              </a:spcAft>
+              <a:buNone/>
+            </a:pPr>
+            <a:r>
+              <a:rPr lang="pt-BR" sz="1150" dirty="0"/>
+              <a:t>O preço varia de acordo com a oferta e demanda de determinado produto.</a:t>
+            </a:r>
+          </a:p>
+        </p:txBody>
+      </p:sp>
+      <p:sp>
+        <p:nvSpPr>
+          <p:cNvPr id="2166" name="Google Shape;2166;p51"/>
+          <p:cNvSpPr txBox="1">
+            <a:spLocks noGrp="1"/>
+          </p:cNvSpPr>
+          <p:nvPr>
+            <p:ph type="subTitle" idx="15"/>
+          </p:nvPr>
+        </p:nvSpPr>
+        <p:spPr>
+          <a:xfrm>
+            <a:off x="5836925" y="2979586"/>
+            <a:ext cx="2536200" cy="554100"/>
+          </a:xfrm>
+          <a:prstGeom prst="rect">
+            <a:avLst/>
+          </a:prstGeom>
+        </p:spPr>
+        <p:txBody>
+          <a:bodyPr spcFirstLastPara="1" wrap="square" lIns="91425" tIns="91425" rIns="91425" bIns="91425" anchor="b" anchorCtr="0">
+            <a:noAutofit/>
+          </a:bodyPr>
+          <a:lstStyle/>
+          <a:p>
+            <a:pPr marL="0" lvl="0" indent="0" algn="l" rtl="0">
+              <a:spcBef>
+                <a:spcPts val="0"/>
+              </a:spcBef>
+              <a:spcAft>
+                <a:spcPts val="0"/>
+              </a:spcAft>
+              <a:buNone/>
+            </a:pPr>
+            <a:r>
+              <a:rPr lang="en" sz="2000" dirty="0"/>
+              <a:t>DEMANDA</a:t>
+            </a:r>
+            <a:endParaRPr sz="2000" dirty="0"/>
+          </a:p>
+        </p:txBody>
+      </p:sp>
+      <p:cxnSp>
+        <p:nvCxnSpPr>
+          <p:cNvPr id="2167" name="Google Shape;2167;p51"/>
+          <p:cNvCxnSpPr/>
+          <p:nvPr/>
+        </p:nvCxnSpPr>
+        <p:spPr>
+          <a:xfrm>
+            <a:off x="887250" y="2180563"/>
+            <a:ext cx="699600" cy="0"/>
+          </a:xfrm>
+          <a:prstGeom prst="straightConnector1">
+            <a:avLst/>
+          </a:prstGeom>
+          <a:noFill/>
+          <a:ln w="28575" cap="flat" cmpd="sng">
+            <a:solidFill>
+              <a:schemeClr val="dk1"/>
+            </a:solidFill>
+            <a:prstDash val="solid"/>
+            <a:round/>
+            <a:headEnd type="none" w="med" len="med"/>
+            <a:tailEnd type="none" w="med" len="med"/>
+          </a:ln>
+        </p:spPr>
+      </p:cxnSp>
+      <p:cxnSp>
+        <p:nvCxnSpPr>
+          <p:cNvPr id="2168" name="Google Shape;2168;p51"/>
+          <p:cNvCxnSpPr/>
+          <p:nvPr/>
+        </p:nvCxnSpPr>
+        <p:spPr>
+          <a:xfrm>
+            <a:off x="5060450" y="2700954"/>
+            <a:ext cx="699600" cy="0"/>
+          </a:xfrm>
+          <a:prstGeom prst="straightConnector1">
+            <a:avLst/>
+          </a:prstGeom>
+          <a:noFill/>
+          <a:ln w="28575" cap="flat" cmpd="sng">
+            <a:solidFill>
+              <a:schemeClr val="dk1"/>
+            </a:solidFill>
+            <a:prstDash val="solid"/>
+            <a:round/>
+            <a:headEnd type="none" w="med" len="med"/>
+            <a:tailEnd type="none" w="med" len="med"/>
+          </a:ln>
+        </p:spPr>
+      </p:cxnSp>
+      <p:cxnSp>
+        <p:nvCxnSpPr>
+          <p:cNvPr id="2169" name="Google Shape;2169;p51"/>
+          <p:cNvCxnSpPr/>
+          <p:nvPr/>
+        </p:nvCxnSpPr>
+        <p:spPr>
+          <a:xfrm>
+            <a:off x="887250" y="4465788"/>
+            <a:ext cx="699600" cy="0"/>
+          </a:xfrm>
+          <a:prstGeom prst="straightConnector1">
+            <a:avLst/>
+          </a:prstGeom>
+          <a:noFill/>
+          <a:ln w="28575" cap="flat" cmpd="sng">
+            <a:solidFill>
+              <a:schemeClr val="dk1"/>
+            </a:solidFill>
+            <a:prstDash val="solid"/>
+            <a:round/>
+            <a:headEnd type="none" w="med" len="med"/>
+            <a:tailEnd type="none" w="med" len="med"/>
+          </a:ln>
+        </p:spPr>
+      </p:cxnSp>
+      <p:cxnSp>
+        <p:nvCxnSpPr>
+          <p:cNvPr id="2171" name="Google Shape;2171;p51"/>
+          <p:cNvCxnSpPr/>
+          <p:nvPr/>
+        </p:nvCxnSpPr>
+        <p:spPr>
+          <a:xfrm>
+            <a:off x="887250" y="3323175"/>
+            <a:ext cx="699600" cy="0"/>
+          </a:xfrm>
+          <a:prstGeom prst="straightConnector1">
+            <a:avLst/>
+          </a:prstGeom>
+          <a:noFill/>
+          <a:ln w="28575" cap="flat" cmpd="sng">
+            <a:solidFill>
+              <a:schemeClr val="dk1"/>
+            </a:solidFill>
+            <a:prstDash val="solid"/>
+            <a:round/>
+            <a:headEnd type="none" w="med" len="med"/>
+            <a:tailEnd type="none" w="med" len="med"/>
+          </a:ln>
+        </p:spPr>
+      </p:cxnSp>
+      <p:cxnSp>
+        <p:nvCxnSpPr>
+          <p:cNvPr id="2172" name="Google Shape;2172;p51"/>
+          <p:cNvCxnSpPr/>
+          <p:nvPr/>
+        </p:nvCxnSpPr>
+        <p:spPr>
+          <a:xfrm>
+            <a:off x="5060450" y="3925339"/>
+            <a:ext cx="699600" cy="0"/>
+          </a:xfrm>
+          <a:prstGeom prst="straightConnector1">
+            <a:avLst/>
+          </a:prstGeom>
+          <a:noFill/>
+          <a:ln w="28575" cap="flat" cmpd="sng">
+            <a:solidFill>
+              <a:schemeClr val="dk1"/>
+            </a:solidFill>
+            <a:prstDash val="solid"/>
+            <a:round/>
+            <a:headEnd type="none" w="med" len="med"/>
+            <a:tailEnd type="none" w="med" len="med"/>
+          </a:ln>
+        </p:spPr>
+      </p:cxnSp>
+      <p:grpSp>
+        <p:nvGrpSpPr>
+          <p:cNvPr id="2173" name="Google Shape;2173;p51"/>
+          <p:cNvGrpSpPr/>
+          <p:nvPr/>
+        </p:nvGrpSpPr>
+        <p:grpSpPr>
+          <a:xfrm>
+            <a:off x="951147" y="1423987"/>
+            <a:ext cx="571788" cy="612654"/>
+            <a:chOff x="-3587632" y="1249394"/>
+            <a:chExt cx="388126" cy="413425"/>
+          </a:xfrm>
+        </p:grpSpPr>
+        <p:sp>
+          <p:nvSpPr>
+            <p:cNvPr id="2174" name="Google Shape;2174;p51"/>
+            <p:cNvSpPr/>
+            <p:nvPr/>
+          </p:nvSpPr>
+          <p:spPr>
+            <a:xfrm>
+              <a:off x="-3393959" y="1249394"/>
+              <a:ext cx="24518" cy="23737"/>
+            </a:xfrm>
+            <a:custGeom>
+              <a:avLst/>
+              <a:gdLst/>
+              <a:ahLst/>
+              <a:cxnLst/>
+              <a:rect l="l" t="t" r="r" b="b"/>
+              <a:pathLst>
+                <a:path w="785" h="760" extrusionOk="0">
+                  <a:moveTo>
+                    <a:pt x="0" y="0"/>
+                  </a:moveTo>
+                  <a:lnTo>
+                    <a:pt x="0" y="760"/>
+                  </a:lnTo>
+                  <a:lnTo>
+                    <a:pt x="785" y="760"/>
+                  </a:lnTo>
+                  <a:lnTo>
+                    <a:pt x="785" y="0"/>
+                  </a:lnTo>
+                  <a:close/>
+                </a:path>
+              </a:pathLst>
+            </a:custGeom>
+            <a:solidFill>
+              <a:schemeClr val="lt2"/>
+            </a:solidFill>
+            <a:ln>
+              <a:noFill/>
+            </a:ln>
+          </p:spPr>
+          <p:txBody>
+            <a:bodyPr spcFirstLastPara="1" wrap="square" lIns="91425" tIns="91425" rIns="91425" bIns="91425" anchor="ctr" anchorCtr="0">
+              <a:noAutofit/>
+            </a:bodyPr>
+            <a:lstStyle/>
+            <a:p>
+              <a:pPr marL="0" lvl="0" indent="0" algn="l" rtl="0">
+                <a:spcBef>
+                  <a:spcPts val="0"/>
+                </a:spcBef>
+                <a:spcAft>
+                  <a:spcPts val="0"/>
+                </a:spcAft>
+                <a:buNone/>
+              </a:pPr>
+              <a:endParaRPr/>
+            </a:p>
+          </p:txBody>
+        </p:sp>
+        <p:sp>
+          <p:nvSpPr>
+            <p:cNvPr id="2175" name="Google Shape;2175;p51"/>
+            <p:cNvSpPr/>
+            <p:nvPr/>
+          </p:nvSpPr>
+          <p:spPr>
+            <a:xfrm>
+              <a:off x="-3417696" y="1639082"/>
+              <a:ext cx="23768" cy="23737"/>
+            </a:xfrm>
+            <a:custGeom>
+              <a:avLst/>
+              <a:gdLst/>
+              <a:ahLst/>
+              <a:cxnLst/>
+              <a:rect l="l" t="t" r="r" b="b"/>
+              <a:pathLst>
+                <a:path w="761" h="760" extrusionOk="0">
+                  <a:moveTo>
+                    <a:pt x="1" y="0"/>
+                  </a:moveTo>
+                  <a:lnTo>
+                    <a:pt x="1" y="759"/>
+                  </a:lnTo>
+                  <a:lnTo>
+                    <a:pt x="760" y="759"/>
+                  </a:lnTo>
+                  <a:lnTo>
+                    <a:pt x="760" y="0"/>
+                  </a:lnTo>
+                  <a:close/>
+                </a:path>
+              </a:pathLst>
+            </a:custGeom>
+            <a:solidFill>
+              <a:schemeClr val="lt2"/>
+            </a:solidFill>
+            <a:ln>
+              <a:noFill/>
+            </a:ln>
+          </p:spPr>
+          <p:txBody>
+            <a:bodyPr spcFirstLastPara="1" wrap="square" lIns="91425" tIns="91425" rIns="91425" bIns="91425" anchor="ctr" anchorCtr="0">
+              <a:noAutofit/>
+            </a:bodyPr>
+            <a:lstStyle/>
+            <a:p>
+              <a:pPr marL="0" lvl="0" indent="0" algn="l" rtl="0">
+                <a:spcBef>
+                  <a:spcPts val="0"/>
+                </a:spcBef>
+                <a:spcAft>
+                  <a:spcPts val="0"/>
+                </a:spcAft>
+                <a:buNone/>
+              </a:pPr>
+              <a:endParaRPr/>
+            </a:p>
+          </p:txBody>
+        </p:sp>
+        <p:sp>
+          <p:nvSpPr>
+            <p:cNvPr id="2176" name="Google Shape;2176;p51"/>
+            <p:cNvSpPr/>
+            <p:nvPr/>
+          </p:nvSpPr>
+          <p:spPr>
+            <a:xfrm>
+              <a:off x="-3466700" y="1639082"/>
+              <a:ext cx="24549" cy="23737"/>
+            </a:xfrm>
+            <a:custGeom>
+              <a:avLst/>
+              <a:gdLst/>
+              <a:ahLst/>
+              <a:cxnLst/>
+              <a:rect l="l" t="t" r="r" b="b"/>
+              <a:pathLst>
+                <a:path w="786" h="760" extrusionOk="0">
+                  <a:moveTo>
+                    <a:pt x="1" y="0"/>
+                  </a:moveTo>
+                  <a:lnTo>
+                    <a:pt x="1" y="759"/>
+                  </a:lnTo>
+                  <a:lnTo>
+                    <a:pt x="785" y="759"/>
+                  </a:lnTo>
+                  <a:lnTo>
+                    <a:pt x="785" y="0"/>
+                  </a:lnTo>
+                  <a:close/>
+                </a:path>
+              </a:pathLst>
+            </a:custGeom>
+            <a:solidFill>
+              <a:schemeClr val="lt2"/>
+            </a:solidFill>
+            <a:ln>
+              <a:noFill/>
+            </a:ln>
+          </p:spPr>
+          <p:txBody>
+            <a:bodyPr spcFirstLastPara="1" wrap="square" lIns="91425" tIns="91425" rIns="91425" bIns="91425" anchor="ctr" anchorCtr="0">
+              <a:noAutofit/>
+            </a:bodyPr>
+            <a:lstStyle/>
+            <a:p>
+              <a:pPr marL="0" lvl="0" indent="0" algn="l" rtl="0">
+                <a:spcBef>
+                  <a:spcPts val="0"/>
+                </a:spcBef>
+                <a:spcAft>
+                  <a:spcPts val="0"/>
+                </a:spcAft>
+                <a:buNone/>
+              </a:pPr>
+              <a:endParaRPr/>
+            </a:p>
+          </p:txBody>
+        </p:sp>
+        <p:sp>
+          <p:nvSpPr>
+            <p:cNvPr id="2177" name="Google Shape;2177;p51"/>
+            <p:cNvSpPr/>
+            <p:nvPr/>
+          </p:nvSpPr>
+          <p:spPr>
+            <a:xfrm>
+              <a:off x="-3514891" y="1639082"/>
+              <a:ext cx="24518" cy="23737"/>
+            </a:xfrm>
+            <a:custGeom>
+              <a:avLst/>
+              <a:gdLst/>
+              <a:ahLst/>
+              <a:cxnLst/>
+              <a:rect l="l" t="t" r="r" b="b"/>
+              <a:pathLst>
+                <a:path w="785" h="760" extrusionOk="0">
+                  <a:moveTo>
+                    <a:pt x="0" y="0"/>
+                  </a:moveTo>
+                  <a:lnTo>
+                    <a:pt x="0" y="759"/>
+                  </a:lnTo>
+                  <a:lnTo>
+                    <a:pt x="785" y="759"/>
+                  </a:lnTo>
+                  <a:lnTo>
+                    <a:pt x="785" y="0"/>
+                  </a:lnTo>
+                  <a:close/>
+                </a:path>
+              </a:pathLst>
+            </a:custGeom>
+            <a:solidFill>
+              <a:schemeClr val="lt2"/>
+            </a:solidFill>
+            <a:ln>
+              <a:noFill/>
+            </a:ln>
+          </p:spPr>
+          <p:txBody>
+            <a:bodyPr spcFirstLastPara="1" wrap="square" lIns="91425" tIns="91425" rIns="91425" bIns="91425" anchor="ctr" anchorCtr="0">
+              <a:noAutofit/>
+            </a:bodyPr>
+            <a:lstStyle/>
+            <a:p>
+              <a:pPr marL="0" lvl="0" indent="0" algn="l" rtl="0">
+                <a:spcBef>
+                  <a:spcPts val="0"/>
+                </a:spcBef>
+                <a:spcAft>
+                  <a:spcPts val="0"/>
+                </a:spcAft>
+                <a:buNone/>
+              </a:pPr>
+              <a:endParaRPr/>
+            </a:p>
+          </p:txBody>
+        </p:sp>
+        <p:sp>
+          <p:nvSpPr>
+            <p:cNvPr id="2178" name="Google Shape;2178;p51"/>
+            <p:cNvSpPr/>
+            <p:nvPr/>
+          </p:nvSpPr>
+          <p:spPr>
+            <a:xfrm>
+              <a:off x="-3514891" y="1590047"/>
+              <a:ext cx="24518" cy="24549"/>
+            </a:xfrm>
+            <a:custGeom>
+              <a:avLst/>
+              <a:gdLst/>
+              <a:ahLst/>
+              <a:cxnLst/>
+              <a:rect l="l" t="t" r="r" b="b"/>
+              <a:pathLst>
+                <a:path w="785" h="786" extrusionOk="0">
+                  <a:moveTo>
+                    <a:pt x="0" y="1"/>
+                  </a:moveTo>
+                  <a:lnTo>
+                    <a:pt x="0" y="786"/>
+                  </a:lnTo>
+                  <a:lnTo>
+                    <a:pt x="785" y="786"/>
+                  </a:lnTo>
+                  <a:lnTo>
+                    <a:pt x="785" y="1"/>
+                  </a:lnTo>
+                  <a:close/>
+                </a:path>
+              </a:pathLst>
+            </a:custGeom>
+            <a:solidFill>
+              <a:schemeClr val="lt2"/>
+            </a:solidFill>
+            <a:ln>
+              <a:noFill/>
+            </a:ln>
+          </p:spPr>
+          <p:txBody>
+            <a:bodyPr spcFirstLastPara="1" wrap="square" lIns="91425" tIns="91425" rIns="91425" bIns="91425" anchor="ctr" anchorCtr="0">
+              <a:noAutofit/>
+            </a:bodyPr>
+            <a:lstStyle/>
+            <a:p>
+              <a:pPr marL="0" lvl="0" indent="0" algn="l" rtl="0">
+                <a:spcBef>
+                  <a:spcPts val="0"/>
+                </a:spcBef>
+                <a:spcAft>
+                  <a:spcPts val="0"/>
+                </a:spcAft>
+                <a:buNone/>
+              </a:pPr>
+              <a:endParaRPr/>
+            </a:p>
+          </p:txBody>
+        </p:sp>
+        <p:sp>
+          <p:nvSpPr>
+            <p:cNvPr id="2179" name="Google Shape;2179;p51"/>
+            <p:cNvSpPr/>
+            <p:nvPr/>
+          </p:nvSpPr>
+          <p:spPr>
+            <a:xfrm>
+              <a:off x="-3344955" y="1249394"/>
+              <a:ext cx="23737" cy="23737"/>
+            </a:xfrm>
+            <a:custGeom>
+              <a:avLst/>
+              <a:gdLst/>
+              <a:ahLst/>
+              <a:cxnLst/>
+              <a:rect l="l" t="t" r="r" b="b"/>
+              <a:pathLst>
+                <a:path w="760" h="760" extrusionOk="0">
+                  <a:moveTo>
+                    <a:pt x="0" y="0"/>
+                  </a:moveTo>
+                  <a:lnTo>
+                    <a:pt x="0" y="760"/>
+                  </a:lnTo>
+                  <a:lnTo>
+                    <a:pt x="760" y="760"/>
+                  </a:lnTo>
+                  <a:lnTo>
+                    <a:pt x="760" y="0"/>
+                  </a:lnTo>
+                  <a:close/>
+                </a:path>
+              </a:pathLst>
+            </a:custGeom>
+            <a:solidFill>
+              <a:schemeClr val="lt2"/>
+            </a:solidFill>
+            <a:ln>
+              <a:noFill/>
+            </a:ln>
+          </p:spPr>
+          <p:txBody>
+            <a:bodyPr spcFirstLastPara="1" wrap="square" lIns="91425" tIns="91425" rIns="91425" bIns="91425" anchor="ctr" anchorCtr="0">
+              <a:noAutofit/>
+            </a:bodyPr>
+            <a:lstStyle/>
+            <a:p>
+              <a:pPr marL="0" lvl="0" indent="0" algn="l" rtl="0">
+                <a:spcBef>
+                  <a:spcPts val="0"/>
+                </a:spcBef>
+                <a:spcAft>
+                  <a:spcPts val="0"/>
+                </a:spcAft>
+                <a:buNone/>
+              </a:pPr>
+              <a:endParaRPr/>
+            </a:p>
+          </p:txBody>
+        </p:sp>
+        <p:sp>
+          <p:nvSpPr>
+            <p:cNvPr id="2180" name="Google Shape;2180;p51"/>
+            <p:cNvSpPr/>
+            <p:nvPr/>
+          </p:nvSpPr>
+          <p:spPr>
+            <a:xfrm>
+              <a:off x="-3296732" y="1249394"/>
+              <a:ext cx="24518" cy="23737"/>
+            </a:xfrm>
+            <a:custGeom>
+              <a:avLst/>
+              <a:gdLst/>
+              <a:ahLst/>
+              <a:cxnLst/>
+              <a:rect l="l" t="t" r="r" b="b"/>
+              <a:pathLst>
+                <a:path w="785" h="760" extrusionOk="0">
+                  <a:moveTo>
+                    <a:pt x="0" y="0"/>
+                  </a:moveTo>
+                  <a:lnTo>
+                    <a:pt x="0" y="760"/>
+                  </a:lnTo>
+                  <a:lnTo>
+                    <a:pt x="785" y="760"/>
+                  </a:lnTo>
+                  <a:lnTo>
+                    <a:pt x="785" y="0"/>
+                  </a:lnTo>
+                  <a:close/>
+                </a:path>
+              </a:pathLst>
+            </a:custGeom>
+            <a:solidFill>
+              <a:schemeClr val="lt2"/>
+            </a:solidFill>
+            <a:ln>
+              <a:noFill/>
+            </a:ln>
+          </p:spPr>
+          <p:txBody>
+            <a:bodyPr spcFirstLastPara="1" wrap="square" lIns="91425" tIns="91425" rIns="91425" bIns="91425" anchor="ctr" anchorCtr="0">
+              <a:noAutofit/>
+            </a:bodyPr>
+            <a:lstStyle/>
+            <a:p>
+              <a:pPr marL="0" lvl="0" indent="0" algn="l" rtl="0">
+                <a:spcBef>
+                  <a:spcPts val="0"/>
+                </a:spcBef>
+                <a:spcAft>
+                  <a:spcPts val="0"/>
+                </a:spcAft>
+                <a:buNone/>
+              </a:pPr>
+              <a:endParaRPr/>
+            </a:p>
+          </p:txBody>
+        </p:sp>
+        <p:sp>
+          <p:nvSpPr>
+            <p:cNvPr id="2181" name="Google Shape;2181;p51"/>
+            <p:cNvSpPr/>
+            <p:nvPr/>
+          </p:nvSpPr>
+          <p:spPr>
+            <a:xfrm>
+              <a:off x="-3296732" y="1297617"/>
+              <a:ext cx="24518" cy="24518"/>
+            </a:xfrm>
+            <a:custGeom>
+              <a:avLst/>
+              <a:gdLst/>
+              <a:ahLst/>
+              <a:cxnLst/>
+              <a:rect l="l" t="t" r="r" b="b"/>
+              <a:pathLst>
+                <a:path w="785" h="785" extrusionOk="0">
+                  <a:moveTo>
+                    <a:pt x="0" y="0"/>
+                  </a:moveTo>
+                  <a:lnTo>
+                    <a:pt x="0" y="785"/>
+                  </a:lnTo>
+                  <a:lnTo>
+                    <a:pt x="785" y="785"/>
+                  </a:lnTo>
+                  <a:lnTo>
+                    <a:pt x="785" y="0"/>
+                  </a:lnTo>
+                  <a:close/>
+                </a:path>
+              </a:pathLst>
+            </a:custGeom>
+            <a:solidFill>
+              <a:schemeClr val="lt2"/>
+            </a:solidFill>
+            <a:ln>
+              <a:noFill/>
+            </a:ln>
+          </p:spPr>
+          <p:txBody>
+            <a:bodyPr spcFirstLastPara="1" wrap="square" lIns="91425" tIns="91425" rIns="91425" bIns="91425" anchor="ctr" anchorCtr="0">
+              <a:noAutofit/>
+            </a:bodyPr>
+            <a:lstStyle/>
+            <a:p>
+              <a:pPr marL="0" lvl="0" indent="0" algn="l" rtl="0">
+                <a:spcBef>
+                  <a:spcPts val="0"/>
+                </a:spcBef>
+                <a:spcAft>
+                  <a:spcPts val="0"/>
+                </a:spcAft>
+                <a:buNone/>
+              </a:pPr>
+              <a:endParaRPr/>
+            </a:p>
+          </p:txBody>
+        </p:sp>
+        <p:sp>
+          <p:nvSpPr>
+            <p:cNvPr id="2182" name="Google Shape;2182;p51"/>
+            <p:cNvSpPr/>
+            <p:nvPr/>
+          </p:nvSpPr>
+          <p:spPr>
+            <a:xfrm>
+              <a:off x="-3369473" y="1614565"/>
+              <a:ext cx="169967" cy="48254"/>
+            </a:xfrm>
+            <a:custGeom>
+              <a:avLst/>
+              <a:gdLst/>
+              <a:ahLst/>
+              <a:cxnLst/>
+              <a:rect l="l" t="t" r="r" b="b"/>
+              <a:pathLst>
+                <a:path w="5442" h="1545" extrusionOk="0">
+                  <a:moveTo>
+                    <a:pt x="1" y="1"/>
+                  </a:moveTo>
+                  <a:lnTo>
+                    <a:pt x="1" y="1544"/>
+                  </a:lnTo>
+                  <a:lnTo>
+                    <a:pt x="5442" y="1544"/>
+                  </a:lnTo>
+                  <a:lnTo>
+                    <a:pt x="5442" y="1"/>
+                  </a:lnTo>
+                  <a:close/>
+                </a:path>
+              </a:pathLst>
+            </a:custGeom>
+            <a:solidFill>
+              <a:schemeClr val="lt2"/>
+            </a:solidFill>
+            <a:ln>
+              <a:noFill/>
+            </a:ln>
+          </p:spPr>
+          <p:txBody>
+            <a:bodyPr spcFirstLastPara="1" wrap="square" lIns="91425" tIns="91425" rIns="91425" bIns="91425" anchor="ctr" anchorCtr="0">
+              <a:noAutofit/>
+            </a:bodyPr>
+            <a:lstStyle/>
+            <a:p>
+              <a:pPr marL="0" lvl="0" indent="0" algn="l" rtl="0">
+                <a:spcBef>
+                  <a:spcPts val="0"/>
+                </a:spcBef>
+                <a:spcAft>
+                  <a:spcPts val="0"/>
+                </a:spcAft>
+                <a:buNone/>
+              </a:pPr>
+              <a:endParaRPr/>
+            </a:p>
+          </p:txBody>
+        </p:sp>
+        <p:sp>
+          <p:nvSpPr>
+            <p:cNvPr id="2183" name="Google Shape;2183;p51"/>
+            <p:cNvSpPr/>
+            <p:nvPr/>
+          </p:nvSpPr>
+          <p:spPr>
+            <a:xfrm>
+              <a:off x="-3288831" y="1507062"/>
+              <a:ext cx="8714" cy="9526"/>
+            </a:xfrm>
+            <a:custGeom>
+              <a:avLst/>
+              <a:gdLst/>
+              <a:ahLst/>
+              <a:cxnLst/>
+              <a:rect l="l" t="t" r="r" b="b"/>
+              <a:pathLst>
+                <a:path w="279" h="305" extrusionOk="0">
+                  <a:moveTo>
+                    <a:pt x="152" y="1"/>
+                  </a:moveTo>
+                  <a:lnTo>
+                    <a:pt x="0" y="304"/>
+                  </a:lnTo>
+                  <a:lnTo>
+                    <a:pt x="279" y="304"/>
+                  </a:lnTo>
+                  <a:lnTo>
+                    <a:pt x="152" y="1"/>
+                  </a:lnTo>
+                  <a:close/>
+                </a:path>
+              </a:pathLst>
+            </a:custGeom>
+            <a:solidFill>
+              <a:schemeClr val="lt2"/>
+            </a:solidFill>
+            <a:ln>
+              <a:noFill/>
+            </a:ln>
+          </p:spPr>
+          <p:txBody>
+            <a:bodyPr spcFirstLastPara="1" wrap="square" lIns="91425" tIns="91425" rIns="91425" bIns="91425" anchor="ctr" anchorCtr="0">
+              <a:noAutofit/>
+            </a:bodyPr>
+            <a:lstStyle/>
+            <a:p>
+              <a:pPr marL="0" lvl="0" indent="0" algn="l" rtl="0">
+                <a:spcBef>
+                  <a:spcPts val="0"/>
+                </a:spcBef>
+                <a:spcAft>
+                  <a:spcPts val="0"/>
+                </a:spcAft>
+                <a:buNone/>
+              </a:pPr>
+              <a:endParaRPr/>
+            </a:p>
+          </p:txBody>
+        </p:sp>
+        <p:sp>
+          <p:nvSpPr>
+            <p:cNvPr id="2184" name="Google Shape;2184;p51"/>
+            <p:cNvSpPr/>
+            <p:nvPr/>
+          </p:nvSpPr>
+          <p:spPr>
+            <a:xfrm>
+              <a:off x="-3369473" y="1419330"/>
+              <a:ext cx="169967" cy="170748"/>
+            </a:xfrm>
+            <a:custGeom>
+              <a:avLst/>
+              <a:gdLst/>
+              <a:ahLst/>
+              <a:cxnLst/>
+              <a:rect l="l" t="t" r="r" b="b"/>
+              <a:pathLst>
+                <a:path w="5442" h="5467" extrusionOk="0">
+                  <a:moveTo>
+                    <a:pt x="2734" y="1089"/>
+                  </a:moveTo>
+                  <a:lnTo>
+                    <a:pt x="4126" y="3898"/>
+                  </a:lnTo>
+                  <a:lnTo>
+                    <a:pt x="1317" y="3898"/>
+                  </a:lnTo>
+                  <a:lnTo>
+                    <a:pt x="2734" y="1089"/>
+                  </a:lnTo>
+                  <a:close/>
+                  <a:moveTo>
+                    <a:pt x="1" y="1"/>
+                  </a:moveTo>
+                  <a:lnTo>
+                    <a:pt x="1" y="5467"/>
+                  </a:lnTo>
+                  <a:lnTo>
+                    <a:pt x="5442" y="5467"/>
+                  </a:lnTo>
+                  <a:lnTo>
+                    <a:pt x="5442" y="1"/>
+                  </a:lnTo>
+                  <a:close/>
+                </a:path>
+              </a:pathLst>
+            </a:custGeom>
+            <a:solidFill>
+              <a:schemeClr val="lt2"/>
+            </a:solidFill>
+            <a:ln>
+              <a:noFill/>
+            </a:ln>
+          </p:spPr>
+          <p:txBody>
+            <a:bodyPr spcFirstLastPara="1" wrap="square" lIns="91425" tIns="91425" rIns="91425" bIns="91425" anchor="ctr" anchorCtr="0">
+              <a:noAutofit/>
+            </a:bodyPr>
+            <a:lstStyle/>
+            <a:p>
+              <a:pPr marL="0" lvl="0" indent="0" algn="l" rtl="0">
+                <a:spcBef>
+                  <a:spcPts val="0"/>
+                </a:spcBef>
+                <a:spcAft>
+                  <a:spcPts val="0"/>
+                </a:spcAft>
+                <a:buNone/>
+              </a:pPr>
+              <a:endParaRPr/>
+            </a:p>
+          </p:txBody>
+        </p:sp>
+        <p:sp>
+          <p:nvSpPr>
+            <p:cNvPr id="2185" name="Google Shape;2185;p51"/>
+            <p:cNvSpPr/>
+            <p:nvPr/>
+          </p:nvSpPr>
+          <p:spPr>
+            <a:xfrm>
+              <a:off x="-3369473" y="1345809"/>
+              <a:ext cx="169967" cy="49847"/>
+            </a:xfrm>
+            <a:custGeom>
+              <a:avLst/>
+              <a:gdLst/>
+              <a:ahLst/>
+              <a:cxnLst/>
+              <a:rect l="l" t="t" r="r" b="b"/>
+              <a:pathLst>
+                <a:path w="5442" h="1596" extrusionOk="0">
+                  <a:moveTo>
+                    <a:pt x="1" y="1"/>
+                  </a:moveTo>
+                  <a:lnTo>
+                    <a:pt x="1" y="1595"/>
+                  </a:lnTo>
+                  <a:lnTo>
+                    <a:pt x="5442" y="1595"/>
+                  </a:lnTo>
+                  <a:lnTo>
+                    <a:pt x="5442" y="1"/>
+                  </a:lnTo>
+                  <a:close/>
+                </a:path>
+              </a:pathLst>
+            </a:custGeom>
+            <a:solidFill>
+              <a:schemeClr val="lt2"/>
+            </a:solidFill>
+            <a:ln>
+              <a:noFill/>
+            </a:ln>
+          </p:spPr>
+          <p:txBody>
+            <a:bodyPr spcFirstLastPara="1" wrap="square" lIns="91425" tIns="91425" rIns="91425" bIns="91425" anchor="ctr" anchorCtr="0">
+              <a:noAutofit/>
+            </a:bodyPr>
+            <a:lstStyle/>
+            <a:p>
+              <a:pPr marL="0" lvl="0" indent="0" algn="l" rtl="0">
+                <a:spcBef>
+                  <a:spcPts val="0"/>
+                </a:spcBef>
+                <a:spcAft>
+                  <a:spcPts val="0"/>
+                </a:spcAft>
+                <a:buNone/>
+              </a:pPr>
+              <a:endParaRPr/>
+            </a:p>
+          </p:txBody>
+        </p:sp>
+        <p:sp>
+          <p:nvSpPr>
+            <p:cNvPr id="2186" name="Google Shape;2186;p51"/>
+            <p:cNvSpPr/>
+            <p:nvPr/>
+          </p:nvSpPr>
+          <p:spPr>
+            <a:xfrm>
+              <a:off x="-3587632" y="1516557"/>
+              <a:ext cx="169967" cy="49816"/>
+            </a:xfrm>
+            <a:custGeom>
+              <a:avLst/>
+              <a:gdLst/>
+              <a:ahLst/>
+              <a:cxnLst/>
+              <a:rect l="l" t="t" r="r" b="b"/>
+              <a:pathLst>
+                <a:path w="5442" h="1595" extrusionOk="0">
+                  <a:moveTo>
+                    <a:pt x="1" y="0"/>
+                  </a:moveTo>
+                  <a:lnTo>
+                    <a:pt x="1" y="1595"/>
+                  </a:lnTo>
+                  <a:lnTo>
+                    <a:pt x="5442" y="1595"/>
+                  </a:lnTo>
+                  <a:lnTo>
+                    <a:pt x="5442" y="0"/>
+                  </a:lnTo>
+                  <a:close/>
+                </a:path>
+              </a:pathLst>
+            </a:custGeom>
+            <a:solidFill>
+              <a:schemeClr val="lt2"/>
+            </a:solidFill>
+            <a:ln>
+              <a:noFill/>
+            </a:ln>
+          </p:spPr>
+          <p:txBody>
+            <a:bodyPr spcFirstLastPara="1" wrap="square" lIns="91425" tIns="91425" rIns="91425" bIns="91425" anchor="ctr" anchorCtr="0">
+              <a:noAutofit/>
+            </a:bodyPr>
+            <a:lstStyle/>
+            <a:p>
+              <a:pPr marL="0" lvl="0" indent="0" algn="l" rtl="0">
+                <a:spcBef>
+                  <a:spcPts val="0"/>
+                </a:spcBef>
+                <a:spcAft>
+                  <a:spcPts val="0"/>
+                </a:spcAft>
+                <a:buNone/>
+              </a:pPr>
+              <a:endParaRPr/>
+            </a:p>
+          </p:txBody>
+        </p:sp>
+        <p:sp>
+          <p:nvSpPr>
+            <p:cNvPr id="2187" name="Google Shape;2187;p51"/>
+            <p:cNvSpPr/>
+            <p:nvPr/>
+          </p:nvSpPr>
+          <p:spPr>
+            <a:xfrm>
+              <a:off x="-3514891" y="1395625"/>
+              <a:ext cx="24518" cy="23737"/>
+            </a:xfrm>
+            <a:custGeom>
+              <a:avLst/>
+              <a:gdLst/>
+              <a:ahLst/>
+              <a:cxnLst/>
+              <a:rect l="l" t="t" r="r" b="b"/>
+              <a:pathLst>
+                <a:path w="785" h="760" extrusionOk="0">
+                  <a:moveTo>
+                    <a:pt x="380" y="0"/>
+                  </a:moveTo>
+                  <a:cubicBezTo>
+                    <a:pt x="177" y="0"/>
+                    <a:pt x="0" y="177"/>
+                    <a:pt x="0" y="380"/>
+                  </a:cubicBezTo>
+                  <a:cubicBezTo>
+                    <a:pt x="0" y="608"/>
+                    <a:pt x="177" y="760"/>
+                    <a:pt x="380" y="760"/>
+                  </a:cubicBezTo>
+                  <a:cubicBezTo>
+                    <a:pt x="607" y="760"/>
+                    <a:pt x="785" y="608"/>
+                    <a:pt x="785" y="380"/>
+                  </a:cubicBezTo>
+                  <a:cubicBezTo>
+                    <a:pt x="785" y="177"/>
+                    <a:pt x="607" y="0"/>
+                    <a:pt x="380" y="0"/>
+                  </a:cubicBezTo>
+                  <a:close/>
+                </a:path>
+              </a:pathLst>
+            </a:custGeom>
+            <a:solidFill>
+              <a:schemeClr val="lt2"/>
+            </a:solidFill>
+            <a:ln>
+              <a:noFill/>
+            </a:ln>
+          </p:spPr>
+          <p:txBody>
+            <a:bodyPr spcFirstLastPara="1" wrap="square" lIns="91425" tIns="91425" rIns="91425" bIns="91425" anchor="ctr" anchorCtr="0">
+              <a:noAutofit/>
+            </a:bodyPr>
+            <a:lstStyle/>
+            <a:p>
+              <a:pPr marL="0" lvl="0" indent="0" algn="l" rtl="0">
+                <a:spcBef>
+                  <a:spcPts val="0"/>
+                </a:spcBef>
+                <a:spcAft>
+                  <a:spcPts val="0"/>
+                </a:spcAft>
+                <a:buNone/>
+              </a:pPr>
+              <a:endParaRPr/>
+            </a:p>
+          </p:txBody>
+        </p:sp>
+        <p:sp>
+          <p:nvSpPr>
+            <p:cNvPr id="2188" name="Google Shape;2188;p51"/>
+            <p:cNvSpPr/>
+            <p:nvPr/>
+          </p:nvSpPr>
+          <p:spPr>
+            <a:xfrm>
+              <a:off x="-3587632" y="1322103"/>
+              <a:ext cx="169967" cy="170779"/>
+            </a:xfrm>
+            <a:custGeom>
+              <a:avLst/>
+              <a:gdLst/>
+              <a:ahLst/>
+              <a:cxnLst/>
+              <a:rect l="l" t="t" r="r" b="b"/>
+              <a:pathLst>
+                <a:path w="5442" h="5468" extrusionOk="0">
+                  <a:moveTo>
+                    <a:pt x="2709" y="1570"/>
+                  </a:moveTo>
+                  <a:cubicBezTo>
+                    <a:pt x="3367" y="1570"/>
+                    <a:pt x="3873" y="2101"/>
+                    <a:pt x="3873" y="2734"/>
+                  </a:cubicBezTo>
+                  <a:cubicBezTo>
+                    <a:pt x="3873" y="3367"/>
+                    <a:pt x="3367" y="3898"/>
+                    <a:pt x="2709" y="3898"/>
+                  </a:cubicBezTo>
+                  <a:cubicBezTo>
+                    <a:pt x="2076" y="3898"/>
+                    <a:pt x="1545" y="3367"/>
+                    <a:pt x="1545" y="2734"/>
+                  </a:cubicBezTo>
+                  <a:cubicBezTo>
+                    <a:pt x="1545" y="2101"/>
+                    <a:pt x="2076" y="1570"/>
+                    <a:pt x="2709" y="1570"/>
+                  </a:cubicBezTo>
+                  <a:close/>
+                  <a:moveTo>
+                    <a:pt x="1" y="1"/>
+                  </a:moveTo>
+                  <a:lnTo>
+                    <a:pt x="1" y="5467"/>
+                  </a:lnTo>
+                  <a:lnTo>
+                    <a:pt x="5442" y="5467"/>
+                  </a:lnTo>
+                  <a:lnTo>
+                    <a:pt x="5442" y="1"/>
+                  </a:lnTo>
+                  <a:close/>
+                </a:path>
+              </a:pathLst>
+            </a:custGeom>
+            <a:solidFill>
+              <a:schemeClr val="lt2"/>
+            </a:solidFill>
+            <a:ln>
+              <a:noFill/>
+            </a:ln>
+          </p:spPr>
+          <p:txBody>
+            <a:bodyPr spcFirstLastPara="1" wrap="square" lIns="91425" tIns="91425" rIns="91425" bIns="91425" anchor="ctr" anchorCtr="0">
+              <a:noAutofit/>
+            </a:bodyPr>
+            <a:lstStyle/>
+            <a:p>
+              <a:pPr marL="0" lvl="0" indent="0" algn="l" rtl="0">
+                <a:spcBef>
+                  <a:spcPts val="0"/>
+                </a:spcBef>
+                <a:spcAft>
+                  <a:spcPts val="0"/>
+                </a:spcAft>
+                <a:buNone/>
+              </a:pPr>
+              <a:endParaRPr/>
+            </a:p>
+          </p:txBody>
+        </p:sp>
+        <p:sp>
+          <p:nvSpPr>
+            <p:cNvPr id="2189" name="Google Shape;2189;p51"/>
+            <p:cNvSpPr/>
+            <p:nvPr/>
+          </p:nvSpPr>
+          <p:spPr>
+            <a:xfrm>
+              <a:off x="-3587632" y="1249394"/>
+              <a:ext cx="169967" cy="48254"/>
+            </a:xfrm>
+            <a:custGeom>
+              <a:avLst/>
+              <a:gdLst/>
+              <a:ahLst/>
+              <a:cxnLst/>
+              <a:rect l="l" t="t" r="r" b="b"/>
+              <a:pathLst>
+                <a:path w="5442" h="1545" extrusionOk="0">
+                  <a:moveTo>
+                    <a:pt x="1" y="0"/>
+                  </a:moveTo>
+                  <a:lnTo>
+                    <a:pt x="1" y="1544"/>
+                  </a:lnTo>
+                  <a:lnTo>
+                    <a:pt x="5442" y="1544"/>
+                  </a:lnTo>
+                  <a:lnTo>
+                    <a:pt x="5442" y="0"/>
+                  </a:lnTo>
+                  <a:close/>
+                </a:path>
+              </a:pathLst>
+            </a:custGeom>
+            <a:solidFill>
+              <a:schemeClr val="lt2"/>
+            </a:solidFill>
+            <a:ln>
+              <a:noFill/>
+            </a:ln>
+          </p:spPr>
+          <p:txBody>
+            <a:bodyPr spcFirstLastPara="1" wrap="square" lIns="91425" tIns="91425" rIns="91425" bIns="91425" anchor="ctr" anchorCtr="0">
+              <a:noAutofit/>
+            </a:bodyPr>
+            <a:lstStyle/>
+            <a:p>
+              <a:pPr marL="0" lvl="0" indent="0" algn="l" rtl="0">
+                <a:spcBef>
+                  <a:spcPts val="0"/>
+                </a:spcBef>
+                <a:spcAft>
+                  <a:spcPts val="0"/>
+                </a:spcAft>
+                <a:buNone/>
+              </a:pPr>
+              <a:endParaRPr/>
+            </a:p>
+          </p:txBody>
+        </p:sp>
+      </p:grpSp>
+      <p:grpSp>
+        <p:nvGrpSpPr>
+          <p:cNvPr id="2190" name="Google Shape;2190;p51"/>
+          <p:cNvGrpSpPr/>
+          <p:nvPr/>
+        </p:nvGrpSpPr>
+        <p:grpSpPr>
+          <a:xfrm>
+            <a:off x="930715" y="2566599"/>
+            <a:ext cx="612651" cy="612651"/>
+            <a:chOff x="-2107149" y="1267572"/>
+            <a:chExt cx="414205" cy="414205"/>
+          </a:xfrm>
+        </p:grpSpPr>
+        <p:sp>
+          <p:nvSpPr>
+            <p:cNvPr id="2191" name="Google Shape;2191;p51"/>
+            <p:cNvSpPr/>
+            <p:nvPr/>
+          </p:nvSpPr>
+          <p:spPr>
+            <a:xfrm>
+              <a:off x="-2107149" y="1267572"/>
+              <a:ext cx="413425" cy="414205"/>
+            </a:xfrm>
+            <a:custGeom>
+              <a:avLst/>
+              <a:gdLst/>
+              <a:ahLst/>
+              <a:cxnLst/>
+              <a:rect l="l" t="t" r="r" b="b"/>
+              <a:pathLst>
+                <a:path w="13237" h="13262" extrusionOk="0">
+                  <a:moveTo>
+                    <a:pt x="0" y="0"/>
+                  </a:moveTo>
+                  <a:lnTo>
+                    <a:pt x="0" y="13262"/>
+                  </a:lnTo>
+                  <a:lnTo>
+                    <a:pt x="13236" y="13262"/>
+                  </a:lnTo>
+                  <a:lnTo>
+                    <a:pt x="13236" y="12477"/>
+                  </a:lnTo>
+                  <a:lnTo>
+                    <a:pt x="759" y="12477"/>
+                  </a:lnTo>
+                  <a:lnTo>
+                    <a:pt x="759" y="0"/>
+                  </a:lnTo>
+                  <a:close/>
+                </a:path>
+              </a:pathLst>
+            </a:custGeom>
+            <a:solidFill>
+              <a:schemeClr val="lt2"/>
+            </a:solidFill>
+            <a:ln>
+              <a:noFill/>
+            </a:ln>
+          </p:spPr>
+          <p:txBody>
+            <a:bodyPr spcFirstLastPara="1" wrap="square" lIns="91425" tIns="91425" rIns="91425" bIns="91425" anchor="ctr" anchorCtr="0">
+              <a:noAutofit/>
+            </a:bodyPr>
+            <a:lstStyle/>
+            <a:p>
+              <a:pPr marL="0" lvl="0" indent="0" algn="l" rtl="0">
+                <a:spcBef>
+                  <a:spcPts val="0"/>
+                </a:spcBef>
+                <a:spcAft>
+                  <a:spcPts val="0"/>
+                </a:spcAft>
+                <a:buNone/>
+              </a:pPr>
+              <a:endParaRPr/>
+            </a:p>
+          </p:txBody>
+        </p:sp>
+        <p:sp>
+          <p:nvSpPr>
+            <p:cNvPr id="2192" name="Google Shape;2192;p51"/>
+            <p:cNvSpPr/>
+            <p:nvPr/>
+          </p:nvSpPr>
+          <p:spPr>
+            <a:xfrm>
+              <a:off x="-2058926" y="1486511"/>
+              <a:ext cx="73521" cy="146262"/>
+            </a:xfrm>
+            <a:custGeom>
+              <a:avLst/>
+              <a:gdLst/>
+              <a:ahLst/>
+              <a:cxnLst/>
+              <a:rect l="l" t="t" r="r" b="b"/>
+              <a:pathLst>
+                <a:path w="2354" h="4683" extrusionOk="0">
+                  <a:moveTo>
+                    <a:pt x="0" y="1"/>
+                  </a:moveTo>
+                  <a:lnTo>
+                    <a:pt x="0" y="4683"/>
+                  </a:lnTo>
+                  <a:lnTo>
+                    <a:pt x="2354" y="4683"/>
+                  </a:lnTo>
+                  <a:lnTo>
+                    <a:pt x="2354" y="1"/>
+                  </a:lnTo>
+                  <a:close/>
+                </a:path>
+              </a:pathLst>
+            </a:custGeom>
+            <a:solidFill>
+              <a:schemeClr val="lt2"/>
+            </a:solidFill>
+            <a:ln>
+              <a:noFill/>
+            </a:ln>
+          </p:spPr>
+          <p:txBody>
+            <a:bodyPr spcFirstLastPara="1" wrap="square" lIns="91425" tIns="91425" rIns="91425" bIns="91425" anchor="ctr" anchorCtr="0">
+              <a:noAutofit/>
+            </a:bodyPr>
+            <a:lstStyle/>
+            <a:p>
+              <a:pPr marL="0" lvl="0" indent="0" algn="l" rtl="0">
+                <a:spcBef>
+                  <a:spcPts val="0"/>
+                </a:spcBef>
+                <a:spcAft>
+                  <a:spcPts val="0"/>
+                </a:spcAft>
+                <a:buNone/>
+              </a:pPr>
+              <a:endParaRPr/>
+            </a:p>
+          </p:txBody>
+        </p:sp>
+        <p:sp>
+          <p:nvSpPr>
+            <p:cNvPr id="2193" name="Google Shape;2193;p51"/>
+            <p:cNvSpPr/>
+            <p:nvPr/>
+          </p:nvSpPr>
+          <p:spPr>
+            <a:xfrm>
+              <a:off x="-1960918" y="1438288"/>
+              <a:ext cx="72740" cy="194485"/>
+            </a:xfrm>
+            <a:custGeom>
+              <a:avLst/>
+              <a:gdLst/>
+              <a:ahLst/>
+              <a:cxnLst/>
+              <a:rect l="l" t="t" r="r" b="b"/>
+              <a:pathLst>
+                <a:path w="2329" h="6227" extrusionOk="0">
+                  <a:moveTo>
+                    <a:pt x="0" y="1"/>
+                  </a:moveTo>
+                  <a:lnTo>
+                    <a:pt x="0" y="6227"/>
+                  </a:lnTo>
+                  <a:lnTo>
+                    <a:pt x="2328" y="6227"/>
+                  </a:lnTo>
+                  <a:lnTo>
+                    <a:pt x="2328" y="1"/>
+                  </a:lnTo>
+                  <a:close/>
+                </a:path>
+              </a:pathLst>
+            </a:custGeom>
+            <a:solidFill>
+              <a:schemeClr val="lt2"/>
+            </a:solidFill>
+            <a:ln>
+              <a:noFill/>
+            </a:ln>
+          </p:spPr>
+          <p:txBody>
+            <a:bodyPr spcFirstLastPara="1" wrap="square" lIns="91425" tIns="91425" rIns="91425" bIns="91425" anchor="ctr" anchorCtr="0">
+              <a:noAutofit/>
+            </a:bodyPr>
+            <a:lstStyle/>
+            <a:p>
+              <a:pPr marL="0" lvl="0" indent="0" algn="l" rtl="0">
+                <a:spcBef>
+                  <a:spcPts val="0"/>
+                </a:spcBef>
+                <a:spcAft>
+                  <a:spcPts val="0"/>
+                </a:spcAft>
+                <a:buNone/>
+              </a:pPr>
+              <a:endParaRPr/>
+            </a:p>
+          </p:txBody>
+        </p:sp>
+        <p:sp>
+          <p:nvSpPr>
+            <p:cNvPr id="2194" name="Google Shape;2194;p51"/>
+            <p:cNvSpPr/>
+            <p:nvPr/>
+          </p:nvSpPr>
+          <p:spPr>
+            <a:xfrm>
+              <a:off x="-1864504" y="1438288"/>
+              <a:ext cx="72772" cy="194485"/>
+            </a:xfrm>
+            <a:custGeom>
+              <a:avLst/>
+              <a:gdLst/>
+              <a:ahLst/>
+              <a:cxnLst/>
+              <a:rect l="l" t="t" r="r" b="b"/>
+              <a:pathLst>
+                <a:path w="2330" h="6227" extrusionOk="0">
+                  <a:moveTo>
+                    <a:pt x="1" y="1"/>
+                  </a:moveTo>
+                  <a:lnTo>
+                    <a:pt x="1" y="6227"/>
+                  </a:lnTo>
+                  <a:lnTo>
+                    <a:pt x="2329" y="6227"/>
+                  </a:lnTo>
+                  <a:lnTo>
+                    <a:pt x="2329" y="1"/>
+                  </a:lnTo>
+                  <a:close/>
+                </a:path>
+              </a:pathLst>
+            </a:custGeom>
+            <a:solidFill>
+              <a:schemeClr val="lt2"/>
+            </a:solidFill>
+            <a:ln>
+              <a:noFill/>
+            </a:ln>
+          </p:spPr>
+          <p:txBody>
+            <a:bodyPr spcFirstLastPara="1" wrap="square" lIns="91425" tIns="91425" rIns="91425" bIns="91425" anchor="ctr" anchorCtr="0">
+              <a:noAutofit/>
+            </a:bodyPr>
+            <a:lstStyle/>
+            <a:p>
+              <a:pPr marL="0" lvl="0" indent="0" algn="l" rtl="0">
+                <a:spcBef>
+                  <a:spcPts val="0"/>
+                </a:spcBef>
+                <a:spcAft>
+                  <a:spcPts val="0"/>
+                </a:spcAft>
+                <a:buNone/>
+              </a:pPr>
+              <a:endParaRPr/>
+            </a:p>
+          </p:txBody>
+        </p:sp>
+        <p:sp>
+          <p:nvSpPr>
+            <p:cNvPr id="2195" name="Google Shape;2195;p51"/>
+            <p:cNvSpPr/>
+            <p:nvPr/>
+          </p:nvSpPr>
+          <p:spPr>
+            <a:xfrm>
+              <a:off x="-1767277" y="1486511"/>
+              <a:ext cx="73553" cy="146262"/>
+            </a:xfrm>
+            <a:custGeom>
+              <a:avLst/>
+              <a:gdLst/>
+              <a:ahLst/>
+              <a:cxnLst/>
+              <a:rect l="l" t="t" r="r" b="b"/>
+              <a:pathLst>
+                <a:path w="2355" h="4683" extrusionOk="0">
+                  <a:moveTo>
+                    <a:pt x="1" y="1"/>
+                  </a:moveTo>
+                  <a:lnTo>
+                    <a:pt x="1" y="4683"/>
+                  </a:lnTo>
+                  <a:lnTo>
+                    <a:pt x="2354" y="4683"/>
+                  </a:lnTo>
+                  <a:lnTo>
+                    <a:pt x="2354" y="1"/>
+                  </a:lnTo>
+                  <a:close/>
+                </a:path>
+              </a:pathLst>
+            </a:custGeom>
+            <a:solidFill>
+              <a:schemeClr val="lt2"/>
+            </a:solidFill>
+            <a:ln>
+              <a:noFill/>
+            </a:ln>
+          </p:spPr>
+          <p:txBody>
+            <a:bodyPr spcFirstLastPara="1" wrap="square" lIns="91425" tIns="91425" rIns="91425" bIns="91425" anchor="ctr" anchorCtr="0">
+              <a:noAutofit/>
+            </a:bodyPr>
+            <a:lstStyle/>
+            <a:p>
+              <a:pPr marL="0" lvl="0" indent="0" algn="l" rtl="0">
+                <a:spcBef>
+                  <a:spcPts val="0"/>
+                </a:spcBef>
+                <a:spcAft>
+                  <a:spcPts val="0"/>
+                </a:spcAft>
+                <a:buNone/>
+              </a:pPr>
+              <a:endParaRPr/>
+            </a:p>
+          </p:txBody>
+        </p:sp>
+        <p:sp>
+          <p:nvSpPr>
+            <p:cNvPr id="2196" name="Google Shape;2196;p51"/>
+            <p:cNvSpPr/>
+            <p:nvPr/>
+          </p:nvSpPr>
+          <p:spPr>
+            <a:xfrm>
+              <a:off x="-2058926" y="1292870"/>
+              <a:ext cx="365982" cy="169186"/>
+            </a:xfrm>
+            <a:custGeom>
+              <a:avLst/>
+              <a:gdLst/>
+              <a:ahLst/>
+              <a:cxnLst/>
+              <a:rect l="l" t="t" r="r" b="b"/>
+              <a:pathLst>
+                <a:path w="11718" h="5417" extrusionOk="0">
+                  <a:moveTo>
+                    <a:pt x="5846" y="0"/>
+                  </a:moveTo>
+                  <a:cubicBezTo>
+                    <a:pt x="4758" y="0"/>
+                    <a:pt x="3746" y="608"/>
+                    <a:pt x="3265" y="1595"/>
+                  </a:cubicBezTo>
+                  <a:lnTo>
+                    <a:pt x="2328" y="3467"/>
+                  </a:lnTo>
+                  <a:cubicBezTo>
+                    <a:pt x="1949" y="4201"/>
+                    <a:pt x="1215" y="4657"/>
+                    <a:pt x="405" y="4657"/>
+                  </a:cubicBezTo>
+                  <a:lnTo>
+                    <a:pt x="0" y="4657"/>
+                  </a:lnTo>
+                  <a:lnTo>
+                    <a:pt x="0" y="5416"/>
+                  </a:lnTo>
+                  <a:lnTo>
+                    <a:pt x="405" y="5416"/>
+                  </a:lnTo>
+                  <a:cubicBezTo>
+                    <a:pt x="1493" y="5416"/>
+                    <a:pt x="2531" y="4809"/>
+                    <a:pt x="3012" y="3822"/>
+                  </a:cubicBezTo>
+                  <a:lnTo>
+                    <a:pt x="3948" y="1949"/>
+                  </a:lnTo>
+                  <a:cubicBezTo>
+                    <a:pt x="4328" y="1215"/>
+                    <a:pt x="5036" y="760"/>
+                    <a:pt x="5846" y="760"/>
+                  </a:cubicBezTo>
+                  <a:cubicBezTo>
+                    <a:pt x="6656" y="760"/>
+                    <a:pt x="7390" y="1215"/>
+                    <a:pt x="7769" y="1949"/>
+                  </a:cubicBezTo>
+                  <a:lnTo>
+                    <a:pt x="8706" y="3822"/>
+                  </a:lnTo>
+                  <a:cubicBezTo>
+                    <a:pt x="9187" y="4809"/>
+                    <a:pt x="10224" y="5416"/>
+                    <a:pt x="11313" y="5416"/>
+                  </a:cubicBezTo>
+                  <a:lnTo>
+                    <a:pt x="11718" y="5416"/>
+                  </a:lnTo>
+                  <a:lnTo>
+                    <a:pt x="11718" y="4657"/>
+                  </a:lnTo>
+                  <a:lnTo>
+                    <a:pt x="11313" y="4657"/>
+                  </a:lnTo>
+                  <a:cubicBezTo>
+                    <a:pt x="10503" y="4657"/>
+                    <a:pt x="9769" y="4201"/>
+                    <a:pt x="9389" y="3467"/>
+                  </a:cubicBezTo>
+                  <a:lnTo>
+                    <a:pt x="8453" y="1595"/>
+                  </a:lnTo>
+                  <a:cubicBezTo>
+                    <a:pt x="7947" y="608"/>
+                    <a:pt x="6960" y="0"/>
+                    <a:pt x="5846" y="0"/>
+                  </a:cubicBezTo>
+                  <a:close/>
+                </a:path>
+              </a:pathLst>
+            </a:custGeom>
+            <a:solidFill>
+              <a:schemeClr val="lt2"/>
+            </a:solidFill>
+            <a:ln>
+              <a:noFill/>
+            </a:ln>
+          </p:spPr>
+          <p:txBody>
+            <a:bodyPr spcFirstLastPara="1" wrap="square" lIns="91425" tIns="91425" rIns="91425" bIns="91425" anchor="ctr" anchorCtr="0">
+              <a:noAutofit/>
+            </a:bodyPr>
+            <a:lstStyle/>
+            <a:p>
+              <a:pPr marL="0" lvl="0" indent="0" algn="l" rtl="0">
+                <a:spcBef>
+                  <a:spcPts val="0"/>
+                </a:spcBef>
+                <a:spcAft>
+                  <a:spcPts val="0"/>
+                </a:spcAft>
+                <a:buNone/>
+              </a:pPr>
+              <a:endParaRPr/>
+            </a:p>
+          </p:txBody>
+        </p:sp>
+      </p:grpSp>
+      <p:grpSp>
+        <p:nvGrpSpPr>
+          <p:cNvPr id="2197" name="Google Shape;2197;p51"/>
+          <p:cNvGrpSpPr/>
+          <p:nvPr/>
+        </p:nvGrpSpPr>
+        <p:grpSpPr>
+          <a:xfrm>
+            <a:off x="930715" y="3709212"/>
+            <a:ext cx="612651" cy="612651"/>
+            <a:chOff x="-5147914" y="2585989"/>
+            <a:chExt cx="414205" cy="414205"/>
+          </a:xfrm>
+        </p:grpSpPr>
+        <p:sp>
+          <p:nvSpPr>
+            <p:cNvPr id="2198" name="Google Shape;2198;p51"/>
+            <p:cNvSpPr/>
+            <p:nvPr/>
+          </p:nvSpPr>
+          <p:spPr>
+            <a:xfrm>
+              <a:off x="-5147914" y="2585989"/>
+              <a:ext cx="414205" cy="414205"/>
+            </a:xfrm>
+            <a:custGeom>
+              <a:avLst/>
+              <a:gdLst/>
+              <a:ahLst/>
+              <a:cxnLst/>
+              <a:rect l="l" t="t" r="r" b="b"/>
+              <a:pathLst>
+                <a:path w="13262" h="13262" extrusionOk="0">
+                  <a:moveTo>
+                    <a:pt x="7036" y="1595"/>
+                  </a:moveTo>
+                  <a:cubicBezTo>
+                    <a:pt x="9491" y="1797"/>
+                    <a:pt x="11465" y="3771"/>
+                    <a:pt x="11667" y="6252"/>
+                  </a:cubicBezTo>
+                  <a:lnTo>
+                    <a:pt x="10908" y="6252"/>
+                  </a:lnTo>
+                  <a:lnTo>
+                    <a:pt x="10908" y="7011"/>
+                  </a:lnTo>
+                  <a:lnTo>
+                    <a:pt x="11667" y="7011"/>
+                  </a:lnTo>
+                  <a:cubicBezTo>
+                    <a:pt x="11465" y="9491"/>
+                    <a:pt x="9491" y="11465"/>
+                    <a:pt x="7036" y="11667"/>
+                  </a:cubicBezTo>
+                  <a:lnTo>
+                    <a:pt x="7036" y="10908"/>
+                  </a:lnTo>
+                  <a:lnTo>
+                    <a:pt x="6251" y="10908"/>
+                  </a:lnTo>
+                  <a:lnTo>
+                    <a:pt x="6251" y="11667"/>
+                  </a:lnTo>
+                  <a:cubicBezTo>
+                    <a:pt x="3771" y="11465"/>
+                    <a:pt x="1797" y="9491"/>
+                    <a:pt x="1620" y="7011"/>
+                  </a:cubicBezTo>
+                  <a:lnTo>
+                    <a:pt x="2354" y="7011"/>
+                  </a:lnTo>
+                  <a:lnTo>
+                    <a:pt x="2354" y="6252"/>
+                  </a:lnTo>
+                  <a:lnTo>
+                    <a:pt x="1620" y="6252"/>
+                  </a:lnTo>
+                  <a:cubicBezTo>
+                    <a:pt x="1797" y="3771"/>
+                    <a:pt x="3771" y="1797"/>
+                    <a:pt x="6251" y="1595"/>
+                  </a:cubicBezTo>
+                  <a:lnTo>
+                    <a:pt x="6251" y="2354"/>
+                  </a:lnTo>
+                  <a:lnTo>
+                    <a:pt x="7036" y="2354"/>
+                  </a:lnTo>
+                  <a:lnTo>
+                    <a:pt x="7036" y="1595"/>
+                  </a:lnTo>
+                  <a:close/>
+                  <a:moveTo>
+                    <a:pt x="6251" y="1"/>
+                  </a:moveTo>
+                  <a:lnTo>
+                    <a:pt x="6251" y="836"/>
+                  </a:lnTo>
+                  <a:cubicBezTo>
+                    <a:pt x="3341" y="1013"/>
+                    <a:pt x="1013" y="3341"/>
+                    <a:pt x="835" y="6252"/>
+                  </a:cubicBezTo>
+                  <a:lnTo>
+                    <a:pt x="0" y="6252"/>
+                  </a:lnTo>
+                  <a:lnTo>
+                    <a:pt x="0" y="7011"/>
+                  </a:lnTo>
+                  <a:lnTo>
+                    <a:pt x="835" y="7011"/>
+                  </a:lnTo>
+                  <a:cubicBezTo>
+                    <a:pt x="1013" y="9921"/>
+                    <a:pt x="3341" y="12250"/>
+                    <a:pt x="6251" y="12427"/>
+                  </a:cubicBezTo>
+                  <a:lnTo>
+                    <a:pt x="6251" y="13262"/>
+                  </a:lnTo>
+                  <a:lnTo>
+                    <a:pt x="7036" y="13262"/>
+                  </a:lnTo>
+                  <a:lnTo>
+                    <a:pt x="7036" y="12427"/>
+                  </a:lnTo>
+                  <a:cubicBezTo>
+                    <a:pt x="9921" y="12250"/>
+                    <a:pt x="12249" y="9921"/>
+                    <a:pt x="12426" y="7011"/>
+                  </a:cubicBezTo>
+                  <a:lnTo>
+                    <a:pt x="13262" y="7011"/>
+                  </a:lnTo>
+                  <a:lnTo>
+                    <a:pt x="13262" y="6252"/>
+                  </a:lnTo>
+                  <a:lnTo>
+                    <a:pt x="12426" y="6252"/>
+                  </a:lnTo>
+                  <a:cubicBezTo>
+                    <a:pt x="12249" y="3341"/>
+                    <a:pt x="9921" y="1013"/>
+                    <a:pt x="7011" y="836"/>
+                  </a:cubicBezTo>
+                  <a:lnTo>
+                    <a:pt x="7036" y="836"/>
+                  </a:lnTo>
+                  <a:lnTo>
+                    <a:pt x="7036" y="1"/>
+                  </a:lnTo>
+                  <a:close/>
+                </a:path>
+              </a:pathLst>
+            </a:custGeom>
+            <a:solidFill>
+              <a:schemeClr val="lt2"/>
+            </a:solidFill>
+            <a:ln>
+              <a:noFill/>
+            </a:ln>
+          </p:spPr>
+          <p:txBody>
+            <a:bodyPr spcFirstLastPara="1" wrap="square" lIns="91425" tIns="91425" rIns="91425" bIns="91425" anchor="ctr" anchorCtr="0">
+              <a:noAutofit/>
+            </a:bodyPr>
+            <a:lstStyle/>
+            <a:p>
+              <a:pPr marL="0" lvl="0" indent="0" algn="l" rtl="0">
+                <a:spcBef>
+                  <a:spcPts val="0"/>
+                </a:spcBef>
+                <a:spcAft>
+                  <a:spcPts val="0"/>
+                </a:spcAft>
+                <a:buNone/>
+              </a:pPr>
+              <a:endParaRPr/>
+            </a:p>
+          </p:txBody>
+        </p:sp>
+        <p:sp>
+          <p:nvSpPr>
+            <p:cNvPr id="2199" name="Google Shape;2199;p51"/>
+            <p:cNvSpPr/>
+            <p:nvPr/>
+          </p:nvSpPr>
+          <p:spPr>
+            <a:xfrm>
+              <a:off x="-4977197" y="2732220"/>
+              <a:ext cx="72772" cy="72740"/>
+            </a:xfrm>
+            <a:custGeom>
+              <a:avLst/>
+              <a:gdLst/>
+              <a:ahLst/>
+              <a:cxnLst/>
+              <a:rect l="l" t="t" r="r" b="b"/>
+              <a:pathLst>
+                <a:path w="2330" h="2329" extrusionOk="0">
+                  <a:moveTo>
+                    <a:pt x="1165" y="1"/>
+                  </a:moveTo>
+                  <a:cubicBezTo>
+                    <a:pt x="532" y="1"/>
+                    <a:pt x="1" y="532"/>
+                    <a:pt x="1" y="1165"/>
+                  </a:cubicBezTo>
+                  <a:cubicBezTo>
+                    <a:pt x="1" y="1823"/>
+                    <a:pt x="532" y="2329"/>
+                    <a:pt x="1165" y="2329"/>
+                  </a:cubicBezTo>
+                  <a:cubicBezTo>
+                    <a:pt x="1823" y="2329"/>
+                    <a:pt x="2329" y="1823"/>
+                    <a:pt x="2329" y="1165"/>
+                  </a:cubicBezTo>
+                  <a:cubicBezTo>
+                    <a:pt x="2329" y="532"/>
+                    <a:pt x="1823" y="1"/>
+                    <a:pt x="1165" y="1"/>
+                  </a:cubicBezTo>
+                  <a:close/>
+                </a:path>
+              </a:pathLst>
+            </a:custGeom>
+            <a:solidFill>
+              <a:schemeClr val="lt2"/>
+            </a:solidFill>
+            <a:ln>
+              <a:noFill/>
+            </a:ln>
+          </p:spPr>
+          <p:txBody>
+            <a:bodyPr spcFirstLastPara="1" wrap="square" lIns="91425" tIns="91425" rIns="91425" bIns="91425" anchor="ctr" anchorCtr="0">
+              <a:noAutofit/>
+            </a:bodyPr>
+            <a:lstStyle/>
+            <a:p>
+              <a:pPr marL="0" lvl="0" indent="0" algn="l" rtl="0">
+                <a:spcBef>
+                  <a:spcPts val="0"/>
+                </a:spcBef>
+                <a:spcAft>
+                  <a:spcPts val="0"/>
+                </a:spcAft>
+                <a:buNone/>
+              </a:pPr>
+              <a:endParaRPr/>
+            </a:p>
+          </p:txBody>
+        </p:sp>
+        <p:sp>
+          <p:nvSpPr>
+            <p:cNvPr id="2200" name="Google Shape;2200;p51"/>
+            <p:cNvSpPr/>
+            <p:nvPr/>
+          </p:nvSpPr>
+          <p:spPr>
+            <a:xfrm>
+              <a:off x="-4989034" y="2829446"/>
+              <a:ext cx="96446" cy="72740"/>
+            </a:xfrm>
+            <a:custGeom>
+              <a:avLst/>
+              <a:gdLst/>
+              <a:ahLst/>
+              <a:cxnLst/>
+              <a:rect l="l" t="t" r="r" b="b"/>
+              <a:pathLst>
+                <a:path w="3088" h="2329" extrusionOk="0">
+                  <a:moveTo>
+                    <a:pt x="1544" y="0"/>
+                  </a:moveTo>
+                  <a:cubicBezTo>
+                    <a:pt x="683" y="0"/>
+                    <a:pt x="0" y="709"/>
+                    <a:pt x="0" y="1544"/>
+                  </a:cubicBezTo>
+                  <a:lnTo>
+                    <a:pt x="0" y="2329"/>
+                  </a:lnTo>
+                  <a:lnTo>
+                    <a:pt x="3088" y="2329"/>
+                  </a:lnTo>
+                  <a:lnTo>
+                    <a:pt x="3088" y="1544"/>
+                  </a:lnTo>
+                  <a:cubicBezTo>
+                    <a:pt x="3088" y="709"/>
+                    <a:pt x="2404" y="0"/>
+                    <a:pt x="1544" y="0"/>
+                  </a:cubicBezTo>
+                  <a:close/>
+                </a:path>
+              </a:pathLst>
+            </a:custGeom>
+            <a:solidFill>
+              <a:schemeClr val="lt2"/>
+            </a:solidFill>
+            <a:ln>
+              <a:noFill/>
+            </a:ln>
+          </p:spPr>
+          <p:txBody>
+            <a:bodyPr spcFirstLastPara="1" wrap="square" lIns="91425" tIns="91425" rIns="91425" bIns="91425" anchor="ctr" anchorCtr="0">
+              <a:noAutofit/>
+            </a:bodyPr>
+            <a:lstStyle/>
+            <a:p>
+              <a:pPr marL="0" lvl="0" indent="0" algn="l" rtl="0">
+                <a:spcBef>
+                  <a:spcPts val="0"/>
+                </a:spcBef>
+                <a:spcAft>
+                  <a:spcPts val="0"/>
+                </a:spcAft>
+                <a:buNone/>
+              </a:pPr>
+              <a:endParaRPr/>
+            </a:p>
+          </p:txBody>
+        </p:sp>
+        <p:sp>
+          <p:nvSpPr>
+            <p:cNvPr id="2201" name="Google Shape;2201;p51"/>
+            <p:cNvSpPr/>
+            <p:nvPr/>
+          </p:nvSpPr>
+          <p:spPr>
+            <a:xfrm>
+              <a:off x="-4902895" y="2781223"/>
+              <a:ext cx="71179" cy="72740"/>
+            </a:xfrm>
+            <a:custGeom>
+              <a:avLst/>
+              <a:gdLst/>
+              <a:ahLst/>
+              <a:cxnLst/>
+              <a:rect l="l" t="t" r="r" b="b"/>
+              <a:pathLst>
+                <a:path w="2279" h="2329" extrusionOk="0">
+                  <a:moveTo>
+                    <a:pt x="684" y="1"/>
+                  </a:moveTo>
+                  <a:cubicBezTo>
+                    <a:pt x="608" y="456"/>
+                    <a:pt x="355" y="836"/>
+                    <a:pt x="1" y="1114"/>
+                  </a:cubicBezTo>
+                  <a:cubicBezTo>
+                    <a:pt x="456" y="1393"/>
+                    <a:pt x="785" y="1823"/>
+                    <a:pt x="988" y="2329"/>
+                  </a:cubicBezTo>
+                  <a:lnTo>
+                    <a:pt x="2278" y="2329"/>
+                  </a:lnTo>
+                  <a:lnTo>
+                    <a:pt x="2278" y="1544"/>
+                  </a:lnTo>
+                  <a:cubicBezTo>
+                    <a:pt x="2278" y="684"/>
+                    <a:pt x="1595" y="1"/>
+                    <a:pt x="735" y="1"/>
+                  </a:cubicBezTo>
+                  <a:close/>
+                </a:path>
+              </a:pathLst>
+            </a:custGeom>
+            <a:solidFill>
+              <a:schemeClr val="lt2"/>
+            </a:solidFill>
+            <a:ln>
+              <a:noFill/>
+            </a:ln>
+          </p:spPr>
+          <p:txBody>
+            <a:bodyPr spcFirstLastPara="1" wrap="square" lIns="91425" tIns="91425" rIns="91425" bIns="91425" anchor="ctr" anchorCtr="0">
+              <a:noAutofit/>
+            </a:bodyPr>
+            <a:lstStyle/>
+            <a:p>
+              <a:pPr marL="0" lvl="0" indent="0" algn="l" rtl="0">
+                <a:spcBef>
+                  <a:spcPts val="0"/>
+                </a:spcBef>
+                <a:spcAft>
+                  <a:spcPts val="0"/>
+                </a:spcAft>
+                <a:buNone/>
+              </a:pPr>
+              <a:endParaRPr/>
+            </a:p>
+          </p:txBody>
+        </p:sp>
+        <p:sp>
+          <p:nvSpPr>
+            <p:cNvPr id="2202" name="Google Shape;2202;p51"/>
+            <p:cNvSpPr/>
+            <p:nvPr/>
+          </p:nvSpPr>
+          <p:spPr>
+            <a:xfrm>
+              <a:off x="-5049906" y="2781223"/>
+              <a:ext cx="71960" cy="72740"/>
+            </a:xfrm>
+            <a:custGeom>
+              <a:avLst/>
+              <a:gdLst/>
+              <a:ahLst/>
+              <a:cxnLst/>
+              <a:rect l="l" t="t" r="r" b="b"/>
+              <a:pathLst>
+                <a:path w="2304" h="2329" extrusionOk="0">
+                  <a:moveTo>
+                    <a:pt x="1544" y="1"/>
+                  </a:moveTo>
+                  <a:cubicBezTo>
+                    <a:pt x="709" y="1"/>
+                    <a:pt x="0" y="684"/>
+                    <a:pt x="0" y="1544"/>
+                  </a:cubicBezTo>
+                  <a:lnTo>
+                    <a:pt x="0" y="2329"/>
+                  </a:lnTo>
+                  <a:lnTo>
+                    <a:pt x="1316" y="2329"/>
+                  </a:lnTo>
+                  <a:cubicBezTo>
+                    <a:pt x="1494" y="1823"/>
+                    <a:pt x="1848" y="1393"/>
+                    <a:pt x="2278" y="1114"/>
+                  </a:cubicBezTo>
+                  <a:lnTo>
+                    <a:pt x="2303" y="1114"/>
+                  </a:lnTo>
+                  <a:cubicBezTo>
+                    <a:pt x="1949" y="836"/>
+                    <a:pt x="1696" y="456"/>
+                    <a:pt x="1595" y="1"/>
+                  </a:cubicBezTo>
+                  <a:close/>
+                </a:path>
+              </a:pathLst>
+            </a:custGeom>
+            <a:solidFill>
+              <a:schemeClr val="lt2"/>
+            </a:solidFill>
+            <a:ln>
+              <a:noFill/>
+            </a:ln>
+          </p:spPr>
+          <p:txBody>
+            <a:bodyPr spcFirstLastPara="1" wrap="square" lIns="91425" tIns="91425" rIns="91425" bIns="91425" anchor="ctr" anchorCtr="0">
+              <a:noAutofit/>
+            </a:bodyPr>
+            <a:lstStyle/>
+            <a:p>
+              <a:pPr marL="0" lvl="0" indent="0" algn="l" rtl="0">
+                <a:spcBef>
+                  <a:spcPts val="0"/>
+                </a:spcBef>
+                <a:spcAft>
+                  <a:spcPts val="0"/>
+                </a:spcAft>
+                <a:buNone/>
+              </a:pPr>
+              <a:endParaRPr/>
+            </a:p>
+          </p:txBody>
+        </p:sp>
+        <p:sp>
+          <p:nvSpPr>
+            <p:cNvPr id="2203" name="Google Shape;2203;p51"/>
+            <p:cNvSpPr/>
+            <p:nvPr/>
+          </p:nvSpPr>
+          <p:spPr>
+            <a:xfrm>
+              <a:off x="-4915544" y="2683997"/>
+              <a:ext cx="71960" cy="72772"/>
+            </a:xfrm>
+            <a:custGeom>
+              <a:avLst/>
+              <a:gdLst/>
+              <a:ahLst/>
+              <a:cxnLst/>
+              <a:rect l="l" t="t" r="r" b="b"/>
+              <a:pathLst>
+                <a:path w="2304" h="2330" extrusionOk="0">
+                  <a:moveTo>
+                    <a:pt x="1140" y="1"/>
+                  </a:moveTo>
+                  <a:cubicBezTo>
+                    <a:pt x="558" y="1"/>
+                    <a:pt x="102" y="406"/>
+                    <a:pt x="1" y="962"/>
+                  </a:cubicBezTo>
+                  <a:cubicBezTo>
+                    <a:pt x="558" y="1216"/>
+                    <a:pt x="962" y="1722"/>
+                    <a:pt x="1089" y="2329"/>
+                  </a:cubicBezTo>
+                  <a:lnTo>
+                    <a:pt x="1140" y="2329"/>
+                  </a:lnTo>
+                  <a:cubicBezTo>
+                    <a:pt x="1772" y="2329"/>
+                    <a:pt x="2304" y="1798"/>
+                    <a:pt x="2304" y="1165"/>
+                  </a:cubicBezTo>
+                  <a:cubicBezTo>
+                    <a:pt x="2304" y="532"/>
+                    <a:pt x="1772" y="1"/>
+                    <a:pt x="1140" y="1"/>
+                  </a:cubicBezTo>
+                  <a:close/>
+                </a:path>
+              </a:pathLst>
+            </a:custGeom>
+            <a:solidFill>
+              <a:schemeClr val="lt2"/>
+            </a:solidFill>
+            <a:ln>
+              <a:noFill/>
+            </a:ln>
+          </p:spPr>
+          <p:txBody>
+            <a:bodyPr spcFirstLastPara="1" wrap="square" lIns="91425" tIns="91425" rIns="91425" bIns="91425" anchor="ctr" anchorCtr="0">
+              <a:noAutofit/>
+            </a:bodyPr>
+            <a:lstStyle/>
+            <a:p>
+              <a:pPr marL="0" lvl="0" indent="0" algn="l" rtl="0">
+                <a:spcBef>
+                  <a:spcPts val="0"/>
+                </a:spcBef>
+                <a:spcAft>
+                  <a:spcPts val="0"/>
+                </a:spcAft>
+                <a:buNone/>
+              </a:pPr>
+              <a:endParaRPr/>
+            </a:p>
+          </p:txBody>
+        </p:sp>
+        <p:sp>
+          <p:nvSpPr>
+            <p:cNvPr id="2204" name="Google Shape;2204;p51"/>
+            <p:cNvSpPr/>
+            <p:nvPr/>
+          </p:nvSpPr>
+          <p:spPr>
+            <a:xfrm>
+              <a:off x="-5037257" y="2683997"/>
+              <a:ext cx="71960" cy="72772"/>
+            </a:xfrm>
+            <a:custGeom>
+              <a:avLst/>
+              <a:gdLst/>
+              <a:ahLst/>
+              <a:cxnLst/>
+              <a:rect l="l" t="t" r="r" b="b"/>
+              <a:pathLst>
+                <a:path w="2304" h="2330" extrusionOk="0">
+                  <a:moveTo>
+                    <a:pt x="1164" y="1"/>
+                  </a:moveTo>
+                  <a:cubicBezTo>
+                    <a:pt x="506" y="1"/>
+                    <a:pt x="0" y="532"/>
+                    <a:pt x="0" y="1165"/>
+                  </a:cubicBezTo>
+                  <a:cubicBezTo>
+                    <a:pt x="0" y="1798"/>
+                    <a:pt x="506" y="2329"/>
+                    <a:pt x="1164" y="2329"/>
+                  </a:cubicBezTo>
+                  <a:lnTo>
+                    <a:pt x="1190" y="2329"/>
+                  </a:lnTo>
+                  <a:cubicBezTo>
+                    <a:pt x="1316" y="1722"/>
+                    <a:pt x="1747" y="1216"/>
+                    <a:pt x="2303" y="962"/>
+                  </a:cubicBezTo>
+                  <a:cubicBezTo>
+                    <a:pt x="2202" y="406"/>
+                    <a:pt x="1721" y="1"/>
+                    <a:pt x="1164" y="1"/>
+                  </a:cubicBezTo>
+                  <a:close/>
+                </a:path>
+              </a:pathLst>
+            </a:custGeom>
+            <a:solidFill>
+              <a:schemeClr val="lt2"/>
+            </a:solidFill>
+            <a:ln>
+              <a:noFill/>
+            </a:ln>
+          </p:spPr>
+          <p:txBody>
+            <a:bodyPr spcFirstLastPara="1" wrap="square" lIns="91425" tIns="91425" rIns="91425" bIns="91425" anchor="ctr" anchorCtr="0">
+              <a:noAutofit/>
+            </a:bodyPr>
+            <a:lstStyle/>
+            <a:p>
+              <a:pPr marL="0" lvl="0" indent="0" algn="l" rtl="0">
+                <a:spcBef>
+                  <a:spcPts val="0"/>
+                </a:spcBef>
+                <a:spcAft>
+                  <a:spcPts val="0"/>
+                </a:spcAft>
+                <a:buNone/>
+              </a:pPr>
+              <a:endParaRPr/>
+            </a:p>
+          </p:txBody>
+        </p:sp>
+      </p:grpSp>
+      <p:grpSp>
+        <p:nvGrpSpPr>
+          <p:cNvPr id="2205" name="Google Shape;2205;p51"/>
+          <p:cNvGrpSpPr/>
+          <p:nvPr/>
+        </p:nvGrpSpPr>
+        <p:grpSpPr>
+          <a:xfrm>
+            <a:off x="5178820" y="1892337"/>
+            <a:ext cx="462874" cy="612651"/>
+            <a:chOff x="-4183610" y="2590736"/>
+            <a:chExt cx="315417" cy="414205"/>
+          </a:xfrm>
+        </p:grpSpPr>
+        <p:sp>
+          <p:nvSpPr>
+            <p:cNvPr id="2206" name="Google Shape;2206;p51"/>
+            <p:cNvSpPr/>
+            <p:nvPr/>
+          </p:nvSpPr>
+          <p:spPr>
+            <a:xfrm>
+              <a:off x="-4159093" y="2736967"/>
+              <a:ext cx="72740" cy="72740"/>
+            </a:xfrm>
+            <a:custGeom>
+              <a:avLst/>
+              <a:gdLst/>
+              <a:ahLst/>
+              <a:cxnLst/>
+              <a:rect l="l" t="t" r="r" b="b"/>
+              <a:pathLst>
+                <a:path w="2329" h="2329" extrusionOk="0">
+                  <a:moveTo>
+                    <a:pt x="0" y="0"/>
+                  </a:moveTo>
+                  <a:lnTo>
+                    <a:pt x="0" y="2329"/>
+                  </a:lnTo>
+                  <a:lnTo>
+                    <a:pt x="2329" y="2329"/>
+                  </a:lnTo>
+                  <a:lnTo>
+                    <a:pt x="2329" y="0"/>
+                  </a:lnTo>
+                  <a:close/>
+                </a:path>
+              </a:pathLst>
+            </a:custGeom>
+            <a:solidFill>
+              <a:schemeClr val="lt2"/>
+            </a:solidFill>
+            <a:ln>
+              <a:noFill/>
+            </a:ln>
+          </p:spPr>
+          <p:txBody>
+            <a:bodyPr spcFirstLastPara="1" wrap="square" lIns="91425" tIns="91425" rIns="91425" bIns="91425" anchor="ctr" anchorCtr="0">
+              <a:noAutofit/>
+            </a:bodyPr>
+            <a:lstStyle/>
+            <a:p>
+              <a:pPr marL="0" lvl="0" indent="0" algn="l" rtl="0">
+                <a:spcBef>
+                  <a:spcPts val="0"/>
+                </a:spcBef>
+                <a:spcAft>
+                  <a:spcPts val="0"/>
+                </a:spcAft>
+                <a:buNone/>
+              </a:pPr>
+              <a:endParaRPr/>
+            </a:p>
+          </p:txBody>
+        </p:sp>
+        <p:sp>
+          <p:nvSpPr>
+            <p:cNvPr id="2207" name="Google Shape;2207;p51"/>
+            <p:cNvSpPr/>
+            <p:nvPr/>
+          </p:nvSpPr>
+          <p:spPr>
+            <a:xfrm>
+              <a:off x="-4062678" y="2713261"/>
+              <a:ext cx="72772" cy="96446"/>
+            </a:xfrm>
+            <a:custGeom>
+              <a:avLst/>
+              <a:gdLst/>
+              <a:ahLst/>
+              <a:cxnLst/>
+              <a:rect l="l" t="t" r="r" b="b"/>
+              <a:pathLst>
+                <a:path w="2330" h="3088" extrusionOk="0">
+                  <a:moveTo>
+                    <a:pt x="1" y="0"/>
+                  </a:moveTo>
+                  <a:lnTo>
+                    <a:pt x="1" y="3088"/>
+                  </a:lnTo>
+                  <a:lnTo>
+                    <a:pt x="2329" y="3088"/>
+                  </a:lnTo>
+                  <a:lnTo>
+                    <a:pt x="2329" y="0"/>
+                  </a:lnTo>
+                  <a:close/>
+                </a:path>
+              </a:pathLst>
+            </a:custGeom>
+            <a:solidFill>
+              <a:schemeClr val="lt2"/>
+            </a:solidFill>
+            <a:ln>
+              <a:noFill/>
+            </a:ln>
+          </p:spPr>
+          <p:txBody>
+            <a:bodyPr spcFirstLastPara="1" wrap="square" lIns="91425" tIns="91425" rIns="91425" bIns="91425" anchor="ctr" anchorCtr="0">
+              <a:noAutofit/>
+            </a:bodyPr>
+            <a:lstStyle/>
+            <a:p>
+              <a:pPr marL="0" lvl="0" indent="0" algn="l" rtl="0">
+                <a:spcBef>
+                  <a:spcPts val="0"/>
+                </a:spcBef>
+                <a:spcAft>
+                  <a:spcPts val="0"/>
+                </a:spcAft>
+                <a:buNone/>
+              </a:pPr>
+              <a:endParaRPr/>
+            </a:p>
+          </p:txBody>
+        </p:sp>
+        <p:sp>
+          <p:nvSpPr>
+            <p:cNvPr id="2208" name="Google Shape;2208;p51"/>
+            <p:cNvSpPr/>
+            <p:nvPr/>
+          </p:nvSpPr>
+          <p:spPr>
+            <a:xfrm>
+              <a:off x="-3989938" y="2590736"/>
+              <a:ext cx="121744" cy="218971"/>
+            </a:xfrm>
+            <a:custGeom>
+              <a:avLst/>
+              <a:gdLst/>
+              <a:ahLst/>
+              <a:cxnLst/>
+              <a:rect l="l" t="t" r="r" b="b"/>
+              <a:pathLst>
+                <a:path w="3898" h="7011" extrusionOk="0">
+                  <a:moveTo>
+                    <a:pt x="1949" y="0"/>
+                  </a:moveTo>
+                  <a:lnTo>
+                    <a:pt x="0" y="2708"/>
+                  </a:lnTo>
+                  <a:lnTo>
+                    <a:pt x="1164" y="2708"/>
+                  </a:lnTo>
+                  <a:lnTo>
+                    <a:pt x="1164" y="7011"/>
+                  </a:lnTo>
+                  <a:lnTo>
+                    <a:pt x="2733" y="7011"/>
+                  </a:lnTo>
+                  <a:lnTo>
+                    <a:pt x="2733" y="2708"/>
+                  </a:lnTo>
+                  <a:lnTo>
+                    <a:pt x="3898" y="2708"/>
+                  </a:lnTo>
+                  <a:lnTo>
+                    <a:pt x="1949" y="0"/>
+                  </a:lnTo>
+                  <a:close/>
+                </a:path>
+              </a:pathLst>
+            </a:custGeom>
+            <a:solidFill>
+              <a:schemeClr val="lt2"/>
+            </a:solidFill>
+            <a:ln>
+              <a:noFill/>
+            </a:ln>
+          </p:spPr>
+          <p:txBody>
+            <a:bodyPr spcFirstLastPara="1" wrap="square" lIns="91425" tIns="91425" rIns="91425" bIns="91425" anchor="ctr" anchorCtr="0">
+              <a:noAutofit/>
+            </a:bodyPr>
+            <a:lstStyle/>
+            <a:p>
+              <a:pPr marL="0" lvl="0" indent="0" algn="l" rtl="0">
+                <a:spcBef>
+                  <a:spcPts val="0"/>
+                </a:spcBef>
+                <a:spcAft>
+                  <a:spcPts val="0"/>
+                </a:spcAft>
+                <a:buNone/>
+              </a:pPr>
+              <a:endParaRPr/>
+            </a:p>
+          </p:txBody>
+        </p:sp>
+        <p:sp>
+          <p:nvSpPr>
+            <p:cNvPr id="2209" name="Google Shape;2209;p51"/>
+            <p:cNvSpPr/>
+            <p:nvPr/>
+          </p:nvSpPr>
+          <p:spPr>
+            <a:xfrm>
+              <a:off x="-4038161" y="2906903"/>
+              <a:ext cx="24518" cy="24549"/>
+            </a:xfrm>
+            <a:custGeom>
+              <a:avLst/>
+              <a:gdLst/>
+              <a:ahLst/>
+              <a:cxnLst/>
+              <a:rect l="l" t="t" r="r" b="b"/>
+              <a:pathLst>
+                <a:path w="785" h="786" extrusionOk="0">
+                  <a:moveTo>
+                    <a:pt x="380" y="1"/>
+                  </a:moveTo>
+                  <a:cubicBezTo>
+                    <a:pt x="178" y="1"/>
+                    <a:pt x="0" y="178"/>
+                    <a:pt x="0" y="380"/>
+                  </a:cubicBezTo>
+                  <a:cubicBezTo>
+                    <a:pt x="0" y="608"/>
+                    <a:pt x="178" y="785"/>
+                    <a:pt x="380" y="785"/>
+                  </a:cubicBezTo>
+                  <a:cubicBezTo>
+                    <a:pt x="608" y="785"/>
+                    <a:pt x="785" y="608"/>
+                    <a:pt x="785" y="380"/>
+                  </a:cubicBezTo>
+                  <a:cubicBezTo>
+                    <a:pt x="785" y="178"/>
+                    <a:pt x="608" y="1"/>
+                    <a:pt x="380" y="1"/>
+                  </a:cubicBezTo>
+                  <a:close/>
+                </a:path>
+              </a:pathLst>
+            </a:custGeom>
+            <a:solidFill>
+              <a:schemeClr val="lt2"/>
+            </a:solidFill>
+            <a:ln>
+              <a:noFill/>
+            </a:ln>
+          </p:spPr>
+          <p:txBody>
+            <a:bodyPr spcFirstLastPara="1" wrap="square" lIns="91425" tIns="91425" rIns="91425" bIns="91425" anchor="ctr" anchorCtr="0">
+              <a:noAutofit/>
+            </a:bodyPr>
+            <a:lstStyle/>
+            <a:p>
+              <a:pPr marL="0" lvl="0" indent="0" algn="l" rtl="0">
+                <a:spcBef>
+                  <a:spcPts val="0"/>
+                </a:spcBef>
+                <a:spcAft>
+                  <a:spcPts val="0"/>
+                </a:spcAft>
+                <a:buNone/>
+              </a:pPr>
+              <a:endParaRPr/>
+            </a:p>
+          </p:txBody>
+        </p:sp>
+        <p:sp>
+          <p:nvSpPr>
+            <p:cNvPr id="2210" name="Google Shape;2210;p51"/>
+            <p:cNvSpPr/>
+            <p:nvPr/>
+          </p:nvSpPr>
+          <p:spPr>
+            <a:xfrm>
+              <a:off x="-4183610" y="2834194"/>
+              <a:ext cx="315417" cy="170748"/>
+            </a:xfrm>
+            <a:custGeom>
+              <a:avLst/>
+              <a:gdLst/>
+              <a:ahLst/>
+              <a:cxnLst/>
+              <a:rect l="l" t="t" r="r" b="b"/>
+              <a:pathLst>
+                <a:path w="10099" h="5467" extrusionOk="0">
+                  <a:moveTo>
+                    <a:pt x="3114" y="2329"/>
+                  </a:moveTo>
+                  <a:lnTo>
+                    <a:pt x="3114" y="3113"/>
+                  </a:lnTo>
+                  <a:lnTo>
+                    <a:pt x="2329" y="3113"/>
+                  </a:lnTo>
+                  <a:lnTo>
+                    <a:pt x="2329" y="2329"/>
+                  </a:lnTo>
+                  <a:close/>
+                  <a:moveTo>
+                    <a:pt x="7770" y="2329"/>
+                  </a:moveTo>
+                  <a:lnTo>
+                    <a:pt x="7770" y="3113"/>
+                  </a:lnTo>
+                  <a:lnTo>
+                    <a:pt x="6986" y="3113"/>
+                  </a:lnTo>
+                  <a:lnTo>
+                    <a:pt x="6986" y="2329"/>
+                  </a:lnTo>
+                  <a:close/>
+                  <a:moveTo>
+                    <a:pt x="5037" y="1544"/>
+                  </a:moveTo>
+                  <a:cubicBezTo>
+                    <a:pt x="5695" y="1544"/>
+                    <a:pt x="6201" y="2075"/>
+                    <a:pt x="6201" y="2708"/>
+                  </a:cubicBezTo>
+                  <a:cubicBezTo>
+                    <a:pt x="6201" y="3366"/>
+                    <a:pt x="5695" y="3872"/>
+                    <a:pt x="5037" y="3872"/>
+                  </a:cubicBezTo>
+                  <a:cubicBezTo>
+                    <a:pt x="4404" y="3872"/>
+                    <a:pt x="3873" y="3366"/>
+                    <a:pt x="3873" y="2708"/>
+                  </a:cubicBezTo>
+                  <a:cubicBezTo>
+                    <a:pt x="3873" y="2075"/>
+                    <a:pt x="4404" y="1544"/>
+                    <a:pt x="5037" y="1544"/>
+                  </a:cubicBezTo>
+                  <a:close/>
+                  <a:moveTo>
+                    <a:pt x="1" y="0"/>
+                  </a:moveTo>
+                  <a:lnTo>
+                    <a:pt x="1" y="5467"/>
+                  </a:lnTo>
+                  <a:lnTo>
+                    <a:pt x="10099" y="5467"/>
+                  </a:lnTo>
+                  <a:lnTo>
+                    <a:pt x="10099" y="0"/>
+                  </a:lnTo>
+                  <a:close/>
+                </a:path>
+              </a:pathLst>
+            </a:custGeom>
+            <a:solidFill>
+              <a:schemeClr val="lt2"/>
+            </a:solidFill>
+            <a:ln>
+              <a:noFill/>
+            </a:ln>
+          </p:spPr>
+          <p:txBody>
+            <a:bodyPr spcFirstLastPara="1" wrap="square" lIns="91425" tIns="91425" rIns="91425" bIns="91425" anchor="ctr" anchorCtr="0">
+              <a:noAutofit/>
+            </a:bodyPr>
+            <a:lstStyle/>
+            <a:p>
+              <a:pPr marL="0" lvl="0" indent="0" algn="l" rtl="0">
+                <a:spcBef>
+                  <a:spcPts val="0"/>
+                </a:spcBef>
+                <a:spcAft>
+                  <a:spcPts val="0"/>
+                </a:spcAft>
+                <a:buNone/>
+              </a:pPr>
+              <a:endParaRPr/>
+            </a:p>
+          </p:txBody>
+        </p:sp>
+      </p:grpSp>
+      <p:grpSp>
+        <p:nvGrpSpPr>
+          <p:cNvPr id="2214" name="Google Shape;2214;p51"/>
+          <p:cNvGrpSpPr/>
+          <p:nvPr/>
+        </p:nvGrpSpPr>
+        <p:grpSpPr>
+          <a:xfrm>
+            <a:off x="5137962" y="3146462"/>
+            <a:ext cx="544590" cy="612656"/>
+            <a:chOff x="-1672424" y="3858557"/>
+            <a:chExt cx="364421" cy="414237"/>
+          </a:xfrm>
+        </p:grpSpPr>
+        <p:sp>
+          <p:nvSpPr>
+            <p:cNvPr id="2215" name="Google Shape;2215;p51"/>
+            <p:cNvSpPr/>
+            <p:nvPr/>
+          </p:nvSpPr>
+          <p:spPr>
+            <a:xfrm>
+              <a:off x="-1672424" y="3858557"/>
+              <a:ext cx="363640" cy="414237"/>
+            </a:xfrm>
+            <a:custGeom>
+              <a:avLst/>
+              <a:gdLst/>
+              <a:ahLst/>
+              <a:cxnLst/>
+              <a:rect l="l" t="t" r="r" b="b"/>
+              <a:pathLst>
+                <a:path w="11643" h="13263" extrusionOk="0">
+                  <a:moveTo>
+                    <a:pt x="6985" y="5467"/>
+                  </a:moveTo>
+                  <a:lnTo>
+                    <a:pt x="6985" y="6252"/>
+                  </a:lnTo>
+                  <a:lnTo>
+                    <a:pt x="4657" y="6252"/>
+                  </a:lnTo>
+                  <a:lnTo>
+                    <a:pt x="4657" y="5467"/>
+                  </a:lnTo>
+                  <a:close/>
+                  <a:moveTo>
+                    <a:pt x="1949" y="1"/>
+                  </a:moveTo>
+                  <a:lnTo>
+                    <a:pt x="1949" y="786"/>
+                  </a:lnTo>
+                  <a:lnTo>
+                    <a:pt x="3113" y="786"/>
+                  </a:lnTo>
+                  <a:lnTo>
+                    <a:pt x="3113" y="5467"/>
+                  </a:lnTo>
+                  <a:lnTo>
+                    <a:pt x="3873" y="5467"/>
+                  </a:lnTo>
+                  <a:lnTo>
+                    <a:pt x="3873" y="6252"/>
+                  </a:lnTo>
+                  <a:lnTo>
+                    <a:pt x="1" y="6252"/>
+                  </a:lnTo>
+                  <a:lnTo>
+                    <a:pt x="1" y="7796"/>
+                  </a:lnTo>
+                  <a:lnTo>
+                    <a:pt x="2329" y="7796"/>
+                  </a:lnTo>
+                  <a:lnTo>
+                    <a:pt x="2329" y="11668"/>
+                  </a:lnTo>
+                  <a:lnTo>
+                    <a:pt x="1" y="11668"/>
+                  </a:lnTo>
+                  <a:lnTo>
+                    <a:pt x="1" y="13262"/>
+                  </a:lnTo>
+                  <a:lnTo>
+                    <a:pt x="3873" y="13262"/>
+                  </a:lnTo>
+                  <a:lnTo>
+                    <a:pt x="3873" y="7796"/>
+                  </a:lnTo>
+                  <a:lnTo>
+                    <a:pt x="7770" y="7796"/>
+                  </a:lnTo>
+                  <a:lnTo>
+                    <a:pt x="7770" y="13262"/>
+                  </a:lnTo>
+                  <a:lnTo>
+                    <a:pt x="11642" y="13262"/>
+                  </a:lnTo>
+                  <a:lnTo>
+                    <a:pt x="11642" y="11668"/>
+                  </a:lnTo>
+                  <a:lnTo>
+                    <a:pt x="9314" y="11668"/>
+                  </a:lnTo>
+                  <a:lnTo>
+                    <a:pt x="9314" y="7796"/>
+                  </a:lnTo>
+                  <a:lnTo>
+                    <a:pt x="11642" y="7796"/>
+                  </a:lnTo>
+                  <a:lnTo>
+                    <a:pt x="11642" y="6252"/>
+                  </a:lnTo>
+                  <a:lnTo>
+                    <a:pt x="7770" y="6252"/>
+                  </a:lnTo>
+                  <a:lnTo>
+                    <a:pt x="7770" y="5467"/>
+                  </a:lnTo>
+                  <a:lnTo>
+                    <a:pt x="8555" y="5467"/>
+                  </a:lnTo>
+                  <a:lnTo>
+                    <a:pt x="8555" y="4683"/>
+                  </a:lnTo>
+                  <a:lnTo>
+                    <a:pt x="3898" y="4683"/>
+                  </a:lnTo>
+                  <a:lnTo>
+                    <a:pt x="3898" y="3924"/>
+                  </a:lnTo>
+                  <a:lnTo>
+                    <a:pt x="8555" y="3924"/>
+                  </a:lnTo>
+                  <a:lnTo>
+                    <a:pt x="8555" y="786"/>
+                  </a:lnTo>
+                  <a:lnTo>
+                    <a:pt x="3898" y="786"/>
+                  </a:lnTo>
+                  <a:lnTo>
+                    <a:pt x="3898" y="1"/>
+                  </a:lnTo>
+                  <a:close/>
+                </a:path>
+              </a:pathLst>
+            </a:custGeom>
+            <a:solidFill>
+              <a:schemeClr val="lt2"/>
+            </a:solidFill>
+            <a:ln>
+              <a:noFill/>
+            </a:ln>
+          </p:spPr>
+          <p:txBody>
+            <a:bodyPr spcFirstLastPara="1" wrap="square" lIns="91425" tIns="91425" rIns="91425" bIns="91425" anchor="ctr" anchorCtr="0">
+              <a:noAutofit/>
+            </a:bodyPr>
+            <a:lstStyle/>
+            <a:p>
+              <a:pPr marL="0" lvl="0" indent="0" algn="l" rtl="0">
+                <a:spcBef>
+                  <a:spcPts val="0"/>
+                </a:spcBef>
+                <a:spcAft>
+                  <a:spcPts val="0"/>
+                </a:spcAft>
+                <a:buNone/>
+              </a:pPr>
+              <a:endParaRPr/>
+            </a:p>
+          </p:txBody>
+        </p:sp>
+        <p:sp>
+          <p:nvSpPr>
+            <p:cNvPr id="2216" name="Google Shape;2216;p51"/>
+            <p:cNvSpPr/>
+            <p:nvPr/>
+          </p:nvSpPr>
+          <p:spPr>
+            <a:xfrm>
+              <a:off x="-1672424" y="4126532"/>
+              <a:ext cx="49035" cy="72740"/>
+            </a:xfrm>
+            <a:custGeom>
+              <a:avLst/>
+              <a:gdLst/>
+              <a:ahLst/>
+              <a:cxnLst/>
+              <a:rect l="l" t="t" r="r" b="b"/>
+              <a:pathLst>
+                <a:path w="1570" h="2329" extrusionOk="0">
+                  <a:moveTo>
+                    <a:pt x="1" y="0"/>
+                  </a:moveTo>
+                  <a:lnTo>
+                    <a:pt x="1" y="2329"/>
+                  </a:lnTo>
+                  <a:lnTo>
+                    <a:pt x="1570" y="2329"/>
+                  </a:lnTo>
+                  <a:lnTo>
+                    <a:pt x="1570" y="0"/>
+                  </a:lnTo>
+                  <a:close/>
+                </a:path>
+              </a:pathLst>
+            </a:custGeom>
+            <a:solidFill>
+              <a:schemeClr val="lt2"/>
+            </a:solidFill>
+            <a:ln>
+              <a:noFill/>
+            </a:ln>
+          </p:spPr>
+          <p:txBody>
+            <a:bodyPr spcFirstLastPara="1" wrap="square" lIns="91425" tIns="91425" rIns="91425" bIns="91425" anchor="ctr" anchorCtr="0">
+              <a:noAutofit/>
+            </a:bodyPr>
+            <a:lstStyle/>
+            <a:p>
+              <a:pPr marL="0" lvl="0" indent="0" algn="l" rtl="0">
+                <a:spcBef>
+                  <a:spcPts val="0"/>
+                </a:spcBef>
+                <a:spcAft>
+                  <a:spcPts val="0"/>
+                </a:spcAft>
+                <a:buNone/>
+              </a:pPr>
+              <a:endParaRPr/>
+            </a:p>
+          </p:txBody>
+        </p:sp>
+        <p:sp>
+          <p:nvSpPr>
+            <p:cNvPr id="2217" name="Google Shape;2217;p51"/>
+            <p:cNvSpPr/>
+            <p:nvPr/>
+          </p:nvSpPr>
+          <p:spPr>
+            <a:xfrm>
+              <a:off x="-1526974" y="4126532"/>
+              <a:ext cx="24518" cy="146262"/>
+            </a:xfrm>
+            <a:custGeom>
+              <a:avLst/>
+              <a:gdLst/>
+              <a:ahLst/>
+              <a:cxnLst/>
+              <a:rect l="l" t="t" r="r" b="b"/>
+              <a:pathLst>
+                <a:path w="785" h="4683" extrusionOk="0">
+                  <a:moveTo>
+                    <a:pt x="0" y="0"/>
+                  </a:moveTo>
+                  <a:lnTo>
+                    <a:pt x="0" y="4682"/>
+                  </a:lnTo>
+                  <a:lnTo>
+                    <a:pt x="785" y="4682"/>
+                  </a:lnTo>
+                  <a:lnTo>
+                    <a:pt x="785" y="0"/>
+                  </a:lnTo>
+                  <a:close/>
+                </a:path>
+              </a:pathLst>
+            </a:custGeom>
+            <a:solidFill>
+              <a:schemeClr val="lt2"/>
+            </a:solidFill>
+            <a:ln>
+              <a:noFill/>
+            </a:ln>
+          </p:spPr>
+          <p:txBody>
+            <a:bodyPr spcFirstLastPara="1" wrap="square" lIns="91425" tIns="91425" rIns="91425" bIns="91425" anchor="ctr" anchorCtr="0">
+              <a:noAutofit/>
+            </a:bodyPr>
+            <a:lstStyle/>
+            <a:p>
+              <a:pPr marL="0" lvl="0" indent="0" algn="l" rtl="0">
+                <a:spcBef>
+                  <a:spcPts val="0"/>
+                </a:spcBef>
+                <a:spcAft>
+                  <a:spcPts val="0"/>
+                </a:spcAft>
+                <a:buNone/>
+              </a:pPr>
+              <a:endParaRPr/>
+            </a:p>
+          </p:txBody>
+        </p:sp>
+        <p:sp>
+          <p:nvSpPr>
+            <p:cNvPr id="2218" name="Google Shape;2218;p51"/>
+            <p:cNvSpPr/>
+            <p:nvPr/>
+          </p:nvSpPr>
+          <p:spPr>
+            <a:xfrm>
+              <a:off x="-1477970" y="4126532"/>
+              <a:ext cx="23737" cy="146262"/>
+            </a:xfrm>
+            <a:custGeom>
+              <a:avLst/>
+              <a:gdLst/>
+              <a:ahLst/>
+              <a:cxnLst/>
+              <a:rect l="l" t="t" r="r" b="b"/>
+              <a:pathLst>
+                <a:path w="760" h="4683" extrusionOk="0">
+                  <a:moveTo>
+                    <a:pt x="0" y="0"/>
+                  </a:moveTo>
+                  <a:lnTo>
+                    <a:pt x="0" y="4682"/>
+                  </a:lnTo>
+                  <a:lnTo>
+                    <a:pt x="759" y="4682"/>
+                  </a:lnTo>
+                  <a:lnTo>
+                    <a:pt x="759" y="0"/>
+                  </a:lnTo>
+                  <a:close/>
+                </a:path>
+              </a:pathLst>
+            </a:custGeom>
+            <a:solidFill>
+              <a:schemeClr val="lt2"/>
+            </a:solidFill>
+            <a:ln>
+              <a:noFill/>
+            </a:ln>
+          </p:spPr>
+          <p:txBody>
+            <a:bodyPr spcFirstLastPara="1" wrap="square" lIns="91425" tIns="91425" rIns="91425" bIns="91425" anchor="ctr" anchorCtr="0">
+              <a:noAutofit/>
+            </a:bodyPr>
+            <a:lstStyle/>
+            <a:p>
+              <a:pPr marL="0" lvl="0" indent="0" algn="l" rtl="0">
+                <a:spcBef>
+                  <a:spcPts val="0"/>
+                </a:spcBef>
+                <a:spcAft>
+                  <a:spcPts val="0"/>
+                </a:spcAft>
+                <a:buNone/>
+              </a:pPr>
+              <a:endParaRPr/>
+            </a:p>
+          </p:txBody>
+        </p:sp>
+        <p:sp>
+          <p:nvSpPr>
+            <p:cNvPr id="2219" name="Google Shape;2219;p51"/>
+            <p:cNvSpPr/>
+            <p:nvPr/>
+          </p:nvSpPr>
+          <p:spPr>
+            <a:xfrm>
+              <a:off x="-1357038" y="4126532"/>
+              <a:ext cx="49035" cy="72740"/>
+            </a:xfrm>
+            <a:custGeom>
+              <a:avLst/>
+              <a:gdLst/>
+              <a:ahLst/>
+              <a:cxnLst/>
+              <a:rect l="l" t="t" r="r" b="b"/>
+              <a:pathLst>
+                <a:path w="1570" h="2329" extrusionOk="0">
+                  <a:moveTo>
+                    <a:pt x="0" y="0"/>
+                  </a:moveTo>
+                  <a:lnTo>
+                    <a:pt x="0" y="2329"/>
+                  </a:lnTo>
+                  <a:lnTo>
+                    <a:pt x="1569" y="2329"/>
+                  </a:lnTo>
+                  <a:lnTo>
+                    <a:pt x="1569" y="0"/>
+                  </a:lnTo>
+                  <a:close/>
+                </a:path>
+              </a:pathLst>
+            </a:custGeom>
+            <a:solidFill>
+              <a:schemeClr val="lt2"/>
+            </a:solidFill>
+            <a:ln>
+              <a:noFill/>
+            </a:ln>
+          </p:spPr>
+          <p:txBody>
+            <a:bodyPr spcFirstLastPara="1" wrap="square" lIns="91425" tIns="91425" rIns="91425" bIns="91425" anchor="ctr" anchorCtr="0">
+              <a:noAutofit/>
+            </a:bodyPr>
+            <a:lstStyle/>
+            <a:p>
+              <a:pPr marL="0" lvl="0" indent="0" algn="l" rtl="0">
+                <a:spcBef>
+                  <a:spcPts val="0"/>
+                </a:spcBef>
+                <a:spcAft>
+                  <a:spcPts val="0"/>
+                </a:spcAft>
+                <a:buNone/>
+              </a:pPr>
+              <a:endParaRPr/>
+            </a:p>
+          </p:txBody>
+        </p:sp>
+      </p:grpSp>
+    </p:spTree>
+  </p:cSld>
+  <p:clrMapOvr>
+    <a:masterClrMapping/>
+  </p:clrMapOvr>
+</p:sld>
+</file>
+
+<file path=ppt/slides/slide6.xml><?xml version="1.0" encoding="utf-8"?>
+<p:sld xmlns:a="http://schemas.openxmlformats.org/drawingml/2006/main" xmlns:r="http://schemas.openxmlformats.org/officeDocument/2006/relationships" xmlns:p="http://schemas.openxmlformats.org/presentationml/2006/main">
+  <p:cSld>
+    <p:spTree>
+      <p:nvGrpSpPr>
         <p:cNvPr id="1" name="Shape 2412"/>
         <p:cNvGrpSpPr/>
         <p:nvPr/>

--- a/Pitch-SavvyFix.pptx
+++ b/Pitch-SavvyFix.pptx
@@ -5,7 +5,7 @@
     <p:sldMasterId id="2147483683" r:id="rId1"/>
   </p:sldMasterIdLst>
   <p:notesMasterIdLst>
-    <p:notesMasterId r:id="rId8"/>
+    <p:notesMasterId r:id="rId9"/>
   </p:notesMasterIdLst>
   <p:sldIdLst>
     <p:sldId id="256" r:id="rId2"/>
@@ -13,25 +13,26 @@
     <p:sldId id="261" r:id="rId4"/>
     <p:sldId id="282" r:id="rId5"/>
     <p:sldId id="269" r:id="rId6"/>
-    <p:sldId id="281" r:id="rId7"/>
+    <p:sldId id="283" r:id="rId7"/>
+    <p:sldId id="281" r:id="rId8"/>
   </p:sldIdLst>
   <p:sldSz cx="9144000" cy="5143500" type="screen16x9"/>
   <p:notesSz cx="6858000" cy="9144000"/>
   <p:embeddedFontLst>
     <p:embeddedFont>
       <p:font typeface="Inter" panose="020B0604020202020204" charset="0"/>
-      <p:regular r:id="rId9"/>
-      <p:bold r:id="rId10"/>
+      <p:regular r:id="rId10"/>
+      <p:bold r:id="rId11"/>
     </p:embeddedFont>
     <p:embeddedFont>
       <p:font typeface="Manrope Medium" panose="020B0604020202020204" charset="0"/>
-      <p:regular r:id="rId11"/>
-      <p:bold r:id="rId12"/>
+      <p:regular r:id="rId12"/>
+      <p:bold r:id="rId13"/>
     </p:embeddedFont>
     <p:embeddedFont>
       <p:font typeface="Manrope SemiBold" panose="020B0604020202020204" charset="0"/>
-      <p:regular r:id="rId13"/>
-      <p:bold r:id="rId14"/>
+      <p:regular r:id="rId14"/>
+      <p:bold r:id="rId15"/>
     </p:embeddedFont>
   </p:embeddedFontLst>
   <p:defaultTextStyle>
@@ -1237,6 +1238,110 @@
   <p:cSld>
     <p:spTree>
       <p:nvGrpSpPr>
+        <p:cNvPr id="1" name="Shape 2433"/>
+        <p:cNvGrpSpPr/>
+        <p:nvPr/>
+      </p:nvGrpSpPr>
+      <p:grpSpPr>
+        <a:xfrm>
+          <a:off x="0" y="0"/>
+          <a:ext cx="0" cy="0"/>
+          <a:chOff x="0" y="0"/>
+          <a:chExt cx="0" cy="0"/>
+        </a:xfrm>
+      </p:grpSpPr>
+      <p:sp>
+        <p:nvSpPr>
+          <p:cNvPr id="2434" name="Google Shape;2434;g131ff7c0f5b_0_14337:notes"/>
+          <p:cNvSpPr>
+            <a:spLocks noGrp="1" noRot="1" noChangeAspect="1"/>
+          </p:cNvSpPr>
+          <p:nvPr>
+            <p:ph type="sldImg" idx="2"/>
+          </p:nvPr>
+        </p:nvSpPr>
+        <p:spPr>
+          <a:xfrm>
+            <a:off x="381000" y="685800"/>
+            <a:ext cx="6096000" cy="3429000"/>
+          </a:xfrm>
+          <a:custGeom>
+            <a:avLst/>
+            <a:gdLst/>
+            <a:ahLst/>
+            <a:cxnLst/>
+            <a:rect l="l" t="t" r="r" b="b"/>
+            <a:pathLst>
+              <a:path w="120000" h="120000" extrusionOk="0">
+                <a:moveTo>
+                  <a:pt x="0" y="0"/>
+                </a:moveTo>
+                <a:lnTo>
+                  <a:pt x="120000" y="0"/>
+                </a:lnTo>
+                <a:lnTo>
+                  <a:pt x="120000" y="120000"/>
+                </a:lnTo>
+                <a:lnTo>
+                  <a:pt x="0" y="120000"/>
+                </a:lnTo>
+                <a:close/>
+              </a:path>
+            </a:pathLst>
+          </a:custGeom>
+        </p:spPr>
+      </p:sp>
+      <p:sp>
+        <p:nvSpPr>
+          <p:cNvPr id="2435" name="Google Shape;2435;g131ff7c0f5b_0_14337:notes"/>
+          <p:cNvSpPr txBox="1">
+            <a:spLocks noGrp="1"/>
+          </p:cNvSpPr>
+          <p:nvPr>
+            <p:ph type="body" idx="1"/>
+          </p:nvPr>
+        </p:nvSpPr>
+        <p:spPr>
+          <a:xfrm>
+            <a:off x="685800" y="4343400"/>
+            <a:ext cx="5486400" cy="4114800"/>
+          </a:xfrm>
+          <a:prstGeom prst="rect">
+            <a:avLst/>
+          </a:prstGeom>
+        </p:spPr>
+        <p:txBody>
+          <a:bodyPr spcFirstLastPara="1" wrap="square" lIns="91425" tIns="91425" rIns="91425" bIns="91425" anchor="t" anchorCtr="0">
+            <a:noAutofit/>
+          </a:bodyPr>
+          <a:lstStyle/>
+          <a:p>
+            <a:pPr marL="0" lvl="0" indent="0" algn="l" rtl="0">
+              <a:spcBef>
+                <a:spcPts val="0"/>
+              </a:spcBef>
+              <a:spcAft>
+                <a:spcPts val="0"/>
+              </a:spcAft>
+              <a:buNone/>
+            </a:pPr>
+            <a:endParaRPr/>
+          </a:p>
+        </p:txBody>
+      </p:sp>
+    </p:spTree>
+  </p:cSld>
+  <p:clrMapOvr>
+    <a:masterClrMapping/>
+  </p:clrMapOvr>
+</p:notes>
+</file>
+
+<file path=ppt/notesSlides/notesSlide7.xml><?xml version="1.0" encoding="utf-8"?>
+<p:notes xmlns:a="http://schemas.openxmlformats.org/drawingml/2006/main" xmlns:r="http://schemas.openxmlformats.org/officeDocument/2006/relationships" xmlns:p="http://schemas.openxmlformats.org/presentationml/2006/main" showMasterSp="0" showMasterPhAnim="0">
+  <p:cSld>
+    <p:spTree>
+      <p:nvGrpSpPr>
         <p:cNvPr id="1" name="Shape 2409"/>
         <p:cNvGrpSpPr/>
         <p:nvPr/>
@@ -3555,6 +3660,2083 @@
         </p:grpSp>
       </p:grpSp>
     </p:spTree>
+  </p:cSld>
+  <p:clrMapOvr>
+    <a:masterClrMapping/>
+  </p:clrMapOvr>
+</p:sldLayout>
+</file>
+
+<file path=ppt/slideLayouts/slideLayout10.xml><?xml version="1.0" encoding="utf-8"?>
+<p:sldLayout xmlns:a="http://schemas.openxmlformats.org/drawingml/2006/main" xmlns:r="http://schemas.openxmlformats.org/officeDocument/2006/relationships" xmlns:p="http://schemas.openxmlformats.org/presentationml/2006/main" matchingName="Title only 1">
+  <p:cSld name="Title only 1">
+    <p:spTree>
+      <p:nvGrpSpPr>
+        <p:cNvPr id="1" name="Shape 797"/>
+        <p:cNvGrpSpPr/>
+        <p:nvPr/>
+      </p:nvGrpSpPr>
+      <p:grpSpPr>
+        <a:xfrm>
+          <a:off x="0" y="0"/>
+          <a:ext cx="0" cy="0"/>
+          <a:chOff x="0" y="0"/>
+          <a:chExt cx="0" cy="0"/>
+        </a:xfrm>
+      </p:grpSpPr>
+      <p:sp>
+        <p:nvSpPr>
+          <p:cNvPr id="798" name="Google Shape;798;p19"/>
+          <p:cNvSpPr txBox="1">
+            <a:spLocks noGrp="1"/>
+          </p:cNvSpPr>
+          <p:nvPr>
+            <p:ph type="title"/>
+          </p:nvPr>
+        </p:nvSpPr>
+        <p:spPr>
+          <a:xfrm>
+            <a:off x="713225" y="520925"/>
+            <a:ext cx="7717500" cy="708000"/>
+          </a:xfrm>
+          <a:prstGeom prst="rect">
+            <a:avLst/>
+          </a:prstGeom>
+        </p:spPr>
+        <p:txBody>
+          <a:bodyPr spcFirstLastPara="1" wrap="square" lIns="91425" tIns="91425" rIns="91425" bIns="91425" anchor="t" anchorCtr="0">
+            <a:noAutofit/>
+          </a:bodyPr>
+          <a:lstStyle>
+            <a:lvl1pPr lvl="0" rtl="0">
+              <a:spcBef>
+                <a:spcPts val="0"/>
+              </a:spcBef>
+              <a:spcAft>
+                <a:spcPts val="0"/>
+              </a:spcAft>
+              <a:buSzPts val="3200"/>
+              <a:buNone/>
+              <a:defRPr/>
+            </a:lvl1pPr>
+            <a:lvl2pPr lvl="1" rtl="0">
+              <a:spcBef>
+                <a:spcPts val="0"/>
+              </a:spcBef>
+              <a:spcAft>
+                <a:spcPts val="0"/>
+              </a:spcAft>
+              <a:buSzPts val="3200"/>
+              <a:buNone/>
+              <a:defRPr/>
+            </a:lvl2pPr>
+            <a:lvl3pPr lvl="2" rtl="0">
+              <a:spcBef>
+                <a:spcPts val="0"/>
+              </a:spcBef>
+              <a:spcAft>
+                <a:spcPts val="0"/>
+              </a:spcAft>
+              <a:buSzPts val="3200"/>
+              <a:buNone/>
+              <a:defRPr/>
+            </a:lvl3pPr>
+            <a:lvl4pPr lvl="3" rtl="0">
+              <a:spcBef>
+                <a:spcPts val="0"/>
+              </a:spcBef>
+              <a:spcAft>
+                <a:spcPts val="0"/>
+              </a:spcAft>
+              <a:buSzPts val="3200"/>
+              <a:buNone/>
+              <a:defRPr/>
+            </a:lvl4pPr>
+            <a:lvl5pPr lvl="4" rtl="0">
+              <a:spcBef>
+                <a:spcPts val="0"/>
+              </a:spcBef>
+              <a:spcAft>
+                <a:spcPts val="0"/>
+              </a:spcAft>
+              <a:buSzPts val="3200"/>
+              <a:buNone/>
+              <a:defRPr/>
+            </a:lvl5pPr>
+            <a:lvl6pPr lvl="5" rtl="0">
+              <a:spcBef>
+                <a:spcPts val="0"/>
+              </a:spcBef>
+              <a:spcAft>
+                <a:spcPts val="0"/>
+              </a:spcAft>
+              <a:buSzPts val="3200"/>
+              <a:buNone/>
+              <a:defRPr/>
+            </a:lvl6pPr>
+            <a:lvl7pPr lvl="6" rtl="0">
+              <a:spcBef>
+                <a:spcPts val="0"/>
+              </a:spcBef>
+              <a:spcAft>
+                <a:spcPts val="0"/>
+              </a:spcAft>
+              <a:buSzPts val="3200"/>
+              <a:buNone/>
+              <a:defRPr/>
+            </a:lvl7pPr>
+            <a:lvl8pPr lvl="7" rtl="0">
+              <a:spcBef>
+                <a:spcPts val="0"/>
+              </a:spcBef>
+              <a:spcAft>
+                <a:spcPts val="0"/>
+              </a:spcAft>
+              <a:buSzPts val="3200"/>
+              <a:buNone/>
+              <a:defRPr/>
+            </a:lvl8pPr>
+            <a:lvl9pPr lvl="8" rtl="0">
+              <a:spcBef>
+                <a:spcPts val="0"/>
+              </a:spcBef>
+              <a:spcAft>
+                <a:spcPts val="0"/>
+              </a:spcAft>
+              <a:buSzPts val="3200"/>
+              <a:buNone/>
+              <a:defRPr/>
+            </a:lvl9pPr>
+          </a:lstStyle>
+          <a:p>
+            <a:endParaRPr/>
+          </a:p>
+        </p:txBody>
+      </p:sp>
+      <p:grpSp>
+        <p:nvGrpSpPr>
+          <p:cNvPr id="799" name="Google Shape;799;p19"/>
+          <p:cNvGrpSpPr/>
+          <p:nvPr/>
+        </p:nvGrpSpPr>
+        <p:grpSpPr>
+          <a:xfrm flipH="1">
+            <a:off x="8162268" y="4327483"/>
+            <a:ext cx="2744275" cy="2727763"/>
+            <a:chOff x="5985575" y="4420825"/>
+            <a:chExt cx="2744275" cy="2727763"/>
+          </a:xfrm>
+        </p:grpSpPr>
+        <p:sp>
+          <p:nvSpPr>
+            <p:cNvPr id="800" name="Google Shape;800;p19"/>
+            <p:cNvSpPr/>
+            <p:nvPr/>
+          </p:nvSpPr>
+          <p:spPr>
+            <a:xfrm>
+              <a:off x="6115050" y="4420825"/>
+              <a:ext cx="2614800" cy="2599800"/>
+            </a:xfrm>
+            <a:prstGeom prst="ellipse">
+              <a:avLst/>
+            </a:prstGeom>
+            <a:solidFill>
+              <a:srgbClr val="FFFFFF">
+                <a:alpha val="35850"/>
+              </a:srgbClr>
+            </a:solidFill>
+            <a:ln>
+              <a:noFill/>
+            </a:ln>
+          </p:spPr>
+          <p:txBody>
+            <a:bodyPr spcFirstLastPara="1" wrap="square" lIns="91425" tIns="91425" rIns="91425" bIns="91425" anchor="ctr" anchorCtr="0">
+              <a:noAutofit/>
+            </a:bodyPr>
+            <a:lstStyle/>
+            <a:p>
+              <a:pPr marL="0" lvl="0" indent="0" algn="l" rtl="0">
+                <a:spcBef>
+                  <a:spcPts val="0"/>
+                </a:spcBef>
+                <a:spcAft>
+                  <a:spcPts val="0"/>
+                </a:spcAft>
+                <a:buNone/>
+              </a:pPr>
+              <a:endParaRPr>
+                <a:latin typeface="Inter"/>
+                <a:ea typeface="Inter"/>
+                <a:cs typeface="Inter"/>
+                <a:sym typeface="Inter"/>
+              </a:endParaRPr>
+            </a:p>
+          </p:txBody>
+        </p:sp>
+        <p:grpSp>
+          <p:nvGrpSpPr>
+            <p:cNvPr id="801" name="Google Shape;801;p19"/>
+            <p:cNvGrpSpPr/>
+            <p:nvPr/>
+          </p:nvGrpSpPr>
+          <p:grpSpPr>
+            <a:xfrm rot="5400000" flipH="1">
+              <a:off x="5986247" y="4572099"/>
+              <a:ext cx="2575817" cy="2577160"/>
+              <a:chOff x="1550275" y="1493275"/>
+              <a:chExt cx="1582100" cy="1582925"/>
+            </a:xfrm>
+          </p:grpSpPr>
+          <p:sp>
+            <p:nvSpPr>
+              <p:cNvPr id="802" name="Google Shape;802;p19"/>
+              <p:cNvSpPr/>
+              <p:nvPr/>
+            </p:nvSpPr>
+            <p:spPr>
+              <a:xfrm>
+                <a:off x="1650275" y="1594100"/>
+                <a:ext cx="301650" cy="300825"/>
+              </a:xfrm>
+              <a:custGeom>
+                <a:avLst/>
+                <a:gdLst/>
+                <a:ahLst/>
+                <a:cxnLst/>
+                <a:rect l="l" t="t" r="r" b="b"/>
+                <a:pathLst>
+                  <a:path w="12066" h="12033" fill="none" extrusionOk="0">
+                    <a:moveTo>
+                      <a:pt x="1" y="12032"/>
+                    </a:moveTo>
+                    <a:lnTo>
+                      <a:pt x="12065" y="0"/>
+                    </a:lnTo>
+                  </a:path>
+                </a:pathLst>
+              </a:custGeom>
+              <a:noFill/>
+              <a:ln w="19050" cap="rnd" cmpd="sng">
+                <a:solidFill>
+                  <a:schemeClr val="accent1"/>
+                </a:solidFill>
+                <a:prstDash val="solid"/>
+                <a:miter lim="32519"/>
+                <a:headEnd type="none" w="sm" len="sm"/>
+                <a:tailEnd type="none" w="sm" len="sm"/>
+              </a:ln>
+            </p:spPr>
+            <p:txBody>
+              <a:bodyPr spcFirstLastPara="1" wrap="square" lIns="91425" tIns="91425" rIns="91425" bIns="91425" anchor="ctr" anchorCtr="0">
+                <a:noAutofit/>
+              </a:bodyPr>
+              <a:lstStyle/>
+              <a:p>
+                <a:pPr marL="0" lvl="0" indent="0" algn="l" rtl="0">
+                  <a:spcBef>
+                    <a:spcPts val="0"/>
+                  </a:spcBef>
+                  <a:spcAft>
+                    <a:spcPts val="0"/>
+                  </a:spcAft>
+                  <a:buNone/>
+                </a:pPr>
+                <a:endParaRPr>
+                  <a:latin typeface="Inter"/>
+                  <a:ea typeface="Inter"/>
+                  <a:cs typeface="Inter"/>
+                  <a:sym typeface="Inter"/>
+                </a:endParaRPr>
+              </a:p>
+            </p:txBody>
+          </p:sp>
+          <p:sp>
+            <p:nvSpPr>
+              <p:cNvPr id="803" name="Google Shape;803;p19"/>
+              <p:cNvSpPr/>
+              <p:nvPr/>
+            </p:nvSpPr>
+            <p:spPr>
+              <a:xfrm>
+                <a:off x="1560025" y="1503850"/>
+                <a:ext cx="648800" cy="647975"/>
+              </a:xfrm>
+              <a:custGeom>
+                <a:avLst/>
+                <a:gdLst/>
+                <a:ahLst/>
+                <a:cxnLst/>
+                <a:rect l="l" t="t" r="r" b="b"/>
+                <a:pathLst>
+                  <a:path w="25952" h="25919" fill="none" extrusionOk="0">
+                    <a:moveTo>
+                      <a:pt x="1" y="25919"/>
+                    </a:moveTo>
+                    <a:lnTo>
+                      <a:pt x="25952" y="0"/>
+                    </a:lnTo>
+                  </a:path>
+                </a:pathLst>
+              </a:custGeom>
+              <a:noFill/>
+              <a:ln w="19050" cap="rnd" cmpd="sng">
+                <a:solidFill>
+                  <a:schemeClr val="accent1"/>
+                </a:solidFill>
+                <a:prstDash val="solid"/>
+                <a:miter lim="32519"/>
+                <a:headEnd type="none" w="sm" len="sm"/>
+                <a:tailEnd type="none" w="sm" len="sm"/>
+              </a:ln>
+            </p:spPr>
+            <p:txBody>
+              <a:bodyPr spcFirstLastPara="1" wrap="square" lIns="91425" tIns="91425" rIns="91425" bIns="91425" anchor="ctr" anchorCtr="0">
+                <a:noAutofit/>
+              </a:bodyPr>
+              <a:lstStyle/>
+              <a:p>
+                <a:pPr marL="0" lvl="0" indent="0" algn="l" rtl="0">
+                  <a:spcBef>
+                    <a:spcPts val="0"/>
+                  </a:spcBef>
+                  <a:spcAft>
+                    <a:spcPts val="0"/>
+                  </a:spcAft>
+                  <a:buNone/>
+                </a:pPr>
+                <a:endParaRPr>
+                  <a:latin typeface="Inter"/>
+                  <a:ea typeface="Inter"/>
+                  <a:cs typeface="Inter"/>
+                  <a:sym typeface="Inter"/>
+                </a:endParaRPr>
+              </a:p>
+            </p:txBody>
+          </p:sp>
+          <p:sp>
+            <p:nvSpPr>
+              <p:cNvPr id="804" name="Google Shape;804;p19"/>
+              <p:cNvSpPr/>
+              <p:nvPr/>
+            </p:nvSpPr>
+            <p:spPr>
+              <a:xfrm>
+                <a:off x="1550275" y="1493275"/>
+                <a:ext cx="834150" cy="834975"/>
+              </a:xfrm>
+              <a:custGeom>
+                <a:avLst/>
+                <a:gdLst/>
+                <a:ahLst/>
+                <a:cxnLst/>
+                <a:rect l="l" t="t" r="r" b="b"/>
+                <a:pathLst>
+                  <a:path w="33366" h="33399" fill="none" extrusionOk="0">
+                    <a:moveTo>
+                      <a:pt x="1" y="33398"/>
+                    </a:moveTo>
+                    <a:lnTo>
+                      <a:pt x="33366" y="1"/>
+                    </a:lnTo>
+                  </a:path>
+                </a:pathLst>
+              </a:custGeom>
+              <a:noFill/>
+              <a:ln w="19050" cap="rnd" cmpd="sng">
+                <a:solidFill>
+                  <a:schemeClr val="accent1"/>
+                </a:solidFill>
+                <a:prstDash val="solid"/>
+                <a:miter lim="32519"/>
+                <a:headEnd type="none" w="sm" len="sm"/>
+                <a:tailEnd type="none" w="sm" len="sm"/>
+              </a:ln>
+            </p:spPr>
+            <p:txBody>
+              <a:bodyPr spcFirstLastPara="1" wrap="square" lIns="91425" tIns="91425" rIns="91425" bIns="91425" anchor="ctr" anchorCtr="0">
+                <a:noAutofit/>
+              </a:bodyPr>
+              <a:lstStyle/>
+              <a:p>
+                <a:pPr marL="0" lvl="0" indent="0" algn="l" rtl="0">
+                  <a:spcBef>
+                    <a:spcPts val="0"/>
+                  </a:spcBef>
+                  <a:spcAft>
+                    <a:spcPts val="0"/>
+                  </a:spcAft>
+                  <a:buNone/>
+                </a:pPr>
+                <a:endParaRPr>
+                  <a:latin typeface="Inter"/>
+                  <a:ea typeface="Inter"/>
+                  <a:cs typeface="Inter"/>
+                  <a:sym typeface="Inter"/>
+                </a:endParaRPr>
+              </a:p>
+            </p:txBody>
+          </p:sp>
+          <p:sp>
+            <p:nvSpPr>
+              <p:cNvPr id="805" name="Google Shape;805;p19"/>
+              <p:cNvSpPr/>
+              <p:nvPr/>
+            </p:nvSpPr>
+            <p:spPr>
+              <a:xfrm>
+                <a:off x="1571425" y="1514425"/>
+                <a:ext cx="957725" cy="958525"/>
+              </a:xfrm>
+              <a:custGeom>
+                <a:avLst/>
+                <a:gdLst/>
+                <a:ahLst/>
+                <a:cxnLst/>
+                <a:rect l="l" t="t" r="r" b="b"/>
+                <a:pathLst>
+                  <a:path w="38309" h="38341" fill="none" extrusionOk="0">
+                    <a:moveTo>
+                      <a:pt x="0" y="38341"/>
+                    </a:moveTo>
+                    <a:lnTo>
+                      <a:pt x="38308" y="0"/>
+                    </a:lnTo>
+                  </a:path>
+                </a:pathLst>
+              </a:custGeom>
+              <a:noFill/>
+              <a:ln w="19050" cap="rnd" cmpd="sng">
+                <a:solidFill>
+                  <a:schemeClr val="accent1"/>
+                </a:solidFill>
+                <a:prstDash val="solid"/>
+                <a:miter lim="32519"/>
+                <a:headEnd type="none" w="sm" len="sm"/>
+                <a:tailEnd type="none" w="sm" len="sm"/>
+              </a:ln>
+            </p:spPr>
+            <p:txBody>
+              <a:bodyPr spcFirstLastPara="1" wrap="square" lIns="91425" tIns="91425" rIns="91425" bIns="91425" anchor="ctr" anchorCtr="0">
+                <a:noAutofit/>
+              </a:bodyPr>
+              <a:lstStyle/>
+              <a:p>
+                <a:pPr marL="0" lvl="0" indent="0" algn="l" rtl="0">
+                  <a:spcBef>
+                    <a:spcPts val="0"/>
+                  </a:spcBef>
+                  <a:spcAft>
+                    <a:spcPts val="0"/>
+                  </a:spcAft>
+                  <a:buNone/>
+                </a:pPr>
+                <a:endParaRPr>
+                  <a:latin typeface="Inter"/>
+                  <a:ea typeface="Inter"/>
+                  <a:cs typeface="Inter"/>
+                  <a:sym typeface="Inter"/>
+                </a:endParaRPr>
+              </a:p>
+            </p:txBody>
+          </p:sp>
+          <p:sp>
+            <p:nvSpPr>
+              <p:cNvPr id="806" name="Google Shape;806;p19"/>
+              <p:cNvSpPr/>
+              <p:nvPr/>
+            </p:nvSpPr>
+            <p:spPr>
+              <a:xfrm>
+                <a:off x="1612875" y="1555875"/>
+                <a:ext cx="1041475" cy="1042275"/>
+              </a:xfrm>
+              <a:custGeom>
+                <a:avLst/>
+                <a:gdLst/>
+                <a:ahLst/>
+                <a:cxnLst/>
+                <a:rect l="l" t="t" r="r" b="b"/>
+                <a:pathLst>
+                  <a:path w="41659" h="41691" fill="none" extrusionOk="0">
+                    <a:moveTo>
+                      <a:pt x="1" y="41691"/>
+                    </a:moveTo>
+                    <a:lnTo>
+                      <a:pt x="41658" y="1"/>
+                    </a:lnTo>
+                  </a:path>
+                </a:pathLst>
+              </a:custGeom>
+              <a:noFill/>
+              <a:ln w="19050" cap="rnd" cmpd="sng">
+                <a:solidFill>
+                  <a:schemeClr val="accent1"/>
+                </a:solidFill>
+                <a:prstDash val="solid"/>
+                <a:miter lim="32519"/>
+                <a:headEnd type="none" w="sm" len="sm"/>
+                <a:tailEnd type="none" w="sm" len="sm"/>
+              </a:ln>
+            </p:spPr>
+            <p:txBody>
+              <a:bodyPr spcFirstLastPara="1" wrap="square" lIns="91425" tIns="91425" rIns="91425" bIns="91425" anchor="ctr" anchorCtr="0">
+                <a:noAutofit/>
+              </a:bodyPr>
+              <a:lstStyle/>
+              <a:p>
+                <a:pPr marL="0" lvl="0" indent="0" algn="l" rtl="0">
+                  <a:spcBef>
+                    <a:spcPts val="0"/>
+                  </a:spcBef>
+                  <a:spcAft>
+                    <a:spcPts val="0"/>
+                  </a:spcAft>
+                  <a:buNone/>
+                </a:pPr>
+                <a:endParaRPr>
+                  <a:latin typeface="Inter"/>
+                  <a:ea typeface="Inter"/>
+                  <a:cs typeface="Inter"/>
+                  <a:sym typeface="Inter"/>
+                </a:endParaRPr>
+              </a:p>
+            </p:txBody>
+          </p:sp>
+          <p:sp>
+            <p:nvSpPr>
+              <p:cNvPr id="807" name="Google Shape;807;p19"/>
+              <p:cNvSpPr/>
+              <p:nvPr/>
+            </p:nvSpPr>
+            <p:spPr>
+              <a:xfrm>
+                <a:off x="1669800" y="1613600"/>
+                <a:ext cx="1093475" cy="1092675"/>
+              </a:xfrm>
+              <a:custGeom>
+                <a:avLst/>
+                <a:gdLst/>
+                <a:ahLst/>
+                <a:cxnLst/>
+                <a:rect l="l" t="t" r="r" b="b"/>
+                <a:pathLst>
+                  <a:path w="43739" h="43707" fill="none" extrusionOk="0">
+                    <a:moveTo>
+                      <a:pt x="0" y="43707"/>
+                    </a:moveTo>
+                    <a:lnTo>
+                      <a:pt x="43739" y="1"/>
+                    </a:lnTo>
+                  </a:path>
+                </a:pathLst>
+              </a:custGeom>
+              <a:noFill/>
+              <a:ln w="19050" cap="rnd" cmpd="sng">
+                <a:solidFill>
+                  <a:schemeClr val="accent1"/>
+                </a:solidFill>
+                <a:prstDash val="solid"/>
+                <a:miter lim="32519"/>
+                <a:headEnd type="none" w="sm" len="sm"/>
+                <a:tailEnd type="none" w="sm" len="sm"/>
+              </a:ln>
+            </p:spPr>
+            <p:txBody>
+              <a:bodyPr spcFirstLastPara="1" wrap="square" lIns="91425" tIns="91425" rIns="91425" bIns="91425" anchor="ctr" anchorCtr="0">
+                <a:noAutofit/>
+              </a:bodyPr>
+              <a:lstStyle/>
+              <a:p>
+                <a:pPr marL="0" lvl="0" indent="0" algn="l" rtl="0">
+                  <a:spcBef>
+                    <a:spcPts val="0"/>
+                  </a:spcBef>
+                  <a:spcAft>
+                    <a:spcPts val="0"/>
+                  </a:spcAft>
+                  <a:buNone/>
+                </a:pPr>
+                <a:endParaRPr>
+                  <a:latin typeface="Inter"/>
+                  <a:ea typeface="Inter"/>
+                  <a:cs typeface="Inter"/>
+                  <a:sym typeface="Inter"/>
+                </a:endParaRPr>
+              </a:p>
+            </p:txBody>
+          </p:sp>
+          <p:sp>
+            <p:nvSpPr>
+              <p:cNvPr id="808" name="Google Shape;808;p19"/>
+              <p:cNvSpPr/>
+              <p:nvPr/>
+            </p:nvSpPr>
+            <p:spPr>
+              <a:xfrm>
+                <a:off x="1724445" y="1684323"/>
+                <a:ext cx="1133953" cy="1137555"/>
+              </a:xfrm>
+              <a:custGeom>
+                <a:avLst/>
+                <a:gdLst/>
+                <a:ahLst/>
+                <a:cxnLst/>
+                <a:rect l="l" t="t" r="r" b="b"/>
+                <a:pathLst>
+                  <a:path w="75837" h="75837" fill="none" extrusionOk="0">
+                    <a:moveTo>
+                      <a:pt x="1" y="75836"/>
+                    </a:moveTo>
+                    <a:lnTo>
+                      <a:pt x="75837" y="1"/>
+                    </a:lnTo>
+                  </a:path>
+                </a:pathLst>
+              </a:custGeom>
+              <a:noFill/>
+              <a:ln w="19050" cap="rnd" cmpd="sng">
+                <a:solidFill>
+                  <a:schemeClr val="accent1"/>
+                </a:solidFill>
+                <a:prstDash val="solid"/>
+                <a:miter lim="32519"/>
+                <a:headEnd type="none" w="sm" len="sm"/>
+                <a:tailEnd type="none" w="sm" len="sm"/>
+              </a:ln>
+            </p:spPr>
+            <p:txBody>
+              <a:bodyPr spcFirstLastPara="1" wrap="square" lIns="91425" tIns="91425" rIns="91425" bIns="91425" anchor="ctr" anchorCtr="0">
+                <a:noAutofit/>
+              </a:bodyPr>
+              <a:lstStyle/>
+              <a:p>
+                <a:pPr marL="0" lvl="0" indent="0" algn="l" rtl="0">
+                  <a:spcBef>
+                    <a:spcPts val="0"/>
+                  </a:spcBef>
+                  <a:spcAft>
+                    <a:spcPts val="0"/>
+                  </a:spcAft>
+                  <a:buNone/>
+                </a:pPr>
+                <a:endParaRPr>
+                  <a:latin typeface="Inter"/>
+                  <a:ea typeface="Inter"/>
+                  <a:cs typeface="Inter"/>
+                  <a:sym typeface="Inter"/>
+                </a:endParaRPr>
+              </a:p>
+            </p:txBody>
+          </p:sp>
+          <p:sp>
+            <p:nvSpPr>
+              <p:cNvPr id="809" name="Google Shape;809;p19"/>
+              <p:cNvSpPr/>
+              <p:nvPr/>
+            </p:nvSpPr>
+            <p:spPr>
+              <a:xfrm>
+                <a:off x="1861553" y="1767253"/>
+                <a:ext cx="1080578" cy="1082004"/>
+              </a:xfrm>
+              <a:custGeom>
+                <a:avLst/>
+                <a:gdLst/>
+                <a:ahLst/>
+                <a:cxnLst/>
+                <a:rect l="l" t="t" r="r" b="b"/>
+                <a:pathLst>
+                  <a:path w="75870" h="75837" fill="none" extrusionOk="0">
+                    <a:moveTo>
+                      <a:pt x="1" y="75836"/>
+                    </a:moveTo>
+                    <a:lnTo>
+                      <a:pt x="75869" y="1"/>
+                    </a:lnTo>
+                  </a:path>
+                </a:pathLst>
+              </a:custGeom>
+              <a:noFill/>
+              <a:ln w="19050" cap="rnd" cmpd="sng">
+                <a:solidFill>
+                  <a:schemeClr val="accent1"/>
+                </a:solidFill>
+                <a:prstDash val="solid"/>
+                <a:miter lim="32519"/>
+                <a:headEnd type="none" w="sm" len="sm"/>
+                <a:tailEnd type="none" w="sm" len="sm"/>
+              </a:ln>
+            </p:spPr>
+            <p:txBody>
+              <a:bodyPr spcFirstLastPara="1" wrap="square" lIns="91425" tIns="91425" rIns="91425" bIns="91425" anchor="ctr" anchorCtr="0">
+                <a:noAutofit/>
+              </a:bodyPr>
+              <a:lstStyle/>
+              <a:p>
+                <a:pPr marL="0" lvl="0" indent="0" algn="l" rtl="0">
+                  <a:spcBef>
+                    <a:spcPts val="0"/>
+                  </a:spcBef>
+                  <a:spcAft>
+                    <a:spcPts val="0"/>
+                  </a:spcAft>
+                  <a:buNone/>
+                </a:pPr>
+                <a:endParaRPr>
+                  <a:latin typeface="Inter"/>
+                  <a:ea typeface="Inter"/>
+                  <a:cs typeface="Inter"/>
+                  <a:sym typeface="Inter"/>
+                </a:endParaRPr>
+              </a:p>
+            </p:txBody>
+          </p:sp>
+          <p:sp>
+            <p:nvSpPr>
+              <p:cNvPr id="810" name="Google Shape;810;p19"/>
+              <p:cNvSpPr/>
+              <p:nvPr/>
+            </p:nvSpPr>
+            <p:spPr>
+              <a:xfrm>
+                <a:off x="1898130" y="1863198"/>
+                <a:ext cx="1114002" cy="1086690"/>
+              </a:xfrm>
+              <a:custGeom>
+                <a:avLst/>
+                <a:gdLst/>
+                <a:ahLst/>
+                <a:cxnLst/>
+                <a:rect l="l" t="t" r="r" b="b"/>
+                <a:pathLst>
+                  <a:path w="74828" h="74828" fill="none" extrusionOk="0">
+                    <a:moveTo>
+                      <a:pt x="0" y="74828"/>
+                    </a:moveTo>
+                    <a:lnTo>
+                      <a:pt x="74828" y="0"/>
+                    </a:lnTo>
+                  </a:path>
+                </a:pathLst>
+              </a:custGeom>
+              <a:noFill/>
+              <a:ln w="19050" cap="rnd" cmpd="sng">
+                <a:solidFill>
+                  <a:schemeClr val="accent1"/>
+                </a:solidFill>
+                <a:prstDash val="solid"/>
+                <a:miter lim="32519"/>
+                <a:headEnd type="none" w="sm" len="sm"/>
+                <a:tailEnd type="none" w="sm" len="sm"/>
+              </a:ln>
+            </p:spPr>
+            <p:txBody>
+              <a:bodyPr spcFirstLastPara="1" wrap="square" lIns="91425" tIns="91425" rIns="91425" bIns="91425" anchor="ctr" anchorCtr="0">
+                <a:noAutofit/>
+              </a:bodyPr>
+              <a:lstStyle/>
+              <a:p>
+                <a:pPr marL="0" lvl="0" indent="0" algn="l" rtl="0">
+                  <a:spcBef>
+                    <a:spcPts val="0"/>
+                  </a:spcBef>
+                  <a:spcAft>
+                    <a:spcPts val="0"/>
+                  </a:spcAft>
+                  <a:buNone/>
+                </a:pPr>
+                <a:endParaRPr>
+                  <a:latin typeface="Inter"/>
+                  <a:ea typeface="Inter"/>
+                  <a:cs typeface="Inter"/>
+                  <a:sym typeface="Inter"/>
+                </a:endParaRPr>
+              </a:p>
+            </p:txBody>
+          </p:sp>
+          <p:sp>
+            <p:nvSpPr>
+              <p:cNvPr id="811" name="Google Shape;811;p19"/>
+              <p:cNvSpPr/>
+              <p:nvPr/>
+            </p:nvSpPr>
+            <p:spPr>
+              <a:xfrm>
+                <a:off x="2027500" y="1971325"/>
+                <a:ext cx="1042275" cy="1042275"/>
+              </a:xfrm>
+              <a:custGeom>
+                <a:avLst/>
+                <a:gdLst/>
+                <a:ahLst/>
+                <a:cxnLst/>
+                <a:rect l="l" t="t" r="r" b="b"/>
+                <a:pathLst>
+                  <a:path w="41691" h="41691" fill="none" extrusionOk="0">
+                    <a:moveTo>
+                      <a:pt x="41691" y="0"/>
+                    </a:moveTo>
+                    <a:lnTo>
+                      <a:pt x="1" y="41690"/>
+                    </a:lnTo>
+                  </a:path>
+                </a:pathLst>
+              </a:custGeom>
+              <a:noFill/>
+              <a:ln w="19050" cap="rnd" cmpd="sng">
+                <a:solidFill>
+                  <a:schemeClr val="accent1"/>
+                </a:solidFill>
+                <a:prstDash val="solid"/>
+                <a:miter lim="32519"/>
+                <a:headEnd type="none" w="sm" len="sm"/>
+                <a:tailEnd type="none" w="sm" len="sm"/>
+              </a:ln>
+            </p:spPr>
+            <p:txBody>
+              <a:bodyPr spcFirstLastPara="1" wrap="square" lIns="91425" tIns="91425" rIns="91425" bIns="91425" anchor="ctr" anchorCtr="0">
+                <a:noAutofit/>
+              </a:bodyPr>
+              <a:lstStyle/>
+              <a:p>
+                <a:pPr marL="0" lvl="0" indent="0" algn="l" rtl="0">
+                  <a:spcBef>
+                    <a:spcPts val="0"/>
+                  </a:spcBef>
+                  <a:spcAft>
+                    <a:spcPts val="0"/>
+                  </a:spcAft>
+                  <a:buNone/>
+                </a:pPr>
+                <a:endParaRPr>
+                  <a:latin typeface="Inter"/>
+                  <a:ea typeface="Inter"/>
+                  <a:cs typeface="Inter"/>
+                  <a:sym typeface="Inter"/>
+                </a:endParaRPr>
+              </a:p>
+            </p:txBody>
+          </p:sp>
+          <p:sp>
+            <p:nvSpPr>
+              <p:cNvPr id="812" name="Google Shape;812;p19"/>
+              <p:cNvSpPr/>
+              <p:nvPr/>
+            </p:nvSpPr>
+            <p:spPr>
+              <a:xfrm>
+                <a:off x="2152700" y="2096525"/>
+                <a:ext cx="958550" cy="958525"/>
+              </a:xfrm>
+              <a:custGeom>
+                <a:avLst/>
+                <a:gdLst/>
+                <a:ahLst/>
+                <a:cxnLst/>
+                <a:rect l="l" t="t" r="r" b="b"/>
+                <a:pathLst>
+                  <a:path w="38342" h="38341" fill="none" extrusionOk="0">
+                    <a:moveTo>
+                      <a:pt x="38341" y="0"/>
+                    </a:moveTo>
+                    <a:lnTo>
+                      <a:pt x="1" y="38341"/>
+                    </a:lnTo>
+                  </a:path>
+                </a:pathLst>
+              </a:custGeom>
+              <a:noFill/>
+              <a:ln w="19050" cap="rnd" cmpd="sng">
+                <a:solidFill>
+                  <a:schemeClr val="accent1"/>
+                </a:solidFill>
+                <a:prstDash val="solid"/>
+                <a:miter lim="32519"/>
+                <a:headEnd type="none" w="sm" len="sm"/>
+                <a:tailEnd type="none" w="sm" len="sm"/>
+              </a:ln>
+            </p:spPr>
+            <p:txBody>
+              <a:bodyPr spcFirstLastPara="1" wrap="square" lIns="91425" tIns="91425" rIns="91425" bIns="91425" anchor="ctr" anchorCtr="0">
+                <a:noAutofit/>
+              </a:bodyPr>
+              <a:lstStyle/>
+              <a:p>
+                <a:pPr marL="0" lvl="0" indent="0" algn="l" rtl="0">
+                  <a:spcBef>
+                    <a:spcPts val="0"/>
+                  </a:spcBef>
+                  <a:spcAft>
+                    <a:spcPts val="0"/>
+                  </a:spcAft>
+                  <a:buNone/>
+                </a:pPr>
+                <a:endParaRPr>
+                  <a:latin typeface="Inter"/>
+                  <a:ea typeface="Inter"/>
+                  <a:cs typeface="Inter"/>
+                  <a:sym typeface="Inter"/>
+                </a:endParaRPr>
+              </a:p>
+            </p:txBody>
+          </p:sp>
+          <p:sp>
+            <p:nvSpPr>
+              <p:cNvPr id="813" name="Google Shape;813;p19"/>
+              <p:cNvSpPr/>
+              <p:nvPr/>
+            </p:nvSpPr>
+            <p:spPr>
+              <a:xfrm>
+                <a:off x="2298225" y="2241225"/>
+                <a:ext cx="834150" cy="834975"/>
+              </a:xfrm>
+              <a:custGeom>
+                <a:avLst/>
+                <a:gdLst/>
+                <a:ahLst/>
+                <a:cxnLst/>
+                <a:rect l="l" t="t" r="r" b="b"/>
+                <a:pathLst>
+                  <a:path w="33366" h="33399" fill="none" extrusionOk="0">
+                    <a:moveTo>
+                      <a:pt x="33366" y="1"/>
+                    </a:moveTo>
+                    <a:lnTo>
+                      <a:pt x="1" y="33398"/>
+                    </a:lnTo>
+                  </a:path>
+                </a:pathLst>
+              </a:custGeom>
+              <a:noFill/>
+              <a:ln w="19050" cap="rnd" cmpd="sng">
+                <a:solidFill>
+                  <a:schemeClr val="accent1"/>
+                </a:solidFill>
+                <a:prstDash val="solid"/>
+                <a:miter lim="32519"/>
+                <a:headEnd type="none" w="sm" len="sm"/>
+                <a:tailEnd type="none" w="sm" len="sm"/>
+              </a:ln>
+            </p:spPr>
+            <p:txBody>
+              <a:bodyPr spcFirstLastPara="1" wrap="square" lIns="91425" tIns="91425" rIns="91425" bIns="91425" anchor="ctr" anchorCtr="0">
+                <a:noAutofit/>
+              </a:bodyPr>
+              <a:lstStyle/>
+              <a:p>
+                <a:pPr marL="0" lvl="0" indent="0" algn="l" rtl="0">
+                  <a:spcBef>
+                    <a:spcPts val="0"/>
+                  </a:spcBef>
+                  <a:spcAft>
+                    <a:spcPts val="0"/>
+                  </a:spcAft>
+                  <a:buNone/>
+                </a:pPr>
+                <a:endParaRPr>
+                  <a:latin typeface="Inter"/>
+                  <a:ea typeface="Inter"/>
+                  <a:cs typeface="Inter"/>
+                  <a:sym typeface="Inter"/>
+                </a:endParaRPr>
+              </a:p>
+            </p:txBody>
+          </p:sp>
+          <p:sp>
+            <p:nvSpPr>
+              <p:cNvPr id="814" name="Google Shape;814;p19"/>
+              <p:cNvSpPr/>
+              <p:nvPr/>
+            </p:nvSpPr>
+            <p:spPr>
+              <a:xfrm>
+                <a:off x="2473825" y="2417650"/>
+                <a:ext cx="648800" cy="648800"/>
+              </a:xfrm>
+              <a:custGeom>
+                <a:avLst/>
+                <a:gdLst/>
+                <a:ahLst/>
+                <a:cxnLst/>
+                <a:rect l="l" t="t" r="r" b="b"/>
+                <a:pathLst>
+                  <a:path w="25952" h="25952" fill="none" extrusionOk="0">
+                    <a:moveTo>
+                      <a:pt x="25952" y="0"/>
+                    </a:moveTo>
+                    <a:lnTo>
+                      <a:pt x="1" y="25951"/>
+                    </a:lnTo>
+                  </a:path>
+                </a:pathLst>
+              </a:custGeom>
+              <a:noFill/>
+              <a:ln w="19050" cap="rnd" cmpd="sng">
+                <a:solidFill>
+                  <a:schemeClr val="accent1"/>
+                </a:solidFill>
+                <a:prstDash val="solid"/>
+                <a:miter lim="32519"/>
+                <a:headEnd type="none" w="sm" len="sm"/>
+                <a:tailEnd type="none" w="sm" len="sm"/>
+              </a:ln>
+            </p:spPr>
+            <p:txBody>
+              <a:bodyPr spcFirstLastPara="1" wrap="square" lIns="91425" tIns="91425" rIns="91425" bIns="91425" anchor="ctr" anchorCtr="0">
+                <a:noAutofit/>
+              </a:bodyPr>
+              <a:lstStyle/>
+              <a:p>
+                <a:pPr marL="0" lvl="0" indent="0" algn="l" rtl="0">
+                  <a:spcBef>
+                    <a:spcPts val="0"/>
+                  </a:spcBef>
+                  <a:spcAft>
+                    <a:spcPts val="0"/>
+                  </a:spcAft>
+                  <a:buNone/>
+                </a:pPr>
+                <a:endParaRPr>
+                  <a:latin typeface="Inter"/>
+                  <a:ea typeface="Inter"/>
+                  <a:cs typeface="Inter"/>
+                  <a:sym typeface="Inter"/>
+                </a:endParaRPr>
+              </a:p>
+            </p:txBody>
+          </p:sp>
+          <p:sp>
+            <p:nvSpPr>
+              <p:cNvPr id="815" name="Google Shape;815;p19"/>
+              <p:cNvSpPr/>
+              <p:nvPr/>
+            </p:nvSpPr>
+            <p:spPr>
+              <a:xfrm>
+                <a:off x="2730750" y="2674550"/>
+                <a:ext cx="300825" cy="300825"/>
+              </a:xfrm>
+              <a:custGeom>
+                <a:avLst/>
+                <a:gdLst/>
+                <a:ahLst/>
+                <a:cxnLst/>
+                <a:rect l="l" t="t" r="r" b="b"/>
+                <a:pathLst>
+                  <a:path w="12033" h="12033" fill="none" extrusionOk="0">
+                    <a:moveTo>
+                      <a:pt x="12032" y="1"/>
+                    </a:moveTo>
+                    <a:lnTo>
+                      <a:pt x="0" y="12033"/>
+                    </a:lnTo>
+                  </a:path>
+                </a:pathLst>
+              </a:custGeom>
+              <a:noFill/>
+              <a:ln w="19050" cap="rnd" cmpd="sng">
+                <a:solidFill>
+                  <a:schemeClr val="accent1"/>
+                </a:solidFill>
+                <a:prstDash val="solid"/>
+                <a:miter lim="32519"/>
+                <a:headEnd type="none" w="sm" len="sm"/>
+                <a:tailEnd type="none" w="sm" len="sm"/>
+              </a:ln>
+            </p:spPr>
+            <p:txBody>
+              <a:bodyPr spcFirstLastPara="1" wrap="square" lIns="91425" tIns="91425" rIns="91425" bIns="91425" anchor="ctr" anchorCtr="0">
+                <a:noAutofit/>
+              </a:bodyPr>
+              <a:lstStyle/>
+              <a:p>
+                <a:pPr marL="0" lvl="0" indent="0" algn="l" rtl="0">
+                  <a:spcBef>
+                    <a:spcPts val="0"/>
+                  </a:spcBef>
+                  <a:spcAft>
+                    <a:spcPts val="0"/>
+                  </a:spcAft>
+                  <a:buNone/>
+                </a:pPr>
+                <a:endParaRPr>
+                  <a:latin typeface="Inter"/>
+                  <a:ea typeface="Inter"/>
+                  <a:cs typeface="Inter"/>
+                  <a:sym typeface="Inter"/>
+                </a:endParaRPr>
+              </a:p>
+            </p:txBody>
+          </p:sp>
+        </p:grpSp>
+      </p:grpSp>
+      <p:grpSp>
+        <p:nvGrpSpPr>
+          <p:cNvPr id="816" name="Google Shape;816;p19"/>
+          <p:cNvGrpSpPr/>
+          <p:nvPr/>
+        </p:nvGrpSpPr>
+        <p:grpSpPr>
+          <a:xfrm flipH="1">
+            <a:off x="-1718107" y="-1806042"/>
+            <a:ext cx="2744275" cy="2727763"/>
+            <a:chOff x="5985575" y="4420825"/>
+            <a:chExt cx="2744275" cy="2727763"/>
+          </a:xfrm>
+        </p:grpSpPr>
+        <p:sp>
+          <p:nvSpPr>
+            <p:cNvPr id="817" name="Google Shape;817;p19"/>
+            <p:cNvSpPr/>
+            <p:nvPr/>
+          </p:nvSpPr>
+          <p:spPr>
+            <a:xfrm>
+              <a:off x="6115050" y="4420825"/>
+              <a:ext cx="2614800" cy="2599800"/>
+            </a:xfrm>
+            <a:prstGeom prst="ellipse">
+              <a:avLst/>
+            </a:prstGeom>
+            <a:solidFill>
+              <a:srgbClr val="FFFFFF">
+                <a:alpha val="35850"/>
+              </a:srgbClr>
+            </a:solidFill>
+            <a:ln>
+              <a:noFill/>
+            </a:ln>
+          </p:spPr>
+          <p:txBody>
+            <a:bodyPr spcFirstLastPara="1" wrap="square" lIns="91425" tIns="91425" rIns="91425" bIns="91425" anchor="ctr" anchorCtr="0">
+              <a:noAutofit/>
+            </a:bodyPr>
+            <a:lstStyle/>
+            <a:p>
+              <a:pPr marL="0" lvl="0" indent="0" algn="l" rtl="0">
+                <a:spcBef>
+                  <a:spcPts val="0"/>
+                </a:spcBef>
+                <a:spcAft>
+                  <a:spcPts val="0"/>
+                </a:spcAft>
+                <a:buNone/>
+              </a:pPr>
+              <a:endParaRPr>
+                <a:latin typeface="Inter"/>
+                <a:ea typeface="Inter"/>
+                <a:cs typeface="Inter"/>
+                <a:sym typeface="Inter"/>
+              </a:endParaRPr>
+            </a:p>
+          </p:txBody>
+        </p:sp>
+        <p:grpSp>
+          <p:nvGrpSpPr>
+            <p:cNvPr id="818" name="Google Shape;818;p19"/>
+            <p:cNvGrpSpPr/>
+            <p:nvPr/>
+          </p:nvGrpSpPr>
+          <p:grpSpPr>
+            <a:xfrm rot="5400000" flipH="1">
+              <a:off x="5986247" y="4572099"/>
+              <a:ext cx="2575817" cy="2577160"/>
+              <a:chOff x="1550275" y="1493275"/>
+              <a:chExt cx="1582100" cy="1582925"/>
+            </a:xfrm>
+          </p:grpSpPr>
+          <p:sp>
+            <p:nvSpPr>
+              <p:cNvPr id="819" name="Google Shape;819;p19"/>
+              <p:cNvSpPr/>
+              <p:nvPr/>
+            </p:nvSpPr>
+            <p:spPr>
+              <a:xfrm>
+                <a:off x="1650275" y="1594100"/>
+                <a:ext cx="301650" cy="300825"/>
+              </a:xfrm>
+              <a:custGeom>
+                <a:avLst/>
+                <a:gdLst/>
+                <a:ahLst/>
+                <a:cxnLst/>
+                <a:rect l="l" t="t" r="r" b="b"/>
+                <a:pathLst>
+                  <a:path w="12066" h="12033" fill="none" extrusionOk="0">
+                    <a:moveTo>
+                      <a:pt x="1" y="12032"/>
+                    </a:moveTo>
+                    <a:lnTo>
+                      <a:pt x="12065" y="0"/>
+                    </a:lnTo>
+                  </a:path>
+                </a:pathLst>
+              </a:custGeom>
+              <a:noFill/>
+              <a:ln w="19050" cap="rnd" cmpd="sng">
+                <a:solidFill>
+                  <a:schemeClr val="accent1"/>
+                </a:solidFill>
+                <a:prstDash val="solid"/>
+                <a:miter lim="32519"/>
+                <a:headEnd type="none" w="sm" len="sm"/>
+                <a:tailEnd type="none" w="sm" len="sm"/>
+              </a:ln>
+            </p:spPr>
+            <p:txBody>
+              <a:bodyPr spcFirstLastPara="1" wrap="square" lIns="91425" tIns="91425" rIns="91425" bIns="91425" anchor="ctr" anchorCtr="0">
+                <a:noAutofit/>
+              </a:bodyPr>
+              <a:lstStyle/>
+              <a:p>
+                <a:pPr marL="0" lvl="0" indent="0" algn="l" rtl="0">
+                  <a:spcBef>
+                    <a:spcPts val="0"/>
+                  </a:spcBef>
+                  <a:spcAft>
+                    <a:spcPts val="0"/>
+                  </a:spcAft>
+                  <a:buNone/>
+                </a:pPr>
+                <a:endParaRPr>
+                  <a:latin typeface="Inter"/>
+                  <a:ea typeface="Inter"/>
+                  <a:cs typeface="Inter"/>
+                  <a:sym typeface="Inter"/>
+                </a:endParaRPr>
+              </a:p>
+            </p:txBody>
+          </p:sp>
+          <p:sp>
+            <p:nvSpPr>
+              <p:cNvPr id="820" name="Google Shape;820;p19"/>
+              <p:cNvSpPr/>
+              <p:nvPr/>
+            </p:nvSpPr>
+            <p:spPr>
+              <a:xfrm>
+                <a:off x="1560025" y="1503850"/>
+                <a:ext cx="648800" cy="647975"/>
+              </a:xfrm>
+              <a:custGeom>
+                <a:avLst/>
+                <a:gdLst/>
+                <a:ahLst/>
+                <a:cxnLst/>
+                <a:rect l="l" t="t" r="r" b="b"/>
+                <a:pathLst>
+                  <a:path w="25952" h="25919" fill="none" extrusionOk="0">
+                    <a:moveTo>
+                      <a:pt x="1" y="25919"/>
+                    </a:moveTo>
+                    <a:lnTo>
+                      <a:pt x="25952" y="0"/>
+                    </a:lnTo>
+                  </a:path>
+                </a:pathLst>
+              </a:custGeom>
+              <a:noFill/>
+              <a:ln w="19050" cap="rnd" cmpd="sng">
+                <a:solidFill>
+                  <a:schemeClr val="accent1"/>
+                </a:solidFill>
+                <a:prstDash val="solid"/>
+                <a:miter lim="32519"/>
+                <a:headEnd type="none" w="sm" len="sm"/>
+                <a:tailEnd type="none" w="sm" len="sm"/>
+              </a:ln>
+            </p:spPr>
+            <p:txBody>
+              <a:bodyPr spcFirstLastPara="1" wrap="square" lIns="91425" tIns="91425" rIns="91425" bIns="91425" anchor="ctr" anchorCtr="0">
+                <a:noAutofit/>
+              </a:bodyPr>
+              <a:lstStyle/>
+              <a:p>
+                <a:pPr marL="0" lvl="0" indent="0" algn="l" rtl="0">
+                  <a:spcBef>
+                    <a:spcPts val="0"/>
+                  </a:spcBef>
+                  <a:spcAft>
+                    <a:spcPts val="0"/>
+                  </a:spcAft>
+                  <a:buNone/>
+                </a:pPr>
+                <a:endParaRPr>
+                  <a:latin typeface="Inter"/>
+                  <a:ea typeface="Inter"/>
+                  <a:cs typeface="Inter"/>
+                  <a:sym typeface="Inter"/>
+                </a:endParaRPr>
+              </a:p>
+            </p:txBody>
+          </p:sp>
+          <p:sp>
+            <p:nvSpPr>
+              <p:cNvPr id="821" name="Google Shape;821;p19"/>
+              <p:cNvSpPr/>
+              <p:nvPr/>
+            </p:nvSpPr>
+            <p:spPr>
+              <a:xfrm>
+                <a:off x="1550275" y="1493275"/>
+                <a:ext cx="834150" cy="834975"/>
+              </a:xfrm>
+              <a:custGeom>
+                <a:avLst/>
+                <a:gdLst/>
+                <a:ahLst/>
+                <a:cxnLst/>
+                <a:rect l="l" t="t" r="r" b="b"/>
+                <a:pathLst>
+                  <a:path w="33366" h="33399" fill="none" extrusionOk="0">
+                    <a:moveTo>
+                      <a:pt x="1" y="33398"/>
+                    </a:moveTo>
+                    <a:lnTo>
+                      <a:pt x="33366" y="1"/>
+                    </a:lnTo>
+                  </a:path>
+                </a:pathLst>
+              </a:custGeom>
+              <a:noFill/>
+              <a:ln w="19050" cap="rnd" cmpd="sng">
+                <a:solidFill>
+                  <a:schemeClr val="accent1"/>
+                </a:solidFill>
+                <a:prstDash val="solid"/>
+                <a:miter lim="32519"/>
+                <a:headEnd type="none" w="sm" len="sm"/>
+                <a:tailEnd type="none" w="sm" len="sm"/>
+              </a:ln>
+            </p:spPr>
+            <p:txBody>
+              <a:bodyPr spcFirstLastPara="1" wrap="square" lIns="91425" tIns="91425" rIns="91425" bIns="91425" anchor="ctr" anchorCtr="0">
+                <a:noAutofit/>
+              </a:bodyPr>
+              <a:lstStyle/>
+              <a:p>
+                <a:pPr marL="0" lvl="0" indent="0" algn="l" rtl="0">
+                  <a:spcBef>
+                    <a:spcPts val="0"/>
+                  </a:spcBef>
+                  <a:spcAft>
+                    <a:spcPts val="0"/>
+                  </a:spcAft>
+                  <a:buNone/>
+                </a:pPr>
+                <a:endParaRPr>
+                  <a:latin typeface="Inter"/>
+                  <a:ea typeface="Inter"/>
+                  <a:cs typeface="Inter"/>
+                  <a:sym typeface="Inter"/>
+                </a:endParaRPr>
+              </a:p>
+            </p:txBody>
+          </p:sp>
+          <p:sp>
+            <p:nvSpPr>
+              <p:cNvPr id="822" name="Google Shape;822;p19"/>
+              <p:cNvSpPr/>
+              <p:nvPr/>
+            </p:nvSpPr>
+            <p:spPr>
+              <a:xfrm>
+                <a:off x="1571425" y="1514425"/>
+                <a:ext cx="957725" cy="958525"/>
+              </a:xfrm>
+              <a:custGeom>
+                <a:avLst/>
+                <a:gdLst/>
+                <a:ahLst/>
+                <a:cxnLst/>
+                <a:rect l="l" t="t" r="r" b="b"/>
+                <a:pathLst>
+                  <a:path w="38309" h="38341" fill="none" extrusionOk="0">
+                    <a:moveTo>
+                      <a:pt x="0" y="38341"/>
+                    </a:moveTo>
+                    <a:lnTo>
+                      <a:pt x="38308" y="0"/>
+                    </a:lnTo>
+                  </a:path>
+                </a:pathLst>
+              </a:custGeom>
+              <a:noFill/>
+              <a:ln w="19050" cap="rnd" cmpd="sng">
+                <a:solidFill>
+                  <a:schemeClr val="accent1"/>
+                </a:solidFill>
+                <a:prstDash val="solid"/>
+                <a:miter lim="32519"/>
+                <a:headEnd type="none" w="sm" len="sm"/>
+                <a:tailEnd type="none" w="sm" len="sm"/>
+              </a:ln>
+            </p:spPr>
+            <p:txBody>
+              <a:bodyPr spcFirstLastPara="1" wrap="square" lIns="91425" tIns="91425" rIns="91425" bIns="91425" anchor="ctr" anchorCtr="0">
+                <a:noAutofit/>
+              </a:bodyPr>
+              <a:lstStyle/>
+              <a:p>
+                <a:pPr marL="0" lvl="0" indent="0" algn="l" rtl="0">
+                  <a:spcBef>
+                    <a:spcPts val="0"/>
+                  </a:spcBef>
+                  <a:spcAft>
+                    <a:spcPts val="0"/>
+                  </a:spcAft>
+                  <a:buNone/>
+                </a:pPr>
+                <a:endParaRPr>
+                  <a:latin typeface="Inter"/>
+                  <a:ea typeface="Inter"/>
+                  <a:cs typeface="Inter"/>
+                  <a:sym typeface="Inter"/>
+                </a:endParaRPr>
+              </a:p>
+            </p:txBody>
+          </p:sp>
+          <p:sp>
+            <p:nvSpPr>
+              <p:cNvPr id="823" name="Google Shape;823;p19"/>
+              <p:cNvSpPr/>
+              <p:nvPr/>
+            </p:nvSpPr>
+            <p:spPr>
+              <a:xfrm>
+                <a:off x="1612875" y="1555875"/>
+                <a:ext cx="1041475" cy="1042275"/>
+              </a:xfrm>
+              <a:custGeom>
+                <a:avLst/>
+                <a:gdLst/>
+                <a:ahLst/>
+                <a:cxnLst/>
+                <a:rect l="l" t="t" r="r" b="b"/>
+                <a:pathLst>
+                  <a:path w="41659" h="41691" fill="none" extrusionOk="0">
+                    <a:moveTo>
+                      <a:pt x="1" y="41691"/>
+                    </a:moveTo>
+                    <a:lnTo>
+                      <a:pt x="41658" y="1"/>
+                    </a:lnTo>
+                  </a:path>
+                </a:pathLst>
+              </a:custGeom>
+              <a:noFill/>
+              <a:ln w="19050" cap="rnd" cmpd="sng">
+                <a:solidFill>
+                  <a:schemeClr val="accent1"/>
+                </a:solidFill>
+                <a:prstDash val="solid"/>
+                <a:miter lim="32519"/>
+                <a:headEnd type="none" w="sm" len="sm"/>
+                <a:tailEnd type="none" w="sm" len="sm"/>
+              </a:ln>
+            </p:spPr>
+            <p:txBody>
+              <a:bodyPr spcFirstLastPara="1" wrap="square" lIns="91425" tIns="91425" rIns="91425" bIns="91425" anchor="ctr" anchorCtr="0">
+                <a:noAutofit/>
+              </a:bodyPr>
+              <a:lstStyle/>
+              <a:p>
+                <a:pPr marL="0" lvl="0" indent="0" algn="l" rtl="0">
+                  <a:spcBef>
+                    <a:spcPts val="0"/>
+                  </a:spcBef>
+                  <a:spcAft>
+                    <a:spcPts val="0"/>
+                  </a:spcAft>
+                  <a:buNone/>
+                </a:pPr>
+                <a:endParaRPr>
+                  <a:latin typeface="Inter"/>
+                  <a:ea typeface="Inter"/>
+                  <a:cs typeface="Inter"/>
+                  <a:sym typeface="Inter"/>
+                </a:endParaRPr>
+              </a:p>
+            </p:txBody>
+          </p:sp>
+          <p:sp>
+            <p:nvSpPr>
+              <p:cNvPr id="824" name="Google Shape;824;p19"/>
+              <p:cNvSpPr/>
+              <p:nvPr/>
+            </p:nvSpPr>
+            <p:spPr>
+              <a:xfrm>
+                <a:off x="1669800" y="1613600"/>
+                <a:ext cx="1093475" cy="1092675"/>
+              </a:xfrm>
+              <a:custGeom>
+                <a:avLst/>
+                <a:gdLst/>
+                <a:ahLst/>
+                <a:cxnLst/>
+                <a:rect l="l" t="t" r="r" b="b"/>
+                <a:pathLst>
+                  <a:path w="43739" h="43707" fill="none" extrusionOk="0">
+                    <a:moveTo>
+                      <a:pt x="0" y="43707"/>
+                    </a:moveTo>
+                    <a:lnTo>
+                      <a:pt x="43739" y="1"/>
+                    </a:lnTo>
+                  </a:path>
+                </a:pathLst>
+              </a:custGeom>
+              <a:noFill/>
+              <a:ln w="19050" cap="rnd" cmpd="sng">
+                <a:solidFill>
+                  <a:schemeClr val="accent1"/>
+                </a:solidFill>
+                <a:prstDash val="solid"/>
+                <a:miter lim="32519"/>
+                <a:headEnd type="none" w="sm" len="sm"/>
+                <a:tailEnd type="none" w="sm" len="sm"/>
+              </a:ln>
+            </p:spPr>
+            <p:txBody>
+              <a:bodyPr spcFirstLastPara="1" wrap="square" lIns="91425" tIns="91425" rIns="91425" bIns="91425" anchor="ctr" anchorCtr="0">
+                <a:noAutofit/>
+              </a:bodyPr>
+              <a:lstStyle/>
+              <a:p>
+                <a:pPr marL="0" lvl="0" indent="0" algn="l" rtl="0">
+                  <a:spcBef>
+                    <a:spcPts val="0"/>
+                  </a:spcBef>
+                  <a:spcAft>
+                    <a:spcPts val="0"/>
+                  </a:spcAft>
+                  <a:buNone/>
+                </a:pPr>
+                <a:endParaRPr>
+                  <a:latin typeface="Inter"/>
+                  <a:ea typeface="Inter"/>
+                  <a:cs typeface="Inter"/>
+                  <a:sym typeface="Inter"/>
+                </a:endParaRPr>
+              </a:p>
+            </p:txBody>
+          </p:sp>
+          <p:sp>
+            <p:nvSpPr>
+              <p:cNvPr id="825" name="Google Shape;825;p19"/>
+              <p:cNvSpPr/>
+              <p:nvPr/>
+            </p:nvSpPr>
+            <p:spPr>
+              <a:xfrm>
+                <a:off x="1724445" y="1684323"/>
+                <a:ext cx="1133953" cy="1137555"/>
+              </a:xfrm>
+              <a:custGeom>
+                <a:avLst/>
+                <a:gdLst/>
+                <a:ahLst/>
+                <a:cxnLst/>
+                <a:rect l="l" t="t" r="r" b="b"/>
+                <a:pathLst>
+                  <a:path w="75837" h="75837" fill="none" extrusionOk="0">
+                    <a:moveTo>
+                      <a:pt x="1" y="75836"/>
+                    </a:moveTo>
+                    <a:lnTo>
+                      <a:pt x="75837" y="1"/>
+                    </a:lnTo>
+                  </a:path>
+                </a:pathLst>
+              </a:custGeom>
+              <a:noFill/>
+              <a:ln w="19050" cap="rnd" cmpd="sng">
+                <a:solidFill>
+                  <a:schemeClr val="accent1"/>
+                </a:solidFill>
+                <a:prstDash val="solid"/>
+                <a:miter lim="32519"/>
+                <a:headEnd type="none" w="sm" len="sm"/>
+                <a:tailEnd type="none" w="sm" len="sm"/>
+              </a:ln>
+            </p:spPr>
+            <p:txBody>
+              <a:bodyPr spcFirstLastPara="1" wrap="square" lIns="91425" tIns="91425" rIns="91425" bIns="91425" anchor="ctr" anchorCtr="0">
+                <a:noAutofit/>
+              </a:bodyPr>
+              <a:lstStyle/>
+              <a:p>
+                <a:pPr marL="0" lvl="0" indent="0" algn="l" rtl="0">
+                  <a:spcBef>
+                    <a:spcPts val="0"/>
+                  </a:spcBef>
+                  <a:spcAft>
+                    <a:spcPts val="0"/>
+                  </a:spcAft>
+                  <a:buNone/>
+                </a:pPr>
+                <a:endParaRPr>
+                  <a:latin typeface="Inter"/>
+                  <a:ea typeface="Inter"/>
+                  <a:cs typeface="Inter"/>
+                  <a:sym typeface="Inter"/>
+                </a:endParaRPr>
+              </a:p>
+            </p:txBody>
+          </p:sp>
+          <p:sp>
+            <p:nvSpPr>
+              <p:cNvPr id="826" name="Google Shape;826;p19"/>
+              <p:cNvSpPr/>
+              <p:nvPr/>
+            </p:nvSpPr>
+            <p:spPr>
+              <a:xfrm>
+                <a:off x="1787327" y="1767256"/>
+                <a:ext cx="1154741" cy="1144949"/>
+              </a:xfrm>
+              <a:custGeom>
+                <a:avLst/>
+                <a:gdLst/>
+                <a:ahLst/>
+                <a:cxnLst/>
+                <a:rect l="l" t="t" r="r" b="b"/>
+                <a:pathLst>
+                  <a:path w="75870" h="75837" fill="none" extrusionOk="0">
+                    <a:moveTo>
+                      <a:pt x="1" y="75836"/>
+                    </a:moveTo>
+                    <a:lnTo>
+                      <a:pt x="75869" y="1"/>
+                    </a:lnTo>
+                  </a:path>
+                </a:pathLst>
+              </a:custGeom>
+              <a:noFill/>
+              <a:ln w="19050" cap="rnd" cmpd="sng">
+                <a:solidFill>
+                  <a:schemeClr val="accent1"/>
+                </a:solidFill>
+                <a:prstDash val="solid"/>
+                <a:miter lim="32519"/>
+                <a:headEnd type="none" w="sm" len="sm"/>
+                <a:tailEnd type="none" w="sm" len="sm"/>
+              </a:ln>
+            </p:spPr>
+            <p:txBody>
+              <a:bodyPr spcFirstLastPara="1" wrap="square" lIns="91425" tIns="91425" rIns="91425" bIns="91425" anchor="ctr" anchorCtr="0">
+                <a:noAutofit/>
+              </a:bodyPr>
+              <a:lstStyle/>
+              <a:p>
+                <a:pPr marL="0" lvl="0" indent="0" algn="l" rtl="0">
+                  <a:spcBef>
+                    <a:spcPts val="0"/>
+                  </a:spcBef>
+                  <a:spcAft>
+                    <a:spcPts val="0"/>
+                  </a:spcAft>
+                  <a:buNone/>
+                </a:pPr>
+                <a:endParaRPr>
+                  <a:latin typeface="Inter"/>
+                  <a:ea typeface="Inter"/>
+                  <a:cs typeface="Inter"/>
+                  <a:sym typeface="Inter"/>
+                </a:endParaRPr>
+              </a:p>
+            </p:txBody>
+          </p:sp>
+          <p:sp>
+            <p:nvSpPr>
+              <p:cNvPr id="827" name="Google Shape;827;p19"/>
+              <p:cNvSpPr/>
+              <p:nvPr/>
+            </p:nvSpPr>
+            <p:spPr>
+              <a:xfrm>
+                <a:off x="1898130" y="1863198"/>
+                <a:ext cx="1114002" cy="1086690"/>
+              </a:xfrm>
+              <a:custGeom>
+                <a:avLst/>
+                <a:gdLst/>
+                <a:ahLst/>
+                <a:cxnLst/>
+                <a:rect l="l" t="t" r="r" b="b"/>
+                <a:pathLst>
+                  <a:path w="74828" h="74828" fill="none" extrusionOk="0">
+                    <a:moveTo>
+                      <a:pt x="0" y="74828"/>
+                    </a:moveTo>
+                    <a:lnTo>
+                      <a:pt x="74828" y="0"/>
+                    </a:lnTo>
+                  </a:path>
+                </a:pathLst>
+              </a:custGeom>
+              <a:noFill/>
+              <a:ln w="19050" cap="rnd" cmpd="sng">
+                <a:solidFill>
+                  <a:schemeClr val="accent1"/>
+                </a:solidFill>
+                <a:prstDash val="solid"/>
+                <a:miter lim="32519"/>
+                <a:headEnd type="none" w="sm" len="sm"/>
+                <a:tailEnd type="none" w="sm" len="sm"/>
+              </a:ln>
+            </p:spPr>
+            <p:txBody>
+              <a:bodyPr spcFirstLastPara="1" wrap="square" lIns="91425" tIns="91425" rIns="91425" bIns="91425" anchor="ctr" anchorCtr="0">
+                <a:noAutofit/>
+              </a:bodyPr>
+              <a:lstStyle/>
+              <a:p>
+                <a:pPr marL="0" lvl="0" indent="0" algn="l" rtl="0">
+                  <a:spcBef>
+                    <a:spcPts val="0"/>
+                  </a:spcBef>
+                  <a:spcAft>
+                    <a:spcPts val="0"/>
+                  </a:spcAft>
+                  <a:buNone/>
+                </a:pPr>
+                <a:endParaRPr>
+                  <a:latin typeface="Inter"/>
+                  <a:ea typeface="Inter"/>
+                  <a:cs typeface="Inter"/>
+                  <a:sym typeface="Inter"/>
+                </a:endParaRPr>
+              </a:p>
+            </p:txBody>
+          </p:sp>
+          <p:sp>
+            <p:nvSpPr>
+              <p:cNvPr id="828" name="Google Shape;828;p19"/>
+              <p:cNvSpPr/>
+              <p:nvPr/>
+            </p:nvSpPr>
+            <p:spPr>
+              <a:xfrm>
+                <a:off x="2027500" y="1971325"/>
+                <a:ext cx="1042275" cy="1042275"/>
+              </a:xfrm>
+              <a:custGeom>
+                <a:avLst/>
+                <a:gdLst/>
+                <a:ahLst/>
+                <a:cxnLst/>
+                <a:rect l="l" t="t" r="r" b="b"/>
+                <a:pathLst>
+                  <a:path w="41691" h="41691" fill="none" extrusionOk="0">
+                    <a:moveTo>
+                      <a:pt x="41691" y="0"/>
+                    </a:moveTo>
+                    <a:lnTo>
+                      <a:pt x="1" y="41690"/>
+                    </a:lnTo>
+                  </a:path>
+                </a:pathLst>
+              </a:custGeom>
+              <a:noFill/>
+              <a:ln w="19050" cap="rnd" cmpd="sng">
+                <a:solidFill>
+                  <a:schemeClr val="accent1"/>
+                </a:solidFill>
+                <a:prstDash val="solid"/>
+                <a:miter lim="32519"/>
+                <a:headEnd type="none" w="sm" len="sm"/>
+                <a:tailEnd type="none" w="sm" len="sm"/>
+              </a:ln>
+            </p:spPr>
+            <p:txBody>
+              <a:bodyPr spcFirstLastPara="1" wrap="square" lIns="91425" tIns="91425" rIns="91425" bIns="91425" anchor="ctr" anchorCtr="0">
+                <a:noAutofit/>
+              </a:bodyPr>
+              <a:lstStyle/>
+              <a:p>
+                <a:pPr marL="0" lvl="0" indent="0" algn="l" rtl="0">
+                  <a:spcBef>
+                    <a:spcPts val="0"/>
+                  </a:spcBef>
+                  <a:spcAft>
+                    <a:spcPts val="0"/>
+                  </a:spcAft>
+                  <a:buNone/>
+                </a:pPr>
+                <a:endParaRPr>
+                  <a:latin typeface="Inter"/>
+                  <a:ea typeface="Inter"/>
+                  <a:cs typeface="Inter"/>
+                  <a:sym typeface="Inter"/>
+                </a:endParaRPr>
+              </a:p>
+            </p:txBody>
+          </p:sp>
+          <p:sp>
+            <p:nvSpPr>
+              <p:cNvPr id="829" name="Google Shape;829;p19"/>
+              <p:cNvSpPr/>
+              <p:nvPr/>
+            </p:nvSpPr>
+            <p:spPr>
+              <a:xfrm>
+                <a:off x="2152700" y="2096525"/>
+                <a:ext cx="958550" cy="958525"/>
+              </a:xfrm>
+              <a:custGeom>
+                <a:avLst/>
+                <a:gdLst/>
+                <a:ahLst/>
+                <a:cxnLst/>
+                <a:rect l="l" t="t" r="r" b="b"/>
+                <a:pathLst>
+                  <a:path w="38342" h="38341" fill="none" extrusionOk="0">
+                    <a:moveTo>
+                      <a:pt x="38341" y="0"/>
+                    </a:moveTo>
+                    <a:lnTo>
+                      <a:pt x="1" y="38341"/>
+                    </a:lnTo>
+                  </a:path>
+                </a:pathLst>
+              </a:custGeom>
+              <a:noFill/>
+              <a:ln w="19050" cap="rnd" cmpd="sng">
+                <a:solidFill>
+                  <a:schemeClr val="accent1"/>
+                </a:solidFill>
+                <a:prstDash val="solid"/>
+                <a:miter lim="32519"/>
+                <a:headEnd type="none" w="sm" len="sm"/>
+                <a:tailEnd type="none" w="sm" len="sm"/>
+              </a:ln>
+            </p:spPr>
+            <p:txBody>
+              <a:bodyPr spcFirstLastPara="1" wrap="square" lIns="91425" tIns="91425" rIns="91425" bIns="91425" anchor="ctr" anchorCtr="0">
+                <a:noAutofit/>
+              </a:bodyPr>
+              <a:lstStyle/>
+              <a:p>
+                <a:pPr marL="0" lvl="0" indent="0" algn="l" rtl="0">
+                  <a:spcBef>
+                    <a:spcPts val="0"/>
+                  </a:spcBef>
+                  <a:spcAft>
+                    <a:spcPts val="0"/>
+                  </a:spcAft>
+                  <a:buNone/>
+                </a:pPr>
+                <a:endParaRPr>
+                  <a:latin typeface="Inter"/>
+                  <a:ea typeface="Inter"/>
+                  <a:cs typeface="Inter"/>
+                  <a:sym typeface="Inter"/>
+                </a:endParaRPr>
+              </a:p>
+            </p:txBody>
+          </p:sp>
+          <p:sp>
+            <p:nvSpPr>
+              <p:cNvPr id="830" name="Google Shape;830;p19"/>
+              <p:cNvSpPr/>
+              <p:nvPr/>
+            </p:nvSpPr>
+            <p:spPr>
+              <a:xfrm>
+                <a:off x="2298225" y="2241225"/>
+                <a:ext cx="834150" cy="834975"/>
+              </a:xfrm>
+              <a:custGeom>
+                <a:avLst/>
+                <a:gdLst/>
+                <a:ahLst/>
+                <a:cxnLst/>
+                <a:rect l="l" t="t" r="r" b="b"/>
+                <a:pathLst>
+                  <a:path w="33366" h="33399" fill="none" extrusionOk="0">
+                    <a:moveTo>
+                      <a:pt x="33366" y="1"/>
+                    </a:moveTo>
+                    <a:lnTo>
+                      <a:pt x="1" y="33398"/>
+                    </a:lnTo>
+                  </a:path>
+                </a:pathLst>
+              </a:custGeom>
+              <a:noFill/>
+              <a:ln w="19050" cap="rnd" cmpd="sng">
+                <a:solidFill>
+                  <a:schemeClr val="accent1"/>
+                </a:solidFill>
+                <a:prstDash val="solid"/>
+                <a:miter lim="32519"/>
+                <a:headEnd type="none" w="sm" len="sm"/>
+                <a:tailEnd type="none" w="sm" len="sm"/>
+              </a:ln>
+            </p:spPr>
+            <p:txBody>
+              <a:bodyPr spcFirstLastPara="1" wrap="square" lIns="91425" tIns="91425" rIns="91425" bIns="91425" anchor="ctr" anchorCtr="0">
+                <a:noAutofit/>
+              </a:bodyPr>
+              <a:lstStyle/>
+              <a:p>
+                <a:pPr marL="0" lvl="0" indent="0" algn="l" rtl="0">
+                  <a:spcBef>
+                    <a:spcPts val="0"/>
+                  </a:spcBef>
+                  <a:spcAft>
+                    <a:spcPts val="0"/>
+                  </a:spcAft>
+                  <a:buNone/>
+                </a:pPr>
+                <a:endParaRPr>
+                  <a:latin typeface="Inter"/>
+                  <a:ea typeface="Inter"/>
+                  <a:cs typeface="Inter"/>
+                  <a:sym typeface="Inter"/>
+                </a:endParaRPr>
+              </a:p>
+            </p:txBody>
+          </p:sp>
+          <p:sp>
+            <p:nvSpPr>
+              <p:cNvPr id="831" name="Google Shape;831;p19"/>
+              <p:cNvSpPr/>
+              <p:nvPr/>
+            </p:nvSpPr>
+            <p:spPr>
+              <a:xfrm>
+                <a:off x="2473825" y="2417650"/>
+                <a:ext cx="648800" cy="648800"/>
+              </a:xfrm>
+              <a:custGeom>
+                <a:avLst/>
+                <a:gdLst/>
+                <a:ahLst/>
+                <a:cxnLst/>
+                <a:rect l="l" t="t" r="r" b="b"/>
+                <a:pathLst>
+                  <a:path w="25952" h="25952" fill="none" extrusionOk="0">
+                    <a:moveTo>
+                      <a:pt x="25952" y="0"/>
+                    </a:moveTo>
+                    <a:lnTo>
+                      <a:pt x="1" y="25951"/>
+                    </a:lnTo>
+                  </a:path>
+                </a:pathLst>
+              </a:custGeom>
+              <a:noFill/>
+              <a:ln w="19050" cap="rnd" cmpd="sng">
+                <a:solidFill>
+                  <a:schemeClr val="accent1"/>
+                </a:solidFill>
+                <a:prstDash val="solid"/>
+                <a:miter lim="32519"/>
+                <a:headEnd type="none" w="sm" len="sm"/>
+                <a:tailEnd type="none" w="sm" len="sm"/>
+              </a:ln>
+            </p:spPr>
+            <p:txBody>
+              <a:bodyPr spcFirstLastPara="1" wrap="square" lIns="91425" tIns="91425" rIns="91425" bIns="91425" anchor="ctr" anchorCtr="0">
+                <a:noAutofit/>
+              </a:bodyPr>
+              <a:lstStyle/>
+              <a:p>
+                <a:pPr marL="0" lvl="0" indent="0" algn="l" rtl="0">
+                  <a:spcBef>
+                    <a:spcPts val="0"/>
+                  </a:spcBef>
+                  <a:spcAft>
+                    <a:spcPts val="0"/>
+                  </a:spcAft>
+                  <a:buNone/>
+                </a:pPr>
+                <a:endParaRPr>
+                  <a:latin typeface="Inter"/>
+                  <a:ea typeface="Inter"/>
+                  <a:cs typeface="Inter"/>
+                  <a:sym typeface="Inter"/>
+                </a:endParaRPr>
+              </a:p>
+            </p:txBody>
+          </p:sp>
+          <p:sp>
+            <p:nvSpPr>
+              <p:cNvPr id="832" name="Google Shape;832;p19"/>
+              <p:cNvSpPr/>
+              <p:nvPr/>
+            </p:nvSpPr>
+            <p:spPr>
+              <a:xfrm>
+                <a:off x="2730750" y="2674550"/>
+                <a:ext cx="300825" cy="300825"/>
+              </a:xfrm>
+              <a:custGeom>
+                <a:avLst/>
+                <a:gdLst/>
+                <a:ahLst/>
+                <a:cxnLst/>
+                <a:rect l="l" t="t" r="r" b="b"/>
+                <a:pathLst>
+                  <a:path w="12033" h="12033" fill="none" extrusionOk="0">
+                    <a:moveTo>
+                      <a:pt x="12032" y="1"/>
+                    </a:moveTo>
+                    <a:lnTo>
+                      <a:pt x="0" y="12033"/>
+                    </a:lnTo>
+                  </a:path>
+                </a:pathLst>
+              </a:custGeom>
+              <a:noFill/>
+              <a:ln w="19050" cap="rnd" cmpd="sng">
+                <a:solidFill>
+                  <a:schemeClr val="accent1"/>
+                </a:solidFill>
+                <a:prstDash val="solid"/>
+                <a:miter lim="32519"/>
+                <a:headEnd type="none" w="sm" len="sm"/>
+                <a:tailEnd type="none" w="sm" len="sm"/>
+              </a:ln>
+            </p:spPr>
+            <p:txBody>
+              <a:bodyPr spcFirstLastPara="1" wrap="square" lIns="91425" tIns="91425" rIns="91425" bIns="91425" anchor="ctr" anchorCtr="0">
+                <a:noAutofit/>
+              </a:bodyPr>
+              <a:lstStyle/>
+              <a:p>
+                <a:pPr marL="0" lvl="0" indent="0" algn="l" rtl="0">
+                  <a:spcBef>
+                    <a:spcPts val="0"/>
+                  </a:spcBef>
+                  <a:spcAft>
+                    <a:spcPts val="0"/>
+                  </a:spcAft>
+                  <a:buNone/>
+                </a:pPr>
+                <a:endParaRPr>
+                  <a:latin typeface="Inter"/>
+                  <a:ea typeface="Inter"/>
+                  <a:cs typeface="Inter"/>
+                  <a:sym typeface="Inter"/>
+                </a:endParaRPr>
+              </a:p>
+            </p:txBody>
+          </p:sp>
+        </p:grpSp>
+      </p:grpSp>
+    </p:spTree>
+    <p:extLst>
+      <p:ext uri="{BB962C8B-B14F-4D97-AF65-F5344CB8AC3E}">
+        <p14:creationId xmlns:p14="http://schemas.microsoft.com/office/powerpoint/2010/main" val="2474080787"/>
+      </p:ext>
+    </p:extLst>
   </p:cSld>
   <p:clrMapOvr>
     <a:masterClrMapping/>
@@ -27906,6 +30088,7 @@
     <p:sldLayoutId id="2147483685" r:id="rId7"/>
     <p:sldLayoutId id="2147483686" r:id="rId8"/>
     <p:sldLayoutId id="2147483687" r:id="rId9"/>
+    <p:sldLayoutId id="2147483688" r:id="rId10"/>
   </p:sldLayoutIdLst>
   <p:hf sldNum="0" hdr="0" ftr="0" dt="0"/>
   <p:txStyles>
@@ -46562,6 +48745,463 @@
   <p:cSld>
     <p:spTree>
       <p:nvGrpSpPr>
+        <p:cNvPr id="1" name="Shape 2436"/>
+        <p:cNvGrpSpPr/>
+        <p:nvPr/>
+      </p:nvGrpSpPr>
+      <p:grpSpPr>
+        <a:xfrm>
+          <a:off x="0" y="0"/>
+          <a:ext cx="0" cy="0"/>
+          <a:chOff x="0" y="0"/>
+          <a:chExt cx="0" cy="0"/>
+        </a:xfrm>
+      </p:grpSpPr>
+      <p:sp>
+        <p:nvSpPr>
+          <p:cNvPr id="2437" name="Google Shape;2437;p65"/>
+          <p:cNvSpPr/>
+          <p:nvPr/>
+        </p:nvSpPr>
+        <p:spPr>
+          <a:xfrm>
+            <a:off x="3729950" y="1367875"/>
+            <a:ext cx="4307100" cy="2820600"/>
+          </a:xfrm>
+          <a:prstGeom prst="roundRect">
+            <a:avLst>
+              <a:gd name="adj" fmla="val 9247"/>
+            </a:avLst>
+          </a:prstGeom>
+          <a:solidFill>
+            <a:schemeClr val="accent1"/>
+          </a:solidFill>
+          <a:ln>
+            <a:noFill/>
+          </a:ln>
+        </p:spPr>
+        <p:txBody>
+          <a:bodyPr spcFirstLastPara="1" wrap="square" lIns="91425" tIns="91425" rIns="91425" bIns="91425" anchor="ctr" anchorCtr="0">
+            <a:noAutofit/>
+          </a:bodyPr>
+          <a:lstStyle/>
+          <a:p>
+            <a:pPr marL="0" lvl="0" indent="0" algn="l" rtl="0">
+              <a:spcBef>
+                <a:spcPts val="0"/>
+              </a:spcBef>
+              <a:spcAft>
+                <a:spcPts val="0"/>
+              </a:spcAft>
+              <a:buNone/>
+            </a:pPr>
+            <a:endParaRPr/>
+          </a:p>
+        </p:txBody>
+      </p:sp>
+      <p:sp>
+        <p:nvSpPr>
+          <p:cNvPr id="2438" name="Google Shape;2438;p65"/>
+          <p:cNvSpPr txBox="1">
+            <a:spLocks noGrp="1"/>
+          </p:cNvSpPr>
+          <p:nvPr>
+            <p:ph type="title"/>
+          </p:nvPr>
+        </p:nvSpPr>
+        <p:spPr>
+          <a:xfrm>
+            <a:off x="713225" y="520925"/>
+            <a:ext cx="7717500" cy="708000"/>
+          </a:xfrm>
+          <a:prstGeom prst="rect">
+            <a:avLst/>
+          </a:prstGeom>
+        </p:spPr>
+        <p:txBody>
+          <a:bodyPr spcFirstLastPara="1" wrap="square" lIns="91425" tIns="91425" rIns="91425" bIns="91425" anchor="t" anchorCtr="0">
+            <a:noAutofit/>
+          </a:bodyPr>
+          <a:lstStyle/>
+          <a:p>
+            <a:pPr marL="0" lvl="0" indent="0" algn="ctr" rtl="0">
+              <a:spcBef>
+                <a:spcPts val="0"/>
+              </a:spcBef>
+              <a:spcAft>
+                <a:spcPts val="0"/>
+              </a:spcAft>
+              <a:buNone/>
+            </a:pPr>
+            <a:r>
+              <a:rPr lang="en" dirty="0"/>
+              <a:t>PÚBLICO-ALVO</a:t>
+            </a:r>
+            <a:endParaRPr dirty="0"/>
+          </a:p>
+        </p:txBody>
+      </p:sp>
+      <p:sp>
+        <p:nvSpPr>
+          <p:cNvPr id="2439" name="Google Shape;2439;p65"/>
+          <p:cNvSpPr txBox="1"/>
+          <p:nvPr/>
+        </p:nvSpPr>
+        <p:spPr>
+          <a:xfrm>
+            <a:off x="1010675" y="1214225"/>
+            <a:ext cx="2136300" cy="554100"/>
+          </a:xfrm>
+          <a:prstGeom prst="rect">
+            <a:avLst/>
+          </a:prstGeom>
+          <a:noFill/>
+          <a:ln>
+            <a:noFill/>
+          </a:ln>
+        </p:spPr>
+        <p:txBody>
+          <a:bodyPr spcFirstLastPara="1" wrap="square" lIns="91425" tIns="91425" rIns="91425" bIns="91425" anchor="t" anchorCtr="0">
+            <a:noAutofit/>
+          </a:bodyPr>
+          <a:lstStyle/>
+          <a:p>
+            <a:pPr marL="0" lvl="0" indent="0" algn="l" rtl="0">
+              <a:spcBef>
+                <a:spcPts val="0"/>
+              </a:spcBef>
+              <a:spcAft>
+                <a:spcPts val="0"/>
+              </a:spcAft>
+              <a:buNone/>
+            </a:pPr>
+            <a:r>
+              <a:rPr lang="en" sz="2200" dirty="0">
+                <a:solidFill>
+                  <a:schemeClr val="dk1"/>
+                </a:solidFill>
+                <a:latin typeface="Manrope SemiBold"/>
+                <a:ea typeface="Manrope SemiBold"/>
+                <a:cs typeface="Manrope SemiBold"/>
+                <a:sym typeface="Manrope SemiBold"/>
+              </a:rPr>
+              <a:t>Quem?</a:t>
+            </a:r>
+            <a:endParaRPr sz="2200" dirty="0">
+              <a:solidFill>
+                <a:schemeClr val="dk1"/>
+              </a:solidFill>
+              <a:latin typeface="Manrope SemiBold"/>
+              <a:ea typeface="Manrope SemiBold"/>
+              <a:cs typeface="Manrope SemiBold"/>
+              <a:sym typeface="Manrope SemiBold"/>
+            </a:endParaRPr>
+          </a:p>
+        </p:txBody>
+      </p:sp>
+      <p:sp>
+        <p:nvSpPr>
+          <p:cNvPr id="2440" name="Google Shape;2440;p65"/>
+          <p:cNvSpPr txBox="1"/>
+          <p:nvPr/>
+        </p:nvSpPr>
+        <p:spPr>
+          <a:xfrm>
+            <a:off x="1010675" y="1612824"/>
+            <a:ext cx="2136300" cy="772235"/>
+          </a:xfrm>
+          <a:prstGeom prst="rect">
+            <a:avLst/>
+          </a:prstGeom>
+          <a:noFill/>
+          <a:ln>
+            <a:noFill/>
+          </a:ln>
+        </p:spPr>
+        <p:txBody>
+          <a:bodyPr spcFirstLastPara="1" wrap="square" lIns="91425" tIns="91425" rIns="91425" bIns="91425" anchor="t" anchorCtr="0">
+            <a:noAutofit/>
+          </a:bodyPr>
+          <a:lstStyle/>
+          <a:p>
+            <a:pPr marL="0" lvl="0" indent="0" algn="l" rtl="0">
+              <a:spcBef>
+                <a:spcPts val="0"/>
+              </a:spcBef>
+              <a:spcAft>
+                <a:spcPts val="0"/>
+              </a:spcAft>
+              <a:buNone/>
+            </a:pPr>
+            <a:r>
+              <a:rPr lang="en" sz="1200" dirty="0">
+                <a:solidFill>
+                  <a:schemeClr val="dk1"/>
+                </a:solidFill>
+                <a:latin typeface="Inter"/>
+                <a:ea typeface="Inter"/>
+                <a:cs typeface="Inter"/>
+                <a:sym typeface="Inter"/>
+              </a:rPr>
+              <a:t>Empresas que trabalham com venda de produtos na internet.</a:t>
+            </a:r>
+            <a:endParaRPr sz="1200" dirty="0">
+              <a:solidFill>
+                <a:schemeClr val="dk1"/>
+              </a:solidFill>
+              <a:latin typeface="Inter"/>
+              <a:ea typeface="Inter"/>
+              <a:cs typeface="Inter"/>
+              <a:sym typeface="Inter"/>
+            </a:endParaRPr>
+          </a:p>
+        </p:txBody>
+      </p:sp>
+      <p:sp>
+        <p:nvSpPr>
+          <p:cNvPr id="2441" name="Google Shape;2441;p65"/>
+          <p:cNvSpPr/>
+          <p:nvPr/>
+        </p:nvSpPr>
+        <p:spPr>
+          <a:xfrm>
+            <a:off x="713225" y="1361225"/>
+            <a:ext cx="260100" cy="260100"/>
+          </a:xfrm>
+          <a:prstGeom prst="rect">
+            <a:avLst/>
+          </a:prstGeom>
+          <a:solidFill>
+            <a:schemeClr val="dk2"/>
+          </a:solidFill>
+          <a:ln>
+            <a:noFill/>
+          </a:ln>
+        </p:spPr>
+        <p:txBody>
+          <a:bodyPr spcFirstLastPara="1" wrap="square" lIns="91425" tIns="91425" rIns="91425" bIns="91425" anchor="ctr" anchorCtr="0">
+            <a:noAutofit/>
+          </a:bodyPr>
+          <a:lstStyle/>
+          <a:p>
+            <a:pPr marL="0" lvl="0" indent="0" algn="l" rtl="0">
+              <a:spcBef>
+                <a:spcPts val="0"/>
+              </a:spcBef>
+              <a:spcAft>
+                <a:spcPts val="0"/>
+              </a:spcAft>
+              <a:buNone/>
+            </a:pPr>
+            <a:endParaRPr/>
+          </a:p>
+        </p:txBody>
+      </p:sp>
+      <p:sp>
+        <p:nvSpPr>
+          <p:cNvPr id="2442" name="Google Shape;2442;p65"/>
+          <p:cNvSpPr txBox="1"/>
+          <p:nvPr/>
+        </p:nvSpPr>
+        <p:spPr>
+          <a:xfrm>
+            <a:off x="1010675" y="2544975"/>
+            <a:ext cx="2136300" cy="554100"/>
+          </a:xfrm>
+          <a:prstGeom prst="rect">
+            <a:avLst/>
+          </a:prstGeom>
+          <a:noFill/>
+          <a:ln>
+            <a:noFill/>
+          </a:ln>
+        </p:spPr>
+        <p:txBody>
+          <a:bodyPr spcFirstLastPara="1" wrap="square" lIns="91425" tIns="91425" rIns="91425" bIns="91425" anchor="t" anchorCtr="0">
+            <a:noAutofit/>
+          </a:bodyPr>
+          <a:lstStyle/>
+          <a:p>
+            <a:pPr marL="0" lvl="0" indent="0" algn="l" rtl="0">
+              <a:spcBef>
+                <a:spcPts val="0"/>
+              </a:spcBef>
+              <a:spcAft>
+                <a:spcPts val="0"/>
+              </a:spcAft>
+              <a:buNone/>
+            </a:pPr>
+            <a:r>
+              <a:rPr lang="en" sz="2200" dirty="0">
+                <a:solidFill>
+                  <a:schemeClr val="dk1"/>
+                </a:solidFill>
+                <a:latin typeface="Manrope SemiBold"/>
+                <a:ea typeface="Manrope SemiBold"/>
+                <a:cs typeface="Manrope SemiBold"/>
+                <a:sym typeface="Manrope SemiBold"/>
+              </a:rPr>
+              <a:t>Como?</a:t>
+            </a:r>
+            <a:endParaRPr sz="2200" dirty="0">
+              <a:solidFill>
+                <a:schemeClr val="dk1"/>
+              </a:solidFill>
+              <a:latin typeface="Manrope SemiBold"/>
+              <a:ea typeface="Manrope SemiBold"/>
+              <a:cs typeface="Manrope SemiBold"/>
+              <a:sym typeface="Manrope SemiBold"/>
+            </a:endParaRPr>
+          </a:p>
+        </p:txBody>
+      </p:sp>
+      <p:sp>
+        <p:nvSpPr>
+          <p:cNvPr id="2443" name="Google Shape;2443;p65"/>
+          <p:cNvSpPr txBox="1"/>
+          <p:nvPr/>
+        </p:nvSpPr>
+        <p:spPr>
+          <a:xfrm>
+            <a:off x="1010674" y="2958814"/>
+            <a:ext cx="2235445" cy="1087405"/>
+          </a:xfrm>
+          <a:prstGeom prst="rect">
+            <a:avLst/>
+          </a:prstGeom>
+          <a:noFill/>
+          <a:ln>
+            <a:noFill/>
+          </a:ln>
+        </p:spPr>
+        <p:txBody>
+          <a:bodyPr spcFirstLastPara="1" wrap="square" lIns="91425" tIns="91425" rIns="91425" bIns="91425" anchor="t" anchorCtr="0">
+            <a:noAutofit/>
+          </a:bodyPr>
+          <a:lstStyle/>
+          <a:p>
+            <a:pPr marL="0" lvl="0" indent="0" algn="l" rtl="0">
+              <a:spcBef>
+                <a:spcPts val="0"/>
+              </a:spcBef>
+              <a:spcAft>
+                <a:spcPts val="0"/>
+              </a:spcAft>
+              <a:buNone/>
+            </a:pPr>
+            <a:r>
+              <a:rPr lang="en" sz="1200" dirty="0">
+                <a:solidFill>
+                  <a:schemeClr val="dk1"/>
+                </a:solidFill>
+                <a:latin typeface="Inter"/>
+                <a:ea typeface="Inter"/>
+                <a:cs typeface="Inter"/>
+                <a:sym typeface="Inter"/>
+              </a:rPr>
+              <a:t>Clientes conquistados através da visualização dos resultados, automatização do processo e captação em locais estratégicos.</a:t>
+            </a:r>
+            <a:endParaRPr sz="1200" dirty="0">
+              <a:solidFill>
+                <a:schemeClr val="dk1"/>
+              </a:solidFill>
+              <a:latin typeface="Inter"/>
+              <a:ea typeface="Inter"/>
+              <a:cs typeface="Inter"/>
+              <a:sym typeface="Inter"/>
+            </a:endParaRPr>
+          </a:p>
+        </p:txBody>
+      </p:sp>
+      <p:sp>
+        <p:nvSpPr>
+          <p:cNvPr id="2444" name="Google Shape;2444;p65"/>
+          <p:cNvSpPr/>
+          <p:nvPr/>
+        </p:nvSpPr>
+        <p:spPr>
+          <a:xfrm>
+            <a:off x="713225" y="2653875"/>
+            <a:ext cx="260100" cy="260100"/>
+          </a:xfrm>
+          <a:prstGeom prst="rect">
+            <a:avLst/>
+          </a:prstGeom>
+          <a:solidFill>
+            <a:schemeClr val="accent1"/>
+          </a:solidFill>
+          <a:ln>
+            <a:noFill/>
+          </a:ln>
+        </p:spPr>
+        <p:txBody>
+          <a:bodyPr spcFirstLastPara="1" wrap="square" lIns="91425" tIns="91425" rIns="91425" bIns="91425" anchor="ctr" anchorCtr="0">
+            <a:noAutofit/>
+          </a:bodyPr>
+          <a:lstStyle/>
+          <a:p>
+            <a:pPr marL="0" lvl="0" indent="0" algn="l" rtl="0">
+              <a:spcBef>
+                <a:spcPts val="0"/>
+              </a:spcBef>
+              <a:spcAft>
+                <a:spcPts val="0"/>
+              </a:spcAft>
+              <a:buNone/>
+            </a:pPr>
+            <a:endParaRPr/>
+          </a:p>
+        </p:txBody>
+      </p:sp>
+      <p:pic>
+        <p:nvPicPr>
+          <p:cNvPr id="2449" name="Google Shape;2449;p65" title="Gráfico">
+            <a:hlinkClick r:id="rId3"/>
+          </p:cNvPr>
+          <p:cNvPicPr preferRelativeResize="0"/>
+          <p:nvPr/>
+        </p:nvPicPr>
+        <p:blipFill>
+          <a:blip r:embed="rId4">
+            <a:alphaModFix/>
+          </a:blip>
+          <a:stretch>
+            <a:fillRect/>
+          </a:stretch>
+        </p:blipFill>
+        <p:spPr>
+          <a:xfrm>
+            <a:off x="3933586" y="1578776"/>
+            <a:ext cx="3899824" cy="2409200"/>
+          </a:xfrm>
+          <a:prstGeom prst="rect">
+            <a:avLst/>
+          </a:prstGeom>
+          <a:noFill/>
+          <a:ln w="28575" cap="flat" cmpd="sng">
+            <a:solidFill>
+              <a:schemeClr val="lt2"/>
+            </a:solidFill>
+            <a:prstDash val="solid"/>
+            <a:round/>
+            <a:headEnd type="none" w="sm" len="sm"/>
+            <a:tailEnd type="none" w="sm" len="sm"/>
+          </a:ln>
+        </p:spPr>
+      </p:pic>
+    </p:spTree>
+  </p:cSld>
+  <p:clrMapOvr>
+    <a:masterClrMapping/>
+  </p:clrMapOvr>
+</p:sld>
+</file>
+
+<file path=ppt/slides/slide7.xml><?xml version="1.0" encoding="utf-8"?>
+<p:sld xmlns:a="http://schemas.openxmlformats.org/drawingml/2006/main" xmlns:r="http://schemas.openxmlformats.org/officeDocument/2006/relationships" xmlns:p="http://schemas.openxmlformats.org/presentationml/2006/main">
+  <p:cSld>
+    <p:spTree>
+      <p:nvGrpSpPr>
         <p:cNvPr id="1" name="Shape 2412"/>
         <p:cNvGrpSpPr/>
         <p:nvPr/>

--- a/Pitch-SavvyFix.pptx
+++ b/Pitch-SavvyFix.pptx
@@ -5,7 +5,7 @@
     <p:sldMasterId id="2147483683" r:id="rId1"/>
   </p:sldMasterIdLst>
   <p:notesMasterIdLst>
-    <p:notesMasterId r:id="rId9"/>
+    <p:notesMasterId r:id="rId10"/>
   </p:notesMasterIdLst>
   <p:sldIdLst>
     <p:sldId id="256" r:id="rId2"/>
@@ -14,25 +14,31 @@
     <p:sldId id="282" r:id="rId5"/>
     <p:sldId id="269" r:id="rId6"/>
     <p:sldId id="283" r:id="rId7"/>
-    <p:sldId id="281" r:id="rId8"/>
+    <p:sldId id="266" r:id="rId8"/>
+    <p:sldId id="281" r:id="rId9"/>
   </p:sldIdLst>
   <p:sldSz cx="9144000" cy="5143500" type="screen16x9"/>
   <p:notesSz cx="6858000" cy="9144000"/>
   <p:embeddedFontLst>
     <p:embeddedFont>
       <p:font typeface="Inter" panose="020B0604020202020204" charset="0"/>
-      <p:regular r:id="rId10"/>
-      <p:bold r:id="rId11"/>
+      <p:regular r:id="rId11"/>
+      <p:bold r:id="rId12"/>
+    </p:embeddedFont>
+    <p:embeddedFont>
+      <p:font typeface="Manrope" panose="020B0604020202020204" charset="0"/>
+      <p:regular r:id="rId13"/>
+      <p:bold r:id="rId14"/>
     </p:embeddedFont>
     <p:embeddedFont>
       <p:font typeface="Manrope Medium" panose="020B0604020202020204" charset="0"/>
-      <p:regular r:id="rId12"/>
-      <p:bold r:id="rId13"/>
+      <p:regular r:id="rId15"/>
+      <p:bold r:id="rId16"/>
     </p:embeddedFont>
     <p:embeddedFont>
       <p:font typeface="Manrope SemiBold" panose="020B0604020202020204" charset="0"/>
-      <p:regular r:id="rId14"/>
-      <p:bold r:id="rId15"/>
+      <p:regular r:id="rId17"/>
+      <p:bold r:id="rId18"/>
     </p:embeddedFont>
   </p:embeddedFontLst>
   <p:defaultTextStyle>
@@ -1338,6 +1344,110 @@
 </file>
 
 <file path=ppt/notesSlides/notesSlide7.xml><?xml version="1.0" encoding="utf-8"?>
+<p:notes xmlns:a="http://schemas.openxmlformats.org/drawingml/2006/main" xmlns:r="http://schemas.openxmlformats.org/officeDocument/2006/relationships" xmlns:p="http://schemas.openxmlformats.org/presentationml/2006/main" showMasterSp="0" showMasterPhAnim="0">
+  <p:cSld>
+    <p:spTree>
+      <p:nvGrpSpPr>
+        <p:cNvPr id="1" name="Shape 2047"/>
+        <p:cNvGrpSpPr/>
+        <p:nvPr/>
+      </p:nvGrpSpPr>
+      <p:grpSpPr>
+        <a:xfrm>
+          <a:off x="0" y="0"/>
+          <a:ext cx="0" cy="0"/>
+          <a:chOff x="0" y="0"/>
+          <a:chExt cx="0" cy="0"/>
+        </a:xfrm>
+      </p:grpSpPr>
+      <p:sp>
+        <p:nvSpPr>
+          <p:cNvPr id="2048" name="Google Shape;2048;g238dfbb53c3_0_613:notes"/>
+          <p:cNvSpPr>
+            <a:spLocks noGrp="1" noRot="1" noChangeAspect="1"/>
+          </p:cNvSpPr>
+          <p:nvPr>
+            <p:ph type="sldImg" idx="2"/>
+          </p:nvPr>
+        </p:nvSpPr>
+        <p:spPr>
+          <a:xfrm>
+            <a:off x="381000" y="685800"/>
+            <a:ext cx="6096000" cy="3429000"/>
+          </a:xfrm>
+          <a:custGeom>
+            <a:avLst/>
+            <a:gdLst/>
+            <a:ahLst/>
+            <a:cxnLst/>
+            <a:rect l="l" t="t" r="r" b="b"/>
+            <a:pathLst>
+              <a:path w="120000" h="120000" extrusionOk="0">
+                <a:moveTo>
+                  <a:pt x="0" y="0"/>
+                </a:moveTo>
+                <a:lnTo>
+                  <a:pt x="120000" y="0"/>
+                </a:lnTo>
+                <a:lnTo>
+                  <a:pt x="120000" y="120000"/>
+                </a:lnTo>
+                <a:lnTo>
+                  <a:pt x="0" y="120000"/>
+                </a:lnTo>
+                <a:close/>
+              </a:path>
+            </a:pathLst>
+          </a:custGeom>
+        </p:spPr>
+      </p:sp>
+      <p:sp>
+        <p:nvSpPr>
+          <p:cNvPr id="2049" name="Google Shape;2049;g238dfbb53c3_0_613:notes"/>
+          <p:cNvSpPr txBox="1">
+            <a:spLocks noGrp="1"/>
+          </p:cNvSpPr>
+          <p:nvPr>
+            <p:ph type="body" idx="1"/>
+          </p:nvPr>
+        </p:nvSpPr>
+        <p:spPr>
+          <a:xfrm>
+            <a:off x="685800" y="4343400"/>
+            <a:ext cx="5486400" cy="4114800"/>
+          </a:xfrm>
+          <a:prstGeom prst="rect">
+            <a:avLst/>
+          </a:prstGeom>
+        </p:spPr>
+        <p:txBody>
+          <a:bodyPr spcFirstLastPara="1" wrap="square" lIns="91425" tIns="91425" rIns="91425" bIns="91425" anchor="t" anchorCtr="0">
+            <a:noAutofit/>
+          </a:bodyPr>
+          <a:lstStyle/>
+          <a:p>
+            <a:pPr marL="0" lvl="0" indent="0" algn="l" rtl="0">
+              <a:spcBef>
+                <a:spcPts val="0"/>
+              </a:spcBef>
+              <a:spcAft>
+                <a:spcPts val="0"/>
+              </a:spcAft>
+              <a:buNone/>
+            </a:pPr>
+            <a:endParaRPr/>
+          </a:p>
+        </p:txBody>
+      </p:sp>
+    </p:spTree>
+  </p:cSld>
+  <p:clrMapOvr>
+    <a:masterClrMapping/>
+  </p:clrMapOvr>
+</p:notes>
+</file>
+
+<file path=ppt/notesSlides/notesSlide8.xml><?xml version="1.0" encoding="utf-8"?>
 <p:notes xmlns:a="http://schemas.openxmlformats.org/drawingml/2006/main" xmlns:r="http://schemas.openxmlformats.org/officeDocument/2006/relationships" xmlns:p="http://schemas.openxmlformats.org/presentationml/2006/main" showMasterSp="0" showMasterPhAnim="0">
   <p:cSld>
     <p:spTree>
@@ -49202,6 +49312,2309 @@
   <p:cSld>
     <p:spTree>
       <p:nvGrpSpPr>
+        <p:cNvPr id="1" name="Shape 2050"/>
+        <p:cNvGrpSpPr/>
+        <p:nvPr/>
+      </p:nvGrpSpPr>
+      <p:grpSpPr>
+        <a:xfrm>
+          <a:off x="0" y="0"/>
+          <a:ext cx="0" cy="0"/>
+          <a:chOff x="0" y="0"/>
+          <a:chExt cx="0" cy="0"/>
+        </a:xfrm>
+      </p:grpSpPr>
+      <p:sp>
+        <p:nvSpPr>
+          <p:cNvPr id="2051" name="Google Shape;2051;p48"/>
+          <p:cNvSpPr txBox="1">
+            <a:spLocks noGrp="1"/>
+          </p:cNvSpPr>
+          <p:nvPr>
+            <p:ph type="title"/>
+          </p:nvPr>
+        </p:nvSpPr>
+        <p:spPr>
+          <a:xfrm>
+            <a:off x="713225" y="520925"/>
+            <a:ext cx="7717500" cy="708000"/>
+          </a:xfrm>
+          <a:prstGeom prst="rect">
+            <a:avLst/>
+          </a:prstGeom>
+        </p:spPr>
+        <p:txBody>
+          <a:bodyPr spcFirstLastPara="1" wrap="square" lIns="91425" tIns="91425" rIns="91425" bIns="91425" anchor="t" anchorCtr="0">
+            <a:noAutofit/>
+          </a:bodyPr>
+          <a:lstStyle/>
+          <a:p>
+            <a:pPr marL="0" lvl="0" indent="0" algn="ctr" rtl="0">
+              <a:spcBef>
+                <a:spcPts val="0"/>
+              </a:spcBef>
+              <a:spcAft>
+                <a:spcPts val="0"/>
+              </a:spcAft>
+              <a:buNone/>
+            </a:pPr>
+            <a:r>
+              <a:rPr lang="pt-BR" dirty="0"/>
+              <a:t>ANÁLISE DA CONCORRÊNCIA</a:t>
+            </a:r>
+            <a:endParaRPr dirty="0"/>
+          </a:p>
+        </p:txBody>
+      </p:sp>
+      <p:sp>
+        <p:nvSpPr>
+          <p:cNvPr id="2053" name="Google Shape;2053;p48"/>
+          <p:cNvSpPr txBox="1"/>
+          <p:nvPr/>
+        </p:nvSpPr>
+        <p:spPr>
+          <a:xfrm>
+            <a:off x="1524908" y="2472445"/>
+            <a:ext cx="2495100" cy="704535"/>
+          </a:xfrm>
+          <a:prstGeom prst="rect">
+            <a:avLst/>
+          </a:prstGeom>
+          <a:noFill/>
+          <a:ln>
+            <a:noFill/>
+          </a:ln>
+        </p:spPr>
+        <p:txBody>
+          <a:bodyPr spcFirstLastPara="1" wrap="square" lIns="91425" tIns="91425" rIns="91425" bIns="91425" anchor="t" anchorCtr="0">
+            <a:noAutofit/>
+          </a:bodyPr>
+          <a:lstStyle/>
+          <a:p>
+            <a:pPr marL="0" lvl="0" indent="0" algn="l" rtl="0">
+              <a:spcBef>
+                <a:spcPts val="0"/>
+              </a:spcBef>
+              <a:spcAft>
+                <a:spcPts val="0"/>
+              </a:spcAft>
+              <a:buNone/>
+            </a:pPr>
+            <a:r>
+              <a:rPr lang="en" sz="1200" dirty="0">
+                <a:solidFill>
+                  <a:schemeClr val="dk1"/>
+                </a:solidFill>
+                <a:latin typeface="Inter"/>
+                <a:ea typeface="Inter"/>
+                <a:cs typeface="Inter"/>
+                <a:sym typeface="Inter"/>
+              </a:rPr>
+              <a:t>Empresas que oferecem serviços similares com precificação dinâmicas</a:t>
+            </a:r>
+            <a:endParaRPr sz="1200" dirty="0">
+              <a:solidFill>
+                <a:schemeClr val="dk1"/>
+              </a:solidFill>
+              <a:latin typeface="Inter"/>
+              <a:ea typeface="Inter"/>
+              <a:cs typeface="Inter"/>
+              <a:sym typeface="Inter"/>
+            </a:endParaRPr>
+          </a:p>
+        </p:txBody>
+      </p:sp>
+      <p:sp>
+        <p:nvSpPr>
+          <p:cNvPr id="2055" name="Google Shape;2055;p48"/>
+          <p:cNvSpPr txBox="1"/>
+          <p:nvPr/>
+        </p:nvSpPr>
+        <p:spPr>
+          <a:xfrm>
+            <a:off x="1520077" y="3874388"/>
+            <a:ext cx="2495100" cy="704533"/>
+          </a:xfrm>
+          <a:prstGeom prst="rect">
+            <a:avLst/>
+          </a:prstGeom>
+          <a:noFill/>
+          <a:ln>
+            <a:noFill/>
+          </a:ln>
+        </p:spPr>
+        <p:txBody>
+          <a:bodyPr spcFirstLastPara="1" wrap="square" lIns="91425" tIns="91425" rIns="91425" bIns="91425" anchor="t" anchorCtr="0">
+            <a:noAutofit/>
+          </a:bodyPr>
+          <a:lstStyle/>
+          <a:p>
+            <a:pPr marL="0" lvl="0" indent="0" algn="l" rtl="0">
+              <a:spcBef>
+                <a:spcPts val="0"/>
+              </a:spcBef>
+              <a:spcAft>
+                <a:spcPts val="0"/>
+              </a:spcAft>
+              <a:buNone/>
+            </a:pPr>
+            <a:r>
+              <a:rPr lang="en" sz="1200" dirty="0">
+                <a:solidFill>
+                  <a:schemeClr val="dk1"/>
+                </a:solidFill>
+                <a:latin typeface="Inter"/>
+                <a:ea typeface="Inter"/>
+                <a:cs typeface="Inter"/>
+                <a:sym typeface="Inter"/>
+              </a:rPr>
+              <a:t>Exemplos: Uber, Amazon, Walmart, Mercado Livre, Magazine Luiza</a:t>
+            </a:r>
+            <a:endParaRPr sz="1200" dirty="0">
+              <a:solidFill>
+                <a:schemeClr val="dk1"/>
+              </a:solidFill>
+              <a:latin typeface="Inter"/>
+              <a:ea typeface="Inter"/>
+              <a:cs typeface="Inter"/>
+              <a:sym typeface="Inter"/>
+            </a:endParaRPr>
+          </a:p>
+        </p:txBody>
+      </p:sp>
+      <p:sp>
+        <p:nvSpPr>
+          <p:cNvPr id="2057" name="Google Shape;2057;p48"/>
+          <p:cNvSpPr txBox="1"/>
+          <p:nvPr/>
+        </p:nvSpPr>
+        <p:spPr>
+          <a:xfrm>
+            <a:off x="5829256" y="2384976"/>
+            <a:ext cx="2781344" cy="922103"/>
+          </a:xfrm>
+          <a:prstGeom prst="rect">
+            <a:avLst/>
+          </a:prstGeom>
+          <a:noFill/>
+          <a:ln>
+            <a:noFill/>
+          </a:ln>
+        </p:spPr>
+        <p:txBody>
+          <a:bodyPr spcFirstLastPara="1" wrap="square" lIns="91425" tIns="91425" rIns="91425" bIns="91425" anchor="t" anchorCtr="0">
+            <a:noAutofit/>
+          </a:bodyPr>
+          <a:lstStyle/>
+          <a:p>
+            <a:pPr marL="0" lvl="0" indent="0" algn="l" rtl="0">
+              <a:spcBef>
+                <a:spcPts val="0"/>
+              </a:spcBef>
+              <a:spcAft>
+                <a:spcPts val="0"/>
+              </a:spcAft>
+              <a:buNone/>
+            </a:pPr>
+            <a:r>
+              <a:rPr lang="en" sz="1200" dirty="0">
+                <a:solidFill>
+                  <a:schemeClr val="dk1"/>
+                </a:solidFill>
+                <a:latin typeface="Inter"/>
+                <a:ea typeface="Inter"/>
+                <a:cs typeface="Inter"/>
+                <a:sym typeface="Inter"/>
+              </a:rPr>
+              <a:t>Empresas que oferecem serviços substitutos e que competem com a atenção, orçamento e decisão dos consumidores.</a:t>
+            </a:r>
+            <a:endParaRPr sz="1200" dirty="0">
+              <a:solidFill>
+                <a:schemeClr val="dk1"/>
+              </a:solidFill>
+              <a:latin typeface="Inter"/>
+              <a:ea typeface="Inter"/>
+              <a:cs typeface="Inter"/>
+              <a:sym typeface="Inter"/>
+            </a:endParaRPr>
+          </a:p>
+        </p:txBody>
+      </p:sp>
+      <p:sp>
+        <p:nvSpPr>
+          <p:cNvPr id="2059" name="Google Shape;2059;p48"/>
+          <p:cNvSpPr txBox="1"/>
+          <p:nvPr/>
+        </p:nvSpPr>
+        <p:spPr>
+          <a:xfrm>
+            <a:off x="5885204" y="3940175"/>
+            <a:ext cx="2494800" cy="554100"/>
+          </a:xfrm>
+          <a:prstGeom prst="rect">
+            <a:avLst/>
+          </a:prstGeom>
+          <a:noFill/>
+          <a:ln>
+            <a:noFill/>
+          </a:ln>
+        </p:spPr>
+        <p:txBody>
+          <a:bodyPr spcFirstLastPara="1" wrap="square" lIns="91425" tIns="91425" rIns="91425" bIns="91425" anchor="t" anchorCtr="0">
+            <a:noAutofit/>
+          </a:bodyPr>
+          <a:lstStyle/>
+          <a:p>
+            <a:pPr marL="0" lvl="0" indent="0" algn="l" rtl="0">
+              <a:spcBef>
+                <a:spcPts val="0"/>
+              </a:spcBef>
+              <a:spcAft>
+                <a:spcPts val="0"/>
+              </a:spcAft>
+              <a:buNone/>
+            </a:pPr>
+            <a:r>
+              <a:rPr lang="en" sz="1200" dirty="0">
+                <a:solidFill>
+                  <a:schemeClr val="dk1"/>
+                </a:solidFill>
+                <a:latin typeface="Inter"/>
+                <a:ea typeface="Inter"/>
+                <a:cs typeface="Inter"/>
+                <a:sym typeface="Inter"/>
+              </a:rPr>
+              <a:t>Exemplos: Netflix, Spotify, Airnbn, PlayStation, Udemy</a:t>
+            </a:r>
+            <a:endParaRPr sz="1200" dirty="0">
+              <a:solidFill>
+                <a:schemeClr val="dk1"/>
+              </a:solidFill>
+              <a:latin typeface="Inter"/>
+              <a:ea typeface="Inter"/>
+              <a:cs typeface="Inter"/>
+              <a:sym typeface="Inter"/>
+            </a:endParaRPr>
+          </a:p>
+        </p:txBody>
+      </p:sp>
+      <p:cxnSp>
+        <p:nvCxnSpPr>
+          <p:cNvPr id="2060" name="Google Shape;2060;p48"/>
+          <p:cNvCxnSpPr/>
+          <p:nvPr/>
+        </p:nvCxnSpPr>
+        <p:spPr>
+          <a:xfrm rot="10800000">
+            <a:off x="1071533" y="2067375"/>
+            <a:ext cx="0" cy="189900"/>
+          </a:xfrm>
+          <a:prstGeom prst="straightConnector1">
+            <a:avLst/>
+          </a:prstGeom>
+          <a:noFill/>
+          <a:ln w="28575" cap="flat" cmpd="sng">
+            <a:solidFill>
+              <a:schemeClr val="dk1"/>
+            </a:solidFill>
+            <a:prstDash val="solid"/>
+            <a:round/>
+            <a:headEnd type="none" w="med" len="med"/>
+            <a:tailEnd type="none" w="med" len="med"/>
+          </a:ln>
+        </p:spPr>
+      </p:cxnSp>
+      <p:cxnSp>
+        <p:nvCxnSpPr>
+          <p:cNvPr id="2061" name="Google Shape;2061;p48"/>
+          <p:cNvCxnSpPr/>
+          <p:nvPr/>
+        </p:nvCxnSpPr>
+        <p:spPr>
+          <a:xfrm rot="10800000">
+            <a:off x="1071533" y="3380275"/>
+            <a:ext cx="0" cy="189900"/>
+          </a:xfrm>
+          <a:prstGeom prst="straightConnector1">
+            <a:avLst/>
+          </a:prstGeom>
+          <a:noFill/>
+          <a:ln w="28575" cap="flat" cmpd="sng">
+            <a:solidFill>
+              <a:schemeClr val="dk1"/>
+            </a:solidFill>
+            <a:prstDash val="solid"/>
+            <a:round/>
+            <a:headEnd type="none" w="med" len="med"/>
+            <a:tailEnd type="none" w="med" len="med"/>
+          </a:ln>
+        </p:spPr>
+      </p:cxnSp>
+      <p:cxnSp>
+        <p:nvCxnSpPr>
+          <p:cNvPr id="2062" name="Google Shape;2062;p48"/>
+          <p:cNvCxnSpPr/>
+          <p:nvPr/>
+        </p:nvCxnSpPr>
+        <p:spPr>
+          <a:xfrm rot="10800000">
+            <a:off x="5315508" y="2067375"/>
+            <a:ext cx="0" cy="189900"/>
+          </a:xfrm>
+          <a:prstGeom prst="straightConnector1">
+            <a:avLst/>
+          </a:prstGeom>
+          <a:noFill/>
+          <a:ln w="28575" cap="flat" cmpd="sng">
+            <a:solidFill>
+              <a:schemeClr val="dk1"/>
+            </a:solidFill>
+            <a:prstDash val="solid"/>
+            <a:round/>
+            <a:headEnd type="none" w="med" len="med"/>
+            <a:tailEnd type="none" w="med" len="med"/>
+          </a:ln>
+        </p:spPr>
+      </p:cxnSp>
+      <p:cxnSp>
+        <p:nvCxnSpPr>
+          <p:cNvPr id="2063" name="Google Shape;2063;p48"/>
+          <p:cNvCxnSpPr/>
+          <p:nvPr/>
+        </p:nvCxnSpPr>
+        <p:spPr>
+          <a:xfrm rot="10800000">
+            <a:off x="5315508" y="3380275"/>
+            <a:ext cx="0" cy="189900"/>
+          </a:xfrm>
+          <a:prstGeom prst="straightConnector1">
+            <a:avLst/>
+          </a:prstGeom>
+          <a:noFill/>
+          <a:ln w="28575" cap="flat" cmpd="sng">
+            <a:solidFill>
+              <a:schemeClr val="dk1"/>
+            </a:solidFill>
+            <a:prstDash val="solid"/>
+            <a:round/>
+            <a:headEnd type="none" w="med" len="med"/>
+            <a:tailEnd type="none" w="med" len="med"/>
+          </a:ln>
+        </p:spPr>
+      </p:cxnSp>
+      <p:cxnSp>
+        <p:nvCxnSpPr>
+          <p:cNvPr id="2064" name="Google Shape;2064;p48"/>
+          <p:cNvCxnSpPr>
+            <a:stCxn id="2065" idx="3"/>
+            <a:endCxn id="2066" idx="1"/>
+          </p:cNvCxnSpPr>
+          <p:nvPr/>
+        </p:nvCxnSpPr>
+        <p:spPr>
+          <a:xfrm>
+            <a:off x="4136164" y="1792700"/>
+            <a:ext cx="871800" cy="0"/>
+          </a:xfrm>
+          <a:prstGeom prst="straightConnector1">
+            <a:avLst/>
+          </a:prstGeom>
+          <a:noFill/>
+          <a:ln w="28575" cap="flat" cmpd="sng">
+            <a:solidFill>
+              <a:schemeClr val="dk1"/>
+            </a:solidFill>
+            <a:prstDash val="solid"/>
+            <a:round/>
+            <a:headEnd type="none" w="med" len="med"/>
+            <a:tailEnd type="none" w="med" len="med"/>
+          </a:ln>
+        </p:spPr>
+      </p:cxnSp>
+      <p:grpSp>
+        <p:nvGrpSpPr>
+          <p:cNvPr id="2067" name="Google Shape;2067;p48"/>
+          <p:cNvGrpSpPr/>
+          <p:nvPr/>
+        </p:nvGrpSpPr>
+        <p:grpSpPr>
+          <a:xfrm>
+            <a:off x="5015992" y="2506362"/>
+            <a:ext cx="599025" cy="612638"/>
+            <a:chOff x="-4629392" y="1248613"/>
+            <a:chExt cx="399963" cy="414393"/>
+          </a:xfrm>
+        </p:grpSpPr>
+        <p:sp>
+          <p:nvSpPr>
+            <p:cNvPr id="2068" name="Google Shape;2068;p48"/>
+            <p:cNvSpPr/>
+            <p:nvPr/>
+          </p:nvSpPr>
+          <p:spPr>
+            <a:xfrm>
+              <a:off x="-4348018" y="1248613"/>
+              <a:ext cx="72772" cy="170748"/>
+            </a:xfrm>
+            <a:custGeom>
+              <a:avLst/>
+              <a:gdLst/>
+              <a:ahLst/>
+              <a:cxnLst/>
+              <a:rect l="l" t="t" r="r" b="b"/>
+              <a:pathLst>
+                <a:path w="2330" h="5467" extrusionOk="0">
+                  <a:moveTo>
+                    <a:pt x="785" y="0"/>
+                  </a:moveTo>
+                  <a:lnTo>
+                    <a:pt x="785" y="886"/>
+                  </a:lnTo>
+                  <a:cubicBezTo>
+                    <a:pt x="330" y="1038"/>
+                    <a:pt x="1" y="1468"/>
+                    <a:pt x="1" y="1974"/>
+                  </a:cubicBezTo>
+                  <a:lnTo>
+                    <a:pt x="1" y="3138"/>
+                  </a:lnTo>
+                  <a:lnTo>
+                    <a:pt x="1544" y="3138"/>
+                  </a:lnTo>
+                  <a:lnTo>
+                    <a:pt x="1544" y="3543"/>
+                  </a:lnTo>
+                  <a:cubicBezTo>
+                    <a:pt x="1544" y="3746"/>
+                    <a:pt x="1367" y="3923"/>
+                    <a:pt x="1165" y="3923"/>
+                  </a:cubicBezTo>
+                  <a:lnTo>
+                    <a:pt x="1" y="3923"/>
+                  </a:lnTo>
+                  <a:lnTo>
+                    <a:pt x="1" y="4707"/>
+                  </a:lnTo>
+                  <a:lnTo>
+                    <a:pt x="785" y="4707"/>
+                  </a:lnTo>
+                  <a:lnTo>
+                    <a:pt x="785" y="5467"/>
+                  </a:lnTo>
+                  <a:lnTo>
+                    <a:pt x="1544" y="5467"/>
+                  </a:lnTo>
+                  <a:lnTo>
+                    <a:pt x="1544" y="4631"/>
+                  </a:lnTo>
+                  <a:cubicBezTo>
+                    <a:pt x="2000" y="4480"/>
+                    <a:pt x="2329" y="4049"/>
+                    <a:pt x="2329" y="3543"/>
+                  </a:cubicBezTo>
+                  <a:lnTo>
+                    <a:pt x="2329" y="2379"/>
+                  </a:lnTo>
+                  <a:lnTo>
+                    <a:pt x="785" y="2379"/>
+                  </a:lnTo>
+                  <a:lnTo>
+                    <a:pt x="785" y="1974"/>
+                  </a:lnTo>
+                  <a:cubicBezTo>
+                    <a:pt x="785" y="1772"/>
+                    <a:pt x="962" y="1594"/>
+                    <a:pt x="1165" y="1594"/>
+                  </a:cubicBezTo>
+                  <a:lnTo>
+                    <a:pt x="2329" y="1594"/>
+                  </a:lnTo>
+                  <a:lnTo>
+                    <a:pt x="2329" y="810"/>
+                  </a:lnTo>
+                  <a:lnTo>
+                    <a:pt x="1544" y="810"/>
+                  </a:lnTo>
+                  <a:lnTo>
+                    <a:pt x="1544" y="0"/>
+                  </a:lnTo>
+                  <a:close/>
+                </a:path>
+              </a:pathLst>
+            </a:custGeom>
+            <a:solidFill>
+              <a:schemeClr val="accent1"/>
+            </a:solidFill>
+            <a:ln>
+              <a:noFill/>
+            </a:ln>
+          </p:spPr>
+          <p:txBody>
+            <a:bodyPr spcFirstLastPara="1" wrap="square" lIns="91425" tIns="91425" rIns="91425" bIns="91425" anchor="ctr" anchorCtr="0">
+              <a:noAutofit/>
+            </a:bodyPr>
+            <a:lstStyle/>
+            <a:p>
+              <a:pPr marL="0" lvl="0" indent="0" algn="l" rtl="0">
+                <a:spcBef>
+                  <a:spcPts val="0"/>
+                </a:spcBef>
+                <a:spcAft>
+                  <a:spcPts val="0"/>
+                </a:spcAft>
+                <a:buNone/>
+              </a:pPr>
+              <a:endParaRPr/>
+            </a:p>
+          </p:txBody>
+        </p:sp>
+        <p:sp>
+          <p:nvSpPr>
+            <p:cNvPr id="2069" name="Google Shape;2069;p48"/>
+            <p:cNvSpPr/>
+            <p:nvPr/>
+          </p:nvSpPr>
+          <p:spPr>
+            <a:xfrm>
+              <a:off x="-4383592" y="1447783"/>
+              <a:ext cx="120183" cy="120183"/>
+            </a:xfrm>
+            <a:custGeom>
+              <a:avLst/>
+              <a:gdLst/>
+              <a:ahLst/>
+              <a:cxnLst/>
+              <a:rect l="l" t="t" r="r" b="b"/>
+              <a:pathLst>
+                <a:path w="3848" h="3848" extrusionOk="0">
+                  <a:moveTo>
+                    <a:pt x="1646" y="1"/>
+                  </a:moveTo>
+                  <a:lnTo>
+                    <a:pt x="1" y="1671"/>
+                  </a:lnTo>
+                  <a:lnTo>
+                    <a:pt x="2203" y="3847"/>
+                  </a:lnTo>
+                  <a:lnTo>
+                    <a:pt x="3848" y="2202"/>
+                  </a:lnTo>
+                  <a:lnTo>
+                    <a:pt x="1646" y="1"/>
+                  </a:lnTo>
+                  <a:close/>
+                </a:path>
+              </a:pathLst>
+            </a:custGeom>
+            <a:solidFill>
+              <a:schemeClr val="accent1"/>
+            </a:solidFill>
+            <a:ln>
+              <a:noFill/>
+            </a:ln>
+          </p:spPr>
+          <p:txBody>
+            <a:bodyPr spcFirstLastPara="1" wrap="square" lIns="91425" tIns="91425" rIns="91425" bIns="91425" anchor="ctr" anchorCtr="0">
+              <a:noAutofit/>
+            </a:bodyPr>
+            <a:lstStyle/>
+            <a:p>
+              <a:pPr marL="0" lvl="0" indent="0" algn="l" rtl="0">
+                <a:spcBef>
+                  <a:spcPts val="0"/>
+                </a:spcBef>
+                <a:spcAft>
+                  <a:spcPts val="0"/>
+                </a:spcAft>
+                <a:buNone/>
+              </a:pPr>
+              <a:endParaRPr/>
+            </a:p>
+          </p:txBody>
+        </p:sp>
+        <p:sp>
+          <p:nvSpPr>
+            <p:cNvPr id="2070" name="Google Shape;2070;p48"/>
+            <p:cNvSpPr/>
+            <p:nvPr/>
+          </p:nvSpPr>
+          <p:spPr>
+            <a:xfrm>
+              <a:off x="-4521109" y="1311047"/>
+              <a:ext cx="120183" cy="120183"/>
+            </a:xfrm>
+            <a:custGeom>
+              <a:avLst/>
+              <a:gdLst/>
+              <a:ahLst/>
+              <a:cxnLst/>
+              <a:rect l="l" t="t" r="r" b="b"/>
+              <a:pathLst>
+                <a:path w="3848" h="3848" extrusionOk="0">
+                  <a:moveTo>
+                    <a:pt x="1671" y="0"/>
+                  </a:moveTo>
+                  <a:lnTo>
+                    <a:pt x="0" y="1645"/>
+                  </a:lnTo>
+                  <a:lnTo>
+                    <a:pt x="2202" y="3847"/>
+                  </a:lnTo>
+                  <a:lnTo>
+                    <a:pt x="3847" y="2202"/>
+                  </a:lnTo>
+                  <a:lnTo>
+                    <a:pt x="1671" y="0"/>
+                  </a:lnTo>
+                  <a:close/>
+                </a:path>
+              </a:pathLst>
+            </a:custGeom>
+            <a:solidFill>
+              <a:schemeClr val="accent1"/>
+            </a:solidFill>
+            <a:ln>
+              <a:noFill/>
+            </a:ln>
+          </p:spPr>
+          <p:txBody>
+            <a:bodyPr spcFirstLastPara="1" wrap="square" lIns="91425" tIns="91425" rIns="91425" bIns="91425" anchor="ctr" anchorCtr="0">
+              <a:noAutofit/>
+            </a:bodyPr>
+            <a:lstStyle/>
+            <a:p>
+              <a:pPr marL="0" lvl="0" indent="0" algn="l" rtl="0">
+                <a:spcBef>
+                  <a:spcPts val="0"/>
+                </a:spcBef>
+                <a:spcAft>
+                  <a:spcPts val="0"/>
+                </a:spcAft>
+                <a:buNone/>
+              </a:pPr>
+              <a:endParaRPr/>
+            </a:p>
+          </p:txBody>
+        </p:sp>
+        <p:sp>
+          <p:nvSpPr>
+            <p:cNvPr id="2071" name="Google Shape;2071;p48"/>
+            <p:cNvSpPr/>
+            <p:nvPr/>
+          </p:nvSpPr>
+          <p:spPr>
+            <a:xfrm>
+              <a:off x="-4629392" y="1379821"/>
+              <a:ext cx="297208" cy="283185"/>
+            </a:xfrm>
+            <a:custGeom>
+              <a:avLst/>
+              <a:gdLst/>
+              <a:ahLst/>
+              <a:cxnLst/>
+              <a:rect l="l" t="t" r="r" b="b"/>
+              <a:pathLst>
+                <a:path w="9516" h="9067" extrusionOk="0">
+                  <a:moveTo>
+                    <a:pt x="2936" y="0"/>
+                  </a:moveTo>
+                  <a:lnTo>
+                    <a:pt x="1797" y="1114"/>
+                  </a:lnTo>
+                  <a:cubicBezTo>
+                    <a:pt x="0" y="2936"/>
+                    <a:pt x="0" y="5897"/>
+                    <a:pt x="1797" y="7719"/>
+                  </a:cubicBezTo>
+                  <a:cubicBezTo>
+                    <a:pt x="2708" y="8617"/>
+                    <a:pt x="3904" y="9067"/>
+                    <a:pt x="5100" y="9067"/>
+                  </a:cubicBezTo>
+                  <a:cubicBezTo>
+                    <a:pt x="6295" y="9067"/>
+                    <a:pt x="7491" y="8617"/>
+                    <a:pt x="8402" y="7719"/>
+                  </a:cubicBezTo>
+                  <a:lnTo>
+                    <a:pt x="8402" y="7694"/>
+                  </a:lnTo>
+                  <a:lnTo>
+                    <a:pt x="9516" y="6580"/>
+                  </a:lnTo>
+                  <a:lnTo>
+                    <a:pt x="7314" y="4378"/>
+                  </a:lnTo>
+                  <a:lnTo>
+                    <a:pt x="6201" y="5517"/>
+                  </a:lnTo>
+                  <a:cubicBezTo>
+                    <a:pt x="5910" y="5808"/>
+                    <a:pt x="5505" y="5954"/>
+                    <a:pt x="5100" y="5954"/>
+                  </a:cubicBezTo>
+                  <a:cubicBezTo>
+                    <a:pt x="4695" y="5954"/>
+                    <a:pt x="4290" y="5808"/>
+                    <a:pt x="3999" y="5517"/>
+                  </a:cubicBezTo>
+                  <a:cubicBezTo>
+                    <a:pt x="3391" y="4910"/>
+                    <a:pt x="3391" y="3923"/>
+                    <a:pt x="3999" y="3315"/>
+                  </a:cubicBezTo>
+                  <a:lnTo>
+                    <a:pt x="5138" y="2202"/>
+                  </a:lnTo>
+                  <a:lnTo>
+                    <a:pt x="2936" y="0"/>
+                  </a:lnTo>
+                  <a:close/>
+                </a:path>
+              </a:pathLst>
+            </a:custGeom>
+            <a:solidFill>
+              <a:schemeClr val="accent1"/>
+            </a:solidFill>
+            <a:ln>
+              <a:noFill/>
+            </a:ln>
+          </p:spPr>
+          <p:txBody>
+            <a:bodyPr spcFirstLastPara="1" wrap="square" lIns="91425" tIns="91425" rIns="91425" bIns="91425" anchor="ctr" anchorCtr="0">
+              <a:noAutofit/>
+            </a:bodyPr>
+            <a:lstStyle/>
+            <a:p>
+              <a:pPr marL="0" lvl="0" indent="0" algn="l" rtl="0">
+                <a:spcBef>
+                  <a:spcPts val="0"/>
+                </a:spcBef>
+                <a:spcAft>
+                  <a:spcPts val="0"/>
+                </a:spcAft>
+                <a:buNone/>
+              </a:pPr>
+              <a:endParaRPr/>
+            </a:p>
+          </p:txBody>
+        </p:sp>
+        <p:sp>
+          <p:nvSpPr>
+            <p:cNvPr id="2072" name="Google Shape;2072;p48"/>
+            <p:cNvSpPr/>
+            <p:nvPr/>
+          </p:nvSpPr>
+          <p:spPr>
+            <a:xfrm>
+              <a:off x="-4434970" y="1276254"/>
+              <a:ext cx="51409" cy="52221"/>
+            </a:xfrm>
+            <a:custGeom>
+              <a:avLst/>
+              <a:gdLst/>
+              <a:ahLst/>
+              <a:cxnLst/>
+              <a:rect l="l" t="t" r="r" b="b"/>
+              <a:pathLst>
+                <a:path w="1646" h="1672" extrusionOk="0">
+                  <a:moveTo>
+                    <a:pt x="1089" y="1"/>
+                  </a:moveTo>
+                  <a:lnTo>
+                    <a:pt x="1" y="1114"/>
+                  </a:lnTo>
+                  <a:lnTo>
+                    <a:pt x="558" y="1671"/>
+                  </a:lnTo>
+                  <a:lnTo>
+                    <a:pt x="1646" y="558"/>
+                  </a:lnTo>
+                  <a:lnTo>
+                    <a:pt x="1089" y="1"/>
+                  </a:lnTo>
+                  <a:close/>
+                </a:path>
+              </a:pathLst>
+            </a:custGeom>
+            <a:solidFill>
+              <a:schemeClr val="accent1"/>
+            </a:solidFill>
+            <a:ln>
+              <a:noFill/>
+            </a:ln>
+          </p:spPr>
+          <p:txBody>
+            <a:bodyPr spcFirstLastPara="1" wrap="square" lIns="91425" tIns="91425" rIns="91425" bIns="91425" anchor="ctr" anchorCtr="0">
+              <a:noAutofit/>
+            </a:bodyPr>
+            <a:lstStyle/>
+            <a:p>
+              <a:pPr marL="0" lvl="0" indent="0" algn="l" rtl="0">
+                <a:spcBef>
+                  <a:spcPts val="0"/>
+                </a:spcBef>
+                <a:spcAft>
+                  <a:spcPts val="0"/>
+                </a:spcAft>
+                <a:buNone/>
+              </a:pPr>
+              <a:endParaRPr/>
+            </a:p>
+          </p:txBody>
+        </p:sp>
+        <p:sp>
+          <p:nvSpPr>
+            <p:cNvPr id="2073" name="Google Shape;2073;p48"/>
+            <p:cNvSpPr/>
+            <p:nvPr/>
+          </p:nvSpPr>
+          <p:spPr>
+            <a:xfrm>
+              <a:off x="-4280837" y="1431199"/>
+              <a:ext cx="51409" cy="51409"/>
+            </a:xfrm>
+            <a:custGeom>
+              <a:avLst/>
+              <a:gdLst/>
+              <a:ahLst/>
+              <a:cxnLst/>
+              <a:rect l="l" t="t" r="r" b="b"/>
+              <a:pathLst>
+                <a:path w="1646" h="1646" extrusionOk="0">
+                  <a:moveTo>
+                    <a:pt x="1114" y="0"/>
+                  </a:moveTo>
+                  <a:lnTo>
+                    <a:pt x="1" y="1088"/>
+                  </a:lnTo>
+                  <a:lnTo>
+                    <a:pt x="558" y="1645"/>
+                  </a:lnTo>
+                  <a:lnTo>
+                    <a:pt x="1646" y="557"/>
+                  </a:lnTo>
+                  <a:lnTo>
+                    <a:pt x="1114" y="0"/>
+                  </a:lnTo>
+                  <a:close/>
+                </a:path>
+              </a:pathLst>
+            </a:custGeom>
+            <a:solidFill>
+              <a:schemeClr val="accent1"/>
+            </a:solidFill>
+            <a:ln>
+              <a:noFill/>
+            </a:ln>
+          </p:spPr>
+          <p:txBody>
+            <a:bodyPr spcFirstLastPara="1" wrap="square" lIns="91425" tIns="91425" rIns="91425" bIns="91425" anchor="ctr" anchorCtr="0">
+              <a:noAutofit/>
+            </a:bodyPr>
+            <a:lstStyle/>
+            <a:p>
+              <a:pPr marL="0" lvl="0" indent="0" algn="l" rtl="0">
+                <a:spcBef>
+                  <a:spcPts val="0"/>
+                </a:spcBef>
+                <a:spcAft>
+                  <a:spcPts val="0"/>
+                </a:spcAft>
+                <a:buNone/>
+              </a:pPr>
+              <a:endParaRPr/>
+            </a:p>
+          </p:txBody>
+        </p:sp>
+      </p:grpSp>
+      <p:grpSp>
+        <p:nvGrpSpPr>
+          <p:cNvPr id="2074" name="Google Shape;2074;p48"/>
+          <p:cNvGrpSpPr/>
+          <p:nvPr/>
+        </p:nvGrpSpPr>
+        <p:grpSpPr>
+          <a:xfrm>
+            <a:off x="853707" y="3940189"/>
+            <a:ext cx="435654" cy="612656"/>
+            <a:chOff x="-5671964" y="3231752"/>
+            <a:chExt cx="291680" cy="414237"/>
+          </a:xfrm>
+        </p:grpSpPr>
+        <p:sp>
+          <p:nvSpPr>
+            <p:cNvPr id="2075" name="Google Shape;2075;p48"/>
+            <p:cNvSpPr/>
+            <p:nvPr/>
+          </p:nvSpPr>
+          <p:spPr>
+            <a:xfrm>
+              <a:off x="-5550251" y="3353496"/>
+              <a:ext cx="169967" cy="169967"/>
+            </a:xfrm>
+            <a:custGeom>
+              <a:avLst/>
+              <a:gdLst/>
+              <a:ahLst/>
+              <a:cxnLst/>
+              <a:rect l="l" t="t" r="r" b="b"/>
+              <a:pathLst>
+                <a:path w="5442" h="5442" extrusionOk="0">
+                  <a:moveTo>
+                    <a:pt x="1" y="0"/>
+                  </a:moveTo>
+                  <a:lnTo>
+                    <a:pt x="1" y="5442"/>
+                  </a:lnTo>
+                  <a:lnTo>
+                    <a:pt x="5442" y="5442"/>
+                  </a:lnTo>
+                  <a:lnTo>
+                    <a:pt x="5442" y="0"/>
+                  </a:lnTo>
+                  <a:lnTo>
+                    <a:pt x="3873" y="0"/>
+                  </a:lnTo>
+                  <a:lnTo>
+                    <a:pt x="3873" y="1569"/>
+                  </a:lnTo>
+                  <a:lnTo>
+                    <a:pt x="3113" y="1569"/>
+                  </a:lnTo>
+                  <a:lnTo>
+                    <a:pt x="3113" y="0"/>
+                  </a:lnTo>
+                  <a:lnTo>
+                    <a:pt x="2329" y="0"/>
+                  </a:lnTo>
+                  <a:lnTo>
+                    <a:pt x="2329" y="1569"/>
+                  </a:lnTo>
+                  <a:lnTo>
+                    <a:pt x="1544" y="1569"/>
+                  </a:lnTo>
+                  <a:lnTo>
+                    <a:pt x="1544" y="0"/>
+                  </a:lnTo>
+                  <a:close/>
+                </a:path>
+              </a:pathLst>
+            </a:custGeom>
+            <a:solidFill>
+              <a:schemeClr val="lt2"/>
+            </a:solidFill>
+            <a:ln>
+              <a:noFill/>
+            </a:ln>
+          </p:spPr>
+          <p:txBody>
+            <a:bodyPr spcFirstLastPara="1" wrap="square" lIns="91425" tIns="91425" rIns="91425" bIns="91425" anchor="ctr" anchorCtr="0">
+              <a:noAutofit/>
+            </a:bodyPr>
+            <a:lstStyle/>
+            <a:p>
+              <a:pPr marL="0" lvl="0" indent="0" algn="l" rtl="0">
+                <a:spcBef>
+                  <a:spcPts val="0"/>
+                </a:spcBef>
+                <a:spcAft>
+                  <a:spcPts val="0"/>
+                </a:spcAft>
+                <a:buNone/>
+              </a:pPr>
+              <a:endParaRPr/>
+            </a:p>
+          </p:txBody>
+        </p:sp>
+        <p:sp>
+          <p:nvSpPr>
+            <p:cNvPr id="2076" name="Google Shape;2076;p48"/>
+            <p:cNvSpPr/>
+            <p:nvPr/>
+          </p:nvSpPr>
+          <p:spPr>
+            <a:xfrm>
+              <a:off x="-5502028" y="3305274"/>
+              <a:ext cx="72740" cy="48254"/>
+            </a:xfrm>
+            <a:custGeom>
+              <a:avLst/>
+              <a:gdLst/>
+              <a:ahLst/>
+              <a:cxnLst/>
+              <a:rect l="l" t="t" r="r" b="b"/>
+              <a:pathLst>
+                <a:path w="2329" h="1545" extrusionOk="0">
+                  <a:moveTo>
+                    <a:pt x="1165" y="1"/>
+                  </a:moveTo>
+                  <a:cubicBezTo>
+                    <a:pt x="532" y="1"/>
+                    <a:pt x="0" y="507"/>
+                    <a:pt x="0" y="1165"/>
+                  </a:cubicBezTo>
+                  <a:lnTo>
+                    <a:pt x="0" y="1544"/>
+                  </a:lnTo>
+                  <a:lnTo>
+                    <a:pt x="785" y="1544"/>
+                  </a:lnTo>
+                  <a:lnTo>
+                    <a:pt x="785" y="1165"/>
+                  </a:lnTo>
+                  <a:cubicBezTo>
+                    <a:pt x="785" y="937"/>
+                    <a:pt x="962" y="785"/>
+                    <a:pt x="1165" y="785"/>
+                  </a:cubicBezTo>
+                  <a:cubicBezTo>
+                    <a:pt x="1392" y="785"/>
+                    <a:pt x="1569" y="937"/>
+                    <a:pt x="1569" y="1165"/>
+                  </a:cubicBezTo>
+                  <a:lnTo>
+                    <a:pt x="1569" y="1544"/>
+                  </a:lnTo>
+                  <a:lnTo>
+                    <a:pt x="2329" y="1544"/>
+                  </a:lnTo>
+                  <a:lnTo>
+                    <a:pt x="2329" y="1165"/>
+                  </a:lnTo>
+                  <a:cubicBezTo>
+                    <a:pt x="2329" y="507"/>
+                    <a:pt x="1823" y="1"/>
+                    <a:pt x="1165" y="1"/>
+                  </a:cubicBezTo>
+                  <a:close/>
+                </a:path>
+              </a:pathLst>
+            </a:custGeom>
+            <a:solidFill>
+              <a:schemeClr val="lt2"/>
+            </a:solidFill>
+            <a:ln>
+              <a:noFill/>
+            </a:ln>
+          </p:spPr>
+          <p:txBody>
+            <a:bodyPr spcFirstLastPara="1" wrap="square" lIns="91425" tIns="91425" rIns="91425" bIns="91425" anchor="ctr" anchorCtr="0">
+              <a:noAutofit/>
+            </a:bodyPr>
+            <a:lstStyle/>
+            <a:p>
+              <a:pPr marL="0" lvl="0" indent="0" algn="l" rtl="0">
+                <a:spcBef>
+                  <a:spcPts val="0"/>
+                </a:spcBef>
+                <a:spcAft>
+                  <a:spcPts val="0"/>
+                </a:spcAft>
+                <a:buNone/>
+              </a:pPr>
+              <a:endParaRPr/>
+            </a:p>
+          </p:txBody>
+        </p:sp>
+        <p:sp>
+          <p:nvSpPr>
+            <p:cNvPr id="2077" name="Google Shape;2077;p48"/>
+            <p:cNvSpPr/>
+            <p:nvPr/>
+          </p:nvSpPr>
+          <p:spPr>
+            <a:xfrm>
+              <a:off x="-5671964" y="3596142"/>
+              <a:ext cx="218190" cy="49847"/>
+            </a:xfrm>
+            <a:custGeom>
+              <a:avLst/>
+              <a:gdLst/>
+              <a:ahLst/>
+              <a:cxnLst/>
+              <a:rect l="l" t="t" r="r" b="b"/>
+              <a:pathLst>
+                <a:path w="6986" h="1596" extrusionOk="0">
+                  <a:moveTo>
+                    <a:pt x="0" y="1"/>
+                  </a:moveTo>
+                  <a:lnTo>
+                    <a:pt x="0" y="1595"/>
+                  </a:lnTo>
+                  <a:lnTo>
+                    <a:pt x="6985" y="1595"/>
+                  </a:lnTo>
+                  <a:lnTo>
+                    <a:pt x="6985" y="1"/>
+                  </a:lnTo>
+                  <a:close/>
+                </a:path>
+              </a:pathLst>
+            </a:custGeom>
+            <a:solidFill>
+              <a:schemeClr val="lt2"/>
+            </a:solidFill>
+            <a:ln>
+              <a:noFill/>
+            </a:ln>
+          </p:spPr>
+          <p:txBody>
+            <a:bodyPr spcFirstLastPara="1" wrap="square" lIns="91425" tIns="91425" rIns="91425" bIns="91425" anchor="ctr" anchorCtr="0">
+              <a:noAutofit/>
+            </a:bodyPr>
+            <a:lstStyle/>
+            <a:p>
+              <a:pPr marL="0" lvl="0" indent="0" algn="l" rtl="0">
+                <a:spcBef>
+                  <a:spcPts val="0"/>
+                </a:spcBef>
+                <a:spcAft>
+                  <a:spcPts val="0"/>
+                </a:spcAft>
+                <a:buNone/>
+              </a:pPr>
+              <a:endParaRPr/>
+            </a:p>
+          </p:txBody>
+        </p:sp>
+        <p:sp>
+          <p:nvSpPr>
+            <p:cNvPr id="2078" name="Google Shape;2078;p48"/>
+            <p:cNvSpPr/>
+            <p:nvPr/>
+          </p:nvSpPr>
+          <p:spPr>
+            <a:xfrm>
+              <a:off x="-5671964" y="3305274"/>
+              <a:ext cx="218971" cy="267194"/>
+            </a:xfrm>
+            <a:custGeom>
+              <a:avLst/>
+              <a:gdLst/>
+              <a:ahLst/>
+              <a:cxnLst/>
+              <a:rect l="l" t="t" r="r" b="b"/>
+              <a:pathLst>
+                <a:path w="7011" h="8555" extrusionOk="0">
+                  <a:moveTo>
+                    <a:pt x="0" y="1"/>
+                  </a:moveTo>
+                  <a:lnTo>
+                    <a:pt x="0" y="8555"/>
+                  </a:lnTo>
+                  <a:lnTo>
+                    <a:pt x="7010" y="8555"/>
+                  </a:lnTo>
+                  <a:lnTo>
+                    <a:pt x="7010" y="7770"/>
+                  </a:lnTo>
+                  <a:lnTo>
+                    <a:pt x="3113" y="7770"/>
+                  </a:lnTo>
+                  <a:lnTo>
+                    <a:pt x="3113" y="785"/>
+                  </a:lnTo>
+                  <a:lnTo>
+                    <a:pt x="4707" y="785"/>
+                  </a:lnTo>
+                  <a:cubicBezTo>
+                    <a:pt x="4758" y="481"/>
+                    <a:pt x="4885" y="228"/>
+                    <a:pt x="5062" y="1"/>
+                  </a:cubicBezTo>
+                  <a:close/>
+                </a:path>
+              </a:pathLst>
+            </a:custGeom>
+            <a:solidFill>
+              <a:schemeClr val="lt2"/>
+            </a:solidFill>
+            <a:ln>
+              <a:noFill/>
+            </a:ln>
+          </p:spPr>
+          <p:txBody>
+            <a:bodyPr spcFirstLastPara="1" wrap="square" lIns="91425" tIns="91425" rIns="91425" bIns="91425" anchor="ctr" anchorCtr="0">
+              <a:noAutofit/>
+            </a:bodyPr>
+            <a:lstStyle/>
+            <a:p>
+              <a:pPr marL="0" lvl="0" indent="0" algn="l" rtl="0">
+                <a:spcBef>
+                  <a:spcPts val="0"/>
+                </a:spcBef>
+                <a:spcAft>
+                  <a:spcPts val="0"/>
+                </a:spcAft>
+                <a:buNone/>
+              </a:pPr>
+              <a:endParaRPr/>
+            </a:p>
+          </p:txBody>
+        </p:sp>
+        <p:sp>
+          <p:nvSpPr>
+            <p:cNvPr id="2079" name="Google Shape;2079;p48"/>
+            <p:cNvSpPr/>
+            <p:nvPr/>
+          </p:nvSpPr>
+          <p:spPr>
+            <a:xfrm>
+              <a:off x="-5671964" y="3231752"/>
+              <a:ext cx="218190" cy="49066"/>
+            </a:xfrm>
+            <a:custGeom>
+              <a:avLst/>
+              <a:gdLst/>
+              <a:ahLst/>
+              <a:cxnLst/>
+              <a:rect l="l" t="t" r="r" b="b"/>
+              <a:pathLst>
+                <a:path w="6986" h="1571" extrusionOk="0">
+                  <a:moveTo>
+                    <a:pt x="0" y="1"/>
+                  </a:moveTo>
+                  <a:lnTo>
+                    <a:pt x="0" y="1570"/>
+                  </a:lnTo>
+                  <a:lnTo>
+                    <a:pt x="6985" y="1570"/>
+                  </a:lnTo>
+                  <a:lnTo>
+                    <a:pt x="6985" y="1"/>
+                  </a:lnTo>
+                  <a:close/>
+                </a:path>
+              </a:pathLst>
+            </a:custGeom>
+            <a:solidFill>
+              <a:schemeClr val="lt2"/>
+            </a:solidFill>
+            <a:ln>
+              <a:noFill/>
+            </a:ln>
+          </p:spPr>
+          <p:txBody>
+            <a:bodyPr spcFirstLastPara="1" wrap="square" lIns="91425" tIns="91425" rIns="91425" bIns="91425" anchor="ctr" anchorCtr="0">
+              <a:noAutofit/>
+            </a:bodyPr>
+            <a:lstStyle/>
+            <a:p>
+              <a:pPr marL="0" lvl="0" indent="0" algn="l" rtl="0">
+                <a:spcBef>
+                  <a:spcPts val="0"/>
+                </a:spcBef>
+                <a:spcAft>
+                  <a:spcPts val="0"/>
+                </a:spcAft>
+                <a:buNone/>
+              </a:pPr>
+              <a:endParaRPr/>
+            </a:p>
+          </p:txBody>
+        </p:sp>
+      </p:grpSp>
+      <p:grpSp>
+        <p:nvGrpSpPr>
+          <p:cNvPr id="2080" name="Google Shape;2080;p48"/>
+          <p:cNvGrpSpPr/>
+          <p:nvPr/>
+        </p:nvGrpSpPr>
+        <p:grpSpPr>
+          <a:xfrm>
+            <a:off x="765207" y="2506362"/>
+            <a:ext cx="612654" cy="612656"/>
+            <a:chOff x="-5669590" y="3858557"/>
+            <a:chExt cx="413425" cy="414237"/>
+          </a:xfrm>
+        </p:grpSpPr>
+        <p:sp>
+          <p:nvSpPr>
+            <p:cNvPr id="2081" name="Google Shape;2081;p48"/>
+            <p:cNvSpPr/>
+            <p:nvPr/>
+          </p:nvSpPr>
+          <p:spPr>
+            <a:xfrm>
+              <a:off x="-5439594" y="4023777"/>
+              <a:ext cx="183428" cy="230027"/>
+            </a:xfrm>
+            <a:custGeom>
+              <a:avLst/>
+              <a:gdLst/>
+              <a:ahLst/>
+              <a:cxnLst/>
+              <a:rect l="l" t="t" r="r" b="b"/>
+              <a:pathLst>
+                <a:path w="5873" h="7365" extrusionOk="0">
+                  <a:moveTo>
+                    <a:pt x="5872" y="0"/>
+                  </a:moveTo>
+                  <a:lnTo>
+                    <a:pt x="1" y="3670"/>
+                  </a:lnTo>
+                  <a:lnTo>
+                    <a:pt x="5872" y="7365"/>
+                  </a:lnTo>
+                  <a:lnTo>
+                    <a:pt x="5872" y="0"/>
+                  </a:lnTo>
+                  <a:close/>
+                </a:path>
+              </a:pathLst>
+            </a:custGeom>
+            <a:solidFill>
+              <a:schemeClr val="lt2"/>
+            </a:solidFill>
+            <a:ln>
+              <a:noFill/>
+            </a:ln>
+          </p:spPr>
+          <p:txBody>
+            <a:bodyPr spcFirstLastPara="1" wrap="square" lIns="91425" tIns="91425" rIns="91425" bIns="91425" anchor="ctr" anchorCtr="0">
+              <a:noAutofit/>
+            </a:bodyPr>
+            <a:lstStyle/>
+            <a:p>
+              <a:pPr marL="0" lvl="0" indent="0" algn="l" rtl="0">
+                <a:spcBef>
+                  <a:spcPts val="0"/>
+                </a:spcBef>
+                <a:spcAft>
+                  <a:spcPts val="0"/>
+                </a:spcAft>
+                <a:buNone/>
+              </a:pPr>
+              <a:endParaRPr/>
+            </a:p>
+          </p:txBody>
+        </p:sp>
+        <p:sp>
+          <p:nvSpPr>
+            <p:cNvPr id="2082" name="Google Shape;2082;p48"/>
+            <p:cNvSpPr/>
+            <p:nvPr/>
+          </p:nvSpPr>
+          <p:spPr>
+            <a:xfrm>
+              <a:off x="-5329718" y="3960531"/>
+              <a:ext cx="63277" cy="80674"/>
+            </a:xfrm>
+            <a:custGeom>
+              <a:avLst/>
+              <a:gdLst/>
+              <a:ahLst/>
+              <a:cxnLst/>
+              <a:rect l="l" t="t" r="r" b="b"/>
+              <a:pathLst>
+                <a:path w="2026" h="2583" extrusionOk="0">
+                  <a:moveTo>
+                    <a:pt x="0" y="1"/>
+                  </a:moveTo>
+                  <a:lnTo>
+                    <a:pt x="0" y="2582"/>
+                  </a:lnTo>
+                  <a:lnTo>
+                    <a:pt x="2025" y="1317"/>
+                  </a:lnTo>
+                  <a:lnTo>
+                    <a:pt x="0" y="1"/>
+                  </a:lnTo>
+                  <a:close/>
+                </a:path>
+              </a:pathLst>
+            </a:custGeom>
+            <a:solidFill>
+              <a:schemeClr val="lt2"/>
+            </a:solidFill>
+            <a:ln>
+              <a:noFill/>
+            </a:ln>
+          </p:spPr>
+          <p:txBody>
+            <a:bodyPr spcFirstLastPara="1" wrap="square" lIns="91425" tIns="91425" rIns="91425" bIns="91425" anchor="ctr" anchorCtr="0">
+              <a:noAutofit/>
+            </a:bodyPr>
+            <a:lstStyle/>
+            <a:p>
+              <a:pPr marL="0" lvl="0" indent="0" algn="l" rtl="0">
+                <a:spcBef>
+                  <a:spcPts val="0"/>
+                </a:spcBef>
+                <a:spcAft>
+                  <a:spcPts val="0"/>
+                </a:spcAft>
+                <a:buNone/>
+              </a:pPr>
+              <a:endParaRPr/>
+            </a:p>
+          </p:txBody>
+        </p:sp>
+        <p:sp>
+          <p:nvSpPr>
+            <p:cNvPr id="2083" name="Google Shape;2083;p48"/>
+            <p:cNvSpPr/>
+            <p:nvPr/>
+          </p:nvSpPr>
+          <p:spPr>
+            <a:xfrm>
+              <a:off x="-5659315" y="3960531"/>
+              <a:ext cx="63246" cy="79862"/>
+            </a:xfrm>
+            <a:custGeom>
+              <a:avLst/>
+              <a:gdLst/>
+              <a:ahLst/>
+              <a:cxnLst/>
+              <a:rect l="l" t="t" r="r" b="b"/>
+              <a:pathLst>
+                <a:path w="2025" h="2557" extrusionOk="0">
+                  <a:moveTo>
+                    <a:pt x="2025" y="1"/>
+                  </a:moveTo>
+                  <a:lnTo>
+                    <a:pt x="0" y="1317"/>
+                  </a:lnTo>
+                  <a:lnTo>
+                    <a:pt x="2025" y="2557"/>
+                  </a:lnTo>
+                  <a:lnTo>
+                    <a:pt x="2025" y="1"/>
+                  </a:lnTo>
+                  <a:close/>
+                </a:path>
+              </a:pathLst>
+            </a:custGeom>
+            <a:solidFill>
+              <a:schemeClr val="lt2"/>
+            </a:solidFill>
+            <a:ln>
+              <a:noFill/>
+            </a:ln>
+          </p:spPr>
+          <p:txBody>
+            <a:bodyPr spcFirstLastPara="1" wrap="square" lIns="91425" tIns="91425" rIns="91425" bIns="91425" anchor="ctr" anchorCtr="0">
+              <a:noAutofit/>
+            </a:bodyPr>
+            <a:lstStyle/>
+            <a:p>
+              <a:pPr marL="0" lvl="0" indent="0" algn="l" rtl="0">
+                <a:spcBef>
+                  <a:spcPts val="0"/>
+                </a:spcBef>
+                <a:spcAft>
+                  <a:spcPts val="0"/>
+                </a:spcAft>
+                <a:buNone/>
+              </a:pPr>
+              <a:endParaRPr/>
+            </a:p>
+          </p:txBody>
+        </p:sp>
+        <p:sp>
+          <p:nvSpPr>
+            <p:cNvPr id="2084" name="Google Shape;2084;p48"/>
+            <p:cNvSpPr/>
+            <p:nvPr/>
+          </p:nvSpPr>
+          <p:spPr>
+            <a:xfrm>
+              <a:off x="-5669590" y="4023777"/>
+              <a:ext cx="398402" cy="249017"/>
+            </a:xfrm>
+            <a:custGeom>
+              <a:avLst/>
+              <a:gdLst/>
+              <a:ahLst/>
+              <a:cxnLst/>
+              <a:rect l="l" t="t" r="r" b="b"/>
+              <a:pathLst>
+                <a:path w="12756" h="7973" extrusionOk="0">
+                  <a:moveTo>
+                    <a:pt x="3113" y="5644"/>
+                  </a:moveTo>
+                  <a:lnTo>
+                    <a:pt x="3113" y="6428"/>
+                  </a:lnTo>
+                  <a:lnTo>
+                    <a:pt x="1569" y="6428"/>
+                  </a:lnTo>
+                  <a:lnTo>
+                    <a:pt x="1569" y="5644"/>
+                  </a:lnTo>
+                  <a:close/>
+                  <a:moveTo>
+                    <a:pt x="0" y="0"/>
+                  </a:moveTo>
+                  <a:lnTo>
+                    <a:pt x="0" y="7972"/>
+                  </a:lnTo>
+                  <a:lnTo>
+                    <a:pt x="12755" y="7972"/>
+                  </a:lnTo>
+                  <a:lnTo>
+                    <a:pt x="0" y="0"/>
+                  </a:lnTo>
+                  <a:close/>
+                </a:path>
+              </a:pathLst>
+            </a:custGeom>
+            <a:solidFill>
+              <a:schemeClr val="lt2"/>
+            </a:solidFill>
+            <a:ln>
+              <a:noFill/>
+            </a:ln>
+          </p:spPr>
+          <p:txBody>
+            <a:bodyPr spcFirstLastPara="1" wrap="square" lIns="91425" tIns="91425" rIns="91425" bIns="91425" anchor="ctr" anchorCtr="0">
+              <a:noAutofit/>
+            </a:bodyPr>
+            <a:lstStyle/>
+            <a:p>
+              <a:pPr marL="0" lvl="0" indent="0" algn="l" rtl="0">
+                <a:spcBef>
+                  <a:spcPts val="0"/>
+                </a:spcBef>
+                <a:spcAft>
+                  <a:spcPts val="0"/>
+                </a:spcAft>
+                <a:buNone/>
+              </a:pPr>
+              <a:endParaRPr/>
+            </a:p>
+          </p:txBody>
+        </p:sp>
+        <p:sp>
+          <p:nvSpPr>
+            <p:cNvPr id="2085" name="Google Shape;2085;p48"/>
+            <p:cNvSpPr/>
+            <p:nvPr/>
+          </p:nvSpPr>
+          <p:spPr>
+            <a:xfrm>
+              <a:off x="-5572395" y="3858557"/>
+              <a:ext cx="219002" cy="265632"/>
+            </a:xfrm>
+            <a:custGeom>
+              <a:avLst/>
+              <a:gdLst/>
+              <a:ahLst/>
+              <a:cxnLst/>
+              <a:rect l="l" t="t" r="r" b="b"/>
+              <a:pathLst>
+                <a:path w="7012" h="8505" extrusionOk="0">
+                  <a:moveTo>
+                    <a:pt x="3898" y="1190"/>
+                  </a:moveTo>
+                  <a:lnTo>
+                    <a:pt x="3898" y="1975"/>
+                  </a:lnTo>
+                  <a:lnTo>
+                    <a:pt x="4658" y="1975"/>
+                  </a:lnTo>
+                  <a:lnTo>
+                    <a:pt x="4658" y="2734"/>
+                  </a:lnTo>
+                  <a:lnTo>
+                    <a:pt x="3493" y="2734"/>
+                  </a:lnTo>
+                  <a:cubicBezTo>
+                    <a:pt x="3291" y="2734"/>
+                    <a:pt x="3114" y="2911"/>
+                    <a:pt x="3114" y="3139"/>
+                  </a:cubicBezTo>
+                  <a:lnTo>
+                    <a:pt x="3114" y="3519"/>
+                  </a:lnTo>
+                  <a:lnTo>
+                    <a:pt x="4658" y="3519"/>
+                  </a:lnTo>
+                  <a:lnTo>
+                    <a:pt x="4658" y="4683"/>
+                  </a:lnTo>
+                  <a:cubicBezTo>
+                    <a:pt x="4658" y="5189"/>
+                    <a:pt x="4329" y="5619"/>
+                    <a:pt x="3898" y="5771"/>
+                  </a:cubicBezTo>
+                  <a:lnTo>
+                    <a:pt x="3898" y="6632"/>
+                  </a:lnTo>
+                  <a:lnTo>
+                    <a:pt x="3114" y="6632"/>
+                  </a:lnTo>
+                  <a:lnTo>
+                    <a:pt x="3114" y="5847"/>
+                  </a:lnTo>
+                  <a:lnTo>
+                    <a:pt x="2329" y="5847"/>
+                  </a:lnTo>
+                  <a:lnTo>
+                    <a:pt x="2329" y="5088"/>
+                  </a:lnTo>
+                  <a:lnTo>
+                    <a:pt x="3493" y="5088"/>
+                  </a:lnTo>
+                  <a:cubicBezTo>
+                    <a:pt x="3721" y="5088"/>
+                    <a:pt x="3898" y="4911"/>
+                    <a:pt x="3898" y="4683"/>
+                  </a:cubicBezTo>
+                  <a:lnTo>
+                    <a:pt x="3898" y="4303"/>
+                  </a:lnTo>
+                  <a:lnTo>
+                    <a:pt x="2329" y="4303"/>
+                  </a:lnTo>
+                  <a:lnTo>
+                    <a:pt x="2329" y="3139"/>
+                  </a:lnTo>
+                  <a:cubicBezTo>
+                    <a:pt x="2329" y="2633"/>
+                    <a:pt x="2658" y="2203"/>
+                    <a:pt x="3114" y="2051"/>
+                  </a:cubicBezTo>
+                  <a:lnTo>
+                    <a:pt x="3114" y="1190"/>
+                  </a:lnTo>
+                  <a:close/>
+                  <a:moveTo>
+                    <a:pt x="1" y="1"/>
+                  </a:moveTo>
+                  <a:lnTo>
+                    <a:pt x="1" y="6328"/>
+                  </a:lnTo>
+                  <a:lnTo>
+                    <a:pt x="3519" y="8504"/>
+                  </a:lnTo>
+                  <a:lnTo>
+                    <a:pt x="7011" y="6328"/>
+                  </a:lnTo>
+                  <a:lnTo>
+                    <a:pt x="7011" y="1"/>
+                  </a:lnTo>
+                  <a:close/>
+                </a:path>
+              </a:pathLst>
+            </a:custGeom>
+            <a:solidFill>
+              <a:schemeClr val="lt2"/>
+            </a:solidFill>
+            <a:ln>
+              <a:noFill/>
+            </a:ln>
+          </p:spPr>
+          <p:txBody>
+            <a:bodyPr spcFirstLastPara="1" wrap="square" lIns="91425" tIns="91425" rIns="91425" bIns="91425" anchor="ctr" anchorCtr="0">
+              <a:noAutofit/>
+            </a:bodyPr>
+            <a:lstStyle/>
+            <a:p>
+              <a:pPr marL="0" lvl="0" indent="0" algn="l" rtl="0">
+                <a:spcBef>
+                  <a:spcPts val="0"/>
+                </a:spcBef>
+                <a:spcAft>
+                  <a:spcPts val="0"/>
+                </a:spcAft>
+                <a:buNone/>
+              </a:pPr>
+              <a:endParaRPr/>
+            </a:p>
+          </p:txBody>
+        </p:sp>
+      </p:grpSp>
+      <p:grpSp>
+        <p:nvGrpSpPr>
+          <p:cNvPr id="2086" name="Google Shape;2086;p48"/>
+          <p:cNvGrpSpPr/>
+          <p:nvPr/>
+        </p:nvGrpSpPr>
+        <p:grpSpPr>
+          <a:xfrm>
+            <a:off x="5029611" y="3940194"/>
+            <a:ext cx="571788" cy="612651"/>
+            <a:chOff x="-3393959" y="3835664"/>
+            <a:chExt cx="388126" cy="414205"/>
+          </a:xfrm>
+        </p:grpSpPr>
+        <p:sp>
+          <p:nvSpPr>
+            <p:cNvPr id="2087" name="Google Shape;2087;p48"/>
+            <p:cNvSpPr/>
+            <p:nvPr/>
+          </p:nvSpPr>
+          <p:spPr>
+            <a:xfrm>
+              <a:off x="-3187668" y="3835664"/>
+              <a:ext cx="181836" cy="181804"/>
+            </a:xfrm>
+            <a:custGeom>
+              <a:avLst/>
+              <a:gdLst/>
+              <a:ahLst/>
+              <a:cxnLst/>
+              <a:rect l="l" t="t" r="r" b="b"/>
+              <a:pathLst>
+                <a:path w="5822" h="5821" extrusionOk="0">
+                  <a:moveTo>
+                    <a:pt x="1" y="0"/>
+                  </a:moveTo>
+                  <a:lnTo>
+                    <a:pt x="1" y="785"/>
+                  </a:lnTo>
+                  <a:cubicBezTo>
+                    <a:pt x="2784" y="785"/>
+                    <a:pt x="5062" y="3037"/>
+                    <a:pt x="5062" y="5821"/>
+                  </a:cubicBezTo>
+                  <a:lnTo>
+                    <a:pt x="5821" y="5821"/>
+                  </a:lnTo>
+                  <a:cubicBezTo>
+                    <a:pt x="5821" y="2607"/>
+                    <a:pt x="3215" y="0"/>
+                    <a:pt x="1" y="0"/>
+                  </a:cubicBezTo>
+                  <a:close/>
+                </a:path>
+              </a:pathLst>
+            </a:custGeom>
+            <a:solidFill>
+              <a:schemeClr val="accent1"/>
+            </a:solidFill>
+            <a:ln>
+              <a:noFill/>
+            </a:ln>
+          </p:spPr>
+          <p:txBody>
+            <a:bodyPr spcFirstLastPara="1" wrap="square" lIns="91425" tIns="91425" rIns="91425" bIns="91425" anchor="ctr" anchorCtr="0">
+              <a:noAutofit/>
+            </a:bodyPr>
+            <a:lstStyle/>
+            <a:p>
+              <a:pPr marL="0" lvl="0" indent="0" algn="l" rtl="0">
+                <a:spcBef>
+                  <a:spcPts val="0"/>
+                </a:spcBef>
+                <a:spcAft>
+                  <a:spcPts val="0"/>
+                </a:spcAft>
+                <a:buNone/>
+              </a:pPr>
+              <a:endParaRPr/>
+            </a:p>
+          </p:txBody>
+        </p:sp>
+        <p:sp>
+          <p:nvSpPr>
+            <p:cNvPr id="2088" name="Google Shape;2088;p48"/>
+            <p:cNvSpPr/>
+            <p:nvPr/>
+          </p:nvSpPr>
+          <p:spPr>
+            <a:xfrm>
+              <a:off x="-3187668" y="3883856"/>
+              <a:ext cx="133613" cy="133613"/>
+            </a:xfrm>
+            <a:custGeom>
+              <a:avLst/>
+              <a:gdLst/>
+              <a:ahLst/>
+              <a:cxnLst/>
+              <a:rect l="l" t="t" r="r" b="b"/>
+              <a:pathLst>
+                <a:path w="4278" h="4278" extrusionOk="0">
+                  <a:moveTo>
+                    <a:pt x="1" y="1"/>
+                  </a:moveTo>
+                  <a:lnTo>
+                    <a:pt x="1" y="785"/>
+                  </a:lnTo>
+                  <a:cubicBezTo>
+                    <a:pt x="1924" y="785"/>
+                    <a:pt x="3493" y="2354"/>
+                    <a:pt x="3493" y="4278"/>
+                  </a:cubicBezTo>
+                  <a:lnTo>
+                    <a:pt x="4278" y="4278"/>
+                  </a:lnTo>
+                  <a:cubicBezTo>
+                    <a:pt x="4278" y="1924"/>
+                    <a:pt x="2354" y="1"/>
+                    <a:pt x="1" y="1"/>
+                  </a:cubicBezTo>
+                  <a:close/>
+                </a:path>
+              </a:pathLst>
+            </a:custGeom>
+            <a:solidFill>
+              <a:schemeClr val="accent1"/>
+            </a:solidFill>
+            <a:ln>
+              <a:noFill/>
+            </a:ln>
+          </p:spPr>
+          <p:txBody>
+            <a:bodyPr spcFirstLastPara="1" wrap="square" lIns="91425" tIns="91425" rIns="91425" bIns="91425" anchor="ctr" anchorCtr="0">
+              <a:noAutofit/>
+            </a:bodyPr>
+            <a:lstStyle/>
+            <a:p>
+              <a:pPr marL="0" lvl="0" indent="0" algn="l" rtl="0">
+                <a:spcBef>
+                  <a:spcPts val="0"/>
+                </a:spcBef>
+                <a:spcAft>
+                  <a:spcPts val="0"/>
+                </a:spcAft>
+                <a:buNone/>
+              </a:pPr>
+              <a:endParaRPr/>
+            </a:p>
+          </p:txBody>
+        </p:sp>
+        <p:sp>
+          <p:nvSpPr>
+            <p:cNvPr id="2089" name="Google Shape;2089;p48"/>
+            <p:cNvSpPr/>
+            <p:nvPr/>
+          </p:nvSpPr>
+          <p:spPr>
+            <a:xfrm>
+              <a:off x="-3187668" y="3932859"/>
+              <a:ext cx="84609" cy="84609"/>
+            </a:xfrm>
+            <a:custGeom>
+              <a:avLst/>
+              <a:gdLst/>
+              <a:ahLst/>
+              <a:cxnLst/>
+              <a:rect l="l" t="t" r="r" b="b"/>
+              <a:pathLst>
+                <a:path w="2709" h="2709" extrusionOk="0">
+                  <a:moveTo>
+                    <a:pt x="1" y="1"/>
+                  </a:moveTo>
+                  <a:lnTo>
+                    <a:pt x="1" y="760"/>
+                  </a:lnTo>
+                  <a:cubicBezTo>
+                    <a:pt x="1063" y="760"/>
+                    <a:pt x="1949" y="1646"/>
+                    <a:pt x="1949" y="2709"/>
+                  </a:cubicBezTo>
+                  <a:lnTo>
+                    <a:pt x="2708" y="2709"/>
+                  </a:lnTo>
+                  <a:cubicBezTo>
+                    <a:pt x="2708" y="1216"/>
+                    <a:pt x="1494" y="1"/>
+                    <a:pt x="1" y="1"/>
+                  </a:cubicBezTo>
+                  <a:close/>
+                </a:path>
+              </a:pathLst>
+            </a:custGeom>
+            <a:solidFill>
+              <a:schemeClr val="accent1"/>
+            </a:solidFill>
+            <a:ln>
+              <a:noFill/>
+            </a:ln>
+          </p:spPr>
+          <p:txBody>
+            <a:bodyPr spcFirstLastPara="1" wrap="square" lIns="91425" tIns="91425" rIns="91425" bIns="91425" anchor="ctr" anchorCtr="0">
+              <a:noAutofit/>
+            </a:bodyPr>
+            <a:lstStyle/>
+            <a:p>
+              <a:pPr marL="0" lvl="0" indent="0" algn="l" rtl="0">
+                <a:spcBef>
+                  <a:spcPts val="0"/>
+                </a:spcBef>
+                <a:spcAft>
+                  <a:spcPts val="0"/>
+                </a:spcAft>
+                <a:buNone/>
+              </a:pPr>
+              <a:endParaRPr/>
+            </a:p>
+          </p:txBody>
+        </p:sp>
+        <p:sp>
+          <p:nvSpPr>
+            <p:cNvPr id="2090" name="Google Shape;2090;p48"/>
+            <p:cNvSpPr/>
+            <p:nvPr/>
+          </p:nvSpPr>
+          <p:spPr>
+            <a:xfrm>
+              <a:off x="-3199537" y="3981082"/>
+              <a:ext cx="48254" cy="48254"/>
+            </a:xfrm>
+            <a:custGeom>
+              <a:avLst/>
+              <a:gdLst/>
+              <a:ahLst/>
+              <a:cxnLst/>
+              <a:rect l="l" t="t" r="r" b="b"/>
+              <a:pathLst>
+                <a:path w="1545" h="1545" extrusionOk="0">
+                  <a:moveTo>
+                    <a:pt x="785" y="1"/>
+                  </a:moveTo>
+                  <a:cubicBezTo>
+                    <a:pt x="355" y="1"/>
+                    <a:pt x="1" y="355"/>
+                    <a:pt x="1" y="785"/>
+                  </a:cubicBezTo>
+                  <a:cubicBezTo>
+                    <a:pt x="1" y="1215"/>
+                    <a:pt x="355" y="1544"/>
+                    <a:pt x="785" y="1544"/>
+                  </a:cubicBezTo>
+                  <a:cubicBezTo>
+                    <a:pt x="1190" y="1544"/>
+                    <a:pt x="1545" y="1215"/>
+                    <a:pt x="1545" y="785"/>
+                  </a:cubicBezTo>
+                  <a:cubicBezTo>
+                    <a:pt x="1545" y="355"/>
+                    <a:pt x="1190" y="1"/>
+                    <a:pt x="785" y="1"/>
+                  </a:cubicBezTo>
+                  <a:close/>
+                </a:path>
+              </a:pathLst>
+            </a:custGeom>
+            <a:solidFill>
+              <a:schemeClr val="accent1"/>
+            </a:solidFill>
+            <a:ln>
+              <a:noFill/>
+            </a:ln>
+          </p:spPr>
+          <p:txBody>
+            <a:bodyPr spcFirstLastPara="1" wrap="square" lIns="91425" tIns="91425" rIns="91425" bIns="91425" anchor="ctr" anchorCtr="0">
+              <a:noAutofit/>
+            </a:bodyPr>
+            <a:lstStyle/>
+            <a:p>
+              <a:pPr marL="0" lvl="0" indent="0" algn="l" rtl="0">
+                <a:spcBef>
+                  <a:spcPts val="0"/>
+                </a:spcBef>
+                <a:spcAft>
+                  <a:spcPts val="0"/>
+                </a:spcAft>
+                <a:buNone/>
+              </a:pPr>
+              <a:endParaRPr/>
+            </a:p>
+          </p:txBody>
+        </p:sp>
+        <p:sp>
+          <p:nvSpPr>
+            <p:cNvPr id="2091" name="Google Shape;2091;p48"/>
+            <p:cNvSpPr/>
+            <p:nvPr/>
+          </p:nvSpPr>
+          <p:spPr>
+            <a:xfrm>
+              <a:off x="-3393959" y="3981082"/>
+              <a:ext cx="267194" cy="268787"/>
+            </a:xfrm>
+            <a:custGeom>
+              <a:avLst/>
+              <a:gdLst/>
+              <a:ahLst/>
+              <a:cxnLst/>
+              <a:rect l="l" t="t" r="r" b="b"/>
+              <a:pathLst>
+                <a:path w="8555" h="8606" extrusionOk="0">
+                  <a:moveTo>
+                    <a:pt x="4657" y="1544"/>
+                  </a:moveTo>
+                  <a:lnTo>
+                    <a:pt x="4657" y="2329"/>
+                  </a:lnTo>
+                  <a:lnTo>
+                    <a:pt x="5441" y="2329"/>
+                  </a:lnTo>
+                  <a:lnTo>
+                    <a:pt x="5441" y="3113"/>
+                  </a:lnTo>
+                  <a:lnTo>
+                    <a:pt x="4277" y="3113"/>
+                  </a:lnTo>
+                  <a:cubicBezTo>
+                    <a:pt x="4049" y="3113"/>
+                    <a:pt x="3898" y="3291"/>
+                    <a:pt x="3898" y="3493"/>
+                  </a:cubicBezTo>
+                  <a:lnTo>
+                    <a:pt x="3898" y="3873"/>
+                  </a:lnTo>
+                  <a:lnTo>
+                    <a:pt x="5441" y="3873"/>
+                  </a:lnTo>
+                  <a:lnTo>
+                    <a:pt x="5441" y="5062"/>
+                  </a:lnTo>
+                  <a:cubicBezTo>
+                    <a:pt x="5441" y="5568"/>
+                    <a:pt x="5112" y="5973"/>
+                    <a:pt x="4657" y="6150"/>
+                  </a:cubicBezTo>
+                  <a:lnTo>
+                    <a:pt x="4657" y="6986"/>
+                  </a:lnTo>
+                  <a:lnTo>
+                    <a:pt x="3898" y="6986"/>
+                  </a:lnTo>
+                  <a:lnTo>
+                    <a:pt x="3898" y="6226"/>
+                  </a:lnTo>
+                  <a:lnTo>
+                    <a:pt x="3113" y="6226"/>
+                  </a:lnTo>
+                  <a:lnTo>
+                    <a:pt x="3113" y="5442"/>
+                  </a:lnTo>
+                  <a:lnTo>
+                    <a:pt x="4277" y="5442"/>
+                  </a:lnTo>
+                  <a:cubicBezTo>
+                    <a:pt x="4505" y="5442"/>
+                    <a:pt x="4682" y="5265"/>
+                    <a:pt x="4682" y="5062"/>
+                  </a:cubicBezTo>
+                  <a:lnTo>
+                    <a:pt x="4682" y="4657"/>
+                  </a:lnTo>
+                  <a:lnTo>
+                    <a:pt x="3113" y="4657"/>
+                  </a:lnTo>
+                  <a:lnTo>
+                    <a:pt x="3113" y="3493"/>
+                  </a:lnTo>
+                  <a:cubicBezTo>
+                    <a:pt x="3113" y="2987"/>
+                    <a:pt x="3442" y="2557"/>
+                    <a:pt x="3898" y="2405"/>
+                  </a:cubicBezTo>
+                  <a:lnTo>
+                    <a:pt x="3898" y="1544"/>
+                  </a:lnTo>
+                  <a:close/>
+                  <a:moveTo>
+                    <a:pt x="4277" y="1"/>
+                  </a:moveTo>
+                  <a:cubicBezTo>
+                    <a:pt x="1924" y="1"/>
+                    <a:pt x="0" y="1924"/>
+                    <a:pt x="0" y="4278"/>
+                  </a:cubicBezTo>
+                  <a:cubicBezTo>
+                    <a:pt x="0" y="6631"/>
+                    <a:pt x="1924" y="8605"/>
+                    <a:pt x="4277" y="8605"/>
+                  </a:cubicBezTo>
+                  <a:cubicBezTo>
+                    <a:pt x="6631" y="8605"/>
+                    <a:pt x="8554" y="6631"/>
+                    <a:pt x="8554" y="4278"/>
+                  </a:cubicBezTo>
+                  <a:cubicBezTo>
+                    <a:pt x="8554" y="3442"/>
+                    <a:pt x="8301" y="2683"/>
+                    <a:pt x="7922" y="2025"/>
+                  </a:cubicBezTo>
+                  <a:cubicBezTo>
+                    <a:pt x="7643" y="2228"/>
+                    <a:pt x="7339" y="2329"/>
+                    <a:pt x="7010" y="2329"/>
+                  </a:cubicBezTo>
+                  <a:cubicBezTo>
+                    <a:pt x="6150" y="2329"/>
+                    <a:pt x="5441" y="1646"/>
+                    <a:pt x="5441" y="785"/>
+                  </a:cubicBezTo>
+                  <a:cubicBezTo>
+                    <a:pt x="5441" y="583"/>
+                    <a:pt x="5492" y="380"/>
+                    <a:pt x="5568" y="203"/>
+                  </a:cubicBezTo>
+                  <a:cubicBezTo>
+                    <a:pt x="5163" y="77"/>
+                    <a:pt x="4733" y="1"/>
+                    <a:pt x="4277" y="1"/>
+                  </a:cubicBezTo>
+                  <a:close/>
+                </a:path>
+              </a:pathLst>
+            </a:custGeom>
+            <a:solidFill>
+              <a:schemeClr val="accent1"/>
+            </a:solidFill>
+            <a:ln>
+              <a:noFill/>
+            </a:ln>
+          </p:spPr>
+          <p:txBody>
+            <a:bodyPr spcFirstLastPara="1" wrap="square" lIns="91425" tIns="91425" rIns="91425" bIns="91425" anchor="ctr" anchorCtr="0">
+              <a:noAutofit/>
+            </a:bodyPr>
+            <a:lstStyle/>
+            <a:p>
+              <a:pPr marL="0" lvl="0" indent="0" algn="l" rtl="0">
+                <a:spcBef>
+                  <a:spcPts val="0"/>
+                </a:spcBef>
+                <a:spcAft>
+                  <a:spcPts val="0"/>
+                </a:spcAft>
+                <a:buNone/>
+              </a:pPr>
+              <a:endParaRPr/>
+            </a:p>
+          </p:txBody>
+        </p:sp>
+      </p:grpSp>
+      <p:sp>
+        <p:nvSpPr>
+          <p:cNvPr id="2065" name="Google Shape;2065;p48"/>
+          <p:cNvSpPr/>
+          <p:nvPr/>
+        </p:nvSpPr>
+        <p:spPr>
+          <a:xfrm>
+            <a:off x="763864" y="1515650"/>
+            <a:ext cx="3372300" cy="554100"/>
+          </a:xfrm>
+          <a:prstGeom prst="roundRect">
+            <a:avLst>
+              <a:gd name="adj" fmla="val 16667"/>
+            </a:avLst>
+          </a:prstGeom>
+          <a:solidFill>
+            <a:schemeClr val="lt2"/>
+          </a:solidFill>
+          <a:ln>
+            <a:noFill/>
+          </a:ln>
+        </p:spPr>
+        <p:txBody>
+          <a:bodyPr spcFirstLastPara="1" wrap="square" lIns="91425" tIns="91425" rIns="91425" bIns="91425" anchor="ctr" anchorCtr="0">
+            <a:noAutofit/>
+          </a:bodyPr>
+          <a:lstStyle/>
+          <a:p>
+            <a:pPr marL="0" lvl="0" indent="0" algn="ctr" rtl="0">
+              <a:spcBef>
+                <a:spcPts val="0"/>
+              </a:spcBef>
+              <a:spcAft>
+                <a:spcPts val="0"/>
+              </a:spcAft>
+              <a:buNone/>
+            </a:pPr>
+            <a:r>
+              <a:rPr lang="en" sz="2200" dirty="0">
+                <a:solidFill>
+                  <a:schemeClr val="lt1"/>
+                </a:solidFill>
+                <a:latin typeface="Manrope SemiBold"/>
+                <a:ea typeface="Manrope"/>
+                <a:cs typeface="Manrope"/>
+                <a:sym typeface="Manrope SemiBold"/>
+              </a:rPr>
+              <a:t>DIRETOS</a:t>
+            </a:r>
+            <a:endParaRPr sz="2200" dirty="0">
+              <a:latin typeface="Manrope"/>
+              <a:ea typeface="Manrope"/>
+              <a:cs typeface="Manrope"/>
+              <a:sym typeface="Manrope"/>
+            </a:endParaRPr>
+          </a:p>
+        </p:txBody>
+      </p:sp>
+      <p:sp>
+        <p:nvSpPr>
+          <p:cNvPr id="2066" name="Google Shape;2066;p48"/>
+          <p:cNvSpPr/>
+          <p:nvPr/>
+        </p:nvSpPr>
+        <p:spPr>
+          <a:xfrm>
+            <a:off x="5007839" y="1515650"/>
+            <a:ext cx="3372300" cy="554100"/>
+          </a:xfrm>
+          <a:prstGeom prst="roundRect">
+            <a:avLst>
+              <a:gd name="adj" fmla="val 16667"/>
+            </a:avLst>
+          </a:prstGeom>
+          <a:solidFill>
+            <a:schemeClr val="accent1"/>
+          </a:solidFill>
+          <a:ln>
+            <a:noFill/>
+          </a:ln>
+        </p:spPr>
+        <p:txBody>
+          <a:bodyPr spcFirstLastPara="1" wrap="square" lIns="91425" tIns="91425" rIns="91425" bIns="91425" anchor="ctr" anchorCtr="0">
+            <a:noAutofit/>
+          </a:bodyPr>
+          <a:lstStyle/>
+          <a:p>
+            <a:pPr marL="0" lvl="0" indent="0" algn="ctr" rtl="0">
+              <a:spcBef>
+                <a:spcPts val="0"/>
+              </a:spcBef>
+              <a:spcAft>
+                <a:spcPts val="0"/>
+              </a:spcAft>
+              <a:buNone/>
+            </a:pPr>
+            <a:r>
+              <a:rPr lang="en" sz="2200" dirty="0">
+                <a:solidFill>
+                  <a:schemeClr val="lt1"/>
+                </a:solidFill>
+                <a:latin typeface="Manrope SemiBold"/>
+                <a:ea typeface="Manrope"/>
+                <a:cs typeface="Manrope"/>
+                <a:sym typeface="Manrope SemiBold"/>
+              </a:rPr>
+              <a:t>INDIRETOS</a:t>
+            </a:r>
+            <a:endParaRPr sz="2200" dirty="0">
+              <a:latin typeface="Manrope"/>
+              <a:ea typeface="Manrope"/>
+              <a:cs typeface="Manrope"/>
+              <a:sym typeface="Manrope"/>
+            </a:endParaRPr>
+          </a:p>
+        </p:txBody>
+      </p:sp>
+    </p:spTree>
+  </p:cSld>
+  <p:clrMapOvr>
+    <a:masterClrMapping/>
+  </p:clrMapOvr>
+</p:sld>
+</file>
+
+<file path=ppt/slides/slide8.xml><?xml version="1.0" encoding="utf-8"?>
+<p:sld xmlns:a="http://schemas.openxmlformats.org/drawingml/2006/main" xmlns:r="http://schemas.openxmlformats.org/officeDocument/2006/relationships" xmlns:p="http://schemas.openxmlformats.org/presentationml/2006/main">
+  <p:cSld>
+    <p:spTree>
+      <p:nvGrpSpPr>
         <p:cNvPr id="1" name="Shape 2412"/>
         <p:cNvGrpSpPr/>
         <p:nvPr/>

--- a/Pitch-SavvyFix.pptx
+++ b/Pitch-SavvyFix.pptx
@@ -5,7 +5,7 @@
     <p:sldMasterId id="2147483683" r:id="rId1"/>
   </p:sldMasterIdLst>
   <p:notesMasterIdLst>
-    <p:notesMasterId r:id="rId10"/>
+    <p:notesMasterId r:id="rId12"/>
   </p:notesMasterIdLst>
   <p:sldIdLst>
     <p:sldId id="256" r:id="rId2"/>
@@ -15,30 +15,32 @@
     <p:sldId id="269" r:id="rId6"/>
     <p:sldId id="283" r:id="rId7"/>
     <p:sldId id="266" r:id="rId8"/>
-    <p:sldId id="281" r:id="rId9"/>
+    <p:sldId id="265" r:id="rId9"/>
+    <p:sldId id="294" r:id="rId10"/>
+    <p:sldId id="281" r:id="rId11"/>
   </p:sldIdLst>
   <p:sldSz cx="9144000" cy="5143500" type="screen16x9"/>
   <p:notesSz cx="6858000" cy="9144000"/>
   <p:embeddedFontLst>
     <p:embeddedFont>
       <p:font typeface="Inter" panose="020B0604020202020204" charset="0"/>
-      <p:regular r:id="rId11"/>
-      <p:bold r:id="rId12"/>
-    </p:embeddedFont>
-    <p:embeddedFont>
-      <p:font typeface="Manrope" panose="020B0604020202020204" charset="0"/>
       <p:regular r:id="rId13"/>
       <p:bold r:id="rId14"/>
     </p:embeddedFont>
     <p:embeddedFont>
-      <p:font typeface="Manrope Medium" panose="020B0604020202020204" charset="0"/>
+      <p:font typeface="Manrope" panose="020B0604020202020204" charset="0"/>
       <p:regular r:id="rId15"/>
       <p:bold r:id="rId16"/>
     </p:embeddedFont>
     <p:embeddedFont>
-      <p:font typeface="Manrope SemiBold" panose="020B0604020202020204" charset="0"/>
+      <p:font typeface="Manrope Medium" panose="020B0604020202020204" charset="0"/>
       <p:regular r:id="rId17"/>
       <p:bold r:id="rId18"/>
+    </p:embeddedFont>
+    <p:embeddedFont>
+      <p:font typeface="Manrope SemiBold" panose="020B0604020202020204" charset="0"/>
+      <p:regular r:id="rId19"/>
+      <p:bold r:id="rId20"/>
     </p:embeddedFont>
   </p:embeddedFontLst>
   <p:defaultTextStyle>
@@ -823,6 +825,110 @@
 </p:notes>
 </file>
 
+<file path=ppt/notesSlides/notesSlide10.xml><?xml version="1.0" encoding="utf-8"?>
+<p:notes xmlns:a="http://schemas.openxmlformats.org/drawingml/2006/main" xmlns:r="http://schemas.openxmlformats.org/officeDocument/2006/relationships" xmlns:p="http://schemas.openxmlformats.org/presentationml/2006/main" showMasterSp="0" showMasterPhAnim="0">
+  <p:cSld>
+    <p:spTree>
+      <p:nvGrpSpPr>
+        <p:cNvPr id="1" name="Shape 2409"/>
+        <p:cNvGrpSpPr/>
+        <p:nvPr/>
+      </p:nvGrpSpPr>
+      <p:grpSpPr>
+        <a:xfrm>
+          <a:off x="0" y="0"/>
+          <a:ext cx="0" cy="0"/>
+          <a:chOff x="0" y="0"/>
+          <a:chExt cx="0" cy="0"/>
+        </a:xfrm>
+      </p:grpSpPr>
+      <p:sp>
+        <p:nvSpPr>
+          <p:cNvPr id="2410" name="Google Shape;2410;g2373d9b03a5_0_17789:notes"/>
+          <p:cNvSpPr>
+            <a:spLocks noGrp="1" noRot="1" noChangeAspect="1"/>
+          </p:cNvSpPr>
+          <p:nvPr>
+            <p:ph type="sldImg" idx="2"/>
+          </p:nvPr>
+        </p:nvSpPr>
+        <p:spPr>
+          <a:xfrm>
+            <a:off x="381000" y="685800"/>
+            <a:ext cx="6096000" cy="3429000"/>
+          </a:xfrm>
+          <a:custGeom>
+            <a:avLst/>
+            <a:gdLst/>
+            <a:ahLst/>
+            <a:cxnLst/>
+            <a:rect l="l" t="t" r="r" b="b"/>
+            <a:pathLst>
+              <a:path w="120000" h="120000" extrusionOk="0">
+                <a:moveTo>
+                  <a:pt x="0" y="0"/>
+                </a:moveTo>
+                <a:lnTo>
+                  <a:pt x="120000" y="0"/>
+                </a:lnTo>
+                <a:lnTo>
+                  <a:pt x="120000" y="120000"/>
+                </a:lnTo>
+                <a:lnTo>
+                  <a:pt x="0" y="120000"/>
+                </a:lnTo>
+                <a:close/>
+              </a:path>
+            </a:pathLst>
+          </a:custGeom>
+        </p:spPr>
+      </p:sp>
+      <p:sp>
+        <p:nvSpPr>
+          <p:cNvPr id="2411" name="Google Shape;2411;g2373d9b03a5_0_17789:notes"/>
+          <p:cNvSpPr txBox="1">
+            <a:spLocks noGrp="1"/>
+          </p:cNvSpPr>
+          <p:nvPr>
+            <p:ph type="body" idx="1"/>
+          </p:nvPr>
+        </p:nvSpPr>
+        <p:spPr>
+          <a:xfrm>
+            <a:off x="685800" y="4343400"/>
+            <a:ext cx="5486400" cy="4114800"/>
+          </a:xfrm>
+          <a:prstGeom prst="rect">
+            <a:avLst/>
+          </a:prstGeom>
+        </p:spPr>
+        <p:txBody>
+          <a:bodyPr spcFirstLastPara="1" wrap="square" lIns="91425" tIns="91425" rIns="91425" bIns="91425" anchor="t" anchorCtr="0">
+            <a:noAutofit/>
+          </a:bodyPr>
+          <a:lstStyle/>
+          <a:p>
+            <a:pPr marL="0" lvl="0" indent="0" algn="l" rtl="0">
+              <a:spcBef>
+                <a:spcPts val="0"/>
+              </a:spcBef>
+              <a:spcAft>
+                <a:spcPts val="0"/>
+              </a:spcAft>
+              <a:buNone/>
+            </a:pPr>
+            <a:endParaRPr/>
+          </a:p>
+        </p:txBody>
+      </p:sp>
+    </p:spTree>
+  </p:cSld>
+  <p:clrMapOvr>
+    <a:masterClrMapping/>
+  </p:clrMapOvr>
+</p:notes>
+</file>
+
 <file path=ppt/notesSlides/notesSlide2.xml><?xml version="1.0" encoding="utf-8"?>
 <p:notes xmlns:a="http://schemas.openxmlformats.org/drawingml/2006/main" xmlns:r="http://schemas.openxmlformats.org/officeDocument/2006/relationships" xmlns:p="http://schemas.openxmlformats.org/presentationml/2006/main" showMasterSp="0" showMasterPhAnim="0">
   <p:cSld>
@@ -1452,7 +1558,7 @@
   <p:cSld>
     <p:spTree>
       <p:nvGrpSpPr>
-        <p:cNvPr id="1" name="Shape 2409"/>
+        <p:cNvPr id="1" name="Shape 2019"/>
         <p:cNvGrpSpPr/>
         <p:nvPr/>
       </p:nvGrpSpPr>
@@ -1466,7 +1572,7 @@
       </p:grpSpPr>
       <p:sp>
         <p:nvSpPr>
-          <p:cNvPr id="2410" name="Google Shape;2410;g2373d9b03a5_0_17789:notes"/>
+          <p:cNvPr id="2020" name="Google Shape;2020;g11d0e38a952_0_341:notes"/>
           <p:cNvSpPr>
             <a:spLocks noGrp="1" noRot="1" noChangeAspect="1"/>
           </p:cNvSpPr>
@@ -1507,7 +1613,7 @@
       </p:sp>
       <p:sp>
         <p:nvSpPr>
-          <p:cNvPr id="2411" name="Google Shape;2411;g2373d9b03a5_0_17789:notes"/>
+          <p:cNvPr id="2021" name="Google Shape;2021;g11d0e38a952_0_341:notes"/>
           <p:cNvSpPr txBox="1">
             <a:spLocks noGrp="1"/>
           </p:cNvSpPr>
@@ -1544,6 +1650,115 @@
         </p:txBody>
       </p:sp>
     </p:spTree>
+  </p:cSld>
+  <p:clrMapOvr>
+    <a:masterClrMapping/>
+  </p:clrMapOvr>
+</p:notes>
+</file>
+
+<file path=ppt/notesSlides/notesSlide9.xml><?xml version="1.0" encoding="utf-8"?>
+<p:notes xmlns:a="http://schemas.openxmlformats.org/drawingml/2006/main" xmlns:r="http://schemas.openxmlformats.org/officeDocument/2006/relationships" xmlns:p="http://schemas.openxmlformats.org/presentationml/2006/main" showMasterSp="0" showMasterPhAnim="0">
+  <p:cSld>
+    <p:spTree>
+      <p:nvGrpSpPr>
+        <p:cNvPr id="1" name="Shape 2019"/>
+        <p:cNvGrpSpPr/>
+        <p:nvPr/>
+      </p:nvGrpSpPr>
+      <p:grpSpPr>
+        <a:xfrm>
+          <a:off x="0" y="0"/>
+          <a:ext cx="0" cy="0"/>
+          <a:chOff x="0" y="0"/>
+          <a:chExt cx="0" cy="0"/>
+        </a:xfrm>
+      </p:grpSpPr>
+      <p:sp>
+        <p:nvSpPr>
+          <p:cNvPr id="2020" name="Google Shape;2020;g11d0e38a952_0_341:notes"/>
+          <p:cNvSpPr>
+            <a:spLocks noGrp="1" noRot="1" noChangeAspect="1"/>
+          </p:cNvSpPr>
+          <p:nvPr>
+            <p:ph type="sldImg" idx="2"/>
+          </p:nvPr>
+        </p:nvSpPr>
+        <p:spPr>
+          <a:xfrm>
+            <a:off x="381000" y="685800"/>
+            <a:ext cx="6096000" cy="3429000"/>
+          </a:xfrm>
+          <a:custGeom>
+            <a:avLst/>
+            <a:gdLst/>
+            <a:ahLst/>
+            <a:cxnLst/>
+            <a:rect l="l" t="t" r="r" b="b"/>
+            <a:pathLst>
+              <a:path w="120000" h="120000" extrusionOk="0">
+                <a:moveTo>
+                  <a:pt x="0" y="0"/>
+                </a:moveTo>
+                <a:lnTo>
+                  <a:pt x="120000" y="0"/>
+                </a:lnTo>
+                <a:lnTo>
+                  <a:pt x="120000" y="120000"/>
+                </a:lnTo>
+                <a:lnTo>
+                  <a:pt x="0" y="120000"/>
+                </a:lnTo>
+                <a:close/>
+              </a:path>
+            </a:pathLst>
+          </a:custGeom>
+        </p:spPr>
+      </p:sp>
+      <p:sp>
+        <p:nvSpPr>
+          <p:cNvPr id="2021" name="Google Shape;2021;g11d0e38a952_0_341:notes"/>
+          <p:cNvSpPr txBox="1">
+            <a:spLocks noGrp="1"/>
+          </p:cNvSpPr>
+          <p:nvPr>
+            <p:ph type="body" idx="1"/>
+          </p:nvPr>
+        </p:nvSpPr>
+        <p:spPr>
+          <a:xfrm>
+            <a:off x="685800" y="4343400"/>
+            <a:ext cx="5486400" cy="4114800"/>
+          </a:xfrm>
+          <a:prstGeom prst="rect">
+            <a:avLst/>
+          </a:prstGeom>
+        </p:spPr>
+        <p:txBody>
+          <a:bodyPr spcFirstLastPara="1" wrap="square" lIns="91425" tIns="91425" rIns="91425" bIns="91425" anchor="t" anchorCtr="0">
+            <a:noAutofit/>
+          </a:bodyPr>
+          <a:lstStyle/>
+          <a:p>
+            <a:pPr marL="0" lvl="0" indent="0" algn="l" rtl="0">
+              <a:spcBef>
+                <a:spcPts val="0"/>
+              </a:spcBef>
+              <a:spcAft>
+                <a:spcPts val="0"/>
+              </a:spcAft>
+              <a:buNone/>
+            </a:pPr>
+            <a:endParaRPr/>
+          </a:p>
+        </p:txBody>
+      </p:sp>
+    </p:spTree>
+    <p:extLst>
+      <p:ext uri="{BB962C8B-B14F-4D97-AF65-F5344CB8AC3E}">
+        <p14:creationId xmlns:p14="http://schemas.microsoft.com/office/powerpoint/2010/main" val="1824924934"/>
+      </p:ext>
+    </p:extLst>
   </p:cSld>
   <p:clrMapOvr>
     <a:masterClrMapping/>
@@ -5845,6 +6060,3177 @@
     <p:extLst>
       <p:ext uri="{BB962C8B-B14F-4D97-AF65-F5344CB8AC3E}">
         <p14:creationId xmlns:p14="http://schemas.microsoft.com/office/powerpoint/2010/main" val="2474080787"/>
+      </p:ext>
+    </p:extLst>
+  </p:cSld>
+  <p:clrMapOvr>
+    <a:masterClrMapping/>
+  </p:clrMapOvr>
+</p:sldLayout>
+</file>
+
+<file path=ppt/slideLayouts/slideLayout11.xml><?xml version="1.0" encoding="utf-8"?>
+<p:sldLayout xmlns:a="http://schemas.openxmlformats.org/drawingml/2006/main" xmlns:r="http://schemas.openxmlformats.org/officeDocument/2006/relationships" xmlns:p="http://schemas.openxmlformats.org/presentationml/2006/main" matchingName="Title and three columns">
+  <p:cSld name="Title and three columns">
+    <p:spTree>
+      <p:nvGrpSpPr>
+        <p:cNvPr id="1" name="Shape 1180"/>
+        <p:cNvGrpSpPr/>
+        <p:nvPr/>
+      </p:nvGrpSpPr>
+      <p:grpSpPr>
+        <a:xfrm>
+          <a:off x="0" y="0"/>
+          <a:ext cx="0" cy="0"/>
+          <a:chOff x="0" y="0"/>
+          <a:chExt cx="0" cy="0"/>
+        </a:xfrm>
+      </p:grpSpPr>
+      <p:sp>
+        <p:nvSpPr>
+          <p:cNvPr id="1181" name="Google Shape;1181;p27"/>
+          <p:cNvSpPr txBox="1">
+            <a:spLocks noGrp="1"/>
+          </p:cNvSpPr>
+          <p:nvPr>
+            <p:ph type="title"/>
+          </p:nvPr>
+        </p:nvSpPr>
+        <p:spPr>
+          <a:xfrm>
+            <a:off x="713225" y="520925"/>
+            <a:ext cx="7717500" cy="708000"/>
+          </a:xfrm>
+          <a:prstGeom prst="rect">
+            <a:avLst/>
+          </a:prstGeom>
+        </p:spPr>
+        <p:txBody>
+          <a:bodyPr spcFirstLastPara="1" wrap="square" lIns="91425" tIns="91425" rIns="91425" bIns="91425" anchor="t" anchorCtr="0">
+            <a:noAutofit/>
+          </a:bodyPr>
+          <a:lstStyle>
+            <a:lvl1pPr lvl="0">
+              <a:spcBef>
+                <a:spcPts val="0"/>
+              </a:spcBef>
+              <a:spcAft>
+                <a:spcPts val="0"/>
+              </a:spcAft>
+              <a:buSzPts val="3200"/>
+              <a:buNone/>
+              <a:defRPr/>
+            </a:lvl1pPr>
+            <a:lvl2pPr lvl="1">
+              <a:spcBef>
+                <a:spcPts val="0"/>
+              </a:spcBef>
+              <a:spcAft>
+                <a:spcPts val="0"/>
+              </a:spcAft>
+              <a:buSzPts val="3200"/>
+              <a:buNone/>
+              <a:defRPr/>
+            </a:lvl2pPr>
+            <a:lvl3pPr lvl="2">
+              <a:spcBef>
+                <a:spcPts val="0"/>
+              </a:spcBef>
+              <a:spcAft>
+                <a:spcPts val="0"/>
+              </a:spcAft>
+              <a:buSzPts val="3200"/>
+              <a:buNone/>
+              <a:defRPr/>
+            </a:lvl3pPr>
+            <a:lvl4pPr lvl="3">
+              <a:spcBef>
+                <a:spcPts val="0"/>
+              </a:spcBef>
+              <a:spcAft>
+                <a:spcPts val="0"/>
+              </a:spcAft>
+              <a:buSzPts val="3200"/>
+              <a:buNone/>
+              <a:defRPr/>
+            </a:lvl4pPr>
+            <a:lvl5pPr lvl="4">
+              <a:spcBef>
+                <a:spcPts val="0"/>
+              </a:spcBef>
+              <a:spcAft>
+                <a:spcPts val="0"/>
+              </a:spcAft>
+              <a:buSzPts val="3200"/>
+              <a:buNone/>
+              <a:defRPr/>
+            </a:lvl5pPr>
+            <a:lvl6pPr lvl="5">
+              <a:spcBef>
+                <a:spcPts val="0"/>
+              </a:spcBef>
+              <a:spcAft>
+                <a:spcPts val="0"/>
+              </a:spcAft>
+              <a:buSzPts val="3200"/>
+              <a:buNone/>
+              <a:defRPr/>
+            </a:lvl6pPr>
+            <a:lvl7pPr lvl="6">
+              <a:spcBef>
+                <a:spcPts val="0"/>
+              </a:spcBef>
+              <a:spcAft>
+                <a:spcPts val="0"/>
+              </a:spcAft>
+              <a:buSzPts val="3200"/>
+              <a:buNone/>
+              <a:defRPr/>
+            </a:lvl7pPr>
+            <a:lvl8pPr lvl="7">
+              <a:spcBef>
+                <a:spcPts val="0"/>
+              </a:spcBef>
+              <a:spcAft>
+                <a:spcPts val="0"/>
+              </a:spcAft>
+              <a:buSzPts val="3200"/>
+              <a:buNone/>
+              <a:defRPr/>
+            </a:lvl8pPr>
+            <a:lvl9pPr lvl="8">
+              <a:spcBef>
+                <a:spcPts val="0"/>
+              </a:spcBef>
+              <a:spcAft>
+                <a:spcPts val="0"/>
+              </a:spcAft>
+              <a:buSzPts val="3200"/>
+              <a:buNone/>
+              <a:defRPr/>
+            </a:lvl9pPr>
+          </a:lstStyle>
+          <a:p>
+            <a:endParaRPr/>
+          </a:p>
+        </p:txBody>
+      </p:sp>
+      <p:sp>
+        <p:nvSpPr>
+          <p:cNvPr id="1182" name="Google Shape;1182;p27"/>
+          <p:cNvSpPr txBox="1">
+            <a:spLocks noGrp="1"/>
+          </p:cNvSpPr>
+          <p:nvPr>
+            <p:ph type="subTitle" idx="1"/>
+          </p:nvPr>
+        </p:nvSpPr>
+        <p:spPr>
+          <a:xfrm>
+            <a:off x="827175" y="3244750"/>
+            <a:ext cx="2172600" cy="926700"/>
+          </a:xfrm>
+          <a:prstGeom prst="rect">
+            <a:avLst/>
+          </a:prstGeom>
+        </p:spPr>
+        <p:txBody>
+          <a:bodyPr spcFirstLastPara="1" wrap="square" lIns="91425" tIns="91425" rIns="91425" bIns="91425" anchor="t" anchorCtr="0">
+            <a:noAutofit/>
+          </a:bodyPr>
+          <a:lstStyle>
+            <a:lvl1pPr lvl="0" algn="ctr" rtl="0">
+              <a:lnSpc>
+                <a:spcPct val="100000"/>
+              </a:lnSpc>
+              <a:spcBef>
+                <a:spcPts val="0"/>
+              </a:spcBef>
+              <a:spcAft>
+                <a:spcPts val="0"/>
+              </a:spcAft>
+              <a:buSzPts val="1200"/>
+              <a:buNone/>
+              <a:defRPr/>
+            </a:lvl1pPr>
+            <a:lvl2pPr lvl="1" algn="ctr" rtl="0">
+              <a:lnSpc>
+                <a:spcPct val="100000"/>
+              </a:lnSpc>
+              <a:spcBef>
+                <a:spcPts val="0"/>
+              </a:spcBef>
+              <a:spcAft>
+                <a:spcPts val="0"/>
+              </a:spcAft>
+              <a:buSzPts val="1200"/>
+              <a:buNone/>
+              <a:defRPr/>
+            </a:lvl2pPr>
+            <a:lvl3pPr lvl="2" algn="ctr" rtl="0">
+              <a:lnSpc>
+                <a:spcPct val="100000"/>
+              </a:lnSpc>
+              <a:spcBef>
+                <a:spcPts val="0"/>
+              </a:spcBef>
+              <a:spcAft>
+                <a:spcPts val="0"/>
+              </a:spcAft>
+              <a:buSzPts val="1200"/>
+              <a:buNone/>
+              <a:defRPr/>
+            </a:lvl3pPr>
+            <a:lvl4pPr lvl="3" algn="ctr" rtl="0">
+              <a:lnSpc>
+                <a:spcPct val="100000"/>
+              </a:lnSpc>
+              <a:spcBef>
+                <a:spcPts val="0"/>
+              </a:spcBef>
+              <a:spcAft>
+                <a:spcPts val="0"/>
+              </a:spcAft>
+              <a:buSzPts val="1200"/>
+              <a:buNone/>
+              <a:defRPr/>
+            </a:lvl4pPr>
+            <a:lvl5pPr lvl="4" algn="ctr" rtl="0">
+              <a:lnSpc>
+                <a:spcPct val="100000"/>
+              </a:lnSpc>
+              <a:spcBef>
+                <a:spcPts val="0"/>
+              </a:spcBef>
+              <a:spcAft>
+                <a:spcPts val="0"/>
+              </a:spcAft>
+              <a:buSzPts val="1200"/>
+              <a:buNone/>
+              <a:defRPr/>
+            </a:lvl5pPr>
+            <a:lvl6pPr lvl="5" algn="ctr" rtl="0">
+              <a:lnSpc>
+                <a:spcPct val="100000"/>
+              </a:lnSpc>
+              <a:spcBef>
+                <a:spcPts val="0"/>
+              </a:spcBef>
+              <a:spcAft>
+                <a:spcPts val="0"/>
+              </a:spcAft>
+              <a:buSzPts val="1200"/>
+              <a:buNone/>
+              <a:defRPr/>
+            </a:lvl6pPr>
+            <a:lvl7pPr lvl="6" algn="ctr" rtl="0">
+              <a:lnSpc>
+                <a:spcPct val="100000"/>
+              </a:lnSpc>
+              <a:spcBef>
+                <a:spcPts val="0"/>
+              </a:spcBef>
+              <a:spcAft>
+                <a:spcPts val="0"/>
+              </a:spcAft>
+              <a:buSzPts val="1200"/>
+              <a:buNone/>
+              <a:defRPr/>
+            </a:lvl7pPr>
+            <a:lvl8pPr lvl="7" algn="ctr" rtl="0">
+              <a:lnSpc>
+                <a:spcPct val="100000"/>
+              </a:lnSpc>
+              <a:spcBef>
+                <a:spcPts val="0"/>
+              </a:spcBef>
+              <a:spcAft>
+                <a:spcPts val="0"/>
+              </a:spcAft>
+              <a:buSzPts val="1200"/>
+              <a:buNone/>
+              <a:defRPr/>
+            </a:lvl8pPr>
+            <a:lvl9pPr lvl="8" algn="ctr" rtl="0">
+              <a:lnSpc>
+                <a:spcPct val="100000"/>
+              </a:lnSpc>
+              <a:spcBef>
+                <a:spcPts val="0"/>
+              </a:spcBef>
+              <a:spcAft>
+                <a:spcPts val="0"/>
+              </a:spcAft>
+              <a:buSzPts val="1200"/>
+              <a:buNone/>
+              <a:defRPr/>
+            </a:lvl9pPr>
+          </a:lstStyle>
+          <a:p>
+            <a:endParaRPr/>
+          </a:p>
+        </p:txBody>
+      </p:sp>
+      <p:sp>
+        <p:nvSpPr>
+          <p:cNvPr id="1183" name="Google Shape;1183;p27"/>
+          <p:cNvSpPr txBox="1">
+            <a:spLocks noGrp="1"/>
+          </p:cNvSpPr>
+          <p:nvPr>
+            <p:ph type="subTitle" idx="2"/>
+          </p:nvPr>
+        </p:nvSpPr>
+        <p:spPr>
+          <a:xfrm>
+            <a:off x="827175" y="2775700"/>
+            <a:ext cx="2172600" cy="554100"/>
+          </a:xfrm>
+          <a:prstGeom prst="rect">
+            <a:avLst/>
+          </a:prstGeom>
+        </p:spPr>
+        <p:txBody>
+          <a:bodyPr spcFirstLastPara="1" wrap="square" lIns="91425" tIns="91425" rIns="91425" bIns="91425" anchor="b" anchorCtr="0">
+            <a:noAutofit/>
+          </a:bodyPr>
+          <a:lstStyle>
+            <a:lvl1pPr lvl="0" algn="ctr" rtl="0">
+              <a:lnSpc>
+                <a:spcPct val="100000"/>
+              </a:lnSpc>
+              <a:spcBef>
+                <a:spcPts val="0"/>
+              </a:spcBef>
+              <a:spcAft>
+                <a:spcPts val="0"/>
+              </a:spcAft>
+              <a:buSzPts val="2400"/>
+              <a:buFont typeface="Manrope SemiBold"/>
+              <a:buNone/>
+              <a:defRPr sz="2200">
+                <a:latin typeface="Manrope SemiBold"/>
+                <a:ea typeface="Manrope SemiBold"/>
+                <a:cs typeface="Manrope SemiBold"/>
+                <a:sym typeface="Manrope SemiBold"/>
+              </a:defRPr>
+            </a:lvl1pPr>
+            <a:lvl2pPr lvl="1" algn="ctr" rtl="0">
+              <a:lnSpc>
+                <a:spcPct val="100000"/>
+              </a:lnSpc>
+              <a:spcBef>
+                <a:spcPts val="0"/>
+              </a:spcBef>
+              <a:spcAft>
+                <a:spcPts val="0"/>
+              </a:spcAft>
+              <a:buSzPts val="2400"/>
+              <a:buFont typeface="Manrope SemiBold"/>
+              <a:buNone/>
+              <a:defRPr sz="2400">
+                <a:latin typeface="Manrope SemiBold"/>
+                <a:ea typeface="Manrope SemiBold"/>
+                <a:cs typeface="Manrope SemiBold"/>
+                <a:sym typeface="Manrope SemiBold"/>
+              </a:defRPr>
+            </a:lvl2pPr>
+            <a:lvl3pPr lvl="2" algn="ctr" rtl="0">
+              <a:lnSpc>
+                <a:spcPct val="100000"/>
+              </a:lnSpc>
+              <a:spcBef>
+                <a:spcPts val="0"/>
+              </a:spcBef>
+              <a:spcAft>
+                <a:spcPts val="0"/>
+              </a:spcAft>
+              <a:buSzPts val="2400"/>
+              <a:buFont typeface="Manrope SemiBold"/>
+              <a:buNone/>
+              <a:defRPr sz="2400">
+                <a:latin typeface="Manrope SemiBold"/>
+                <a:ea typeface="Manrope SemiBold"/>
+                <a:cs typeface="Manrope SemiBold"/>
+                <a:sym typeface="Manrope SemiBold"/>
+              </a:defRPr>
+            </a:lvl3pPr>
+            <a:lvl4pPr lvl="3" algn="ctr" rtl="0">
+              <a:lnSpc>
+                <a:spcPct val="100000"/>
+              </a:lnSpc>
+              <a:spcBef>
+                <a:spcPts val="0"/>
+              </a:spcBef>
+              <a:spcAft>
+                <a:spcPts val="0"/>
+              </a:spcAft>
+              <a:buSzPts val="2400"/>
+              <a:buFont typeface="Manrope SemiBold"/>
+              <a:buNone/>
+              <a:defRPr sz="2400">
+                <a:latin typeface="Manrope SemiBold"/>
+                <a:ea typeface="Manrope SemiBold"/>
+                <a:cs typeface="Manrope SemiBold"/>
+                <a:sym typeface="Manrope SemiBold"/>
+              </a:defRPr>
+            </a:lvl4pPr>
+            <a:lvl5pPr lvl="4" algn="ctr" rtl="0">
+              <a:lnSpc>
+                <a:spcPct val="100000"/>
+              </a:lnSpc>
+              <a:spcBef>
+                <a:spcPts val="0"/>
+              </a:spcBef>
+              <a:spcAft>
+                <a:spcPts val="0"/>
+              </a:spcAft>
+              <a:buSzPts val="2400"/>
+              <a:buFont typeface="Manrope SemiBold"/>
+              <a:buNone/>
+              <a:defRPr sz="2400">
+                <a:latin typeface="Manrope SemiBold"/>
+                <a:ea typeface="Manrope SemiBold"/>
+                <a:cs typeface="Manrope SemiBold"/>
+                <a:sym typeface="Manrope SemiBold"/>
+              </a:defRPr>
+            </a:lvl5pPr>
+            <a:lvl6pPr lvl="5" algn="ctr" rtl="0">
+              <a:lnSpc>
+                <a:spcPct val="100000"/>
+              </a:lnSpc>
+              <a:spcBef>
+                <a:spcPts val="0"/>
+              </a:spcBef>
+              <a:spcAft>
+                <a:spcPts val="0"/>
+              </a:spcAft>
+              <a:buSzPts val="2400"/>
+              <a:buFont typeface="Manrope SemiBold"/>
+              <a:buNone/>
+              <a:defRPr sz="2400">
+                <a:latin typeface="Manrope SemiBold"/>
+                <a:ea typeface="Manrope SemiBold"/>
+                <a:cs typeface="Manrope SemiBold"/>
+                <a:sym typeface="Manrope SemiBold"/>
+              </a:defRPr>
+            </a:lvl6pPr>
+            <a:lvl7pPr lvl="6" algn="ctr" rtl="0">
+              <a:lnSpc>
+                <a:spcPct val="100000"/>
+              </a:lnSpc>
+              <a:spcBef>
+                <a:spcPts val="0"/>
+              </a:spcBef>
+              <a:spcAft>
+                <a:spcPts val="0"/>
+              </a:spcAft>
+              <a:buSzPts val="2400"/>
+              <a:buFont typeface="Manrope SemiBold"/>
+              <a:buNone/>
+              <a:defRPr sz="2400">
+                <a:latin typeface="Manrope SemiBold"/>
+                <a:ea typeface="Manrope SemiBold"/>
+                <a:cs typeface="Manrope SemiBold"/>
+                <a:sym typeface="Manrope SemiBold"/>
+              </a:defRPr>
+            </a:lvl7pPr>
+            <a:lvl8pPr lvl="7" algn="ctr" rtl="0">
+              <a:lnSpc>
+                <a:spcPct val="100000"/>
+              </a:lnSpc>
+              <a:spcBef>
+                <a:spcPts val="0"/>
+              </a:spcBef>
+              <a:spcAft>
+                <a:spcPts val="0"/>
+              </a:spcAft>
+              <a:buSzPts val="2400"/>
+              <a:buFont typeface="Manrope SemiBold"/>
+              <a:buNone/>
+              <a:defRPr sz="2400">
+                <a:latin typeface="Manrope SemiBold"/>
+                <a:ea typeface="Manrope SemiBold"/>
+                <a:cs typeface="Manrope SemiBold"/>
+                <a:sym typeface="Manrope SemiBold"/>
+              </a:defRPr>
+            </a:lvl8pPr>
+            <a:lvl9pPr lvl="8" algn="ctr" rtl="0">
+              <a:lnSpc>
+                <a:spcPct val="100000"/>
+              </a:lnSpc>
+              <a:spcBef>
+                <a:spcPts val="0"/>
+              </a:spcBef>
+              <a:spcAft>
+                <a:spcPts val="0"/>
+              </a:spcAft>
+              <a:buSzPts val="2400"/>
+              <a:buFont typeface="Manrope SemiBold"/>
+              <a:buNone/>
+              <a:defRPr sz="2400">
+                <a:latin typeface="Manrope SemiBold"/>
+                <a:ea typeface="Manrope SemiBold"/>
+                <a:cs typeface="Manrope SemiBold"/>
+                <a:sym typeface="Manrope SemiBold"/>
+              </a:defRPr>
+            </a:lvl9pPr>
+          </a:lstStyle>
+          <a:p>
+            <a:endParaRPr/>
+          </a:p>
+        </p:txBody>
+      </p:sp>
+      <p:sp>
+        <p:nvSpPr>
+          <p:cNvPr id="1184" name="Google Shape;1184;p27"/>
+          <p:cNvSpPr txBox="1">
+            <a:spLocks noGrp="1"/>
+          </p:cNvSpPr>
+          <p:nvPr>
+            <p:ph type="subTitle" idx="3"/>
+          </p:nvPr>
+        </p:nvSpPr>
+        <p:spPr>
+          <a:xfrm>
+            <a:off x="6144375" y="3244756"/>
+            <a:ext cx="2172300" cy="926700"/>
+          </a:xfrm>
+          <a:prstGeom prst="rect">
+            <a:avLst/>
+          </a:prstGeom>
+        </p:spPr>
+        <p:txBody>
+          <a:bodyPr spcFirstLastPara="1" wrap="square" lIns="91425" tIns="91425" rIns="91425" bIns="91425" anchor="t" anchorCtr="0">
+            <a:noAutofit/>
+          </a:bodyPr>
+          <a:lstStyle>
+            <a:lvl1pPr lvl="0" algn="ctr" rtl="0">
+              <a:lnSpc>
+                <a:spcPct val="100000"/>
+              </a:lnSpc>
+              <a:spcBef>
+                <a:spcPts val="0"/>
+              </a:spcBef>
+              <a:spcAft>
+                <a:spcPts val="0"/>
+              </a:spcAft>
+              <a:buSzPts val="1200"/>
+              <a:buNone/>
+              <a:defRPr/>
+            </a:lvl1pPr>
+            <a:lvl2pPr lvl="1" algn="ctr" rtl="0">
+              <a:lnSpc>
+                <a:spcPct val="100000"/>
+              </a:lnSpc>
+              <a:spcBef>
+                <a:spcPts val="0"/>
+              </a:spcBef>
+              <a:spcAft>
+                <a:spcPts val="0"/>
+              </a:spcAft>
+              <a:buSzPts val="1200"/>
+              <a:buNone/>
+              <a:defRPr/>
+            </a:lvl2pPr>
+            <a:lvl3pPr lvl="2" algn="ctr" rtl="0">
+              <a:lnSpc>
+                <a:spcPct val="100000"/>
+              </a:lnSpc>
+              <a:spcBef>
+                <a:spcPts val="0"/>
+              </a:spcBef>
+              <a:spcAft>
+                <a:spcPts val="0"/>
+              </a:spcAft>
+              <a:buSzPts val="1200"/>
+              <a:buNone/>
+              <a:defRPr/>
+            </a:lvl3pPr>
+            <a:lvl4pPr lvl="3" algn="ctr" rtl="0">
+              <a:lnSpc>
+                <a:spcPct val="100000"/>
+              </a:lnSpc>
+              <a:spcBef>
+                <a:spcPts val="0"/>
+              </a:spcBef>
+              <a:spcAft>
+                <a:spcPts val="0"/>
+              </a:spcAft>
+              <a:buSzPts val="1200"/>
+              <a:buNone/>
+              <a:defRPr/>
+            </a:lvl4pPr>
+            <a:lvl5pPr lvl="4" algn="ctr" rtl="0">
+              <a:lnSpc>
+                <a:spcPct val="100000"/>
+              </a:lnSpc>
+              <a:spcBef>
+                <a:spcPts val="0"/>
+              </a:spcBef>
+              <a:spcAft>
+                <a:spcPts val="0"/>
+              </a:spcAft>
+              <a:buSzPts val="1200"/>
+              <a:buNone/>
+              <a:defRPr/>
+            </a:lvl5pPr>
+            <a:lvl6pPr lvl="5" algn="ctr" rtl="0">
+              <a:lnSpc>
+                <a:spcPct val="100000"/>
+              </a:lnSpc>
+              <a:spcBef>
+                <a:spcPts val="0"/>
+              </a:spcBef>
+              <a:spcAft>
+                <a:spcPts val="0"/>
+              </a:spcAft>
+              <a:buSzPts val="1200"/>
+              <a:buNone/>
+              <a:defRPr/>
+            </a:lvl6pPr>
+            <a:lvl7pPr lvl="6" algn="ctr" rtl="0">
+              <a:lnSpc>
+                <a:spcPct val="100000"/>
+              </a:lnSpc>
+              <a:spcBef>
+                <a:spcPts val="0"/>
+              </a:spcBef>
+              <a:spcAft>
+                <a:spcPts val="0"/>
+              </a:spcAft>
+              <a:buSzPts val="1200"/>
+              <a:buNone/>
+              <a:defRPr/>
+            </a:lvl7pPr>
+            <a:lvl8pPr lvl="7" algn="ctr" rtl="0">
+              <a:lnSpc>
+                <a:spcPct val="100000"/>
+              </a:lnSpc>
+              <a:spcBef>
+                <a:spcPts val="0"/>
+              </a:spcBef>
+              <a:spcAft>
+                <a:spcPts val="0"/>
+              </a:spcAft>
+              <a:buSzPts val="1200"/>
+              <a:buNone/>
+              <a:defRPr/>
+            </a:lvl8pPr>
+            <a:lvl9pPr lvl="8" algn="ctr" rtl="0">
+              <a:lnSpc>
+                <a:spcPct val="100000"/>
+              </a:lnSpc>
+              <a:spcBef>
+                <a:spcPts val="0"/>
+              </a:spcBef>
+              <a:spcAft>
+                <a:spcPts val="0"/>
+              </a:spcAft>
+              <a:buSzPts val="1200"/>
+              <a:buNone/>
+              <a:defRPr/>
+            </a:lvl9pPr>
+          </a:lstStyle>
+          <a:p>
+            <a:endParaRPr/>
+          </a:p>
+        </p:txBody>
+      </p:sp>
+      <p:sp>
+        <p:nvSpPr>
+          <p:cNvPr id="1185" name="Google Shape;1185;p27"/>
+          <p:cNvSpPr txBox="1">
+            <a:spLocks noGrp="1"/>
+          </p:cNvSpPr>
+          <p:nvPr>
+            <p:ph type="subTitle" idx="4"/>
+          </p:nvPr>
+        </p:nvSpPr>
+        <p:spPr>
+          <a:xfrm>
+            <a:off x="6144375" y="2775700"/>
+            <a:ext cx="2172300" cy="554100"/>
+          </a:xfrm>
+          <a:prstGeom prst="rect">
+            <a:avLst/>
+          </a:prstGeom>
+        </p:spPr>
+        <p:txBody>
+          <a:bodyPr spcFirstLastPara="1" wrap="square" lIns="91425" tIns="91425" rIns="91425" bIns="91425" anchor="b" anchorCtr="0">
+            <a:noAutofit/>
+          </a:bodyPr>
+          <a:lstStyle>
+            <a:lvl1pPr lvl="0" algn="ctr" rtl="0">
+              <a:lnSpc>
+                <a:spcPct val="100000"/>
+              </a:lnSpc>
+              <a:spcBef>
+                <a:spcPts val="0"/>
+              </a:spcBef>
+              <a:spcAft>
+                <a:spcPts val="0"/>
+              </a:spcAft>
+              <a:buSzPts val="2400"/>
+              <a:buFont typeface="Manrope SemiBold"/>
+              <a:buNone/>
+              <a:defRPr sz="2200">
+                <a:latin typeface="Manrope SemiBold"/>
+                <a:ea typeface="Manrope SemiBold"/>
+                <a:cs typeface="Manrope SemiBold"/>
+                <a:sym typeface="Manrope SemiBold"/>
+              </a:defRPr>
+            </a:lvl1pPr>
+            <a:lvl2pPr lvl="1" algn="ctr" rtl="0">
+              <a:lnSpc>
+                <a:spcPct val="100000"/>
+              </a:lnSpc>
+              <a:spcBef>
+                <a:spcPts val="0"/>
+              </a:spcBef>
+              <a:spcAft>
+                <a:spcPts val="0"/>
+              </a:spcAft>
+              <a:buSzPts val="2400"/>
+              <a:buFont typeface="Manrope SemiBold"/>
+              <a:buNone/>
+              <a:defRPr sz="2400">
+                <a:latin typeface="Manrope SemiBold"/>
+                <a:ea typeface="Manrope SemiBold"/>
+                <a:cs typeface="Manrope SemiBold"/>
+                <a:sym typeface="Manrope SemiBold"/>
+              </a:defRPr>
+            </a:lvl2pPr>
+            <a:lvl3pPr lvl="2" algn="ctr" rtl="0">
+              <a:lnSpc>
+                <a:spcPct val="100000"/>
+              </a:lnSpc>
+              <a:spcBef>
+                <a:spcPts val="0"/>
+              </a:spcBef>
+              <a:spcAft>
+                <a:spcPts val="0"/>
+              </a:spcAft>
+              <a:buSzPts val="2400"/>
+              <a:buFont typeface="Manrope SemiBold"/>
+              <a:buNone/>
+              <a:defRPr sz="2400">
+                <a:latin typeface="Manrope SemiBold"/>
+                <a:ea typeface="Manrope SemiBold"/>
+                <a:cs typeface="Manrope SemiBold"/>
+                <a:sym typeface="Manrope SemiBold"/>
+              </a:defRPr>
+            </a:lvl3pPr>
+            <a:lvl4pPr lvl="3" algn="ctr" rtl="0">
+              <a:lnSpc>
+                <a:spcPct val="100000"/>
+              </a:lnSpc>
+              <a:spcBef>
+                <a:spcPts val="0"/>
+              </a:spcBef>
+              <a:spcAft>
+                <a:spcPts val="0"/>
+              </a:spcAft>
+              <a:buSzPts val="2400"/>
+              <a:buFont typeface="Manrope SemiBold"/>
+              <a:buNone/>
+              <a:defRPr sz="2400">
+                <a:latin typeface="Manrope SemiBold"/>
+                <a:ea typeface="Manrope SemiBold"/>
+                <a:cs typeface="Manrope SemiBold"/>
+                <a:sym typeface="Manrope SemiBold"/>
+              </a:defRPr>
+            </a:lvl4pPr>
+            <a:lvl5pPr lvl="4" algn="ctr" rtl="0">
+              <a:lnSpc>
+                <a:spcPct val="100000"/>
+              </a:lnSpc>
+              <a:spcBef>
+                <a:spcPts val="0"/>
+              </a:spcBef>
+              <a:spcAft>
+                <a:spcPts val="0"/>
+              </a:spcAft>
+              <a:buSzPts val="2400"/>
+              <a:buFont typeface="Manrope SemiBold"/>
+              <a:buNone/>
+              <a:defRPr sz="2400">
+                <a:latin typeface="Manrope SemiBold"/>
+                <a:ea typeface="Manrope SemiBold"/>
+                <a:cs typeface="Manrope SemiBold"/>
+                <a:sym typeface="Manrope SemiBold"/>
+              </a:defRPr>
+            </a:lvl5pPr>
+            <a:lvl6pPr lvl="5" algn="ctr" rtl="0">
+              <a:lnSpc>
+                <a:spcPct val="100000"/>
+              </a:lnSpc>
+              <a:spcBef>
+                <a:spcPts val="0"/>
+              </a:spcBef>
+              <a:spcAft>
+                <a:spcPts val="0"/>
+              </a:spcAft>
+              <a:buSzPts val="2400"/>
+              <a:buFont typeface="Manrope SemiBold"/>
+              <a:buNone/>
+              <a:defRPr sz="2400">
+                <a:latin typeface="Manrope SemiBold"/>
+                <a:ea typeface="Manrope SemiBold"/>
+                <a:cs typeface="Manrope SemiBold"/>
+                <a:sym typeface="Manrope SemiBold"/>
+              </a:defRPr>
+            </a:lvl6pPr>
+            <a:lvl7pPr lvl="6" algn="ctr" rtl="0">
+              <a:lnSpc>
+                <a:spcPct val="100000"/>
+              </a:lnSpc>
+              <a:spcBef>
+                <a:spcPts val="0"/>
+              </a:spcBef>
+              <a:spcAft>
+                <a:spcPts val="0"/>
+              </a:spcAft>
+              <a:buSzPts val="2400"/>
+              <a:buFont typeface="Manrope SemiBold"/>
+              <a:buNone/>
+              <a:defRPr sz="2400">
+                <a:latin typeface="Manrope SemiBold"/>
+                <a:ea typeface="Manrope SemiBold"/>
+                <a:cs typeface="Manrope SemiBold"/>
+                <a:sym typeface="Manrope SemiBold"/>
+              </a:defRPr>
+            </a:lvl7pPr>
+            <a:lvl8pPr lvl="7" algn="ctr" rtl="0">
+              <a:lnSpc>
+                <a:spcPct val="100000"/>
+              </a:lnSpc>
+              <a:spcBef>
+                <a:spcPts val="0"/>
+              </a:spcBef>
+              <a:spcAft>
+                <a:spcPts val="0"/>
+              </a:spcAft>
+              <a:buSzPts val="2400"/>
+              <a:buFont typeface="Manrope SemiBold"/>
+              <a:buNone/>
+              <a:defRPr sz="2400">
+                <a:latin typeface="Manrope SemiBold"/>
+                <a:ea typeface="Manrope SemiBold"/>
+                <a:cs typeface="Manrope SemiBold"/>
+                <a:sym typeface="Manrope SemiBold"/>
+              </a:defRPr>
+            </a:lvl8pPr>
+            <a:lvl9pPr lvl="8" algn="ctr" rtl="0">
+              <a:lnSpc>
+                <a:spcPct val="100000"/>
+              </a:lnSpc>
+              <a:spcBef>
+                <a:spcPts val="0"/>
+              </a:spcBef>
+              <a:spcAft>
+                <a:spcPts val="0"/>
+              </a:spcAft>
+              <a:buSzPts val="2400"/>
+              <a:buFont typeface="Manrope SemiBold"/>
+              <a:buNone/>
+              <a:defRPr sz="2400">
+                <a:latin typeface="Manrope SemiBold"/>
+                <a:ea typeface="Manrope SemiBold"/>
+                <a:cs typeface="Manrope SemiBold"/>
+                <a:sym typeface="Manrope SemiBold"/>
+              </a:defRPr>
+            </a:lvl9pPr>
+          </a:lstStyle>
+          <a:p>
+            <a:endParaRPr/>
+          </a:p>
+        </p:txBody>
+      </p:sp>
+      <p:sp>
+        <p:nvSpPr>
+          <p:cNvPr id="1186" name="Google Shape;1186;p27"/>
+          <p:cNvSpPr txBox="1">
+            <a:spLocks noGrp="1"/>
+          </p:cNvSpPr>
+          <p:nvPr>
+            <p:ph type="subTitle" idx="5"/>
+          </p:nvPr>
+        </p:nvSpPr>
+        <p:spPr>
+          <a:xfrm>
+            <a:off x="3485850" y="3244754"/>
+            <a:ext cx="2172300" cy="926700"/>
+          </a:xfrm>
+          <a:prstGeom prst="rect">
+            <a:avLst/>
+          </a:prstGeom>
+        </p:spPr>
+        <p:txBody>
+          <a:bodyPr spcFirstLastPara="1" wrap="square" lIns="91425" tIns="91425" rIns="91425" bIns="91425" anchor="t" anchorCtr="0">
+            <a:noAutofit/>
+          </a:bodyPr>
+          <a:lstStyle>
+            <a:lvl1pPr lvl="0" algn="ctr" rtl="0">
+              <a:lnSpc>
+                <a:spcPct val="100000"/>
+              </a:lnSpc>
+              <a:spcBef>
+                <a:spcPts val="0"/>
+              </a:spcBef>
+              <a:spcAft>
+                <a:spcPts val="0"/>
+              </a:spcAft>
+              <a:buSzPts val="1200"/>
+              <a:buNone/>
+              <a:defRPr/>
+            </a:lvl1pPr>
+            <a:lvl2pPr lvl="1" algn="ctr" rtl="0">
+              <a:lnSpc>
+                <a:spcPct val="100000"/>
+              </a:lnSpc>
+              <a:spcBef>
+                <a:spcPts val="0"/>
+              </a:spcBef>
+              <a:spcAft>
+                <a:spcPts val="0"/>
+              </a:spcAft>
+              <a:buSzPts val="1200"/>
+              <a:buNone/>
+              <a:defRPr/>
+            </a:lvl2pPr>
+            <a:lvl3pPr lvl="2" algn="ctr" rtl="0">
+              <a:lnSpc>
+                <a:spcPct val="100000"/>
+              </a:lnSpc>
+              <a:spcBef>
+                <a:spcPts val="0"/>
+              </a:spcBef>
+              <a:spcAft>
+                <a:spcPts val="0"/>
+              </a:spcAft>
+              <a:buSzPts val="1200"/>
+              <a:buNone/>
+              <a:defRPr/>
+            </a:lvl3pPr>
+            <a:lvl4pPr lvl="3" algn="ctr" rtl="0">
+              <a:lnSpc>
+                <a:spcPct val="100000"/>
+              </a:lnSpc>
+              <a:spcBef>
+                <a:spcPts val="0"/>
+              </a:spcBef>
+              <a:spcAft>
+                <a:spcPts val="0"/>
+              </a:spcAft>
+              <a:buSzPts val="1200"/>
+              <a:buNone/>
+              <a:defRPr/>
+            </a:lvl4pPr>
+            <a:lvl5pPr lvl="4" algn="ctr" rtl="0">
+              <a:lnSpc>
+                <a:spcPct val="100000"/>
+              </a:lnSpc>
+              <a:spcBef>
+                <a:spcPts val="0"/>
+              </a:spcBef>
+              <a:spcAft>
+                <a:spcPts val="0"/>
+              </a:spcAft>
+              <a:buSzPts val="1200"/>
+              <a:buNone/>
+              <a:defRPr/>
+            </a:lvl5pPr>
+            <a:lvl6pPr lvl="5" algn="ctr" rtl="0">
+              <a:lnSpc>
+                <a:spcPct val="100000"/>
+              </a:lnSpc>
+              <a:spcBef>
+                <a:spcPts val="0"/>
+              </a:spcBef>
+              <a:spcAft>
+                <a:spcPts val="0"/>
+              </a:spcAft>
+              <a:buSzPts val="1200"/>
+              <a:buNone/>
+              <a:defRPr/>
+            </a:lvl6pPr>
+            <a:lvl7pPr lvl="6" algn="ctr" rtl="0">
+              <a:lnSpc>
+                <a:spcPct val="100000"/>
+              </a:lnSpc>
+              <a:spcBef>
+                <a:spcPts val="0"/>
+              </a:spcBef>
+              <a:spcAft>
+                <a:spcPts val="0"/>
+              </a:spcAft>
+              <a:buSzPts val="1200"/>
+              <a:buNone/>
+              <a:defRPr/>
+            </a:lvl7pPr>
+            <a:lvl8pPr lvl="7" algn="ctr" rtl="0">
+              <a:lnSpc>
+                <a:spcPct val="100000"/>
+              </a:lnSpc>
+              <a:spcBef>
+                <a:spcPts val="0"/>
+              </a:spcBef>
+              <a:spcAft>
+                <a:spcPts val="0"/>
+              </a:spcAft>
+              <a:buSzPts val="1200"/>
+              <a:buNone/>
+              <a:defRPr/>
+            </a:lvl8pPr>
+            <a:lvl9pPr lvl="8" algn="ctr" rtl="0">
+              <a:lnSpc>
+                <a:spcPct val="100000"/>
+              </a:lnSpc>
+              <a:spcBef>
+                <a:spcPts val="0"/>
+              </a:spcBef>
+              <a:spcAft>
+                <a:spcPts val="0"/>
+              </a:spcAft>
+              <a:buSzPts val="1200"/>
+              <a:buNone/>
+              <a:defRPr/>
+            </a:lvl9pPr>
+          </a:lstStyle>
+          <a:p>
+            <a:endParaRPr/>
+          </a:p>
+        </p:txBody>
+      </p:sp>
+      <p:sp>
+        <p:nvSpPr>
+          <p:cNvPr id="1187" name="Google Shape;1187;p27"/>
+          <p:cNvSpPr txBox="1">
+            <a:spLocks noGrp="1"/>
+          </p:cNvSpPr>
+          <p:nvPr>
+            <p:ph type="subTitle" idx="6"/>
+          </p:nvPr>
+        </p:nvSpPr>
+        <p:spPr>
+          <a:xfrm>
+            <a:off x="3485850" y="2775700"/>
+            <a:ext cx="2172300" cy="554100"/>
+          </a:xfrm>
+          <a:prstGeom prst="rect">
+            <a:avLst/>
+          </a:prstGeom>
+        </p:spPr>
+        <p:txBody>
+          <a:bodyPr spcFirstLastPara="1" wrap="square" lIns="91425" tIns="91425" rIns="91425" bIns="91425" anchor="b" anchorCtr="0">
+            <a:noAutofit/>
+          </a:bodyPr>
+          <a:lstStyle>
+            <a:lvl1pPr lvl="0" algn="ctr" rtl="0">
+              <a:lnSpc>
+                <a:spcPct val="100000"/>
+              </a:lnSpc>
+              <a:spcBef>
+                <a:spcPts val="0"/>
+              </a:spcBef>
+              <a:spcAft>
+                <a:spcPts val="0"/>
+              </a:spcAft>
+              <a:buSzPts val="2400"/>
+              <a:buFont typeface="Manrope SemiBold"/>
+              <a:buNone/>
+              <a:defRPr sz="2200">
+                <a:latin typeface="Manrope SemiBold"/>
+                <a:ea typeface="Manrope SemiBold"/>
+                <a:cs typeface="Manrope SemiBold"/>
+                <a:sym typeface="Manrope SemiBold"/>
+              </a:defRPr>
+            </a:lvl1pPr>
+            <a:lvl2pPr lvl="1" algn="ctr" rtl="0">
+              <a:lnSpc>
+                <a:spcPct val="100000"/>
+              </a:lnSpc>
+              <a:spcBef>
+                <a:spcPts val="0"/>
+              </a:spcBef>
+              <a:spcAft>
+                <a:spcPts val="0"/>
+              </a:spcAft>
+              <a:buSzPts val="2400"/>
+              <a:buFont typeface="Manrope SemiBold"/>
+              <a:buNone/>
+              <a:defRPr sz="2400">
+                <a:latin typeface="Manrope SemiBold"/>
+                <a:ea typeface="Manrope SemiBold"/>
+                <a:cs typeface="Manrope SemiBold"/>
+                <a:sym typeface="Manrope SemiBold"/>
+              </a:defRPr>
+            </a:lvl2pPr>
+            <a:lvl3pPr lvl="2" algn="ctr" rtl="0">
+              <a:lnSpc>
+                <a:spcPct val="100000"/>
+              </a:lnSpc>
+              <a:spcBef>
+                <a:spcPts val="0"/>
+              </a:spcBef>
+              <a:spcAft>
+                <a:spcPts val="0"/>
+              </a:spcAft>
+              <a:buSzPts val="2400"/>
+              <a:buFont typeface="Manrope SemiBold"/>
+              <a:buNone/>
+              <a:defRPr sz="2400">
+                <a:latin typeface="Manrope SemiBold"/>
+                <a:ea typeface="Manrope SemiBold"/>
+                <a:cs typeface="Manrope SemiBold"/>
+                <a:sym typeface="Manrope SemiBold"/>
+              </a:defRPr>
+            </a:lvl3pPr>
+            <a:lvl4pPr lvl="3" algn="ctr" rtl="0">
+              <a:lnSpc>
+                <a:spcPct val="100000"/>
+              </a:lnSpc>
+              <a:spcBef>
+                <a:spcPts val="0"/>
+              </a:spcBef>
+              <a:spcAft>
+                <a:spcPts val="0"/>
+              </a:spcAft>
+              <a:buSzPts val="2400"/>
+              <a:buFont typeface="Manrope SemiBold"/>
+              <a:buNone/>
+              <a:defRPr sz="2400">
+                <a:latin typeface="Manrope SemiBold"/>
+                <a:ea typeface="Manrope SemiBold"/>
+                <a:cs typeface="Manrope SemiBold"/>
+                <a:sym typeface="Manrope SemiBold"/>
+              </a:defRPr>
+            </a:lvl4pPr>
+            <a:lvl5pPr lvl="4" algn="ctr" rtl="0">
+              <a:lnSpc>
+                <a:spcPct val="100000"/>
+              </a:lnSpc>
+              <a:spcBef>
+                <a:spcPts val="0"/>
+              </a:spcBef>
+              <a:spcAft>
+                <a:spcPts val="0"/>
+              </a:spcAft>
+              <a:buSzPts val="2400"/>
+              <a:buFont typeface="Manrope SemiBold"/>
+              <a:buNone/>
+              <a:defRPr sz="2400">
+                <a:latin typeface="Manrope SemiBold"/>
+                <a:ea typeface="Manrope SemiBold"/>
+                <a:cs typeface="Manrope SemiBold"/>
+                <a:sym typeface="Manrope SemiBold"/>
+              </a:defRPr>
+            </a:lvl5pPr>
+            <a:lvl6pPr lvl="5" algn="ctr" rtl="0">
+              <a:lnSpc>
+                <a:spcPct val="100000"/>
+              </a:lnSpc>
+              <a:spcBef>
+                <a:spcPts val="0"/>
+              </a:spcBef>
+              <a:spcAft>
+                <a:spcPts val="0"/>
+              </a:spcAft>
+              <a:buSzPts val="2400"/>
+              <a:buFont typeface="Manrope SemiBold"/>
+              <a:buNone/>
+              <a:defRPr sz="2400">
+                <a:latin typeface="Manrope SemiBold"/>
+                <a:ea typeface="Manrope SemiBold"/>
+                <a:cs typeface="Manrope SemiBold"/>
+                <a:sym typeface="Manrope SemiBold"/>
+              </a:defRPr>
+            </a:lvl6pPr>
+            <a:lvl7pPr lvl="6" algn="ctr" rtl="0">
+              <a:lnSpc>
+                <a:spcPct val="100000"/>
+              </a:lnSpc>
+              <a:spcBef>
+                <a:spcPts val="0"/>
+              </a:spcBef>
+              <a:spcAft>
+                <a:spcPts val="0"/>
+              </a:spcAft>
+              <a:buSzPts val="2400"/>
+              <a:buFont typeface="Manrope SemiBold"/>
+              <a:buNone/>
+              <a:defRPr sz="2400">
+                <a:latin typeface="Manrope SemiBold"/>
+                <a:ea typeface="Manrope SemiBold"/>
+                <a:cs typeface="Manrope SemiBold"/>
+                <a:sym typeface="Manrope SemiBold"/>
+              </a:defRPr>
+            </a:lvl7pPr>
+            <a:lvl8pPr lvl="7" algn="ctr" rtl="0">
+              <a:lnSpc>
+                <a:spcPct val="100000"/>
+              </a:lnSpc>
+              <a:spcBef>
+                <a:spcPts val="0"/>
+              </a:spcBef>
+              <a:spcAft>
+                <a:spcPts val="0"/>
+              </a:spcAft>
+              <a:buSzPts val="2400"/>
+              <a:buFont typeface="Manrope SemiBold"/>
+              <a:buNone/>
+              <a:defRPr sz="2400">
+                <a:latin typeface="Manrope SemiBold"/>
+                <a:ea typeface="Manrope SemiBold"/>
+                <a:cs typeface="Manrope SemiBold"/>
+                <a:sym typeface="Manrope SemiBold"/>
+              </a:defRPr>
+            </a:lvl8pPr>
+            <a:lvl9pPr lvl="8" algn="ctr" rtl="0">
+              <a:lnSpc>
+                <a:spcPct val="100000"/>
+              </a:lnSpc>
+              <a:spcBef>
+                <a:spcPts val="0"/>
+              </a:spcBef>
+              <a:spcAft>
+                <a:spcPts val="0"/>
+              </a:spcAft>
+              <a:buSzPts val="2400"/>
+              <a:buFont typeface="Manrope SemiBold"/>
+              <a:buNone/>
+              <a:defRPr sz="2400">
+                <a:latin typeface="Manrope SemiBold"/>
+                <a:ea typeface="Manrope SemiBold"/>
+                <a:cs typeface="Manrope SemiBold"/>
+                <a:sym typeface="Manrope SemiBold"/>
+              </a:defRPr>
+            </a:lvl9pPr>
+          </a:lstStyle>
+          <a:p>
+            <a:endParaRPr/>
+          </a:p>
+        </p:txBody>
+      </p:sp>
+      <p:grpSp>
+        <p:nvGrpSpPr>
+          <p:cNvPr id="1188" name="Google Shape;1188;p27"/>
+          <p:cNvGrpSpPr/>
+          <p:nvPr/>
+        </p:nvGrpSpPr>
+        <p:grpSpPr>
+          <a:xfrm rot="10800000">
+            <a:off x="7707911" y="-2002431"/>
+            <a:ext cx="2577160" cy="2638569"/>
+            <a:chOff x="-1115775" y="4467744"/>
+            <a:chExt cx="2577160" cy="2638569"/>
+          </a:xfrm>
+        </p:grpSpPr>
+        <p:sp>
+          <p:nvSpPr>
+            <p:cNvPr id="1189" name="Google Shape;1189;p27"/>
+            <p:cNvSpPr/>
+            <p:nvPr/>
+          </p:nvSpPr>
+          <p:spPr>
+            <a:xfrm>
+              <a:off x="-961762" y="4467744"/>
+              <a:ext cx="1751700" cy="1751700"/>
+            </a:xfrm>
+            <a:prstGeom prst="ellipse">
+              <a:avLst/>
+            </a:prstGeom>
+            <a:solidFill>
+              <a:schemeClr val="accent1"/>
+            </a:solidFill>
+            <a:ln>
+              <a:noFill/>
+            </a:ln>
+          </p:spPr>
+          <p:txBody>
+            <a:bodyPr spcFirstLastPara="1" wrap="square" lIns="91425" tIns="91425" rIns="91425" bIns="91425" anchor="ctr" anchorCtr="0">
+              <a:noAutofit/>
+            </a:bodyPr>
+            <a:lstStyle/>
+            <a:p>
+              <a:pPr marL="0" lvl="0" indent="0" algn="l" rtl="0">
+                <a:spcBef>
+                  <a:spcPts val="0"/>
+                </a:spcBef>
+                <a:spcAft>
+                  <a:spcPts val="0"/>
+                </a:spcAft>
+                <a:buNone/>
+              </a:pPr>
+              <a:endParaRPr>
+                <a:latin typeface="Inter"/>
+                <a:ea typeface="Inter"/>
+                <a:cs typeface="Inter"/>
+                <a:sym typeface="Inter"/>
+              </a:endParaRPr>
+            </a:p>
+          </p:txBody>
+        </p:sp>
+        <p:grpSp>
+          <p:nvGrpSpPr>
+            <p:cNvPr id="1190" name="Google Shape;1190;p27"/>
+            <p:cNvGrpSpPr/>
+            <p:nvPr/>
+          </p:nvGrpSpPr>
+          <p:grpSpPr>
+            <a:xfrm rot="5400000" flipH="1">
+              <a:off x="-1115103" y="4529824"/>
+              <a:ext cx="2575817" cy="2577160"/>
+              <a:chOff x="1550275" y="1493275"/>
+              <a:chExt cx="1582100" cy="1582925"/>
+            </a:xfrm>
+          </p:grpSpPr>
+          <p:sp>
+            <p:nvSpPr>
+              <p:cNvPr id="1191" name="Google Shape;1191;p27"/>
+              <p:cNvSpPr/>
+              <p:nvPr/>
+            </p:nvSpPr>
+            <p:spPr>
+              <a:xfrm>
+                <a:off x="1650275" y="1594100"/>
+                <a:ext cx="301650" cy="300825"/>
+              </a:xfrm>
+              <a:custGeom>
+                <a:avLst/>
+                <a:gdLst/>
+                <a:ahLst/>
+                <a:cxnLst/>
+                <a:rect l="l" t="t" r="r" b="b"/>
+                <a:pathLst>
+                  <a:path w="12066" h="12033" fill="none" extrusionOk="0">
+                    <a:moveTo>
+                      <a:pt x="1" y="12032"/>
+                    </a:moveTo>
+                    <a:lnTo>
+                      <a:pt x="12065" y="0"/>
+                    </a:lnTo>
+                  </a:path>
+                </a:pathLst>
+              </a:custGeom>
+              <a:noFill/>
+              <a:ln w="19050" cap="rnd" cmpd="sng">
+                <a:solidFill>
+                  <a:schemeClr val="lt2"/>
+                </a:solidFill>
+                <a:prstDash val="solid"/>
+                <a:miter lim="32519"/>
+                <a:headEnd type="none" w="sm" len="sm"/>
+                <a:tailEnd type="none" w="sm" len="sm"/>
+              </a:ln>
+            </p:spPr>
+            <p:txBody>
+              <a:bodyPr spcFirstLastPara="1" wrap="square" lIns="91425" tIns="91425" rIns="91425" bIns="91425" anchor="ctr" anchorCtr="0">
+                <a:noAutofit/>
+              </a:bodyPr>
+              <a:lstStyle/>
+              <a:p>
+                <a:pPr marL="0" lvl="0" indent="0" algn="l" rtl="0">
+                  <a:spcBef>
+                    <a:spcPts val="0"/>
+                  </a:spcBef>
+                  <a:spcAft>
+                    <a:spcPts val="0"/>
+                  </a:spcAft>
+                  <a:buNone/>
+                </a:pPr>
+                <a:endParaRPr>
+                  <a:latin typeface="Inter"/>
+                  <a:ea typeface="Inter"/>
+                  <a:cs typeface="Inter"/>
+                  <a:sym typeface="Inter"/>
+                </a:endParaRPr>
+              </a:p>
+            </p:txBody>
+          </p:sp>
+          <p:sp>
+            <p:nvSpPr>
+              <p:cNvPr id="1192" name="Google Shape;1192;p27"/>
+              <p:cNvSpPr/>
+              <p:nvPr/>
+            </p:nvSpPr>
+            <p:spPr>
+              <a:xfrm>
+                <a:off x="1560025" y="1503850"/>
+                <a:ext cx="648800" cy="647975"/>
+              </a:xfrm>
+              <a:custGeom>
+                <a:avLst/>
+                <a:gdLst/>
+                <a:ahLst/>
+                <a:cxnLst/>
+                <a:rect l="l" t="t" r="r" b="b"/>
+                <a:pathLst>
+                  <a:path w="25952" h="25919" fill="none" extrusionOk="0">
+                    <a:moveTo>
+                      <a:pt x="1" y="25919"/>
+                    </a:moveTo>
+                    <a:lnTo>
+                      <a:pt x="25952" y="0"/>
+                    </a:lnTo>
+                  </a:path>
+                </a:pathLst>
+              </a:custGeom>
+              <a:noFill/>
+              <a:ln w="19050" cap="rnd" cmpd="sng">
+                <a:solidFill>
+                  <a:schemeClr val="lt2"/>
+                </a:solidFill>
+                <a:prstDash val="solid"/>
+                <a:miter lim="32519"/>
+                <a:headEnd type="none" w="sm" len="sm"/>
+                <a:tailEnd type="none" w="sm" len="sm"/>
+              </a:ln>
+            </p:spPr>
+            <p:txBody>
+              <a:bodyPr spcFirstLastPara="1" wrap="square" lIns="91425" tIns="91425" rIns="91425" bIns="91425" anchor="ctr" anchorCtr="0">
+                <a:noAutofit/>
+              </a:bodyPr>
+              <a:lstStyle/>
+              <a:p>
+                <a:pPr marL="0" lvl="0" indent="0" algn="l" rtl="0">
+                  <a:spcBef>
+                    <a:spcPts val="0"/>
+                  </a:spcBef>
+                  <a:spcAft>
+                    <a:spcPts val="0"/>
+                  </a:spcAft>
+                  <a:buNone/>
+                </a:pPr>
+                <a:endParaRPr>
+                  <a:latin typeface="Inter"/>
+                  <a:ea typeface="Inter"/>
+                  <a:cs typeface="Inter"/>
+                  <a:sym typeface="Inter"/>
+                </a:endParaRPr>
+              </a:p>
+            </p:txBody>
+          </p:sp>
+          <p:sp>
+            <p:nvSpPr>
+              <p:cNvPr id="1193" name="Google Shape;1193;p27"/>
+              <p:cNvSpPr/>
+              <p:nvPr/>
+            </p:nvSpPr>
+            <p:spPr>
+              <a:xfrm>
+                <a:off x="1550275" y="1493275"/>
+                <a:ext cx="834150" cy="834975"/>
+              </a:xfrm>
+              <a:custGeom>
+                <a:avLst/>
+                <a:gdLst/>
+                <a:ahLst/>
+                <a:cxnLst/>
+                <a:rect l="l" t="t" r="r" b="b"/>
+                <a:pathLst>
+                  <a:path w="33366" h="33399" fill="none" extrusionOk="0">
+                    <a:moveTo>
+                      <a:pt x="1" y="33398"/>
+                    </a:moveTo>
+                    <a:lnTo>
+                      <a:pt x="33366" y="1"/>
+                    </a:lnTo>
+                  </a:path>
+                </a:pathLst>
+              </a:custGeom>
+              <a:noFill/>
+              <a:ln w="19050" cap="rnd" cmpd="sng">
+                <a:solidFill>
+                  <a:schemeClr val="lt2"/>
+                </a:solidFill>
+                <a:prstDash val="solid"/>
+                <a:miter lim="32519"/>
+                <a:headEnd type="none" w="sm" len="sm"/>
+                <a:tailEnd type="none" w="sm" len="sm"/>
+              </a:ln>
+            </p:spPr>
+            <p:txBody>
+              <a:bodyPr spcFirstLastPara="1" wrap="square" lIns="91425" tIns="91425" rIns="91425" bIns="91425" anchor="ctr" anchorCtr="0">
+                <a:noAutofit/>
+              </a:bodyPr>
+              <a:lstStyle/>
+              <a:p>
+                <a:pPr marL="0" lvl="0" indent="0" algn="l" rtl="0">
+                  <a:spcBef>
+                    <a:spcPts val="0"/>
+                  </a:spcBef>
+                  <a:spcAft>
+                    <a:spcPts val="0"/>
+                  </a:spcAft>
+                  <a:buNone/>
+                </a:pPr>
+                <a:endParaRPr>
+                  <a:latin typeface="Inter"/>
+                  <a:ea typeface="Inter"/>
+                  <a:cs typeface="Inter"/>
+                  <a:sym typeface="Inter"/>
+                </a:endParaRPr>
+              </a:p>
+            </p:txBody>
+          </p:sp>
+          <p:sp>
+            <p:nvSpPr>
+              <p:cNvPr id="1194" name="Google Shape;1194;p27"/>
+              <p:cNvSpPr/>
+              <p:nvPr/>
+            </p:nvSpPr>
+            <p:spPr>
+              <a:xfrm>
+                <a:off x="1571425" y="1514425"/>
+                <a:ext cx="957725" cy="958525"/>
+              </a:xfrm>
+              <a:custGeom>
+                <a:avLst/>
+                <a:gdLst/>
+                <a:ahLst/>
+                <a:cxnLst/>
+                <a:rect l="l" t="t" r="r" b="b"/>
+                <a:pathLst>
+                  <a:path w="38309" h="38341" fill="none" extrusionOk="0">
+                    <a:moveTo>
+                      <a:pt x="0" y="38341"/>
+                    </a:moveTo>
+                    <a:lnTo>
+                      <a:pt x="38308" y="0"/>
+                    </a:lnTo>
+                  </a:path>
+                </a:pathLst>
+              </a:custGeom>
+              <a:noFill/>
+              <a:ln w="19050" cap="rnd" cmpd="sng">
+                <a:solidFill>
+                  <a:schemeClr val="lt2"/>
+                </a:solidFill>
+                <a:prstDash val="solid"/>
+                <a:miter lim="32519"/>
+                <a:headEnd type="none" w="sm" len="sm"/>
+                <a:tailEnd type="none" w="sm" len="sm"/>
+              </a:ln>
+            </p:spPr>
+            <p:txBody>
+              <a:bodyPr spcFirstLastPara="1" wrap="square" lIns="91425" tIns="91425" rIns="91425" bIns="91425" anchor="ctr" anchorCtr="0">
+                <a:noAutofit/>
+              </a:bodyPr>
+              <a:lstStyle/>
+              <a:p>
+                <a:pPr marL="0" lvl="0" indent="0" algn="l" rtl="0">
+                  <a:spcBef>
+                    <a:spcPts val="0"/>
+                  </a:spcBef>
+                  <a:spcAft>
+                    <a:spcPts val="0"/>
+                  </a:spcAft>
+                  <a:buNone/>
+                </a:pPr>
+                <a:endParaRPr>
+                  <a:latin typeface="Inter"/>
+                  <a:ea typeface="Inter"/>
+                  <a:cs typeface="Inter"/>
+                  <a:sym typeface="Inter"/>
+                </a:endParaRPr>
+              </a:p>
+            </p:txBody>
+          </p:sp>
+          <p:sp>
+            <p:nvSpPr>
+              <p:cNvPr id="1195" name="Google Shape;1195;p27"/>
+              <p:cNvSpPr/>
+              <p:nvPr/>
+            </p:nvSpPr>
+            <p:spPr>
+              <a:xfrm>
+                <a:off x="1612875" y="1555875"/>
+                <a:ext cx="1041475" cy="1042275"/>
+              </a:xfrm>
+              <a:custGeom>
+                <a:avLst/>
+                <a:gdLst/>
+                <a:ahLst/>
+                <a:cxnLst/>
+                <a:rect l="l" t="t" r="r" b="b"/>
+                <a:pathLst>
+                  <a:path w="41659" h="41691" fill="none" extrusionOk="0">
+                    <a:moveTo>
+                      <a:pt x="1" y="41691"/>
+                    </a:moveTo>
+                    <a:lnTo>
+                      <a:pt x="41658" y="1"/>
+                    </a:lnTo>
+                  </a:path>
+                </a:pathLst>
+              </a:custGeom>
+              <a:noFill/>
+              <a:ln w="19050" cap="rnd" cmpd="sng">
+                <a:solidFill>
+                  <a:schemeClr val="lt2"/>
+                </a:solidFill>
+                <a:prstDash val="solid"/>
+                <a:miter lim="32519"/>
+                <a:headEnd type="none" w="sm" len="sm"/>
+                <a:tailEnd type="none" w="sm" len="sm"/>
+              </a:ln>
+            </p:spPr>
+            <p:txBody>
+              <a:bodyPr spcFirstLastPara="1" wrap="square" lIns="91425" tIns="91425" rIns="91425" bIns="91425" anchor="ctr" anchorCtr="0">
+                <a:noAutofit/>
+              </a:bodyPr>
+              <a:lstStyle/>
+              <a:p>
+                <a:pPr marL="0" lvl="0" indent="0" algn="l" rtl="0">
+                  <a:spcBef>
+                    <a:spcPts val="0"/>
+                  </a:spcBef>
+                  <a:spcAft>
+                    <a:spcPts val="0"/>
+                  </a:spcAft>
+                  <a:buNone/>
+                </a:pPr>
+                <a:endParaRPr>
+                  <a:latin typeface="Inter"/>
+                  <a:ea typeface="Inter"/>
+                  <a:cs typeface="Inter"/>
+                  <a:sym typeface="Inter"/>
+                </a:endParaRPr>
+              </a:p>
+            </p:txBody>
+          </p:sp>
+          <p:sp>
+            <p:nvSpPr>
+              <p:cNvPr id="1196" name="Google Shape;1196;p27"/>
+              <p:cNvSpPr/>
+              <p:nvPr/>
+            </p:nvSpPr>
+            <p:spPr>
+              <a:xfrm>
+                <a:off x="1669800" y="1613600"/>
+                <a:ext cx="1093475" cy="1092675"/>
+              </a:xfrm>
+              <a:custGeom>
+                <a:avLst/>
+                <a:gdLst/>
+                <a:ahLst/>
+                <a:cxnLst/>
+                <a:rect l="l" t="t" r="r" b="b"/>
+                <a:pathLst>
+                  <a:path w="43739" h="43707" fill="none" extrusionOk="0">
+                    <a:moveTo>
+                      <a:pt x="0" y="43707"/>
+                    </a:moveTo>
+                    <a:lnTo>
+                      <a:pt x="43739" y="1"/>
+                    </a:lnTo>
+                  </a:path>
+                </a:pathLst>
+              </a:custGeom>
+              <a:noFill/>
+              <a:ln w="19050" cap="rnd" cmpd="sng">
+                <a:solidFill>
+                  <a:schemeClr val="lt2"/>
+                </a:solidFill>
+                <a:prstDash val="solid"/>
+                <a:miter lim="32519"/>
+                <a:headEnd type="none" w="sm" len="sm"/>
+                <a:tailEnd type="none" w="sm" len="sm"/>
+              </a:ln>
+            </p:spPr>
+            <p:txBody>
+              <a:bodyPr spcFirstLastPara="1" wrap="square" lIns="91425" tIns="91425" rIns="91425" bIns="91425" anchor="ctr" anchorCtr="0">
+                <a:noAutofit/>
+              </a:bodyPr>
+              <a:lstStyle/>
+              <a:p>
+                <a:pPr marL="0" lvl="0" indent="0" algn="l" rtl="0">
+                  <a:spcBef>
+                    <a:spcPts val="0"/>
+                  </a:spcBef>
+                  <a:spcAft>
+                    <a:spcPts val="0"/>
+                  </a:spcAft>
+                  <a:buNone/>
+                </a:pPr>
+                <a:endParaRPr>
+                  <a:latin typeface="Inter"/>
+                  <a:ea typeface="Inter"/>
+                  <a:cs typeface="Inter"/>
+                  <a:sym typeface="Inter"/>
+                </a:endParaRPr>
+              </a:p>
+            </p:txBody>
+          </p:sp>
+          <p:sp>
+            <p:nvSpPr>
+              <p:cNvPr id="1197" name="Google Shape;1197;p27"/>
+              <p:cNvSpPr/>
+              <p:nvPr/>
+            </p:nvSpPr>
+            <p:spPr>
+              <a:xfrm>
+                <a:off x="1710100" y="1684329"/>
+                <a:ext cx="1148362" cy="1145328"/>
+              </a:xfrm>
+              <a:custGeom>
+                <a:avLst/>
+                <a:gdLst/>
+                <a:ahLst/>
+                <a:cxnLst/>
+                <a:rect l="l" t="t" r="r" b="b"/>
+                <a:pathLst>
+                  <a:path w="75837" h="75837" fill="none" extrusionOk="0">
+                    <a:moveTo>
+                      <a:pt x="1" y="75836"/>
+                    </a:moveTo>
+                    <a:lnTo>
+                      <a:pt x="75837" y="1"/>
+                    </a:lnTo>
+                  </a:path>
+                </a:pathLst>
+              </a:custGeom>
+              <a:noFill/>
+              <a:ln w="19050" cap="rnd" cmpd="sng">
+                <a:solidFill>
+                  <a:schemeClr val="lt2"/>
+                </a:solidFill>
+                <a:prstDash val="solid"/>
+                <a:miter lim="32519"/>
+                <a:headEnd type="none" w="sm" len="sm"/>
+                <a:tailEnd type="none" w="sm" len="sm"/>
+              </a:ln>
+            </p:spPr>
+            <p:txBody>
+              <a:bodyPr spcFirstLastPara="1" wrap="square" lIns="91425" tIns="91425" rIns="91425" bIns="91425" anchor="ctr" anchorCtr="0">
+                <a:noAutofit/>
+              </a:bodyPr>
+              <a:lstStyle/>
+              <a:p>
+                <a:pPr marL="0" lvl="0" indent="0" algn="l" rtl="0">
+                  <a:spcBef>
+                    <a:spcPts val="0"/>
+                  </a:spcBef>
+                  <a:spcAft>
+                    <a:spcPts val="0"/>
+                  </a:spcAft>
+                  <a:buNone/>
+                </a:pPr>
+                <a:endParaRPr>
+                  <a:latin typeface="Inter"/>
+                  <a:ea typeface="Inter"/>
+                  <a:cs typeface="Inter"/>
+                  <a:sym typeface="Inter"/>
+                </a:endParaRPr>
+              </a:p>
+            </p:txBody>
+          </p:sp>
+          <p:sp>
+            <p:nvSpPr>
+              <p:cNvPr id="1198" name="Google Shape;1198;p27"/>
+              <p:cNvSpPr/>
+              <p:nvPr/>
+            </p:nvSpPr>
+            <p:spPr>
+              <a:xfrm>
+                <a:off x="1828936" y="1767251"/>
+                <a:ext cx="1113203" cy="1126369"/>
+              </a:xfrm>
+              <a:custGeom>
+                <a:avLst/>
+                <a:gdLst/>
+                <a:ahLst/>
+                <a:cxnLst/>
+                <a:rect l="l" t="t" r="r" b="b"/>
+                <a:pathLst>
+                  <a:path w="75870" h="75837" fill="none" extrusionOk="0">
+                    <a:moveTo>
+                      <a:pt x="1" y="75836"/>
+                    </a:moveTo>
+                    <a:lnTo>
+                      <a:pt x="75869" y="1"/>
+                    </a:lnTo>
+                  </a:path>
+                </a:pathLst>
+              </a:custGeom>
+              <a:noFill/>
+              <a:ln w="19050" cap="rnd" cmpd="sng">
+                <a:solidFill>
+                  <a:schemeClr val="lt2"/>
+                </a:solidFill>
+                <a:prstDash val="solid"/>
+                <a:miter lim="32519"/>
+                <a:headEnd type="none" w="sm" len="sm"/>
+                <a:tailEnd type="none" w="sm" len="sm"/>
+              </a:ln>
+            </p:spPr>
+            <p:txBody>
+              <a:bodyPr spcFirstLastPara="1" wrap="square" lIns="91425" tIns="91425" rIns="91425" bIns="91425" anchor="ctr" anchorCtr="0">
+                <a:noAutofit/>
+              </a:bodyPr>
+              <a:lstStyle/>
+              <a:p>
+                <a:pPr marL="0" lvl="0" indent="0" algn="l" rtl="0">
+                  <a:spcBef>
+                    <a:spcPts val="0"/>
+                  </a:spcBef>
+                  <a:spcAft>
+                    <a:spcPts val="0"/>
+                  </a:spcAft>
+                  <a:buNone/>
+                </a:pPr>
+                <a:endParaRPr>
+                  <a:latin typeface="Inter"/>
+                  <a:ea typeface="Inter"/>
+                  <a:cs typeface="Inter"/>
+                  <a:sym typeface="Inter"/>
+                </a:endParaRPr>
+              </a:p>
+            </p:txBody>
+          </p:sp>
+          <p:sp>
+            <p:nvSpPr>
+              <p:cNvPr id="1199" name="Google Shape;1199;p27"/>
+              <p:cNvSpPr/>
+              <p:nvPr/>
+            </p:nvSpPr>
+            <p:spPr>
+              <a:xfrm>
+                <a:off x="1929499" y="1863204"/>
+                <a:ext cx="1082574" cy="1112692"/>
+              </a:xfrm>
+              <a:custGeom>
+                <a:avLst/>
+                <a:gdLst/>
+                <a:ahLst/>
+                <a:cxnLst/>
+                <a:rect l="l" t="t" r="r" b="b"/>
+                <a:pathLst>
+                  <a:path w="74828" h="74828" fill="none" extrusionOk="0">
+                    <a:moveTo>
+                      <a:pt x="0" y="74828"/>
+                    </a:moveTo>
+                    <a:lnTo>
+                      <a:pt x="74828" y="0"/>
+                    </a:lnTo>
+                  </a:path>
+                </a:pathLst>
+              </a:custGeom>
+              <a:noFill/>
+              <a:ln w="19050" cap="rnd" cmpd="sng">
+                <a:solidFill>
+                  <a:schemeClr val="lt2"/>
+                </a:solidFill>
+                <a:prstDash val="solid"/>
+                <a:miter lim="32519"/>
+                <a:headEnd type="none" w="sm" len="sm"/>
+                <a:tailEnd type="none" w="sm" len="sm"/>
+              </a:ln>
+            </p:spPr>
+            <p:txBody>
+              <a:bodyPr spcFirstLastPara="1" wrap="square" lIns="91425" tIns="91425" rIns="91425" bIns="91425" anchor="ctr" anchorCtr="0">
+                <a:noAutofit/>
+              </a:bodyPr>
+              <a:lstStyle/>
+              <a:p>
+                <a:pPr marL="0" lvl="0" indent="0" algn="l" rtl="0">
+                  <a:spcBef>
+                    <a:spcPts val="0"/>
+                  </a:spcBef>
+                  <a:spcAft>
+                    <a:spcPts val="0"/>
+                  </a:spcAft>
+                  <a:buNone/>
+                </a:pPr>
+                <a:endParaRPr>
+                  <a:latin typeface="Inter"/>
+                  <a:ea typeface="Inter"/>
+                  <a:cs typeface="Inter"/>
+                  <a:sym typeface="Inter"/>
+                </a:endParaRPr>
+              </a:p>
+            </p:txBody>
+          </p:sp>
+          <p:sp>
+            <p:nvSpPr>
+              <p:cNvPr id="1200" name="Google Shape;1200;p27"/>
+              <p:cNvSpPr/>
+              <p:nvPr/>
+            </p:nvSpPr>
+            <p:spPr>
+              <a:xfrm>
+                <a:off x="2027500" y="1971325"/>
+                <a:ext cx="1042275" cy="1042275"/>
+              </a:xfrm>
+              <a:custGeom>
+                <a:avLst/>
+                <a:gdLst/>
+                <a:ahLst/>
+                <a:cxnLst/>
+                <a:rect l="l" t="t" r="r" b="b"/>
+                <a:pathLst>
+                  <a:path w="41691" h="41691" fill="none" extrusionOk="0">
+                    <a:moveTo>
+                      <a:pt x="41691" y="0"/>
+                    </a:moveTo>
+                    <a:lnTo>
+                      <a:pt x="1" y="41690"/>
+                    </a:lnTo>
+                  </a:path>
+                </a:pathLst>
+              </a:custGeom>
+              <a:noFill/>
+              <a:ln w="19050" cap="rnd" cmpd="sng">
+                <a:solidFill>
+                  <a:schemeClr val="lt2"/>
+                </a:solidFill>
+                <a:prstDash val="solid"/>
+                <a:miter lim="32519"/>
+                <a:headEnd type="none" w="sm" len="sm"/>
+                <a:tailEnd type="none" w="sm" len="sm"/>
+              </a:ln>
+            </p:spPr>
+            <p:txBody>
+              <a:bodyPr spcFirstLastPara="1" wrap="square" lIns="91425" tIns="91425" rIns="91425" bIns="91425" anchor="ctr" anchorCtr="0">
+                <a:noAutofit/>
+              </a:bodyPr>
+              <a:lstStyle/>
+              <a:p>
+                <a:pPr marL="0" lvl="0" indent="0" algn="l" rtl="0">
+                  <a:spcBef>
+                    <a:spcPts val="0"/>
+                  </a:spcBef>
+                  <a:spcAft>
+                    <a:spcPts val="0"/>
+                  </a:spcAft>
+                  <a:buNone/>
+                </a:pPr>
+                <a:endParaRPr>
+                  <a:latin typeface="Inter"/>
+                  <a:ea typeface="Inter"/>
+                  <a:cs typeface="Inter"/>
+                  <a:sym typeface="Inter"/>
+                </a:endParaRPr>
+              </a:p>
+            </p:txBody>
+          </p:sp>
+          <p:sp>
+            <p:nvSpPr>
+              <p:cNvPr id="1201" name="Google Shape;1201;p27"/>
+              <p:cNvSpPr/>
+              <p:nvPr/>
+            </p:nvSpPr>
+            <p:spPr>
+              <a:xfrm>
+                <a:off x="2152700" y="2096525"/>
+                <a:ext cx="958550" cy="958525"/>
+              </a:xfrm>
+              <a:custGeom>
+                <a:avLst/>
+                <a:gdLst/>
+                <a:ahLst/>
+                <a:cxnLst/>
+                <a:rect l="l" t="t" r="r" b="b"/>
+                <a:pathLst>
+                  <a:path w="38342" h="38341" fill="none" extrusionOk="0">
+                    <a:moveTo>
+                      <a:pt x="38341" y="0"/>
+                    </a:moveTo>
+                    <a:lnTo>
+                      <a:pt x="1" y="38341"/>
+                    </a:lnTo>
+                  </a:path>
+                </a:pathLst>
+              </a:custGeom>
+              <a:noFill/>
+              <a:ln w="19050" cap="rnd" cmpd="sng">
+                <a:solidFill>
+                  <a:schemeClr val="lt2"/>
+                </a:solidFill>
+                <a:prstDash val="solid"/>
+                <a:miter lim="32519"/>
+                <a:headEnd type="none" w="sm" len="sm"/>
+                <a:tailEnd type="none" w="sm" len="sm"/>
+              </a:ln>
+            </p:spPr>
+            <p:txBody>
+              <a:bodyPr spcFirstLastPara="1" wrap="square" lIns="91425" tIns="91425" rIns="91425" bIns="91425" anchor="ctr" anchorCtr="0">
+                <a:noAutofit/>
+              </a:bodyPr>
+              <a:lstStyle/>
+              <a:p>
+                <a:pPr marL="0" lvl="0" indent="0" algn="l" rtl="0">
+                  <a:spcBef>
+                    <a:spcPts val="0"/>
+                  </a:spcBef>
+                  <a:spcAft>
+                    <a:spcPts val="0"/>
+                  </a:spcAft>
+                  <a:buNone/>
+                </a:pPr>
+                <a:endParaRPr>
+                  <a:latin typeface="Inter"/>
+                  <a:ea typeface="Inter"/>
+                  <a:cs typeface="Inter"/>
+                  <a:sym typeface="Inter"/>
+                </a:endParaRPr>
+              </a:p>
+            </p:txBody>
+          </p:sp>
+          <p:sp>
+            <p:nvSpPr>
+              <p:cNvPr id="1202" name="Google Shape;1202;p27"/>
+              <p:cNvSpPr/>
+              <p:nvPr/>
+            </p:nvSpPr>
+            <p:spPr>
+              <a:xfrm>
+                <a:off x="2298225" y="2241225"/>
+                <a:ext cx="834150" cy="834975"/>
+              </a:xfrm>
+              <a:custGeom>
+                <a:avLst/>
+                <a:gdLst/>
+                <a:ahLst/>
+                <a:cxnLst/>
+                <a:rect l="l" t="t" r="r" b="b"/>
+                <a:pathLst>
+                  <a:path w="33366" h="33399" fill="none" extrusionOk="0">
+                    <a:moveTo>
+                      <a:pt x="33366" y="1"/>
+                    </a:moveTo>
+                    <a:lnTo>
+                      <a:pt x="1" y="33398"/>
+                    </a:lnTo>
+                  </a:path>
+                </a:pathLst>
+              </a:custGeom>
+              <a:noFill/>
+              <a:ln w="19050" cap="rnd" cmpd="sng">
+                <a:solidFill>
+                  <a:schemeClr val="lt2"/>
+                </a:solidFill>
+                <a:prstDash val="solid"/>
+                <a:miter lim="32519"/>
+                <a:headEnd type="none" w="sm" len="sm"/>
+                <a:tailEnd type="none" w="sm" len="sm"/>
+              </a:ln>
+            </p:spPr>
+            <p:txBody>
+              <a:bodyPr spcFirstLastPara="1" wrap="square" lIns="91425" tIns="91425" rIns="91425" bIns="91425" anchor="ctr" anchorCtr="0">
+                <a:noAutofit/>
+              </a:bodyPr>
+              <a:lstStyle/>
+              <a:p>
+                <a:pPr marL="0" lvl="0" indent="0" algn="l" rtl="0">
+                  <a:spcBef>
+                    <a:spcPts val="0"/>
+                  </a:spcBef>
+                  <a:spcAft>
+                    <a:spcPts val="0"/>
+                  </a:spcAft>
+                  <a:buNone/>
+                </a:pPr>
+                <a:endParaRPr>
+                  <a:latin typeface="Inter"/>
+                  <a:ea typeface="Inter"/>
+                  <a:cs typeface="Inter"/>
+                  <a:sym typeface="Inter"/>
+                </a:endParaRPr>
+              </a:p>
+            </p:txBody>
+          </p:sp>
+          <p:sp>
+            <p:nvSpPr>
+              <p:cNvPr id="1203" name="Google Shape;1203;p27"/>
+              <p:cNvSpPr/>
+              <p:nvPr/>
+            </p:nvSpPr>
+            <p:spPr>
+              <a:xfrm>
+                <a:off x="2473825" y="2417650"/>
+                <a:ext cx="648800" cy="648800"/>
+              </a:xfrm>
+              <a:custGeom>
+                <a:avLst/>
+                <a:gdLst/>
+                <a:ahLst/>
+                <a:cxnLst/>
+                <a:rect l="l" t="t" r="r" b="b"/>
+                <a:pathLst>
+                  <a:path w="25952" h="25952" fill="none" extrusionOk="0">
+                    <a:moveTo>
+                      <a:pt x="25952" y="0"/>
+                    </a:moveTo>
+                    <a:lnTo>
+                      <a:pt x="1" y="25951"/>
+                    </a:lnTo>
+                  </a:path>
+                </a:pathLst>
+              </a:custGeom>
+              <a:noFill/>
+              <a:ln w="19050" cap="rnd" cmpd="sng">
+                <a:solidFill>
+                  <a:schemeClr val="lt2"/>
+                </a:solidFill>
+                <a:prstDash val="solid"/>
+                <a:miter lim="32519"/>
+                <a:headEnd type="none" w="sm" len="sm"/>
+                <a:tailEnd type="none" w="sm" len="sm"/>
+              </a:ln>
+            </p:spPr>
+            <p:txBody>
+              <a:bodyPr spcFirstLastPara="1" wrap="square" lIns="91425" tIns="91425" rIns="91425" bIns="91425" anchor="ctr" anchorCtr="0">
+                <a:noAutofit/>
+              </a:bodyPr>
+              <a:lstStyle/>
+              <a:p>
+                <a:pPr marL="0" lvl="0" indent="0" algn="l" rtl="0">
+                  <a:spcBef>
+                    <a:spcPts val="0"/>
+                  </a:spcBef>
+                  <a:spcAft>
+                    <a:spcPts val="0"/>
+                  </a:spcAft>
+                  <a:buNone/>
+                </a:pPr>
+                <a:endParaRPr>
+                  <a:latin typeface="Inter"/>
+                  <a:ea typeface="Inter"/>
+                  <a:cs typeface="Inter"/>
+                  <a:sym typeface="Inter"/>
+                </a:endParaRPr>
+              </a:p>
+            </p:txBody>
+          </p:sp>
+          <p:sp>
+            <p:nvSpPr>
+              <p:cNvPr id="1204" name="Google Shape;1204;p27"/>
+              <p:cNvSpPr/>
+              <p:nvPr/>
+            </p:nvSpPr>
+            <p:spPr>
+              <a:xfrm>
+                <a:off x="2730750" y="2674550"/>
+                <a:ext cx="300825" cy="300825"/>
+              </a:xfrm>
+              <a:custGeom>
+                <a:avLst/>
+                <a:gdLst/>
+                <a:ahLst/>
+                <a:cxnLst/>
+                <a:rect l="l" t="t" r="r" b="b"/>
+                <a:pathLst>
+                  <a:path w="12033" h="12033" fill="none" extrusionOk="0">
+                    <a:moveTo>
+                      <a:pt x="12032" y="1"/>
+                    </a:moveTo>
+                    <a:lnTo>
+                      <a:pt x="0" y="12033"/>
+                    </a:lnTo>
+                  </a:path>
+                </a:pathLst>
+              </a:custGeom>
+              <a:noFill/>
+              <a:ln w="19050" cap="rnd" cmpd="sng">
+                <a:solidFill>
+                  <a:schemeClr val="lt2"/>
+                </a:solidFill>
+                <a:prstDash val="solid"/>
+                <a:miter lim="32519"/>
+                <a:headEnd type="none" w="sm" len="sm"/>
+                <a:tailEnd type="none" w="sm" len="sm"/>
+              </a:ln>
+            </p:spPr>
+            <p:txBody>
+              <a:bodyPr spcFirstLastPara="1" wrap="square" lIns="91425" tIns="91425" rIns="91425" bIns="91425" anchor="ctr" anchorCtr="0">
+                <a:noAutofit/>
+              </a:bodyPr>
+              <a:lstStyle/>
+              <a:p>
+                <a:pPr marL="0" lvl="0" indent="0" algn="l" rtl="0">
+                  <a:spcBef>
+                    <a:spcPts val="0"/>
+                  </a:spcBef>
+                  <a:spcAft>
+                    <a:spcPts val="0"/>
+                  </a:spcAft>
+                  <a:buNone/>
+                </a:pPr>
+                <a:endParaRPr>
+                  <a:latin typeface="Inter"/>
+                  <a:ea typeface="Inter"/>
+                  <a:cs typeface="Inter"/>
+                  <a:sym typeface="Inter"/>
+                </a:endParaRPr>
+              </a:p>
+            </p:txBody>
+          </p:sp>
+        </p:grpSp>
+      </p:grpSp>
+      <p:grpSp>
+        <p:nvGrpSpPr>
+          <p:cNvPr id="1205" name="Google Shape;1205;p27"/>
+          <p:cNvGrpSpPr/>
+          <p:nvPr/>
+        </p:nvGrpSpPr>
+        <p:grpSpPr>
+          <a:xfrm>
+            <a:off x="-1360989" y="4405869"/>
+            <a:ext cx="2577160" cy="2638569"/>
+            <a:chOff x="-1115775" y="4467744"/>
+            <a:chExt cx="2577160" cy="2638569"/>
+          </a:xfrm>
+        </p:grpSpPr>
+        <p:sp>
+          <p:nvSpPr>
+            <p:cNvPr id="1206" name="Google Shape;1206;p27"/>
+            <p:cNvSpPr/>
+            <p:nvPr/>
+          </p:nvSpPr>
+          <p:spPr>
+            <a:xfrm>
+              <a:off x="-961762" y="4467744"/>
+              <a:ext cx="1751700" cy="1751700"/>
+            </a:xfrm>
+            <a:prstGeom prst="ellipse">
+              <a:avLst/>
+            </a:prstGeom>
+            <a:solidFill>
+              <a:schemeClr val="accent1"/>
+            </a:solidFill>
+            <a:ln>
+              <a:noFill/>
+            </a:ln>
+          </p:spPr>
+          <p:txBody>
+            <a:bodyPr spcFirstLastPara="1" wrap="square" lIns="91425" tIns="91425" rIns="91425" bIns="91425" anchor="ctr" anchorCtr="0">
+              <a:noAutofit/>
+            </a:bodyPr>
+            <a:lstStyle/>
+            <a:p>
+              <a:pPr marL="0" lvl="0" indent="0" algn="l" rtl="0">
+                <a:spcBef>
+                  <a:spcPts val="0"/>
+                </a:spcBef>
+                <a:spcAft>
+                  <a:spcPts val="0"/>
+                </a:spcAft>
+                <a:buNone/>
+              </a:pPr>
+              <a:endParaRPr>
+                <a:latin typeface="Inter"/>
+                <a:ea typeface="Inter"/>
+                <a:cs typeface="Inter"/>
+                <a:sym typeface="Inter"/>
+              </a:endParaRPr>
+            </a:p>
+          </p:txBody>
+        </p:sp>
+        <p:grpSp>
+          <p:nvGrpSpPr>
+            <p:cNvPr id="1207" name="Google Shape;1207;p27"/>
+            <p:cNvGrpSpPr/>
+            <p:nvPr/>
+          </p:nvGrpSpPr>
+          <p:grpSpPr>
+            <a:xfrm rot="5400000" flipH="1">
+              <a:off x="-1115103" y="4529824"/>
+              <a:ext cx="2575817" cy="2577160"/>
+              <a:chOff x="1550275" y="1493275"/>
+              <a:chExt cx="1582100" cy="1582925"/>
+            </a:xfrm>
+          </p:grpSpPr>
+          <p:sp>
+            <p:nvSpPr>
+              <p:cNvPr id="1208" name="Google Shape;1208;p27"/>
+              <p:cNvSpPr/>
+              <p:nvPr/>
+            </p:nvSpPr>
+            <p:spPr>
+              <a:xfrm>
+                <a:off x="1650275" y="1594100"/>
+                <a:ext cx="301650" cy="300825"/>
+              </a:xfrm>
+              <a:custGeom>
+                <a:avLst/>
+                <a:gdLst/>
+                <a:ahLst/>
+                <a:cxnLst/>
+                <a:rect l="l" t="t" r="r" b="b"/>
+                <a:pathLst>
+                  <a:path w="12066" h="12033" fill="none" extrusionOk="0">
+                    <a:moveTo>
+                      <a:pt x="1" y="12032"/>
+                    </a:moveTo>
+                    <a:lnTo>
+                      <a:pt x="12065" y="0"/>
+                    </a:lnTo>
+                  </a:path>
+                </a:pathLst>
+              </a:custGeom>
+              <a:noFill/>
+              <a:ln w="19050" cap="rnd" cmpd="sng">
+                <a:solidFill>
+                  <a:schemeClr val="lt2"/>
+                </a:solidFill>
+                <a:prstDash val="solid"/>
+                <a:miter lim="32519"/>
+                <a:headEnd type="none" w="sm" len="sm"/>
+                <a:tailEnd type="none" w="sm" len="sm"/>
+              </a:ln>
+            </p:spPr>
+            <p:txBody>
+              <a:bodyPr spcFirstLastPara="1" wrap="square" lIns="91425" tIns="91425" rIns="91425" bIns="91425" anchor="ctr" anchorCtr="0">
+                <a:noAutofit/>
+              </a:bodyPr>
+              <a:lstStyle/>
+              <a:p>
+                <a:pPr marL="0" lvl="0" indent="0" algn="l" rtl="0">
+                  <a:spcBef>
+                    <a:spcPts val="0"/>
+                  </a:spcBef>
+                  <a:spcAft>
+                    <a:spcPts val="0"/>
+                  </a:spcAft>
+                  <a:buNone/>
+                </a:pPr>
+                <a:endParaRPr>
+                  <a:latin typeface="Inter"/>
+                  <a:ea typeface="Inter"/>
+                  <a:cs typeface="Inter"/>
+                  <a:sym typeface="Inter"/>
+                </a:endParaRPr>
+              </a:p>
+            </p:txBody>
+          </p:sp>
+          <p:sp>
+            <p:nvSpPr>
+              <p:cNvPr id="1209" name="Google Shape;1209;p27"/>
+              <p:cNvSpPr/>
+              <p:nvPr/>
+            </p:nvSpPr>
+            <p:spPr>
+              <a:xfrm>
+                <a:off x="1560025" y="1503850"/>
+                <a:ext cx="648800" cy="647975"/>
+              </a:xfrm>
+              <a:custGeom>
+                <a:avLst/>
+                <a:gdLst/>
+                <a:ahLst/>
+                <a:cxnLst/>
+                <a:rect l="l" t="t" r="r" b="b"/>
+                <a:pathLst>
+                  <a:path w="25952" h="25919" fill="none" extrusionOk="0">
+                    <a:moveTo>
+                      <a:pt x="1" y="25919"/>
+                    </a:moveTo>
+                    <a:lnTo>
+                      <a:pt x="25952" y="0"/>
+                    </a:lnTo>
+                  </a:path>
+                </a:pathLst>
+              </a:custGeom>
+              <a:noFill/>
+              <a:ln w="19050" cap="rnd" cmpd="sng">
+                <a:solidFill>
+                  <a:schemeClr val="lt2"/>
+                </a:solidFill>
+                <a:prstDash val="solid"/>
+                <a:miter lim="32519"/>
+                <a:headEnd type="none" w="sm" len="sm"/>
+                <a:tailEnd type="none" w="sm" len="sm"/>
+              </a:ln>
+            </p:spPr>
+            <p:txBody>
+              <a:bodyPr spcFirstLastPara="1" wrap="square" lIns="91425" tIns="91425" rIns="91425" bIns="91425" anchor="ctr" anchorCtr="0">
+                <a:noAutofit/>
+              </a:bodyPr>
+              <a:lstStyle/>
+              <a:p>
+                <a:pPr marL="0" lvl="0" indent="0" algn="l" rtl="0">
+                  <a:spcBef>
+                    <a:spcPts val="0"/>
+                  </a:spcBef>
+                  <a:spcAft>
+                    <a:spcPts val="0"/>
+                  </a:spcAft>
+                  <a:buNone/>
+                </a:pPr>
+                <a:endParaRPr>
+                  <a:latin typeface="Inter"/>
+                  <a:ea typeface="Inter"/>
+                  <a:cs typeface="Inter"/>
+                  <a:sym typeface="Inter"/>
+                </a:endParaRPr>
+              </a:p>
+            </p:txBody>
+          </p:sp>
+          <p:sp>
+            <p:nvSpPr>
+              <p:cNvPr id="1210" name="Google Shape;1210;p27"/>
+              <p:cNvSpPr/>
+              <p:nvPr/>
+            </p:nvSpPr>
+            <p:spPr>
+              <a:xfrm>
+                <a:off x="1550275" y="1493275"/>
+                <a:ext cx="834150" cy="834975"/>
+              </a:xfrm>
+              <a:custGeom>
+                <a:avLst/>
+                <a:gdLst/>
+                <a:ahLst/>
+                <a:cxnLst/>
+                <a:rect l="l" t="t" r="r" b="b"/>
+                <a:pathLst>
+                  <a:path w="33366" h="33399" fill="none" extrusionOk="0">
+                    <a:moveTo>
+                      <a:pt x="1" y="33398"/>
+                    </a:moveTo>
+                    <a:lnTo>
+                      <a:pt x="33366" y="1"/>
+                    </a:lnTo>
+                  </a:path>
+                </a:pathLst>
+              </a:custGeom>
+              <a:noFill/>
+              <a:ln w="19050" cap="rnd" cmpd="sng">
+                <a:solidFill>
+                  <a:schemeClr val="lt2"/>
+                </a:solidFill>
+                <a:prstDash val="solid"/>
+                <a:miter lim="32519"/>
+                <a:headEnd type="none" w="sm" len="sm"/>
+                <a:tailEnd type="none" w="sm" len="sm"/>
+              </a:ln>
+            </p:spPr>
+            <p:txBody>
+              <a:bodyPr spcFirstLastPara="1" wrap="square" lIns="91425" tIns="91425" rIns="91425" bIns="91425" anchor="ctr" anchorCtr="0">
+                <a:noAutofit/>
+              </a:bodyPr>
+              <a:lstStyle/>
+              <a:p>
+                <a:pPr marL="0" lvl="0" indent="0" algn="l" rtl="0">
+                  <a:spcBef>
+                    <a:spcPts val="0"/>
+                  </a:spcBef>
+                  <a:spcAft>
+                    <a:spcPts val="0"/>
+                  </a:spcAft>
+                  <a:buNone/>
+                </a:pPr>
+                <a:endParaRPr>
+                  <a:latin typeface="Inter"/>
+                  <a:ea typeface="Inter"/>
+                  <a:cs typeface="Inter"/>
+                  <a:sym typeface="Inter"/>
+                </a:endParaRPr>
+              </a:p>
+            </p:txBody>
+          </p:sp>
+          <p:sp>
+            <p:nvSpPr>
+              <p:cNvPr id="1211" name="Google Shape;1211;p27"/>
+              <p:cNvSpPr/>
+              <p:nvPr/>
+            </p:nvSpPr>
+            <p:spPr>
+              <a:xfrm>
+                <a:off x="1571425" y="1514425"/>
+                <a:ext cx="957725" cy="958525"/>
+              </a:xfrm>
+              <a:custGeom>
+                <a:avLst/>
+                <a:gdLst/>
+                <a:ahLst/>
+                <a:cxnLst/>
+                <a:rect l="l" t="t" r="r" b="b"/>
+                <a:pathLst>
+                  <a:path w="38309" h="38341" fill="none" extrusionOk="0">
+                    <a:moveTo>
+                      <a:pt x="0" y="38341"/>
+                    </a:moveTo>
+                    <a:lnTo>
+                      <a:pt x="38308" y="0"/>
+                    </a:lnTo>
+                  </a:path>
+                </a:pathLst>
+              </a:custGeom>
+              <a:noFill/>
+              <a:ln w="19050" cap="rnd" cmpd="sng">
+                <a:solidFill>
+                  <a:schemeClr val="lt2"/>
+                </a:solidFill>
+                <a:prstDash val="solid"/>
+                <a:miter lim="32519"/>
+                <a:headEnd type="none" w="sm" len="sm"/>
+                <a:tailEnd type="none" w="sm" len="sm"/>
+              </a:ln>
+            </p:spPr>
+            <p:txBody>
+              <a:bodyPr spcFirstLastPara="1" wrap="square" lIns="91425" tIns="91425" rIns="91425" bIns="91425" anchor="ctr" anchorCtr="0">
+                <a:noAutofit/>
+              </a:bodyPr>
+              <a:lstStyle/>
+              <a:p>
+                <a:pPr marL="0" lvl="0" indent="0" algn="l" rtl="0">
+                  <a:spcBef>
+                    <a:spcPts val="0"/>
+                  </a:spcBef>
+                  <a:spcAft>
+                    <a:spcPts val="0"/>
+                  </a:spcAft>
+                  <a:buNone/>
+                </a:pPr>
+                <a:endParaRPr>
+                  <a:latin typeface="Inter"/>
+                  <a:ea typeface="Inter"/>
+                  <a:cs typeface="Inter"/>
+                  <a:sym typeface="Inter"/>
+                </a:endParaRPr>
+              </a:p>
+            </p:txBody>
+          </p:sp>
+          <p:sp>
+            <p:nvSpPr>
+              <p:cNvPr id="1212" name="Google Shape;1212;p27"/>
+              <p:cNvSpPr/>
+              <p:nvPr/>
+            </p:nvSpPr>
+            <p:spPr>
+              <a:xfrm>
+                <a:off x="1612875" y="1555875"/>
+                <a:ext cx="1041475" cy="1042275"/>
+              </a:xfrm>
+              <a:custGeom>
+                <a:avLst/>
+                <a:gdLst/>
+                <a:ahLst/>
+                <a:cxnLst/>
+                <a:rect l="l" t="t" r="r" b="b"/>
+                <a:pathLst>
+                  <a:path w="41659" h="41691" fill="none" extrusionOk="0">
+                    <a:moveTo>
+                      <a:pt x="1" y="41691"/>
+                    </a:moveTo>
+                    <a:lnTo>
+                      <a:pt x="41658" y="1"/>
+                    </a:lnTo>
+                  </a:path>
+                </a:pathLst>
+              </a:custGeom>
+              <a:noFill/>
+              <a:ln w="19050" cap="rnd" cmpd="sng">
+                <a:solidFill>
+                  <a:schemeClr val="lt2"/>
+                </a:solidFill>
+                <a:prstDash val="solid"/>
+                <a:miter lim="32519"/>
+                <a:headEnd type="none" w="sm" len="sm"/>
+                <a:tailEnd type="none" w="sm" len="sm"/>
+              </a:ln>
+            </p:spPr>
+            <p:txBody>
+              <a:bodyPr spcFirstLastPara="1" wrap="square" lIns="91425" tIns="91425" rIns="91425" bIns="91425" anchor="ctr" anchorCtr="0">
+                <a:noAutofit/>
+              </a:bodyPr>
+              <a:lstStyle/>
+              <a:p>
+                <a:pPr marL="0" lvl="0" indent="0" algn="l" rtl="0">
+                  <a:spcBef>
+                    <a:spcPts val="0"/>
+                  </a:spcBef>
+                  <a:spcAft>
+                    <a:spcPts val="0"/>
+                  </a:spcAft>
+                  <a:buNone/>
+                </a:pPr>
+                <a:endParaRPr>
+                  <a:latin typeface="Inter"/>
+                  <a:ea typeface="Inter"/>
+                  <a:cs typeface="Inter"/>
+                  <a:sym typeface="Inter"/>
+                </a:endParaRPr>
+              </a:p>
+            </p:txBody>
+          </p:sp>
+          <p:sp>
+            <p:nvSpPr>
+              <p:cNvPr id="1213" name="Google Shape;1213;p27"/>
+              <p:cNvSpPr/>
+              <p:nvPr/>
+            </p:nvSpPr>
+            <p:spPr>
+              <a:xfrm>
+                <a:off x="1669800" y="1613600"/>
+                <a:ext cx="1093475" cy="1092675"/>
+              </a:xfrm>
+              <a:custGeom>
+                <a:avLst/>
+                <a:gdLst/>
+                <a:ahLst/>
+                <a:cxnLst/>
+                <a:rect l="l" t="t" r="r" b="b"/>
+                <a:pathLst>
+                  <a:path w="43739" h="43707" fill="none" extrusionOk="0">
+                    <a:moveTo>
+                      <a:pt x="0" y="43707"/>
+                    </a:moveTo>
+                    <a:lnTo>
+                      <a:pt x="43739" y="1"/>
+                    </a:lnTo>
+                  </a:path>
+                </a:pathLst>
+              </a:custGeom>
+              <a:noFill/>
+              <a:ln w="19050" cap="rnd" cmpd="sng">
+                <a:solidFill>
+                  <a:schemeClr val="lt2"/>
+                </a:solidFill>
+                <a:prstDash val="solid"/>
+                <a:miter lim="32519"/>
+                <a:headEnd type="none" w="sm" len="sm"/>
+                <a:tailEnd type="none" w="sm" len="sm"/>
+              </a:ln>
+            </p:spPr>
+            <p:txBody>
+              <a:bodyPr spcFirstLastPara="1" wrap="square" lIns="91425" tIns="91425" rIns="91425" bIns="91425" anchor="ctr" anchorCtr="0">
+                <a:noAutofit/>
+              </a:bodyPr>
+              <a:lstStyle/>
+              <a:p>
+                <a:pPr marL="0" lvl="0" indent="0" algn="l" rtl="0">
+                  <a:spcBef>
+                    <a:spcPts val="0"/>
+                  </a:spcBef>
+                  <a:spcAft>
+                    <a:spcPts val="0"/>
+                  </a:spcAft>
+                  <a:buNone/>
+                </a:pPr>
+                <a:endParaRPr>
+                  <a:latin typeface="Inter"/>
+                  <a:ea typeface="Inter"/>
+                  <a:cs typeface="Inter"/>
+                  <a:sym typeface="Inter"/>
+                </a:endParaRPr>
+              </a:p>
+            </p:txBody>
+          </p:sp>
+          <p:sp>
+            <p:nvSpPr>
+              <p:cNvPr id="1214" name="Google Shape;1214;p27"/>
+              <p:cNvSpPr/>
+              <p:nvPr/>
+            </p:nvSpPr>
+            <p:spPr>
+              <a:xfrm>
+                <a:off x="1710100" y="1684329"/>
+                <a:ext cx="1148362" cy="1145328"/>
+              </a:xfrm>
+              <a:custGeom>
+                <a:avLst/>
+                <a:gdLst/>
+                <a:ahLst/>
+                <a:cxnLst/>
+                <a:rect l="l" t="t" r="r" b="b"/>
+                <a:pathLst>
+                  <a:path w="75837" h="75837" fill="none" extrusionOk="0">
+                    <a:moveTo>
+                      <a:pt x="1" y="75836"/>
+                    </a:moveTo>
+                    <a:lnTo>
+                      <a:pt x="75837" y="1"/>
+                    </a:lnTo>
+                  </a:path>
+                </a:pathLst>
+              </a:custGeom>
+              <a:noFill/>
+              <a:ln w="19050" cap="rnd" cmpd="sng">
+                <a:solidFill>
+                  <a:schemeClr val="lt2"/>
+                </a:solidFill>
+                <a:prstDash val="solid"/>
+                <a:miter lim="32519"/>
+                <a:headEnd type="none" w="sm" len="sm"/>
+                <a:tailEnd type="none" w="sm" len="sm"/>
+              </a:ln>
+            </p:spPr>
+            <p:txBody>
+              <a:bodyPr spcFirstLastPara="1" wrap="square" lIns="91425" tIns="91425" rIns="91425" bIns="91425" anchor="ctr" anchorCtr="0">
+                <a:noAutofit/>
+              </a:bodyPr>
+              <a:lstStyle/>
+              <a:p>
+                <a:pPr marL="0" lvl="0" indent="0" algn="l" rtl="0">
+                  <a:spcBef>
+                    <a:spcPts val="0"/>
+                  </a:spcBef>
+                  <a:spcAft>
+                    <a:spcPts val="0"/>
+                  </a:spcAft>
+                  <a:buNone/>
+                </a:pPr>
+                <a:endParaRPr>
+                  <a:latin typeface="Inter"/>
+                  <a:ea typeface="Inter"/>
+                  <a:cs typeface="Inter"/>
+                  <a:sym typeface="Inter"/>
+                </a:endParaRPr>
+              </a:p>
+            </p:txBody>
+          </p:sp>
+          <p:sp>
+            <p:nvSpPr>
+              <p:cNvPr id="1215" name="Google Shape;1215;p27"/>
+              <p:cNvSpPr/>
+              <p:nvPr/>
+            </p:nvSpPr>
+            <p:spPr>
+              <a:xfrm>
+                <a:off x="1828936" y="1767251"/>
+                <a:ext cx="1113203" cy="1126369"/>
+              </a:xfrm>
+              <a:custGeom>
+                <a:avLst/>
+                <a:gdLst/>
+                <a:ahLst/>
+                <a:cxnLst/>
+                <a:rect l="l" t="t" r="r" b="b"/>
+                <a:pathLst>
+                  <a:path w="75870" h="75837" fill="none" extrusionOk="0">
+                    <a:moveTo>
+                      <a:pt x="1" y="75836"/>
+                    </a:moveTo>
+                    <a:lnTo>
+                      <a:pt x="75869" y="1"/>
+                    </a:lnTo>
+                  </a:path>
+                </a:pathLst>
+              </a:custGeom>
+              <a:noFill/>
+              <a:ln w="19050" cap="rnd" cmpd="sng">
+                <a:solidFill>
+                  <a:schemeClr val="lt2"/>
+                </a:solidFill>
+                <a:prstDash val="solid"/>
+                <a:miter lim="32519"/>
+                <a:headEnd type="none" w="sm" len="sm"/>
+                <a:tailEnd type="none" w="sm" len="sm"/>
+              </a:ln>
+            </p:spPr>
+            <p:txBody>
+              <a:bodyPr spcFirstLastPara="1" wrap="square" lIns="91425" tIns="91425" rIns="91425" bIns="91425" anchor="ctr" anchorCtr="0">
+                <a:noAutofit/>
+              </a:bodyPr>
+              <a:lstStyle/>
+              <a:p>
+                <a:pPr marL="0" lvl="0" indent="0" algn="l" rtl="0">
+                  <a:spcBef>
+                    <a:spcPts val="0"/>
+                  </a:spcBef>
+                  <a:spcAft>
+                    <a:spcPts val="0"/>
+                  </a:spcAft>
+                  <a:buNone/>
+                </a:pPr>
+                <a:endParaRPr>
+                  <a:latin typeface="Inter"/>
+                  <a:ea typeface="Inter"/>
+                  <a:cs typeface="Inter"/>
+                  <a:sym typeface="Inter"/>
+                </a:endParaRPr>
+              </a:p>
+            </p:txBody>
+          </p:sp>
+          <p:sp>
+            <p:nvSpPr>
+              <p:cNvPr id="1216" name="Google Shape;1216;p27"/>
+              <p:cNvSpPr/>
+              <p:nvPr/>
+            </p:nvSpPr>
+            <p:spPr>
+              <a:xfrm>
+                <a:off x="1929499" y="1863204"/>
+                <a:ext cx="1082574" cy="1112692"/>
+              </a:xfrm>
+              <a:custGeom>
+                <a:avLst/>
+                <a:gdLst/>
+                <a:ahLst/>
+                <a:cxnLst/>
+                <a:rect l="l" t="t" r="r" b="b"/>
+                <a:pathLst>
+                  <a:path w="74828" h="74828" fill="none" extrusionOk="0">
+                    <a:moveTo>
+                      <a:pt x="0" y="74828"/>
+                    </a:moveTo>
+                    <a:lnTo>
+                      <a:pt x="74828" y="0"/>
+                    </a:lnTo>
+                  </a:path>
+                </a:pathLst>
+              </a:custGeom>
+              <a:noFill/>
+              <a:ln w="19050" cap="rnd" cmpd="sng">
+                <a:solidFill>
+                  <a:schemeClr val="lt2"/>
+                </a:solidFill>
+                <a:prstDash val="solid"/>
+                <a:miter lim="32519"/>
+                <a:headEnd type="none" w="sm" len="sm"/>
+                <a:tailEnd type="none" w="sm" len="sm"/>
+              </a:ln>
+            </p:spPr>
+            <p:txBody>
+              <a:bodyPr spcFirstLastPara="1" wrap="square" lIns="91425" tIns="91425" rIns="91425" bIns="91425" anchor="ctr" anchorCtr="0">
+                <a:noAutofit/>
+              </a:bodyPr>
+              <a:lstStyle/>
+              <a:p>
+                <a:pPr marL="0" lvl="0" indent="0" algn="l" rtl="0">
+                  <a:spcBef>
+                    <a:spcPts val="0"/>
+                  </a:spcBef>
+                  <a:spcAft>
+                    <a:spcPts val="0"/>
+                  </a:spcAft>
+                  <a:buNone/>
+                </a:pPr>
+                <a:endParaRPr>
+                  <a:latin typeface="Inter"/>
+                  <a:ea typeface="Inter"/>
+                  <a:cs typeface="Inter"/>
+                  <a:sym typeface="Inter"/>
+                </a:endParaRPr>
+              </a:p>
+            </p:txBody>
+          </p:sp>
+          <p:sp>
+            <p:nvSpPr>
+              <p:cNvPr id="1217" name="Google Shape;1217;p27"/>
+              <p:cNvSpPr/>
+              <p:nvPr/>
+            </p:nvSpPr>
+            <p:spPr>
+              <a:xfrm>
+                <a:off x="2027500" y="1971325"/>
+                <a:ext cx="1042275" cy="1042275"/>
+              </a:xfrm>
+              <a:custGeom>
+                <a:avLst/>
+                <a:gdLst/>
+                <a:ahLst/>
+                <a:cxnLst/>
+                <a:rect l="l" t="t" r="r" b="b"/>
+                <a:pathLst>
+                  <a:path w="41691" h="41691" fill="none" extrusionOk="0">
+                    <a:moveTo>
+                      <a:pt x="41691" y="0"/>
+                    </a:moveTo>
+                    <a:lnTo>
+                      <a:pt x="1" y="41690"/>
+                    </a:lnTo>
+                  </a:path>
+                </a:pathLst>
+              </a:custGeom>
+              <a:noFill/>
+              <a:ln w="19050" cap="rnd" cmpd="sng">
+                <a:solidFill>
+                  <a:schemeClr val="lt2"/>
+                </a:solidFill>
+                <a:prstDash val="solid"/>
+                <a:miter lim="32519"/>
+                <a:headEnd type="none" w="sm" len="sm"/>
+                <a:tailEnd type="none" w="sm" len="sm"/>
+              </a:ln>
+            </p:spPr>
+            <p:txBody>
+              <a:bodyPr spcFirstLastPara="1" wrap="square" lIns="91425" tIns="91425" rIns="91425" bIns="91425" anchor="ctr" anchorCtr="0">
+                <a:noAutofit/>
+              </a:bodyPr>
+              <a:lstStyle/>
+              <a:p>
+                <a:pPr marL="0" lvl="0" indent="0" algn="l" rtl="0">
+                  <a:spcBef>
+                    <a:spcPts val="0"/>
+                  </a:spcBef>
+                  <a:spcAft>
+                    <a:spcPts val="0"/>
+                  </a:spcAft>
+                  <a:buNone/>
+                </a:pPr>
+                <a:endParaRPr>
+                  <a:latin typeface="Inter"/>
+                  <a:ea typeface="Inter"/>
+                  <a:cs typeface="Inter"/>
+                  <a:sym typeface="Inter"/>
+                </a:endParaRPr>
+              </a:p>
+            </p:txBody>
+          </p:sp>
+          <p:sp>
+            <p:nvSpPr>
+              <p:cNvPr id="1218" name="Google Shape;1218;p27"/>
+              <p:cNvSpPr/>
+              <p:nvPr/>
+            </p:nvSpPr>
+            <p:spPr>
+              <a:xfrm>
+                <a:off x="2152700" y="2096525"/>
+                <a:ext cx="958550" cy="958525"/>
+              </a:xfrm>
+              <a:custGeom>
+                <a:avLst/>
+                <a:gdLst/>
+                <a:ahLst/>
+                <a:cxnLst/>
+                <a:rect l="l" t="t" r="r" b="b"/>
+                <a:pathLst>
+                  <a:path w="38342" h="38341" fill="none" extrusionOk="0">
+                    <a:moveTo>
+                      <a:pt x="38341" y="0"/>
+                    </a:moveTo>
+                    <a:lnTo>
+                      <a:pt x="1" y="38341"/>
+                    </a:lnTo>
+                  </a:path>
+                </a:pathLst>
+              </a:custGeom>
+              <a:noFill/>
+              <a:ln w="19050" cap="rnd" cmpd="sng">
+                <a:solidFill>
+                  <a:schemeClr val="lt2"/>
+                </a:solidFill>
+                <a:prstDash val="solid"/>
+                <a:miter lim="32519"/>
+                <a:headEnd type="none" w="sm" len="sm"/>
+                <a:tailEnd type="none" w="sm" len="sm"/>
+              </a:ln>
+            </p:spPr>
+            <p:txBody>
+              <a:bodyPr spcFirstLastPara="1" wrap="square" lIns="91425" tIns="91425" rIns="91425" bIns="91425" anchor="ctr" anchorCtr="0">
+                <a:noAutofit/>
+              </a:bodyPr>
+              <a:lstStyle/>
+              <a:p>
+                <a:pPr marL="0" lvl="0" indent="0" algn="l" rtl="0">
+                  <a:spcBef>
+                    <a:spcPts val="0"/>
+                  </a:spcBef>
+                  <a:spcAft>
+                    <a:spcPts val="0"/>
+                  </a:spcAft>
+                  <a:buNone/>
+                </a:pPr>
+                <a:endParaRPr>
+                  <a:latin typeface="Inter"/>
+                  <a:ea typeface="Inter"/>
+                  <a:cs typeface="Inter"/>
+                  <a:sym typeface="Inter"/>
+                </a:endParaRPr>
+              </a:p>
+            </p:txBody>
+          </p:sp>
+          <p:sp>
+            <p:nvSpPr>
+              <p:cNvPr id="1219" name="Google Shape;1219;p27"/>
+              <p:cNvSpPr/>
+              <p:nvPr/>
+            </p:nvSpPr>
+            <p:spPr>
+              <a:xfrm>
+                <a:off x="2298225" y="2241225"/>
+                <a:ext cx="834150" cy="834975"/>
+              </a:xfrm>
+              <a:custGeom>
+                <a:avLst/>
+                <a:gdLst/>
+                <a:ahLst/>
+                <a:cxnLst/>
+                <a:rect l="l" t="t" r="r" b="b"/>
+                <a:pathLst>
+                  <a:path w="33366" h="33399" fill="none" extrusionOk="0">
+                    <a:moveTo>
+                      <a:pt x="33366" y="1"/>
+                    </a:moveTo>
+                    <a:lnTo>
+                      <a:pt x="1" y="33398"/>
+                    </a:lnTo>
+                  </a:path>
+                </a:pathLst>
+              </a:custGeom>
+              <a:noFill/>
+              <a:ln w="19050" cap="rnd" cmpd="sng">
+                <a:solidFill>
+                  <a:schemeClr val="lt2"/>
+                </a:solidFill>
+                <a:prstDash val="solid"/>
+                <a:miter lim="32519"/>
+                <a:headEnd type="none" w="sm" len="sm"/>
+                <a:tailEnd type="none" w="sm" len="sm"/>
+              </a:ln>
+            </p:spPr>
+            <p:txBody>
+              <a:bodyPr spcFirstLastPara="1" wrap="square" lIns="91425" tIns="91425" rIns="91425" bIns="91425" anchor="ctr" anchorCtr="0">
+                <a:noAutofit/>
+              </a:bodyPr>
+              <a:lstStyle/>
+              <a:p>
+                <a:pPr marL="0" lvl="0" indent="0" algn="l" rtl="0">
+                  <a:spcBef>
+                    <a:spcPts val="0"/>
+                  </a:spcBef>
+                  <a:spcAft>
+                    <a:spcPts val="0"/>
+                  </a:spcAft>
+                  <a:buNone/>
+                </a:pPr>
+                <a:endParaRPr>
+                  <a:latin typeface="Inter"/>
+                  <a:ea typeface="Inter"/>
+                  <a:cs typeface="Inter"/>
+                  <a:sym typeface="Inter"/>
+                </a:endParaRPr>
+              </a:p>
+            </p:txBody>
+          </p:sp>
+          <p:sp>
+            <p:nvSpPr>
+              <p:cNvPr id="1220" name="Google Shape;1220;p27"/>
+              <p:cNvSpPr/>
+              <p:nvPr/>
+            </p:nvSpPr>
+            <p:spPr>
+              <a:xfrm>
+                <a:off x="2473825" y="2417650"/>
+                <a:ext cx="648800" cy="648800"/>
+              </a:xfrm>
+              <a:custGeom>
+                <a:avLst/>
+                <a:gdLst/>
+                <a:ahLst/>
+                <a:cxnLst/>
+                <a:rect l="l" t="t" r="r" b="b"/>
+                <a:pathLst>
+                  <a:path w="25952" h="25952" fill="none" extrusionOk="0">
+                    <a:moveTo>
+                      <a:pt x="25952" y="0"/>
+                    </a:moveTo>
+                    <a:lnTo>
+                      <a:pt x="1" y="25951"/>
+                    </a:lnTo>
+                  </a:path>
+                </a:pathLst>
+              </a:custGeom>
+              <a:noFill/>
+              <a:ln w="19050" cap="rnd" cmpd="sng">
+                <a:solidFill>
+                  <a:schemeClr val="lt2"/>
+                </a:solidFill>
+                <a:prstDash val="solid"/>
+                <a:miter lim="32519"/>
+                <a:headEnd type="none" w="sm" len="sm"/>
+                <a:tailEnd type="none" w="sm" len="sm"/>
+              </a:ln>
+            </p:spPr>
+            <p:txBody>
+              <a:bodyPr spcFirstLastPara="1" wrap="square" lIns="91425" tIns="91425" rIns="91425" bIns="91425" anchor="ctr" anchorCtr="0">
+                <a:noAutofit/>
+              </a:bodyPr>
+              <a:lstStyle/>
+              <a:p>
+                <a:pPr marL="0" lvl="0" indent="0" algn="l" rtl="0">
+                  <a:spcBef>
+                    <a:spcPts val="0"/>
+                  </a:spcBef>
+                  <a:spcAft>
+                    <a:spcPts val="0"/>
+                  </a:spcAft>
+                  <a:buNone/>
+                </a:pPr>
+                <a:endParaRPr>
+                  <a:latin typeface="Inter"/>
+                  <a:ea typeface="Inter"/>
+                  <a:cs typeface="Inter"/>
+                  <a:sym typeface="Inter"/>
+                </a:endParaRPr>
+              </a:p>
+            </p:txBody>
+          </p:sp>
+          <p:sp>
+            <p:nvSpPr>
+              <p:cNvPr id="1221" name="Google Shape;1221;p27"/>
+              <p:cNvSpPr/>
+              <p:nvPr/>
+            </p:nvSpPr>
+            <p:spPr>
+              <a:xfrm>
+                <a:off x="2730750" y="2674550"/>
+                <a:ext cx="300825" cy="300825"/>
+              </a:xfrm>
+              <a:custGeom>
+                <a:avLst/>
+                <a:gdLst/>
+                <a:ahLst/>
+                <a:cxnLst/>
+                <a:rect l="l" t="t" r="r" b="b"/>
+                <a:pathLst>
+                  <a:path w="12033" h="12033" fill="none" extrusionOk="0">
+                    <a:moveTo>
+                      <a:pt x="12032" y="1"/>
+                    </a:moveTo>
+                    <a:lnTo>
+                      <a:pt x="0" y="12033"/>
+                    </a:lnTo>
+                  </a:path>
+                </a:pathLst>
+              </a:custGeom>
+              <a:noFill/>
+              <a:ln w="19050" cap="rnd" cmpd="sng">
+                <a:solidFill>
+                  <a:schemeClr val="lt2"/>
+                </a:solidFill>
+                <a:prstDash val="solid"/>
+                <a:miter lim="32519"/>
+                <a:headEnd type="none" w="sm" len="sm"/>
+                <a:tailEnd type="none" w="sm" len="sm"/>
+              </a:ln>
+            </p:spPr>
+            <p:txBody>
+              <a:bodyPr spcFirstLastPara="1" wrap="square" lIns="91425" tIns="91425" rIns="91425" bIns="91425" anchor="ctr" anchorCtr="0">
+                <a:noAutofit/>
+              </a:bodyPr>
+              <a:lstStyle/>
+              <a:p>
+                <a:pPr marL="0" lvl="0" indent="0" algn="l" rtl="0">
+                  <a:spcBef>
+                    <a:spcPts val="0"/>
+                  </a:spcBef>
+                  <a:spcAft>
+                    <a:spcPts val="0"/>
+                  </a:spcAft>
+                  <a:buNone/>
+                </a:pPr>
+                <a:endParaRPr>
+                  <a:latin typeface="Inter"/>
+                  <a:ea typeface="Inter"/>
+                  <a:cs typeface="Inter"/>
+                  <a:sym typeface="Inter"/>
+                </a:endParaRPr>
+              </a:p>
+            </p:txBody>
+          </p:sp>
+        </p:grpSp>
+      </p:grpSp>
+    </p:spTree>
+    <p:extLst>
+      <p:ext uri="{BB962C8B-B14F-4D97-AF65-F5344CB8AC3E}">
+        <p14:creationId xmlns:p14="http://schemas.microsoft.com/office/powerpoint/2010/main" val="1488775955"/>
       </p:ext>
     </p:extLst>
   </p:cSld>
@@ -30199,6 +33585,7 @@
     <p:sldLayoutId id="2147483686" r:id="rId8"/>
     <p:sldLayoutId id="2147483687" r:id="rId9"/>
     <p:sldLayoutId id="2147483688" r:id="rId10"/>
+    <p:sldLayoutId id="2147483689" r:id="rId11"/>
   </p:sldLayoutIdLst>
   <p:hf sldNum="0" hdr="0" ftr="0" dt="0"/>
   <p:txStyles>
@@ -38684,6 +42071,299 @@
 </p:sld>
 </file>
 
+<file path=ppt/slides/slide10.xml><?xml version="1.0" encoding="utf-8"?>
+<p:sld xmlns:a="http://schemas.openxmlformats.org/drawingml/2006/main" xmlns:r="http://schemas.openxmlformats.org/officeDocument/2006/relationships" xmlns:p="http://schemas.openxmlformats.org/presentationml/2006/main">
+  <p:cSld>
+    <p:spTree>
+      <p:nvGrpSpPr>
+        <p:cNvPr id="1" name="Shape 2412"/>
+        <p:cNvGrpSpPr/>
+        <p:nvPr/>
+      </p:nvGrpSpPr>
+      <p:grpSpPr>
+        <a:xfrm>
+          <a:off x="0" y="0"/>
+          <a:ext cx="0" cy="0"/>
+          <a:chOff x="0" y="0"/>
+          <a:chExt cx="0" cy="0"/>
+        </a:xfrm>
+      </p:grpSpPr>
+      <p:grpSp>
+        <p:nvGrpSpPr>
+          <p:cNvPr id="2413" name="Google Shape;2413;p63"/>
+          <p:cNvGrpSpPr/>
+          <p:nvPr/>
+        </p:nvGrpSpPr>
+        <p:grpSpPr>
+          <a:xfrm>
+            <a:off x="1313837" y="1023600"/>
+            <a:ext cx="2032839" cy="3204299"/>
+            <a:chOff x="1313837" y="1023600"/>
+            <a:chExt cx="2032839" cy="3204299"/>
+          </a:xfrm>
+        </p:grpSpPr>
+        <p:sp>
+          <p:nvSpPr>
+            <p:cNvPr id="2414" name="Google Shape;2414;p63"/>
+            <p:cNvSpPr/>
+            <p:nvPr/>
+          </p:nvSpPr>
+          <p:spPr>
+            <a:xfrm>
+              <a:off x="1313837" y="4055100"/>
+              <a:ext cx="2032839" cy="172799"/>
+            </a:xfrm>
+            <a:custGeom>
+              <a:avLst/>
+              <a:gdLst/>
+              <a:ahLst/>
+              <a:cxnLst/>
+              <a:rect l="l" t="t" r="r" b="b"/>
+              <a:pathLst>
+                <a:path w="14022" h="1134" extrusionOk="0">
+                  <a:moveTo>
+                    <a:pt x="7006" y="0"/>
+                  </a:moveTo>
+                  <a:cubicBezTo>
+                    <a:pt x="3135" y="0"/>
+                    <a:pt x="0" y="253"/>
+                    <a:pt x="0" y="572"/>
+                  </a:cubicBezTo>
+                  <a:cubicBezTo>
+                    <a:pt x="0" y="880"/>
+                    <a:pt x="3135" y="1133"/>
+                    <a:pt x="7006" y="1133"/>
+                  </a:cubicBezTo>
+                  <a:cubicBezTo>
+                    <a:pt x="10877" y="1133"/>
+                    <a:pt x="14022" y="880"/>
+                    <a:pt x="14022" y="572"/>
+                  </a:cubicBezTo>
+                  <a:cubicBezTo>
+                    <a:pt x="14022" y="253"/>
+                    <a:pt x="10877" y="0"/>
+                    <a:pt x="7006" y="0"/>
+                  </a:cubicBezTo>
+                  <a:close/>
+                </a:path>
+              </a:pathLst>
+            </a:custGeom>
+            <a:solidFill>
+              <a:srgbClr val="000000">
+                <a:alpha val="11950"/>
+              </a:srgbClr>
+            </a:solidFill>
+            <a:ln>
+              <a:noFill/>
+            </a:ln>
+          </p:spPr>
+          <p:txBody>
+            <a:bodyPr spcFirstLastPara="1" wrap="square" lIns="91425" tIns="91425" rIns="91425" bIns="91425" anchor="ctr" anchorCtr="0">
+              <a:noAutofit/>
+            </a:bodyPr>
+            <a:lstStyle/>
+            <a:p>
+              <a:pPr marL="0" lvl="0" indent="0" algn="l" rtl="0">
+                <a:spcBef>
+                  <a:spcPts val="0"/>
+                </a:spcBef>
+                <a:spcAft>
+                  <a:spcPts val="0"/>
+                </a:spcAft>
+                <a:buNone/>
+              </a:pPr>
+              <a:endParaRPr/>
+            </a:p>
+          </p:txBody>
+        </p:sp>
+        <p:sp>
+          <p:nvSpPr>
+            <p:cNvPr id="2415" name="Google Shape;2415;p63"/>
+            <p:cNvSpPr/>
+            <p:nvPr/>
+          </p:nvSpPr>
+          <p:spPr>
+            <a:xfrm>
+              <a:off x="1399663" y="1023600"/>
+              <a:ext cx="1861200" cy="3096300"/>
+            </a:xfrm>
+            <a:prstGeom prst="roundRect">
+              <a:avLst>
+                <a:gd name="adj" fmla="val 9247"/>
+              </a:avLst>
+            </a:prstGeom>
+            <a:solidFill>
+              <a:schemeClr val="accent1"/>
+            </a:solidFill>
+            <a:ln>
+              <a:noFill/>
+            </a:ln>
+          </p:spPr>
+          <p:txBody>
+            <a:bodyPr spcFirstLastPara="1" wrap="square" lIns="91425" tIns="91425" rIns="91425" bIns="91425" anchor="ctr" anchorCtr="0">
+              <a:noAutofit/>
+            </a:bodyPr>
+            <a:lstStyle/>
+            <a:p>
+              <a:pPr marL="0" lvl="0" indent="0" algn="l" rtl="0">
+                <a:spcBef>
+                  <a:spcPts val="0"/>
+                </a:spcBef>
+                <a:spcAft>
+                  <a:spcPts val="0"/>
+                </a:spcAft>
+                <a:buNone/>
+              </a:pPr>
+              <a:endParaRPr/>
+            </a:p>
+          </p:txBody>
+        </p:sp>
+        <p:cxnSp>
+          <p:nvCxnSpPr>
+            <p:cNvPr id="2416" name="Google Shape;2416;p63"/>
+            <p:cNvCxnSpPr/>
+            <p:nvPr/>
+          </p:nvCxnSpPr>
+          <p:spPr>
+            <a:xfrm>
+              <a:off x="2061600" y="3950550"/>
+              <a:ext cx="539100" cy="0"/>
+            </a:xfrm>
+            <a:prstGeom prst="straightConnector1">
+              <a:avLst/>
+            </a:prstGeom>
+            <a:noFill/>
+            <a:ln w="28575" cap="flat" cmpd="sng">
+              <a:solidFill>
+                <a:schemeClr val="dk1"/>
+              </a:solidFill>
+              <a:prstDash val="solid"/>
+              <a:round/>
+              <a:headEnd type="none" w="med" len="med"/>
+              <a:tailEnd type="none" w="med" len="med"/>
+            </a:ln>
+          </p:spPr>
+        </p:cxnSp>
+      </p:grpSp>
+      <p:sp>
+        <p:nvSpPr>
+          <p:cNvPr id="2417" name="Google Shape;2417;p63"/>
+          <p:cNvSpPr txBox="1">
+            <a:spLocks noGrp="1"/>
+          </p:cNvSpPr>
+          <p:nvPr>
+            <p:ph type="title"/>
+          </p:nvPr>
+        </p:nvSpPr>
+        <p:spPr>
+          <a:xfrm>
+            <a:off x="4847520" y="1749946"/>
+            <a:ext cx="2958332" cy="762332"/>
+          </a:xfrm>
+          <a:prstGeom prst="rect">
+            <a:avLst/>
+          </a:prstGeom>
+        </p:spPr>
+        <p:txBody>
+          <a:bodyPr spcFirstLastPara="1" wrap="square" lIns="91425" tIns="91425" rIns="91425" bIns="91425" anchor="t" anchorCtr="0">
+            <a:noAutofit/>
+          </a:bodyPr>
+          <a:lstStyle/>
+          <a:p>
+            <a:pPr marL="0" lvl="0" indent="0" algn="r" rtl="0">
+              <a:spcBef>
+                <a:spcPts val="0"/>
+              </a:spcBef>
+              <a:spcAft>
+                <a:spcPts val="0"/>
+              </a:spcAft>
+              <a:buNone/>
+            </a:pPr>
+            <a:r>
+              <a:rPr lang="en" sz="4000" dirty="0">
+                <a:solidFill>
+                  <a:schemeClr val="lt2"/>
+                </a:solidFill>
+              </a:rPr>
+              <a:t>OBRIGADO!</a:t>
+            </a:r>
+            <a:endParaRPr sz="4000" dirty="0">
+              <a:solidFill>
+                <a:schemeClr val="lt2"/>
+              </a:solidFill>
+            </a:endParaRPr>
+          </a:p>
+        </p:txBody>
+      </p:sp>
+      <p:pic>
+        <p:nvPicPr>
+          <p:cNvPr id="2419" name="Google Shape;2419;p63"/>
+          <p:cNvPicPr preferRelativeResize="0"/>
+          <p:nvPr/>
+        </p:nvPicPr>
+        <p:blipFill rotWithShape="1">
+          <a:blip r:embed="rId3">
+            <a:alphaModFix/>
+          </a:blip>
+          <a:srcRect l="11611" r="55156"/>
+          <a:stretch/>
+        </p:blipFill>
+        <p:spPr>
+          <a:xfrm>
+            <a:off x="1573675" y="1198500"/>
+            <a:ext cx="1513176" cy="2561250"/>
+          </a:xfrm>
+          <a:prstGeom prst="rect">
+            <a:avLst/>
+          </a:prstGeom>
+          <a:noFill/>
+          <a:ln w="28575" cap="flat" cmpd="sng">
+            <a:solidFill>
+              <a:schemeClr val="dk1"/>
+            </a:solidFill>
+            <a:prstDash val="solid"/>
+            <a:round/>
+            <a:headEnd type="none" w="sm" len="sm"/>
+            <a:tailEnd type="none" w="sm" len="sm"/>
+          </a:ln>
+        </p:spPr>
+      </p:pic>
+      <p:cxnSp>
+        <p:nvCxnSpPr>
+          <p:cNvPr id="2420" name="Google Shape;2420;p63"/>
+          <p:cNvCxnSpPr>
+            <a:cxnSpLocks/>
+          </p:cNvCxnSpPr>
+          <p:nvPr/>
+        </p:nvCxnSpPr>
+        <p:spPr>
+          <a:xfrm>
+            <a:off x="5360020" y="2614100"/>
+            <a:ext cx="2383380" cy="0"/>
+          </a:xfrm>
+          <a:prstGeom prst="straightConnector1">
+            <a:avLst/>
+          </a:prstGeom>
+          <a:noFill/>
+          <a:ln w="28575" cap="flat" cmpd="sng">
+            <a:solidFill>
+              <a:schemeClr val="dk1"/>
+            </a:solidFill>
+            <a:prstDash val="solid"/>
+            <a:round/>
+            <a:headEnd type="none" w="med" len="med"/>
+            <a:tailEnd type="none" w="med" len="med"/>
+          </a:ln>
+        </p:spPr>
+      </p:cxnSp>
+    </p:spTree>
+  </p:cSld>
+  <p:clrMapOvr>
+    <a:masterClrMapping/>
+  </p:clrMapOvr>
+</p:sld>
+</file>
+
 <file path=ppt/slides/slide2.xml><?xml version="1.0" encoding="utf-8"?>
 <p:sld xmlns:a="http://schemas.openxmlformats.org/drawingml/2006/main" xmlns:r="http://schemas.openxmlformats.org/officeDocument/2006/relationships" xmlns:p="http://schemas.openxmlformats.org/presentationml/2006/main">
   <p:cSld>
@@ -51615,7 +55295,7 @@
   <p:cSld>
     <p:spTree>
       <p:nvGrpSpPr>
-        <p:cNvPr id="1" name="Shape 2412"/>
+        <p:cNvPr id="1" name="Shape 2022"/>
         <p:cNvGrpSpPr/>
         <p:nvPr/>
       </p:nvGrpSpPr>
@@ -51627,30 +55307,402 @@
           <a:chExt cx="0" cy="0"/>
         </a:xfrm>
       </p:grpSpPr>
+      <p:sp>
+        <p:nvSpPr>
+          <p:cNvPr id="2023" name="Google Shape;2023;p47"/>
+          <p:cNvSpPr txBox="1">
+            <a:spLocks noGrp="1"/>
+          </p:cNvSpPr>
+          <p:nvPr>
+            <p:ph type="title"/>
+          </p:nvPr>
+        </p:nvSpPr>
+        <p:spPr>
+          <a:xfrm>
+            <a:off x="713225" y="520925"/>
+            <a:ext cx="7717500" cy="708000"/>
+          </a:xfrm>
+          <a:prstGeom prst="rect">
+            <a:avLst/>
+          </a:prstGeom>
+        </p:spPr>
+        <p:txBody>
+          <a:bodyPr spcFirstLastPara="1" wrap="square" lIns="91425" tIns="91425" rIns="91425" bIns="91425" anchor="t" anchorCtr="0">
+            <a:noAutofit/>
+          </a:bodyPr>
+          <a:lstStyle/>
+          <a:p>
+            <a:pPr marL="0" lvl="0" indent="0" algn="ctr" rtl="0">
+              <a:spcBef>
+                <a:spcPts val="0"/>
+              </a:spcBef>
+              <a:spcAft>
+                <a:spcPts val="0"/>
+              </a:spcAft>
+              <a:buNone/>
+            </a:pPr>
+            <a:r>
+              <a:rPr lang="en" dirty="0"/>
+              <a:t>MODELOS DE RECEITA</a:t>
+            </a:r>
+            <a:endParaRPr dirty="0"/>
+          </a:p>
+        </p:txBody>
+      </p:sp>
+      <p:sp>
+        <p:nvSpPr>
+          <p:cNvPr id="2024" name="Google Shape;2024;p47"/>
+          <p:cNvSpPr txBox="1">
+            <a:spLocks noGrp="1"/>
+          </p:cNvSpPr>
+          <p:nvPr>
+            <p:ph type="subTitle" idx="1"/>
+          </p:nvPr>
+        </p:nvSpPr>
+        <p:spPr>
+          <a:xfrm>
+            <a:off x="827175" y="3244750"/>
+            <a:ext cx="2172600" cy="926700"/>
+          </a:xfrm>
+          <a:prstGeom prst="rect">
+            <a:avLst/>
+          </a:prstGeom>
+        </p:spPr>
+        <p:txBody>
+          <a:bodyPr spcFirstLastPara="1" wrap="square" lIns="91425" tIns="91425" rIns="91425" bIns="91425" anchor="t" anchorCtr="0">
+            <a:noAutofit/>
+          </a:bodyPr>
+          <a:lstStyle/>
+          <a:p>
+            <a:pPr marL="0" lvl="0" indent="0" algn="ctr" rtl="0">
+              <a:spcBef>
+                <a:spcPts val="0"/>
+              </a:spcBef>
+              <a:spcAft>
+                <a:spcPts val="0"/>
+              </a:spcAft>
+              <a:buNone/>
+            </a:pPr>
+            <a:r>
+              <a:rPr lang="en" dirty="0"/>
+              <a:t>Lucro com a venda de produtos ou serviços</a:t>
+            </a:r>
+            <a:endParaRPr dirty="0"/>
+          </a:p>
+        </p:txBody>
+      </p:sp>
+      <p:sp>
+        <p:nvSpPr>
+          <p:cNvPr id="2025" name="Google Shape;2025;p47"/>
+          <p:cNvSpPr txBox="1">
+            <a:spLocks noGrp="1"/>
+          </p:cNvSpPr>
+          <p:nvPr>
+            <p:ph type="subTitle" idx="2"/>
+          </p:nvPr>
+        </p:nvSpPr>
+        <p:spPr>
+          <a:xfrm>
+            <a:off x="827175" y="2775700"/>
+            <a:ext cx="2172600" cy="554100"/>
+          </a:xfrm>
+          <a:prstGeom prst="rect">
+            <a:avLst/>
+          </a:prstGeom>
+        </p:spPr>
+        <p:txBody>
+          <a:bodyPr spcFirstLastPara="1" wrap="square" lIns="91425" tIns="91425" rIns="91425" bIns="91425" anchor="b" anchorCtr="0">
+            <a:noAutofit/>
+          </a:bodyPr>
+          <a:lstStyle/>
+          <a:p>
+            <a:pPr marL="0" lvl="0" indent="0" algn="ctr" rtl="0">
+              <a:spcBef>
+                <a:spcPts val="0"/>
+              </a:spcBef>
+              <a:spcAft>
+                <a:spcPts val="0"/>
+              </a:spcAft>
+              <a:buNone/>
+            </a:pPr>
+            <a:r>
+              <a:rPr lang="en" dirty="0"/>
+              <a:t>Compra</a:t>
+            </a:r>
+            <a:endParaRPr dirty="0"/>
+          </a:p>
+        </p:txBody>
+      </p:sp>
+      <p:sp>
+        <p:nvSpPr>
+          <p:cNvPr id="2026" name="Google Shape;2026;p47"/>
+          <p:cNvSpPr txBox="1">
+            <a:spLocks noGrp="1"/>
+          </p:cNvSpPr>
+          <p:nvPr>
+            <p:ph type="subTitle" idx="3"/>
+          </p:nvPr>
+        </p:nvSpPr>
+        <p:spPr>
+          <a:xfrm>
+            <a:off x="6144375" y="3244756"/>
+            <a:ext cx="2172300" cy="926700"/>
+          </a:xfrm>
+          <a:prstGeom prst="rect">
+            <a:avLst/>
+          </a:prstGeom>
+        </p:spPr>
+        <p:txBody>
+          <a:bodyPr spcFirstLastPara="1" wrap="square" lIns="91425" tIns="91425" rIns="91425" bIns="91425" anchor="t" anchorCtr="0">
+            <a:noAutofit/>
+          </a:bodyPr>
+          <a:lstStyle/>
+          <a:p>
+            <a:pPr marL="0" lvl="0" indent="0" algn="ctr" rtl="0">
+              <a:spcBef>
+                <a:spcPts val="0"/>
+              </a:spcBef>
+              <a:spcAft>
+                <a:spcPts val="0"/>
+              </a:spcAft>
+              <a:buNone/>
+            </a:pPr>
+            <a:r>
+              <a:rPr lang="en" dirty="0"/>
+              <a:t>Publicidade ou parcerias comerciais com outras empresas interessadas.</a:t>
+            </a:r>
+            <a:endParaRPr dirty="0"/>
+          </a:p>
+        </p:txBody>
+      </p:sp>
+      <p:sp>
+        <p:nvSpPr>
+          <p:cNvPr id="2027" name="Google Shape;2027;p47"/>
+          <p:cNvSpPr txBox="1">
+            <a:spLocks noGrp="1"/>
+          </p:cNvSpPr>
+          <p:nvPr>
+            <p:ph type="subTitle" idx="4"/>
+          </p:nvPr>
+        </p:nvSpPr>
+        <p:spPr>
+          <a:xfrm>
+            <a:off x="6144375" y="2775700"/>
+            <a:ext cx="2172300" cy="554100"/>
+          </a:xfrm>
+          <a:prstGeom prst="rect">
+            <a:avLst/>
+          </a:prstGeom>
+        </p:spPr>
+        <p:txBody>
+          <a:bodyPr spcFirstLastPara="1" wrap="square" lIns="91425" tIns="91425" rIns="91425" bIns="91425" anchor="b" anchorCtr="0">
+            <a:noAutofit/>
+          </a:bodyPr>
+          <a:lstStyle/>
+          <a:p>
+            <a:pPr marL="0" lvl="0" indent="0" algn="ctr" rtl="0">
+              <a:spcBef>
+                <a:spcPts val="0"/>
+              </a:spcBef>
+              <a:spcAft>
+                <a:spcPts val="0"/>
+              </a:spcAft>
+              <a:buNone/>
+            </a:pPr>
+            <a:r>
+              <a:rPr lang="en" dirty="0"/>
+              <a:t>Publicidade</a:t>
+            </a:r>
+            <a:endParaRPr dirty="0"/>
+          </a:p>
+        </p:txBody>
+      </p:sp>
+      <p:sp>
+        <p:nvSpPr>
+          <p:cNvPr id="2028" name="Google Shape;2028;p47"/>
+          <p:cNvSpPr txBox="1">
+            <a:spLocks noGrp="1"/>
+          </p:cNvSpPr>
+          <p:nvPr>
+            <p:ph type="subTitle" idx="5"/>
+          </p:nvPr>
+        </p:nvSpPr>
+        <p:spPr>
+          <a:xfrm>
+            <a:off x="3485850" y="3244754"/>
+            <a:ext cx="2172300" cy="926700"/>
+          </a:xfrm>
+          <a:prstGeom prst="rect">
+            <a:avLst/>
+          </a:prstGeom>
+        </p:spPr>
+        <p:txBody>
+          <a:bodyPr spcFirstLastPara="1" wrap="square" lIns="91425" tIns="91425" rIns="91425" bIns="91425" anchor="t" anchorCtr="0">
+            <a:noAutofit/>
+          </a:bodyPr>
+          <a:lstStyle/>
+          <a:p>
+            <a:pPr marL="0" lvl="0" indent="0" algn="ctr" rtl="0">
+              <a:spcBef>
+                <a:spcPts val="0"/>
+              </a:spcBef>
+              <a:spcAft>
+                <a:spcPts val="0"/>
+              </a:spcAft>
+              <a:buNone/>
+            </a:pPr>
+            <a:r>
+              <a:rPr lang="en" dirty="0"/>
+              <a:t>Customização do sistema com opções para o cliente ter mais benefícios, opções e funcionalidades.</a:t>
+            </a:r>
+            <a:endParaRPr dirty="0"/>
+          </a:p>
+        </p:txBody>
+      </p:sp>
+      <p:sp>
+        <p:nvSpPr>
+          <p:cNvPr id="2029" name="Google Shape;2029;p47"/>
+          <p:cNvSpPr txBox="1">
+            <a:spLocks noGrp="1"/>
+          </p:cNvSpPr>
+          <p:nvPr>
+            <p:ph type="subTitle" idx="6"/>
+          </p:nvPr>
+        </p:nvSpPr>
+        <p:spPr>
+          <a:xfrm>
+            <a:off x="3485850" y="2775700"/>
+            <a:ext cx="2172300" cy="554100"/>
+          </a:xfrm>
+          <a:prstGeom prst="rect">
+            <a:avLst/>
+          </a:prstGeom>
+        </p:spPr>
+        <p:txBody>
+          <a:bodyPr spcFirstLastPara="1" wrap="square" lIns="91425" tIns="91425" rIns="91425" bIns="91425" anchor="b" anchorCtr="0">
+            <a:noAutofit/>
+          </a:bodyPr>
+          <a:lstStyle/>
+          <a:p>
+            <a:pPr marL="0" lvl="0" indent="0" algn="ctr" rtl="0">
+              <a:spcBef>
+                <a:spcPts val="0"/>
+              </a:spcBef>
+              <a:spcAft>
+                <a:spcPts val="0"/>
+              </a:spcAft>
+              <a:buNone/>
+            </a:pPr>
+            <a:r>
+              <a:rPr lang="en" dirty="0"/>
+              <a:t>Upgrade</a:t>
+            </a:r>
+            <a:endParaRPr dirty="0"/>
+          </a:p>
+        </p:txBody>
+      </p:sp>
+      <p:cxnSp>
+        <p:nvCxnSpPr>
+          <p:cNvPr id="2030" name="Google Shape;2030;p47"/>
+          <p:cNvCxnSpPr/>
+          <p:nvPr/>
+        </p:nvCxnSpPr>
+        <p:spPr>
+          <a:xfrm>
+            <a:off x="1312175" y="2701275"/>
+            <a:ext cx="1202400" cy="0"/>
+          </a:xfrm>
+          <a:prstGeom prst="straightConnector1">
+            <a:avLst/>
+          </a:prstGeom>
+          <a:noFill/>
+          <a:ln w="28575" cap="flat" cmpd="sng">
+            <a:solidFill>
+              <a:schemeClr val="dk1"/>
+            </a:solidFill>
+            <a:prstDash val="solid"/>
+            <a:round/>
+            <a:headEnd type="none" w="med" len="med"/>
+            <a:tailEnd type="none" w="med" len="med"/>
+          </a:ln>
+        </p:spPr>
+      </p:cxnSp>
+      <p:cxnSp>
+        <p:nvCxnSpPr>
+          <p:cNvPr id="2031" name="Google Shape;2031;p47"/>
+          <p:cNvCxnSpPr/>
+          <p:nvPr/>
+        </p:nvCxnSpPr>
+        <p:spPr>
+          <a:xfrm>
+            <a:off x="6629350" y="2701275"/>
+            <a:ext cx="1202400" cy="0"/>
+          </a:xfrm>
+          <a:prstGeom prst="straightConnector1">
+            <a:avLst/>
+          </a:prstGeom>
+          <a:noFill/>
+          <a:ln w="28575" cap="flat" cmpd="sng">
+            <a:solidFill>
+              <a:schemeClr val="dk1"/>
+            </a:solidFill>
+            <a:prstDash val="solid"/>
+            <a:round/>
+            <a:headEnd type="none" w="med" len="med"/>
+            <a:tailEnd type="none" w="med" len="med"/>
+          </a:ln>
+        </p:spPr>
+      </p:cxnSp>
+      <p:cxnSp>
+        <p:nvCxnSpPr>
+          <p:cNvPr id="2032" name="Google Shape;2032;p47"/>
+          <p:cNvCxnSpPr/>
+          <p:nvPr/>
+        </p:nvCxnSpPr>
+        <p:spPr>
+          <a:xfrm>
+            <a:off x="3970800" y="2701275"/>
+            <a:ext cx="1202400" cy="0"/>
+          </a:xfrm>
+          <a:prstGeom prst="straightConnector1">
+            <a:avLst/>
+          </a:prstGeom>
+          <a:noFill/>
+          <a:ln w="28575" cap="flat" cmpd="sng">
+            <a:solidFill>
+              <a:schemeClr val="dk1"/>
+            </a:solidFill>
+            <a:prstDash val="solid"/>
+            <a:round/>
+            <a:headEnd type="none" w="med" len="med"/>
+            <a:tailEnd type="none" w="med" len="med"/>
+          </a:ln>
+        </p:spPr>
+      </p:cxnSp>
       <p:grpSp>
         <p:nvGrpSpPr>
-          <p:cNvPr id="2413" name="Google Shape;2413;p63"/>
+          <p:cNvPr id="2033" name="Google Shape;2033;p47"/>
           <p:cNvGrpSpPr/>
           <p:nvPr/>
         </p:nvGrpSpPr>
         <p:grpSpPr>
           <a:xfrm>
-            <a:off x="1313837" y="1023600"/>
-            <a:ext cx="2032839" cy="3204299"/>
-            <a:chOff x="1313837" y="1023600"/>
-            <a:chExt cx="2032839" cy="3204299"/>
+            <a:off x="1549765" y="1741845"/>
+            <a:ext cx="727220" cy="722333"/>
+            <a:chOff x="-1467695" y="1926796"/>
+            <a:chExt cx="414205" cy="414205"/>
           </a:xfrm>
         </p:grpSpPr>
         <p:sp>
           <p:nvSpPr>
-            <p:cNvPr id="2414" name="Google Shape;2414;p63"/>
+            <p:cNvPr id="2034" name="Google Shape;2034;p47"/>
             <p:cNvSpPr/>
             <p:nvPr/>
           </p:nvSpPr>
           <p:spPr>
             <a:xfrm>
-              <a:off x="1313837" y="4055100"/>
-              <a:ext cx="2032839" cy="172799"/>
+              <a:off x="-1467695" y="1926796"/>
+              <a:ext cx="343870" cy="414205"/>
             </a:xfrm>
             <a:custGeom>
               <a:avLst/>
@@ -51659,38 +55711,112 @@
               <a:cxnLst/>
               <a:rect l="l" t="t" r="r" b="b"/>
               <a:pathLst>
-                <a:path w="14022" h="1134" extrusionOk="0">
+                <a:path w="11010" h="13262" extrusionOk="0">
                   <a:moveTo>
-                    <a:pt x="7006" y="0"/>
+                    <a:pt x="3923" y="3897"/>
                   </a:moveTo>
-                  <a:cubicBezTo>
-                    <a:pt x="3135" y="0"/>
-                    <a:pt x="0" y="253"/>
-                    <a:pt x="0" y="572"/>
-                  </a:cubicBezTo>
-                  <a:cubicBezTo>
-                    <a:pt x="0" y="880"/>
-                    <a:pt x="3135" y="1133"/>
-                    <a:pt x="7006" y="1133"/>
-                  </a:cubicBezTo>
-                  <a:cubicBezTo>
-                    <a:pt x="10877" y="1133"/>
-                    <a:pt x="14022" y="880"/>
-                    <a:pt x="14022" y="572"/>
-                  </a:cubicBezTo>
-                  <a:cubicBezTo>
-                    <a:pt x="14022" y="253"/>
-                    <a:pt x="10877" y="0"/>
-                    <a:pt x="7006" y="0"/>
-                  </a:cubicBezTo>
+                  <a:lnTo>
+                    <a:pt x="3923" y="4682"/>
+                  </a:lnTo>
+                  <a:lnTo>
+                    <a:pt x="4682" y="4682"/>
+                  </a:lnTo>
+                  <a:lnTo>
+                    <a:pt x="4682" y="5466"/>
+                  </a:lnTo>
+                  <a:lnTo>
+                    <a:pt x="3518" y="5466"/>
+                  </a:lnTo>
+                  <a:cubicBezTo>
+                    <a:pt x="3316" y="5466"/>
+                    <a:pt x="3138" y="5618"/>
+                    <a:pt x="3138" y="5846"/>
+                  </a:cubicBezTo>
+                  <a:lnTo>
+                    <a:pt x="3138" y="6226"/>
+                  </a:lnTo>
+                  <a:lnTo>
+                    <a:pt x="4682" y="6226"/>
+                  </a:lnTo>
+                  <a:lnTo>
+                    <a:pt x="4682" y="7390"/>
+                  </a:lnTo>
+                  <a:cubicBezTo>
+                    <a:pt x="4682" y="7896"/>
+                    <a:pt x="4353" y="8326"/>
+                    <a:pt x="3923" y="8503"/>
+                  </a:cubicBezTo>
+                  <a:lnTo>
+                    <a:pt x="3923" y="9339"/>
+                  </a:lnTo>
+                  <a:lnTo>
+                    <a:pt x="3138" y="9339"/>
+                  </a:lnTo>
+                  <a:lnTo>
+                    <a:pt x="3138" y="8554"/>
+                  </a:lnTo>
+                  <a:lnTo>
+                    <a:pt x="2354" y="8554"/>
+                  </a:lnTo>
+                  <a:lnTo>
+                    <a:pt x="2354" y="7795"/>
+                  </a:lnTo>
+                  <a:lnTo>
+                    <a:pt x="3518" y="7795"/>
+                  </a:lnTo>
+                  <a:cubicBezTo>
+                    <a:pt x="3746" y="7795"/>
+                    <a:pt x="3923" y="7618"/>
+                    <a:pt x="3923" y="7415"/>
+                  </a:cubicBezTo>
+                  <a:lnTo>
+                    <a:pt x="3923" y="7010"/>
+                  </a:lnTo>
+                  <a:lnTo>
+                    <a:pt x="2354" y="7010"/>
+                  </a:lnTo>
+                  <a:lnTo>
+                    <a:pt x="2354" y="5846"/>
+                  </a:lnTo>
+                  <a:cubicBezTo>
+                    <a:pt x="2354" y="5340"/>
+                    <a:pt x="2683" y="4910"/>
+                    <a:pt x="3138" y="4758"/>
+                  </a:cubicBezTo>
+                  <a:lnTo>
+                    <a:pt x="3138" y="3897"/>
+                  </a:lnTo>
+                  <a:close/>
+                  <a:moveTo>
+                    <a:pt x="6251" y="0"/>
+                  </a:moveTo>
+                  <a:cubicBezTo>
+                    <a:pt x="2835" y="202"/>
+                    <a:pt x="0" y="3062"/>
+                    <a:pt x="0" y="6631"/>
+                  </a:cubicBezTo>
+                  <a:cubicBezTo>
+                    <a:pt x="0" y="10199"/>
+                    <a:pt x="2987" y="13261"/>
+                    <a:pt x="6631" y="13261"/>
+                  </a:cubicBezTo>
+                  <a:cubicBezTo>
+                    <a:pt x="8276" y="13261"/>
+                    <a:pt x="9820" y="12629"/>
+                    <a:pt x="11009" y="11566"/>
+                  </a:cubicBezTo>
+                  <a:lnTo>
+                    <a:pt x="6251" y="6782"/>
+                  </a:lnTo>
+                  <a:lnTo>
+                    <a:pt x="6251" y="0"/>
+                  </a:lnTo>
                   <a:close/>
                 </a:path>
               </a:pathLst>
             </a:custGeom>
             <a:solidFill>
-              <a:srgbClr val="000000">
-                <a:alpha val="11950"/>
-              </a:srgbClr>
+              <a:schemeClr val="lt2"/>
             </a:solidFill>
             <a:ln>
               <a:noFill/>
@@ -51717,22 +55843,48 @@
         </p:sp>
         <p:sp>
           <p:nvSpPr>
-            <p:cNvPr id="2415" name="Google Shape;2415;p63"/>
+            <p:cNvPr id="2035" name="Google Shape;2035;p47"/>
             <p:cNvSpPr/>
             <p:nvPr/>
           </p:nvSpPr>
           <p:spPr>
             <a:xfrm>
-              <a:off x="1399663" y="1023600"/>
-              <a:ext cx="1861200" cy="3096300"/>
+              <a:off x="-1247974" y="1926796"/>
+              <a:ext cx="194485" cy="343839"/>
             </a:xfrm>
-            <a:prstGeom prst="roundRect">
-              <a:avLst>
-                <a:gd name="adj" fmla="val 9247"/>
-              </a:avLst>
-            </a:prstGeom>
+            <a:custGeom>
+              <a:avLst/>
+              <a:gdLst/>
+              <a:ahLst/>
+              <a:cxnLst/>
+              <a:rect l="l" t="t" r="r" b="b"/>
+              <a:pathLst>
+                <a:path w="6227" h="11009" extrusionOk="0">
+                  <a:moveTo>
+                    <a:pt x="1" y="0"/>
+                  </a:moveTo>
+                  <a:lnTo>
+                    <a:pt x="1" y="6453"/>
+                  </a:lnTo>
+                  <a:lnTo>
+                    <a:pt x="4531" y="11009"/>
+                  </a:lnTo>
+                  <a:cubicBezTo>
+                    <a:pt x="5594" y="9819"/>
+                    <a:pt x="6226" y="8276"/>
+                    <a:pt x="6226" y="6631"/>
+                  </a:cubicBezTo>
+                  <a:cubicBezTo>
+                    <a:pt x="6226" y="3062"/>
+                    <a:pt x="3392" y="202"/>
+                    <a:pt x="1" y="0"/>
+                  </a:cubicBezTo>
+                  <a:close/>
+                </a:path>
+              </a:pathLst>
+            </a:custGeom>
             <a:solidFill>
-              <a:schemeClr val="accent1"/>
+              <a:schemeClr val="lt2"/>
             </a:solidFill>
             <a:ln>
               <a:noFill/>
@@ -51757,36 +55909,839 @@
             </a:p>
           </p:txBody>
         </p:sp>
-        <p:cxnSp>
-          <p:nvCxnSpPr>
-            <p:cNvPr id="2416" name="Google Shape;2416;p63"/>
-            <p:cNvCxnSpPr/>
+      </p:grpSp>
+      <p:grpSp>
+        <p:nvGrpSpPr>
+          <p:cNvPr id="2036" name="Google Shape;2036;p47"/>
+          <p:cNvGrpSpPr/>
+          <p:nvPr/>
+        </p:nvGrpSpPr>
+        <p:grpSpPr>
+          <a:xfrm>
+            <a:off x="4208370" y="1875560"/>
+            <a:ext cx="727220" cy="588618"/>
+            <a:chOff x="-891486" y="1927577"/>
+            <a:chExt cx="414205" cy="337530"/>
+          </a:xfrm>
+        </p:grpSpPr>
+        <p:sp>
+          <p:nvSpPr>
+            <p:cNvPr id="2037" name="Google Shape;2037;p47"/>
+            <p:cNvSpPr/>
             <p:nvPr/>
-          </p:nvCxnSpPr>
+          </p:nvSpPr>
           <p:spPr>
             <a:xfrm>
-              <a:off x="2061600" y="3950550"/>
-              <a:ext cx="539100" cy="0"/>
+              <a:off x="-550021" y="1997912"/>
+              <a:ext cx="72740" cy="169967"/>
             </a:xfrm>
-            <a:prstGeom prst="straightConnector1">
+            <a:custGeom>
               <a:avLst/>
-            </a:prstGeom>
-            <a:noFill/>
-            <a:ln w="28575" cap="flat" cmpd="sng">
-              <a:solidFill>
-                <a:schemeClr val="dk1"/>
-              </a:solidFill>
-              <a:prstDash val="solid"/>
-              <a:round/>
-              <a:headEnd type="none" w="med" len="med"/>
-              <a:tailEnd type="none" w="med" len="med"/>
+              <a:gdLst/>
+              <a:ahLst/>
+              <a:cxnLst/>
+              <a:rect l="l" t="t" r="r" b="b"/>
+              <a:pathLst>
+                <a:path w="2329" h="5442" extrusionOk="0">
+                  <a:moveTo>
+                    <a:pt x="785" y="1"/>
+                  </a:moveTo>
+                  <a:lnTo>
+                    <a:pt x="785" y="861"/>
+                  </a:lnTo>
+                  <a:cubicBezTo>
+                    <a:pt x="330" y="1013"/>
+                    <a:pt x="1" y="1443"/>
+                    <a:pt x="1" y="1949"/>
+                  </a:cubicBezTo>
+                  <a:lnTo>
+                    <a:pt x="1" y="3114"/>
+                  </a:lnTo>
+                  <a:lnTo>
+                    <a:pt x="1570" y="3114"/>
+                  </a:lnTo>
+                  <a:lnTo>
+                    <a:pt x="1570" y="3493"/>
+                  </a:lnTo>
+                  <a:cubicBezTo>
+                    <a:pt x="1570" y="3721"/>
+                    <a:pt x="1392" y="3898"/>
+                    <a:pt x="1165" y="3898"/>
+                  </a:cubicBezTo>
+                  <a:lnTo>
+                    <a:pt x="1" y="3898"/>
+                  </a:lnTo>
+                  <a:lnTo>
+                    <a:pt x="1" y="4657"/>
+                  </a:lnTo>
+                  <a:lnTo>
+                    <a:pt x="785" y="4657"/>
+                  </a:lnTo>
+                  <a:lnTo>
+                    <a:pt x="785" y="5442"/>
+                  </a:lnTo>
+                  <a:lnTo>
+                    <a:pt x="1570" y="5442"/>
+                  </a:lnTo>
+                  <a:lnTo>
+                    <a:pt x="1570" y="4581"/>
+                  </a:lnTo>
+                  <a:cubicBezTo>
+                    <a:pt x="2000" y="4430"/>
+                    <a:pt x="2329" y="3999"/>
+                    <a:pt x="2329" y="3493"/>
+                  </a:cubicBezTo>
+                  <a:lnTo>
+                    <a:pt x="2329" y="2329"/>
+                  </a:lnTo>
+                  <a:lnTo>
+                    <a:pt x="785" y="2329"/>
+                  </a:lnTo>
+                  <a:lnTo>
+                    <a:pt x="785" y="1949"/>
+                  </a:lnTo>
+                  <a:cubicBezTo>
+                    <a:pt x="785" y="1722"/>
+                    <a:pt x="962" y="1544"/>
+                    <a:pt x="1165" y="1544"/>
+                  </a:cubicBezTo>
+                  <a:lnTo>
+                    <a:pt x="2329" y="1544"/>
+                  </a:lnTo>
+                  <a:lnTo>
+                    <a:pt x="2329" y="785"/>
+                  </a:lnTo>
+                  <a:lnTo>
+                    <a:pt x="1570" y="785"/>
+                  </a:lnTo>
+                  <a:lnTo>
+                    <a:pt x="1570" y="1"/>
+                  </a:lnTo>
+                  <a:close/>
+                </a:path>
+              </a:pathLst>
+            </a:custGeom>
+            <a:solidFill>
+              <a:schemeClr val="lt2"/>
+            </a:solidFill>
+            <a:ln>
+              <a:noFill/>
             </a:ln>
           </p:spPr>
-        </p:cxnSp>
+          <p:txBody>
+            <a:bodyPr spcFirstLastPara="1" wrap="square" lIns="91425" tIns="91425" rIns="91425" bIns="91425" anchor="ctr" anchorCtr="0">
+              <a:noAutofit/>
+            </a:bodyPr>
+            <a:lstStyle/>
+            <a:p>
+              <a:pPr marL="0" lvl="0" indent="0" algn="l" rtl="0">
+                <a:spcBef>
+                  <a:spcPts val="0"/>
+                </a:spcBef>
+                <a:spcAft>
+                  <a:spcPts val="0"/>
+                </a:spcAft>
+                <a:buNone/>
+              </a:pPr>
+              <a:endParaRPr/>
+            </a:p>
+          </p:txBody>
+        </p:sp>
+        <p:sp>
+          <p:nvSpPr>
+            <p:cNvPr id="2038" name="Google Shape;2038;p47"/>
+            <p:cNvSpPr/>
+            <p:nvPr/>
+          </p:nvSpPr>
+          <p:spPr>
+            <a:xfrm>
+              <a:off x="-544493" y="1927577"/>
+              <a:ext cx="49847" cy="44288"/>
+            </a:xfrm>
+            <a:custGeom>
+              <a:avLst/>
+              <a:gdLst/>
+              <a:ahLst/>
+              <a:cxnLst/>
+              <a:rect l="l" t="t" r="r" b="b"/>
+              <a:pathLst>
+                <a:path w="1596" h="1418" extrusionOk="0">
+                  <a:moveTo>
+                    <a:pt x="1165" y="0"/>
+                  </a:moveTo>
+                  <a:lnTo>
+                    <a:pt x="1" y="760"/>
+                  </a:lnTo>
+                  <a:lnTo>
+                    <a:pt x="431" y="1418"/>
+                  </a:lnTo>
+                  <a:lnTo>
+                    <a:pt x="1595" y="633"/>
+                  </a:lnTo>
+                  <a:lnTo>
+                    <a:pt x="1165" y="0"/>
+                  </a:lnTo>
+                  <a:close/>
+                </a:path>
+              </a:pathLst>
+            </a:custGeom>
+            <a:solidFill>
+              <a:schemeClr val="lt2"/>
+            </a:solidFill>
+            <a:ln>
+              <a:noFill/>
+            </a:ln>
+          </p:spPr>
+          <p:txBody>
+            <a:bodyPr spcFirstLastPara="1" wrap="square" lIns="91425" tIns="91425" rIns="91425" bIns="91425" anchor="ctr" anchorCtr="0">
+              <a:noAutofit/>
+            </a:bodyPr>
+            <a:lstStyle/>
+            <a:p>
+              <a:pPr marL="0" lvl="0" indent="0" algn="l" rtl="0">
+                <a:spcBef>
+                  <a:spcPts val="0"/>
+                </a:spcBef>
+                <a:spcAft>
+                  <a:spcPts val="0"/>
+                </a:spcAft>
+                <a:buNone/>
+              </a:pPr>
+              <a:endParaRPr/>
+            </a:p>
+          </p:txBody>
+        </p:sp>
+        <p:sp>
+          <p:nvSpPr>
+            <p:cNvPr id="2039" name="Google Shape;2039;p47"/>
+            <p:cNvSpPr/>
+            <p:nvPr/>
+          </p:nvSpPr>
+          <p:spPr>
+            <a:xfrm>
+              <a:off x="-544493" y="2193959"/>
+              <a:ext cx="49847" cy="45068"/>
+            </a:xfrm>
+            <a:custGeom>
+              <a:avLst/>
+              <a:gdLst/>
+              <a:ahLst/>
+              <a:cxnLst/>
+              <a:rect l="l" t="t" r="r" b="b"/>
+              <a:pathLst>
+                <a:path w="1596" h="1443" extrusionOk="0">
+                  <a:moveTo>
+                    <a:pt x="431" y="0"/>
+                  </a:moveTo>
+                  <a:lnTo>
+                    <a:pt x="1" y="658"/>
+                  </a:lnTo>
+                  <a:lnTo>
+                    <a:pt x="1165" y="1443"/>
+                  </a:lnTo>
+                  <a:lnTo>
+                    <a:pt x="1595" y="785"/>
+                  </a:lnTo>
+                  <a:lnTo>
+                    <a:pt x="431" y="0"/>
+                  </a:lnTo>
+                  <a:close/>
+                </a:path>
+              </a:pathLst>
+            </a:custGeom>
+            <a:solidFill>
+              <a:schemeClr val="lt2"/>
+            </a:solidFill>
+            <a:ln>
+              <a:noFill/>
+            </a:ln>
+          </p:spPr>
+          <p:txBody>
+            <a:bodyPr spcFirstLastPara="1" wrap="square" lIns="91425" tIns="91425" rIns="91425" bIns="91425" anchor="ctr" anchorCtr="0">
+              <a:noAutofit/>
+            </a:bodyPr>
+            <a:lstStyle/>
+            <a:p>
+              <a:pPr marL="0" lvl="0" indent="0" algn="l" rtl="0">
+                <a:spcBef>
+                  <a:spcPts val="0"/>
+                </a:spcBef>
+                <a:spcAft>
+                  <a:spcPts val="0"/>
+                </a:spcAft>
+                <a:buNone/>
+              </a:pPr>
+              <a:endParaRPr/>
+            </a:p>
+          </p:txBody>
+        </p:sp>
+        <p:sp>
+          <p:nvSpPr>
+            <p:cNvPr id="2040" name="Google Shape;2040;p47"/>
+            <p:cNvSpPr/>
+            <p:nvPr/>
+          </p:nvSpPr>
+          <p:spPr>
+            <a:xfrm>
+              <a:off x="-622731" y="1949689"/>
+              <a:ext cx="48223" cy="266413"/>
+            </a:xfrm>
+            <a:custGeom>
+              <a:avLst/>
+              <a:gdLst/>
+              <a:ahLst/>
+              <a:cxnLst/>
+              <a:rect l="l" t="t" r="r" b="b"/>
+              <a:pathLst>
+                <a:path w="1544" h="8530" extrusionOk="0">
+                  <a:moveTo>
+                    <a:pt x="0" y="1"/>
+                  </a:moveTo>
+                  <a:lnTo>
+                    <a:pt x="0" y="8530"/>
+                  </a:lnTo>
+                  <a:lnTo>
+                    <a:pt x="1544" y="8530"/>
+                  </a:lnTo>
+                  <a:lnTo>
+                    <a:pt x="1544" y="1"/>
+                  </a:lnTo>
+                  <a:close/>
+                </a:path>
+              </a:pathLst>
+            </a:custGeom>
+            <a:solidFill>
+              <a:schemeClr val="lt2"/>
+            </a:solidFill>
+            <a:ln>
+              <a:noFill/>
+            </a:ln>
+          </p:spPr>
+          <p:txBody>
+            <a:bodyPr spcFirstLastPara="1" wrap="square" lIns="91425" tIns="91425" rIns="91425" bIns="91425" anchor="ctr" anchorCtr="0">
+              <a:noAutofit/>
+            </a:bodyPr>
+            <a:lstStyle/>
+            <a:p>
+              <a:pPr marL="0" lvl="0" indent="0" algn="l" rtl="0">
+                <a:spcBef>
+                  <a:spcPts val="0"/>
+                </a:spcBef>
+                <a:spcAft>
+                  <a:spcPts val="0"/>
+                </a:spcAft>
+                <a:buNone/>
+              </a:pPr>
+              <a:endParaRPr/>
+            </a:p>
+          </p:txBody>
+        </p:sp>
+        <p:sp>
+          <p:nvSpPr>
+            <p:cNvPr id="2041" name="Google Shape;2041;p47"/>
+            <p:cNvSpPr/>
+            <p:nvPr/>
+          </p:nvSpPr>
+          <p:spPr>
+            <a:xfrm>
+              <a:off x="-842482" y="2192366"/>
+              <a:ext cx="72740" cy="72740"/>
+            </a:xfrm>
+            <a:custGeom>
+              <a:avLst/>
+              <a:gdLst/>
+              <a:ahLst/>
+              <a:cxnLst/>
+              <a:rect l="l" t="t" r="r" b="b"/>
+              <a:pathLst>
+                <a:path w="2329" h="2329" extrusionOk="0">
+                  <a:moveTo>
+                    <a:pt x="1" y="0"/>
+                  </a:moveTo>
+                  <a:lnTo>
+                    <a:pt x="1" y="2329"/>
+                  </a:lnTo>
+                  <a:lnTo>
+                    <a:pt x="2329" y="2329"/>
+                  </a:lnTo>
+                  <a:lnTo>
+                    <a:pt x="2329" y="1544"/>
+                  </a:lnTo>
+                  <a:lnTo>
+                    <a:pt x="1544" y="1544"/>
+                  </a:lnTo>
+                  <a:lnTo>
+                    <a:pt x="1544" y="0"/>
+                  </a:lnTo>
+                  <a:close/>
+                </a:path>
+              </a:pathLst>
+            </a:custGeom>
+            <a:solidFill>
+              <a:schemeClr val="lt2"/>
+            </a:solidFill>
+            <a:ln>
+              <a:noFill/>
+            </a:ln>
+          </p:spPr>
+          <p:txBody>
+            <a:bodyPr spcFirstLastPara="1" wrap="square" lIns="91425" tIns="91425" rIns="91425" bIns="91425" anchor="ctr" anchorCtr="0">
+              <a:noAutofit/>
+            </a:bodyPr>
+            <a:lstStyle/>
+            <a:p>
+              <a:pPr marL="0" lvl="0" indent="0" algn="l" rtl="0">
+                <a:spcBef>
+                  <a:spcPts val="0"/>
+                </a:spcBef>
+                <a:spcAft>
+                  <a:spcPts val="0"/>
+                </a:spcAft>
+                <a:buNone/>
+              </a:pPr>
+              <a:endParaRPr/>
+            </a:p>
+          </p:txBody>
+        </p:sp>
+        <p:sp>
+          <p:nvSpPr>
+            <p:cNvPr id="2042" name="Google Shape;2042;p47"/>
+            <p:cNvSpPr/>
+            <p:nvPr/>
+          </p:nvSpPr>
+          <p:spPr>
+            <a:xfrm>
+              <a:off x="-891486" y="1997912"/>
+              <a:ext cx="97258" cy="169967"/>
+            </a:xfrm>
+            <a:custGeom>
+              <a:avLst/>
+              <a:gdLst/>
+              <a:ahLst/>
+              <a:cxnLst/>
+              <a:rect l="l" t="t" r="r" b="b"/>
+              <a:pathLst>
+                <a:path w="3114" h="5442" extrusionOk="0">
+                  <a:moveTo>
+                    <a:pt x="1949" y="1"/>
+                  </a:moveTo>
+                  <a:cubicBezTo>
+                    <a:pt x="886" y="1"/>
+                    <a:pt x="1" y="886"/>
+                    <a:pt x="1" y="1949"/>
+                  </a:cubicBezTo>
+                  <a:lnTo>
+                    <a:pt x="1" y="3493"/>
+                  </a:lnTo>
+                  <a:cubicBezTo>
+                    <a:pt x="1" y="4581"/>
+                    <a:pt x="886" y="5442"/>
+                    <a:pt x="1949" y="5442"/>
+                  </a:cubicBezTo>
+                  <a:lnTo>
+                    <a:pt x="3113" y="5442"/>
+                  </a:lnTo>
+                  <a:lnTo>
+                    <a:pt x="3113" y="1"/>
+                  </a:lnTo>
+                  <a:close/>
+                </a:path>
+              </a:pathLst>
+            </a:custGeom>
+            <a:solidFill>
+              <a:schemeClr val="lt2"/>
+            </a:solidFill>
+            <a:ln>
+              <a:noFill/>
+            </a:ln>
+          </p:spPr>
+          <p:txBody>
+            <a:bodyPr spcFirstLastPara="1" wrap="square" lIns="91425" tIns="91425" rIns="91425" bIns="91425" anchor="ctr" anchorCtr="0">
+              <a:noAutofit/>
+            </a:bodyPr>
+            <a:lstStyle/>
+            <a:p>
+              <a:pPr marL="0" lvl="0" indent="0" algn="l" rtl="0">
+                <a:spcBef>
+                  <a:spcPts val="0"/>
+                </a:spcBef>
+                <a:spcAft>
+                  <a:spcPts val="0"/>
+                </a:spcAft>
+                <a:buNone/>
+              </a:pPr>
+              <a:endParaRPr/>
+            </a:p>
+          </p:txBody>
+        </p:sp>
+        <p:sp>
+          <p:nvSpPr>
+            <p:cNvPr id="2043" name="Google Shape;2043;p47"/>
+            <p:cNvSpPr/>
+            <p:nvPr/>
+          </p:nvSpPr>
+          <p:spPr>
+            <a:xfrm>
+              <a:off x="-769773" y="1961558"/>
+              <a:ext cx="122556" cy="242708"/>
+            </a:xfrm>
+            <a:custGeom>
+              <a:avLst/>
+              <a:gdLst/>
+              <a:ahLst/>
+              <a:cxnLst/>
+              <a:rect l="l" t="t" r="r" b="b"/>
+              <a:pathLst>
+                <a:path w="3924" h="7771" extrusionOk="0">
+                  <a:moveTo>
+                    <a:pt x="3924" y="1"/>
+                  </a:moveTo>
+                  <a:cubicBezTo>
+                    <a:pt x="3924" y="659"/>
+                    <a:pt x="3418" y="1165"/>
+                    <a:pt x="2760" y="1165"/>
+                  </a:cubicBezTo>
+                  <a:lnTo>
+                    <a:pt x="1" y="1165"/>
+                  </a:lnTo>
+                  <a:lnTo>
+                    <a:pt x="1" y="6606"/>
+                  </a:lnTo>
+                  <a:lnTo>
+                    <a:pt x="2760" y="6606"/>
+                  </a:lnTo>
+                  <a:cubicBezTo>
+                    <a:pt x="3418" y="6606"/>
+                    <a:pt x="3924" y="7137"/>
+                    <a:pt x="3924" y="7770"/>
+                  </a:cubicBezTo>
+                  <a:lnTo>
+                    <a:pt x="3924" y="1"/>
+                  </a:lnTo>
+                  <a:close/>
+                </a:path>
+              </a:pathLst>
+            </a:custGeom>
+            <a:solidFill>
+              <a:schemeClr val="lt2"/>
+            </a:solidFill>
+            <a:ln>
+              <a:noFill/>
+            </a:ln>
+          </p:spPr>
+          <p:txBody>
+            <a:bodyPr spcFirstLastPara="1" wrap="square" lIns="91425" tIns="91425" rIns="91425" bIns="91425" anchor="ctr" anchorCtr="0">
+              <a:noAutofit/>
+            </a:bodyPr>
+            <a:lstStyle/>
+            <a:p>
+              <a:pPr marL="0" lvl="0" indent="0" algn="l" rtl="0">
+                <a:spcBef>
+                  <a:spcPts val="0"/>
+                </a:spcBef>
+                <a:spcAft>
+                  <a:spcPts val="0"/>
+                </a:spcAft>
+                <a:buNone/>
+              </a:pPr>
+              <a:endParaRPr/>
+            </a:p>
+          </p:txBody>
+        </p:sp>
       </p:grpSp>
+      <p:grpSp>
+        <p:nvGrpSpPr>
+          <p:cNvPr id="2044" name="Google Shape;2044;p47"/>
+          <p:cNvGrpSpPr/>
+          <p:nvPr/>
+        </p:nvGrpSpPr>
+        <p:grpSpPr>
+          <a:xfrm>
+            <a:off x="6866914" y="1741791"/>
+            <a:ext cx="727275" cy="722387"/>
+            <a:chOff x="-1571262" y="3231752"/>
+            <a:chExt cx="414237" cy="414237"/>
+          </a:xfrm>
+        </p:grpSpPr>
+        <p:sp>
+          <p:nvSpPr>
+            <p:cNvPr id="2045" name="Google Shape;2045;p47"/>
+            <p:cNvSpPr/>
+            <p:nvPr/>
+          </p:nvSpPr>
+          <p:spPr>
+            <a:xfrm>
+              <a:off x="-1571262" y="3231752"/>
+              <a:ext cx="414237" cy="414237"/>
+            </a:xfrm>
+            <a:custGeom>
+              <a:avLst/>
+              <a:gdLst/>
+              <a:ahLst/>
+              <a:cxnLst/>
+              <a:rect l="l" t="t" r="r" b="b"/>
+              <a:pathLst>
+                <a:path w="13263" h="13263" extrusionOk="0">
+                  <a:moveTo>
+                    <a:pt x="6632" y="1"/>
+                  </a:moveTo>
+                  <a:cubicBezTo>
+                    <a:pt x="3898" y="1"/>
+                    <a:pt x="1646" y="2203"/>
+                    <a:pt x="1595" y="4936"/>
+                  </a:cubicBezTo>
+                  <a:cubicBezTo>
+                    <a:pt x="659" y="5366"/>
+                    <a:pt x="1" y="6328"/>
+                    <a:pt x="1" y="7391"/>
+                  </a:cubicBezTo>
+                  <a:cubicBezTo>
+                    <a:pt x="1" y="8909"/>
+                    <a:pt x="1241" y="10149"/>
+                    <a:pt x="2734" y="10149"/>
+                  </a:cubicBezTo>
+                  <a:lnTo>
+                    <a:pt x="3139" y="10149"/>
+                  </a:lnTo>
+                  <a:lnTo>
+                    <a:pt x="3139" y="4658"/>
+                  </a:lnTo>
+                  <a:lnTo>
+                    <a:pt x="2734" y="4658"/>
+                  </a:lnTo>
+                  <a:cubicBezTo>
+                    <a:pt x="2608" y="4658"/>
+                    <a:pt x="2506" y="4683"/>
+                    <a:pt x="2380" y="4683"/>
+                  </a:cubicBezTo>
+                  <a:cubicBezTo>
+                    <a:pt x="2557" y="2506"/>
+                    <a:pt x="4379" y="786"/>
+                    <a:pt x="6632" y="786"/>
+                  </a:cubicBezTo>
+                  <a:cubicBezTo>
+                    <a:pt x="8859" y="786"/>
+                    <a:pt x="10706" y="2506"/>
+                    <a:pt x="10883" y="4683"/>
+                  </a:cubicBezTo>
+                  <a:cubicBezTo>
+                    <a:pt x="10757" y="4683"/>
+                    <a:pt x="10630" y="4658"/>
+                    <a:pt x="10504" y="4658"/>
+                  </a:cubicBezTo>
+                  <a:lnTo>
+                    <a:pt x="10124" y="4658"/>
+                  </a:lnTo>
+                  <a:lnTo>
+                    <a:pt x="10124" y="10149"/>
+                  </a:lnTo>
+                  <a:lnTo>
+                    <a:pt x="10504" y="10149"/>
+                  </a:lnTo>
+                  <a:cubicBezTo>
+                    <a:pt x="10630" y="10149"/>
+                    <a:pt x="10757" y="10124"/>
+                    <a:pt x="10909" y="10099"/>
+                  </a:cubicBezTo>
+                  <a:lnTo>
+                    <a:pt x="10909" y="11693"/>
+                  </a:lnTo>
+                  <a:lnTo>
+                    <a:pt x="7796" y="11693"/>
+                  </a:lnTo>
+                  <a:lnTo>
+                    <a:pt x="7796" y="10934"/>
+                  </a:lnTo>
+                  <a:lnTo>
+                    <a:pt x="6632" y="10934"/>
+                  </a:lnTo>
+                  <a:cubicBezTo>
+                    <a:pt x="5974" y="10934"/>
+                    <a:pt x="5467" y="11440"/>
+                    <a:pt x="5467" y="12098"/>
+                  </a:cubicBezTo>
+                  <a:cubicBezTo>
+                    <a:pt x="5467" y="12731"/>
+                    <a:pt x="5974" y="13262"/>
+                    <a:pt x="6632" y="13262"/>
+                  </a:cubicBezTo>
+                  <a:lnTo>
+                    <a:pt x="7796" y="13262"/>
+                  </a:lnTo>
+                  <a:lnTo>
+                    <a:pt x="7796" y="12478"/>
+                  </a:lnTo>
+                  <a:lnTo>
+                    <a:pt x="11668" y="12478"/>
+                  </a:lnTo>
+                  <a:lnTo>
+                    <a:pt x="11668" y="9871"/>
+                  </a:lnTo>
+                  <a:cubicBezTo>
+                    <a:pt x="12579" y="9441"/>
+                    <a:pt x="13262" y="8479"/>
+                    <a:pt x="13262" y="7391"/>
+                  </a:cubicBezTo>
+                  <a:cubicBezTo>
+                    <a:pt x="13262" y="6328"/>
+                    <a:pt x="12579" y="5366"/>
+                    <a:pt x="11668" y="4936"/>
+                  </a:cubicBezTo>
+                  <a:cubicBezTo>
+                    <a:pt x="11617" y="2203"/>
+                    <a:pt x="9365" y="1"/>
+                    <a:pt x="6632" y="1"/>
+                  </a:cubicBezTo>
+                  <a:close/>
+                </a:path>
+              </a:pathLst>
+            </a:custGeom>
+            <a:solidFill>
+              <a:schemeClr val="lt2"/>
+            </a:solidFill>
+            <a:ln>
+              <a:noFill/>
+            </a:ln>
+          </p:spPr>
+          <p:txBody>
+            <a:bodyPr spcFirstLastPara="1" wrap="square" lIns="91425" tIns="91425" rIns="91425" bIns="91425" anchor="ctr" anchorCtr="0">
+              <a:noAutofit/>
+            </a:bodyPr>
+            <a:lstStyle/>
+            <a:p>
+              <a:pPr marL="0" lvl="0" indent="0" algn="l" rtl="0">
+                <a:spcBef>
+                  <a:spcPts val="0"/>
+                </a:spcBef>
+                <a:spcAft>
+                  <a:spcPts val="0"/>
+                </a:spcAft>
+                <a:buNone/>
+              </a:pPr>
+              <a:endParaRPr/>
+            </a:p>
+          </p:txBody>
+        </p:sp>
+        <p:sp>
+          <p:nvSpPr>
+            <p:cNvPr id="2046" name="Google Shape;2046;p47"/>
+            <p:cNvSpPr/>
+            <p:nvPr/>
+          </p:nvSpPr>
+          <p:spPr>
+            <a:xfrm>
+              <a:off x="-1448737" y="3377202"/>
+              <a:ext cx="169186" cy="171560"/>
+            </a:xfrm>
+            <a:custGeom>
+              <a:avLst/>
+              <a:gdLst/>
+              <a:ahLst/>
+              <a:cxnLst/>
+              <a:rect l="l" t="t" r="r" b="b"/>
+              <a:pathLst>
+                <a:path w="5417" h="5493" extrusionOk="0">
+                  <a:moveTo>
+                    <a:pt x="3088" y="1570"/>
+                  </a:moveTo>
+                  <a:lnTo>
+                    <a:pt x="3088" y="2354"/>
+                  </a:lnTo>
+                  <a:lnTo>
+                    <a:pt x="3873" y="2354"/>
+                  </a:lnTo>
+                  <a:lnTo>
+                    <a:pt x="3873" y="3139"/>
+                  </a:lnTo>
+                  <a:lnTo>
+                    <a:pt x="2304" y="3139"/>
+                  </a:lnTo>
+                  <a:lnTo>
+                    <a:pt x="2304" y="1570"/>
+                  </a:lnTo>
+                  <a:close/>
+                  <a:moveTo>
+                    <a:pt x="2709" y="1"/>
+                  </a:moveTo>
+                  <a:cubicBezTo>
+                    <a:pt x="1215" y="1"/>
+                    <a:pt x="1" y="1241"/>
+                    <a:pt x="1" y="2734"/>
+                  </a:cubicBezTo>
+                  <a:cubicBezTo>
+                    <a:pt x="1" y="4252"/>
+                    <a:pt x="1215" y="5492"/>
+                    <a:pt x="2709" y="5492"/>
+                  </a:cubicBezTo>
+                  <a:cubicBezTo>
+                    <a:pt x="4202" y="5492"/>
+                    <a:pt x="5416" y="4252"/>
+                    <a:pt x="5416" y="2734"/>
+                  </a:cubicBezTo>
+                  <a:cubicBezTo>
+                    <a:pt x="5416" y="1241"/>
+                    <a:pt x="4202" y="1"/>
+                    <a:pt x="2709" y="1"/>
+                  </a:cubicBezTo>
+                  <a:close/>
+                </a:path>
+              </a:pathLst>
+            </a:custGeom>
+            <a:solidFill>
+              <a:schemeClr val="lt2"/>
+            </a:solidFill>
+            <a:ln>
+              <a:noFill/>
+            </a:ln>
+          </p:spPr>
+          <p:txBody>
+            <a:bodyPr spcFirstLastPara="1" wrap="square" lIns="91425" tIns="91425" rIns="91425" bIns="91425" anchor="ctr" anchorCtr="0">
+              <a:noAutofit/>
+            </a:bodyPr>
+            <a:lstStyle/>
+            <a:p>
+              <a:pPr marL="0" lvl="0" indent="0" algn="l" rtl="0">
+                <a:spcBef>
+                  <a:spcPts val="0"/>
+                </a:spcBef>
+                <a:spcAft>
+                  <a:spcPts val="0"/>
+                </a:spcAft>
+                <a:buNone/>
+              </a:pPr>
+              <a:endParaRPr/>
+            </a:p>
+          </p:txBody>
+        </p:sp>
+      </p:grpSp>
+    </p:spTree>
+  </p:cSld>
+  <p:clrMapOvr>
+    <a:masterClrMapping/>
+  </p:clrMapOvr>
+</p:sld>
+</file>
+
+<file path=ppt/slides/slide9.xml><?xml version="1.0" encoding="utf-8"?>
+<p:sld xmlns:a="http://schemas.openxmlformats.org/drawingml/2006/main" xmlns:r="http://schemas.openxmlformats.org/officeDocument/2006/relationships" xmlns:p="http://schemas.openxmlformats.org/presentationml/2006/main">
+  <p:cSld>
+    <p:spTree>
+      <p:nvGrpSpPr>
+        <p:cNvPr id="1" name="Shape 2022"/>
+        <p:cNvGrpSpPr/>
+        <p:nvPr/>
+      </p:nvGrpSpPr>
+      <p:grpSpPr>
+        <a:xfrm>
+          <a:off x="0" y="0"/>
+          <a:ext cx="0" cy="0"/>
+          <a:chOff x="0" y="0"/>
+          <a:chExt cx="0" cy="0"/>
+        </a:xfrm>
+      </p:grpSpPr>
       <p:sp>
         <p:nvSpPr>
-          <p:cNvPr id="2417" name="Google Shape;2417;p63"/>
+          <p:cNvPr id="2023" name="Google Shape;2023;p47"/>
           <p:cNvSpPr txBox="1">
             <a:spLocks noGrp="1"/>
           </p:cNvSpPr>
@@ -51796,8 +56751,8 @@
         </p:nvSpPr>
         <p:spPr>
           <a:xfrm>
-            <a:off x="4847520" y="1749946"/>
-            <a:ext cx="2958332" cy="762332"/>
+            <a:off x="713225" y="520925"/>
+            <a:ext cx="7717500" cy="708000"/>
           </a:xfrm>
           <a:prstGeom prst="rect">
             <a:avLst/>
@@ -51809,7 +56764,7 @@
           </a:bodyPr>
           <a:lstStyle/>
           <a:p>
-            <a:pPr marL="0" lvl="0" indent="0" algn="r" rtl="0">
+            <a:pPr marL="0" lvl="0" indent="0" algn="ctr" rtl="0">
               <a:spcBef>
                 <a:spcPts val="0"/>
               </a:spcBef>
@@ -51819,66 +56774,191 @@
               <a:buNone/>
             </a:pPr>
             <a:r>
-              <a:rPr lang="en" sz="4000" dirty="0">
-                <a:solidFill>
-                  <a:schemeClr val="lt2"/>
-                </a:solidFill>
-              </a:rPr>
-              <a:t>OBRIGADO!</a:t>
+              <a:rPr lang="en" dirty="0"/>
+              <a:t>MODELOS DE RECEITA</a:t>
             </a:r>
-            <a:endParaRPr sz="4000" dirty="0">
-              <a:solidFill>
-                <a:schemeClr val="lt2"/>
-              </a:solidFill>
-            </a:endParaRPr>
+            <a:endParaRPr dirty="0"/>
           </a:p>
         </p:txBody>
       </p:sp>
-      <p:pic>
-        <p:nvPicPr>
-          <p:cNvPr id="2419" name="Google Shape;2419;p63"/>
-          <p:cNvPicPr preferRelativeResize="0"/>
-          <p:nvPr/>
-        </p:nvPicPr>
-        <p:blipFill rotWithShape="1">
-          <a:blip r:embed="rId3">
-            <a:alphaModFix/>
-          </a:blip>
-          <a:srcRect l="11611" r="55156"/>
-          <a:stretch/>
-        </p:blipFill>
+      <p:sp>
+        <p:nvSpPr>
+          <p:cNvPr id="2024" name="Google Shape;2024;p47"/>
+          <p:cNvSpPr txBox="1">
+            <a:spLocks noGrp="1"/>
+          </p:cNvSpPr>
+          <p:nvPr>
+            <p:ph type="subTitle" idx="1"/>
+          </p:nvPr>
+        </p:nvSpPr>
         <p:spPr>
           <a:xfrm>
-            <a:off x="1573675" y="1198500"/>
-            <a:ext cx="1513176" cy="2561250"/>
+            <a:off x="1741575" y="3244750"/>
+            <a:ext cx="2172600" cy="926700"/>
           </a:xfrm>
           <a:prstGeom prst="rect">
             <a:avLst/>
           </a:prstGeom>
-          <a:noFill/>
-          <a:ln w="28575" cap="flat" cmpd="sng">
-            <a:solidFill>
-              <a:schemeClr val="dk1"/>
-            </a:solidFill>
-            <a:prstDash val="solid"/>
-            <a:round/>
-            <a:headEnd type="none" w="sm" len="sm"/>
-            <a:tailEnd type="none" w="sm" len="sm"/>
-          </a:ln>
         </p:spPr>
-      </p:pic>
+        <p:txBody>
+          <a:bodyPr spcFirstLastPara="1" wrap="square" lIns="91425" tIns="91425" rIns="91425" bIns="91425" anchor="t" anchorCtr="0">
+            <a:noAutofit/>
+          </a:bodyPr>
+          <a:lstStyle/>
+          <a:p>
+            <a:pPr marL="0" lvl="0" indent="0" algn="ctr" rtl="0">
+              <a:spcBef>
+                <a:spcPts val="0"/>
+              </a:spcBef>
+              <a:spcAft>
+                <a:spcPts val="0"/>
+              </a:spcAft>
+              <a:buNone/>
+            </a:pPr>
+            <a:r>
+              <a:rPr lang="en" dirty="0"/>
+              <a:t>Cobrar uma mínima porcentagem por cada transação concluída.</a:t>
+            </a:r>
+            <a:endParaRPr dirty="0"/>
+          </a:p>
+        </p:txBody>
+      </p:sp>
+      <p:sp>
+        <p:nvSpPr>
+          <p:cNvPr id="2025" name="Google Shape;2025;p47"/>
+          <p:cNvSpPr txBox="1">
+            <a:spLocks noGrp="1"/>
+          </p:cNvSpPr>
+          <p:nvPr>
+            <p:ph type="subTitle" idx="2"/>
+          </p:nvPr>
+        </p:nvSpPr>
+        <p:spPr>
+          <a:xfrm>
+            <a:off x="1718715" y="2775700"/>
+            <a:ext cx="2172600" cy="554100"/>
+          </a:xfrm>
+          <a:prstGeom prst="rect">
+            <a:avLst/>
+          </a:prstGeom>
+        </p:spPr>
+        <p:txBody>
+          <a:bodyPr spcFirstLastPara="1" wrap="square" lIns="91425" tIns="91425" rIns="91425" bIns="91425" anchor="b" anchorCtr="0">
+            <a:noAutofit/>
+          </a:bodyPr>
+          <a:lstStyle/>
+          <a:p>
+            <a:pPr marL="0" lvl="0" indent="0" algn="ctr" rtl="0">
+              <a:spcBef>
+                <a:spcPts val="0"/>
+              </a:spcBef>
+              <a:spcAft>
+                <a:spcPts val="0"/>
+              </a:spcAft>
+              <a:buNone/>
+            </a:pPr>
+            <a:r>
+              <a:rPr lang="en" dirty="0"/>
+              <a:t>Comissão</a:t>
+            </a:r>
+            <a:endParaRPr dirty="0"/>
+          </a:p>
+        </p:txBody>
+      </p:sp>
+      <p:sp>
+        <p:nvSpPr>
+          <p:cNvPr id="2026" name="Google Shape;2026;p47"/>
+          <p:cNvSpPr txBox="1">
+            <a:spLocks noGrp="1"/>
+          </p:cNvSpPr>
+          <p:nvPr>
+            <p:ph type="subTitle" idx="3"/>
+          </p:nvPr>
+        </p:nvSpPr>
+        <p:spPr>
+          <a:xfrm>
+            <a:off x="5397615" y="3244756"/>
+            <a:ext cx="2172300" cy="926700"/>
+          </a:xfrm>
+          <a:prstGeom prst="rect">
+            <a:avLst/>
+          </a:prstGeom>
+        </p:spPr>
+        <p:txBody>
+          <a:bodyPr spcFirstLastPara="1" wrap="square" lIns="91425" tIns="91425" rIns="91425" bIns="91425" anchor="t" anchorCtr="0">
+            <a:noAutofit/>
+          </a:bodyPr>
+          <a:lstStyle/>
+          <a:p>
+            <a:pPr marL="0" lvl="0" indent="0" algn="ctr" rtl="0">
+              <a:spcBef>
+                <a:spcPts val="0"/>
+              </a:spcBef>
+              <a:spcAft>
+                <a:spcPts val="0"/>
+              </a:spcAft>
+              <a:buNone/>
+            </a:pPr>
+            <a:r>
+              <a:rPr lang="en" dirty="0"/>
+              <a:t>Taxa única ou recorrente para licenciar o software para quem quiser utilizar de forma independente.</a:t>
+            </a:r>
+            <a:endParaRPr dirty="0"/>
+          </a:p>
+        </p:txBody>
+      </p:sp>
+      <p:sp>
+        <p:nvSpPr>
+          <p:cNvPr id="2027" name="Google Shape;2027;p47"/>
+          <p:cNvSpPr txBox="1">
+            <a:spLocks noGrp="1"/>
+          </p:cNvSpPr>
+          <p:nvPr>
+            <p:ph type="subTitle" idx="4"/>
+          </p:nvPr>
+        </p:nvSpPr>
+        <p:spPr>
+          <a:xfrm>
+            <a:off x="5329035" y="2775700"/>
+            <a:ext cx="2172300" cy="554100"/>
+          </a:xfrm>
+          <a:prstGeom prst="rect">
+            <a:avLst/>
+          </a:prstGeom>
+        </p:spPr>
+        <p:txBody>
+          <a:bodyPr spcFirstLastPara="1" wrap="square" lIns="91425" tIns="91425" rIns="91425" bIns="91425" anchor="b" anchorCtr="0">
+            <a:noAutofit/>
+          </a:bodyPr>
+          <a:lstStyle/>
+          <a:p>
+            <a:pPr marL="0" lvl="0" indent="0" algn="ctr" rtl="0">
+              <a:spcBef>
+                <a:spcPts val="0"/>
+              </a:spcBef>
+              <a:spcAft>
+                <a:spcPts val="0"/>
+              </a:spcAft>
+              <a:buNone/>
+            </a:pPr>
+            <a:r>
+              <a:rPr lang="en" dirty="0"/>
+              <a:t>Licenciamento</a:t>
+            </a:r>
+            <a:endParaRPr dirty="0"/>
+          </a:p>
+        </p:txBody>
+      </p:sp>
       <p:cxnSp>
         <p:nvCxnSpPr>
-          <p:cNvPr id="2420" name="Google Shape;2420;p63"/>
-          <p:cNvCxnSpPr>
-            <a:cxnSpLocks/>
-          </p:cNvCxnSpPr>
+          <p:cNvPr id="2030" name="Google Shape;2030;p47"/>
+          <p:cNvCxnSpPr/>
           <p:nvPr/>
         </p:nvCxnSpPr>
         <p:spPr>
           <a:xfrm>
-            <a:off x="5360020" y="2614100"/>
-            <a:ext cx="2383380" cy="0"/>
+            <a:off x="2211335" y="2701275"/>
+            <a:ext cx="1202400" cy="0"/>
           </a:xfrm>
           <a:prstGeom prst="straightConnector1">
             <a:avLst/>
@@ -51895,7 +56975,534 @@
           </a:ln>
         </p:spPr>
       </p:cxnSp>
+      <p:cxnSp>
+        <p:nvCxnSpPr>
+          <p:cNvPr id="2031" name="Google Shape;2031;p47"/>
+          <p:cNvCxnSpPr/>
+          <p:nvPr/>
+        </p:nvCxnSpPr>
+        <p:spPr>
+          <a:xfrm>
+            <a:off x="5775910" y="2701275"/>
+            <a:ext cx="1202400" cy="0"/>
+          </a:xfrm>
+          <a:prstGeom prst="straightConnector1">
+            <a:avLst/>
+          </a:prstGeom>
+          <a:noFill/>
+          <a:ln w="28575" cap="flat" cmpd="sng">
+            <a:solidFill>
+              <a:schemeClr val="dk1"/>
+            </a:solidFill>
+            <a:prstDash val="solid"/>
+            <a:round/>
+            <a:headEnd type="none" w="med" len="med"/>
+            <a:tailEnd type="none" w="med" len="med"/>
+          </a:ln>
+        </p:spPr>
+      </p:cxnSp>
+      <p:grpSp>
+        <p:nvGrpSpPr>
+          <p:cNvPr id="2033" name="Google Shape;2033;p47"/>
+          <p:cNvGrpSpPr/>
+          <p:nvPr/>
+        </p:nvGrpSpPr>
+        <p:grpSpPr>
+          <a:xfrm>
+            <a:off x="2502265" y="1741845"/>
+            <a:ext cx="727220" cy="722333"/>
+            <a:chOff x="-1467695" y="1926796"/>
+            <a:chExt cx="414205" cy="414205"/>
+          </a:xfrm>
+        </p:grpSpPr>
+        <p:sp>
+          <p:nvSpPr>
+            <p:cNvPr id="2034" name="Google Shape;2034;p47"/>
+            <p:cNvSpPr/>
+            <p:nvPr/>
+          </p:nvSpPr>
+          <p:spPr>
+            <a:xfrm>
+              <a:off x="-1467695" y="1926796"/>
+              <a:ext cx="343870" cy="414205"/>
+            </a:xfrm>
+            <a:custGeom>
+              <a:avLst/>
+              <a:gdLst/>
+              <a:ahLst/>
+              <a:cxnLst/>
+              <a:rect l="l" t="t" r="r" b="b"/>
+              <a:pathLst>
+                <a:path w="11010" h="13262" extrusionOk="0">
+                  <a:moveTo>
+                    <a:pt x="3923" y="3897"/>
+                  </a:moveTo>
+                  <a:lnTo>
+                    <a:pt x="3923" y="4682"/>
+                  </a:lnTo>
+                  <a:lnTo>
+                    <a:pt x="4682" y="4682"/>
+                  </a:lnTo>
+                  <a:lnTo>
+                    <a:pt x="4682" y="5466"/>
+                  </a:lnTo>
+                  <a:lnTo>
+                    <a:pt x="3518" y="5466"/>
+                  </a:lnTo>
+                  <a:cubicBezTo>
+                    <a:pt x="3316" y="5466"/>
+                    <a:pt x="3138" y="5618"/>
+                    <a:pt x="3138" y="5846"/>
+                  </a:cubicBezTo>
+                  <a:lnTo>
+                    <a:pt x="3138" y="6226"/>
+                  </a:lnTo>
+                  <a:lnTo>
+                    <a:pt x="4682" y="6226"/>
+                  </a:lnTo>
+                  <a:lnTo>
+                    <a:pt x="4682" y="7390"/>
+                  </a:lnTo>
+                  <a:cubicBezTo>
+                    <a:pt x="4682" y="7896"/>
+                    <a:pt x="4353" y="8326"/>
+                    <a:pt x="3923" y="8503"/>
+                  </a:cubicBezTo>
+                  <a:lnTo>
+                    <a:pt x="3923" y="9339"/>
+                  </a:lnTo>
+                  <a:lnTo>
+                    <a:pt x="3138" y="9339"/>
+                  </a:lnTo>
+                  <a:lnTo>
+                    <a:pt x="3138" y="8554"/>
+                  </a:lnTo>
+                  <a:lnTo>
+                    <a:pt x="2354" y="8554"/>
+                  </a:lnTo>
+                  <a:lnTo>
+                    <a:pt x="2354" y="7795"/>
+                  </a:lnTo>
+                  <a:lnTo>
+                    <a:pt x="3518" y="7795"/>
+                  </a:lnTo>
+                  <a:cubicBezTo>
+                    <a:pt x="3746" y="7795"/>
+                    <a:pt x="3923" y="7618"/>
+                    <a:pt x="3923" y="7415"/>
+                  </a:cubicBezTo>
+                  <a:lnTo>
+                    <a:pt x="3923" y="7010"/>
+                  </a:lnTo>
+                  <a:lnTo>
+                    <a:pt x="2354" y="7010"/>
+                  </a:lnTo>
+                  <a:lnTo>
+                    <a:pt x="2354" y="5846"/>
+                  </a:lnTo>
+                  <a:cubicBezTo>
+                    <a:pt x="2354" y="5340"/>
+                    <a:pt x="2683" y="4910"/>
+                    <a:pt x="3138" y="4758"/>
+                  </a:cubicBezTo>
+                  <a:lnTo>
+                    <a:pt x="3138" y="3897"/>
+                  </a:lnTo>
+                  <a:close/>
+                  <a:moveTo>
+                    <a:pt x="6251" y="0"/>
+                  </a:moveTo>
+                  <a:cubicBezTo>
+                    <a:pt x="2835" y="202"/>
+                    <a:pt x="0" y="3062"/>
+                    <a:pt x="0" y="6631"/>
+                  </a:cubicBezTo>
+                  <a:cubicBezTo>
+                    <a:pt x="0" y="10199"/>
+                    <a:pt x="2987" y="13261"/>
+                    <a:pt x="6631" y="13261"/>
+                  </a:cubicBezTo>
+                  <a:cubicBezTo>
+                    <a:pt x="8276" y="13261"/>
+                    <a:pt x="9820" y="12629"/>
+                    <a:pt x="11009" y="11566"/>
+                  </a:cubicBezTo>
+                  <a:lnTo>
+                    <a:pt x="6251" y="6782"/>
+                  </a:lnTo>
+                  <a:lnTo>
+                    <a:pt x="6251" y="0"/>
+                  </a:lnTo>
+                  <a:close/>
+                </a:path>
+              </a:pathLst>
+            </a:custGeom>
+            <a:solidFill>
+              <a:schemeClr val="lt2"/>
+            </a:solidFill>
+            <a:ln>
+              <a:noFill/>
+            </a:ln>
+          </p:spPr>
+          <p:txBody>
+            <a:bodyPr spcFirstLastPara="1" wrap="square" lIns="91425" tIns="91425" rIns="91425" bIns="91425" anchor="ctr" anchorCtr="0">
+              <a:noAutofit/>
+            </a:bodyPr>
+            <a:lstStyle/>
+            <a:p>
+              <a:pPr marL="0" lvl="0" indent="0" algn="l" rtl="0">
+                <a:spcBef>
+                  <a:spcPts val="0"/>
+                </a:spcBef>
+                <a:spcAft>
+                  <a:spcPts val="0"/>
+                </a:spcAft>
+                <a:buNone/>
+              </a:pPr>
+              <a:endParaRPr/>
+            </a:p>
+          </p:txBody>
+        </p:sp>
+        <p:sp>
+          <p:nvSpPr>
+            <p:cNvPr id="2035" name="Google Shape;2035;p47"/>
+            <p:cNvSpPr/>
+            <p:nvPr/>
+          </p:nvSpPr>
+          <p:spPr>
+            <a:xfrm>
+              <a:off x="-1247974" y="1926796"/>
+              <a:ext cx="194485" cy="343839"/>
+            </a:xfrm>
+            <a:custGeom>
+              <a:avLst/>
+              <a:gdLst/>
+              <a:ahLst/>
+              <a:cxnLst/>
+              <a:rect l="l" t="t" r="r" b="b"/>
+              <a:pathLst>
+                <a:path w="6227" h="11009" extrusionOk="0">
+                  <a:moveTo>
+                    <a:pt x="1" y="0"/>
+                  </a:moveTo>
+                  <a:lnTo>
+                    <a:pt x="1" y="6453"/>
+                  </a:lnTo>
+                  <a:lnTo>
+                    <a:pt x="4531" y="11009"/>
+                  </a:lnTo>
+                  <a:cubicBezTo>
+                    <a:pt x="5594" y="9819"/>
+                    <a:pt x="6226" y="8276"/>
+                    <a:pt x="6226" y="6631"/>
+                  </a:cubicBezTo>
+                  <a:cubicBezTo>
+                    <a:pt x="6226" y="3062"/>
+                    <a:pt x="3392" y="202"/>
+                    <a:pt x="1" y="0"/>
+                  </a:cubicBezTo>
+                  <a:close/>
+                </a:path>
+              </a:pathLst>
+            </a:custGeom>
+            <a:solidFill>
+              <a:schemeClr val="lt2"/>
+            </a:solidFill>
+            <a:ln>
+              <a:noFill/>
+            </a:ln>
+          </p:spPr>
+          <p:txBody>
+            <a:bodyPr spcFirstLastPara="1" wrap="square" lIns="91425" tIns="91425" rIns="91425" bIns="91425" anchor="ctr" anchorCtr="0">
+              <a:noAutofit/>
+            </a:bodyPr>
+            <a:lstStyle/>
+            <a:p>
+              <a:pPr marL="0" lvl="0" indent="0" algn="l" rtl="0">
+                <a:spcBef>
+                  <a:spcPts val="0"/>
+                </a:spcBef>
+                <a:spcAft>
+                  <a:spcPts val="0"/>
+                </a:spcAft>
+                <a:buNone/>
+              </a:pPr>
+              <a:endParaRPr/>
+            </a:p>
+          </p:txBody>
+        </p:sp>
+      </p:grpSp>
+      <p:grpSp>
+        <p:nvGrpSpPr>
+          <p:cNvPr id="2044" name="Google Shape;2044;p47"/>
+          <p:cNvGrpSpPr/>
+          <p:nvPr/>
+        </p:nvGrpSpPr>
+        <p:grpSpPr>
+          <a:xfrm>
+            <a:off x="5937274" y="1741791"/>
+            <a:ext cx="727275" cy="722387"/>
+            <a:chOff x="-1571262" y="3231752"/>
+            <a:chExt cx="414237" cy="414237"/>
+          </a:xfrm>
+        </p:grpSpPr>
+        <p:sp>
+          <p:nvSpPr>
+            <p:cNvPr id="2045" name="Google Shape;2045;p47"/>
+            <p:cNvSpPr/>
+            <p:nvPr/>
+          </p:nvSpPr>
+          <p:spPr>
+            <a:xfrm>
+              <a:off x="-1571262" y="3231752"/>
+              <a:ext cx="414237" cy="414237"/>
+            </a:xfrm>
+            <a:custGeom>
+              <a:avLst/>
+              <a:gdLst/>
+              <a:ahLst/>
+              <a:cxnLst/>
+              <a:rect l="l" t="t" r="r" b="b"/>
+              <a:pathLst>
+                <a:path w="13263" h="13263" extrusionOk="0">
+                  <a:moveTo>
+                    <a:pt x="6632" y="1"/>
+                  </a:moveTo>
+                  <a:cubicBezTo>
+                    <a:pt x="3898" y="1"/>
+                    <a:pt x="1646" y="2203"/>
+                    <a:pt x="1595" y="4936"/>
+                  </a:cubicBezTo>
+                  <a:cubicBezTo>
+                    <a:pt x="659" y="5366"/>
+                    <a:pt x="1" y="6328"/>
+                    <a:pt x="1" y="7391"/>
+                  </a:cubicBezTo>
+                  <a:cubicBezTo>
+                    <a:pt x="1" y="8909"/>
+                    <a:pt x="1241" y="10149"/>
+                    <a:pt x="2734" y="10149"/>
+                  </a:cubicBezTo>
+                  <a:lnTo>
+                    <a:pt x="3139" y="10149"/>
+                  </a:lnTo>
+                  <a:lnTo>
+                    <a:pt x="3139" y="4658"/>
+                  </a:lnTo>
+                  <a:lnTo>
+                    <a:pt x="2734" y="4658"/>
+                  </a:lnTo>
+                  <a:cubicBezTo>
+                    <a:pt x="2608" y="4658"/>
+                    <a:pt x="2506" y="4683"/>
+                    <a:pt x="2380" y="4683"/>
+                  </a:cubicBezTo>
+                  <a:cubicBezTo>
+                    <a:pt x="2557" y="2506"/>
+                    <a:pt x="4379" y="786"/>
+                    <a:pt x="6632" y="786"/>
+                  </a:cubicBezTo>
+                  <a:cubicBezTo>
+                    <a:pt x="8859" y="786"/>
+                    <a:pt x="10706" y="2506"/>
+                    <a:pt x="10883" y="4683"/>
+                  </a:cubicBezTo>
+                  <a:cubicBezTo>
+                    <a:pt x="10757" y="4683"/>
+                    <a:pt x="10630" y="4658"/>
+                    <a:pt x="10504" y="4658"/>
+                  </a:cubicBezTo>
+                  <a:lnTo>
+                    <a:pt x="10124" y="4658"/>
+                  </a:lnTo>
+                  <a:lnTo>
+                    <a:pt x="10124" y="10149"/>
+                  </a:lnTo>
+                  <a:lnTo>
+                    <a:pt x="10504" y="10149"/>
+                  </a:lnTo>
+                  <a:cubicBezTo>
+                    <a:pt x="10630" y="10149"/>
+                    <a:pt x="10757" y="10124"/>
+                    <a:pt x="10909" y="10099"/>
+                  </a:cubicBezTo>
+                  <a:lnTo>
+                    <a:pt x="10909" y="11693"/>
+                  </a:lnTo>
+                  <a:lnTo>
+                    <a:pt x="7796" y="11693"/>
+                  </a:lnTo>
+                  <a:lnTo>
+                    <a:pt x="7796" y="10934"/>
+                  </a:lnTo>
+                  <a:lnTo>
+                    <a:pt x="6632" y="10934"/>
+                  </a:lnTo>
+                  <a:cubicBezTo>
+                    <a:pt x="5974" y="10934"/>
+                    <a:pt x="5467" y="11440"/>
+                    <a:pt x="5467" y="12098"/>
+                  </a:cubicBezTo>
+                  <a:cubicBezTo>
+                    <a:pt x="5467" y="12731"/>
+                    <a:pt x="5974" y="13262"/>
+                    <a:pt x="6632" y="13262"/>
+                  </a:cubicBezTo>
+                  <a:lnTo>
+                    <a:pt x="7796" y="13262"/>
+                  </a:lnTo>
+                  <a:lnTo>
+                    <a:pt x="7796" y="12478"/>
+                  </a:lnTo>
+                  <a:lnTo>
+                    <a:pt x="11668" y="12478"/>
+                  </a:lnTo>
+                  <a:lnTo>
+                    <a:pt x="11668" y="9871"/>
+                  </a:lnTo>
+                  <a:cubicBezTo>
+                    <a:pt x="12579" y="9441"/>
+                    <a:pt x="13262" y="8479"/>
+                    <a:pt x="13262" y="7391"/>
+                  </a:cubicBezTo>
+                  <a:cubicBezTo>
+                    <a:pt x="13262" y="6328"/>
+                    <a:pt x="12579" y="5366"/>
+                    <a:pt x="11668" y="4936"/>
+                  </a:cubicBezTo>
+                  <a:cubicBezTo>
+                    <a:pt x="11617" y="2203"/>
+                    <a:pt x="9365" y="1"/>
+                    <a:pt x="6632" y="1"/>
+                  </a:cubicBezTo>
+                  <a:close/>
+                </a:path>
+              </a:pathLst>
+            </a:custGeom>
+            <a:solidFill>
+              <a:schemeClr val="lt2"/>
+            </a:solidFill>
+            <a:ln>
+              <a:noFill/>
+            </a:ln>
+          </p:spPr>
+          <p:txBody>
+            <a:bodyPr spcFirstLastPara="1" wrap="square" lIns="91425" tIns="91425" rIns="91425" bIns="91425" anchor="ctr" anchorCtr="0">
+              <a:noAutofit/>
+            </a:bodyPr>
+            <a:lstStyle/>
+            <a:p>
+              <a:pPr marL="0" lvl="0" indent="0" algn="l" rtl="0">
+                <a:spcBef>
+                  <a:spcPts val="0"/>
+                </a:spcBef>
+                <a:spcAft>
+                  <a:spcPts val="0"/>
+                </a:spcAft>
+                <a:buNone/>
+              </a:pPr>
+              <a:endParaRPr/>
+            </a:p>
+          </p:txBody>
+        </p:sp>
+        <p:sp>
+          <p:nvSpPr>
+            <p:cNvPr id="2046" name="Google Shape;2046;p47"/>
+            <p:cNvSpPr/>
+            <p:nvPr/>
+          </p:nvSpPr>
+          <p:spPr>
+            <a:xfrm>
+              <a:off x="-1448737" y="3377202"/>
+              <a:ext cx="169186" cy="171560"/>
+            </a:xfrm>
+            <a:custGeom>
+              <a:avLst/>
+              <a:gdLst/>
+              <a:ahLst/>
+              <a:cxnLst/>
+              <a:rect l="l" t="t" r="r" b="b"/>
+              <a:pathLst>
+                <a:path w="5417" h="5493" extrusionOk="0">
+                  <a:moveTo>
+                    <a:pt x="3088" y="1570"/>
+                  </a:moveTo>
+                  <a:lnTo>
+                    <a:pt x="3088" y="2354"/>
+                  </a:lnTo>
+                  <a:lnTo>
+                    <a:pt x="3873" y="2354"/>
+                  </a:lnTo>
+                  <a:lnTo>
+                    <a:pt x="3873" y="3139"/>
+                  </a:lnTo>
+                  <a:lnTo>
+                    <a:pt x="2304" y="3139"/>
+                  </a:lnTo>
+                  <a:lnTo>
+                    <a:pt x="2304" y="1570"/>
+                  </a:lnTo>
+                  <a:close/>
+                  <a:moveTo>
+                    <a:pt x="2709" y="1"/>
+                  </a:moveTo>
+                  <a:cubicBezTo>
+                    <a:pt x="1215" y="1"/>
+                    <a:pt x="1" y="1241"/>
+                    <a:pt x="1" y="2734"/>
+                  </a:cubicBezTo>
+                  <a:cubicBezTo>
+                    <a:pt x="1" y="4252"/>
+                    <a:pt x="1215" y="5492"/>
+                    <a:pt x="2709" y="5492"/>
+                  </a:cubicBezTo>
+                  <a:cubicBezTo>
+                    <a:pt x="4202" y="5492"/>
+                    <a:pt x="5416" y="4252"/>
+                    <a:pt x="5416" y="2734"/>
+                  </a:cubicBezTo>
+                  <a:cubicBezTo>
+                    <a:pt x="5416" y="1241"/>
+                    <a:pt x="4202" y="1"/>
+                    <a:pt x="2709" y="1"/>
+                  </a:cubicBezTo>
+                  <a:close/>
+                </a:path>
+              </a:pathLst>
+            </a:custGeom>
+            <a:solidFill>
+              <a:schemeClr val="lt2"/>
+            </a:solidFill>
+            <a:ln>
+              <a:noFill/>
+            </a:ln>
+          </p:spPr>
+          <p:txBody>
+            <a:bodyPr spcFirstLastPara="1" wrap="square" lIns="91425" tIns="91425" rIns="91425" bIns="91425" anchor="ctr" anchorCtr="0">
+              <a:noAutofit/>
+            </a:bodyPr>
+            <a:lstStyle/>
+            <a:p>
+              <a:pPr marL="0" lvl="0" indent="0" algn="l" rtl="0">
+                <a:spcBef>
+                  <a:spcPts val="0"/>
+                </a:spcBef>
+                <a:spcAft>
+                  <a:spcPts val="0"/>
+                </a:spcAft>
+                <a:buNone/>
+              </a:pPr>
+              <a:endParaRPr/>
+            </a:p>
+          </p:txBody>
+        </p:sp>
+      </p:grpSp>
     </p:spTree>
+    <p:extLst>
+      <p:ext uri="{BB962C8B-B14F-4D97-AF65-F5344CB8AC3E}">
+        <p14:creationId xmlns:p14="http://schemas.microsoft.com/office/powerpoint/2010/main" val="2929837140"/>
+      </p:ext>
+    </p:extLst>
   </p:cSld>
   <p:clrMapOvr>
     <a:masterClrMapping/>
